--- a/Capstone_Final_Presentation.pptx
+++ b/Capstone_Final_Presentation.pptx
@@ -5,8 +5,25 @@
     <p:sldMasterId id="2147483648" r:id="rId1"/>
   </p:sldMasterIdLst>
   <p:sldIdLst>
-    <p:sldId id="256" r:id="rId2"/>
-    <p:sldId id="257" r:id="rId3"/>
+    <p:sldId id="257" r:id="rId2"/>
+    <p:sldId id="275" r:id="rId3"/>
+    <p:sldId id="274" r:id="rId4"/>
+    <p:sldId id="259" r:id="rId5"/>
+    <p:sldId id="260" r:id="rId6"/>
+    <p:sldId id="258" r:id="rId7"/>
+    <p:sldId id="277" r:id="rId8"/>
+    <p:sldId id="276" r:id="rId9"/>
+    <p:sldId id="272" r:id="rId10"/>
+    <p:sldId id="263" r:id="rId11"/>
+    <p:sldId id="261" r:id="rId12"/>
+    <p:sldId id="262" r:id="rId13"/>
+    <p:sldId id="278" r:id="rId14"/>
+    <p:sldId id="264" r:id="rId15"/>
+    <p:sldId id="280" r:id="rId16"/>
+    <p:sldId id="265" r:id="rId17"/>
+    <p:sldId id="267" r:id="rId18"/>
+    <p:sldId id="268" r:id="rId19"/>
+    <p:sldId id="256" r:id="rId20"/>
   </p:sldIdLst>
   <p:sldSz cx="12192000" cy="6858000"/>
   <p:notesSz cx="6858000" cy="9144000"/>
@@ -105,6 +122,11 @@
       </a:defRPr>
     </a:lvl9pPr>
   </p:defaultTextStyle>
+  <p:extLst>
+    <p:ext uri="{EFAFB233-063F-42B5-8137-9DF3F51BA10A}">
+      <p15:sldGuideLst xmlns:p15="http://schemas.microsoft.com/office/powerpoint/2012/main"/>
+    </p:ext>
+  </p:extLst>
 </p:presentation>
 </file>
 
@@ -255,7 +277,7 @@
           <a:p>
             <a:fld id="{589FA69B-A904-4FBE-9552-0CB20D95990A}" type="datetimeFigureOut">
               <a:rPr lang="en-US" smtClean="0"/>
-              <a:t>12/3/2019</a:t>
+              <a:t>12/5/2019</a:t>
             </a:fld>
             <a:endParaRPr lang="en-US"/>
           </a:p>
@@ -453,7 +475,7 @@
           <a:p>
             <a:fld id="{589FA69B-A904-4FBE-9552-0CB20D95990A}" type="datetimeFigureOut">
               <a:rPr lang="en-US" smtClean="0"/>
-              <a:t>12/3/2019</a:t>
+              <a:t>12/5/2019</a:t>
             </a:fld>
             <a:endParaRPr lang="en-US"/>
           </a:p>
@@ -661,7 +683,7 @@
           <a:p>
             <a:fld id="{589FA69B-A904-4FBE-9552-0CB20D95990A}" type="datetimeFigureOut">
               <a:rPr lang="en-US" smtClean="0"/>
-              <a:t>12/3/2019</a:t>
+              <a:t>12/5/2019</a:t>
             </a:fld>
             <a:endParaRPr lang="en-US"/>
           </a:p>
@@ -859,7 +881,7 @@
           <a:p>
             <a:fld id="{589FA69B-A904-4FBE-9552-0CB20D95990A}" type="datetimeFigureOut">
               <a:rPr lang="en-US" smtClean="0"/>
-              <a:t>12/3/2019</a:t>
+              <a:t>12/5/2019</a:t>
             </a:fld>
             <a:endParaRPr lang="en-US"/>
           </a:p>
@@ -1134,7 +1156,7 @@
           <a:p>
             <a:fld id="{589FA69B-A904-4FBE-9552-0CB20D95990A}" type="datetimeFigureOut">
               <a:rPr lang="en-US" smtClean="0"/>
-              <a:t>12/3/2019</a:t>
+              <a:t>12/5/2019</a:t>
             </a:fld>
             <a:endParaRPr lang="en-US"/>
           </a:p>
@@ -1399,7 +1421,7 @@
           <a:p>
             <a:fld id="{589FA69B-A904-4FBE-9552-0CB20D95990A}" type="datetimeFigureOut">
               <a:rPr lang="en-US" smtClean="0"/>
-              <a:t>12/3/2019</a:t>
+              <a:t>12/5/2019</a:t>
             </a:fld>
             <a:endParaRPr lang="en-US"/>
           </a:p>
@@ -1811,7 +1833,7 @@
           <a:p>
             <a:fld id="{589FA69B-A904-4FBE-9552-0CB20D95990A}" type="datetimeFigureOut">
               <a:rPr lang="en-US" smtClean="0"/>
-              <a:t>12/3/2019</a:t>
+              <a:t>12/5/2019</a:t>
             </a:fld>
             <a:endParaRPr lang="en-US"/>
           </a:p>
@@ -1952,7 +1974,7 @@
           <a:p>
             <a:fld id="{589FA69B-A904-4FBE-9552-0CB20D95990A}" type="datetimeFigureOut">
               <a:rPr lang="en-US" smtClean="0"/>
-              <a:t>12/3/2019</a:t>
+              <a:t>12/5/2019</a:t>
             </a:fld>
             <a:endParaRPr lang="en-US"/>
           </a:p>
@@ -2065,7 +2087,7 @@
           <a:p>
             <a:fld id="{589FA69B-A904-4FBE-9552-0CB20D95990A}" type="datetimeFigureOut">
               <a:rPr lang="en-US" smtClean="0"/>
-              <a:t>12/3/2019</a:t>
+              <a:t>12/5/2019</a:t>
             </a:fld>
             <a:endParaRPr lang="en-US"/>
           </a:p>
@@ -2376,7 +2398,7 @@
           <a:p>
             <a:fld id="{589FA69B-A904-4FBE-9552-0CB20D95990A}" type="datetimeFigureOut">
               <a:rPr lang="en-US" smtClean="0"/>
-              <a:t>12/3/2019</a:t>
+              <a:t>12/5/2019</a:t>
             </a:fld>
             <a:endParaRPr lang="en-US"/>
           </a:p>
@@ -2664,7 +2686,7 @@
           <a:p>
             <a:fld id="{589FA69B-A904-4FBE-9552-0CB20D95990A}" type="datetimeFigureOut">
               <a:rPr lang="en-US" smtClean="0"/>
-              <a:t>12/3/2019</a:t>
+              <a:t>12/5/2019</a:t>
             </a:fld>
             <a:endParaRPr lang="en-US"/>
           </a:p>
@@ -2905,7 +2927,7 @@
           <a:p>
             <a:fld id="{589FA69B-A904-4FBE-9552-0CB20D95990A}" type="datetimeFigureOut">
               <a:rPr lang="en-US" smtClean="0"/>
-              <a:t>12/3/2019</a:t>
+              <a:t>12/5/2019</a:t>
             </a:fld>
             <a:endParaRPr lang="en-US"/>
           </a:p>
@@ -3324,6 +3346,3904 @@
       </p:grpSpPr>
       <p:sp>
         <p:nvSpPr>
+          <p:cNvPr id="6" name="TextBox 5">
+            <a:extLst>
+              <a:ext uri="{FF2B5EF4-FFF2-40B4-BE49-F238E27FC236}">
+                <a16:creationId xmlns:a16="http://schemas.microsoft.com/office/drawing/2014/main" id="{B29D7086-4AC2-4386-935D-04E349E7AD66}"/>
+              </a:ext>
+            </a:extLst>
+          </p:cNvPr>
+          <p:cNvSpPr txBox="1"/>
+          <p:nvPr/>
+        </p:nvSpPr>
+        <p:spPr>
+          <a:xfrm>
+            <a:off x="6096000" y="482160"/>
+            <a:ext cx="5219115" cy="523220"/>
+          </a:xfrm>
+          <a:prstGeom prst="rect">
+            <a:avLst/>
+          </a:prstGeom>
+          <a:noFill/>
+        </p:spPr>
+        <p:txBody>
+          <a:bodyPr wrap="square" rtlCol="0">
+            <a:spAutoFit/>
+          </a:bodyPr>
+          <a:lstStyle/>
+          <a:p>
+            <a:pPr algn="ctr"/>
+            <a:r>
+              <a:rPr lang="en-US" sz="2800" b="1" dirty="0"/>
+              <a:t>GA DSI-10 CAPSTONE PROJECT</a:t>
+            </a:r>
+          </a:p>
+        </p:txBody>
+      </p:sp>
+      <p:pic>
+        <p:nvPicPr>
+          <p:cNvPr id="5" name="Picture 2" descr="Image result for reinsurance">
+            <a:extLst>
+              <a:ext uri="{FF2B5EF4-FFF2-40B4-BE49-F238E27FC236}">
+                <a16:creationId xmlns:a16="http://schemas.microsoft.com/office/drawing/2014/main" id="{0855D54B-820D-4750-B100-FAB2DF09E6B1}"/>
+              </a:ext>
+            </a:extLst>
+          </p:cNvPr>
+          <p:cNvPicPr>
+            <a:picLocks noChangeAspect="1" noChangeArrowheads="1"/>
+          </p:cNvPicPr>
+          <p:nvPr/>
+        </p:nvPicPr>
+        <p:blipFill rotWithShape="1">
+          <a:blip r:embed="rId2">
+            <a:extLst>
+              <a:ext uri="{28A0092B-C50C-407E-A947-70E740481C1C}">
+                <a14:useLocalDpi xmlns:a14="http://schemas.microsoft.com/office/drawing/2010/main" val="0"/>
+              </a:ext>
+            </a:extLst>
+          </a:blip>
+          <a:srcRect l="20174" r="21466"/>
+          <a:stretch/>
+        </p:blipFill>
+        <p:spPr bwMode="auto">
+          <a:xfrm>
+            <a:off x="16408" y="1345741"/>
+            <a:ext cx="5725549" cy="5526327"/>
+          </a:xfrm>
+          <a:prstGeom prst="rect">
+            <a:avLst/>
+          </a:prstGeom>
+          <a:noFill/>
+          <a:extLst>
+            <a:ext uri="{909E8E84-426E-40DD-AFC4-6F175D3DCCD1}">
+              <a14:hiddenFill xmlns:a14="http://schemas.microsoft.com/office/drawing/2010/main">
+                <a:solidFill>
+                  <a:srgbClr val="FFFFFF"/>
+                </a:solidFill>
+              </a14:hiddenFill>
+            </a:ext>
+          </a:extLst>
+        </p:spPr>
+      </p:pic>
+      <p:sp>
+        <p:nvSpPr>
+          <p:cNvPr id="9" name="TextBox 8">
+            <a:extLst>
+              <a:ext uri="{FF2B5EF4-FFF2-40B4-BE49-F238E27FC236}">
+                <a16:creationId xmlns:a16="http://schemas.microsoft.com/office/drawing/2014/main" id="{E8C51B91-B27A-441D-B36A-B5CB81F0C2CE}"/>
+              </a:ext>
+            </a:extLst>
+          </p:cNvPr>
+          <p:cNvSpPr txBox="1"/>
+          <p:nvPr/>
+        </p:nvSpPr>
+        <p:spPr>
+          <a:xfrm>
+            <a:off x="7547316" y="5762537"/>
+            <a:ext cx="2316481" cy="707886"/>
+          </a:xfrm>
+          <a:prstGeom prst="rect">
+            <a:avLst/>
+          </a:prstGeom>
+          <a:noFill/>
+        </p:spPr>
+        <p:txBody>
+          <a:bodyPr wrap="square" rtlCol="0">
+            <a:spAutoFit/>
+          </a:bodyPr>
+          <a:lstStyle/>
+          <a:p>
+            <a:pPr algn="ctr"/>
+            <a:r>
+              <a:rPr lang="en-US" sz="2000" b="1" dirty="0"/>
+              <a:t>By Irwin Wei</a:t>
+            </a:r>
+          </a:p>
+          <a:p>
+            <a:pPr algn="ctr"/>
+            <a:r>
+              <a:rPr lang="en-US" sz="2000" dirty="0"/>
+              <a:t>5 December 2019</a:t>
+            </a:r>
+          </a:p>
+        </p:txBody>
+      </p:sp>
+      <p:sp>
+        <p:nvSpPr>
+          <p:cNvPr id="10" name="TextBox 9">
+            <a:extLst>
+              <a:ext uri="{FF2B5EF4-FFF2-40B4-BE49-F238E27FC236}">
+                <a16:creationId xmlns:a16="http://schemas.microsoft.com/office/drawing/2014/main" id="{BA496B7E-18AA-40CE-8133-A5D4C73E2C95}"/>
+              </a:ext>
+            </a:extLst>
+          </p:cNvPr>
+          <p:cNvSpPr txBox="1"/>
+          <p:nvPr/>
+        </p:nvSpPr>
+        <p:spPr>
+          <a:xfrm>
+            <a:off x="6020974" y="2575904"/>
+            <a:ext cx="5376201" cy="1631216"/>
+          </a:xfrm>
+          <a:prstGeom prst="rect">
+            <a:avLst/>
+          </a:prstGeom>
+          <a:noFill/>
+        </p:spPr>
+        <p:txBody>
+          <a:bodyPr wrap="square" rtlCol="0">
+            <a:spAutoFit/>
+          </a:bodyPr>
+          <a:lstStyle/>
+          <a:p>
+            <a:pPr algn="ctr"/>
+            <a:r>
+              <a:rPr lang="en-US" sz="2800" dirty="0"/>
+              <a:t>Predicting Whether Insurance Underwriting Gain Will Be Negative </a:t>
+            </a:r>
+          </a:p>
+          <a:p>
+            <a:pPr algn="ctr"/>
+            <a:endParaRPr lang="en-US" sz="2200" i="1" dirty="0"/>
+          </a:p>
+          <a:p>
+            <a:pPr algn="ctr"/>
+            <a:r>
+              <a:rPr lang="en-US" sz="2200" i="1" dirty="0"/>
+              <a:t>(with not such great data)</a:t>
+            </a:r>
+          </a:p>
+        </p:txBody>
+      </p:sp>
+    </p:spTree>
+    <p:extLst>
+      <p:ext uri="{BB962C8B-B14F-4D97-AF65-F5344CB8AC3E}">
+        <p14:creationId xmlns:p14="http://schemas.microsoft.com/office/powerpoint/2010/main" val="4249116187"/>
+      </p:ext>
+    </p:extLst>
+  </p:cSld>
+  <p:clrMapOvr>
+    <a:masterClrMapping/>
+  </p:clrMapOvr>
+</p:sld>
+</file>
+
+<file path=ppt/slides/slide10.xml><?xml version="1.0" encoding="utf-8"?>
+<p:sld xmlns:a="http://schemas.openxmlformats.org/drawingml/2006/main" xmlns:r="http://schemas.openxmlformats.org/officeDocument/2006/relationships" xmlns:p="http://schemas.openxmlformats.org/presentationml/2006/main">
+  <p:cSld>
+    <p:spTree>
+      <p:nvGrpSpPr>
+        <p:cNvPr id="1" name=""/>
+        <p:cNvGrpSpPr/>
+        <p:nvPr/>
+      </p:nvGrpSpPr>
+      <p:grpSpPr>
+        <a:xfrm>
+          <a:off x="0" y="0"/>
+          <a:ext cx="0" cy="0"/>
+          <a:chOff x="0" y="0"/>
+          <a:chExt cx="0" cy="0"/>
+        </a:xfrm>
+      </p:grpSpPr>
+      <p:pic>
+        <p:nvPicPr>
+          <p:cNvPr id="16" name="Picture 15">
+            <a:extLst>
+              <a:ext uri="{FF2B5EF4-FFF2-40B4-BE49-F238E27FC236}">
+                <a16:creationId xmlns:a16="http://schemas.microsoft.com/office/drawing/2014/main" id="{E90D7F43-3542-4E3C-8E1E-D0A0C016FD67}"/>
+              </a:ext>
+            </a:extLst>
+          </p:cNvPr>
+          <p:cNvPicPr>
+            <a:picLocks noChangeAspect="1"/>
+          </p:cNvPicPr>
+          <p:nvPr/>
+        </p:nvPicPr>
+        <p:blipFill>
+          <a:blip r:embed="rId2"/>
+          <a:stretch>
+            <a:fillRect/>
+          </a:stretch>
+        </p:blipFill>
+        <p:spPr>
+          <a:xfrm>
+            <a:off x="2719086" y="3204620"/>
+            <a:ext cx="8602275" cy="866896"/>
+          </a:xfrm>
+          <a:prstGeom prst="rect">
+            <a:avLst/>
+          </a:prstGeom>
+        </p:spPr>
+      </p:pic>
+      <p:pic>
+        <p:nvPicPr>
+          <p:cNvPr id="17" name="Picture 16">
+            <a:extLst>
+              <a:ext uri="{FF2B5EF4-FFF2-40B4-BE49-F238E27FC236}">
+                <a16:creationId xmlns:a16="http://schemas.microsoft.com/office/drawing/2014/main" id="{A4316B42-18E0-4704-B2B3-F44D3A37D5A3}"/>
+              </a:ext>
+            </a:extLst>
+          </p:cNvPr>
+          <p:cNvPicPr>
+            <a:picLocks noChangeAspect="1"/>
+          </p:cNvPicPr>
+          <p:nvPr/>
+        </p:nvPicPr>
+        <p:blipFill>
+          <a:blip r:embed="rId3"/>
+          <a:stretch>
+            <a:fillRect/>
+          </a:stretch>
+        </p:blipFill>
+        <p:spPr>
+          <a:xfrm>
+            <a:off x="2747664" y="4062244"/>
+            <a:ext cx="8602275" cy="2781688"/>
+          </a:xfrm>
+          <a:prstGeom prst="rect">
+            <a:avLst/>
+          </a:prstGeom>
+        </p:spPr>
+      </p:pic>
+      <p:pic>
+        <p:nvPicPr>
+          <p:cNvPr id="2" name="Picture 1">
+            <a:extLst>
+              <a:ext uri="{FF2B5EF4-FFF2-40B4-BE49-F238E27FC236}">
+                <a16:creationId xmlns:a16="http://schemas.microsoft.com/office/drawing/2014/main" id="{48CDCE2E-D142-4228-8719-F924767C4CC1}"/>
+              </a:ext>
+            </a:extLst>
+          </p:cNvPr>
+          <p:cNvPicPr>
+            <a:picLocks noChangeAspect="1"/>
+          </p:cNvPicPr>
+          <p:nvPr/>
+        </p:nvPicPr>
+        <p:blipFill>
+          <a:blip r:embed="rId4"/>
+          <a:stretch>
+            <a:fillRect/>
+          </a:stretch>
+        </p:blipFill>
+        <p:spPr>
+          <a:xfrm>
+            <a:off x="3573191" y="350691"/>
+            <a:ext cx="2706515" cy="4441228"/>
+          </a:xfrm>
+          <a:prstGeom prst="rect">
+            <a:avLst/>
+          </a:prstGeom>
+          <a:ln>
+            <a:solidFill>
+              <a:srgbClr val="0070C0"/>
+            </a:solidFill>
+          </a:ln>
+        </p:spPr>
+      </p:pic>
+      <p:pic>
+        <p:nvPicPr>
+          <p:cNvPr id="3" name="Picture 2">
+            <a:extLst>
+              <a:ext uri="{FF2B5EF4-FFF2-40B4-BE49-F238E27FC236}">
+                <a16:creationId xmlns:a16="http://schemas.microsoft.com/office/drawing/2014/main" id="{BC6D2398-000E-4DB4-92CD-9C1CED488E49}"/>
+              </a:ext>
+            </a:extLst>
+          </p:cNvPr>
+          <p:cNvPicPr>
+            <a:picLocks noChangeAspect="1"/>
+          </p:cNvPicPr>
+          <p:nvPr/>
+        </p:nvPicPr>
+        <p:blipFill>
+          <a:blip r:embed="rId5"/>
+          <a:stretch>
+            <a:fillRect/>
+          </a:stretch>
+        </p:blipFill>
+        <p:spPr>
+          <a:xfrm>
+            <a:off x="350193" y="376817"/>
+            <a:ext cx="2706516" cy="3612325"/>
+          </a:xfrm>
+          <a:prstGeom prst="rect">
+            <a:avLst/>
+          </a:prstGeom>
+          <a:ln>
+            <a:solidFill>
+              <a:srgbClr val="C00000"/>
+            </a:solidFill>
+          </a:ln>
+        </p:spPr>
+      </p:pic>
+      <p:pic>
+        <p:nvPicPr>
+          <p:cNvPr id="4" name="Picture 3">
+            <a:extLst>
+              <a:ext uri="{FF2B5EF4-FFF2-40B4-BE49-F238E27FC236}">
+                <a16:creationId xmlns:a16="http://schemas.microsoft.com/office/drawing/2014/main" id="{E28F62FF-1A1F-412F-BE9E-09072313D552}"/>
+              </a:ext>
+            </a:extLst>
+          </p:cNvPr>
+          <p:cNvPicPr>
+            <a:picLocks noChangeAspect="1"/>
+          </p:cNvPicPr>
+          <p:nvPr/>
+        </p:nvPicPr>
+        <p:blipFill>
+          <a:blip r:embed="rId6"/>
+          <a:stretch>
+            <a:fillRect/>
+          </a:stretch>
+        </p:blipFill>
+        <p:spPr>
+          <a:xfrm>
+            <a:off x="6882113" y="375649"/>
+            <a:ext cx="3986183" cy="2632385"/>
+          </a:xfrm>
+          <a:prstGeom prst="rect">
+            <a:avLst/>
+          </a:prstGeom>
+          <a:ln>
+            <a:solidFill>
+              <a:schemeClr val="tx1"/>
+            </a:solidFill>
+          </a:ln>
+        </p:spPr>
+      </p:pic>
+      <p:pic>
+        <p:nvPicPr>
+          <p:cNvPr id="11" name="Picture 10">
+            <a:extLst>
+              <a:ext uri="{FF2B5EF4-FFF2-40B4-BE49-F238E27FC236}">
+                <a16:creationId xmlns:a16="http://schemas.microsoft.com/office/drawing/2014/main" id="{4C0C14B2-1BBC-4151-8A55-54AA9684CC96}"/>
+              </a:ext>
+            </a:extLst>
+          </p:cNvPr>
+          <p:cNvPicPr>
+            <a:picLocks noChangeAspect="1"/>
+          </p:cNvPicPr>
+          <p:nvPr/>
+        </p:nvPicPr>
+        <p:blipFill>
+          <a:blip r:embed="rId6"/>
+          <a:stretch>
+            <a:fillRect/>
+          </a:stretch>
+        </p:blipFill>
+        <p:spPr>
+          <a:xfrm>
+            <a:off x="7034513" y="528049"/>
+            <a:ext cx="3986183" cy="2632385"/>
+          </a:xfrm>
+          <a:prstGeom prst="rect">
+            <a:avLst/>
+          </a:prstGeom>
+          <a:ln>
+            <a:solidFill>
+              <a:schemeClr val="tx1"/>
+            </a:solidFill>
+          </a:ln>
+        </p:spPr>
+      </p:pic>
+      <p:pic>
+        <p:nvPicPr>
+          <p:cNvPr id="12" name="Picture 11">
+            <a:extLst>
+              <a:ext uri="{FF2B5EF4-FFF2-40B4-BE49-F238E27FC236}">
+                <a16:creationId xmlns:a16="http://schemas.microsoft.com/office/drawing/2014/main" id="{D3FC9C61-C5E7-4470-AFBE-BFDA0BF50AA6}"/>
+              </a:ext>
+            </a:extLst>
+          </p:cNvPr>
+          <p:cNvPicPr>
+            <a:picLocks noChangeAspect="1"/>
+          </p:cNvPicPr>
+          <p:nvPr/>
+        </p:nvPicPr>
+        <p:blipFill>
+          <a:blip r:embed="rId6"/>
+          <a:stretch>
+            <a:fillRect/>
+          </a:stretch>
+        </p:blipFill>
+        <p:spPr>
+          <a:xfrm>
+            <a:off x="7186913" y="680449"/>
+            <a:ext cx="3986183" cy="2632385"/>
+          </a:xfrm>
+          <a:prstGeom prst="rect">
+            <a:avLst/>
+          </a:prstGeom>
+          <a:ln>
+            <a:solidFill>
+              <a:schemeClr val="tx1"/>
+            </a:solidFill>
+          </a:ln>
+        </p:spPr>
+      </p:pic>
+      <p:pic>
+        <p:nvPicPr>
+          <p:cNvPr id="13" name="Picture 12">
+            <a:extLst>
+              <a:ext uri="{FF2B5EF4-FFF2-40B4-BE49-F238E27FC236}">
+                <a16:creationId xmlns:a16="http://schemas.microsoft.com/office/drawing/2014/main" id="{D1C64B9D-E825-4BBB-999C-B01831275E30}"/>
+              </a:ext>
+            </a:extLst>
+          </p:cNvPr>
+          <p:cNvPicPr>
+            <a:picLocks noChangeAspect="1"/>
+          </p:cNvPicPr>
+          <p:nvPr/>
+        </p:nvPicPr>
+        <p:blipFill>
+          <a:blip r:embed="rId6"/>
+          <a:stretch>
+            <a:fillRect/>
+          </a:stretch>
+        </p:blipFill>
+        <p:spPr>
+          <a:xfrm>
+            <a:off x="7339313" y="832849"/>
+            <a:ext cx="3986183" cy="2632385"/>
+          </a:xfrm>
+          <a:prstGeom prst="rect">
+            <a:avLst/>
+          </a:prstGeom>
+          <a:ln>
+            <a:solidFill>
+              <a:schemeClr val="tx1"/>
+            </a:solidFill>
+          </a:ln>
+        </p:spPr>
+      </p:pic>
+      <p:sp>
+        <p:nvSpPr>
+          <p:cNvPr id="18" name="Arrow: Right 17">
+            <a:extLst>
+              <a:ext uri="{FF2B5EF4-FFF2-40B4-BE49-F238E27FC236}">
+                <a16:creationId xmlns:a16="http://schemas.microsoft.com/office/drawing/2014/main" id="{65305080-01C6-4DF7-A649-7C0C0BED10FF}"/>
+              </a:ext>
+            </a:extLst>
+          </p:cNvPr>
+          <p:cNvSpPr/>
+          <p:nvPr/>
+        </p:nvSpPr>
+        <p:spPr>
+          <a:xfrm>
+            <a:off x="2719085" y="796833"/>
+            <a:ext cx="1387595" cy="866896"/>
+          </a:xfrm>
+          <a:prstGeom prst="rightArrow">
+            <a:avLst/>
+          </a:prstGeom>
+        </p:spPr>
+        <p:style>
+          <a:lnRef idx="2">
+            <a:schemeClr val="accent1">
+              <a:shade val="50000"/>
+            </a:schemeClr>
+          </a:lnRef>
+          <a:fillRef idx="1">
+            <a:schemeClr val="accent1"/>
+          </a:fillRef>
+          <a:effectRef idx="0">
+            <a:schemeClr val="accent1"/>
+          </a:effectRef>
+          <a:fontRef idx="minor">
+            <a:schemeClr val="lt1"/>
+          </a:fontRef>
+        </p:style>
+        <p:txBody>
+          <a:bodyPr rtlCol="0" anchor="ctr"/>
+          <a:lstStyle/>
+          <a:p>
+            <a:pPr algn="ctr"/>
+            <a:endParaRPr lang="en-US"/>
+          </a:p>
+        </p:txBody>
+      </p:sp>
+      <p:sp>
+        <p:nvSpPr>
+          <p:cNvPr id="19" name="Arrow: Right 18">
+            <a:extLst>
+              <a:ext uri="{FF2B5EF4-FFF2-40B4-BE49-F238E27FC236}">
+                <a16:creationId xmlns:a16="http://schemas.microsoft.com/office/drawing/2014/main" id="{5C6D8C81-DE11-42D1-AC0A-A07A9DEB5E16}"/>
+              </a:ext>
+            </a:extLst>
+          </p:cNvPr>
+          <p:cNvSpPr/>
+          <p:nvPr/>
+        </p:nvSpPr>
+        <p:spPr>
+          <a:xfrm>
+            <a:off x="5402202" y="1410793"/>
+            <a:ext cx="1387595" cy="866896"/>
+          </a:xfrm>
+          <a:prstGeom prst="rightArrow">
+            <a:avLst/>
+          </a:prstGeom>
+        </p:spPr>
+        <p:style>
+          <a:lnRef idx="2">
+            <a:schemeClr val="accent1">
+              <a:shade val="50000"/>
+            </a:schemeClr>
+          </a:lnRef>
+          <a:fillRef idx="1">
+            <a:schemeClr val="accent1"/>
+          </a:fillRef>
+          <a:effectRef idx="0">
+            <a:schemeClr val="accent1"/>
+          </a:effectRef>
+          <a:fontRef idx="minor">
+            <a:schemeClr val="lt1"/>
+          </a:fontRef>
+        </p:style>
+        <p:txBody>
+          <a:bodyPr rtlCol="0" anchor="ctr"/>
+          <a:lstStyle/>
+          <a:p>
+            <a:pPr algn="ctr"/>
+            <a:endParaRPr lang="en-US"/>
+          </a:p>
+        </p:txBody>
+      </p:sp>
+      <p:sp>
+        <p:nvSpPr>
+          <p:cNvPr id="20" name="Arrow: Right 19">
+            <a:extLst>
+              <a:ext uri="{FF2B5EF4-FFF2-40B4-BE49-F238E27FC236}">
+                <a16:creationId xmlns:a16="http://schemas.microsoft.com/office/drawing/2014/main" id="{8F6C474B-7A0A-4D6B-A0D9-97E6E22CB2EA}"/>
+              </a:ext>
+            </a:extLst>
+          </p:cNvPr>
+          <p:cNvSpPr/>
+          <p:nvPr/>
+        </p:nvSpPr>
+        <p:spPr>
+          <a:xfrm rot="5400000">
+            <a:off x="7900358" y="3285024"/>
+            <a:ext cx="1387595" cy="866896"/>
+          </a:xfrm>
+          <a:prstGeom prst="rightArrow">
+            <a:avLst/>
+          </a:prstGeom>
+        </p:spPr>
+        <p:style>
+          <a:lnRef idx="2">
+            <a:schemeClr val="accent1">
+              <a:shade val="50000"/>
+            </a:schemeClr>
+          </a:lnRef>
+          <a:fillRef idx="1">
+            <a:schemeClr val="accent1"/>
+          </a:fillRef>
+          <a:effectRef idx="0">
+            <a:schemeClr val="accent1"/>
+          </a:effectRef>
+          <a:fontRef idx="minor">
+            <a:schemeClr val="lt1"/>
+          </a:fontRef>
+        </p:style>
+        <p:txBody>
+          <a:bodyPr rtlCol="0" anchor="ctr"/>
+          <a:lstStyle/>
+          <a:p>
+            <a:pPr algn="ctr"/>
+            <a:endParaRPr lang="en-US"/>
+          </a:p>
+        </p:txBody>
+      </p:sp>
+      <p:pic>
+        <p:nvPicPr>
+          <p:cNvPr id="21" name="Picture 2" descr="Image result for reinsurance">
+            <a:extLst>
+              <a:ext uri="{FF2B5EF4-FFF2-40B4-BE49-F238E27FC236}">
+                <a16:creationId xmlns:a16="http://schemas.microsoft.com/office/drawing/2014/main" id="{6B74E421-9ED8-4848-985C-B7877E1CAF97}"/>
+              </a:ext>
+            </a:extLst>
+          </p:cNvPr>
+          <p:cNvPicPr>
+            <a:picLocks noChangeAspect="1" noChangeArrowheads="1"/>
+          </p:cNvPicPr>
+          <p:nvPr/>
+        </p:nvPicPr>
+        <p:blipFill rotWithShape="1">
+          <a:blip r:embed="rId7">
+            <a:extLst>
+              <a:ext uri="{28A0092B-C50C-407E-A947-70E740481C1C}">
+                <a14:useLocalDpi xmlns:a14="http://schemas.microsoft.com/office/drawing/2010/main" val="0"/>
+              </a:ext>
+            </a:extLst>
+          </a:blip>
+          <a:srcRect l="20174" r="21466"/>
+          <a:stretch/>
+        </p:blipFill>
+        <p:spPr bwMode="auto">
+          <a:xfrm>
+            <a:off x="2341" y="5566735"/>
+            <a:ext cx="1352390" cy="1305333"/>
+          </a:xfrm>
+          <a:prstGeom prst="rect">
+            <a:avLst/>
+          </a:prstGeom>
+          <a:noFill/>
+          <a:extLst>
+            <a:ext uri="{909E8E84-426E-40DD-AFC4-6F175D3DCCD1}">
+              <a14:hiddenFill xmlns:a14="http://schemas.microsoft.com/office/drawing/2010/main">
+                <a:solidFill>
+                  <a:srgbClr val="FFFFFF"/>
+                </a:solidFill>
+              </a14:hiddenFill>
+            </a:ext>
+          </a:extLst>
+        </p:spPr>
+      </p:pic>
+    </p:spTree>
+    <p:extLst>
+      <p:ext uri="{BB962C8B-B14F-4D97-AF65-F5344CB8AC3E}">
+        <p14:creationId xmlns:p14="http://schemas.microsoft.com/office/powerpoint/2010/main" val="2757337293"/>
+      </p:ext>
+    </p:extLst>
+  </p:cSld>
+  <p:clrMapOvr>
+    <a:masterClrMapping/>
+  </p:clrMapOvr>
+</p:sld>
+</file>
+
+<file path=ppt/slides/slide11.xml><?xml version="1.0" encoding="utf-8"?>
+<p:sld xmlns:a="http://schemas.openxmlformats.org/drawingml/2006/main" xmlns:r="http://schemas.openxmlformats.org/officeDocument/2006/relationships" xmlns:p="http://schemas.openxmlformats.org/presentationml/2006/main">
+  <p:cSld>
+    <p:spTree>
+      <p:nvGrpSpPr>
+        <p:cNvPr id="1" name=""/>
+        <p:cNvGrpSpPr/>
+        <p:nvPr/>
+      </p:nvGrpSpPr>
+      <p:grpSpPr>
+        <a:xfrm>
+          <a:off x="0" y="0"/>
+          <a:ext cx="0" cy="0"/>
+          <a:chOff x="0" y="0"/>
+          <a:chExt cx="0" cy="0"/>
+        </a:xfrm>
+      </p:grpSpPr>
+      <p:pic>
+        <p:nvPicPr>
+          <p:cNvPr id="3074" name="Picture 2" descr="Image result for devastated look">
+            <a:extLst>
+              <a:ext uri="{FF2B5EF4-FFF2-40B4-BE49-F238E27FC236}">
+                <a16:creationId xmlns:a16="http://schemas.microsoft.com/office/drawing/2014/main" id="{BD0BC97C-B508-44DC-AD64-B7CF936F6343}"/>
+              </a:ext>
+            </a:extLst>
+          </p:cNvPr>
+          <p:cNvPicPr>
+            <a:picLocks noChangeAspect="1" noChangeArrowheads="1"/>
+          </p:cNvPicPr>
+          <p:nvPr/>
+        </p:nvPicPr>
+        <p:blipFill>
+          <a:blip r:embed="rId2">
+            <a:extLst>
+              <a:ext uri="{BEBA8EAE-BF5A-486C-A8C5-ECC9F3942E4B}">
+                <a14:imgProps xmlns:a14="http://schemas.microsoft.com/office/drawing/2010/main">
+                  <a14:imgLayer r:embed="rId3">
+                    <a14:imgEffect>
+                      <a14:artisticPhotocopy/>
+                    </a14:imgEffect>
+                  </a14:imgLayer>
+                </a14:imgProps>
+              </a:ext>
+              <a:ext uri="{28A0092B-C50C-407E-A947-70E740481C1C}">
+                <a14:useLocalDpi xmlns:a14="http://schemas.microsoft.com/office/drawing/2010/main" val="0"/>
+              </a:ext>
+            </a:extLst>
+          </a:blip>
+          <a:srcRect/>
+          <a:stretch>
+            <a:fillRect/>
+          </a:stretch>
+        </p:blipFill>
+        <p:spPr bwMode="auto">
+          <a:xfrm>
+            <a:off x="8280866" y="-1000"/>
+            <a:ext cx="3912394" cy="2941143"/>
+          </a:xfrm>
+          <a:prstGeom prst="rect">
+            <a:avLst/>
+          </a:prstGeom>
+          <a:noFill/>
+          <a:extLst>
+            <a:ext uri="{909E8E84-426E-40DD-AFC4-6F175D3DCCD1}">
+              <a14:hiddenFill xmlns:a14="http://schemas.microsoft.com/office/drawing/2010/main">
+                <a:solidFill>
+                  <a:srgbClr val="FFFFFF"/>
+                </a:solidFill>
+              </a14:hiddenFill>
+            </a:ext>
+          </a:extLst>
+        </p:spPr>
+      </p:pic>
+      <p:pic>
+        <p:nvPicPr>
+          <p:cNvPr id="6" name="Picture 5">
+            <a:extLst>
+              <a:ext uri="{FF2B5EF4-FFF2-40B4-BE49-F238E27FC236}">
+                <a16:creationId xmlns:a16="http://schemas.microsoft.com/office/drawing/2014/main" id="{2230116C-92D2-43CC-8EB7-FD483A52D4E0}"/>
+              </a:ext>
+            </a:extLst>
+          </p:cNvPr>
+          <p:cNvPicPr>
+            <a:picLocks noChangeAspect="1"/>
+          </p:cNvPicPr>
+          <p:nvPr/>
+        </p:nvPicPr>
+        <p:blipFill>
+          <a:blip r:embed="rId4"/>
+          <a:stretch>
+            <a:fillRect/>
+          </a:stretch>
+        </p:blipFill>
+        <p:spPr>
+          <a:xfrm>
+            <a:off x="2147336" y="9535"/>
+            <a:ext cx="7123273" cy="2414524"/>
+          </a:xfrm>
+          <a:prstGeom prst="rect">
+            <a:avLst/>
+          </a:prstGeom>
+        </p:spPr>
+      </p:pic>
+      <p:pic>
+        <p:nvPicPr>
+          <p:cNvPr id="7" name="Picture 6">
+            <a:extLst>
+              <a:ext uri="{FF2B5EF4-FFF2-40B4-BE49-F238E27FC236}">
+                <a16:creationId xmlns:a16="http://schemas.microsoft.com/office/drawing/2014/main" id="{F42BF7A5-5604-45F3-B530-54DA04C3C05D}"/>
+              </a:ext>
+            </a:extLst>
+          </p:cNvPr>
+          <p:cNvPicPr>
+            <a:picLocks noChangeAspect="1"/>
+          </p:cNvPicPr>
+          <p:nvPr/>
+        </p:nvPicPr>
+        <p:blipFill>
+          <a:blip r:embed="rId5"/>
+          <a:stretch>
+            <a:fillRect/>
+          </a:stretch>
+        </p:blipFill>
+        <p:spPr>
+          <a:xfrm>
+            <a:off x="2147338" y="2136956"/>
+            <a:ext cx="7123272" cy="2354374"/>
+          </a:xfrm>
+          <a:prstGeom prst="rect">
+            <a:avLst/>
+          </a:prstGeom>
+        </p:spPr>
+      </p:pic>
+      <p:pic>
+        <p:nvPicPr>
+          <p:cNvPr id="8" name="Picture 7">
+            <a:extLst>
+              <a:ext uri="{FF2B5EF4-FFF2-40B4-BE49-F238E27FC236}">
+                <a16:creationId xmlns:a16="http://schemas.microsoft.com/office/drawing/2014/main" id="{AD5952B3-3CAA-495E-BF47-FEBF688C3916}"/>
+              </a:ext>
+            </a:extLst>
+          </p:cNvPr>
+          <p:cNvPicPr>
+            <a:picLocks noChangeAspect="1"/>
+          </p:cNvPicPr>
+          <p:nvPr/>
+        </p:nvPicPr>
+        <p:blipFill>
+          <a:blip r:embed="rId6"/>
+          <a:stretch>
+            <a:fillRect/>
+          </a:stretch>
+        </p:blipFill>
+        <p:spPr>
+          <a:xfrm>
+            <a:off x="2137810" y="4464088"/>
+            <a:ext cx="7123272" cy="2394449"/>
+          </a:xfrm>
+          <a:prstGeom prst="rect">
+            <a:avLst/>
+          </a:prstGeom>
+        </p:spPr>
+      </p:pic>
+      <p:sp>
+        <p:nvSpPr>
+          <p:cNvPr id="9" name="TextBox 8">
+            <a:extLst>
+              <a:ext uri="{FF2B5EF4-FFF2-40B4-BE49-F238E27FC236}">
+                <a16:creationId xmlns:a16="http://schemas.microsoft.com/office/drawing/2014/main" id="{D18293C9-5C31-4549-8A65-B92849BA854C}"/>
+              </a:ext>
+            </a:extLst>
+          </p:cNvPr>
+          <p:cNvSpPr txBox="1"/>
+          <p:nvPr/>
+        </p:nvSpPr>
+        <p:spPr>
+          <a:xfrm>
+            <a:off x="6191795" y="561653"/>
+            <a:ext cx="666205" cy="369332"/>
+          </a:xfrm>
+          <a:prstGeom prst="rect">
+            <a:avLst/>
+          </a:prstGeom>
+          <a:noFill/>
+        </p:spPr>
+        <p:txBody>
+          <a:bodyPr wrap="square" rtlCol="0">
+            <a:spAutoFit/>
+          </a:bodyPr>
+          <a:lstStyle/>
+          <a:p>
+            <a:pPr algn="ctr"/>
+            <a:r>
+              <a:rPr lang="en-US" b="1" dirty="0"/>
+              <a:t>Box</a:t>
+            </a:r>
+          </a:p>
+        </p:txBody>
+      </p:sp>
+      <p:cxnSp>
+        <p:nvCxnSpPr>
+          <p:cNvPr id="11" name="Straight Arrow Connector 10">
+            <a:extLst>
+              <a:ext uri="{FF2B5EF4-FFF2-40B4-BE49-F238E27FC236}">
+                <a16:creationId xmlns:a16="http://schemas.microsoft.com/office/drawing/2014/main" id="{11D47DD2-2F58-477E-9092-31178D9C7FA6}"/>
+              </a:ext>
+            </a:extLst>
+          </p:cNvPr>
+          <p:cNvCxnSpPr>
+            <a:stCxn id="9" idx="2"/>
+          </p:cNvCxnSpPr>
+          <p:nvPr/>
+        </p:nvCxnSpPr>
+        <p:spPr>
+          <a:xfrm flipH="1">
+            <a:off x="5995851" y="930985"/>
+            <a:ext cx="529047" cy="284521"/>
+          </a:xfrm>
+          <a:prstGeom prst="straightConnector1">
+            <a:avLst/>
+          </a:prstGeom>
+          <a:ln>
+            <a:tailEnd type="triangle"/>
+          </a:ln>
+        </p:spPr>
+        <p:style>
+          <a:lnRef idx="1">
+            <a:schemeClr val="accent1"/>
+          </a:lnRef>
+          <a:fillRef idx="0">
+            <a:schemeClr val="accent1"/>
+          </a:fillRef>
+          <a:effectRef idx="0">
+            <a:schemeClr val="accent1"/>
+          </a:effectRef>
+          <a:fontRef idx="minor">
+            <a:schemeClr val="tx1"/>
+          </a:fontRef>
+        </p:style>
+      </p:cxnSp>
+      <p:pic>
+        <p:nvPicPr>
+          <p:cNvPr id="13" name="Picture 2" descr="Image result for reinsurance">
+            <a:extLst>
+              <a:ext uri="{FF2B5EF4-FFF2-40B4-BE49-F238E27FC236}">
+                <a16:creationId xmlns:a16="http://schemas.microsoft.com/office/drawing/2014/main" id="{FD39C9DD-FDC2-4484-AA9D-4806679E49C4}"/>
+              </a:ext>
+            </a:extLst>
+          </p:cNvPr>
+          <p:cNvPicPr>
+            <a:picLocks noChangeAspect="1" noChangeArrowheads="1"/>
+          </p:cNvPicPr>
+          <p:nvPr/>
+        </p:nvPicPr>
+        <p:blipFill rotWithShape="1">
+          <a:blip r:embed="rId7">
+            <a:extLst>
+              <a:ext uri="{28A0092B-C50C-407E-A947-70E740481C1C}">
+                <a14:useLocalDpi xmlns:a14="http://schemas.microsoft.com/office/drawing/2010/main" val="0"/>
+              </a:ext>
+            </a:extLst>
+          </a:blip>
+          <a:srcRect l="20174" r="21466"/>
+          <a:stretch/>
+        </p:blipFill>
+        <p:spPr bwMode="auto">
+          <a:xfrm>
+            <a:off x="2341" y="5552667"/>
+            <a:ext cx="1352390" cy="1305333"/>
+          </a:xfrm>
+          <a:prstGeom prst="rect">
+            <a:avLst/>
+          </a:prstGeom>
+          <a:noFill/>
+          <a:extLst>
+            <a:ext uri="{909E8E84-426E-40DD-AFC4-6F175D3DCCD1}">
+              <a14:hiddenFill xmlns:a14="http://schemas.microsoft.com/office/drawing/2010/main">
+                <a:solidFill>
+                  <a:srgbClr val="FFFFFF"/>
+                </a:solidFill>
+              </a14:hiddenFill>
+            </a:ext>
+          </a:extLst>
+        </p:spPr>
+      </p:pic>
+      <p:sp>
+        <p:nvSpPr>
+          <p:cNvPr id="14" name="TextBox 13">
+            <a:extLst>
+              <a:ext uri="{FF2B5EF4-FFF2-40B4-BE49-F238E27FC236}">
+                <a16:creationId xmlns:a16="http://schemas.microsoft.com/office/drawing/2014/main" id="{C91F2865-37F9-4FC9-BCE5-26FF1AE64EF3}"/>
+              </a:ext>
+            </a:extLst>
+          </p:cNvPr>
+          <p:cNvSpPr txBox="1"/>
+          <p:nvPr/>
+        </p:nvSpPr>
+        <p:spPr>
+          <a:xfrm>
+            <a:off x="144623" y="84599"/>
+            <a:ext cx="1472663" cy="954107"/>
+          </a:xfrm>
+          <a:prstGeom prst="rect">
+            <a:avLst/>
+          </a:prstGeom>
+          <a:noFill/>
+        </p:spPr>
+        <p:txBody>
+          <a:bodyPr wrap="square" rtlCol="0">
+            <a:spAutoFit/>
+          </a:bodyPr>
+          <a:lstStyle/>
+          <a:p>
+            <a:r>
+              <a:rPr lang="en-US" sz="2800" b="1" dirty="0"/>
+              <a:t>The horror.</a:t>
+            </a:r>
+          </a:p>
+        </p:txBody>
+      </p:sp>
+      <p:sp>
+        <p:nvSpPr>
+          <p:cNvPr id="16" name="TextBox 15">
+            <a:extLst>
+              <a:ext uri="{FF2B5EF4-FFF2-40B4-BE49-F238E27FC236}">
+                <a16:creationId xmlns:a16="http://schemas.microsoft.com/office/drawing/2014/main" id="{7F6A8355-25D2-472A-9923-DB9AA93A5D7C}"/>
+              </a:ext>
+            </a:extLst>
+          </p:cNvPr>
+          <p:cNvSpPr txBox="1"/>
+          <p:nvPr/>
+        </p:nvSpPr>
+        <p:spPr>
+          <a:xfrm>
+            <a:off x="9767304" y="4360619"/>
+            <a:ext cx="2190233" cy="523220"/>
+          </a:xfrm>
+          <a:prstGeom prst="rect">
+            <a:avLst/>
+          </a:prstGeom>
+          <a:noFill/>
+        </p:spPr>
+        <p:txBody>
+          <a:bodyPr wrap="square" rtlCol="0">
+            <a:spAutoFit/>
+          </a:bodyPr>
+          <a:lstStyle/>
+          <a:p>
+            <a:r>
+              <a:rPr lang="en-US" sz="2800" b="1" dirty="0"/>
+              <a:t>~ 9,000 rows</a:t>
+            </a:r>
+          </a:p>
+        </p:txBody>
+      </p:sp>
+    </p:spTree>
+    <p:extLst>
+      <p:ext uri="{BB962C8B-B14F-4D97-AF65-F5344CB8AC3E}">
+        <p14:creationId xmlns:p14="http://schemas.microsoft.com/office/powerpoint/2010/main" val="4267428848"/>
+      </p:ext>
+    </p:extLst>
+  </p:cSld>
+  <p:clrMapOvr>
+    <a:masterClrMapping/>
+  </p:clrMapOvr>
+</p:sld>
+</file>
+
+<file path=ppt/slides/slide12.xml><?xml version="1.0" encoding="utf-8"?>
+<p:sld xmlns:a="http://schemas.openxmlformats.org/drawingml/2006/main" xmlns:r="http://schemas.openxmlformats.org/officeDocument/2006/relationships" xmlns:p="http://schemas.openxmlformats.org/presentationml/2006/main">
+  <p:cSld>
+    <p:spTree>
+      <p:nvGrpSpPr>
+        <p:cNvPr id="1" name=""/>
+        <p:cNvGrpSpPr/>
+        <p:nvPr/>
+      </p:nvGrpSpPr>
+      <p:grpSpPr>
+        <a:xfrm>
+          <a:off x="0" y="0"/>
+          <a:ext cx="0" cy="0"/>
+          <a:chOff x="0" y="0"/>
+          <a:chExt cx="0" cy="0"/>
+        </a:xfrm>
+      </p:grpSpPr>
+      <p:pic>
+        <p:nvPicPr>
+          <p:cNvPr id="2" name="Picture 1">
+            <a:extLst>
+              <a:ext uri="{FF2B5EF4-FFF2-40B4-BE49-F238E27FC236}">
+                <a16:creationId xmlns:a16="http://schemas.microsoft.com/office/drawing/2014/main" id="{41A242F0-ABF0-4929-870A-335933428080}"/>
+              </a:ext>
+            </a:extLst>
+          </p:cNvPr>
+          <p:cNvPicPr>
+            <a:picLocks noChangeAspect="1"/>
+          </p:cNvPicPr>
+          <p:nvPr/>
+        </p:nvPicPr>
+        <p:blipFill>
+          <a:blip r:embed="rId2"/>
+          <a:stretch>
+            <a:fillRect/>
+          </a:stretch>
+        </p:blipFill>
+        <p:spPr>
+          <a:xfrm>
+            <a:off x="2330882" y="32562"/>
+            <a:ext cx="6855321" cy="2282320"/>
+          </a:xfrm>
+          <a:prstGeom prst="rect">
+            <a:avLst/>
+          </a:prstGeom>
+        </p:spPr>
+      </p:pic>
+      <p:pic>
+        <p:nvPicPr>
+          <p:cNvPr id="3" name="Picture 2">
+            <a:extLst>
+              <a:ext uri="{FF2B5EF4-FFF2-40B4-BE49-F238E27FC236}">
+                <a16:creationId xmlns:a16="http://schemas.microsoft.com/office/drawing/2014/main" id="{27303B56-18C7-4BC4-AA4D-F65CFA5875F6}"/>
+              </a:ext>
+            </a:extLst>
+          </p:cNvPr>
+          <p:cNvPicPr>
+            <a:picLocks noChangeAspect="1"/>
+          </p:cNvPicPr>
+          <p:nvPr/>
+        </p:nvPicPr>
+        <p:blipFill>
+          <a:blip r:embed="rId3"/>
+          <a:stretch>
+            <a:fillRect/>
+          </a:stretch>
+        </p:blipFill>
+        <p:spPr>
+          <a:xfrm>
+            <a:off x="2364224" y="2292705"/>
+            <a:ext cx="6821979" cy="2299166"/>
+          </a:xfrm>
+          <a:prstGeom prst="rect">
+            <a:avLst/>
+          </a:prstGeom>
+        </p:spPr>
+      </p:pic>
+      <p:pic>
+        <p:nvPicPr>
+          <p:cNvPr id="4" name="Picture 3">
+            <a:extLst>
+              <a:ext uri="{FF2B5EF4-FFF2-40B4-BE49-F238E27FC236}">
+                <a16:creationId xmlns:a16="http://schemas.microsoft.com/office/drawing/2014/main" id="{A9DF67EF-2B49-4CF1-8D96-A1C3C5139604}"/>
+              </a:ext>
+            </a:extLst>
+          </p:cNvPr>
+          <p:cNvPicPr>
+            <a:picLocks noChangeAspect="1"/>
+          </p:cNvPicPr>
+          <p:nvPr/>
+        </p:nvPicPr>
+        <p:blipFill>
+          <a:blip r:embed="rId4"/>
+          <a:stretch>
+            <a:fillRect/>
+          </a:stretch>
+        </p:blipFill>
+        <p:spPr>
+          <a:xfrm>
+            <a:off x="2321356" y="4524701"/>
+            <a:ext cx="6864847" cy="2296634"/>
+          </a:xfrm>
+          <a:prstGeom prst="rect">
+            <a:avLst/>
+          </a:prstGeom>
+        </p:spPr>
+      </p:pic>
+      <p:pic>
+        <p:nvPicPr>
+          <p:cNvPr id="4098" name="Picture 2" descr="Image result for hands up in frustration">
+            <a:extLst>
+              <a:ext uri="{FF2B5EF4-FFF2-40B4-BE49-F238E27FC236}">
+                <a16:creationId xmlns:a16="http://schemas.microsoft.com/office/drawing/2014/main" id="{AB0D675B-E74F-4988-A8B9-7503A42E036C}"/>
+              </a:ext>
+            </a:extLst>
+          </p:cNvPr>
+          <p:cNvPicPr>
+            <a:picLocks noChangeAspect="1" noChangeArrowheads="1"/>
+          </p:cNvPicPr>
+          <p:nvPr/>
+        </p:nvPicPr>
+        <p:blipFill>
+          <a:blip r:embed="rId5">
+            <a:extLst>
+              <a:ext uri="{28A0092B-C50C-407E-A947-70E740481C1C}">
+                <a14:useLocalDpi xmlns:a14="http://schemas.microsoft.com/office/drawing/2010/main" val="0"/>
+              </a:ext>
+            </a:extLst>
+          </a:blip>
+          <a:srcRect/>
+          <a:stretch>
+            <a:fillRect/>
+          </a:stretch>
+        </p:blipFill>
+        <p:spPr bwMode="auto">
+          <a:xfrm>
+            <a:off x="10166252" y="0"/>
+            <a:ext cx="2025748" cy="2025748"/>
+          </a:xfrm>
+          <a:prstGeom prst="rect">
+            <a:avLst/>
+          </a:prstGeom>
+          <a:noFill/>
+          <a:extLst>
+            <a:ext uri="{909E8E84-426E-40DD-AFC4-6F175D3DCCD1}">
+              <a14:hiddenFill xmlns:a14="http://schemas.microsoft.com/office/drawing/2010/main">
+                <a:solidFill>
+                  <a:srgbClr val="FFFFFF"/>
+                </a:solidFill>
+              </a14:hiddenFill>
+            </a:ext>
+          </a:extLst>
+        </p:spPr>
+      </p:pic>
+      <p:pic>
+        <p:nvPicPr>
+          <p:cNvPr id="13" name="Picture 2" descr="Image result for reinsurance">
+            <a:extLst>
+              <a:ext uri="{FF2B5EF4-FFF2-40B4-BE49-F238E27FC236}">
+                <a16:creationId xmlns:a16="http://schemas.microsoft.com/office/drawing/2014/main" id="{259D8AD4-265C-4B42-B313-C7DB03A78AEA}"/>
+              </a:ext>
+            </a:extLst>
+          </p:cNvPr>
+          <p:cNvPicPr>
+            <a:picLocks noChangeAspect="1" noChangeArrowheads="1"/>
+          </p:cNvPicPr>
+          <p:nvPr/>
+        </p:nvPicPr>
+        <p:blipFill rotWithShape="1">
+          <a:blip r:embed="rId6">
+            <a:extLst>
+              <a:ext uri="{28A0092B-C50C-407E-A947-70E740481C1C}">
+                <a14:useLocalDpi xmlns:a14="http://schemas.microsoft.com/office/drawing/2010/main" val="0"/>
+              </a:ext>
+            </a:extLst>
+          </a:blip>
+          <a:srcRect l="20174" r="21466"/>
+          <a:stretch/>
+        </p:blipFill>
+        <p:spPr bwMode="auto">
+          <a:xfrm>
+            <a:off x="2341" y="5566735"/>
+            <a:ext cx="1352390" cy="1305333"/>
+          </a:xfrm>
+          <a:prstGeom prst="rect">
+            <a:avLst/>
+          </a:prstGeom>
+          <a:noFill/>
+          <a:extLst>
+            <a:ext uri="{909E8E84-426E-40DD-AFC4-6F175D3DCCD1}">
+              <a14:hiddenFill xmlns:a14="http://schemas.microsoft.com/office/drawing/2010/main">
+                <a:solidFill>
+                  <a:srgbClr val="FFFFFF"/>
+                </a:solidFill>
+              </a14:hiddenFill>
+            </a:ext>
+          </a:extLst>
+        </p:spPr>
+      </p:pic>
+      <p:sp>
+        <p:nvSpPr>
+          <p:cNvPr id="14" name="TextBox 13">
+            <a:extLst>
+              <a:ext uri="{FF2B5EF4-FFF2-40B4-BE49-F238E27FC236}">
+                <a16:creationId xmlns:a16="http://schemas.microsoft.com/office/drawing/2014/main" id="{0B2A17F9-730B-4BB7-A838-7E943DB06B44}"/>
+              </a:ext>
+            </a:extLst>
+          </p:cNvPr>
+          <p:cNvSpPr txBox="1"/>
+          <p:nvPr/>
+        </p:nvSpPr>
+        <p:spPr>
+          <a:xfrm>
+            <a:off x="126609" y="45936"/>
+            <a:ext cx="1997613" cy="4401205"/>
+          </a:xfrm>
+          <a:prstGeom prst="rect">
+            <a:avLst/>
+          </a:prstGeom>
+          <a:noFill/>
+        </p:spPr>
+        <p:txBody>
+          <a:bodyPr wrap="square" rtlCol="0">
+            <a:spAutoFit/>
+          </a:bodyPr>
+          <a:lstStyle/>
+          <a:p>
+            <a:r>
+              <a:rPr lang="en-US" sz="2800" b="1" dirty="0"/>
+              <a:t>After trimming away the Extreme Outliers</a:t>
+            </a:r>
+          </a:p>
+          <a:p>
+            <a:endParaRPr lang="en-US" sz="2800" b="1" dirty="0"/>
+          </a:p>
+          <a:p>
+            <a:r>
+              <a:rPr lang="en-US" sz="2800" b="1" dirty="0"/>
+              <a:t>&amp;</a:t>
+            </a:r>
+          </a:p>
+          <a:p>
+            <a:endParaRPr lang="en-US" sz="2800" b="1" dirty="0"/>
+          </a:p>
+          <a:p>
+            <a:r>
+              <a:rPr lang="en-US" sz="2800" b="1" dirty="0"/>
+              <a:t>Feature Engineering</a:t>
+            </a:r>
+          </a:p>
+        </p:txBody>
+      </p:sp>
+      <p:sp>
+        <p:nvSpPr>
+          <p:cNvPr id="15" name="TextBox 14">
+            <a:extLst>
+              <a:ext uri="{FF2B5EF4-FFF2-40B4-BE49-F238E27FC236}">
+                <a16:creationId xmlns:a16="http://schemas.microsoft.com/office/drawing/2014/main" id="{3A5906D8-0AAC-4363-B906-1AA568AF4F60}"/>
+              </a:ext>
+            </a:extLst>
+          </p:cNvPr>
+          <p:cNvSpPr txBox="1"/>
+          <p:nvPr/>
+        </p:nvSpPr>
+        <p:spPr>
+          <a:xfrm>
+            <a:off x="9767305" y="4360619"/>
+            <a:ext cx="2176166" cy="523220"/>
+          </a:xfrm>
+          <a:prstGeom prst="rect">
+            <a:avLst/>
+          </a:prstGeom>
+          <a:noFill/>
+        </p:spPr>
+        <p:txBody>
+          <a:bodyPr wrap="square" rtlCol="0">
+            <a:spAutoFit/>
+          </a:bodyPr>
+          <a:lstStyle/>
+          <a:p>
+            <a:r>
+              <a:rPr lang="en-US" sz="2800" b="1" dirty="0"/>
+              <a:t>~ 4,400 rows</a:t>
+            </a:r>
+          </a:p>
+        </p:txBody>
+      </p:sp>
+    </p:spTree>
+    <p:extLst>
+      <p:ext uri="{BB962C8B-B14F-4D97-AF65-F5344CB8AC3E}">
+        <p14:creationId xmlns:p14="http://schemas.microsoft.com/office/powerpoint/2010/main" val="2581846424"/>
+      </p:ext>
+    </p:extLst>
+  </p:cSld>
+  <p:clrMapOvr>
+    <a:masterClrMapping/>
+  </p:clrMapOvr>
+</p:sld>
+</file>
+
+<file path=ppt/slides/slide13.xml><?xml version="1.0" encoding="utf-8"?>
+<p:sld xmlns:a="http://schemas.openxmlformats.org/drawingml/2006/main" xmlns:r="http://schemas.openxmlformats.org/officeDocument/2006/relationships" xmlns:p="http://schemas.openxmlformats.org/presentationml/2006/main">
+  <p:cSld>
+    <p:spTree>
+      <p:nvGrpSpPr>
+        <p:cNvPr id="1" name=""/>
+        <p:cNvGrpSpPr/>
+        <p:nvPr/>
+      </p:nvGrpSpPr>
+      <p:grpSpPr>
+        <a:xfrm>
+          <a:off x="0" y="0"/>
+          <a:ext cx="0" cy="0"/>
+          <a:chOff x="0" y="0"/>
+          <a:chExt cx="0" cy="0"/>
+        </a:xfrm>
+      </p:grpSpPr>
+      <p:pic>
+        <p:nvPicPr>
+          <p:cNvPr id="5" name="Picture 2" descr="Image result for reinsurance">
+            <a:extLst>
+              <a:ext uri="{FF2B5EF4-FFF2-40B4-BE49-F238E27FC236}">
+                <a16:creationId xmlns:a16="http://schemas.microsoft.com/office/drawing/2014/main" id="{3420C83F-4F53-48BF-822D-FF60D1E36A57}"/>
+              </a:ext>
+            </a:extLst>
+          </p:cNvPr>
+          <p:cNvPicPr>
+            <a:picLocks noChangeAspect="1" noChangeArrowheads="1"/>
+          </p:cNvPicPr>
+          <p:nvPr/>
+        </p:nvPicPr>
+        <p:blipFill rotWithShape="1">
+          <a:blip r:embed="rId2">
+            <a:extLst>
+              <a:ext uri="{28A0092B-C50C-407E-A947-70E740481C1C}">
+                <a14:useLocalDpi xmlns:a14="http://schemas.microsoft.com/office/drawing/2010/main" val="0"/>
+              </a:ext>
+            </a:extLst>
+          </a:blip>
+          <a:srcRect l="20174" r="21466"/>
+          <a:stretch/>
+        </p:blipFill>
+        <p:spPr bwMode="auto">
+          <a:xfrm>
+            <a:off x="0" y="5552667"/>
+            <a:ext cx="1352390" cy="1305333"/>
+          </a:xfrm>
+          <a:prstGeom prst="rect">
+            <a:avLst/>
+          </a:prstGeom>
+          <a:noFill/>
+          <a:extLst>
+            <a:ext uri="{909E8E84-426E-40DD-AFC4-6F175D3DCCD1}">
+              <a14:hiddenFill xmlns:a14="http://schemas.microsoft.com/office/drawing/2010/main">
+                <a:solidFill>
+                  <a:srgbClr val="FFFFFF"/>
+                </a:solidFill>
+              </a14:hiddenFill>
+            </a:ext>
+          </a:extLst>
+        </p:spPr>
+      </p:pic>
+      <p:sp>
+        <p:nvSpPr>
+          <p:cNvPr id="3" name="TextBox 2">
+            <a:extLst>
+              <a:ext uri="{FF2B5EF4-FFF2-40B4-BE49-F238E27FC236}">
+                <a16:creationId xmlns:a16="http://schemas.microsoft.com/office/drawing/2014/main" id="{176B6F78-9B5E-4140-9A0A-F58CEAD68C34}"/>
+              </a:ext>
+            </a:extLst>
+          </p:cNvPr>
+          <p:cNvSpPr txBox="1"/>
+          <p:nvPr/>
+        </p:nvSpPr>
+        <p:spPr>
+          <a:xfrm>
+            <a:off x="0" y="0"/>
+            <a:ext cx="3699803" cy="523220"/>
+          </a:xfrm>
+          <a:prstGeom prst="rect">
+            <a:avLst/>
+          </a:prstGeom>
+          <a:noFill/>
+        </p:spPr>
+        <p:txBody>
+          <a:bodyPr wrap="square" rtlCol="0">
+            <a:spAutoFit/>
+          </a:bodyPr>
+          <a:lstStyle/>
+          <a:p>
+            <a:r>
+              <a:rPr lang="en-US" sz="2800" b="1" dirty="0"/>
+              <a:t>REGRESSION MODELS</a:t>
+            </a:r>
+          </a:p>
+        </p:txBody>
+      </p:sp>
+      <p:sp>
+        <p:nvSpPr>
+          <p:cNvPr id="4" name="TextBox 3">
+            <a:extLst>
+              <a:ext uri="{FF2B5EF4-FFF2-40B4-BE49-F238E27FC236}">
+                <a16:creationId xmlns:a16="http://schemas.microsoft.com/office/drawing/2014/main" id="{2546C7F1-708A-4EC0-8BE4-92EE2A03BB95}"/>
+              </a:ext>
+            </a:extLst>
+          </p:cNvPr>
+          <p:cNvSpPr txBox="1"/>
+          <p:nvPr/>
+        </p:nvSpPr>
+        <p:spPr>
+          <a:xfrm>
+            <a:off x="729174" y="1036634"/>
+            <a:ext cx="4206239" cy="2677656"/>
+          </a:xfrm>
+          <a:prstGeom prst="rect">
+            <a:avLst/>
+          </a:prstGeom>
+          <a:noFill/>
+        </p:spPr>
+        <p:txBody>
+          <a:bodyPr wrap="square" rtlCol="0">
+            <a:spAutoFit/>
+          </a:bodyPr>
+          <a:lstStyle/>
+          <a:p>
+            <a:pPr marL="457200" indent="-457200" algn="just">
+              <a:buFont typeface="Arial" panose="020B0604020202020204" pitchFamily="34" charset="0"/>
+              <a:buChar char="•"/>
+            </a:pPr>
+            <a:r>
+              <a:rPr lang="en-US" sz="2800" dirty="0"/>
+              <a:t>Linear Regression</a:t>
+            </a:r>
+          </a:p>
+          <a:p>
+            <a:pPr marL="457200" indent="-457200" algn="just">
+              <a:buFont typeface="Arial" panose="020B0604020202020204" pitchFamily="34" charset="0"/>
+              <a:buChar char="•"/>
+            </a:pPr>
+            <a:r>
+              <a:rPr lang="en-US" sz="2800" dirty="0"/>
+              <a:t>Decision Tree</a:t>
+            </a:r>
+          </a:p>
+          <a:p>
+            <a:pPr marL="457200" indent="-457200" algn="just">
+              <a:buFont typeface="Arial" panose="020B0604020202020204" pitchFamily="34" charset="0"/>
+              <a:buChar char="•"/>
+            </a:pPr>
+            <a:r>
+              <a:rPr lang="en-US" sz="2800" dirty="0"/>
+              <a:t>Random Forest</a:t>
+            </a:r>
+          </a:p>
+          <a:p>
+            <a:pPr marL="457200" indent="-457200" algn="just">
+              <a:buFont typeface="Arial" panose="020B0604020202020204" pitchFamily="34" charset="0"/>
+              <a:buChar char="•"/>
+            </a:pPr>
+            <a:r>
+              <a:rPr lang="en-US" sz="2800" dirty="0"/>
+              <a:t>Extra Trees</a:t>
+            </a:r>
+          </a:p>
+          <a:p>
+            <a:pPr marL="457200" indent="-457200" algn="just">
+              <a:buFont typeface="Arial" panose="020B0604020202020204" pitchFamily="34" charset="0"/>
+              <a:buChar char="•"/>
+            </a:pPr>
+            <a:r>
+              <a:rPr lang="en-US" sz="2800" dirty="0"/>
+              <a:t>Ada Boost</a:t>
+            </a:r>
+          </a:p>
+          <a:p>
+            <a:pPr marL="457200" indent="-457200" algn="just">
+              <a:buFont typeface="Arial" panose="020B0604020202020204" pitchFamily="34" charset="0"/>
+              <a:buChar char="•"/>
+            </a:pPr>
+            <a:r>
+              <a:rPr lang="en-US" sz="2800" dirty="0"/>
+              <a:t>Gradient Boosting</a:t>
+            </a:r>
+          </a:p>
+        </p:txBody>
+      </p:sp>
+      <p:sp>
+        <p:nvSpPr>
+          <p:cNvPr id="6" name="TextBox 5">
+            <a:extLst>
+              <a:ext uri="{FF2B5EF4-FFF2-40B4-BE49-F238E27FC236}">
+                <a16:creationId xmlns:a16="http://schemas.microsoft.com/office/drawing/2014/main" id="{B184CDD0-C72B-49B5-BA78-7DE4945AE214}"/>
+              </a:ext>
+            </a:extLst>
+          </p:cNvPr>
+          <p:cNvSpPr txBox="1"/>
+          <p:nvPr/>
+        </p:nvSpPr>
+        <p:spPr>
+          <a:xfrm>
+            <a:off x="729175" y="4516033"/>
+            <a:ext cx="4206239" cy="523220"/>
+          </a:xfrm>
+          <a:prstGeom prst="rect">
+            <a:avLst/>
+          </a:prstGeom>
+          <a:noFill/>
+        </p:spPr>
+        <p:txBody>
+          <a:bodyPr wrap="square" rtlCol="0">
+            <a:spAutoFit/>
+          </a:bodyPr>
+          <a:lstStyle/>
+          <a:p>
+            <a:pPr algn="just"/>
+            <a:r>
+              <a:rPr lang="en-US" sz="2800" i="1" dirty="0"/>
+              <a:t>Best R2 Score =&gt; 0.53</a:t>
+            </a:r>
+          </a:p>
+        </p:txBody>
+      </p:sp>
+      <p:sp>
+        <p:nvSpPr>
+          <p:cNvPr id="7" name="TextBox 6">
+            <a:extLst>
+              <a:ext uri="{FF2B5EF4-FFF2-40B4-BE49-F238E27FC236}">
+                <a16:creationId xmlns:a16="http://schemas.microsoft.com/office/drawing/2014/main" id="{1B497FB6-A76F-4DC9-99EB-5F7E35835B0C}"/>
+              </a:ext>
+            </a:extLst>
+          </p:cNvPr>
+          <p:cNvSpPr txBox="1"/>
+          <p:nvPr/>
+        </p:nvSpPr>
+        <p:spPr>
+          <a:xfrm>
+            <a:off x="7540283" y="0"/>
+            <a:ext cx="4651717" cy="523220"/>
+          </a:xfrm>
+          <a:prstGeom prst="rect">
+            <a:avLst/>
+          </a:prstGeom>
+          <a:noFill/>
+        </p:spPr>
+        <p:txBody>
+          <a:bodyPr wrap="square" rtlCol="0">
+            <a:spAutoFit/>
+          </a:bodyPr>
+          <a:lstStyle/>
+          <a:p>
+            <a:pPr algn="r"/>
+            <a:r>
+              <a:rPr lang="en-US" sz="2800" b="1" dirty="0"/>
+              <a:t>UNSUPERVISED LEARNING</a:t>
+            </a:r>
+          </a:p>
+        </p:txBody>
+      </p:sp>
+      <p:sp>
+        <p:nvSpPr>
+          <p:cNvPr id="8" name="TextBox 7">
+            <a:extLst>
+              <a:ext uri="{FF2B5EF4-FFF2-40B4-BE49-F238E27FC236}">
+                <a16:creationId xmlns:a16="http://schemas.microsoft.com/office/drawing/2014/main" id="{690EEC0A-3C18-4B4B-B93F-16563C262D6E}"/>
+              </a:ext>
+            </a:extLst>
+          </p:cNvPr>
+          <p:cNvSpPr txBox="1"/>
+          <p:nvPr/>
+        </p:nvSpPr>
+        <p:spPr>
+          <a:xfrm>
+            <a:off x="8112368" y="952226"/>
+            <a:ext cx="3929577" cy="1384995"/>
+          </a:xfrm>
+          <a:prstGeom prst="rect">
+            <a:avLst/>
+          </a:prstGeom>
+          <a:noFill/>
+        </p:spPr>
+        <p:txBody>
+          <a:bodyPr wrap="square" rtlCol="0">
+            <a:spAutoFit/>
+          </a:bodyPr>
+          <a:lstStyle/>
+          <a:p>
+            <a:pPr marL="457200" indent="-457200" algn="just">
+              <a:buFont typeface="Arial" panose="020B0604020202020204" pitchFamily="34" charset="0"/>
+              <a:buChar char="•"/>
+            </a:pPr>
+            <a:r>
+              <a:rPr lang="en-US" sz="2800" dirty="0"/>
+              <a:t>K-Means</a:t>
+            </a:r>
+          </a:p>
+          <a:p>
+            <a:pPr marL="457200" indent="-457200" algn="just">
+              <a:buFont typeface="Arial" panose="020B0604020202020204" pitchFamily="34" charset="0"/>
+              <a:buChar char="•"/>
+            </a:pPr>
+            <a:r>
+              <a:rPr lang="en-US" sz="2800" dirty="0"/>
+              <a:t>DBSCAN</a:t>
+            </a:r>
+          </a:p>
+          <a:p>
+            <a:pPr marL="457200" indent="-457200" algn="just">
+              <a:buFont typeface="Arial" panose="020B0604020202020204" pitchFamily="34" charset="0"/>
+              <a:buChar char="•"/>
+            </a:pPr>
+            <a:r>
+              <a:rPr lang="en-US" sz="2800" dirty="0"/>
+              <a:t>Hierarchical</a:t>
+            </a:r>
+          </a:p>
+        </p:txBody>
+      </p:sp>
+      <p:sp>
+        <p:nvSpPr>
+          <p:cNvPr id="9" name="TextBox 8">
+            <a:extLst>
+              <a:ext uri="{FF2B5EF4-FFF2-40B4-BE49-F238E27FC236}">
+                <a16:creationId xmlns:a16="http://schemas.microsoft.com/office/drawing/2014/main" id="{E22BE104-C020-4D01-B154-58B2AFFF60CD}"/>
+              </a:ext>
+            </a:extLst>
+          </p:cNvPr>
+          <p:cNvSpPr txBox="1"/>
+          <p:nvPr/>
+        </p:nvSpPr>
+        <p:spPr>
+          <a:xfrm>
+            <a:off x="8112368" y="2504617"/>
+            <a:ext cx="3929577" cy="954107"/>
+          </a:xfrm>
+          <a:prstGeom prst="rect">
+            <a:avLst/>
+          </a:prstGeom>
+          <a:noFill/>
+        </p:spPr>
+        <p:txBody>
+          <a:bodyPr wrap="square" rtlCol="0">
+            <a:spAutoFit/>
+          </a:bodyPr>
+          <a:lstStyle/>
+          <a:p>
+            <a:r>
+              <a:rPr lang="en-US" sz="2800" i="1" dirty="0"/>
+              <a:t>No meaningful, interpretable clusters…</a:t>
+            </a:r>
+          </a:p>
+        </p:txBody>
+      </p:sp>
+    </p:spTree>
+    <p:extLst>
+      <p:ext uri="{BB962C8B-B14F-4D97-AF65-F5344CB8AC3E}">
+        <p14:creationId xmlns:p14="http://schemas.microsoft.com/office/powerpoint/2010/main" val="2060522013"/>
+      </p:ext>
+    </p:extLst>
+  </p:cSld>
+  <p:clrMapOvr>
+    <a:masterClrMapping/>
+  </p:clrMapOvr>
+</p:sld>
+</file>
+
+<file path=ppt/slides/slide14.xml><?xml version="1.0" encoding="utf-8"?>
+<p:sld xmlns:a="http://schemas.openxmlformats.org/drawingml/2006/main" xmlns:r="http://schemas.openxmlformats.org/officeDocument/2006/relationships" xmlns:p="http://schemas.openxmlformats.org/presentationml/2006/main">
+  <p:cSld>
+    <p:spTree>
+      <p:nvGrpSpPr>
+        <p:cNvPr id="1" name=""/>
+        <p:cNvGrpSpPr/>
+        <p:nvPr/>
+      </p:nvGrpSpPr>
+      <p:grpSpPr>
+        <a:xfrm>
+          <a:off x="0" y="0"/>
+          <a:ext cx="0" cy="0"/>
+          <a:chOff x="0" y="0"/>
+          <a:chExt cx="0" cy="0"/>
+        </a:xfrm>
+      </p:grpSpPr>
+      <p:pic>
+        <p:nvPicPr>
+          <p:cNvPr id="3" name="Picture 2">
+            <a:extLst>
+              <a:ext uri="{FF2B5EF4-FFF2-40B4-BE49-F238E27FC236}">
+                <a16:creationId xmlns:a16="http://schemas.microsoft.com/office/drawing/2014/main" id="{800A2C33-581B-46DA-9706-AFEAB880C35A}"/>
+              </a:ext>
+            </a:extLst>
+          </p:cNvPr>
+          <p:cNvPicPr>
+            <a:picLocks noChangeAspect="1"/>
+          </p:cNvPicPr>
+          <p:nvPr/>
+        </p:nvPicPr>
+        <p:blipFill>
+          <a:blip r:embed="rId2"/>
+          <a:stretch>
+            <a:fillRect/>
+          </a:stretch>
+        </p:blipFill>
+        <p:spPr>
+          <a:xfrm>
+            <a:off x="1632382" y="3590919"/>
+            <a:ext cx="8927236" cy="2510266"/>
+          </a:xfrm>
+          <a:prstGeom prst="rect">
+            <a:avLst/>
+          </a:prstGeom>
+        </p:spPr>
+      </p:pic>
+      <p:pic>
+        <p:nvPicPr>
+          <p:cNvPr id="4" name="Picture 2" descr="Image result for reinsurance">
+            <a:extLst>
+              <a:ext uri="{FF2B5EF4-FFF2-40B4-BE49-F238E27FC236}">
+                <a16:creationId xmlns:a16="http://schemas.microsoft.com/office/drawing/2014/main" id="{FEC1AF0A-CDC7-4AB8-BB96-201ADA2EB4A9}"/>
+              </a:ext>
+            </a:extLst>
+          </p:cNvPr>
+          <p:cNvPicPr>
+            <a:picLocks noChangeAspect="1" noChangeArrowheads="1"/>
+          </p:cNvPicPr>
+          <p:nvPr/>
+        </p:nvPicPr>
+        <p:blipFill rotWithShape="1">
+          <a:blip r:embed="rId3">
+            <a:extLst>
+              <a:ext uri="{28A0092B-C50C-407E-A947-70E740481C1C}">
+                <a14:useLocalDpi xmlns:a14="http://schemas.microsoft.com/office/drawing/2010/main" val="0"/>
+              </a:ext>
+            </a:extLst>
+          </a:blip>
+          <a:srcRect l="20174" r="21466"/>
+          <a:stretch/>
+        </p:blipFill>
+        <p:spPr bwMode="auto">
+          <a:xfrm>
+            <a:off x="2341" y="5552667"/>
+            <a:ext cx="1352390" cy="1305333"/>
+          </a:xfrm>
+          <a:prstGeom prst="rect">
+            <a:avLst/>
+          </a:prstGeom>
+          <a:noFill/>
+          <a:extLst>
+            <a:ext uri="{909E8E84-426E-40DD-AFC4-6F175D3DCCD1}">
+              <a14:hiddenFill xmlns:a14="http://schemas.microsoft.com/office/drawing/2010/main">
+                <a:solidFill>
+                  <a:srgbClr val="FFFFFF"/>
+                </a:solidFill>
+              </a14:hiddenFill>
+            </a:ext>
+          </a:extLst>
+        </p:spPr>
+      </p:pic>
+      <p:sp>
+        <p:nvSpPr>
+          <p:cNvPr id="5" name="TextBox 4">
+            <a:extLst>
+              <a:ext uri="{FF2B5EF4-FFF2-40B4-BE49-F238E27FC236}">
+                <a16:creationId xmlns:a16="http://schemas.microsoft.com/office/drawing/2014/main" id="{785E824C-492F-4D56-BF95-40F5B70E1EEF}"/>
+              </a:ext>
+            </a:extLst>
+          </p:cNvPr>
+          <p:cNvSpPr txBox="1"/>
+          <p:nvPr/>
+        </p:nvSpPr>
+        <p:spPr>
+          <a:xfrm>
+            <a:off x="14068" y="14068"/>
+            <a:ext cx="3699803" cy="523220"/>
+          </a:xfrm>
+          <a:prstGeom prst="rect">
+            <a:avLst/>
+          </a:prstGeom>
+          <a:noFill/>
+        </p:spPr>
+        <p:txBody>
+          <a:bodyPr wrap="square" rtlCol="0">
+            <a:spAutoFit/>
+          </a:bodyPr>
+          <a:lstStyle/>
+          <a:p>
+            <a:r>
+              <a:rPr lang="en-US" sz="2800" b="1" dirty="0"/>
+              <a:t>CLASSIFICATION</a:t>
+            </a:r>
+          </a:p>
+        </p:txBody>
+      </p:sp>
+      <p:sp>
+        <p:nvSpPr>
+          <p:cNvPr id="7" name="Rectangle 6">
+            <a:extLst>
+              <a:ext uri="{FF2B5EF4-FFF2-40B4-BE49-F238E27FC236}">
+                <a16:creationId xmlns:a16="http://schemas.microsoft.com/office/drawing/2014/main" id="{10C02D92-EA13-405B-ACBE-E494A77C4650}"/>
+              </a:ext>
+            </a:extLst>
+          </p:cNvPr>
+          <p:cNvSpPr/>
+          <p:nvPr/>
+        </p:nvSpPr>
+        <p:spPr>
+          <a:xfrm>
+            <a:off x="2598820" y="5472332"/>
+            <a:ext cx="3193366" cy="755584"/>
+          </a:xfrm>
+          <a:custGeom>
+            <a:avLst/>
+            <a:gdLst>
+              <a:gd name="connsiteX0" fmla="*/ 0 w 3193366"/>
+              <a:gd name="connsiteY0" fmla="*/ 0 h 755584"/>
+              <a:gd name="connsiteX1" fmla="*/ 500294 w 3193366"/>
+              <a:gd name="connsiteY1" fmla="*/ 0 h 755584"/>
+              <a:gd name="connsiteX2" fmla="*/ 936721 w 3193366"/>
+              <a:gd name="connsiteY2" fmla="*/ 0 h 755584"/>
+              <a:gd name="connsiteX3" fmla="*/ 1405081 w 3193366"/>
+              <a:gd name="connsiteY3" fmla="*/ 0 h 755584"/>
+              <a:gd name="connsiteX4" fmla="*/ 1969242 w 3193366"/>
+              <a:gd name="connsiteY4" fmla="*/ 0 h 755584"/>
+              <a:gd name="connsiteX5" fmla="*/ 2469536 w 3193366"/>
+              <a:gd name="connsiteY5" fmla="*/ 0 h 755584"/>
+              <a:gd name="connsiteX6" fmla="*/ 3193366 w 3193366"/>
+              <a:gd name="connsiteY6" fmla="*/ 0 h 755584"/>
+              <a:gd name="connsiteX7" fmla="*/ 3193366 w 3193366"/>
+              <a:gd name="connsiteY7" fmla="*/ 385348 h 755584"/>
+              <a:gd name="connsiteX8" fmla="*/ 3193366 w 3193366"/>
+              <a:gd name="connsiteY8" fmla="*/ 755584 h 755584"/>
+              <a:gd name="connsiteX9" fmla="*/ 2661138 w 3193366"/>
+              <a:gd name="connsiteY9" fmla="*/ 755584 h 755584"/>
+              <a:gd name="connsiteX10" fmla="*/ 2192778 w 3193366"/>
+              <a:gd name="connsiteY10" fmla="*/ 755584 h 755584"/>
+              <a:gd name="connsiteX11" fmla="*/ 1596683 w 3193366"/>
+              <a:gd name="connsiteY11" fmla="*/ 755584 h 755584"/>
+              <a:gd name="connsiteX12" fmla="*/ 1096389 w 3193366"/>
+              <a:gd name="connsiteY12" fmla="*/ 755584 h 755584"/>
+              <a:gd name="connsiteX13" fmla="*/ 659962 w 3193366"/>
+              <a:gd name="connsiteY13" fmla="*/ 755584 h 755584"/>
+              <a:gd name="connsiteX14" fmla="*/ 0 w 3193366"/>
+              <a:gd name="connsiteY14" fmla="*/ 755584 h 755584"/>
+              <a:gd name="connsiteX15" fmla="*/ 0 w 3193366"/>
+              <a:gd name="connsiteY15" fmla="*/ 392904 h 755584"/>
+              <a:gd name="connsiteX16" fmla="*/ 0 w 3193366"/>
+              <a:gd name="connsiteY16" fmla="*/ 0 h 755584"/>
+            </a:gdLst>
+            <a:ahLst/>
+            <a:cxnLst>
+              <a:cxn ang="0">
+                <a:pos x="connsiteX0" y="connsiteY0"/>
+              </a:cxn>
+              <a:cxn ang="0">
+                <a:pos x="connsiteX1" y="connsiteY1"/>
+              </a:cxn>
+              <a:cxn ang="0">
+                <a:pos x="connsiteX2" y="connsiteY2"/>
+              </a:cxn>
+              <a:cxn ang="0">
+                <a:pos x="connsiteX3" y="connsiteY3"/>
+              </a:cxn>
+              <a:cxn ang="0">
+                <a:pos x="connsiteX4" y="connsiteY4"/>
+              </a:cxn>
+              <a:cxn ang="0">
+                <a:pos x="connsiteX5" y="connsiteY5"/>
+              </a:cxn>
+              <a:cxn ang="0">
+                <a:pos x="connsiteX6" y="connsiteY6"/>
+              </a:cxn>
+              <a:cxn ang="0">
+                <a:pos x="connsiteX7" y="connsiteY7"/>
+              </a:cxn>
+              <a:cxn ang="0">
+                <a:pos x="connsiteX8" y="connsiteY8"/>
+              </a:cxn>
+              <a:cxn ang="0">
+                <a:pos x="connsiteX9" y="connsiteY9"/>
+              </a:cxn>
+              <a:cxn ang="0">
+                <a:pos x="connsiteX10" y="connsiteY10"/>
+              </a:cxn>
+              <a:cxn ang="0">
+                <a:pos x="connsiteX11" y="connsiteY11"/>
+              </a:cxn>
+              <a:cxn ang="0">
+                <a:pos x="connsiteX12" y="connsiteY12"/>
+              </a:cxn>
+              <a:cxn ang="0">
+                <a:pos x="connsiteX13" y="connsiteY13"/>
+              </a:cxn>
+              <a:cxn ang="0">
+                <a:pos x="connsiteX14" y="connsiteY14"/>
+              </a:cxn>
+              <a:cxn ang="0">
+                <a:pos x="connsiteX15" y="connsiteY15"/>
+              </a:cxn>
+              <a:cxn ang="0">
+                <a:pos x="connsiteX16" y="connsiteY16"/>
+              </a:cxn>
+            </a:cxnLst>
+            <a:rect l="l" t="t" r="r" b="b"/>
+            <a:pathLst>
+              <a:path w="3193366" h="755584" fill="none" extrusionOk="0">
+                <a:moveTo>
+                  <a:pt x="0" y="0"/>
+                </a:moveTo>
+                <a:cubicBezTo>
+                  <a:pt x="189446" y="-28831"/>
+                  <a:pt x="366965" y="20945"/>
+                  <a:pt x="500294" y="0"/>
+                </a:cubicBezTo>
+                <a:cubicBezTo>
+                  <a:pt x="633623" y="-20945"/>
+                  <a:pt x="733400" y="35198"/>
+                  <a:pt x="936721" y="0"/>
+                </a:cubicBezTo>
+                <a:cubicBezTo>
+                  <a:pt x="1140042" y="-35198"/>
+                  <a:pt x="1282914" y="37791"/>
+                  <a:pt x="1405081" y="0"/>
+                </a:cubicBezTo>
+                <a:cubicBezTo>
+                  <a:pt x="1527248" y="-37791"/>
+                  <a:pt x="1708139" y="6345"/>
+                  <a:pt x="1969242" y="0"/>
+                </a:cubicBezTo>
+                <a:cubicBezTo>
+                  <a:pt x="2230345" y="-6345"/>
+                  <a:pt x="2251286" y="3703"/>
+                  <a:pt x="2469536" y="0"/>
+                </a:cubicBezTo>
+                <a:cubicBezTo>
+                  <a:pt x="2687786" y="-3703"/>
+                  <a:pt x="2948444" y="5914"/>
+                  <a:pt x="3193366" y="0"/>
+                </a:cubicBezTo>
+                <a:cubicBezTo>
+                  <a:pt x="3213522" y="123585"/>
+                  <a:pt x="3163386" y="208592"/>
+                  <a:pt x="3193366" y="385348"/>
+                </a:cubicBezTo>
+                <a:cubicBezTo>
+                  <a:pt x="3223346" y="562104"/>
+                  <a:pt x="3172916" y="681473"/>
+                  <a:pt x="3193366" y="755584"/>
+                </a:cubicBezTo>
+                <a:cubicBezTo>
+                  <a:pt x="3013644" y="777024"/>
+                  <a:pt x="2809260" y="737840"/>
+                  <a:pt x="2661138" y="755584"/>
+                </a:cubicBezTo>
+                <a:cubicBezTo>
+                  <a:pt x="2513016" y="773328"/>
+                  <a:pt x="2373481" y="714335"/>
+                  <a:pt x="2192778" y="755584"/>
+                </a:cubicBezTo>
+                <a:cubicBezTo>
+                  <a:pt x="2012075" y="796833"/>
+                  <a:pt x="1758005" y="749322"/>
+                  <a:pt x="1596683" y="755584"/>
+                </a:cubicBezTo>
+                <a:cubicBezTo>
+                  <a:pt x="1435361" y="761846"/>
+                  <a:pt x="1224137" y="740793"/>
+                  <a:pt x="1096389" y="755584"/>
+                </a:cubicBezTo>
+                <a:cubicBezTo>
+                  <a:pt x="968641" y="770375"/>
+                  <a:pt x="815085" y="740947"/>
+                  <a:pt x="659962" y="755584"/>
+                </a:cubicBezTo>
+                <a:cubicBezTo>
+                  <a:pt x="504839" y="770221"/>
+                  <a:pt x="240810" y="722783"/>
+                  <a:pt x="0" y="755584"/>
+                </a:cubicBezTo>
+                <a:cubicBezTo>
+                  <a:pt x="-28398" y="645857"/>
+                  <a:pt x="19243" y="525551"/>
+                  <a:pt x="0" y="392904"/>
+                </a:cubicBezTo>
+                <a:cubicBezTo>
+                  <a:pt x="-19243" y="260257"/>
+                  <a:pt x="22975" y="104042"/>
+                  <a:pt x="0" y="0"/>
+                </a:cubicBezTo>
+                <a:close/>
+              </a:path>
+              <a:path w="3193366" h="755584" stroke="0" extrusionOk="0">
+                <a:moveTo>
+                  <a:pt x="0" y="0"/>
+                </a:moveTo>
+                <a:cubicBezTo>
+                  <a:pt x="157184" y="-39901"/>
+                  <a:pt x="334405" y="46334"/>
+                  <a:pt x="500294" y="0"/>
+                </a:cubicBezTo>
+                <a:cubicBezTo>
+                  <a:pt x="666183" y="-46334"/>
+                  <a:pt x="758343" y="37313"/>
+                  <a:pt x="936721" y="0"/>
+                </a:cubicBezTo>
+                <a:cubicBezTo>
+                  <a:pt x="1115099" y="-37313"/>
+                  <a:pt x="1348478" y="8646"/>
+                  <a:pt x="1532816" y="0"/>
+                </a:cubicBezTo>
+                <a:cubicBezTo>
+                  <a:pt x="1717154" y="-8646"/>
+                  <a:pt x="1862766" y="3533"/>
+                  <a:pt x="2033110" y="0"/>
+                </a:cubicBezTo>
+                <a:cubicBezTo>
+                  <a:pt x="2203454" y="-3533"/>
+                  <a:pt x="2303771" y="19593"/>
+                  <a:pt x="2533404" y="0"/>
+                </a:cubicBezTo>
+                <a:cubicBezTo>
+                  <a:pt x="2763037" y="-19593"/>
+                  <a:pt x="2921382" y="16556"/>
+                  <a:pt x="3193366" y="0"/>
+                </a:cubicBezTo>
+                <a:cubicBezTo>
+                  <a:pt x="3202910" y="109067"/>
+                  <a:pt x="3161997" y="274684"/>
+                  <a:pt x="3193366" y="362680"/>
+                </a:cubicBezTo>
+                <a:cubicBezTo>
+                  <a:pt x="3224735" y="450676"/>
+                  <a:pt x="3184710" y="647151"/>
+                  <a:pt x="3193366" y="755584"/>
+                </a:cubicBezTo>
+                <a:cubicBezTo>
+                  <a:pt x="3007103" y="806207"/>
+                  <a:pt x="2826848" y="747375"/>
+                  <a:pt x="2725006" y="755584"/>
+                </a:cubicBezTo>
+                <a:cubicBezTo>
+                  <a:pt x="2623164" y="763793"/>
+                  <a:pt x="2423088" y="740270"/>
+                  <a:pt x="2192778" y="755584"/>
+                </a:cubicBezTo>
+                <a:cubicBezTo>
+                  <a:pt x="1962468" y="770898"/>
+                  <a:pt x="1878692" y="696842"/>
+                  <a:pt x="1660550" y="755584"/>
+                </a:cubicBezTo>
+                <a:cubicBezTo>
+                  <a:pt x="1442408" y="814326"/>
+                  <a:pt x="1350572" y="749231"/>
+                  <a:pt x="1160256" y="755584"/>
+                </a:cubicBezTo>
+                <a:cubicBezTo>
+                  <a:pt x="969940" y="761937"/>
+                  <a:pt x="780654" y="702156"/>
+                  <a:pt x="564161" y="755584"/>
+                </a:cubicBezTo>
+                <a:cubicBezTo>
+                  <a:pt x="347669" y="809012"/>
+                  <a:pt x="141178" y="748439"/>
+                  <a:pt x="0" y="755584"/>
+                </a:cubicBezTo>
+                <a:cubicBezTo>
+                  <a:pt x="-9368" y="606528"/>
+                  <a:pt x="6352" y="491665"/>
+                  <a:pt x="0" y="392904"/>
+                </a:cubicBezTo>
+                <a:cubicBezTo>
+                  <a:pt x="-6352" y="294143"/>
+                  <a:pt x="45098" y="155768"/>
+                  <a:pt x="0" y="0"/>
+                </a:cubicBezTo>
+                <a:close/>
+              </a:path>
+            </a:pathLst>
+          </a:custGeom>
+          <a:noFill/>
+          <a:ln>
+            <a:solidFill>
+              <a:srgbClr val="0070C0"/>
+            </a:solidFill>
+            <a:extLst>
+              <a:ext uri="{C807C97D-BFC1-408E-A445-0C87EB9F89A2}">
+                <ask:lineSketchStyleProps xmlns:ask="http://schemas.microsoft.com/office/drawing/2018/sketchyshapes" sd="1219033472">
+                  <a:prstGeom prst="rect">
+                    <a:avLst/>
+                  </a:prstGeom>
+                  <ask:type>
+                    <ask:lineSketchScribble/>
+                  </ask:type>
+                </ask:lineSketchStyleProps>
+              </a:ext>
+            </a:extLst>
+          </a:ln>
+        </p:spPr>
+        <p:style>
+          <a:lnRef idx="2">
+            <a:schemeClr val="accent1">
+              <a:shade val="50000"/>
+            </a:schemeClr>
+          </a:lnRef>
+          <a:fillRef idx="1">
+            <a:schemeClr val="accent1"/>
+          </a:fillRef>
+          <a:effectRef idx="0">
+            <a:schemeClr val="accent1"/>
+          </a:effectRef>
+          <a:fontRef idx="minor">
+            <a:schemeClr val="lt1"/>
+          </a:fontRef>
+        </p:style>
+        <p:txBody>
+          <a:bodyPr rtlCol="0" anchor="ctr"/>
+          <a:lstStyle/>
+          <a:p>
+            <a:pPr algn="ctr"/>
+            <a:endParaRPr lang="en-US"/>
+          </a:p>
+        </p:txBody>
+      </p:sp>
+      <p:sp>
+        <p:nvSpPr>
+          <p:cNvPr id="8" name="TextBox 7">
+            <a:extLst>
+              <a:ext uri="{FF2B5EF4-FFF2-40B4-BE49-F238E27FC236}">
+                <a16:creationId xmlns:a16="http://schemas.microsoft.com/office/drawing/2014/main" id="{D0A594BA-C805-46A8-81E1-0974D4F1B012}"/>
+              </a:ext>
+            </a:extLst>
+          </p:cNvPr>
+          <p:cNvSpPr txBox="1"/>
+          <p:nvPr/>
+        </p:nvSpPr>
+        <p:spPr>
+          <a:xfrm>
+            <a:off x="2629142" y="1135825"/>
+            <a:ext cx="7652825" cy="1384995"/>
+          </a:xfrm>
+          <a:prstGeom prst="rect">
+            <a:avLst/>
+          </a:prstGeom>
+          <a:noFill/>
+        </p:spPr>
+        <p:txBody>
+          <a:bodyPr wrap="square" rtlCol="0">
+            <a:spAutoFit/>
+          </a:bodyPr>
+          <a:lstStyle/>
+          <a:p>
+            <a:r>
+              <a:rPr lang="en-US" sz="2800" b="1" dirty="0">
+                <a:highlight>
+                  <a:srgbClr val="00FF00"/>
+                </a:highlight>
+              </a:rPr>
+              <a:t>Positive Case (1)    </a:t>
+            </a:r>
+            <a:r>
+              <a:rPr lang="en-US" sz="2800" b="1" dirty="0">
+                <a:highlight>
+                  <a:srgbClr val="00FF00"/>
+                </a:highlight>
+                <a:sym typeface="Wingdings" panose="05000000000000000000" pitchFamily="2" charset="2"/>
+              </a:rPr>
+              <a:t> Underwriting Gain &lt; 0</a:t>
+            </a:r>
+          </a:p>
+          <a:p>
+            <a:endParaRPr lang="en-US" sz="2800" b="1" dirty="0">
+              <a:sym typeface="Wingdings" panose="05000000000000000000" pitchFamily="2" charset="2"/>
+            </a:endParaRPr>
+          </a:p>
+          <a:p>
+            <a:r>
+              <a:rPr lang="en-US" sz="2800" b="1" dirty="0">
+                <a:sym typeface="Wingdings" panose="05000000000000000000" pitchFamily="2" charset="2"/>
+              </a:rPr>
+              <a:t>Negative Case (0)   Underwriting Gain &gt;= 0</a:t>
+            </a:r>
+            <a:r>
+              <a:rPr lang="en-US" sz="2800" b="1" dirty="0"/>
+              <a:t> </a:t>
+            </a:r>
+          </a:p>
+        </p:txBody>
+      </p:sp>
+      <p:cxnSp>
+        <p:nvCxnSpPr>
+          <p:cNvPr id="9" name="Straight Arrow Connector 8">
+            <a:extLst>
+              <a:ext uri="{FF2B5EF4-FFF2-40B4-BE49-F238E27FC236}">
+                <a16:creationId xmlns:a16="http://schemas.microsoft.com/office/drawing/2014/main" id="{9D2D07E9-9D74-4D86-8CA8-6E845B60BF45}"/>
+              </a:ext>
+            </a:extLst>
+          </p:cNvPr>
+          <p:cNvCxnSpPr>
+            <a:cxnSpLocks/>
+          </p:cNvCxnSpPr>
+          <p:nvPr/>
+        </p:nvCxnSpPr>
+        <p:spPr>
+          <a:xfrm flipH="1">
+            <a:off x="5904569" y="5454889"/>
+            <a:ext cx="1045783" cy="545251"/>
+          </a:xfrm>
+          <a:prstGeom prst="straightConnector1">
+            <a:avLst/>
+          </a:prstGeom>
+          <a:ln w="38100">
+            <a:solidFill>
+              <a:srgbClr val="92D050"/>
+            </a:solidFill>
+            <a:headEnd w="lg" len="lg"/>
+            <a:tailEnd type="triangle" w="lg" len="lg"/>
+          </a:ln>
+        </p:spPr>
+        <p:style>
+          <a:lnRef idx="1">
+            <a:schemeClr val="accent1"/>
+          </a:lnRef>
+          <a:fillRef idx="0">
+            <a:schemeClr val="accent1"/>
+          </a:fillRef>
+          <a:effectRef idx="0">
+            <a:schemeClr val="accent1"/>
+          </a:effectRef>
+          <a:fontRef idx="minor">
+            <a:schemeClr val="tx1"/>
+          </a:fontRef>
+        </p:style>
+      </p:cxnSp>
+    </p:spTree>
+    <p:extLst>
+      <p:ext uri="{BB962C8B-B14F-4D97-AF65-F5344CB8AC3E}">
+        <p14:creationId xmlns:p14="http://schemas.microsoft.com/office/powerpoint/2010/main" val="3319123738"/>
+      </p:ext>
+    </p:extLst>
+  </p:cSld>
+  <p:clrMapOvr>
+    <a:masterClrMapping/>
+  </p:clrMapOvr>
+</p:sld>
+</file>
+
+<file path=ppt/slides/slide15.xml><?xml version="1.0" encoding="utf-8"?>
+<p:sld xmlns:a="http://schemas.openxmlformats.org/drawingml/2006/main" xmlns:r="http://schemas.openxmlformats.org/officeDocument/2006/relationships" xmlns:p="http://schemas.openxmlformats.org/presentationml/2006/main">
+  <p:cSld>
+    <p:spTree>
+      <p:nvGrpSpPr>
+        <p:cNvPr id="1" name=""/>
+        <p:cNvGrpSpPr/>
+        <p:nvPr/>
+      </p:nvGrpSpPr>
+      <p:grpSpPr>
+        <a:xfrm>
+          <a:off x="0" y="0"/>
+          <a:ext cx="0" cy="0"/>
+          <a:chOff x="0" y="0"/>
+          <a:chExt cx="0" cy="0"/>
+        </a:xfrm>
+      </p:grpSpPr>
+      <p:pic>
+        <p:nvPicPr>
+          <p:cNvPr id="5" name="Picture 2" descr="Image result for reinsurance">
+            <a:extLst>
+              <a:ext uri="{FF2B5EF4-FFF2-40B4-BE49-F238E27FC236}">
+                <a16:creationId xmlns:a16="http://schemas.microsoft.com/office/drawing/2014/main" id="{3420C83F-4F53-48BF-822D-FF60D1E36A57}"/>
+              </a:ext>
+            </a:extLst>
+          </p:cNvPr>
+          <p:cNvPicPr>
+            <a:picLocks noChangeAspect="1" noChangeArrowheads="1"/>
+          </p:cNvPicPr>
+          <p:nvPr/>
+        </p:nvPicPr>
+        <p:blipFill rotWithShape="1">
+          <a:blip r:embed="rId2">
+            <a:extLst>
+              <a:ext uri="{28A0092B-C50C-407E-A947-70E740481C1C}">
+                <a14:useLocalDpi xmlns:a14="http://schemas.microsoft.com/office/drawing/2010/main" val="0"/>
+              </a:ext>
+            </a:extLst>
+          </a:blip>
+          <a:srcRect l="20174" r="21466"/>
+          <a:stretch/>
+        </p:blipFill>
+        <p:spPr bwMode="auto">
+          <a:xfrm>
+            <a:off x="0" y="5552667"/>
+            <a:ext cx="1352390" cy="1305333"/>
+          </a:xfrm>
+          <a:prstGeom prst="rect">
+            <a:avLst/>
+          </a:prstGeom>
+          <a:noFill/>
+          <a:extLst>
+            <a:ext uri="{909E8E84-426E-40DD-AFC4-6F175D3DCCD1}">
+              <a14:hiddenFill xmlns:a14="http://schemas.microsoft.com/office/drawing/2010/main">
+                <a:solidFill>
+                  <a:srgbClr val="FFFFFF"/>
+                </a:solidFill>
+              </a14:hiddenFill>
+            </a:ext>
+          </a:extLst>
+        </p:spPr>
+      </p:pic>
+      <p:sp>
+        <p:nvSpPr>
+          <p:cNvPr id="3" name="TextBox 2">
+            <a:extLst>
+              <a:ext uri="{FF2B5EF4-FFF2-40B4-BE49-F238E27FC236}">
+                <a16:creationId xmlns:a16="http://schemas.microsoft.com/office/drawing/2014/main" id="{176B6F78-9B5E-4140-9A0A-F58CEAD68C34}"/>
+              </a:ext>
+            </a:extLst>
+          </p:cNvPr>
+          <p:cNvSpPr txBox="1"/>
+          <p:nvPr/>
+        </p:nvSpPr>
+        <p:spPr>
+          <a:xfrm>
+            <a:off x="0" y="0"/>
+            <a:ext cx="4389120" cy="523220"/>
+          </a:xfrm>
+          <a:prstGeom prst="rect">
+            <a:avLst/>
+          </a:prstGeom>
+          <a:noFill/>
+        </p:spPr>
+        <p:txBody>
+          <a:bodyPr wrap="square" rtlCol="0">
+            <a:spAutoFit/>
+          </a:bodyPr>
+          <a:lstStyle/>
+          <a:p>
+            <a:r>
+              <a:rPr lang="en-US" sz="2800" b="1" dirty="0"/>
+              <a:t>CLASSIFICATION  MODELS</a:t>
+            </a:r>
+          </a:p>
+        </p:txBody>
+      </p:sp>
+      <p:sp>
+        <p:nvSpPr>
+          <p:cNvPr id="4" name="TextBox 3">
+            <a:extLst>
+              <a:ext uri="{FF2B5EF4-FFF2-40B4-BE49-F238E27FC236}">
+                <a16:creationId xmlns:a16="http://schemas.microsoft.com/office/drawing/2014/main" id="{2546C7F1-708A-4EC0-8BE4-92EE2A03BB95}"/>
+              </a:ext>
+            </a:extLst>
+          </p:cNvPr>
+          <p:cNvSpPr txBox="1"/>
+          <p:nvPr/>
+        </p:nvSpPr>
+        <p:spPr>
+          <a:xfrm>
+            <a:off x="1352390" y="1377931"/>
+            <a:ext cx="4206239" cy="3539430"/>
+          </a:xfrm>
+          <a:prstGeom prst="rect">
+            <a:avLst/>
+          </a:prstGeom>
+          <a:noFill/>
+        </p:spPr>
+        <p:txBody>
+          <a:bodyPr wrap="square" rtlCol="0">
+            <a:spAutoFit/>
+          </a:bodyPr>
+          <a:lstStyle/>
+          <a:p>
+            <a:pPr marL="457200" indent="-457200" algn="just">
+              <a:buFont typeface="Arial" panose="020B0604020202020204" pitchFamily="34" charset="0"/>
+              <a:buChar char="•"/>
+            </a:pPr>
+            <a:r>
+              <a:rPr lang="en-US" sz="2800" dirty="0">
+                <a:highlight>
+                  <a:srgbClr val="00FF00"/>
+                </a:highlight>
+              </a:rPr>
+              <a:t>Logistic Regression</a:t>
+            </a:r>
+          </a:p>
+          <a:p>
+            <a:pPr marL="457200" indent="-457200" algn="just">
+              <a:buFont typeface="Arial" panose="020B0604020202020204" pitchFamily="34" charset="0"/>
+              <a:buChar char="•"/>
+            </a:pPr>
+            <a:r>
+              <a:rPr lang="en-US" sz="2800" dirty="0"/>
+              <a:t>Decision Tree</a:t>
+            </a:r>
+          </a:p>
+          <a:p>
+            <a:pPr marL="457200" indent="-457200" algn="just">
+              <a:buFont typeface="Arial" panose="020B0604020202020204" pitchFamily="34" charset="0"/>
+              <a:buChar char="•"/>
+            </a:pPr>
+            <a:r>
+              <a:rPr lang="en-US" sz="2800" dirty="0"/>
+              <a:t>Random Forest</a:t>
+            </a:r>
+          </a:p>
+          <a:p>
+            <a:pPr marL="457200" indent="-457200" algn="just">
+              <a:buFont typeface="Arial" panose="020B0604020202020204" pitchFamily="34" charset="0"/>
+              <a:buChar char="•"/>
+            </a:pPr>
+            <a:r>
+              <a:rPr lang="en-US" sz="2800" dirty="0">
+                <a:highlight>
+                  <a:srgbClr val="00FF00"/>
+                </a:highlight>
+              </a:rPr>
+              <a:t>Extra Trees</a:t>
+            </a:r>
+          </a:p>
+          <a:p>
+            <a:pPr marL="457200" indent="-457200" algn="just">
+              <a:buFont typeface="Arial" panose="020B0604020202020204" pitchFamily="34" charset="0"/>
+              <a:buChar char="•"/>
+            </a:pPr>
+            <a:r>
+              <a:rPr lang="en-US" sz="2800" dirty="0"/>
+              <a:t>Ada Boost</a:t>
+            </a:r>
+          </a:p>
+          <a:p>
+            <a:pPr marL="457200" indent="-457200" algn="just">
+              <a:buFont typeface="Arial" panose="020B0604020202020204" pitchFamily="34" charset="0"/>
+              <a:buChar char="•"/>
+            </a:pPr>
+            <a:r>
+              <a:rPr lang="en-US" sz="2800" dirty="0"/>
+              <a:t>Gradient Boosting</a:t>
+            </a:r>
+          </a:p>
+          <a:p>
+            <a:pPr marL="457200" indent="-457200" algn="just">
+              <a:buFont typeface="Arial" panose="020B0604020202020204" pitchFamily="34" charset="0"/>
+              <a:buChar char="•"/>
+            </a:pPr>
+            <a:r>
+              <a:rPr lang="en-US" sz="2800" dirty="0"/>
+              <a:t>K Nearest Neighbors</a:t>
+            </a:r>
+          </a:p>
+          <a:p>
+            <a:pPr marL="457200" indent="-457200" algn="just">
+              <a:buFont typeface="Arial" panose="020B0604020202020204" pitchFamily="34" charset="0"/>
+              <a:buChar char="•"/>
+            </a:pPr>
+            <a:r>
+              <a:rPr lang="en-US" sz="2800" dirty="0"/>
+              <a:t>Support Vector Machine</a:t>
+            </a:r>
+          </a:p>
+        </p:txBody>
+      </p:sp>
+      <p:sp>
+        <p:nvSpPr>
+          <p:cNvPr id="10" name="TextBox 9">
+            <a:extLst>
+              <a:ext uri="{FF2B5EF4-FFF2-40B4-BE49-F238E27FC236}">
+                <a16:creationId xmlns:a16="http://schemas.microsoft.com/office/drawing/2014/main" id="{DE9D566F-7CDC-4252-A517-91BF2DCFF1D1}"/>
+              </a:ext>
+            </a:extLst>
+          </p:cNvPr>
+          <p:cNvSpPr txBox="1"/>
+          <p:nvPr/>
+        </p:nvSpPr>
+        <p:spPr>
+          <a:xfrm>
+            <a:off x="7674381" y="1182231"/>
+            <a:ext cx="1947920" cy="2246769"/>
+          </a:xfrm>
+          <a:prstGeom prst="rect">
+            <a:avLst/>
+          </a:prstGeom>
+          <a:noFill/>
+        </p:spPr>
+        <p:txBody>
+          <a:bodyPr wrap="square" rtlCol="0">
+            <a:spAutoFit/>
+          </a:bodyPr>
+          <a:lstStyle/>
+          <a:p>
+            <a:r>
+              <a:rPr lang="en-US" sz="2800" b="1" dirty="0"/>
+              <a:t>METRICS:</a:t>
+            </a:r>
+          </a:p>
+          <a:p>
+            <a:endParaRPr lang="en-US" sz="2800" b="1" dirty="0"/>
+          </a:p>
+          <a:p>
+            <a:r>
+              <a:rPr lang="en-US" sz="2800" dirty="0">
+                <a:highlight>
+                  <a:srgbClr val="00FF00"/>
+                </a:highlight>
+              </a:rPr>
+              <a:t>Recall</a:t>
+            </a:r>
+          </a:p>
+          <a:p>
+            <a:endParaRPr lang="en-US" sz="2800" dirty="0"/>
+          </a:p>
+          <a:p>
+            <a:r>
+              <a:rPr lang="en-US" sz="2800" dirty="0"/>
+              <a:t>Accuracy</a:t>
+            </a:r>
+          </a:p>
+        </p:txBody>
+      </p:sp>
+    </p:spTree>
+    <p:extLst>
+      <p:ext uri="{BB962C8B-B14F-4D97-AF65-F5344CB8AC3E}">
+        <p14:creationId xmlns:p14="http://schemas.microsoft.com/office/powerpoint/2010/main" val="880265440"/>
+      </p:ext>
+    </p:extLst>
+  </p:cSld>
+  <p:clrMapOvr>
+    <a:masterClrMapping/>
+  </p:clrMapOvr>
+</p:sld>
+</file>
+
+<file path=ppt/slides/slide16.xml><?xml version="1.0" encoding="utf-8"?>
+<p:sld xmlns:a="http://schemas.openxmlformats.org/drawingml/2006/main" xmlns:r="http://schemas.openxmlformats.org/officeDocument/2006/relationships" xmlns:p="http://schemas.openxmlformats.org/presentationml/2006/main">
+  <p:cSld>
+    <p:spTree>
+      <p:nvGrpSpPr>
+        <p:cNvPr id="1" name=""/>
+        <p:cNvGrpSpPr/>
+        <p:nvPr/>
+      </p:nvGrpSpPr>
+      <p:grpSpPr>
+        <a:xfrm>
+          <a:off x="0" y="0"/>
+          <a:ext cx="0" cy="0"/>
+          <a:chOff x="0" y="0"/>
+          <a:chExt cx="0" cy="0"/>
+        </a:xfrm>
+      </p:grpSpPr>
+      <p:pic>
+        <p:nvPicPr>
+          <p:cNvPr id="2" name="Picture 1">
+            <a:extLst>
+              <a:ext uri="{FF2B5EF4-FFF2-40B4-BE49-F238E27FC236}">
+                <a16:creationId xmlns:a16="http://schemas.microsoft.com/office/drawing/2014/main" id="{7182ACF5-9699-4097-B9F1-12DE27B3D2D5}"/>
+              </a:ext>
+            </a:extLst>
+          </p:cNvPr>
+          <p:cNvPicPr>
+            <a:picLocks noChangeAspect="1"/>
+          </p:cNvPicPr>
+          <p:nvPr/>
+        </p:nvPicPr>
+        <p:blipFill>
+          <a:blip r:embed="rId2"/>
+          <a:stretch>
+            <a:fillRect/>
+          </a:stretch>
+        </p:blipFill>
+        <p:spPr>
+          <a:xfrm>
+            <a:off x="335220" y="106701"/>
+            <a:ext cx="4582164" cy="3600953"/>
+          </a:xfrm>
+          <a:prstGeom prst="rect">
+            <a:avLst/>
+          </a:prstGeom>
+        </p:spPr>
+      </p:pic>
+      <p:pic>
+        <p:nvPicPr>
+          <p:cNvPr id="4" name="Picture 3">
+            <a:extLst>
+              <a:ext uri="{FF2B5EF4-FFF2-40B4-BE49-F238E27FC236}">
+                <a16:creationId xmlns:a16="http://schemas.microsoft.com/office/drawing/2014/main" id="{002549EA-B571-4B24-BDFF-F4213D719CCF}"/>
+              </a:ext>
+            </a:extLst>
+          </p:cNvPr>
+          <p:cNvPicPr>
+            <a:picLocks noChangeAspect="1"/>
+          </p:cNvPicPr>
+          <p:nvPr/>
+        </p:nvPicPr>
+        <p:blipFill>
+          <a:blip r:embed="rId3"/>
+          <a:stretch>
+            <a:fillRect/>
+          </a:stretch>
+        </p:blipFill>
+        <p:spPr>
+          <a:xfrm>
+            <a:off x="477327" y="3838471"/>
+            <a:ext cx="4699889" cy="3019529"/>
+          </a:xfrm>
+          <a:prstGeom prst="rect">
+            <a:avLst/>
+          </a:prstGeom>
+        </p:spPr>
+      </p:pic>
+      <p:pic>
+        <p:nvPicPr>
+          <p:cNvPr id="5" name="Picture 4">
+            <a:extLst>
+              <a:ext uri="{FF2B5EF4-FFF2-40B4-BE49-F238E27FC236}">
+                <a16:creationId xmlns:a16="http://schemas.microsoft.com/office/drawing/2014/main" id="{98998BE5-4D2F-4AF6-AE05-0F916CF0B630}"/>
+              </a:ext>
+            </a:extLst>
+          </p:cNvPr>
+          <p:cNvPicPr>
+            <a:picLocks noChangeAspect="1"/>
+          </p:cNvPicPr>
+          <p:nvPr/>
+        </p:nvPicPr>
+        <p:blipFill>
+          <a:blip r:embed="rId4"/>
+          <a:stretch>
+            <a:fillRect/>
+          </a:stretch>
+        </p:blipFill>
+        <p:spPr>
+          <a:xfrm>
+            <a:off x="6392888" y="3838471"/>
+            <a:ext cx="4670434" cy="3019529"/>
+          </a:xfrm>
+          <a:prstGeom prst="rect">
+            <a:avLst/>
+          </a:prstGeom>
+        </p:spPr>
+      </p:pic>
+      <p:pic>
+        <p:nvPicPr>
+          <p:cNvPr id="6" name="Picture 5">
+            <a:extLst>
+              <a:ext uri="{FF2B5EF4-FFF2-40B4-BE49-F238E27FC236}">
+                <a16:creationId xmlns:a16="http://schemas.microsoft.com/office/drawing/2014/main" id="{43222409-C91A-4E3C-B4DE-88AD04032808}"/>
+              </a:ext>
+            </a:extLst>
+          </p:cNvPr>
+          <p:cNvPicPr>
+            <a:picLocks noChangeAspect="1"/>
+          </p:cNvPicPr>
+          <p:nvPr/>
+        </p:nvPicPr>
+        <p:blipFill>
+          <a:blip r:embed="rId5"/>
+          <a:stretch>
+            <a:fillRect/>
+          </a:stretch>
+        </p:blipFill>
+        <p:spPr>
+          <a:xfrm>
+            <a:off x="5136825" y="621491"/>
+            <a:ext cx="7027040" cy="2909500"/>
+          </a:xfrm>
+          <a:prstGeom prst="rect">
+            <a:avLst/>
+          </a:prstGeom>
+          <a:ln>
+            <a:solidFill>
+              <a:schemeClr val="accent1">
+                <a:shade val="50000"/>
+              </a:schemeClr>
+            </a:solidFill>
+          </a:ln>
+        </p:spPr>
+      </p:pic>
+      <p:sp>
+        <p:nvSpPr>
+          <p:cNvPr id="7" name="Rectangle 6">
+            <a:extLst>
+              <a:ext uri="{FF2B5EF4-FFF2-40B4-BE49-F238E27FC236}">
+                <a16:creationId xmlns:a16="http://schemas.microsoft.com/office/drawing/2014/main" id="{53BEDC8A-78B0-435B-B2ED-658E5E9085C5}"/>
+              </a:ext>
+            </a:extLst>
+          </p:cNvPr>
+          <p:cNvSpPr/>
+          <p:nvPr/>
+        </p:nvSpPr>
+        <p:spPr>
+          <a:xfrm>
+            <a:off x="7597473" y="129901"/>
+            <a:ext cx="1766317" cy="461665"/>
+          </a:xfrm>
+          <a:prstGeom prst="rect">
+            <a:avLst/>
+          </a:prstGeom>
+        </p:spPr>
+        <p:txBody>
+          <a:bodyPr wrap="none">
+            <a:spAutoFit/>
+          </a:bodyPr>
+          <a:lstStyle/>
+          <a:p>
+            <a:r>
+              <a:rPr lang="en-US" sz="2400" b="1" i="1" dirty="0">
+                <a:highlight>
+                  <a:srgbClr val="FFFF00"/>
+                </a:highlight>
+              </a:rPr>
+              <a:t>After Tuning</a:t>
+            </a:r>
+          </a:p>
+        </p:txBody>
+      </p:sp>
+      <p:sp>
+        <p:nvSpPr>
+          <p:cNvPr id="9" name="Rectangle 8">
+            <a:extLst>
+              <a:ext uri="{FF2B5EF4-FFF2-40B4-BE49-F238E27FC236}">
+                <a16:creationId xmlns:a16="http://schemas.microsoft.com/office/drawing/2014/main" id="{17E53A96-8161-4F58-BB89-CD057A73AD9A}"/>
+              </a:ext>
+            </a:extLst>
+          </p:cNvPr>
+          <p:cNvSpPr/>
+          <p:nvPr/>
+        </p:nvSpPr>
+        <p:spPr>
+          <a:xfrm>
+            <a:off x="10114671" y="2602523"/>
+            <a:ext cx="787791" cy="393895"/>
+          </a:xfrm>
+          <a:prstGeom prst="rect">
+            <a:avLst/>
+          </a:prstGeom>
+          <a:noFill/>
+          <a:ln>
+            <a:solidFill>
+              <a:srgbClr val="0070C0"/>
+            </a:solidFill>
+          </a:ln>
+        </p:spPr>
+        <p:style>
+          <a:lnRef idx="2">
+            <a:schemeClr val="accent1">
+              <a:shade val="50000"/>
+            </a:schemeClr>
+          </a:lnRef>
+          <a:fillRef idx="1">
+            <a:schemeClr val="accent1"/>
+          </a:fillRef>
+          <a:effectRef idx="0">
+            <a:schemeClr val="accent1"/>
+          </a:effectRef>
+          <a:fontRef idx="minor">
+            <a:schemeClr val="lt1"/>
+          </a:fontRef>
+        </p:style>
+        <p:txBody>
+          <a:bodyPr rtlCol="0" anchor="ctr"/>
+          <a:lstStyle/>
+          <a:p>
+            <a:pPr algn="ctr"/>
+            <a:endParaRPr lang="en-US"/>
+          </a:p>
+        </p:txBody>
+      </p:sp>
+      <p:sp>
+        <p:nvSpPr>
+          <p:cNvPr id="10" name="Rectangle 9">
+            <a:extLst>
+              <a:ext uri="{FF2B5EF4-FFF2-40B4-BE49-F238E27FC236}">
+                <a16:creationId xmlns:a16="http://schemas.microsoft.com/office/drawing/2014/main" id="{7460CFE1-2199-4A6A-8EF5-4501FCB4684D}"/>
+              </a:ext>
+            </a:extLst>
+          </p:cNvPr>
+          <p:cNvSpPr/>
+          <p:nvPr/>
+        </p:nvSpPr>
+        <p:spPr>
+          <a:xfrm>
+            <a:off x="8909539" y="2208628"/>
+            <a:ext cx="787791" cy="393895"/>
+          </a:xfrm>
+          <a:prstGeom prst="rect">
+            <a:avLst/>
+          </a:prstGeom>
+          <a:noFill/>
+          <a:ln>
+            <a:solidFill>
+              <a:srgbClr val="FF0000"/>
+            </a:solidFill>
+          </a:ln>
+        </p:spPr>
+        <p:style>
+          <a:lnRef idx="2">
+            <a:schemeClr val="accent1">
+              <a:shade val="50000"/>
+            </a:schemeClr>
+          </a:lnRef>
+          <a:fillRef idx="1">
+            <a:schemeClr val="accent1"/>
+          </a:fillRef>
+          <a:effectRef idx="0">
+            <a:schemeClr val="accent1"/>
+          </a:effectRef>
+          <a:fontRef idx="minor">
+            <a:schemeClr val="lt1"/>
+          </a:fontRef>
+        </p:style>
+        <p:txBody>
+          <a:bodyPr rtlCol="0" anchor="ctr"/>
+          <a:lstStyle/>
+          <a:p>
+            <a:pPr algn="ctr"/>
+            <a:endParaRPr lang="en-US"/>
+          </a:p>
+        </p:txBody>
+      </p:sp>
+      <p:cxnSp>
+        <p:nvCxnSpPr>
+          <p:cNvPr id="11" name="Straight Arrow Connector 10">
+            <a:extLst>
+              <a:ext uri="{FF2B5EF4-FFF2-40B4-BE49-F238E27FC236}">
+                <a16:creationId xmlns:a16="http://schemas.microsoft.com/office/drawing/2014/main" id="{A9D5BF1C-C1BF-4018-A1BE-6310CB5FF88A}"/>
+              </a:ext>
+            </a:extLst>
+          </p:cNvPr>
+          <p:cNvCxnSpPr>
+            <a:cxnSpLocks/>
+          </p:cNvCxnSpPr>
+          <p:nvPr/>
+        </p:nvCxnSpPr>
+        <p:spPr>
+          <a:xfrm flipV="1">
+            <a:off x="8466563" y="2596494"/>
+            <a:ext cx="457272" cy="299441"/>
+          </a:xfrm>
+          <a:prstGeom prst="straightConnector1">
+            <a:avLst/>
+          </a:prstGeom>
+          <a:ln w="38100">
+            <a:solidFill>
+              <a:srgbClr val="FF0000"/>
+            </a:solidFill>
+            <a:headEnd w="lg" len="lg"/>
+            <a:tailEnd type="triangle" w="lg" len="lg"/>
+          </a:ln>
+        </p:spPr>
+        <p:style>
+          <a:lnRef idx="1">
+            <a:schemeClr val="accent1"/>
+          </a:lnRef>
+          <a:fillRef idx="0">
+            <a:schemeClr val="accent1"/>
+          </a:fillRef>
+          <a:effectRef idx="0">
+            <a:schemeClr val="accent1"/>
+          </a:effectRef>
+          <a:fontRef idx="minor">
+            <a:schemeClr val="tx1"/>
+          </a:fontRef>
+        </p:style>
+      </p:cxnSp>
+      <p:cxnSp>
+        <p:nvCxnSpPr>
+          <p:cNvPr id="15" name="Straight Arrow Connector 14">
+            <a:extLst>
+              <a:ext uri="{FF2B5EF4-FFF2-40B4-BE49-F238E27FC236}">
+                <a16:creationId xmlns:a16="http://schemas.microsoft.com/office/drawing/2014/main" id="{3609B267-3DEB-4848-8FCD-C44A7AD5BC14}"/>
+              </a:ext>
+            </a:extLst>
+          </p:cNvPr>
+          <p:cNvCxnSpPr>
+            <a:cxnSpLocks/>
+          </p:cNvCxnSpPr>
+          <p:nvPr/>
+        </p:nvCxnSpPr>
+        <p:spPr>
+          <a:xfrm flipV="1">
+            <a:off x="9718359" y="2996418"/>
+            <a:ext cx="396312" cy="351473"/>
+          </a:xfrm>
+          <a:prstGeom prst="straightConnector1">
+            <a:avLst/>
+          </a:prstGeom>
+          <a:ln w="38100">
+            <a:solidFill>
+              <a:srgbClr val="0070C0"/>
+            </a:solidFill>
+            <a:headEnd w="lg" len="lg"/>
+            <a:tailEnd type="triangle" w="lg" len="lg"/>
+          </a:ln>
+        </p:spPr>
+        <p:style>
+          <a:lnRef idx="1">
+            <a:schemeClr val="accent1"/>
+          </a:lnRef>
+          <a:fillRef idx="0">
+            <a:schemeClr val="accent1"/>
+          </a:fillRef>
+          <a:effectRef idx="0">
+            <a:schemeClr val="accent1"/>
+          </a:effectRef>
+          <a:fontRef idx="minor">
+            <a:schemeClr val="tx1"/>
+          </a:fontRef>
+        </p:style>
+      </p:cxnSp>
+      <p:pic>
+        <p:nvPicPr>
+          <p:cNvPr id="17" name="Picture 16">
+            <a:extLst>
+              <a:ext uri="{FF2B5EF4-FFF2-40B4-BE49-F238E27FC236}">
+                <a16:creationId xmlns:a16="http://schemas.microsoft.com/office/drawing/2014/main" id="{85317B16-AFDB-4D88-9EFE-FD34F5CC3B34}"/>
+              </a:ext>
+            </a:extLst>
+          </p:cNvPr>
+          <p:cNvPicPr>
+            <a:picLocks noChangeAspect="1"/>
+          </p:cNvPicPr>
+          <p:nvPr/>
+        </p:nvPicPr>
+        <p:blipFill>
+          <a:blip r:embed="rId6"/>
+          <a:stretch>
+            <a:fillRect/>
+          </a:stretch>
+        </p:blipFill>
+        <p:spPr>
+          <a:xfrm>
+            <a:off x="9858493" y="18311"/>
+            <a:ext cx="2305372" cy="581106"/>
+          </a:xfrm>
+          <a:prstGeom prst="rect">
+            <a:avLst/>
+          </a:prstGeom>
+        </p:spPr>
+      </p:pic>
+    </p:spTree>
+    <p:extLst>
+      <p:ext uri="{BB962C8B-B14F-4D97-AF65-F5344CB8AC3E}">
+        <p14:creationId xmlns:p14="http://schemas.microsoft.com/office/powerpoint/2010/main" val="527347859"/>
+      </p:ext>
+    </p:extLst>
+  </p:cSld>
+  <p:clrMapOvr>
+    <a:masterClrMapping/>
+  </p:clrMapOvr>
+</p:sld>
+</file>
+
+<file path=ppt/slides/slide17.xml><?xml version="1.0" encoding="utf-8"?>
+<p:sld xmlns:a="http://schemas.openxmlformats.org/drawingml/2006/main" xmlns:r="http://schemas.openxmlformats.org/officeDocument/2006/relationships" xmlns:p="http://schemas.openxmlformats.org/presentationml/2006/main">
+  <p:cSld>
+    <p:spTree>
+      <p:nvGrpSpPr>
+        <p:cNvPr id="1" name=""/>
+        <p:cNvGrpSpPr/>
+        <p:nvPr/>
+      </p:nvGrpSpPr>
+      <p:grpSpPr>
+        <a:xfrm>
+          <a:off x="0" y="0"/>
+          <a:ext cx="0" cy="0"/>
+          <a:chOff x="0" y="0"/>
+          <a:chExt cx="0" cy="0"/>
+        </a:xfrm>
+      </p:grpSpPr>
+      <p:pic>
+        <p:nvPicPr>
+          <p:cNvPr id="4" name="Picture 3">
+            <a:extLst>
+              <a:ext uri="{FF2B5EF4-FFF2-40B4-BE49-F238E27FC236}">
+                <a16:creationId xmlns:a16="http://schemas.microsoft.com/office/drawing/2014/main" id="{57248140-4768-4F54-8760-92DC4CF1886C}"/>
+              </a:ext>
+            </a:extLst>
+          </p:cNvPr>
+          <p:cNvPicPr>
+            <a:picLocks noChangeAspect="1"/>
+          </p:cNvPicPr>
+          <p:nvPr/>
+        </p:nvPicPr>
+        <p:blipFill>
+          <a:blip r:embed="rId2"/>
+          <a:stretch>
+            <a:fillRect/>
+          </a:stretch>
+        </p:blipFill>
+        <p:spPr>
+          <a:xfrm>
+            <a:off x="296031" y="98476"/>
+            <a:ext cx="4458849" cy="3435662"/>
+          </a:xfrm>
+          <a:prstGeom prst="rect">
+            <a:avLst/>
+          </a:prstGeom>
+        </p:spPr>
+      </p:pic>
+      <p:pic>
+        <p:nvPicPr>
+          <p:cNvPr id="5" name="Picture 4">
+            <a:extLst>
+              <a:ext uri="{FF2B5EF4-FFF2-40B4-BE49-F238E27FC236}">
+                <a16:creationId xmlns:a16="http://schemas.microsoft.com/office/drawing/2014/main" id="{BC216D79-5530-4975-A4BB-9D73BC467147}"/>
+              </a:ext>
+            </a:extLst>
+          </p:cNvPr>
+          <p:cNvPicPr>
+            <a:picLocks noChangeAspect="1"/>
+          </p:cNvPicPr>
+          <p:nvPr/>
+        </p:nvPicPr>
+        <p:blipFill>
+          <a:blip r:embed="rId3"/>
+          <a:stretch>
+            <a:fillRect/>
+          </a:stretch>
+        </p:blipFill>
+        <p:spPr>
+          <a:xfrm>
+            <a:off x="4965895" y="627889"/>
+            <a:ext cx="7212037" cy="2943337"/>
+          </a:xfrm>
+          <a:prstGeom prst="rect">
+            <a:avLst/>
+          </a:prstGeom>
+          <a:ln>
+            <a:solidFill>
+              <a:schemeClr val="tx1"/>
+            </a:solidFill>
+          </a:ln>
+        </p:spPr>
+      </p:pic>
+      <p:pic>
+        <p:nvPicPr>
+          <p:cNvPr id="6" name="Picture 5">
+            <a:extLst>
+              <a:ext uri="{FF2B5EF4-FFF2-40B4-BE49-F238E27FC236}">
+                <a16:creationId xmlns:a16="http://schemas.microsoft.com/office/drawing/2014/main" id="{B62C23FC-635D-4DA8-867F-F86EFC2E14B1}"/>
+              </a:ext>
+            </a:extLst>
+          </p:cNvPr>
+          <p:cNvPicPr>
+            <a:picLocks noChangeAspect="1"/>
+          </p:cNvPicPr>
+          <p:nvPr/>
+        </p:nvPicPr>
+        <p:blipFill>
+          <a:blip r:embed="rId4"/>
+          <a:stretch>
+            <a:fillRect/>
+          </a:stretch>
+        </p:blipFill>
+        <p:spPr>
+          <a:xfrm>
+            <a:off x="371059" y="3784248"/>
+            <a:ext cx="4708368" cy="2988494"/>
+          </a:xfrm>
+          <a:prstGeom prst="rect">
+            <a:avLst/>
+          </a:prstGeom>
+        </p:spPr>
+      </p:pic>
+      <p:pic>
+        <p:nvPicPr>
+          <p:cNvPr id="7" name="Picture 6">
+            <a:extLst>
+              <a:ext uri="{FF2B5EF4-FFF2-40B4-BE49-F238E27FC236}">
+                <a16:creationId xmlns:a16="http://schemas.microsoft.com/office/drawing/2014/main" id="{E14F7A8F-814D-4CD4-BA49-F4488F0C603B}"/>
+              </a:ext>
+            </a:extLst>
+          </p:cNvPr>
+          <p:cNvPicPr>
+            <a:picLocks noChangeAspect="1"/>
+          </p:cNvPicPr>
+          <p:nvPr/>
+        </p:nvPicPr>
+        <p:blipFill>
+          <a:blip r:embed="rId5"/>
+          <a:stretch>
+            <a:fillRect/>
+          </a:stretch>
+        </p:blipFill>
+        <p:spPr>
+          <a:xfrm>
+            <a:off x="6096000" y="3754520"/>
+            <a:ext cx="4887089" cy="3103480"/>
+          </a:xfrm>
+          <a:prstGeom prst="rect">
+            <a:avLst/>
+          </a:prstGeom>
+        </p:spPr>
+      </p:pic>
+      <p:pic>
+        <p:nvPicPr>
+          <p:cNvPr id="8" name="Picture 7">
+            <a:extLst>
+              <a:ext uri="{FF2B5EF4-FFF2-40B4-BE49-F238E27FC236}">
+                <a16:creationId xmlns:a16="http://schemas.microsoft.com/office/drawing/2014/main" id="{1FF3F2F3-977C-4797-9E2F-1B1EB7230E94}"/>
+              </a:ext>
+            </a:extLst>
+          </p:cNvPr>
+          <p:cNvPicPr>
+            <a:picLocks noChangeAspect="1"/>
+          </p:cNvPicPr>
+          <p:nvPr/>
+        </p:nvPicPr>
+        <p:blipFill>
+          <a:blip r:embed="rId6"/>
+          <a:stretch>
+            <a:fillRect/>
+          </a:stretch>
+        </p:blipFill>
+        <p:spPr>
+          <a:xfrm>
+            <a:off x="9886628" y="0"/>
+            <a:ext cx="2305372" cy="581106"/>
+          </a:xfrm>
+          <a:prstGeom prst="rect">
+            <a:avLst/>
+          </a:prstGeom>
+        </p:spPr>
+      </p:pic>
+      <p:sp>
+        <p:nvSpPr>
+          <p:cNvPr id="9" name="Rectangle 8">
+            <a:extLst>
+              <a:ext uri="{FF2B5EF4-FFF2-40B4-BE49-F238E27FC236}">
+                <a16:creationId xmlns:a16="http://schemas.microsoft.com/office/drawing/2014/main" id="{CE0BABE8-ABDA-4582-AC15-D41BC55EF77F}"/>
+              </a:ext>
+            </a:extLst>
+          </p:cNvPr>
+          <p:cNvSpPr/>
+          <p:nvPr/>
+        </p:nvSpPr>
+        <p:spPr>
+          <a:xfrm>
+            <a:off x="7597473" y="129901"/>
+            <a:ext cx="1766317" cy="461665"/>
+          </a:xfrm>
+          <a:prstGeom prst="rect">
+            <a:avLst/>
+          </a:prstGeom>
+        </p:spPr>
+        <p:txBody>
+          <a:bodyPr wrap="none">
+            <a:spAutoFit/>
+          </a:bodyPr>
+          <a:lstStyle/>
+          <a:p>
+            <a:r>
+              <a:rPr lang="en-US" sz="2400" b="1" i="1" dirty="0">
+                <a:highlight>
+                  <a:srgbClr val="FFFF00"/>
+                </a:highlight>
+              </a:rPr>
+              <a:t>After Tuning</a:t>
+            </a:r>
+          </a:p>
+        </p:txBody>
+      </p:sp>
+      <p:sp>
+        <p:nvSpPr>
+          <p:cNvPr id="10" name="Rectangle 9">
+            <a:extLst>
+              <a:ext uri="{FF2B5EF4-FFF2-40B4-BE49-F238E27FC236}">
+                <a16:creationId xmlns:a16="http://schemas.microsoft.com/office/drawing/2014/main" id="{00FA82A4-7050-4C21-B72C-5A15C225F1D0}"/>
+              </a:ext>
+            </a:extLst>
+          </p:cNvPr>
+          <p:cNvSpPr/>
+          <p:nvPr/>
+        </p:nvSpPr>
+        <p:spPr>
+          <a:xfrm>
+            <a:off x="10114671" y="2574387"/>
+            <a:ext cx="787791" cy="393895"/>
+          </a:xfrm>
+          <a:prstGeom prst="rect">
+            <a:avLst/>
+          </a:prstGeom>
+          <a:noFill/>
+          <a:ln>
+            <a:solidFill>
+              <a:srgbClr val="0070C0"/>
+            </a:solidFill>
+          </a:ln>
+        </p:spPr>
+        <p:style>
+          <a:lnRef idx="2">
+            <a:schemeClr val="accent1">
+              <a:shade val="50000"/>
+            </a:schemeClr>
+          </a:lnRef>
+          <a:fillRef idx="1">
+            <a:schemeClr val="accent1"/>
+          </a:fillRef>
+          <a:effectRef idx="0">
+            <a:schemeClr val="accent1"/>
+          </a:effectRef>
+          <a:fontRef idx="minor">
+            <a:schemeClr val="lt1"/>
+          </a:fontRef>
+        </p:style>
+        <p:txBody>
+          <a:bodyPr rtlCol="0" anchor="ctr"/>
+          <a:lstStyle/>
+          <a:p>
+            <a:pPr algn="ctr"/>
+            <a:endParaRPr lang="en-US"/>
+          </a:p>
+        </p:txBody>
+      </p:sp>
+      <p:sp>
+        <p:nvSpPr>
+          <p:cNvPr id="11" name="Rectangle 10">
+            <a:extLst>
+              <a:ext uri="{FF2B5EF4-FFF2-40B4-BE49-F238E27FC236}">
+                <a16:creationId xmlns:a16="http://schemas.microsoft.com/office/drawing/2014/main" id="{91CE2E16-B8C4-40DB-A4DF-1FE0FF7225F3}"/>
+              </a:ext>
+            </a:extLst>
+          </p:cNvPr>
+          <p:cNvSpPr/>
+          <p:nvPr/>
+        </p:nvSpPr>
+        <p:spPr>
+          <a:xfrm>
+            <a:off x="8909539" y="2180492"/>
+            <a:ext cx="787791" cy="393895"/>
+          </a:xfrm>
+          <a:prstGeom prst="rect">
+            <a:avLst/>
+          </a:prstGeom>
+          <a:noFill/>
+          <a:ln>
+            <a:solidFill>
+              <a:srgbClr val="FF0000"/>
+            </a:solidFill>
+          </a:ln>
+        </p:spPr>
+        <p:style>
+          <a:lnRef idx="2">
+            <a:schemeClr val="accent1">
+              <a:shade val="50000"/>
+            </a:schemeClr>
+          </a:lnRef>
+          <a:fillRef idx="1">
+            <a:schemeClr val="accent1"/>
+          </a:fillRef>
+          <a:effectRef idx="0">
+            <a:schemeClr val="accent1"/>
+          </a:effectRef>
+          <a:fontRef idx="minor">
+            <a:schemeClr val="lt1"/>
+          </a:fontRef>
+        </p:style>
+        <p:txBody>
+          <a:bodyPr rtlCol="0" anchor="ctr"/>
+          <a:lstStyle/>
+          <a:p>
+            <a:pPr algn="ctr"/>
+            <a:endParaRPr lang="en-US"/>
+          </a:p>
+        </p:txBody>
+      </p:sp>
+      <p:cxnSp>
+        <p:nvCxnSpPr>
+          <p:cNvPr id="12" name="Straight Arrow Connector 11">
+            <a:extLst>
+              <a:ext uri="{FF2B5EF4-FFF2-40B4-BE49-F238E27FC236}">
+                <a16:creationId xmlns:a16="http://schemas.microsoft.com/office/drawing/2014/main" id="{75BC9A5D-3FCE-4DDD-8B29-B1F43DA0F610}"/>
+              </a:ext>
+            </a:extLst>
+          </p:cNvPr>
+          <p:cNvCxnSpPr>
+            <a:cxnSpLocks/>
+          </p:cNvCxnSpPr>
+          <p:nvPr/>
+        </p:nvCxnSpPr>
+        <p:spPr>
+          <a:xfrm flipV="1">
+            <a:off x="8466563" y="2568358"/>
+            <a:ext cx="457272" cy="299441"/>
+          </a:xfrm>
+          <a:prstGeom prst="straightConnector1">
+            <a:avLst/>
+          </a:prstGeom>
+          <a:ln w="38100">
+            <a:solidFill>
+              <a:srgbClr val="FF0000"/>
+            </a:solidFill>
+            <a:headEnd w="lg" len="lg"/>
+            <a:tailEnd type="triangle" w="lg" len="lg"/>
+          </a:ln>
+        </p:spPr>
+        <p:style>
+          <a:lnRef idx="1">
+            <a:schemeClr val="accent1"/>
+          </a:lnRef>
+          <a:fillRef idx="0">
+            <a:schemeClr val="accent1"/>
+          </a:fillRef>
+          <a:effectRef idx="0">
+            <a:schemeClr val="accent1"/>
+          </a:effectRef>
+          <a:fontRef idx="minor">
+            <a:schemeClr val="tx1"/>
+          </a:fontRef>
+        </p:style>
+      </p:cxnSp>
+      <p:cxnSp>
+        <p:nvCxnSpPr>
+          <p:cNvPr id="13" name="Straight Arrow Connector 12">
+            <a:extLst>
+              <a:ext uri="{FF2B5EF4-FFF2-40B4-BE49-F238E27FC236}">
+                <a16:creationId xmlns:a16="http://schemas.microsoft.com/office/drawing/2014/main" id="{EC3B3EC0-A01A-4D43-8653-64E4359A9BCC}"/>
+              </a:ext>
+            </a:extLst>
+          </p:cNvPr>
+          <p:cNvCxnSpPr>
+            <a:cxnSpLocks/>
+          </p:cNvCxnSpPr>
+          <p:nvPr/>
+        </p:nvCxnSpPr>
+        <p:spPr>
+          <a:xfrm flipV="1">
+            <a:off x="9718359" y="2968282"/>
+            <a:ext cx="396312" cy="351473"/>
+          </a:xfrm>
+          <a:prstGeom prst="straightConnector1">
+            <a:avLst/>
+          </a:prstGeom>
+          <a:ln w="38100">
+            <a:solidFill>
+              <a:srgbClr val="0070C0"/>
+            </a:solidFill>
+            <a:headEnd w="lg" len="lg"/>
+            <a:tailEnd type="triangle" w="lg" len="lg"/>
+          </a:ln>
+        </p:spPr>
+        <p:style>
+          <a:lnRef idx="1">
+            <a:schemeClr val="accent1"/>
+          </a:lnRef>
+          <a:fillRef idx="0">
+            <a:schemeClr val="accent1"/>
+          </a:fillRef>
+          <a:effectRef idx="0">
+            <a:schemeClr val="accent1"/>
+          </a:effectRef>
+          <a:fontRef idx="minor">
+            <a:schemeClr val="tx1"/>
+          </a:fontRef>
+        </p:style>
+      </p:cxnSp>
+    </p:spTree>
+    <p:extLst>
+      <p:ext uri="{BB962C8B-B14F-4D97-AF65-F5344CB8AC3E}">
+        <p14:creationId xmlns:p14="http://schemas.microsoft.com/office/powerpoint/2010/main" val="2956144397"/>
+      </p:ext>
+    </p:extLst>
+  </p:cSld>
+  <p:clrMapOvr>
+    <a:masterClrMapping/>
+  </p:clrMapOvr>
+</p:sld>
+</file>
+
+<file path=ppt/slides/slide18.xml><?xml version="1.0" encoding="utf-8"?>
+<p:sld xmlns:a="http://schemas.openxmlformats.org/drawingml/2006/main" xmlns:r="http://schemas.openxmlformats.org/officeDocument/2006/relationships" xmlns:p="http://schemas.openxmlformats.org/presentationml/2006/main">
+  <p:cSld>
+    <p:spTree>
+      <p:nvGrpSpPr>
+        <p:cNvPr id="1" name=""/>
+        <p:cNvGrpSpPr/>
+        <p:nvPr/>
+      </p:nvGrpSpPr>
+      <p:grpSpPr>
+        <a:xfrm>
+          <a:off x="0" y="0"/>
+          <a:ext cx="0" cy="0"/>
+          <a:chOff x="0" y="0"/>
+          <a:chExt cx="0" cy="0"/>
+        </a:xfrm>
+      </p:grpSpPr>
+      <p:pic>
+        <p:nvPicPr>
+          <p:cNvPr id="2" name="Picture 2" descr="Image result for reinsurance">
+            <a:extLst>
+              <a:ext uri="{FF2B5EF4-FFF2-40B4-BE49-F238E27FC236}">
+                <a16:creationId xmlns:a16="http://schemas.microsoft.com/office/drawing/2014/main" id="{070B068F-9DF1-4994-B3D8-383BD3A776BB}"/>
+              </a:ext>
+            </a:extLst>
+          </p:cNvPr>
+          <p:cNvPicPr>
+            <a:picLocks noChangeAspect="1" noChangeArrowheads="1"/>
+          </p:cNvPicPr>
+          <p:nvPr/>
+        </p:nvPicPr>
+        <p:blipFill rotWithShape="1">
+          <a:blip r:embed="rId2">
+            <a:extLst>
+              <a:ext uri="{28A0092B-C50C-407E-A947-70E740481C1C}">
+                <a14:useLocalDpi xmlns:a14="http://schemas.microsoft.com/office/drawing/2010/main" val="0"/>
+              </a:ext>
+            </a:extLst>
+          </a:blip>
+          <a:srcRect l="20174" r="21466"/>
+          <a:stretch/>
+        </p:blipFill>
+        <p:spPr bwMode="auto">
+          <a:xfrm>
+            <a:off x="2341" y="5552667"/>
+            <a:ext cx="1352390" cy="1305333"/>
+          </a:xfrm>
+          <a:prstGeom prst="rect">
+            <a:avLst/>
+          </a:prstGeom>
+          <a:noFill/>
+          <a:extLst>
+            <a:ext uri="{909E8E84-426E-40DD-AFC4-6F175D3DCCD1}">
+              <a14:hiddenFill xmlns:a14="http://schemas.microsoft.com/office/drawing/2010/main">
+                <a:solidFill>
+                  <a:srgbClr val="FFFFFF"/>
+                </a:solidFill>
+              </a14:hiddenFill>
+            </a:ext>
+          </a:extLst>
+        </p:spPr>
+      </p:pic>
+      <p:sp>
+        <p:nvSpPr>
+          <p:cNvPr id="3" name="TextBox 2">
+            <a:extLst>
+              <a:ext uri="{FF2B5EF4-FFF2-40B4-BE49-F238E27FC236}">
+                <a16:creationId xmlns:a16="http://schemas.microsoft.com/office/drawing/2014/main" id="{FA3CE48E-1C65-4AF0-9746-7B90E5646535}"/>
+              </a:ext>
+            </a:extLst>
+          </p:cNvPr>
+          <p:cNvSpPr txBox="1"/>
+          <p:nvPr/>
+        </p:nvSpPr>
+        <p:spPr>
+          <a:xfrm>
+            <a:off x="56272" y="56272"/>
+            <a:ext cx="5219115" cy="523220"/>
+          </a:xfrm>
+          <a:prstGeom prst="rect">
+            <a:avLst/>
+          </a:prstGeom>
+          <a:noFill/>
+        </p:spPr>
+        <p:txBody>
+          <a:bodyPr wrap="square" rtlCol="0">
+            <a:spAutoFit/>
+          </a:bodyPr>
+          <a:lstStyle/>
+          <a:p>
+            <a:r>
+              <a:rPr lang="en-US" sz="2800" b="1" dirty="0"/>
+              <a:t>Concluding Points</a:t>
+            </a:r>
+          </a:p>
+        </p:txBody>
+      </p:sp>
+      <p:sp>
+        <p:nvSpPr>
+          <p:cNvPr id="4" name="TextBox 3">
+            <a:extLst>
+              <a:ext uri="{FF2B5EF4-FFF2-40B4-BE49-F238E27FC236}">
+                <a16:creationId xmlns:a16="http://schemas.microsoft.com/office/drawing/2014/main" id="{9C200CBD-2303-48A7-A392-DB0A2C4A0AA5}"/>
+              </a:ext>
+            </a:extLst>
+          </p:cNvPr>
+          <p:cNvSpPr txBox="1"/>
+          <p:nvPr/>
+        </p:nvSpPr>
+        <p:spPr>
+          <a:xfrm>
+            <a:off x="590840" y="1659285"/>
+            <a:ext cx="11223675" cy="3539430"/>
+          </a:xfrm>
+          <a:prstGeom prst="rect">
+            <a:avLst/>
+          </a:prstGeom>
+          <a:noFill/>
+        </p:spPr>
+        <p:txBody>
+          <a:bodyPr wrap="square" rtlCol="0">
+            <a:spAutoFit/>
+          </a:bodyPr>
+          <a:lstStyle/>
+          <a:p>
+            <a:pPr marL="457200" indent="-457200" algn="just">
+              <a:buFont typeface="Arial" panose="020B0604020202020204" pitchFamily="34" charset="0"/>
+              <a:buChar char="•"/>
+            </a:pPr>
+            <a:r>
+              <a:rPr lang="en-US" sz="2800" i="1" dirty="0"/>
+              <a:t>Whilst Extra Trees did slightly better in accuracy, Logistic Regression performed much better on Recall </a:t>
+            </a:r>
+            <a:r>
+              <a:rPr lang="en-US" sz="2800" i="1" dirty="0">
+                <a:sym typeface="Wingdings" panose="05000000000000000000" pitchFamily="2" charset="2"/>
+              </a:rPr>
+              <a:t> and that’s the most important metric for the problem statement.</a:t>
+            </a:r>
+            <a:endParaRPr lang="en-US" sz="2800" i="1" dirty="0"/>
+          </a:p>
+          <a:p>
+            <a:pPr marL="457200" indent="-457200" algn="just">
+              <a:buFont typeface="Arial" panose="020B0604020202020204" pitchFamily="34" charset="0"/>
+              <a:buChar char="•"/>
+            </a:pPr>
+            <a:endParaRPr lang="en-US" sz="2800" i="1" dirty="0"/>
+          </a:p>
+          <a:p>
+            <a:pPr marL="457200" indent="-457200" algn="just">
+              <a:buFont typeface="Arial" panose="020B0604020202020204" pitchFamily="34" charset="0"/>
+              <a:buChar char="•"/>
+            </a:pPr>
+            <a:r>
+              <a:rPr lang="en-US" sz="2800" i="1" dirty="0"/>
+              <a:t>Using coarse-grained data from the annual returns, the classification model was able to out-perform the baseline accuracy. Imagine what more a </a:t>
+            </a:r>
+            <a:r>
+              <a:rPr lang="en-US" sz="2800" b="1" i="1" u="sng" dirty="0"/>
+              <a:t>GA DSI Graduate with access to underwriting and claims data </a:t>
+            </a:r>
+            <a:r>
+              <a:rPr lang="en-US" sz="2800" i="1" dirty="0"/>
+              <a:t>can do for an insurer. </a:t>
+            </a:r>
+            <a:r>
+              <a:rPr lang="en-US" sz="2800" i="1" dirty="0">
+                <a:sym typeface="Wingdings" panose="05000000000000000000" pitchFamily="2" charset="2"/>
+              </a:rPr>
+              <a:t></a:t>
+            </a:r>
+            <a:endParaRPr lang="en-US" sz="2800" i="1" dirty="0"/>
+          </a:p>
+        </p:txBody>
+      </p:sp>
+    </p:spTree>
+    <p:extLst>
+      <p:ext uri="{BB962C8B-B14F-4D97-AF65-F5344CB8AC3E}">
+        <p14:creationId xmlns:p14="http://schemas.microsoft.com/office/powerpoint/2010/main" val="1055779350"/>
+      </p:ext>
+    </p:extLst>
+  </p:cSld>
+  <p:clrMapOvr>
+    <a:masterClrMapping/>
+  </p:clrMapOvr>
+</p:sld>
+</file>
+
+<file path=ppt/slides/slide19.xml><?xml version="1.0" encoding="utf-8"?>
+<p:sld xmlns:a="http://schemas.openxmlformats.org/drawingml/2006/main" xmlns:r="http://schemas.openxmlformats.org/officeDocument/2006/relationships" xmlns:p="http://schemas.openxmlformats.org/presentationml/2006/main">
+  <p:cSld>
+    <p:bg>
+      <p:bgPr>
+        <a:solidFill>
+          <a:schemeClr val="bg1">
+            <a:tint val="95000"/>
+            <a:satMod val="170000"/>
+          </a:schemeClr>
+        </a:solidFill>
+        <a:effectLst/>
+      </p:bgPr>
+    </p:bg>
+    <p:spTree>
+      <p:nvGrpSpPr>
+        <p:cNvPr id="1" name=""/>
+        <p:cNvGrpSpPr/>
+        <p:nvPr/>
+      </p:nvGrpSpPr>
+      <p:grpSpPr>
+        <a:xfrm>
+          <a:off x="0" y="0"/>
+          <a:ext cx="0" cy="0"/>
+          <a:chOff x="0" y="0"/>
+          <a:chExt cx="0" cy="0"/>
+        </a:xfrm>
+      </p:grpSpPr>
+      <p:sp>
+        <p:nvSpPr>
+          <p:cNvPr id="71" name="Freeform: Shape 70">
+            <a:extLst>
+              <a:ext uri="{FF2B5EF4-FFF2-40B4-BE49-F238E27FC236}">
+                <a16:creationId xmlns:a16="http://schemas.microsoft.com/office/drawing/2014/main" id="{1DB7C82F-AB7E-4F0C-B829-FA1B9C415180}"/>
+              </a:ext>
+              <a:ext uri="{C183D7F6-B498-43B3-948B-1728B52AA6E4}">
+                <adec:decorative xmlns:adec="http://schemas.microsoft.com/office/drawing/2017/decorative" val="1"/>
+              </a:ext>
+            </a:extLst>
+          </p:cNvPr>
+          <p:cNvSpPr>
+            <a:spLocks noGrp="1" noRot="1" noChangeAspect="1" noMove="1" noResize="1" noEditPoints="1" noAdjustHandles="1" noChangeArrowheads="1" noChangeShapeType="1" noTextEdit="1"/>
+          </p:cNvSpPr>
+          <p:nvPr>
+            <p:extLst>
+              <p:ext uri="{386F3935-93C4-4BCD-93E2-E3B085C9AB24}">
+                <p16:designElem xmlns:p16="http://schemas.microsoft.com/office/powerpoint/2015/main" val="1"/>
+              </p:ext>
+            </p:extLst>
+          </p:nvPr>
+        </p:nvSpPr>
+        <p:spPr>
+          <a:xfrm flipH="1">
+            <a:off x="0" y="0"/>
+            <a:ext cx="6172782" cy="6858000"/>
+          </a:xfrm>
+          <a:custGeom>
+            <a:avLst/>
+            <a:gdLst>
+              <a:gd name="connsiteX0" fmla="*/ 6172782 w 6172782"/>
+              <a:gd name="connsiteY0" fmla="*/ 0 h 6858000"/>
+              <a:gd name="connsiteX1" fmla="*/ 69075 w 6172782"/>
+              <a:gd name="connsiteY1" fmla="*/ 0 h 6858000"/>
+              <a:gd name="connsiteX2" fmla="*/ 35131 w 6172782"/>
+              <a:gd name="connsiteY2" fmla="*/ 267128 h 6858000"/>
+              <a:gd name="connsiteX3" fmla="*/ 0 w 6172782"/>
+              <a:gd name="connsiteY3" fmla="*/ 962845 h 6858000"/>
+              <a:gd name="connsiteX4" fmla="*/ 3276103 w 6172782"/>
+              <a:gd name="connsiteY4" fmla="*/ 6782205 h 6858000"/>
+              <a:gd name="connsiteX5" fmla="*/ 3407923 w 6172782"/>
+              <a:gd name="connsiteY5" fmla="*/ 6858000 h 6858000"/>
+              <a:gd name="connsiteX6" fmla="*/ 6172782 w 6172782"/>
+              <a:gd name="connsiteY6" fmla="*/ 6858000 h 6858000"/>
+            </a:gdLst>
+            <a:ahLst/>
+            <a:cxnLst>
+              <a:cxn ang="0">
+                <a:pos x="connsiteX0" y="connsiteY0"/>
+              </a:cxn>
+              <a:cxn ang="0">
+                <a:pos x="connsiteX1" y="connsiteY1"/>
+              </a:cxn>
+              <a:cxn ang="0">
+                <a:pos x="connsiteX2" y="connsiteY2"/>
+              </a:cxn>
+              <a:cxn ang="0">
+                <a:pos x="connsiteX3" y="connsiteY3"/>
+              </a:cxn>
+              <a:cxn ang="0">
+                <a:pos x="connsiteX4" y="connsiteY4"/>
+              </a:cxn>
+              <a:cxn ang="0">
+                <a:pos x="connsiteX5" y="connsiteY5"/>
+              </a:cxn>
+              <a:cxn ang="0">
+                <a:pos x="connsiteX6" y="connsiteY6"/>
+              </a:cxn>
+            </a:cxnLst>
+            <a:rect l="l" t="t" r="r" b="b"/>
+            <a:pathLst>
+              <a:path w="6172782" h="6858000">
+                <a:moveTo>
+                  <a:pt x="6172782" y="0"/>
+                </a:moveTo>
+                <a:lnTo>
+                  <a:pt x="69075" y="0"/>
+                </a:lnTo>
+                <a:lnTo>
+                  <a:pt x="35131" y="267128"/>
+                </a:lnTo>
+                <a:cubicBezTo>
+                  <a:pt x="11901" y="495874"/>
+                  <a:pt x="0" y="727970"/>
+                  <a:pt x="0" y="962845"/>
+                </a:cubicBezTo>
+                <a:cubicBezTo>
+                  <a:pt x="0" y="3429034"/>
+                  <a:pt x="1312002" y="5588789"/>
+                  <a:pt x="3276103" y="6782205"/>
+                </a:cubicBezTo>
+                <a:lnTo>
+                  <a:pt x="3407923" y="6858000"/>
+                </a:lnTo>
+                <a:lnTo>
+                  <a:pt x="6172782" y="6858000"/>
+                </a:lnTo>
+                <a:close/>
+              </a:path>
+            </a:pathLst>
+          </a:custGeom>
+          <a:solidFill>
+            <a:srgbClr val="FFFFFF">
+              <a:alpha val="80000"/>
+            </a:srgbClr>
+          </a:solidFill>
+          <a:ln>
+            <a:noFill/>
+          </a:ln>
+        </p:spPr>
+        <p:style>
+          <a:lnRef idx="2">
+            <a:schemeClr val="accent1">
+              <a:shade val="50000"/>
+            </a:schemeClr>
+          </a:lnRef>
+          <a:fillRef idx="1">
+            <a:schemeClr val="accent1"/>
+          </a:fillRef>
+          <a:effectRef idx="0">
+            <a:schemeClr val="accent1"/>
+          </a:effectRef>
+          <a:fontRef idx="minor">
+            <a:schemeClr val="lt1"/>
+          </a:fontRef>
+        </p:style>
+        <p:txBody>
+          <a:bodyPr wrap="square" rtlCol="0" anchor="ctr">
+            <a:noAutofit/>
+          </a:bodyPr>
+          <a:lstStyle/>
+          <a:p>
+            <a:pPr marL="0" marR="0" lvl="0" indent="0" algn="ctr" defTabSz="914400" rtl="0" eaLnBrk="1" fontAlgn="auto" latinLnBrk="0" hangingPunct="1">
+              <a:lnSpc>
+                <a:spcPct val="100000"/>
+              </a:lnSpc>
+              <a:spcBef>
+                <a:spcPts val="0"/>
+              </a:spcBef>
+              <a:spcAft>
+                <a:spcPts val="0"/>
+              </a:spcAft>
+              <a:buClrTx/>
+              <a:buSzTx/>
+              <a:buFontTx/>
+              <a:buNone/>
+              <a:tabLst/>
+              <a:defRPr/>
+            </a:pPr>
+            <a:endParaRPr kumimoji="0" lang="en-US" sz="1800" b="0" i="0" u="none" strike="noStrike" kern="1200" cap="none" spc="0" normalizeH="0" baseline="0" noProof="0">
+              <a:ln>
+                <a:noFill/>
+              </a:ln>
+              <a:solidFill>
+                <a:prstClr val="white"/>
+              </a:solidFill>
+              <a:effectLst/>
+              <a:uLnTx/>
+              <a:uFillTx/>
+              <a:latin typeface="Calibri" panose="020F0502020204030204"/>
+              <a:ea typeface="+mn-ea"/>
+              <a:cs typeface="+mn-cs"/>
+            </a:endParaRPr>
+          </a:p>
+        </p:txBody>
+      </p:sp>
+      <p:pic>
+        <p:nvPicPr>
+          <p:cNvPr id="1026" name="Picture 2" descr="Man squeezing blood from stone : Stock Photo">
+            <a:extLst>
+              <a:ext uri="{FF2B5EF4-FFF2-40B4-BE49-F238E27FC236}">
+                <a16:creationId xmlns:a16="http://schemas.microsoft.com/office/drawing/2014/main" id="{603A6E5A-EA32-4DA9-8F2F-A7131D002479}"/>
+              </a:ext>
+            </a:extLst>
+          </p:cNvPr>
+          <p:cNvPicPr>
+            <a:picLocks noChangeAspect="1" noChangeArrowheads="1"/>
+          </p:cNvPicPr>
+          <p:nvPr/>
+        </p:nvPicPr>
+        <p:blipFill rotWithShape="1">
+          <a:blip r:embed="rId2">
+            <a:extLst>
+              <a:ext uri="{28A0092B-C50C-407E-A947-70E740481C1C}">
+                <a14:useLocalDpi xmlns:a14="http://schemas.microsoft.com/office/drawing/2010/main" val="0"/>
+              </a:ext>
+            </a:extLst>
+          </a:blip>
+          <a:srcRect l="20301" r="14478" b="1"/>
+          <a:stretch/>
+        </p:blipFill>
+        <p:spPr bwMode="auto">
+          <a:xfrm>
+            <a:off x="20" y="10"/>
+            <a:ext cx="6024134" cy="6857990"/>
+          </a:xfrm>
+          <a:custGeom>
+            <a:avLst/>
+            <a:gdLst>
+              <a:gd name="connsiteX0" fmla="*/ 0 w 6024154"/>
+              <a:gd name="connsiteY0" fmla="*/ 0 h 6858000"/>
+              <a:gd name="connsiteX1" fmla="*/ 5953780 w 6024154"/>
+              <a:gd name="connsiteY1" fmla="*/ 0 h 6858000"/>
+              <a:gd name="connsiteX2" fmla="*/ 5989880 w 6024154"/>
+              <a:gd name="connsiteY2" fmla="*/ 284091 h 6858000"/>
+              <a:gd name="connsiteX3" fmla="*/ 6024154 w 6024154"/>
+              <a:gd name="connsiteY3" fmla="*/ 962844 h 6858000"/>
+              <a:gd name="connsiteX4" fmla="*/ 2549934 w 6024154"/>
+              <a:gd name="connsiteY4" fmla="*/ 6800152 h 6858000"/>
+              <a:gd name="connsiteX5" fmla="*/ 2436987 w 6024154"/>
+              <a:gd name="connsiteY5" fmla="*/ 6858000 h 6858000"/>
+              <a:gd name="connsiteX6" fmla="*/ 0 w 6024154"/>
+              <a:gd name="connsiteY6" fmla="*/ 6858000 h 6858000"/>
+            </a:gdLst>
+            <a:ahLst/>
+            <a:cxnLst>
+              <a:cxn ang="0">
+                <a:pos x="connsiteX0" y="connsiteY0"/>
+              </a:cxn>
+              <a:cxn ang="0">
+                <a:pos x="connsiteX1" y="connsiteY1"/>
+              </a:cxn>
+              <a:cxn ang="0">
+                <a:pos x="connsiteX2" y="connsiteY2"/>
+              </a:cxn>
+              <a:cxn ang="0">
+                <a:pos x="connsiteX3" y="connsiteY3"/>
+              </a:cxn>
+              <a:cxn ang="0">
+                <a:pos x="connsiteX4" y="connsiteY4"/>
+              </a:cxn>
+              <a:cxn ang="0">
+                <a:pos x="connsiteX5" y="connsiteY5"/>
+              </a:cxn>
+              <a:cxn ang="0">
+                <a:pos x="connsiteX6" y="connsiteY6"/>
+              </a:cxn>
+            </a:cxnLst>
+            <a:rect l="l" t="t" r="r" b="b"/>
+            <a:pathLst>
+              <a:path w="6024154" h="6858000">
+                <a:moveTo>
+                  <a:pt x="0" y="0"/>
+                </a:moveTo>
+                <a:lnTo>
+                  <a:pt x="5953780" y="0"/>
+                </a:lnTo>
+                <a:lnTo>
+                  <a:pt x="5989880" y="284091"/>
+                </a:lnTo>
+                <a:cubicBezTo>
+                  <a:pt x="6012544" y="507260"/>
+                  <a:pt x="6024154" y="733696"/>
+                  <a:pt x="6024154" y="962844"/>
+                </a:cubicBezTo>
+                <a:cubicBezTo>
+                  <a:pt x="6024154" y="3483472"/>
+                  <a:pt x="4619336" y="5675986"/>
+                  <a:pt x="2549934" y="6800152"/>
+                </a:cubicBezTo>
+                <a:lnTo>
+                  <a:pt x="2436987" y="6858000"/>
+                </a:lnTo>
+                <a:lnTo>
+                  <a:pt x="0" y="6858000"/>
+                </a:lnTo>
+                <a:close/>
+              </a:path>
+            </a:pathLst>
+          </a:custGeom>
+          <a:noFill/>
+          <a:extLst>
+            <a:ext uri="{909E8E84-426E-40DD-AFC4-6F175D3DCCD1}">
+              <a14:hiddenFill xmlns:a14="http://schemas.microsoft.com/office/drawing/2010/main">
+                <a:solidFill>
+                  <a:srgbClr val="FFFFFF"/>
+                </a:solidFill>
+              </a14:hiddenFill>
+            </a:ext>
+          </a:extLst>
+        </p:spPr>
+      </p:pic>
+      <p:sp>
+        <p:nvSpPr>
           <p:cNvPr id="2" name="Title 1">
             <a:extLst>
               <a:ext uri="{FF2B5EF4-FFF2-40B4-BE49-F238E27FC236}">
@@ -3338,40 +7258,302 @@
             <p:ph type="ctrTitle"/>
           </p:nvPr>
         </p:nvSpPr>
-        <p:spPr/>
-        <p:txBody>
-          <a:bodyPr/>
+        <p:spPr>
+          <a:xfrm>
+            <a:off x="3669893" y="4071468"/>
+            <a:ext cx="6172781" cy="780672"/>
+          </a:xfrm>
+          <a:solidFill>
+            <a:schemeClr val="bg1">
+              <a:tint val="95000"/>
+              <a:satMod val="170000"/>
+            </a:schemeClr>
+          </a:solidFill>
+        </p:spPr>
+        <p:txBody>
+          <a:bodyPr anchor="b">
+            <a:normAutofit/>
+          </a:bodyPr>
           <a:lstStyle/>
           <a:p>
-            <a:r>
-              <a:rPr lang="en-US" dirty="0"/>
-              <a:t>Final Presentation</a:t>
-            </a:r>
-          </a:p>
-        </p:txBody>
-      </p:sp>
-      <p:sp>
-        <p:nvSpPr>
-          <p:cNvPr id="3" name="Subtitle 2">
-            <a:extLst>
-              <a:ext uri="{FF2B5EF4-FFF2-40B4-BE49-F238E27FC236}">
-                <a16:creationId xmlns:a16="http://schemas.microsoft.com/office/drawing/2014/main" id="{C80FD1A4-E6ED-48DE-B55F-E6E1D00C729C}"/>
-              </a:ext>
-            </a:extLst>
-          </p:cNvPr>
-          <p:cNvSpPr>
-            <a:spLocks noGrp="1"/>
+            <a:pPr algn="l"/>
+            <a:r>
+              <a:rPr lang="en-US" sz="4600" i="1" dirty="0"/>
+              <a:t>blood from a stone</a:t>
+            </a:r>
+          </a:p>
+        </p:txBody>
+      </p:sp>
+      <p:cxnSp>
+        <p:nvCxnSpPr>
+          <p:cNvPr id="6" name="Straight Arrow Connector 5">
+            <a:extLst>
+              <a:ext uri="{FF2B5EF4-FFF2-40B4-BE49-F238E27FC236}">
+                <a16:creationId xmlns:a16="http://schemas.microsoft.com/office/drawing/2014/main" id="{FA41F27D-76C4-4F53-BCED-03ABD79F7CE5}"/>
+              </a:ext>
+            </a:extLst>
+          </p:cNvPr>
+          <p:cNvCxnSpPr>
+            <a:cxnSpLocks/>
+          </p:cNvCxnSpPr>
+          <p:nvPr/>
+        </p:nvCxnSpPr>
+        <p:spPr>
+          <a:xfrm flipH="1">
+            <a:off x="4615102" y="822960"/>
+            <a:ext cx="1918617" cy="604024"/>
+          </a:xfrm>
+          <a:prstGeom prst="straightConnector1">
+            <a:avLst/>
+          </a:prstGeom>
+          <a:ln w="38100">
+            <a:solidFill>
+              <a:srgbClr val="FF0000"/>
+            </a:solidFill>
+            <a:headEnd w="lg" len="lg"/>
+            <a:tailEnd type="triangle" w="lg" len="lg"/>
+          </a:ln>
+        </p:spPr>
+        <p:style>
+          <a:lnRef idx="1">
+            <a:schemeClr val="accent1"/>
+          </a:lnRef>
+          <a:fillRef idx="0">
+            <a:schemeClr val="accent1"/>
+          </a:fillRef>
+          <a:effectRef idx="0">
+            <a:schemeClr val="accent1"/>
+          </a:effectRef>
+          <a:fontRef idx="minor">
+            <a:schemeClr val="tx1"/>
+          </a:fontRef>
+        </p:style>
+      </p:cxnSp>
+      <p:cxnSp>
+        <p:nvCxnSpPr>
+          <p:cNvPr id="16" name="Straight Arrow Connector 15">
+            <a:extLst>
+              <a:ext uri="{FF2B5EF4-FFF2-40B4-BE49-F238E27FC236}">
+                <a16:creationId xmlns:a16="http://schemas.microsoft.com/office/drawing/2014/main" id="{0D725E34-7C9B-4995-8DBE-83FD345D59B0}"/>
+              </a:ext>
+            </a:extLst>
+          </p:cNvPr>
+          <p:cNvCxnSpPr>
+            <a:cxnSpLocks/>
+          </p:cNvCxnSpPr>
+          <p:nvPr/>
+        </p:nvCxnSpPr>
+        <p:spPr>
+          <a:xfrm flipH="1" flipV="1">
+            <a:off x="3599554" y="5565082"/>
+            <a:ext cx="3086389" cy="469958"/>
+          </a:xfrm>
+          <a:prstGeom prst="straightConnector1">
+            <a:avLst/>
+          </a:prstGeom>
+          <a:ln w="38100">
+            <a:solidFill>
+              <a:srgbClr val="FF0000"/>
+            </a:solidFill>
+            <a:headEnd w="lg" len="lg"/>
+            <a:tailEnd type="triangle" w="lg" len="lg"/>
+          </a:ln>
+        </p:spPr>
+        <p:style>
+          <a:lnRef idx="1">
+            <a:schemeClr val="accent1"/>
+          </a:lnRef>
+          <a:fillRef idx="0">
+            <a:schemeClr val="accent1"/>
+          </a:fillRef>
+          <a:effectRef idx="0">
+            <a:schemeClr val="accent1"/>
+          </a:effectRef>
+          <a:fontRef idx="minor">
+            <a:schemeClr val="tx1"/>
+          </a:fontRef>
+        </p:style>
+      </p:cxnSp>
+      <p:sp>
+        <p:nvSpPr>
+          <p:cNvPr id="19" name="Title 1">
+            <a:extLst>
+              <a:ext uri="{FF2B5EF4-FFF2-40B4-BE49-F238E27FC236}">
+                <a16:creationId xmlns:a16="http://schemas.microsoft.com/office/drawing/2014/main" id="{91401DDE-33E0-45FA-8D90-DBEFF2B5560F}"/>
+              </a:ext>
+            </a:extLst>
+          </p:cNvPr>
+          <p:cNvSpPr txBox="1">
+            <a:spLocks/>
           </p:cNvSpPr>
-          <p:nvPr>
-            <p:ph type="subTitle" idx="1"/>
-          </p:nvPr>
-        </p:nvSpPr>
-        <p:spPr/>
-        <p:txBody>
-          <a:bodyPr/>
-          <a:lstStyle/>
-          <a:p>
-            <a:endParaRPr lang="en-US"/>
+          <p:nvPr/>
+        </p:nvSpPr>
+        <p:spPr>
+          <a:xfrm>
+            <a:off x="6533719" y="451819"/>
+            <a:ext cx="2877677" cy="560609"/>
+          </a:xfrm>
+          <a:prstGeom prst="rect">
+            <a:avLst/>
+          </a:prstGeom>
+          <a:solidFill>
+            <a:schemeClr val="bg1">
+              <a:tint val="95000"/>
+              <a:satMod val="170000"/>
+            </a:schemeClr>
+          </a:solidFill>
+        </p:spPr>
+        <p:txBody>
+          <a:bodyPr vert="horz" lIns="91440" tIns="45720" rIns="91440" bIns="45720" rtlCol="0" anchor="b">
+            <a:normAutofit fontScale="97500" lnSpcReduction="10000"/>
+          </a:bodyPr>
+          <a:lstStyle>
+            <a:lvl1pPr algn="ctr" defTabSz="914400" rtl="0" eaLnBrk="1" latinLnBrk="0" hangingPunct="1">
+              <a:lnSpc>
+                <a:spcPct val="90000"/>
+              </a:lnSpc>
+              <a:spcBef>
+                <a:spcPct val="0"/>
+              </a:spcBef>
+              <a:buNone/>
+              <a:defRPr sz="6000" kern="1200">
+                <a:solidFill>
+                  <a:schemeClr val="tx1"/>
+                </a:solidFill>
+                <a:latin typeface="+mj-lt"/>
+                <a:ea typeface="+mj-ea"/>
+                <a:cs typeface="+mj-cs"/>
+              </a:defRPr>
+            </a:lvl1pPr>
+          </a:lstStyle>
+          <a:p>
+            <a:pPr algn="l"/>
+            <a:r>
+              <a:rPr lang="en-US" sz="3600" i="1" dirty="0"/>
+              <a:t>Us</a:t>
+            </a:r>
+          </a:p>
+        </p:txBody>
+      </p:sp>
+      <p:sp>
+        <p:nvSpPr>
+          <p:cNvPr id="20" name="Title 1">
+            <a:extLst>
+              <a:ext uri="{FF2B5EF4-FFF2-40B4-BE49-F238E27FC236}">
+                <a16:creationId xmlns:a16="http://schemas.microsoft.com/office/drawing/2014/main" id="{4F0A6568-111B-4152-B2A1-95EEDCFF5558}"/>
+              </a:ext>
+            </a:extLst>
+          </p:cNvPr>
+          <p:cNvSpPr txBox="1">
+            <a:spLocks/>
+          </p:cNvSpPr>
+          <p:nvPr/>
+        </p:nvSpPr>
+        <p:spPr>
+          <a:xfrm>
+            <a:off x="2820857" y="3185229"/>
+            <a:ext cx="1698072" cy="560609"/>
+          </a:xfrm>
+          <a:prstGeom prst="rect">
+            <a:avLst/>
+          </a:prstGeom>
+          <a:noFill/>
+        </p:spPr>
+        <p:txBody>
+          <a:bodyPr vert="horz" lIns="91440" tIns="45720" rIns="91440" bIns="45720" rtlCol="0" anchor="b">
+            <a:noAutofit/>
+          </a:bodyPr>
+          <a:lstStyle>
+            <a:lvl1pPr algn="ctr" defTabSz="914400" rtl="0" eaLnBrk="1" latinLnBrk="0" hangingPunct="1">
+              <a:lnSpc>
+                <a:spcPct val="90000"/>
+              </a:lnSpc>
+              <a:spcBef>
+                <a:spcPct val="0"/>
+              </a:spcBef>
+              <a:buNone/>
+              <a:defRPr sz="6000" kern="1200">
+                <a:solidFill>
+                  <a:schemeClr val="tx1"/>
+                </a:solidFill>
+                <a:latin typeface="+mj-lt"/>
+                <a:ea typeface="+mj-ea"/>
+                <a:cs typeface="+mj-cs"/>
+              </a:defRPr>
+            </a:lvl1pPr>
+          </a:lstStyle>
+          <a:p>
+            <a:pPr algn="l"/>
+            <a:r>
+              <a:rPr lang="en-US" b="1" dirty="0">
+                <a:solidFill>
+                  <a:schemeClr val="bg1"/>
+                </a:solidFill>
+                <a:latin typeface="Abadi" panose="020B0604020202020204" pitchFamily="34" charset="0"/>
+              </a:rPr>
+              <a:t>Data</a:t>
+            </a:r>
+          </a:p>
+        </p:txBody>
+      </p:sp>
+      <p:sp>
+        <p:nvSpPr>
+          <p:cNvPr id="21" name="Title 1">
+            <a:extLst>
+              <a:ext uri="{FF2B5EF4-FFF2-40B4-BE49-F238E27FC236}">
+                <a16:creationId xmlns:a16="http://schemas.microsoft.com/office/drawing/2014/main" id="{CD1BEC7A-4424-4AC1-A32F-4481EB59DDB1}"/>
+              </a:ext>
+            </a:extLst>
+          </p:cNvPr>
+          <p:cNvSpPr txBox="1">
+            <a:spLocks/>
+          </p:cNvSpPr>
+          <p:nvPr/>
+        </p:nvSpPr>
+        <p:spPr>
+          <a:xfrm>
+            <a:off x="6685943" y="5800061"/>
+            <a:ext cx="2877677" cy="560609"/>
+          </a:xfrm>
+          <a:prstGeom prst="rect">
+            <a:avLst/>
+          </a:prstGeom>
+          <a:solidFill>
+            <a:schemeClr val="bg1">
+              <a:tint val="95000"/>
+              <a:satMod val="170000"/>
+            </a:schemeClr>
+          </a:solidFill>
+        </p:spPr>
+        <p:txBody>
+          <a:bodyPr vert="horz" lIns="91440" tIns="45720" rIns="91440" bIns="45720" rtlCol="0" anchor="b">
+            <a:normAutofit fontScale="97500" lnSpcReduction="10000"/>
+          </a:bodyPr>
+          <a:lstStyle>
+            <a:lvl1pPr algn="ctr" defTabSz="914400" rtl="0" eaLnBrk="1" latinLnBrk="0" hangingPunct="1">
+              <a:lnSpc>
+                <a:spcPct val="90000"/>
+              </a:lnSpc>
+              <a:spcBef>
+                <a:spcPct val="0"/>
+              </a:spcBef>
+              <a:buNone/>
+              <a:defRPr sz="6000" kern="1200">
+                <a:solidFill>
+                  <a:schemeClr val="tx1"/>
+                </a:solidFill>
+                <a:latin typeface="+mj-lt"/>
+                <a:ea typeface="+mj-ea"/>
+                <a:cs typeface="+mj-cs"/>
+              </a:defRPr>
+            </a:lvl1pPr>
+          </a:lstStyle>
+          <a:p>
+            <a:pPr algn="l"/>
+            <a:r>
+              <a:rPr lang="en-US" sz="3600" b="1" i="1" dirty="0"/>
+              <a:t>Value</a:t>
+            </a:r>
           </a:p>
         </p:txBody>
       </p:sp>
@@ -3383,7 +7565,7 @@
     </p:extLst>
   </p:cSld>
   <p:clrMapOvr>
-    <a:masterClrMapping/>
+    <a:overrideClrMapping bg1="dk1" tx1="lt1" bg2="dk2" tx2="lt2" accent1="accent1" accent2="accent2" accent3="accent3" accent4="accent4" accent5="accent5" accent6="accent6" hlink="hlink" folHlink="folHlink"/>
   </p:clrMapOvr>
 </p:sld>
 </file>
@@ -3405,12 +7587,57 @@
           <a:chExt cx="0" cy="0"/>
         </a:xfrm>
       </p:grpSpPr>
-      <p:sp>
-        <p:nvSpPr>
-          <p:cNvPr id="6" name="TextBox 5">
-            <a:extLst>
-              <a:ext uri="{FF2B5EF4-FFF2-40B4-BE49-F238E27FC236}">
-                <a16:creationId xmlns:a16="http://schemas.microsoft.com/office/drawing/2014/main" id="{B29D7086-4AC2-4386-935D-04E349E7AD66}"/>
+      <p:pic>
+        <p:nvPicPr>
+          <p:cNvPr id="7" name="Picture 2" descr="Image result for reinsurance">
+            <a:extLst>
+              <a:ext uri="{FF2B5EF4-FFF2-40B4-BE49-F238E27FC236}">
+                <a16:creationId xmlns:a16="http://schemas.microsoft.com/office/drawing/2014/main" id="{C44409B5-A8EB-4CA3-AB54-C2F651DAE6B0}"/>
+              </a:ext>
+            </a:extLst>
+          </p:cNvPr>
+          <p:cNvPicPr>
+            <a:picLocks noChangeAspect="1" noChangeArrowheads="1"/>
+          </p:cNvPicPr>
+          <p:nvPr/>
+        </p:nvPicPr>
+        <p:blipFill rotWithShape="1">
+          <a:blip r:embed="rId2">
+            <a:extLst>
+              <a:ext uri="{28A0092B-C50C-407E-A947-70E740481C1C}">
+                <a14:useLocalDpi xmlns:a14="http://schemas.microsoft.com/office/drawing/2010/main" val="0"/>
+              </a:ext>
+            </a:extLst>
+          </a:blip>
+          <a:srcRect l="20174" r="21466"/>
+          <a:stretch/>
+        </p:blipFill>
+        <p:spPr bwMode="auto">
+          <a:xfrm>
+            <a:off x="2341" y="5566735"/>
+            <a:ext cx="1352390" cy="1305333"/>
+          </a:xfrm>
+          <a:prstGeom prst="rect">
+            <a:avLst/>
+          </a:prstGeom>
+          <a:noFill/>
+          <a:extLst>
+            <a:ext uri="{909E8E84-426E-40DD-AFC4-6F175D3DCCD1}">
+              <a14:hiddenFill xmlns:a14="http://schemas.microsoft.com/office/drawing/2010/main">
+                <a:solidFill>
+                  <a:srgbClr val="FFFFFF"/>
+                </a:solidFill>
+              </a14:hiddenFill>
+            </a:ext>
+          </a:extLst>
+        </p:spPr>
+      </p:pic>
+      <p:sp>
+        <p:nvSpPr>
+          <p:cNvPr id="8" name="TextBox 7">
+            <a:extLst>
+              <a:ext uri="{FF2B5EF4-FFF2-40B4-BE49-F238E27FC236}">
+                <a16:creationId xmlns:a16="http://schemas.microsoft.com/office/drawing/2014/main" id="{E6C5D62E-0BFC-41AB-99D0-D5E127620EDB}"/>
               </a:ext>
             </a:extLst>
           </p:cNvPr>
@@ -3419,8 +7646,8 @@
         </p:nvSpPr>
         <p:spPr>
           <a:xfrm>
-            <a:off x="2233749" y="1698170"/>
-            <a:ext cx="5603965" cy="369332"/>
+            <a:off x="0" y="0"/>
+            <a:ext cx="5219115" cy="523220"/>
           </a:xfrm>
           <a:prstGeom prst="rect">
             <a:avLst/>
@@ -3433,19 +7660,20 @@
           </a:bodyPr>
           <a:lstStyle/>
           <a:p>
-            <a:r>
-              <a:rPr lang="en-US" dirty="0"/>
-              <a:t>Background</a:t>
-            </a:r>
-          </a:p>
-        </p:txBody>
-      </p:sp>
-      <p:sp>
-        <p:nvSpPr>
-          <p:cNvPr id="7" name="TextBox 6">
-            <a:extLst>
-              <a:ext uri="{FF2B5EF4-FFF2-40B4-BE49-F238E27FC236}">
-                <a16:creationId xmlns:a16="http://schemas.microsoft.com/office/drawing/2014/main" id="{AAC1F01D-428D-46C7-BB53-05D35AB2F298}"/>
+            <a:pPr algn="ctr"/>
+            <a:r>
+              <a:rPr lang="en-US" sz="2800" b="1" dirty="0"/>
+              <a:t>INSURANCE MONEY:  INs &amp; OUTs</a:t>
+            </a:r>
+          </a:p>
+        </p:txBody>
+      </p:sp>
+      <p:sp>
+        <p:nvSpPr>
+          <p:cNvPr id="6" name="TextBox 5">
+            <a:extLst>
+              <a:ext uri="{FF2B5EF4-FFF2-40B4-BE49-F238E27FC236}">
+                <a16:creationId xmlns:a16="http://schemas.microsoft.com/office/drawing/2014/main" id="{A81FC5B4-171E-4DC4-8B08-64DFB42782EC}"/>
               </a:ext>
             </a:extLst>
           </p:cNvPr>
@@ -3454,8 +7682,8 @@
         </p:nvSpPr>
         <p:spPr>
           <a:xfrm>
-            <a:off x="2233749" y="3059668"/>
-            <a:ext cx="5603965" cy="369332"/>
+            <a:off x="1256257" y="2899301"/>
+            <a:ext cx="1732670" cy="523220"/>
           </a:xfrm>
           <a:prstGeom prst="rect">
             <a:avLst/>
@@ -3469,18 +7697,18 @@
           <a:lstStyle/>
           <a:p>
             <a:r>
-              <a:rPr lang="en-US" dirty="0"/>
-              <a:t>Problem Statement</a:t>
-            </a:r>
-          </a:p>
-        </p:txBody>
-      </p:sp>
-      <p:sp>
-        <p:nvSpPr>
-          <p:cNvPr id="8" name="TextBox 7">
-            <a:extLst>
-              <a:ext uri="{FF2B5EF4-FFF2-40B4-BE49-F238E27FC236}">
-                <a16:creationId xmlns:a16="http://schemas.microsoft.com/office/drawing/2014/main" id="{A0B9A8DD-6AFF-4F62-88F8-639EFAEC4A2B}"/>
+              <a:rPr lang="en-US" sz="2800" b="1" dirty="0"/>
+              <a:t>Premiums</a:t>
+            </a:r>
+          </a:p>
+        </p:txBody>
+      </p:sp>
+      <p:sp>
+        <p:nvSpPr>
+          <p:cNvPr id="9" name="TextBox 8">
+            <a:extLst>
+              <a:ext uri="{FF2B5EF4-FFF2-40B4-BE49-F238E27FC236}">
+                <a16:creationId xmlns:a16="http://schemas.microsoft.com/office/drawing/2014/main" id="{BFB5FFE9-E900-407B-8E82-DC6EA4DFA673}"/>
               </a:ext>
             </a:extLst>
           </p:cNvPr>
@@ -3489,8 +7717,8 @@
         </p:nvSpPr>
         <p:spPr>
           <a:xfrm>
-            <a:off x="2233748" y="4395041"/>
-            <a:ext cx="5603965" cy="369332"/>
+            <a:off x="7486816" y="702088"/>
+            <a:ext cx="2114842" cy="523220"/>
           </a:xfrm>
           <a:prstGeom prst="rect">
             <a:avLst/>
@@ -3504,8 +7732,1068 @@
           <a:lstStyle/>
           <a:p>
             <a:r>
-              <a:rPr lang="en-US" dirty="0"/>
-              <a:t>Value Proposition</a:t>
+              <a:rPr lang="en-US" sz="2800" dirty="0"/>
+              <a:t>Re-Insurance</a:t>
+            </a:r>
+          </a:p>
+        </p:txBody>
+      </p:sp>
+      <p:sp>
+        <p:nvSpPr>
+          <p:cNvPr id="10" name="TextBox 9">
+            <a:extLst>
+              <a:ext uri="{FF2B5EF4-FFF2-40B4-BE49-F238E27FC236}">
+                <a16:creationId xmlns:a16="http://schemas.microsoft.com/office/drawing/2014/main" id="{652051B8-A125-4162-ADDF-9F5046847006}"/>
+              </a:ext>
+            </a:extLst>
+          </p:cNvPr>
+          <p:cNvSpPr txBox="1"/>
+          <p:nvPr/>
+        </p:nvSpPr>
+        <p:spPr>
+          <a:xfrm>
+            <a:off x="8811523" y="1663999"/>
+            <a:ext cx="2114842" cy="523220"/>
+          </a:xfrm>
+          <a:prstGeom prst="rect">
+            <a:avLst/>
+          </a:prstGeom>
+          <a:noFill/>
+        </p:spPr>
+        <p:txBody>
+          <a:bodyPr wrap="square" rtlCol="0">
+            <a:spAutoFit/>
+          </a:bodyPr>
+          <a:lstStyle/>
+          <a:p>
+            <a:r>
+              <a:rPr lang="en-US" sz="2800" dirty="0"/>
+              <a:t>Expenses</a:t>
+            </a:r>
+          </a:p>
+        </p:txBody>
+      </p:sp>
+      <p:sp>
+        <p:nvSpPr>
+          <p:cNvPr id="11" name="TextBox 10">
+            <a:extLst>
+              <a:ext uri="{FF2B5EF4-FFF2-40B4-BE49-F238E27FC236}">
+                <a16:creationId xmlns:a16="http://schemas.microsoft.com/office/drawing/2014/main" id="{12D2A23C-D568-488D-859C-DDA84C39C545}"/>
+              </a:ext>
+            </a:extLst>
+          </p:cNvPr>
+          <p:cNvSpPr txBox="1"/>
+          <p:nvPr/>
+        </p:nvSpPr>
+        <p:spPr>
+          <a:xfrm>
+            <a:off x="8985484" y="2946434"/>
+            <a:ext cx="2114842" cy="523220"/>
+          </a:xfrm>
+          <a:prstGeom prst="rect">
+            <a:avLst/>
+          </a:prstGeom>
+          <a:noFill/>
+        </p:spPr>
+        <p:txBody>
+          <a:bodyPr wrap="square" rtlCol="0">
+            <a:spAutoFit/>
+          </a:bodyPr>
+          <a:lstStyle/>
+          <a:p>
+            <a:r>
+              <a:rPr lang="en-US" sz="2800" dirty="0"/>
+              <a:t>Claims Paid</a:t>
+            </a:r>
+          </a:p>
+        </p:txBody>
+      </p:sp>
+      <p:sp>
+        <p:nvSpPr>
+          <p:cNvPr id="12" name="TextBox 11">
+            <a:extLst>
+              <a:ext uri="{FF2B5EF4-FFF2-40B4-BE49-F238E27FC236}">
+                <a16:creationId xmlns:a16="http://schemas.microsoft.com/office/drawing/2014/main" id="{209AE47B-690F-4FA1-A2FC-F618405FE38A}"/>
+              </a:ext>
+            </a:extLst>
+          </p:cNvPr>
+          <p:cNvSpPr txBox="1"/>
+          <p:nvPr/>
+        </p:nvSpPr>
+        <p:spPr>
+          <a:xfrm>
+            <a:off x="8935789" y="4047729"/>
+            <a:ext cx="2114842" cy="954107"/>
+          </a:xfrm>
+          <a:prstGeom prst="rect">
+            <a:avLst/>
+          </a:prstGeom>
+          <a:noFill/>
+        </p:spPr>
+        <p:txBody>
+          <a:bodyPr wrap="square" rtlCol="0">
+            <a:spAutoFit/>
+          </a:bodyPr>
+          <a:lstStyle/>
+          <a:p>
+            <a:r>
+              <a:rPr lang="en-US" sz="2800" dirty="0"/>
+              <a:t>Claims Reserves</a:t>
+            </a:r>
+          </a:p>
+        </p:txBody>
+      </p:sp>
+      <p:sp>
+        <p:nvSpPr>
+          <p:cNvPr id="13" name="TextBox 12">
+            <a:extLst>
+              <a:ext uri="{FF2B5EF4-FFF2-40B4-BE49-F238E27FC236}">
+                <a16:creationId xmlns:a16="http://schemas.microsoft.com/office/drawing/2014/main" id="{87B674C9-FB55-42D7-9498-A127072F1450}"/>
+              </a:ext>
+            </a:extLst>
+          </p:cNvPr>
+          <p:cNvSpPr txBox="1"/>
+          <p:nvPr/>
+        </p:nvSpPr>
+        <p:spPr>
+          <a:xfrm>
+            <a:off x="7486815" y="5130075"/>
+            <a:ext cx="2726323" cy="523220"/>
+          </a:xfrm>
+          <a:prstGeom prst="rect">
+            <a:avLst/>
+          </a:prstGeom>
+          <a:noFill/>
+        </p:spPr>
+        <p:txBody>
+          <a:bodyPr wrap="square" rtlCol="0">
+            <a:spAutoFit/>
+          </a:bodyPr>
+          <a:lstStyle/>
+          <a:p>
+            <a:r>
+              <a:rPr lang="en-US" sz="2800" dirty="0"/>
+              <a:t>Future Liabilities</a:t>
+            </a:r>
+          </a:p>
+        </p:txBody>
+      </p:sp>
+      <p:cxnSp>
+        <p:nvCxnSpPr>
+          <p:cNvPr id="15" name="Straight Arrow Connector 14">
+            <a:extLst>
+              <a:ext uri="{FF2B5EF4-FFF2-40B4-BE49-F238E27FC236}">
+                <a16:creationId xmlns:a16="http://schemas.microsoft.com/office/drawing/2014/main" id="{DD16F068-A53D-470E-BB22-2E44725099DD}"/>
+              </a:ext>
+            </a:extLst>
+          </p:cNvPr>
+          <p:cNvCxnSpPr>
+            <a:cxnSpLocks/>
+          </p:cNvCxnSpPr>
+          <p:nvPr/>
+        </p:nvCxnSpPr>
+        <p:spPr>
+          <a:xfrm>
+            <a:off x="2982351" y="3221502"/>
+            <a:ext cx="2391508" cy="0"/>
+          </a:xfrm>
+          <a:prstGeom prst="straightConnector1">
+            <a:avLst/>
+          </a:prstGeom>
+          <a:ln w="38100">
+            <a:solidFill>
+              <a:srgbClr val="92D050"/>
+            </a:solidFill>
+            <a:headEnd w="lg" len="lg"/>
+            <a:tailEnd type="triangle" w="lg" len="lg"/>
+          </a:ln>
+        </p:spPr>
+        <p:style>
+          <a:lnRef idx="1">
+            <a:schemeClr val="accent1"/>
+          </a:lnRef>
+          <a:fillRef idx="0">
+            <a:schemeClr val="accent1"/>
+          </a:fillRef>
+          <a:effectRef idx="0">
+            <a:schemeClr val="accent1"/>
+          </a:effectRef>
+          <a:fontRef idx="minor">
+            <a:schemeClr val="tx1"/>
+          </a:fontRef>
+        </p:style>
+      </p:cxnSp>
+      <p:cxnSp>
+        <p:nvCxnSpPr>
+          <p:cNvPr id="16" name="Straight Arrow Connector 15">
+            <a:extLst>
+              <a:ext uri="{FF2B5EF4-FFF2-40B4-BE49-F238E27FC236}">
+                <a16:creationId xmlns:a16="http://schemas.microsoft.com/office/drawing/2014/main" id="{C42F1F36-D4D0-481B-AB7C-CEE8A775243F}"/>
+              </a:ext>
+            </a:extLst>
+          </p:cNvPr>
+          <p:cNvCxnSpPr>
+            <a:cxnSpLocks/>
+          </p:cNvCxnSpPr>
+          <p:nvPr/>
+        </p:nvCxnSpPr>
+        <p:spPr>
+          <a:xfrm flipV="1">
+            <a:off x="6362846" y="1225308"/>
+            <a:ext cx="1374385" cy="1374870"/>
+          </a:xfrm>
+          <a:prstGeom prst="straightConnector1">
+            <a:avLst/>
+          </a:prstGeom>
+          <a:ln w="38100">
+            <a:solidFill>
+              <a:srgbClr val="0070C0"/>
+            </a:solidFill>
+            <a:headEnd w="lg" len="lg"/>
+            <a:tailEnd type="triangle" w="lg" len="lg"/>
+          </a:ln>
+        </p:spPr>
+        <p:style>
+          <a:lnRef idx="1">
+            <a:schemeClr val="accent1"/>
+          </a:lnRef>
+          <a:fillRef idx="0">
+            <a:schemeClr val="accent1"/>
+          </a:fillRef>
+          <a:effectRef idx="0">
+            <a:schemeClr val="accent1"/>
+          </a:effectRef>
+          <a:fontRef idx="minor">
+            <a:schemeClr val="tx1"/>
+          </a:fontRef>
+        </p:style>
+      </p:cxnSp>
+      <p:cxnSp>
+        <p:nvCxnSpPr>
+          <p:cNvPr id="17" name="Straight Arrow Connector 16">
+            <a:extLst>
+              <a:ext uri="{FF2B5EF4-FFF2-40B4-BE49-F238E27FC236}">
+                <a16:creationId xmlns:a16="http://schemas.microsoft.com/office/drawing/2014/main" id="{32871363-2BB0-4FD4-8A4F-D1C333FEEC5D}"/>
+              </a:ext>
+            </a:extLst>
+          </p:cNvPr>
+          <p:cNvCxnSpPr>
+            <a:cxnSpLocks/>
+          </p:cNvCxnSpPr>
+          <p:nvPr/>
+        </p:nvCxnSpPr>
+        <p:spPr>
+          <a:xfrm flipV="1">
+            <a:off x="6951785" y="1982719"/>
+            <a:ext cx="1765957" cy="944718"/>
+          </a:xfrm>
+          <a:prstGeom prst="straightConnector1">
+            <a:avLst/>
+          </a:prstGeom>
+          <a:ln w="38100">
+            <a:solidFill>
+              <a:srgbClr val="FF0000"/>
+            </a:solidFill>
+            <a:headEnd w="lg" len="lg"/>
+            <a:tailEnd type="triangle" w="lg" len="lg"/>
+          </a:ln>
+        </p:spPr>
+        <p:style>
+          <a:lnRef idx="1">
+            <a:schemeClr val="accent1"/>
+          </a:lnRef>
+          <a:fillRef idx="0">
+            <a:schemeClr val="accent1"/>
+          </a:fillRef>
+          <a:effectRef idx="0">
+            <a:schemeClr val="accent1"/>
+          </a:effectRef>
+          <a:fontRef idx="minor">
+            <a:schemeClr val="tx1"/>
+          </a:fontRef>
+        </p:style>
+      </p:cxnSp>
+      <p:cxnSp>
+        <p:nvCxnSpPr>
+          <p:cNvPr id="20" name="Straight Arrow Connector 19">
+            <a:extLst>
+              <a:ext uri="{FF2B5EF4-FFF2-40B4-BE49-F238E27FC236}">
+                <a16:creationId xmlns:a16="http://schemas.microsoft.com/office/drawing/2014/main" id="{DF35EA69-0851-4159-830E-571C8E87B2D4}"/>
+              </a:ext>
+            </a:extLst>
+          </p:cNvPr>
+          <p:cNvCxnSpPr>
+            <a:cxnSpLocks/>
+          </p:cNvCxnSpPr>
+          <p:nvPr/>
+        </p:nvCxnSpPr>
+        <p:spPr>
+          <a:xfrm>
+            <a:off x="6909578" y="3208044"/>
+            <a:ext cx="2017291" cy="0"/>
+          </a:xfrm>
+          <a:prstGeom prst="straightConnector1">
+            <a:avLst/>
+          </a:prstGeom>
+          <a:ln w="38100">
+            <a:solidFill>
+              <a:srgbClr val="FF0000"/>
+            </a:solidFill>
+            <a:headEnd w="lg" len="lg"/>
+            <a:tailEnd type="triangle" w="lg" len="lg"/>
+          </a:ln>
+        </p:spPr>
+        <p:style>
+          <a:lnRef idx="1">
+            <a:schemeClr val="accent1"/>
+          </a:lnRef>
+          <a:fillRef idx="0">
+            <a:schemeClr val="accent1"/>
+          </a:fillRef>
+          <a:effectRef idx="0">
+            <a:schemeClr val="accent1"/>
+          </a:effectRef>
+          <a:fontRef idx="minor">
+            <a:schemeClr val="tx1"/>
+          </a:fontRef>
+        </p:style>
+      </p:cxnSp>
+      <p:sp>
+        <p:nvSpPr>
+          <p:cNvPr id="22" name="Rectangle 21">
+            <a:extLst>
+              <a:ext uri="{FF2B5EF4-FFF2-40B4-BE49-F238E27FC236}">
+                <a16:creationId xmlns:a16="http://schemas.microsoft.com/office/drawing/2014/main" id="{FD390DF7-29F6-49A6-B403-F29A1F5ED0A7}"/>
+              </a:ext>
+            </a:extLst>
+          </p:cNvPr>
+          <p:cNvSpPr/>
+          <p:nvPr/>
+        </p:nvSpPr>
+        <p:spPr>
+          <a:xfrm>
+            <a:off x="1091674" y="2859330"/>
+            <a:ext cx="9670111" cy="606746"/>
+          </a:xfrm>
+          <a:custGeom>
+            <a:avLst/>
+            <a:gdLst>
+              <a:gd name="connsiteX0" fmla="*/ 0 w 9670111"/>
+              <a:gd name="connsiteY0" fmla="*/ 0 h 606746"/>
+              <a:gd name="connsiteX1" fmla="*/ 594021 w 9670111"/>
+              <a:gd name="connsiteY1" fmla="*/ 0 h 606746"/>
+              <a:gd name="connsiteX2" fmla="*/ 994640 w 9670111"/>
+              <a:gd name="connsiteY2" fmla="*/ 0 h 606746"/>
+              <a:gd name="connsiteX3" fmla="*/ 1878764 w 9670111"/>
+              <a:gd name="connsiteY3" fmla="*/ 0 h 606746"/>
+              <a:gd name="connsiteX4" fmla="*/ 2472786 w 9670111"/>
+              <a:gd name="connsiteY4" fmla="*/ 0 h 606746"/>
+              <a:gd name="connsiteX5" fmla="*/ 3066807 w 9670111"/>
+              <a:gd name="connsiteY5" fmla="*/ 0 h 606746"/>
+              <a:gd name="connsiteX6" fmla="*/ 3950931 w 9670111"/>
+              <a:gd name="connsiteY6" fmla="*/ 0 h 606746"/>
+              <a:gd name="connsiteX7" fmla="*/ 4448251 w 9670111"/>
+              <a:gd name="connsiteY7" fmla="*/ 0 h 606746"/>
+              <a:gd name="connsiteX8" fmla="*/ 5332375 w 9670111"/>
+              <a:gd name="connsiteY8" fmla="*/ 0 h 606746"/>
+              <a:gd name="connsiteX9" fmla="*/ 6216500 w 9670111"/>
+              <a:gd name="connsiteY9" fmla="*/ 0 h 606746"/>
+              <a:gd name="connsiteX10" fmla="*/ 6907222 w 9670111"/>
+              <a:gd name="connsiteY10" fmla="*/ 0 h 606746"/>
+              <a:gd name="connsiteX11" fmla="*/ 7791347 w 9670111"/>
+              <a:gd name="connsiteY11" fmla="*/ 0 h 606746"/>
+              <a:gd name="connsiteX12" fmla="*/ 8385368 w 9670111"/>
+              <a:gd name="connsiteY12" fmla="*/ 0 h 606746"/>
+              <a:gd name="connsiteX13" fmla="*/ 8979389 w 9670111"/>
+              <a:gd name="connsiteY13" fmla="*/ 0 h 606746"/>
+              <a:gd name="connsiteX14" fmla="*/ 9670111 w 9670111"/>
+              <a:gd name="connsiteY14" fmla="*/ 0 h 606746"/>
+              <a:gd name="connsiteX15" fmla="*/ 9670111 w 9670111"/>
+              <a:gd name="connsiteY15" fmla="*/ 606746 h 606746"/>
+              <a:gd name="connsiteX16" fmla="*/ 8979389 w 9670111"/>
+              <a:gd name="connsiteY16" fmla="*/ 606746 h 606746"/>
+              <a:gd name="connsiteX17" fmla="*/ 8095264 w 9670111"/>
+              <a:gd name="connsiteY17" fmla="*/ 606746 h 606746"/>
+              <a:gd name="connsiteX18" fmla="*/ 7404542 w 9670111"/>
+              <a:gd name="connsiteY18" fmla="*/ 606746 h 606746"/>
+              <a:gd name="connsiteX19" fmla="*/ 7003923 w 9670111"/>
+              <a:gd name="connsiteY19" fmla="*/ 606746 h 606746"/>
+              <a:gd name="connsiteX20" fmla="*/ 6506603 w 9670111"/>
+              <a:gd name="connsiteY20" fmla="*/ 606746 h 606746"/>
+              <a:gd name="connsiteX21" fmla="*/ 5622479 w 9670111"/>
+              <a:gd name="connsiteY21" fmla="*/ 606746 h 606746"/>
+              <a:gd name="connsiteX22" fmla="*/ 4931757 w 9670111"/>
+              <a:gd name="connsiteY22" fmla="*/ 606746 h 606746"/>
+              <a:gd name="connsiteX23" fmla="*/ 4434437 w 9670111"/>
+              <a:gd name="connsiteY23" fmla="*/ 606746 h 606746"/>
+              <a:gd name="connsiteX24" fmla="*/ 3743714 w 9670111"/>
+              <a:gd name="connsiteY24" fmla="*/ 606746 h 606746"/>
+              <a:gd name="connsiteX25" fmla="*/ 3343096 w 9670111"/>
+              <a:gd name="connsiteY25" fmla="*/ 606746 h 606746"/>
+              <a:gd name="connsiteX26" fmla="*/ 2942477 w 9670111"/>
+              <a:gd name="connsiteY26" fmla="*/ 606746 h 606746"/>
+              <a:gd name="connsiteX27" fmla="*/ 2251754 w 9670111"/>
+              <a:gd name="connsiteY27" fmla="*/ 606746 h 606746"/>
+              <a:gd name="connsiteX28" fmla="*/ 1754434 w 9670111"/>
+              <a:gd name="connsiteY28" fmla="*/ 606746 h 606746"/>
+              <a:gd name="connsiteX29" fmla="*/ 967011 w 9670111"/>
+              <a:gd name="connsiteY29" fmla="*/ 606746 h 606746"/>
+              <a:gd name="connsiteX30" fmla="*/ 0 w 9670111"/>
+              <a:gd name="connsiteY30" fmla="*/ 606746 h 606746"/>
+              <a:gd name="connsiteX31" fmla="*/ 0 w 9670111"/>
+              <a:gd name="connsiteY31" fmla="*/ 0 h 606746"/>
+            </a:gdLst>
+            <a:ahLst/>
+            <a:cxnLst>
+              <a:cxn ang="0">
+                <a:pos x="connsiteX0" y="connsiteY0"/>
+              </a:cxn>
+              <a:cxn ang="0">
+                <a:pos x="connsiteX1" y="connsiteY1"/>
+              </a:cxn>
+              <a:cxn ang="0">
+                <a:pos x="connsiteX2" y="connsiteY2"/>
+              </a:cxn>
+              <a:cxn ang="0">
+                <a:pos x="connsiteX3" y="connsiteY3"/>
+              </a:cxn>
+              <a:cxn ang="0">
+                <a:pos x="connsiteX4" y="connsiteY4"/>
+              </a:cxn>
+              <a:cxn ang="0">
+                <a:pos x="connsiteX5" y="connsiteY5"/>
+              </a:cxn>
+              <a:cxn ang="0">
+                <a:pos x="connsiteX6" y="connsiteY6"/>
+              </a:cxn>
+              <a:cxn ang="0">
+                <a:pos x="connsiteX7" y="connsiteY7"/>
+              </a:cxn>
+              <a:cxn ang="0">
+                <a:pos x="connsiteX8" y="connsiteY8"/>
+              </a:cxn>
+              <a:cxn ang="0">
+                <a:pos x="connsiteX9" y="connsiteY9"/>
+              </a:cxn>
+              <a:cxn ang="0">
+                <a:pos x="connsiteX10" y="connsiteY10"/>
+              </a:cxn>
+              <a:cxn ang="0">
+                <a:pos x="connsiteX11" y="connsiteY11"/>
+              </a:cxn>
+              <a:cxn ang="0">
+                <a:pos x="connsiteX12" y="connsiteY12"/>
+              </a:cxn>
+              <a:cxn ang="0">
+                <a:pos x="connsiteX13" y="connsiteY13"/>
+              </a:cxn>
+              <a:cxn ang="0">
+                <a:pos x="connsiteX14" y="connsiteY14"/>
+              </a:cxn>
+              <a:cxn ang="0">
+                <a:pos x="connsiteX15" y="connsiteY15"/>
+              </a:cxn>
+              <a:cxn ang="0">
+                <a:pos x="connsiteX16" y="connsiteY16"/>
+              </a:cxn>
+              <a:cxn ang="0">
+                <a:pos x="connsiteX17" y="connsiteY17"/>
+              </a:cxn>
+              <a:cxn ang="0">
+                <a:pos x="connsiteX18" y="connsiteY18"/>
+              </a:cxn>
+              <a:cxn ang="0">
+                <a:pos x="connsiteX19" y="connsiteY19"/>
+              </a:cxn>
+              <a:cxn ang="0">
+                <a:pos x="connsiteX20" y="connsiteY20"/>
+              </a:cxn>
+              <a:cxn ang="0">
+                <a:pos x="connsiteX21" y="connsiteY21"/>
+              </a:cxn>
+              <a:cxn ang="0">
+                <a:pos x="connsiteX22" y="connsiteY22"/>
+              </a:cxn>
+              <a:cxn ang="0">
+                <a:pos x="connsiteX23" y="connsiteY23"/>
+              </a:cxn>
+              <a:cxn ang="0">
+                <a:pos x="connsiteX24" y="connsiteY24"/>
+              </a:cxn>
+              <a:cxn ang="0">
+                <a:pos x="connsiteX25" y="connsiteY25"/>
+              </a:cxn>
+              <a:cxn ang="0">
+                <a:pos x="connsiteX26" y="connsiteY26"/>
+              </a:cxn>
+              <a:cxn ang="0">
+                <a:pos x="connsiteX27" y="connsiteY27"/>
+              </a:cxn>
+              <a:cxn ang="0">
+                <a:pos x="connsiteX28" y="connsiteY28"/>
+              </a:cxn>
+              <a:cxn ang="0">
+                <a:pos x="connsiteX29" y="connsiteY29"/>
+              </a:cxn>
+              <a:cxn ang="0">
+                <a:pos x="connsiteX30" y="connsiteY30"/>
+              </a:cxn>
+              <a:cxn ang="0">
+                <a:pos x="connsiteX31" y="connsiteY31"/>
+              </a:cxn>
+            </a:cxnLst>
+            <a:rect l="l" t="t" r="r" b="b"/>
+            <a:pathLst>
+              <a:path w="9670111" h="606746" extrusionOk="0">
+                <a:moveTo>
+                  <a:pt x="0" y="0"/>
+                </a:moveTo>
+                <a:cubicBezTo>
+                  <a:pt x="238142" y="24206"/>
+                  <a:pt x="342531" y="-13474"/>
+                  <a:pt x="594021" y="0"/>
+                </a:cubicBezTo>
+                <a:cubicBezTo>
+                  <a:pt x="845511" y="13474"/>
+                  <a:pt x="845679" y="-5146"/>
+                  <a:pt x="994640" y="0"/>
+                </a:cubicBezTo>
+                <a:cubicBezTo>
+                  <a:pt x="1143601" y="5146"/>
+                  <a:pt x="1462450" y="-31533"/>
+                  <a:pt x="1878764" y="0"/>
+                </a:cubicBezTo>
+                <a:cubicBezTo>
+                  <a:pt x="2295078" y="31533"/>
+                  <a:pt x="2218350" y="27118"/>
+                  <a:pt x="2472786" y="0"/>
+                </a:cubicBezTo>
+                <a:cubicBezTo>
+                  <a:pt x="2727222" y="-27118"/>
+                  <a:pt x="2841280" y="22003"/>
+                  <a:pt x="3066807" y="0"/>
+                </a:cubicBezTo>
+                <a:cubicBezTo>
+                  <a:pt x="3292334" y="-22003"/>
+                  <a:pt x="3645745" y="-404"/>
+                  <a:pt x="3950931" y="0"/>
+                </a:cubicBezTo>
+                <a:cubicBezTo>
+                  <a:pt x="4256117" y="404"/>
+                  <a:pt x="4344705" y="7985"/>
+                  <a:pt x="4448251" y="0"/>
+                </a:cubicBezTo>
+                <a:cubicBezTo>
+                  <a:pt x="4551797" y="-7985"/>
+                  <a:pt x="4930477" y="12404"/>
+                  <a:pt x="5332375" y="0"/>
+                </a:cubicBezTo>
+                <a:cubicBezTo>
+                  <a:pt x="5734273" y="-12404"/>
+                  <a:pt x="6002261" y="-23193"/>
+                  <a:pt x="6216500" y="0"/>
+                </a:cubicBezTo>
+                <a:cubicBezTo>
+                  <a:pt x="6430739" y="23193"/>
+                  <a:pt x="6726071" y="-17764"/>
+                  <a:pt x="6907222" y="0"/>
+                </a:cubicBezTo>
+                <a:cubicBezTo>
+                  <a:pt x="7088373" y="17764"/>
+                  <a:pt x="7412692" y="20768"/>
+                  <a:pt x="7791347" y="0"/>
+                </a:cubicBezTo>
+                <a:cubicBezTo>
+                  <a:pt x="8170002" y="-20768"/>
+                  <a:pt x="8223977" y="-15274"/>
+                  <a:pt x="8385368" y="0"/>
+                </a:cubicBezTo>
+                <a:cubicBezTo>
+                  <a:pt x="8546759" y="15274"/>
+                  <a:pt x="8752675" y="-14215"/>
+                  <a:pt x="8979389" y="0"/>
+                </a:cubicBezTo>
+                <a:cubicBezTo>
+                  <a:pt x="9206103" y="14215"/>
+                  <a:pt x="9332553" y="-9550"/>
+                  <a:pt x="9670111" y="0"/>
+                </a:cubicBezTo>
+                <a:cubicBezTo>
+                  <a:pt x="9692984" y="145541"/>
+                  <a:pt x="9649365" y="338506"/>
+                  <a:pt x="9670111" y="606746"/>
+                </a:cubicBezTo>
+                <a:cubicBezTo>
+                  <a:pt x="9431146" y="579633"/>
+                  <a:pt x="9168060" y="636909"/>
+                  <a:pt x="8979389" y="606746"/>
+                </a:cubicBezTo>
+                <a:cubicBezTo>
+                  <a:pt x="8790718" y="576583"/>
+                  <a:pt x="8429287" y="614257"/>
+                  <a:pt x="8095264" y="606746"/>
+                </a:cubicBezTo>
+                <a:cubicBezTo>
+                  <a:pt x="7761242" y="599235"/>
+                  <a:pt x="7664061" y="611833"/>
+                  <a:pt x="7404542" y="606746"/>
+                </a:cubicBezTo>
+                <a:cubicBezTo>
+                  <a:pt x="7145023" y="601659"/>
+                  <a:pt x="7084907" y="612972"/>
+                  <a:pt x="7003923" y="606746"/>
+                </a:cubicBezTo>
+                <a:cubicBezTo>
+                  <a:pt x="6922939" y="600520"/>
+                  <a:pt x="6710626" y="622077"/>
+                  <a:pt x="6506603" y="606746"/>
+                </a:cubicBezTo>
+                <a:cubicBezTo>
+                  <a:pt x="6302580" y="591415"/>
+                  <a:pt x="5845670" y="595474"/>
+                  <a:pt x="5622479" y="606746"/>
+                </a:cubicBezTo>
+                <a:cubicBezTo>
+                  <a:pt x="5399288" y="618018"/>
+                  <a:pt x="5097440" y="634359"/>
+                  <a:pt x="4931757" y="606746"/>
+                </a:cubicBezTo>
+                <a:cubicBezTo>
+                  <a:pt x="4766074" y="579133"/>
+                  <a:pt x="4610695" y="584591"/>
+                  <a:pt x="4434437" y="606746"/>
+                </a:cubicBezTo>
+                <a:cubicBezTo>
+                  <a:pt x="4258179" y="628901"/>
+                  <a:pt x="4041764" y="612719"/>
+                  <a:pt x="3743714" y="606746"/>
+                </a:cubicBezTo>
+                <a:cubicBezTo>
+                  <a:pt x="3445664" y="600773"/>
+                  <a:pt x="3475993" y="613150"/>
+                  <a:pt x="3343096" y="606746"/>
+                </a:cubicBezTo>
+                <a:cubicBezTo>
+                  <a:pt x="3210199" y="600342"/>
+                  <a:pt x="3117829" y="622579"/>
+                  <a:pt x="2942477" y="606746"/>
+                </a:cubicBezTo>
+                <a:cubicBezTo>
+                  <a:pt x="2767125" y="590913"/>
+                  <a:pt x="2402367" y="573020"/>
+                  <a:pt x="2251754" y="606746"/>
+                </a:cubicBezTo>
+                <a:cubicBezTo>
+                  <a:pt x="2101141" y="640472"/>
+                  <a:pt x="1941658" y="585911"/>
+                  <a:pt x="1754434" y="606746"/>
+                </a:cubicBezTo>
+                <a:cubicBezTo>
+                  <a:pt x="1567210" y="627581"/>
+                  <a:pt x="1222182" y="567980"/>
+                  <a:pt x="967011" y="606746"/>
+                </a:cubicBezTo>
+                <a:cubicBezTo>
+                  <a:pt x="711840" y="645512"/>
+                  <a:pt x="373602" y="560709"/>
+                  <a:pt x="0" y="606746"/>
+                </a:cubicBezTo>
+                <a:cubicBezTo>
+                  <a:pt x="-1707" y="447897"/>
+                  <a:pt x="-2502" y="135104"/>
+                  <a:pt x="0" y="0"/>
+                </a:cubicBezTo>
+                <a:close/>
+              </a:path>
+            </a:pathLst>
+          </a:custGeom>
+          <a:noFill/>
+          <a:ln>
+            <a:solidFill>
+              <a:srgbClr val="C00000"/>
+            </a:solidFill>
+            <a:extLst>
+              <a:ext uri="{C807C97D-BFC1-408E-A445-0C87EB9F89A2}">
+                <ask:lineSketchStyleProps xmlns:ask="http://schemas.microsoft.com/office/drawing/2018/sketchyshapes" sd="1219033472">
+                  <a:prstGeom prst="rect">
+                    <a:avLst/>
+                  </a:prstGeom>
+                  <ask:type>
+                    <ask:lineSketchFreehand/>
+                  </ask:type>
+                </ask:lineSketchStyleProps>
+              </a:ext>
+            </a:extLst>
+          </a:ln>
+        </p:spPr>
+        <p:style>
+          <a:lnRef idx="2">
+            <a:schemeClr val="accent1">
+              <a:shade val="50000"/>
+            </a:schemeClr>
+          </a:lnRef>
+          <a:fillRef idx="1">
+            <a:schemeClr val="accent1"/>
+          </a:fillRef>
+          <a:effectRef idx="0">
+            <a:schemeClr val="accent1"/>
+          </a:effectRef>
+          <a:fontRef idx="minor">
+            <a:schemeClr val="lt1"/>
+          </a:fontRef>
+        </p:style>
+        <p:txBody>
+          <a:bodyPr rtlCol="0" anchor="ctr"/>
+          <a:lstStyle/>
+          <a:p>
+            <a:pPr algn="ctr"/>
+            <a:endParaRPr lang="en-US"/>
+          </a:p>
+        </p:txBody>
+      </p:sp>
+      <p:cxnSp>
+        <p:nvCxnSpPr>
+          <p:cNvPr id="23" name="Straight Arrow Connector 22">
+            <a:extLst>
+              <a:ext uri="{FF2B5EF4-FFF2-40B4-BE49-F238E27FC236}">
+                <a16:creationId xmlns:a16="http://schemas.microsoft.com/office/drawing/2014/main" id="{60680D81-5D82-428B-9371-EDC72A437225}"/>
+              </a:ext>
+            </a:extLst>
+          </p:cNvPr>
+          <p:cNvCxnSpPr>
+            <a:cxnSpLocks/>
+            <a:endCxn id="12" idx="1"/>
+          </p:cNvCxnSpPr>
+          <p:nvPr/>
+        </p:nvCxnSpPr>
+        <p:spPr>
+          <a:xfrm>
+            <a:off x="6909578" y="3466076"/>
+            <a:ext cx="2026211" cy="1058707"/>
+          </a:xfrm>
+          <a:prstGeom prst="straightConnector1">
+            <a:avLst/>
+          </a:prstGeom>
+          <a:ln w="38100">
+            <a:solidFill>
+              <a:srgbClr val="FF0000"/>
+            </a:solidFill>
+            <a:headEnd w="lg" len="lg"/>
+            <a:tailEnd type="triangle" w="lg" len="lg"/>
+          </a:ln>
+        </p:spPr>
+        <p:style>
+          <a:lnRef idx="1">
+            <a:schemeClr val="accent1"/>
+          </a:lnRef>
+          <a:fillRef idx="0">
+            <a:schemeClr val="accent1"/>
+          </a:fillRef>
+          <a:effectRef idx="0">
+            <a:schemeClr val="accent1"/>
+          </a:effectRef>
+          <a:fontRef idx="minor">
+            <a:schemeClr val="tx1"/>
+          </a:fontRef>
+        </p:style>
+      </p:cxnSp>
+      <p:cxnSp>
+        <p:nvCxnSpPr>
+          <p:cNvPr id="25" name="Straight Arrow Connector 24">
+            <a:extLst>
+              <a:ext uri="{FF2B5EF4-FFF2-40B4-BE49-F238E27FC236}">
+                <a16:creationId xmlns:a16="http://schemas.microsoft.com/office/drawing/2014/main" id="{80A0E1E5-CC21-4CFC-BBD3-BE6D779247F1}"/>
+              </a:ext>
+            </a:extLst>
+          </p:cNvPr>
+          <p:cNvCxnSpPr>
+            <a:cxnSpLocks/>
+          </p:cNvCxnSpPr>
+          <p:nvPr/>
+        </p:nvCxnSpPr>
+        <p:spPr>
+          <a:xfrm>
+            <a:off x="6567971" y="3780072"/>
+            <a:ext cx="1169260" cy="1407130"/>
+          </a:xfrm>
+          <a:prstGeom prst="straightConnector1">
+            <a:avLst/>
+          </a:prstGeom>
+          <a:ln w="38100">
+            <a:solidFill>
+              <a:srgbClr val="FF0000"/>
+            </a:solidFill>
+            <a:headEnd w="lg" len="lg"/>
+            <a:tailEnd type="triangle" w="lg" len="lg"/>
+          </a:ln>
+        </p:spPr>
+        <p:style>
+          <a:lnRef idx="1">
+            <a:schemeClr val="accent1"/>
+          </a:lnRef>
+          <a:fillRef idx="0">
+            <a:schemeClr val="accent1"/>
+          </a:fillRef>
+          <a:effectRef idx="0">
+            <a:schemeClr val="accent1"/>
+          </a:effectRef>
+          <a:fontRef idx="minor">
+            <a:schemeClr val="tx1"/>
+          </a:fontRef>
+        </p:style>
+      </p:cxnSp>
+      <p:cxnSp>
+        <p:nvCxnSpPr>
+          <p:cNvPr id="27" name="Straight Arrow Connector 26">
+            <a:extLst>
+              <a:ext uri="{FF2B5EF4-FFF2-40B4-BE49-F238E27FC236}">
+                <a16:creationId xmlns:a16="http://schemas.microsoft.com/office/drawing/2014/main" id="{90DBC59B-E3C4-4A80-8A34-F9B71BAD85F3}"/>
+              </a:ext>
+            </a:extLst>
+          </p:cNvPr>
+          <p:cNvCxnSpPr>
+            <a:cxnSpLocks/>
+          </p:cNvCxnSpPr>
+          <p:nvPr/>
+        </p:nvCxnSpPr>
+        <p:spPr>
+          <a:xfrm>
+            <a:off x="6161650" y="3779041"/>
+            <a:ext cx="0" cy="1874254"/>
+          </a:xfrm>
+          <a:prstGeom prst="straightConnector1">
+            <a:avLst/>
+          </a:prstGeom>
+          <a:ln w="38100">
+            <a:solidFill>
+              <a:srgbClr val="0070C0"/>
+            </a:solidFill>
+            <a:headEnd w="lg" len="lg"/>
+            <a:tailEnd type="triangle" w="lg" len="lg"/>
+          </a:ln>
+        </p:spPr>
+        <p:style>
+          <a:lnRef idx="1">
+            <a:schemeClr val="accent1"/>
+          </a:lnRef>
+          <a:fillRef idx="0">
+            <a:schemeClr val="accent1"/>
+          </a:fillRef>
+          <a:effectRef idx="0">
+            <a:schemeClr val="accent1"/>
+          </a:effectRef>
+          <a:fontRef idx="minor">
+            <a:schemeClr val="tx1"/>
+          </a:fontRef>
+        </p:style>
+      </p:cxnSp>
+      <p:sp>
+        <p:nvSpPr>
+          <p:cNvPr id="30" name="TextBox 29">
+            <a:extLst>
+              <a:ext uri="{FF2B5EF4-FFF2-40B4-BE49-F238E27FC236}">
+                <a16:creationId xmlns:a16="http://schemas.microsoft.com/office/drawing/2014/main" id="{D1239490-A23F-49D2-9C54-9CEF2E56ABBE}"/>
+              </a:ext>
+            </a:extLst>
+          </p:cNvPr>
+          <p:cNvSpPr txBox="1"/>
+          <p:nvPr/>
+        </p:nvSpPr>
+        <p:spPr>
+          <a:xfrm>
+            <a:off x="5373859" y="5740399"/>
+            <a:ext cx="2114842" cy="954107"/>
+          </a:xfrm>
+          <a:prstGeom prst="rect">
+            <a:avLst/>
+          </a:prstGeom>
+          <a:noFill/>
+        </p:spPr>
+        <p:txBody>
+          <a:bodyPr wrap="square" rtlCol="0">
+            <a:spAutoFit/>
+          </a:bodyPr>
+          <a:lstStyle/>
+          <a:p>
+            <a:r>
+              <a:rPr lang="en-US" sz="2800" dirty="0"/>
+              <a:t>Financial Instruments</a:t>
+            </a:r>
+          </a:p>
+        </p:txBody>
+      </p:sp>
+      <p:sp>
+        <p:nvSpPr>
+          <p:cNvPr id="31" name="Arc 30">
+            <a:extLst>
+              <a:ext uri="{FF2B5EF4-FFF2-40B4-BE49-F238E27FC236}">
+                <a16:creationId xmlns:a16="http://schemas.microsoft.com/office/drawing/2014/main" id="{BCFAD6AC-7024-466E-85E4-79651F63272E}"/>
+              </a:ext>
+            </a:extLst>
+          </p:cNvPr>
+          <p:cNvSpPr/>
+          <p:nvPr/>
+        </p:nvSpPr>
+        <p:spPr>
+          <a:xfrm rot="12868874">
+            <a:off x="4195866" y="3676003"/>
+            <a:ext cx="3833215" cy="2748400"/>
+          </a:xfrm>
+          <a:custGeom>
+            <a:avLst/>
+            <a:gdLst>
+              <a:gd name="connsiteX0" fmla="*/ 1916607 w 3833215"/>
+              <a:gd name="connsiteY0" fmla="*/ 0 h 2748400"/>
+              <a:gd name="connsiteX1" fmla="*/ 3283731 w 3833215"/>
+              <a:gd name="connsiteY1" fmla="*/ 411086 h 2748400"/>
+              <a:gd name="connsiteX2" fmla="*/ 3631826 w 3833215"/>
+              <a:gd name="connsiteY2" fmla="*/ 1987392 h 2748400"/>
+              <a:gd name="connsiteX3" fmla="*/ 1916608 w 3833215"/>
+              <a:gd name="connsiteY3" fmla="*/ 1374200 h 2748400"/>
+              <a:gd name="connsiteX4" fmla="*/ 1916607 w 3833215"/>
+              <a:gd name="connsiteY4" fmla="*/ 0 h 2748400"/>
+              <a:gd name="connsiteX0" fmla="*/ 1916607 w 3833215"/>
+              <a:gd name="connsiteY0" fmla="*/ 0 h 2748400"/>
+              <a:gd name="connsiteX1" fmla="*/ 3283731 w 3833215"/>
+              <a:gd name="connsiteY1" fmla="*/ 411086 h 2748400"/>
+              <a:gd name="connsiteX2" fmla="*/ 3631826 w 3833215"/>
+              <a:gd name="connsiteY2" fmla="*/ 1987392 h 2748400"/>
+            </a:gdLst>
+            <a:ahLst/>
+            <a:cxnLst>
+              <a:cxn ang="0">
+                <a:pos x="connsiteX0" y="connsiteY0"/>
+              </a:cxn>
+              <a:cxn ang="0">
+                <a:pos x="connsiteX1" y="connsiteY1"/>
+              </a:cxn>
+              <a:cxn ang="0">
+                <a:pos x="connsiteX2" y="connsiteY2"/>
+              </a:cxn>
+            </a:cxnLst>
+            <a:rect l="l" t="t" r="r" b="b"/>
+            <a:pathLst>
+              <a:path w="3833215" h="2748400" stroke="0" extrusionOk="0">
+                <a:moveTo>
+                  <a:pt x="1916607" y="0"/>
+                </a:moveTo>
+                <a:cubicBezTo>
+                  <a:pt x="2399689" y="-19173"/>
+                  <a:pt x="2891099" y="160237"/>
+                  <a:pt x="3283731" y="411086"/>
+                </a:cubicBezTo>
+                <a:cubicBezTo>
+                  <a:pt x="3873276" y="832853"/>
+                  <a:pt x="3988063" y="1462810"/>
+                  <a:pt x="3631826" y="1987392"/>
+                </a:cubicBezTo>
+                <a:cubicBezTo>
+                  <a:pt x="3460078" y="1896484"/>
+                  <a:pt x="2472992" y="1485014"/>
+                  <a:pt x="1916608" y="1374200"/>
+                </a:cubicBezTo>
+                <a:cubicBezTo>
+                  <a:pt x="1893633" y="903563"/>
+                  <a:pt x="1980649" y="488667"/>
+                  <a:pt x="1916607" y="0"/>
+                </a:cubicBezTo>
+                <a:close/>
+              </a:path>
+              <a:path w="3833215" h="2748400" fill="none" extrusionOk="0">
+                <a:moveTo>
+                  <a:pt x="1916607" y="0"/>
+                </a:moveTo>
+                <a:cubicBezTo>
+                  <a:pt x="2515439" y="10044"/>
+                  <a:pt x="2959247" y="74300"/>
+                  <a:pt x="3283731" y="411086"/>
+                </a:cubicBezTo>
+                <a:cubicBezTo>
+                  <a:pt x="3842275" y="827172"/>
+                  <a:pt x="3979309" y="1479019"/>
+                  <a:pt x="3631826" y="1987392"/>
+                </a:cubicBezTo>
+              </a:path>
+            </a:pathLst>
+          </a:custGeom>
+          <a:ln w="50800">
+            <a:solidFill>
+              <a:srgbClr val="92D050"/>
+            </a:solidFill>
+            <a:headEnd type="none"/>
+            <a:tailEnd type="triangle" w="lg" len="lg"/>
+            <a:extLst>
+              <a:ext uri="{C807C97D-BFC1-408E-A445-0C87EB9F89A2}">
+                <ask:lineSketchStyleProps xmlns:ask="http://schemas.microsoft.com/office/drawing/2018/sketchyshapes" sd="1219033472">
+                  <a:prstGeom prst="arc">
+                    <a:avLst>
+                      <a:gd name="adj1" fmla="val 16200000"/>
+                      <a:gd name="adj2" fmla="val 1180320"/>
+                    </a:avLst>
+                  </a:prstGeom>
+                  <ask:type>
+                    <ask:lineSketchCurved/>
+                  </ask:type>
+                </ask:lineSketchStyleProps>
+              </a:ext>
+            </a:extLst>
+          </a:ln>
+        </p:spPr>
+        <p:style>
+          <a:lnRef idx="1">
+            <a:schemeClr val="accent1"/>
+          </a:lnRef>
+          <a:fillRef idx="0">
+            <a:schemeClr val="accent1"/>
+          </a:fillRef>
+          <a:effectRef idx="0">
+            <a:schemeClr val="accent1"/>
+          </a:effectRef>
+          <a:fontRef idx="minor">
+            <a:schemeClr val="tx1"/>
+          </a:fontRef>
+        </p:style>
+        <p:txBody>
+          <a:bodyPr rtlCol="0" anchor="ctr"/>
+          <a:lstStyle/>
+          <a:p>
+            <a:pPr algn="ctr"/>
+            <a:endParaRPr lang="en-US"/>
+          </a:p>
+        </p:txBody>
+      </p:sp>
+      <p:sp>
+        <p:nvSpPr>
+          <p:cNvPr id="14" name="TextBox 13">
+            <a:extLst>
+              <a:ext uri="{FF2B5EF4-FFF2-40B4-BE49-F238E27FC236}">
+                <a16:creationId xmlns:a16="http://schemas.microsoft.com/office/drawing/2014/main" id="{C7AD347B-8150-4671-ACD7-F8B263F6F7EE}"/>
+              </a:ext>
+            </a:extLst>
+          </p:cNvPr>
+          <p:cNvSpPr txBox="1"/>
+          <p:nvPr/>
+        </p:nvSpPr>
+        <p:spPr>
+          <a:xfrm>
+            <a:off x="5219115" y="2627585"/>
+            <a:ext cx="1732670" cy="1107996"/>
+          </a:xfrm>
+          <a:prstGeom prst="rect">
+            <a:avLst/>
+          </a:prstGeom>
+          <a:noFill/>
+        </p:spPr>
+        <p:txBody>
+          <a:bodyPr wrap="square" rtlCol="0">
+            <a:spAutoFit/>
+          </a:bodyPr>
+          <a:lstStyle/>
+          <a:p>
+            <a:pPr algn="ctr"/>
+            <a:r>
+              <a:rPr lang="en-US" sz="3300" b="1" dirty="0"/>
+              <a:t>General Insurer</a:t>
             </a:r>
           </a:p>
         </p:txBody>
@@ -3513,7 +8801,3309 @@
     </p:spTree>
     <p:extLst>
       <p:ext uri="{BB962C8B-B14F-4D97-AF65-F5344CB8AC3E}">
-        <p14:creationId xmlns:p14="http://schemas.microsoft.com/office/powerpoint/2010/main" val="4249116187"/>
+        <p14:creationId xmlns:p14="http://schemas.microsoft.com/office/powerpoint/2010/main" val="3829041109"/>
+      </p:ext>
+    </p:extLst>
+  </p:cSld>
+  <p:clrMapOvr>
+    <a:masterClrMapping/>
+  </p:clrMapOvr>
+</p:sld>
+</file>
+
+<file path=ppt/slides/slide3.xml><?xml version="1.0" encoding="utf-8"?>
+<p:sld xmlns:a="http://schemas.openxmlformats.org/drawingml/2006/main" xmlns:r="http://schemas.openxmlformats.org/officeDocument/2006/relationships" xmlns:p="http://schemas.openxmlformats.org/presentationml/2006/main">
+  <p:cSld>
+    <p:spTree>
+      <p:nvGrpSpPr>
+        <p:cNvPr id="1" name=""/>
+        <p:cNvGrpSpPr/>
+        <p:nvPr/>
+      </p:nvGrpSpPr>
+      <p:grpSpPr>
+        <a:xfrm>
+          <a:off x="0" y="0"/>
+          <a:ext cx="0" cy="0"/>
+          <a:chOff x="0" y="0"/>
+          <a:chExt cx="0" cy="0"/>
+        </a:xfrm>
+      </p:grpSpPr>
+      <p:pic>
+        <p:nvPicPr>
+          <p:cNvPr id="7" name="Picture 2" descr="Image result for reinsurance">
+            <a:extLst>
+              <a:ext uri="{FF2B5EF4-FFF2-40B4-BE49-F238E27FC236}">
+                <a16:creationId xmlns:a16="http://schemas.microsoft.com/office/drawing/2014/main" id="{C44409B5-A8EB-4CA3-AB54-C2F651DAE6B0}"/>
+              </a:ext>
+            </a:extLst>
+          </p:cNvPr>
+          <p:cNvPicPr>
+            <a:picLocks noChangeAspect="1" noChangeArrowheads="1"/>
+          </p:cNvPicPr>
+          <p:nvPr/>
+        </p:nvPicPr>
+        <p:blipFill rotWithShape="1">
+          <a:blip r:embed="rId2">
+            <a:extLst>
+              <a:ext uri="{28A0092B-C50C-407E-A947-70E740481C1C}">
+                <a14:useLocalDpi xmlns:a14="http://schemas.microsoft.com/office/drawing/2010/main" val="0"/>
+              </a:ext>
+            </a:extLst>
+          </a:blip>
+          <a:srcRect l="20174" r="21466"/>
+          <a:stretch/>
+        </p:blipFill>
+        <p:spPr bwMode="auto">
+          <a:xfrm>
+            <a:off x="2341" y="5566735"/>
+            <a:ext cx="1352390" cy="1305333"/>
+          </a:xfrm>
+          <a:prstGeom prst="rect">
+            <a:avLst/>
+          </a:prstGeom>
+          <a:noFill/>
+          <a:extLst>
+            <a:ext uri="{909E8E84-426E-40DD-AFC4-6F175D3DCCD1}">
+              <a14:hiddenFill xmlns:a14="http://schemas.microsoft.com/office/drawing/2010/main">
+                <a:solidFill>
+                  <a:srgbClr val="FFFFFF"/>
+                </a:solidFill>
+              </a14:hiddenFill>
+            </a:ext>
+          </a:extLst>
+        </p:spPr>
+      </p:pic>
+      <p:sp>
+        <p:nvSpPr>
+          <p:cNvPr id="8" name="TextBox 7">
+            <a:extLst>
+              <a:ext uri="{FF2B5EF4-FFF2-40B4-BE49-F238E27FC236}">
+                <a16:creationId xmlns:a16="http://schemas.microsoft.com/office/drawing/2014/main" id="{E6C5D62E-0BFC-41AB-99D0-D5E127620EDB}"/>
+              </a:ext>
+            </a:extLst>
+          </p:cNvPr>
+          <p:cNvSpPr txBox="1"/>
+          <p:nvPr/>
+        </p:nvSpPr>
+        <p:spPr>
+          <a:xfrm>
+            <a:off x="0" y="0"/>
+            <a:ext cx="5219115" cy="523220"/>
+          </a:xfrm>
+          <a:prstGeom prst="rect">
+            <a:avLst/>
+          </a:prstGeom>
+          <a:noFill/>
+        </p:spPr>
+        <p:txBody>
+          <a:bodyPr wrap="square" rtlCol="0">
+            <a:spAutoFit/>
+          </a:bodyPr>
+          <a:lstStyle/>
+          <a:p>
+            <a:pPr algn="ctr"/>
+            <a:r>
+              <a:rPr lang="en-US" sz="2800" b="1" dirty="0"/>
+              <a:t>INSURANCE MONEY:  INs &amp; OUTs</a:t>
+            </a:r>
+          </a:p>
+        </p:txBody>
+      </p:sp>
+      <p:sp>
+        <p:nvSpPr>
+          <p:cNvPr id="6" name="TextBox 5">
+            <a:extLst>
+              <a:ext uri="{FF2B5EF4-FFF2-40B4-BE49-F238E27FC236}">
+                <a16:creationId xmlns:a16="http://schemas.microsoft.com/office/drawing/2014/main" id="{A81FC5B4-171E-4DC4-8B08-64DFB42782EC}"/>
+              </a:ext>
+            </a:extLst>
+          </p:cNvPr>
+          <p:cNvSpPr txBox="1"/>
+          <p:nvPr/>
+        </p:nvSpPr>
+        <p:spPr>
+          <a:xfrm>
+            <a:off x="1256257" y="2899301"/>
+            <a:ext cx="1732670" cy="523220"/>
+          </a:xfrm>
+          <a:prstGeom prst="rect">
+            <a:avLst/>
+          </a:prstGeom>
+          <a:noFill/>
+        </p:spPr>
+        <p:txBody>
+          <a:bodyPr wrap="square" rtlCol="0">
+            <a:spAutoFit/>
+          </a:bodyPr>
+          <a:lstStyle/>
+          <a:p>
+            <a:r>
+              <a:rPr lang="en-US" sz="2800" b="1" dirty="0"/>
+              <a:t>Premiums</a:t>
+            </a:r>
+          </a:p>
+        </p:txBody>
+      </p:sp>
+      <p:sp>
+        <p:nvSpPr>
+          <p:cNvPr id="9" name="TextBox 8">
+            <a:extLst>
+              <a:ext uri="{FF2B5EF4-FFF2-40B4-BE49-F238E27FC236}">
+                <a16:creationId xmlns:a16="http://schemas.microsoft.com/office/drawing/2014/main" id="{BFB5FFE9-E900-407B-8E82-DC6EA4DFA673}"/>
+              </a:ext>
+            </a:extLst>
+          </p:cNvPr>
+          <p:cNvSpPr txBox="1"/>
+          <p:nvPr/>
+        </p:nvSpPr>
+        <p:spPr>
+          <a:xfrm>
+            <a:off x="7486816" y="702088"/>
+            <a:ext cx="2114842" cy="523220"/>
+          </a:xfrm>
+          <a:prstGeom prst="rect">
+            <a:avLst/>
+          </a:prstGeom>
+          <a:noFill/>
+        </p:spPr>
+        <p:txBody>
+          <a:bodyPr wrap="square" rtlCol="0">
+            <a:spAutoFit/>
+          </a:bodyPr>
+          <a:lstStyle/>
+          <a:p>
+            <a:r>
+              <a:rPr lang="en-US" sz="2800" dirty="0"/>
+              <a:t>Re-Insurance</a:t>
+            </a:r>
+          </a:p>
+        </p:txBody>
+      </p:sp>
+      <p:sp>
+        <p:nvSpPr>
+          <p:cNvPr id="10" name="TextBox 9">
+            <a:extLst>
+              <a:ext uri="{FF2B5EF4-FFF2-40B4-BE49-F238E27FC236}">
+                <a16:creationId xmlns:a16="http://schemas.microsoft.com/office/drawing/2014/main" id="{652051B8-A125-4162-ADDF-9F5046847006}"/>
+              </a:ext>
+            </a:extLst>
+          </p:cNvPr>
+          <p:cNvSpPr txBox="1"/>
+          <p:nvPr/>
+        </p:nvSpPr>
+        <p:spPr>
+          <a:xfrm>
+            <a:off x="8811523" y="1663999"/>
+            <a:ext cx="2114842" cy="523220"/>
+          </a:xfrm>
+          <a:prstGeom prst="rect">
+            <a:avLst/>
+          </a:prstGeom>
+          <a:noFill/>
+        </p:spPr>
+        <p:txBody>
+          <a:bodyPr wrap="square" rtlCol="0">
+            <a:spAutoFit/>
+          </a:bodyPr>
+          <a:lstStyle/>
+          <a:p>
+            <a:r>
+              <a:rPr lang="en-US" sz="2800" dirty="0"/>
+              <a:t>Expenses</a:t>
+            </a:r>
+          </a:p>
+        </p:txBody>
+      </p:sp>
+      <p:sp>
+        <p:nvSpPr>
+          <p:cNvPr id="11" name="TextBox 10">
+            <a:extLst>
+              <a:ext uri="{FF2B5EF4-FFF2-40B4-BE49-F238E27FC236}">
+                <a16:creationId xmlns:a16="http://schemas.microsoft.com/office/drawing/2014/main" id="{12D2A23C-D568-488D-859C-DDA84C39C545}"/>
+              </a:ext>
+            </a:extLst>
+          </p:cNvPr>
+          <p:cNvSpPr txBox="1"/>
+          <p:nvPr/>
+        </p:nvSpPr>
+        <p:spPr>
+          <a:xfrm>
+            <a:off x="8985484" y="2946434"/>
+            <a:ext cx="2114842" cy="523220"/>
+          </a:xfrm>
+          <a:prstGeom prst="rect">
+            <a:avLst/>
+          </a:prstGeom>
+          <a:noFill/>
+        </p:spPr>
+        <p:txBody>
+          <a:bodyPr wrap="square" rtlCol="0">
+            <a:spAutoFit/>
+          </a:bodyPr>
+          <a:lstStyle/>
+          <a:p>
+            <a:r>
+              <a:rPr lang="en-US" sz="2800" dirty="0"/>
+              <a:t>Claims Paid</a:t>
+            </a:r>
+          </a:p>
+        </p:txBody>
+      </p:sp>
+      <p:sp>
+        <p:nvSpPr>
+          <p:cNvPr id="12" name="TextBox 11">
+            <a:extLst>
+              <a:ext uri="{FF2B5EF4-FFF2-40B4-BE49-F238E27FC236}">
+                <a16:creationId xmlns:a16="http://schemas.microsoft.com/office/drawing/2014/main" id="{209AE47B-690F-4FA1-A2FC-F618405FE38A}"/>
+              </a:ext>
+            </a:extLst>
+          </p:cNvPr>
+          <p:cNvSpPr txBox="1"/>
+          <p:nvPr/>
+        </p:nvSpPr>
+        <p:spPr>
+          <a:xfrm>
+            <a:off x="8935789" y="4047729"/>
+            <a:ext cx="2114842" cy="954107"/>
+          </a:xfrm>
+          <a:prstGeom prst="rect">
+            <a:avLst/>
+          </a:prstGeom>
+          <a:noFill/>
+        </p:spPr>
+        <p:txBody>
+          <a:bodyPr wrap="square" rtlCol="0">
+            <a:spAutoFit/>
+          </a:bodyPr>
+          <a:lstStyle/>
+          <a:p>
+            <a:r>
+              <a:rPr lang="en-US" sz="2800" dirty="0"/>
+              <a:t>Claims Reserves</a:t>
+            </a:r>
+          </a:p>
+        </p:txBody>
+      </p:sp>
+      <p:sp>
+        <p:nvSpPr>
+          <p:cNvPr id="13" name="TextBox 12">
+            <a:extLst>
+              <a:ext uri="{FF2B5EF4-FFF2-40B4-BE49-F238E27FC236}">
+                <a16:creationId xmlns:a16="http://schemas.microsoft.com/office/drawing/2014/main" id="{87B674C9-FB55-42D7-9498-A127072F1450}"/>
+              </a:ext>
+            </a:extLst>
+          </p:cNvPr>
+          <p:cNvSpPr txBox="1"/>
+          <p:nvPr/>
+        </p:nvSpPr>
+        <p:spPr>
+          <a:xfrm>
+            <a:off x="7486816" y="5130075"/>
+            <a:ext cx="2114842" cy="523220"/>
+          </a:xfrm>
+          <a:prstGeom prst="rect">
+            <a:avLst/>
+          </a:prstGeom>
+          <a:noFill/>
+        </p:spPr>
+        <p:txBody>
+          <a:bodyPr wrap="square" rtlCol="0">
+            <a:spAutoFit/>
+          </a:bodyPr>
+          <a:lstStyle/>
+          <a:p>
+            <a:r>
+              <a:rPr lang="en-US" sz="2800" dirty="0"/>
+              <a:t>Liabilities</a:t>
+            </a:r>
+          </a:p>
+        </p:txBody>
+      </p:sp>
+      <p:cxnSp>
+        <p:nvCxnSpPr>
+          <p:cNvPr id="15" name="Straight Arrow Connector 14">
+            <a:extLst>
+              <a:ext uri="{FF2B5EF4-FFF2-40B4-BE49-F238E27FC236}">
+                <a16:creationId xmlns:a16="http://schemas.microsoft.com/office/drawing/2014/main" id="{DD16F068-A53D-470E-BB22-2E44725099DD}"/>
+              </a:ext>
+            </a:extLst>
+          </p:cNvPr>
+          <p:cNvCxnSpPr>
+            <a:cxnSpLocks/>
+          </p:cNvCxnSpPr>
+          <p:nvPr/>
+        </p:nvCxnSpPr>
+        <p:spPr>
+          <a:xfrm>
+            <a:off x="2982351" y="3221502"/>
+            <a:ext cx="2391508" cy="0"/>
+          </a:xfrm>
+          <a:prstGeom prst="straightConnector1">
+            <a:avLst/>
+          </a:prstGeom>
+          <a:ln w="38100">
+            <a:solidFill>
+              <a:srgbClr val="92D050"/>
+            </a:solidFill>
+            <a:headEnd w="lg" len="lg"/>
+            <a:tailEnd type="triangle" w="lg" len="lg"/>
+          </a:ln>
+        </p:spPr>
+        <p:style>
+          <a:lnRef idx="1">
+            <a:schemeClr val="accent1"/>
+          </a:lnRef>
+          <a:fillRef idx="0">
+            <a:schemeClr val="accent1"/>
+          </a:fillRef>
+          <a:effectRef idx="0">
+            <a:schemeClr val="accent1"/>
+          </a:effectRef>
+          <a:fontRef idx="minor">
+            <a:schemeClr val="tx1"/>
+          </a:fontRef>
+        </p:style>
+      </p:cxnSp>
+      <p:cxnSp>
+        <p:nvCxnSpPr>
+          <p:cNvPr id="16" name="Straight Arrow Connector 15">
+            <a:extLst>
+              <a:ext uri="{FF2B5EF4-FFF2-40B4-BE49-F238E27FC236}">
+                <a16:creationId xmlns:a16="http://schemas.microsoft.com/office/drawing/2014/main" id="{C42F1F36-D4D0-481B-AB7C-CEE8A775243F}"/>
+              </a:ext>
+            </a:extLst>
+          </p:cNvPr>
+          <p:cNvCxnSpPr>
+            <a:cxnSpLocks/>
+          </p:cNvCxnSpPr>
+          <p:nvPr/>
+        </p:nvCxnSpPr>
+        <p:spPr>
+          <a:xfrm flipV="1">
+            <a:off x="6362846" y="1225308"/>
+            <a:ext cx="1374385" cy="1374870"/>
+          </a:xfrm>
+          <a:prstGeom prst="straightConnector1">
+            <a:avLst/>
+          </a:prstGeom>
+          <a:ln w="38100">
+            <a:solidFill>
+              <a:srgbClr val="0070C0"/>
+            </a:solidFill>
+            <a:headEnd w="lg" len="lg"/>
+            <a:tailEnd type="triangle" w="lg" len="lg"/>
+          </a:ln>
+        </p:spPr>
+        <p:style>
+          <a:lnRef idx="1">
+            <a:schemeClr val="accent1"/>
+          </a:lnRef>
+          <a:fillRef idx="0">
+            <a:schemeClr val="accent1"/>
+          </a:fillRef>
+          <a:effectRef idx="0">
+            <a:schemeClr val="accent1"/>
+          </a:effectRef>
+          <a:fontRef idx="minor">
+            <a:schemeClr val="tx1"/>
+          </a:fontRef>
+        </p:style>
+      </p:cxnSp>
+      <p:cxnSp>
+        <p:nvCxnSpPr>
+          <p:cNvPr id="17" name="Straight Arrow Connector 16">
+            <a:extLst>
+              <a:ext uri="{FF2B5EF4-FFF2-40B4-BE49-F238E27FC236}">
+                <a16:creationId xmlns:a16="http://schemas.microsoft.com/office/drawing/2014/main" id="{32871363-2BB0-4FD4-8A4F-D1C333FEEC5D}"/>
+              </a:ext>
+            </a:extLst>
+          </p:cNvPr>
+          <p:cNvCxnSpPr>
+            <a:cxnSpLocks/>
+          </p:cNvCxnSpPr>
+          <p:nvPr/>
+        </p:nvCxnSpPr>
+        <p:spPr>
+          <a:xfrm flipV="1">
+            <a:off x="6951785" y="1982719"/>
+            <a:ext cx="1765957" cy="944718"/>
+          </a:xfrm>
+          <a:prstGeom prst="straightConnector1">
+            <a:avLst/>
+          </a:prstGeom>
+          <a:ln w="38100">
+            <a:solidFill>
+              <a:srgbClr val="FF0000"/>
+            </a:solidFill>
+            <a:headEnd w="lg" len="lg"/>
+            <a:tailEnd type="triangle" w="lg" len="lg"/>
+          </a:ln>
+        </p:spPr>
+        <p:style>
+          <a:lnRef idx="1">
+            <a:schemeClr val="accent1"/>
+          </a:lnRef>
+          <a:fillRef idx="0">
+            <a:schemeClr val="accent1"/>
+          </a:fillRef>
+          <a:effectRef idx="0">
+            <a:schemeClr val="accent1"/>
+          </a:effectRef>
+          <a:fontRef idx="minor">
+            <a:schemeClr val="tx1"/>
+          </a:fontRef>
+        </p:style>
+      </p:cxnSp>
+      <p:cxnSp>
+        <p:nvCxnSpPr>
+          <p:cNvPr id="20" name="Straight Arrow Connector 19">
+            <a:extLst>
+              <a:ext uri="{FF2B5EF4-FFF2-40B4-BE49-F238E27FC236}">
+                <a16:creationId xmlns:a16="http://schemas.microsoft.com/office/drawing/2014/main" id="{DF35EA69-0851-4159-830E-571C8E87B2D4}"/>
+              </a:ext>
+            </a:extLst>
+          </p:cNvPr>
+          <p:cNvCxnSpPr>
+            <a:cxnSpLocks/>
+          </p:cNvCxnSpPr>
+          <p:nvPr/>
+        </p:nvCxnSpPr>
+        <p:spPr>
+          <a:xfrm>
+            <a:off x="6909578" y="3208044"/>
+            <a:ext cx="2017291" cy="0"/>
+          </a:xfrm>
+          <a:prstGeom prst="straightConnector1">
+            <a:avLst/>
+          </a:prstGeom>
+          <a:ln w="38100">
+            <a:solidFill>
+              <a:srgbClr val="FF0000"/>
+            </a:solidFill>
+            <a:headEnd w="lg" len="lg"/>
+            <a:tailEnd type="triangle" w="lg" len="lg"/>
+          </a:ln>
+        </p:spPr>
+        <p:style>
+          <a:lnRef idx="1">
+            <a:schemeClr val="accent1"/>
+          </a:lnRef>
+          <a:fillRef idx="0">
+            <a:schemeClr val="accent1"/>
+          </a:fillRef>
+          <a:effectRef idx="0">
+            <a:schemeClr val="accent1"/>
+          </a:effectRef>
+          <a:fontRef idx="minor">
+            <a:schemeClr val="tx1"/>
+          </a:fontRef>
+        </p:style>
+      </p:cxnSp>
+      <p:sp>
+        <p:nvSpPr>
+          <p:cNvPr id="22" name="Rectangle 21">
+            <a:extLst>
+              <a:ext uri="{FF2B5EF4-FFF2-40B4-BE49-F238E27FC236}">
+                <a16:creationId xmlns:a16="http://schemas.microsoft.com/office/drawing/2014/main" id="{FD390DF7-29F6-49A6-B403-F29A1F5ED0A7}"/>
+              </a:ext>
+            </a:extLst>
+          </p:cNvPr>
+          <p:cNvSpPr/>
+          <p:nvPr/>
+        </p:nvSpPr>
+        <p:spPr>
+          <a:xfrm>
+            <a:off x="1091674" y="2859330"/>
+            <a:ext cx="9656043" cy="606746"/>
+          </a:xfrm>
+          <a:custGeom>
+            <a:avLst/>
+            <a:gdLst>
+              <a:gd name="connsiteX0" fmla="*/ 0 w 9656043"/>
+              <a:gd name="connsiteY0" fmla="*/ 0 h 606746"/>
+              <a:gd name="connsiteX1" fmla="*/ 593157 w 9656043"/>
+              <a:gd name="connsiteY1" fmla="*/ 0 h 606746"/>
+              <a:gd name="connsiteX2" fmla="*/ 993193 w 9656043"/>
+              <a:gd name="connsiteY2" fmla="*/ 0 h 606746"/>
+              <a:gd name="connsiteX3" fmla="*/ 1876031 w 9656043"/>
+              <a:gd name="connsiteY3" fmla="*/ 0 h 606746"/>
+              <a:gd name="connsiteX4" fmla="*/ 2469188 w 9656043"/>
+              <a:gd name="connsiteY4" fmla="*/ 0 h 606746"/>
+              <a:gd name="connsiteX5" fmla="*/ 3062345 w 9656043"/>
+              <a:gd name="connsiteY5" fmla="*/ 0 h 606746"/>
+              <a:gd name="connsiteX6" fmla="*/ 3945183 w 9656043"/>
+              <a:gd name="connsiteY6" fmla="*/ 0 h 606746"/>
+              <a:gd name="connsiteX7" fmla="*/ 4441780 w 9656043"/>
+              <a:gd name="connsiteY7" fmla="*/ 0 h 606746"/>
+              <a:gd name="connsiteX8" fmla="*/ 5324618 w 9656043"/>
+              <a:gd name="connsiteY8" fmla="*/ 0 h 606746"/>
+              <a:gd name="connsiteX9" fmla="*/ 6207456 w 9656043"/>
+              <a:gd name="connsiteY9" fmla="*/ 0 h 606746"/>
+              <a:gd name="connsiteX10" fmla="*/ 6897174 w 9656043"/>
+              <a:gd name="connsiteY10" fmla="*/ 0 h 606746"/>
+              <a:gd name="connsiteX11" fmla="*/ 7780012 w 9656043"/>
+              <a:gd name="connsiteY11" fmla="*/ 0 h 606746"/>
+              <a:gd name="connsiteX12" fmla="*/ 8373169 w 9656043"/>
+              <a:gd name="connsiteY12" fmla="*/ 0 h 606746"/>
+              <a:gd name="connsiteX13" fmla="*/ 8966326 w 9656043"/>
+              <a:gd name="connsiteY13" fmla="*/ 0 h 606746"/>
+              <a:gd name="connsiteX14" fmla="*/ 9656043 w 9656043"/>
+              <a:gd name="connsiteY14" fmla="*/ 0 h 606746"/>
+              <a:gd name="connsiteX15" fmla="*/ 9656043 w 9656043"/>
+              <a:gd name="connsiteY15" fmla="*/ 606746 h 606746"/>
+              <a:gd name="connsiteX16" fmla="*/ 8966326 w 9656043"/>
+              <a:gd name="connsiteY16" fmla="*/ 606746 h 606746"/>
+              <a:gd name="connsiteX17" fmla="*/ 8083487 w 9656043"/>
+              <a:gd name="connsiteY17" fmla="*/ 606746 h 606746"/>
+              <a:gd name="connsiteX18" fmla="*/ 7393770 w 9656043"/>
+              <a:gd name="connsiteY18" fmla="*/ 606746 h 606746"/>
+              <a:gd name="connsiteX19" fmla="*/ 6993734 w 9656043"/>
+              <a:gd name="connsiteY19" fmla="*/ 606746 h 606746"/>
+              <a:gd name="connsiteX20" fmla="*/ 6497138 w 9656043"/>
+              <a:gd name="connsiteY20" fmla="*/ 606746 h 606746"/>
+              <a:gd name="connsiteX21" fmla="*/ 5614299 w 9656043"/>
+              <a:gd name="connsiteY21" fmla="*/ 606746 h 606746"/>
+              <a:gd name="connsiteX22" fmla="*/ 4924582 w 9656043"/>
+              <a:gd name="connsiteY22" fmla="*/ 606746 h 606746"/>
+              <a:gd name="connsiteX23" fmla="*/ 4427985 w 9656043"/>
+              <a:gd name="connsiteY23" fmla="*/ 606746 h 606746"/>
+              <a:gd name="connsiteX24" fmla="*/ 3738268 w 9656043"/>
+              <a:gd name="connsiteY24" fmla="*/ 606746 h 606746"/>
+              <a:gd name="connsiteX25" fmla="*/ 3338232 w 9656043"/>
+              <a:gd name="connsiteY25" fmla="*/ 606746 h 606746"/>
+              <a:gd name="connsiteX26" fmla="*/ 2938196 w 9656043"/>
+              <a:gd name="connsiteY26" fmla="*/ 606746 h 606746"/>
+              <a:gd name="connsiteX27" fmla="*/ 2248479 w 9656043"/>
+              <a:gd name="connsiteY27" fmla="*/ 606746 h 606746"/>
+              <a:gd name="connsiteX28" fmla="*/ 1751882 w 9656043"/>
+              <a:gd name="connsiteY28" fmla="*/ 606746 h 606746"/>
+              <a:gd name="connsiteX29" fmla="*/ 965604 w 9656043"/>
+              <a:gd name="connsiteY29" fmla="*/ 606746 h 606746"/>
+              <a:gd name="connsiteX30" fmla="*/ 0 w 9656043"/>
+              <a:gd name="connsiteY30" fmla="*/ 606746 h 606746"/>
+              <a:gd name="connsiteX31" fmla="*/ 0 w 9656043"/>
+              <a:gd name="connsiteY31" fmla="*/ 0 h 606746"/>
+            </a:gdLst>
+            <a:ahLst/>
+            <a:cxnLst>
+              <a:cxn ang="0">
+                <a:pos x="connsiteX0" y="connsiteY0"/>
+              </a:cxn>
+              <a:cxn ang="0">
+                <a:pos x="connsiteX1" y="connsiteY1"/>
+              </a:cxn>
+              <a:cxn ang="0">
+                <a:pos x="connsiteX2" y="connsiteY2"/>
+              </a:cxn>
+              <a:cxn ang="0">
+                <a:pos x="connsiteX3" y="connsiteY3"/>
+              </a:cxn>
+              <a:cxn ang="0">
+                <a:pos x="connsiteX4" y="connsiteY4"/>
+              </a:cxn>
+              <a:cxn ang="0">
+                <a:pos x="connsiteX5" y="connsiteY5"/>
+              </a:cxn>
+              <a:cxn ang="0">
+                <a:pos x="connsiteX6" y="connsiteY6"/>
+              </a:cxn>
+              <a:cxn ang="0">
+                <a:pos x="connsiteX7" y="connsiteY7"/>
+              </a:cxn>
+              <a:cxn ang="0">
+                <a:pos x="connsiteX8" y="connsiteY8"/>
+              </a:cxn>
+              <a:cxn ang="0">
+                <a:pos x="connsiteX9" y="connsiteY9"/>
+              </a:cxn>
+              <a:cxn ang="0">
+                <a:pos x="connsiteX10" y="connsiteY10"/>
+              </a:cxn>
+              <a:cxn ang="0">
+                <a:pos x="connsiteX11" y="connsiteY11"/>
+              </a:cxn>
+              <a:cxn ang="0">
+                <a:pos x="connsiteX12" y="connsiteY12"/>
+              </a:cxn>
+              <a:cxn ang="0">
+                <a:pos x="connsiteX13" y="connsiteY13"/>
+              </a:cxn>
+              <a:cxn ang="0">
+                <a:pos x="connsiteX14" y="connsiteY14"/>
+              </a:cxn>
+              <a:cxn ang="0">
+                <a:pos x="connsiteX15" y="connsiteY15"/>
+              </a:cxn>
+              <a:cxn ang="0">
+                <a:pos x="connsiteX16" y="connsiteY16"/>
+              </a:cxn>
+              <a:cxn ang="0">
+                <a:pos x="connsiteX17" y="connsiteY17"/>
+              </a:cxn>
+              <a:cxn ang="0">
+                <a:pos x="connsiteX18" y="connsiteY18"/>
+              </a:cxn>
+              <a:cxn ang="0">
+                <a:pos x="connsiteX19" y="connsiteY19"/>
+              </a:cxn>
+              <a:cxn ang="0">
+                <a:pos x="connsiteX20" y="connsiteY20"/>
+              </a:cxn>
+              <a:cxn ang="0">
+                <a:pos x="connsiteX21" y="connsiteY21"/>
+              </a:cxn>
+              <a:cxn ang="0">
+                <a:pos x="connsiteX22" y="connsiteY22"/>
+              </a:cxn>
+              <a:cxn ang="0">
+                <a:pos x="connsiteX23" y="connsiteY23"/>
+              </a:cxn>
+              <a:cxn ang="0">
+                <a:pos x="connsiteX24" y="connsiteY24"/>
+              </a:cxn>
+              <a:cxn ang="0">
+                <a:pos x="connsiteX25" y="connsiteY25"/>
+              </a:cxn>
+              <a:cxn ang="0">
+                <a:pos x="connsiteX26" y="connsiteY26"/>
+              </a:cxn>
+              <a:cxn ang="0">
+                <a:pos x="connsiteX27" y="connsiteY27"/>
+              </a:cxn>
+              <a:cxn ang="0">
+                <a:pos x="connsiteX28" y="connsiteY28"/>
+              </a:cxn>
+              <a:cxn ang="0">
+                <a:pos x="connsiteX29" y="connsiteY29"/>
+              </a:cxn>
+              <a:cxn ang="0">
+                <a:pos x="connsiteX30" y="connsiteY30"/>
+              </a:cxn>
+              <a:cxn ang="0">
+                <a:pos x="connsiteX31" y="connsiteY31"/>
+              </a:cxn>
+            </a:cxnLst>
+            <a:rect l="l" t="t" r="r" b="b"/>
+            <a:pathLst>
+              <a:path w="9656043" h="606746" extrusionOk="0">
+                <a:moveTo>
+                  <a:pt x="0" y="0"/>
+                </a:moveTo>
+                <a:cubicBezTo>
+                  <a:pt x="273147" y="-19503"/>
+                  <a:pt x="382569" y="9977"/>
+                  <a:pt x="593157" y="0"/>
+                </a:cubicBezTo>
+                <a:cubicBezTo>
+                  <a:pt x="803745" y="-9977"/>
+                  <a:pt x="822000" y="-16475"/>
+                  <a:pt x="993193" y="0"/>
+                </a:cubicBezTo>
+                <a:cubicBezTo>
+                  <a:pt x="1164386" y="16475"/>
+                  <a:pt x="1567992" y="-37250"/>
+                  <a:pt x="1876031" y="0"/>
+                </a:cubicBezTo>
+                <a:cubicBezTo>
+                  <a:pt x="2184070" y="37250"/>
+                  <a:pt x="2348288" y="-16671"/>
+                  <a:pt x="2469188" y="0"/>
+                </a:cubicBezTo>
+                <a:cubicBezTo>
+                  <a:pt x="2590088" y="16671"/>
+                  <a:pt x="2899141" y="21175"/>
+                  <a:pt x="3062345" y="0"/>
+                </a:cubicBezTo>
+                <a:cubicBezTo>
+                  <a:pt x="3225549" y="-21175"/>
+                  <a:pt x="3688852" y="20241"/>
+                  <a:pt x="3945183" y="0"/>
+                </a:cubicBezTo>
+                <a:cubicBezTo>
+                  <a:pt x="4201514" y="-20241"/>
+                  <a:pt x="4265116" y="-797"/>
+                  <a:pt x="4441780" y="0"/>
+                </a:cubicBezTo>
+                <a:cubicBezTo>
+                  <a:pt x="4618444" y="797"/>
+                  <a:pt x="5073236" y="-21675"/>
+                  <a:pt x="5324618" y="0"/>
+                </a:cubicBezTo>
+                <a:cubicBezTo>
+                  <a:pt x="5576000" y="21675"/>
+                  <a:pt x="5789711" y="27636"/>
+                  <a:pt x="6207456" y="0"/>
+                </a:cubicBezTo>
+                <a:cubicBezTo>
+                  <a:pt x="6625201" y="-27636"/>
+                  <a:pt x="6635345" y="21254"/>
+                  <a:pt x="6897174" y="0"/>
+                </a:cubicBezTo>
+                <a:cubicBezTo>
+                  <a:pt x="7159003" y="-21254"/>
+                  <a:pt x="7432673" y="-26978"/>
+                  <a:pt x="7780012" y="0"/>
+                </a:cubicBezTo>
+                <a:cubicBezTo>
+                  <a:pt x="8127351" y="26978"/>
+                  <a:pt x="8147718" y="-25801"/>
+                  <a:pt x="8373169" y="0"/>
+                </a:cubicBezTo>
+                <a:cubicBezTo>
+                  <a:pt x="8598620" y="25801"/>
+                  <a:pt x="8788843" y="-16548"/>
+                  <a:pt x="8966326" y="0"/>
+                </a:cubicBezTo>
+                <a:cubicBezTo>
+                  <a:pt x="9143809" y="16548"/>
+                  <a:pt x="9460638" y="9452"/>
+                  <a:pt x="9656043" y="0"/>
+                </a:cubicBezTo>
+                <a:cubicBezTo>
+                  <a:pt x="9678916" y="145541"/>
+                  <a:pt x="9635297" y="338506"/>
+                  <a:pt x="9656043" y="606746"/>
+                </a:cubicBezTo>
+                <a:cubicBezTo>
+                  <a:pt x="9456434" y="622079"/>
+                  <a:pt x="9143795" y="625243"/>
+                  <a:pt x="8966326" y="606746"/>
+                </a:cubicBezTo>
+                <a:cubicBezTo>
+                  <a:pt x="8788857" y="588249"/>
+                  <a:pt x="8293031" y="572655"/>
+                  <a:pt x="8083487" y="606746"/>
+                </a:cubicBezTo>
+                <a:cubicBezTo>
+                  <a:pt x="7873943" y="640837"/>
+                  <a:pt x="7547021" y="609729"/>
+                  <a:pt x="7393770" y="606746"/>
+                </a:cubicBezTo>
+                <a:cubicBezTo>
+                  <a:pt x="7240519" y="603763"/>
+                  <a:pt x="7091467" y="589007"/>
+                  <a:pt x="6993734" y="606746"/>
+                </a:cubicBezTo>
+                <a:cubicBezTo>
+                  <a:pt x="6896001" y="624485"/>
+                  <a:pt x="6651122" y="607738"/>
+                  <a:pt x="6497138" y="606746"/>
+                </a:cubicBezTo>
+                <a:cubicBezTo>
+                  <a:pt x="6343154" y="605754"/>
+                  <a:pt x="6042175" y="620990"/>
+                  <a:pt x="5614299" y="606746"/>
+                </a:cubicBezTo>
+                <a:cubicBezTo>
+                  <a:pt x="5186423" y="592502"/>
+                  <a:pt x="5161090" y="582882"/>
+                  <a:pt x="4924582" y="606746"/>
+                </a:cubicBezTo>
+                <a:cubicBezTo>
+                  <a:pt x="4688074" y="630610"/>
+                  <a:pt x="4579454" y="630147"/>
+                  <a:pt x="4427985" y="606746"/>
+                </a:cubicBezTo>
+                <a:cubicBezTo>
+                  <a:pt x="4276516" y="583345"/>
+                  <a:pt x="3931101" y="577285"/>
+                  <a:pt x="3738268" y="606746"/>
+                </a:cubicBezTo>
+                <a:cubicBezTo>
+                  <a:pt x="3545435" y="636207"/>
+                  <a:pt x="3497428" y="598576"/>
+                  <a:pt x="3338232" y="606746"/>
+                </a:cubicBezTo>
+                <a:cubicBezTo>
+                  <a:pt x="3179036" y="614916"/>
+                  <a:pt x="3055128" y="609058"/>
+                  <a:pt x="2938196" y="606746"/>
+                </a:cubicBezTo>
+                <a:cubicBezTo>
+                  <a:pt x="2821264" y="604434"/>
+                  <a:pt x="2527413" y="638231"/>
+                  <a:pt x="2248479" y="606746"/>
+                </a:cubicBezTo>
+                <a:cubicBezTo>
+                  <a:pt x="1969545" y="575261"/>
+                  <a:pt x="1895381" y="597091"/>
+                  <a:pt x="1751882" y="606746"/>
+                </a:cubicBezTo>
+                <a:cubicBezTo>
+                  <a:pt x="1608383" y="616401"/>
+                  <a:pt x="1212002" y="623218"/>
+                  <a:pt x="965604" y="606746"/>
+                </a:cubicBezTo>
+                <a:cubicBezTo>
+                  <a:pt x="719206" y="590274"/>
+                  <a:pt x="398296" y="619612"/>
+                  <a:pt x="0" y="606746"/>
+                </a:cubicBezTo>
+                <a:cubicBezTo>
+                  <a:pt x="-1707" y="447897"/>
+                  <a:pt x="-2502" y="135104"/>
+                  <a:pt x="0" y="0"/>
+                </a:cubicBezTo>
+                <a:close/>
+              </a:path>
+            </a:pathLst>
+          </a:custGeom>
+          <a:noFill/>
+          <a:ln>
+            <a:solidFill>
+              <a:srgbClr val="C00000"/>
+            </a:solidFill>
+            <a:extLst>
+              <a:ext uri="{C807C97D-BFC1-408E-A445-0C87EB9F89A2}">
+                <ask:lineSketchStyleProps xmlns:ask="http://schemas.microsoft.com/office/drawing/2018/sketchyshapes" sd="1219033472">
+                  <a:prstGeom prst="rect">
+                    <a:avLst/>
+                  </a:prstGeom>
+                  <ask:type>
+                    <ask:lineSketchFreehand/>
+                  </ask:type>
+                </ask:lineSketchStyleProps>
+              </a:ext>
+            </a:extLst>
+          </a:ln>
+        </p:spPr>
+        <p:style>
+          <a:lnRef idx="2">
+            <a:schemeClr val="accent1">
+              <a:shade val="50000"/>
+            </a:schemeClr>
+          </a:lnRef>
+          <a:fillRef idx="1">
+            <a:schemeClr val="accent1"/>
+          </a:fillRef>
+          <a:effectRef idx="0">
+            <a:schemeClr val="accent1"/>
+          </a:effectRef>
+          <a:fontRef idx="minor">
+            <a:schemeClr val="lt1"/>
+          </a:fontRef>
+        </p:style>
+        <p:txBody>
+          <a:bodyPr rtlCol="0" anchor="ctr"/>
+          <a:lstStyle/>
+          <a:p>
+            <a:pPr algn="ctr"/>
+            <a:endParaRPr lang="en-US">
+              <a:solidFill>
+                <a:schemeClr val="tx1"/>
+              </a:solidFill>
+            </a:endParaRPr>
+          </a:p>
+        </p:txBody>
+      </p:sp>
+      <p:cxnSp>
+        <p:nvCxnSpPr>
+          <p:cNvPr id="23" name="Straight Arrow Connector 22">
+            <a:extLst>
+              <a:ext uri="{FF2B5EF4-FFF2-40B4-BE49-F238E27FC236}">
+                <a16:creationId xmlns:a16="http://schemas.microsoft.com/office/drawing/2014/main" id="{60680D81-5D82-428B-9371-EDC72A437225}"/>
+              </a:ext>
+            </a:extLst>
+          </p:cNvPr>
+          <p:cNvCxnSpPr>
+            <a:cxnSpLocks/>
+            <a:endCxn id="12" idx="1"/>
+          </p:cNvCxnSpPr>
+          <p:nvPr/>
+        </p:nvCxnSpPr>
+        <p:spPr>
+          <a:xfrm>
+            <a:off x="6909578" y="3466076"/>
+            <a:ext cx="2026211" cy="1058707"/>
+          </a:xfrm>
+          <a:prstGeom prst="straightConnector1">
+            <a:avLst/>
+          </a:prstGeom>
+          <a:ln w="38100">
+            <a:solidFill>
+              <a:srgbClr val="FF0000"/>
+            </a:solidFill>
+            <a:headEnd w="lg" len="lg"/>
+            <a:tailEnd type="triangle" w="lg" len="lg"/>
+          </a:ln>
+        </p:spPr>
+        <p:style>
+          <a:lnRef idx="1">
+            <a:schemeClr val="accent1"/>
+          </a:lnRef>
+          <a:fillRef idx="0">
+            <a:schemeClr val="accent1"/>
+          </a:fillRef>
+          <a:effectRef idx="0">
+            <a:schemeClr val="accent1"/>
+          </a:effectRef>
+          <a:fontRef idx="minor">
+            <a:schemeClr val="tx1"/>
+          </a:fontRef>
+        </p:style>
+      </p:cxnSp>
+      <p:cxnSp>
+        <p:nvCxnSpPr>
+          <p:cNvPr id="25" name="Straight Arrow Connector 24">
+            <a:extLst>
+              <a:ext uri="{FF2B5EF4-FFF2-40B4-BE49-F238E27FC236}">
+                <a16:creationId xmlns:a16="http://schemas.microsoft.com/office/drawing/2014/main" id="{80A0E1E5-CC21-4CFC-BBD3-BE6D779247F1}"/>
+              </a:ext>
+            </a:extLst>
+          </p:cNvPr>
+          <p:cNvCxnSpPr>
+            <a:cxnSpLocks/>
+          </p:cNvCxnSpPr>
+          <p:nvPr/>
+        </p:nvCxnSpPr>
+        <p:spPr>
+          <a:xfrm>
+            <a:off x="6567971" y="3780072"/>
+            <a:ext cx="1169260" cy="1407130"/>
+          </a:xfrm>
+          <a:prstGeom prst="straightConnector1">
+            <a:avLst/>
+          </a:prstGeom>
+          <a:ln w="38100">
+            <a:solidFill>
+              <a:srgbClr val="FF0000"/>
+            </a:solidFill>
+            <a:headEnd w="lg" len="lg"/>
+            <a:tailEnd type="triangle" w="lg" len="lg"/>
+          </a:ln>
+        </p:spPr>
+        <p:style>
+          <a:lnRef idx="1">
+            <a:schemeClr val="accent1"/>
+          </a:lnRef>
+          <a:fillRef idx="0">
+            <a:schemeClr val="accent1"/>
+          </a:fillRef>
+          <a:effectRef idx="0">
+            <a:schemeClr val="accent1"/>
+          </a:effectRef>
+          <a:fontRef idx="minor">
+            <a:schemeClr val="tx1"/>
+          </a:fontRef>
+        </p:style>
+      </p:cxnSp>
+      <p:cxnSp>
+        <p:nvCxnSpPr>
+          <p:cNvPr id="27" name="Straight Arrow Connector 26">
+            <a:extLst>
+              <a:ext uri="{FF2B5EF4-FFF2-40B4-BE49-F238E27FC236}">
+                <a16:creationId xmlns:a16="http://schemas.microsoft.com/office/drawing/2014/main" id="{90DBC59B-E3C4-4A80-8A34-F9B71BAD85F3}"/>
+              </a:ext>
+            </a:extLst>
+          </p:cNvPr>
+          <p:cNvCxnSpPr>
+            <a:cxnSpLocks/>
+          </p:cNvCxnSpPr>
+          <p:nvPr/>
+        </p:nvCxnSpPr>
+        <p:spPr>
+          <a:xfrm>
+            <a:off x="6161650" y="3779041"/>
+            <a:ext cx="0" cy="1874254"/>
+          </a:xfrm>
+          <a:prstGeom prst="straightConnector1">
+            <a:avLst/>
+          </a:prstGeom>
+          <a:ln w="38100">
+            <a:solidFill>
+              <a:srgbClr val="0070C0"/>
+            </a:solidFill>
+            <a:headEnd w="lg" len="lg"/>
+            <a:tailEnd type="triangle" w="lg" len="lg"/>
+          </a:ln>
+        </p:spPr>
+        <p:style>
+          <a:lnRef idx="1">
+            <a:schemeClr val="accent1"/>
+          </a:lnRef>
+          <a:fillRef idx="0">
+            <a:schemeClr val="accent1"/>
+          </a:fillRef>
+          <a:effectRef idx="0">
+            <a:schemeClr val="accent1"/>
+          </a:effectRef>
+          <a:fontRef idx="minor">
+            <a:schemeClr val="tx1"/>
+          </a:fontRef>
+        </p:style>
+      </p:cxnSp>
+      <p:sp>
+        <p:nvSpPr>
+          <p:cNvPr id="30" name="TextBox 29">
+            <a:extLst>
+              <a:ext uri="{FF2B5EF4-FFF2-40B4-BE49-F238E27FC236}">
+                <a16:creationId xmlns:a16="http://schemas.microsoft.com/office/drawing/2014/main" id="{D1239490-A23F-49D2-9C54-9CEF2E56ABBE}"/>
+              </a:ext>
+            </a:extLst>
+          </p:cNvPr>
+          <p:cNvSpPr txBox="1"/>
+          <p:nvPr/>
+        </p:nvSpPr>
+        <p:spPr>
+          <a:xfrm>
+            <a:off x="5373859" y="5740399"/>
+            <a:ext cx="2114842" cy="954107"/>
+          </a:xfrm>
+          <a:prstGeom prst="rect">
+            <a:avLst/>
+          </a:prstGeom>
+          <a:noFill/>
+        </p:spPr>
+        <p:txBody>
+          <a:bodyPr wrap="square" rtlCol="0">
+            <a:spAutoFit/>
+          </a:bodyPr>
+          <a:lstStyle/>
+          <a:p>
+            <a:r>
+              <a:rPr lang="en-US" sz="2800" dirty="0"/>
+              <a:t>Financial Instruments</a:t>
+            </a:r>
+          </a:p>
+        </p:txBody>
+      </p:sp>
+      <p:sp>
+        <p:nvSpPr>
+          <p:cNvPr id="31" name="Arc 30">
+            <a:extLst>
+              <a:ext uri="{FF2B5EF4-FFF2-40B4-BE49-F238E27FC236}">
+                <a16:creationId xmlns:a16="http://schemas.microsoft.com/office/drawing/2014/main" id="{BCFAD6AC-7024-466E-85E4-79651F63272E}"/>
+              </a:ext>
+            </a:extLst>
+          </p:cNvPr>
+          <p:cNvSpPr/>
+          <p:nvPr/>
+        </p:nvSpPr>
+        <p:spPr>
+          <a:xfrm rot="12868874">
+            <a:off x="4195866" y="3676003"/>
+            <a:ext cx="3833215" cy="2748400"/>
+          </a:xfrm>
+          <a:custGeom>
+            <a:avLst/>
+            <a:gdLst>
+              <a:gd name="connsiteX0" fmla="*/ 1916607 w 3833215"/>
+              <a:gd name="connsiteY0" fmla="*/ 0 h 2748400"/>
+              <a:gd name="connsiteX1" fmla="*/ 3283731 w 3833215"/>
+              <a:gd name="connsiteY1" fmla="*/ 411086 h 2748400"/>
+              <a:gd name="connsiteX2" fmla="*/ 3631826 w 3833215"/>
+              <a:gd name="connsiteY2" fmla="*/ 1987392 h 2748400"/>
+              <a:gd name="connsiteX3" fmla="*/ 1916608 w 3833215"/>
+              <a:gd name="connsiteY3" fmla="*/ 1374200 h 2748400"/>
+              <a:gd name="connsiteX4" fmla="*/ 1916607 w 3833215"/>
+              <a:gd name="connsiteY4" fmla="*/ 0 h 2748400"/>
+              <a:gd name="connsiteX0" fmla="*/ 1916607 w 3833215"/>
+              <a:gd name="connsiteY0" fmla="*/ 0 h 2748400"/>
+              <a:gd name="connsiteX1" fmla="*/ 3283731 w 3833215"/>
+              <a:gd name="connsiteY1" fmla="*/ 411086 h 2748400"/>
+              <a:gd name="connsiteX2" fmla="*/ 3631826 w 3833215"/>
+              <a:gd name="connsiteY2" fmla="*/ 1987392 h 2748400"/>
+            </a:gdLst>
+            <a:ahLst/>
+            <a:cxnLst>
+              <a:cxn ang="0">
+                <a:pos x="connsiteX0" y="connsiteY0"/>
+              </a:cxn>
+              <a:cxn ang="0">
+                <a:pos x="connsiteX1" y="connsiteY1"/>
+              </a:cxn>
+              <a:cxn ang="0">
+                <a:pos x="connsiteX2" y="connsiteY2"/>
+              </a:cxn>
+            </a:cxnLst>
+            <a:rect l="l" t="t" r="r" b="b"/>
+            <a:pathLst>
+              <a:path w="3833215" h="2748400" stroke="0" extrusionOk="0">
+                <a:moveTo>
+                  <a:pt x="1916607" y="0"/>
+                </a:moveTo>
+                <a:cubicBezTo>
+                  <a:pt x="2399689" y="-19173"/>
+                  <a:pt x="2891099" y="160237"/>
+                  <a:pt x="3283731" y="411086"/>
+                </a:cubicBezTo>
+                <a:cubicBezTo>
+                  <a:pt x="3873276" y="832853"/>
+                  <a:pt x="3988063" y="1462810"/>
+                  <a:pt x="3631826" y="1987392"/>
+                </a:cubicBezTo>
+                <a:cubicBezTo>
+                  <a:pt x="3460078" y="1896484"/>
+                  <a:pt x="2472992" y="1485014"/>
+                  <a:pt x="1916608" y="1374200"/>
+                </a:cubicBezTo>
+                <a:cubicBezTo>
+                  <a:pt x="1893633" y="903563"/>
+                  <a:pt x="1980649" y="488667"/>
+                  <a:pt x="1916607" y="0"/>
+                </a:cubicBezTo>
+                <a:close/>
+              </a:path>
+              <a:path w="3833215" h="2748400" fill="none" extrusionOk="0">
+                <a:moveTo>
+                  <a:pt x="1916607" y="0"/>
+                </a:moveTo>
+                <a:cubicBezTo>
+                  <a:pt x="2515439" y="10044"/>
+                  <a:pt x="2959247" y="74300"/>
+                  <a:pt x="3283731" y="411086"/>
+                </a:cubicBezTo>
+                <a:cubicBezTo>
+                  <a:pt x="3842275" y="827172"/>
+                  <a:pt x="3979309" y="1479019"/>
+                  <a:pt x="3631826" y="1987392"/>
+                </a:cubicBezTo>
+              </a:path>
+            </a:pathLst>
+          </a:custGeom>
+          <a:ln w="50800">
+            <a:solidFill>
+              <a:srgbClr val="92D050"/>
+            </a:solidFill>
+            <a:headEnd type="none"/>
+            <a:tailEnd type="triangle" w="lg" len="lg"/>
+            <a:extLst>
+              <a:ext uri="{C807C97D-BFC1-408E-A445-0C87EB9F89A2}">
+                <ask:lineSketchStyleProps xmlns:ask="http://schemas.microsoft.com/office/drawing/2018/sketchyshapes" sd="1219033472">
+                  <a:prstGeom prst="arc">
+                    <a:avLst>
+                      <a:gd name="adj1" fmla="val 16200000"/>
+                      <a:gd name="adj2" fmla="val 1180320"/>
+                    </a:avLst>
+                  </a:prstGeom>
+                  <ask:type>
+                    <ask:lineSketchCurved/>
+                  </ask:type>
+                </ask:lineSketchStyleProps>
+              </a:ext>
+            </a:extLst>
+          </a:ln>
+        </p:spPr>
+        <p:style>
+          <a:lnRef idx="1">
+            <a:schemeClr val="accent1"/>
+          </a:lnRef>
+          <a:fillRef idx="0">
+            <a:schemeClr val="accent1"/>
+          </a:fillRef>
+          <a:effectRef idx="0">
+            <a:schemeClr val="accent1"/>
+          </a:effectRef>
+          <a:fontRef idx="minor">
+            <a:schemeClr val="tx1"/>
+          </a:fontRef>
+        </p:style>
+        <p:txBody>
+          <a:bodyPr rtlCol="0" anchor="ctr"/>
+          <a:lstStyle/>
+          <a:p>
+            <a:pPr algn="ctr"/>
+            <a:endParaRPr lang="en-US"/>
+          </a:p>
+        </p:txBody>
+      </p:sp>
+      <p:sp>
+        <p:nvSpPr>
+          <p:cNvPr id="14" name="TextBox 13">
+            <a:extLst>
+              <a:ext uri="{FF2B5EF4-FFF2-40B4-BE49-F238E27FC236}">
+                <a16:creationId xmlns:a16="http://schemas.microsoft.com/office/drawing/2014/main" id="{C7AD347B-8150-4671-ACD7-F8B263F6F7EE}"/>
+              </a:ext>
+            </a:extLst>
+          </p:cNvPr>
+          <p:cNvSpPr txBox="1"/>
+          <p:nvPr/>
+        </p:nvSpPr>
+        <p:spPr>
+          <a:xfrm>
+            <a:off x="5219115" y="2627585"/>
+            <a:ext cx="1732670" cy="1107996"/>
+          </a:xfrm>
+          <a:prstGeom prst="rect">
+            <a:avLst/>
+          </a:prstGeom>
+          <a:noFill/>
+        </p:spPr>
+        <p:txBody>
+          <a:bodyPr wrap="square" rtlCol="0">
+            <a:spAutoFit/>
+          </a:bodyPr>
+          <a:lstStyle/>
+          <a:p>
+            <a:pPr algn="ctr"/>
+            <a:r>
+              <a:rPr lang="en-US" sz="3300" b="1" dirty="0"/>
+              <a:t>General Insurer</a:t>
+            </a:r>
+          </a:p>
+        </p:txBody>
+      </p:sp>
+      <p:sp>
+        <p:nvSpPr>
+          <p:cNvPr id="21" name="TextBox 20">
+            <a:extLst>
+              <a:ext uri="{FF2B5EF4-FFF2-40B4-BE49-F238E27FC236}">
+                <a16:creationId xmlns:a16="http://schemas.microsoft.com/office/drawing/2014/main" id="{9AB33259-3FAF-4796-ACC1-44FB7AED249C}"/>
+              </a:ext>
+            </a:extLst>
+          </p:cNvPr>
+          <p:cNvSpPr txBox="1"/>
+          <p:nvPr/>
+        </p:nvSpPr>
+        <p:spPr>
+          <a:xfrm>
+            <a:off x="2895205" y="2270894"/>
+            <a:ext cx="2393852" cy="523220"/>
+          </a:xfrm>
+          <a:prstGeom prst="rect">
+            <a:avLst/>
+          </a:prstGeom>
+          <a:noFill/>
+        </p:spPr>
+        <p:txBody>
+          <a:bodyPr wrap="square" rtlCol="0">
+            <a:spAutoFit/>
+          </a:bodyPr>
+          <a:lstStyle/>
+          <a:p>
+            <a:r>
+              <a:rPr lang="en-US" sz="2800" dirty="0">
+                <a:highlight>
+                  <a:srgbClr val="FFFF00"/>
+                </a:highlight>
+              </a:rPr>
+              <a:t>UW Gain/Loss</a:t>
+            </a:r>
+          </a:p>
+        </p:txBody>
+      </p:sp>
+      <p:sp>
+        <p:nvSpPr>
+          <p:cNvPr id="24" name="TextBox 23">
+            <a:extLst>
+              <a:ext uri="{FF2B5EF4-FFF2-40B4-BE49-F238E27FC236}">
+                <a16:creationId xmlns:a16="http://schemas.microsoft.com/office/drawing/2014/main" id="{658768CF-BA9B-4000-91BC-7A147CAF6384}"/>
+              </a:ext>
+            </a:extLst>
+          </p:cNvPr>
+          <p:cNvSpPr txBox="1"/>
+          <p:nvPr/>
+        </p:nvSpPr>
+        <p:spPr>
+          <a:xfrm>
+            <a:off x="3283648" y="4102378"/>
+            <a:ext cx="2393852" cy="954107"/>
+          </a:xfrm>
+          <a:prstGeom prst="rect">
+            <a:avLst/>
+          </a:prstGeom>
+          <a:noFill/>
+        </p:spPr>
+        <p:txBody>
+          <a:bodyPr wrap="square" rtlCol="0">
+            <a:spAutoFit/>
+          </a:bodyPr>
+          <a:lstStyle/>
+          <a:p>
+            <a:r>
+              <a:rPr lang="en-US" sz="2800" dirty="0">
+                <a:highlight>
+                  <a:srgbClr val="FFFF00"/>
+                </a:highlight>
+              </a:rPr>
+              <a:t>Investment Profit/Loss  </a:t>
+            </a:r>
+          </a:p>
+        </p:txBody>
+      </p:sp>
+      <p:sp>
+        <p:nvSpPr>
+          <p:cNvPr id="2" name="Oval 1">
+            <a:extLst>
+              <a:ext uri="{FF2B5EF4-FFF2-40B4-BE49-F238E27FC236}">
+                <a16:creationId xmlns:a16="http://schemas.microsoft.com/office/drawing/2014/main" id="{E7B19CE5-E444-4818-8791-63E7D8521651}"/>
+              </a:ext>
+            </a:extLst>
+          </p:cNvPr>
+          <p:cNvSpPr/>
+          <p:nvPr/>
+        </p:nvSpPr>
+        <p:spPr>
+          <a:xfrm>
+            <a:off x="2448286" y="1661581"/>
+            <a:ext cx="3251977" cy="3653992"/>
+          </a:xfrm>
+          <a:custGeom>
+            <a:avLst/>
+            <a:gdLst>
+              <a:gd name="connsiteX0" fmla="*/ 0 w 3251977"/>
+              <a:gd name="connsiteY0" fmla="*/ 1826996 h 3653992"/>
+              <a:gd name="connsiteX1" fmla="*/ 1625989 w 3251977"/>
+              <a:gd name="connsiteY1" fmla="*/ 0 h 3653992"/>
+              <a:gd name="connsiteX2" fmla="*/ 3251978 w 3251977"/>
+              <a:gd name="connsiteY2" fmla="*/ 1826996 h 3653992"/>
+              <a:gd name="connsiteX3" fmla="*/ 1625989 w 3251977"/>
+              <a:gd name="connsiteY3" fmla="*/ 3653992 h 3653992"/>
+              <a:gd name="connsiteX4" fmla="*/ 0 w 3251977"/>
+              <a:gd name="connsiteY4" fmla="*/ 1826996 h 3653992"/>
+            </a:gdLst>
+            <a:ahLst/>
+            <a:cxnLst>
+              <a:cxn ang="0">
+                <a:pos x="connsiteX0" y="connsiteY0"/>
+              </a:cxn>
+              <a:cxn ang="0">
+                <a:pos x="connsiteX1" y="connsiteY1"/>
+              </a:cxn>
+              <a:cxn ang="0">
+                <a:pos x="connsiteX2" y="connsiteY2"/>
+              </a:cxn>
+              <a:cxn ang="0">
+                <a:pos x="connsiteX3" y="connsiteY3"/>
+              </a:cxn>
+              <a:cxn ang="0">
+                <a:pos x="connsiteX4" y="connsiteY4"/>
+              </a:cxn>
+            </a:cxnLst>
+            <a:rect l="l" t="t" r="r" b="b"/>
+            <a:pathLst>
+              <a:path w="3251977" h="3653992" extrusionOk="0">
+                <a:moveTo>
+                  <a:pt x="0" y="1826996"/>
+                </a:moveTo>
+                <a:cubicBezTo>
+                  <a:pt x="-129453" y="738124"/>
+                  <a:pt x="558732" y="63522"/>
+                  <a:pt x="1625989" y="0"/>
+                </a:cubicBezTo>
+                <a:cubicBezTo>
+                  <a:pt x="2694450" y="35884"/>
+                  <a:pt x="3029110" y="825061"/>
+                  <a:pt x="3251978" y="1826996"/>
+                </a:cubicBezTo>
+                <a:cubicBezTo>
+                  <a:pt x="3161750" y="2924130"/>
+                  <a:pt x="2495252" y="3812879"/>
+                  <a:pt x="1625989" y="3653992"/>
+                </a:cubicBezTo>
+                <a:cubicBezTo>
+                  <a:pt x="658985" y="3616243"/>
+                  <a:pt x="202768" y="2932902"/>
+                  <a:pt x="0" y="1826996"/>
+                </a:cubicBezTo>
+                <a:close/>
+              </a:path>
+            </a:pathLst>
+          </a:custGeom>
+          <a:noFill/>
+          <a:ln w="50800">
+            <a:prstDash val="lgDash"/>
+            <a:extLst>
+              <a:ext uri="{C807C97D-BFC1-408E-A445-0C87EB9F89A2}">
+                <ask:lineSketchStyleProps xmlns:ask="http://schemas.microsoft.com/office/drawing/2018/sketchyshapes" sd="1219033472">
+                  <a:prstGeom prst="ellipse">
+                    <a:avLst/>
+                  </a:prstGeom>
+                  <ask:type>
+                    <ask:lineSketchFreehand/>
+                  </ask:type>
+                </ask:lineSketchStyleProps>
+              </a:ext>
+            </a:extLst>
+          </a:ln>
+        </p:spPr>
+        <p:style>
+          <a:lnRef idx="2">
+            <a:schemeClr val="accent1">
+              <a:shade val="50000"/>
+            </a:schemeClr>
+          </a:lnRef>
+          <a:fillRef idx="1">
+            <a:schemeClr val="accent1"/>
+          </a:fillRef>
+          <a:effectRef idx="0">
+            <a:schemeClr val="accent1"/>
+          </a:effectRef>
+          <a:fontRef idx="minor">
+            <a:schemeClr val="lt1"/>
+          </a:fontRef>
+        </p:style>
+        <p:txBody>
+          <a:bodyPr rtlCol="0" anchor="ctr"/>
+          <a:lstStyle/>
+          <a:p>
+            <a:pPr algn="ctr"/>
+            <a:endParaRPr lang="en-US"/>
+          </a:p>
+        </p:txBody>
+      </p:sp>
+      <p:sp>
+        <p:nvSpPr>
+          <p:cNvPr id="26" name="TextBox 25">
+            <a:extLst>
+              <a:ext uri="{FF2B5EF4-FFF2-40B4-BE49-F238E27FC236}">
+                <a16:creationId xmlns:a16="http://schemas.microsoft.com/office/drawing/2014/main" id="{D89EAB9C-B0C1-4F15-A3ED-DB5496096AEC}"/>
+              </a:ext>
+            </a:extLst>
+          </p:cNvPr>
+          <p:cNvSpPr txBox="1"/>
+          <p:nvPr/>
+        </p:nvSpPr>
+        <p:spPr>
+          <a:xfrm>
+            <a:off x="2651900" y="1002409"/>
+            <a:ext cx="3144818" cy="523220"/>
+          </a:xfrm>
+          <a:prstGeom prst="rect">
+            <a:avLst/>
+          </a:prstGeom>
+          <a:noFill/>
+        </p:spPr>
+        <p:txBody>
+          <a:bodyPr wrap="square" rtlCol="0">
+            <a:spAutoFit/>
+          </a:bodyPr>
+          <a:lstStyle/>
+          <a:p>
+            <a:r>
+              <a:rPr lang="en-US" sz="2800" b="1" i="1" dirty="0">
+                <a:solidFill>
+                  <a:srgbClr val="0070C0"/>
+                </a:solidFill>
+                <a:highlight>
+                  <a:srgbClr val="FFFF00"/>
+                </a:highlight>
+              </a:rPr>
+              <a:t>Operating Result</a:t>
+            </a:r>
+          </a:p>
+        </p:txBody>
+      </p:sp>
+    </p:spTree>
+    <p:extLst>
+      <p:ext uri="{BB962C8B-B14F-4D97-AF65-F5344CB8AC3E}">
+        <p14:creationId xmlns:p14="http://schemas.microsoft.com/office/powerpoint/2010/main" val="913583188"/>
+      </p:ext>
+    </p:extLst>
+  </p:cSld>
+  <p:clrMapOvr>
+    <a:masterClrMapping/>
+  </p:clrMapOvr>
+</p:sld>
+</file>
+
+<file path=ppt/slides/slide4.xml><?xml version="1.0" encoding="utf-8"?>
+<p:sld xmlns:a="http://schemas.openxmlformats.org/drawingml/2006/main" xmlns:r="http://schemas.openxmlformats.org/officeDocument/2006/relationships" xmlns:p="http://schemas.openxmlformats.org/presentationml/2006/main">
+  <p:cSld>
+    <p:spTree>
+      <p:nvGrpSpPr>
+        <p:cNvPr id="1" name=""/>
+        <p:cNvGrpSpPr/>
+        <p:nvPr/>
+      </p:nvGrpSpPr>
+      <p:grpSpPr>
+        <a:xfrm>
+          <a:off x="0" y="0"/>
+          <a:ext cx="0" cy="0"/>
+          <a:chOff x="0" y="0"/>
+          <a:chExt cx="0" cy="0"/>
+        </a:xfrm>
+      </p:grpSpPr>
+      <p:pic>
+        <p:nvPicPr>
+          <p:cNvPr id="2" name="Picture 1">
+            <a:extLst>
+              <a:ext uri="{FF2B5EF4-FFF2-40B4-BE49-F238E27FC236}">
+                <a16:creationId xmlns:a16="http://schemas.microsoft.com/office/drawing/2014/main" id="{8B0B9518-46AA-4301-A646-603D0A9434B8}"/>
+              </a:ext>
+            </a:extLst>
+          </p:cNvPr>
+          <p:cNvPicPr>
+            <a:picLocks noChangeAspect="1"/>
+          </p:cNvPicPr>
+          <p:nvPr/>
+        </p:nvPicPr>
+        <p:blipFill>
+          <a:blip r:embed="rId2"/>
+          <a:stretch>
+            <a:fillRect/>
+          </a:stretch>
+        </p:blipFill>
+        <p:spPr>
+          <a:xfrm>
+            <a:off x="1766873" y="1060753"/>
+            <a:ext cx="8658254" cy="4736493"/>
+          </a:xfrm>
+          <a:prstGeom prst="rect">
+            <a:avLst/>
+          </a:prstGeom>
+        </p:spPr>
+      </p:pic>
+      <p:pic>
+        <p:nvPicPr>
+          <p:cNvPr id="10" name="Picture 2" descr="Image result for reinsurance">
+            <a:extLst>
+              <a:ext uri="{FF2B5EF4-FFF2-40B4-BE49-F238E27FC236}">
+                <a16:creationId xmlns:a16="http://schemas.microsoft.com/office/drawing/2014/main" id="{23E92C9D-2EA8-4FA1-98CD-F03A09E216E9}"/>
+              </a:ext>
+            </a:extLst>
+          </p:cNvPr>
+          <p:cNvPicPr>
+            <a:picLocks noChangeAspect="1" noChangeArrowheads="1"/>
+          </p:cNvPicPr>
+          <p:nvPr/>
+        </p:nvPicPr>
+        <p:blipFill rotWithShape="1">
+          <a:blip r:embed="rId3">
+            <a:extLst>
+              <a:ext uri="{28A0092B-C50C-407E-A947-70E740481C1C}">
+                <a14:useLocalDpi xmlns:a14="http://schemas.microsoft.com/office/drawing/2010/main" val="0"/>
+              </a:ext>
+            </a:extLst>
+          </a:blip>
+          <a:srcRect l="20174" r="21466"/>
+          <a:stretch/>
+        </p:blipFill>
+        <p:spPr bwMode="auto">
+          <a:xfrm>
+            <a:off x="2341" y="5552667"/>
+            <a:ext cx="1352390" cy="1305333"/>
+          </a:xfrm>
+          <a:prstGeom prst="rect">
+            <a:avLst/>
+          </a:prstGeom>
+          <a:noFill/>
+          <a:extLst>
+            <a:ext uri="{909E8E84-426E-40DD-AFC4-6F175D3DCCD1}">
+              <a14:hiddenFill xmlns:a14="http://schemas.microsoft.com/office/drawing/2010/main">
+                <a:solidFill>
+                  <a:srgbClr val="FFFFFF"/>
+                </a:solidFill>
+              </a14:hiddenFill>
+            </a:ext>
+          </a:extLst>
+        </p:spPr>
+      </p:pic>
+      <p:sp>
+        <p:nvSpPr>
+          <p:cNvPr id="11" name="TextBox 10">
+            <a:extLst>
+              <a:ext uri="{FF2B5EF4-FFF2-40B4-BE49-F238E27FC236}">
+                <a16:creationId xmlns:a16="http://schemas.microsoft.com/office/drawing/2014/main" id="{B808A12D-95C3-4701-A6D0-B19B723ED698}"/>
+              </a:ext>
+            </a:extLst>
+          </p:cNvPr>
+          <p:cNvSpPr txBox="1"/>
+          <p:nvPr/>
+        </p:nvSpPr>
+        <p:spPr>
+          <a:xfrm>
+            <a:off x="14068" y="14068"/>
+            <a:ext cx="6203852" cy="523220"/>
+          </a:xfrm>
+          <a:prstGeom prst="rect">
+            <a:avLst/>
+          </a:prstGeom>
+          <a:noFill/>
+        </p:spPr>
+        <p:txBody>
+          <a:bodyPr wrap="square" rtlCol="0">
+            <a:spAutoFit/>
+          </a:bodyPr>
+          <a:lstStyle/>
+          <a:p>
+            <a:r>
+              <a:rPr lang="en-US" sz="2800" b="1" dirty="0"/>
+              <a:t>The Rising Trend of Underwriting Losses</a:t>
+            </a:r>
+          </a:p>
+        </p:txBody>
+      </p:sp>
+      <p:cxnSp>
+        <p:nvCxnSpPr>
+          <p:cNvPr id="12" name="Straight Arrow Connector 11">
+            <a:extLst>
+              <a:ext uri="{FF2B5EF4-FFF2-40B4-BE49-F238E27FC236}">
+                <a16:creationId xmlns:a16="http://schemas.microsoft.com/office/drawing/2014/main" id="{531882D0-E377-403D-9C99-6D01F87EC7FF}"/>
+              </a:ext>
+            </a:extLst>
+          </p:cNvPr>
+          <p:cNvCxnSpPr>
+            <a:cxnSpLocks/>
+          </p:cNvCxnSpPr>
+          <p:nvPr/>
+        </p:nvCxnSpPr>
+        <p:spPr>
+          <a:xfrm>
+            <a:off x="1097280" y="4473526"/>
+            <a:ext cx="862361" cy="407964"/>
+          </a:xfrm>
+          <a:prstGeom prst="straightConnector1">
+            <a:avLst/>
+          </a:prstGeom>
+          <a:ln w="38100">
+            <a:solidFill>
+              <a:srgbClr val="92D050"/>
+            </a:solidFill>
+            <a:headEnd w="lg" len="lg"/>
+            <a:tailEnd type="triangle" w="lg" len="lg"/>
+          </a:ln>
+        </p:spPr>
+        <p:style>
+          <a:lnRef idx="1">
+            <a:schemeClr val="accent1"/>
+          </a:lnRef>
+          <a:fillRef idx="0">
+            <a:schemeClr val="accent1"/>
+          </a:fillRef>
+          <a:effectRef idx="0">
+            <a:schemeClr val="accent1"/>
+          </a:effectRef>
+          <a:fontRef idx="minor">
+            <a:schemeClr val="tx1"/>
+          </a:fontRef>
+        </p:style>
+      </p:cxnSp>
+      <p:cxnSp>
+        <p:nvCxnSpPr>
+          <p:cNvPr id="13" name="Straight Arrow Connector 12">
+            <a:extLst>
+              <a:ext uri="{FF2B5EF4-FFF2-40B4-BE49-F238E27FC236}">
+                <a16:creationId xmlns:a16="http://schemas.microsoft.com/office/drawing/2014/main" id="{6DD6F67E-7E0B-474C-8D92-80821E085A5C}"/>
+              </a:ext>
+            </a:extLst>
+          </p:cNvPr>
+          <p:cNvCxnSpPr>
+            <a:cxnSpLocks/>
+          </p:cNvCxnSpPr>
+          <p:nvPr/>
+        </p:nvCxnSpPr>
+        <p:spPr>
+          <a:xfrm>
+            <a:off x="1097279" y="1241598"/>
+            <a:ext cx="862361" cy="407964"/>
+          </a:xfrm>
+          <a:prstGeom prst="straightConnector1">
+            <a:avLst/>
+          </a:prstGeom>
+          <a:ln w="38100">
+            <a:solidFill>
+              <a:srgbClr val="FF0000"/>
+            </a:solidFill>
+            <a:headEnd w="lg" len="lg"/>
+            <a:tailEnd type="triangle" w="lg" len="lg"/>
+          </a:ln>
+        </p:spPr>
+        <p:style>
+          <a:lnRef idx="1">
+            <a:schemeClr val="accent1"/>
+          </a:lnRef>
+          <a:fillRef idx="0">
+            <a:schemeClr val="accent1"/>
+          </a:fillRef>
+          <a:effectRef idx="0">
+            <a:schemeClr val="accent1"/>
+          </a:effectRef>
+          <a:fontRef idx="minor">
+            <a:schemeClr val="tx1"/>
+          </a:fontRef>
+        </p:style>
+      </p:cxnSp>
+      <p:cxnSp>
+        <p:nvCxnSpPr>
+          <p:cNvPr id="14" name="Straight Arrow Connector 13">
+            <a:extLst>
+              <a:ext uri="{FF2B5EF4-FFF2-40B4-BE49-F238E27FC236}">
+                <a16:creationId xmlns:a16="http://schemas.microsoft.com/office/drawing/2014/main" id="{7DFF3EAC-4C20-4C1A-A3F4-6166464B01D9}"/>
+              </a:ext>
+            </a:extLst>
+          </p:cNvPr>
+          <p:cNvCxnSpPr>
+            <a:cxnSpLocks/>
+          </p:cNvCxnSpPr>
+          <p:nvPr/>
+        </p:nvCxnSpPr>
+        <p:spPr>
+          <a:xfrm flipH="1">
+            <a:off x="9933677" y="1267389"/>
+            <a:ext cx="645228" cy="356382"/>
+          </a:xfrm>
+          <a:prstGeom prst="straightConnector1">
+            <a:avLst/>
+          </a:prstGeom>
+          <a:ln w="38100">
+            <a:solidFill>
+              <a:srgbClr val="FF0000"/>
+            </a:solidFill>
+            <a:headEnd w="lg" len="lg"/>
+            <a:tailEnd type="triangle" w="lg" len="lg"/>
+          </a:ln>
+        </p:spPr>
+        <p:style>
+          <a:lnRef idx="1">
+            <a:schemeClr val="accent1"/>
+          </a:lnRef>
+          <a:fillRef idx="0">
+            <a:schemeClr val="accent1"/>
+          </a:fillRef>
+          <a:effectRef idx="0">
+            <a:schemeClr val="accent1"/>
+          </a:effectRef>
+          <a:fontRef idx="minor">
+            <a:schemeClr val="tx1"/>
+          </a:fontRef>
+        </p:style>
+      </p:cxnSp>
+      <p:cxnSp>
+        <p:nvCxnSpPr>
+          <p:cNvPr id="16" name="Straight Arrow Connector 15">
+            <a:extLst>
+              <a:ext uri="{FF2B5EF4-FFF2-40B4-BE49-F238E27FC236}">
+                <a16:creationId xmlns:a16="http://schemas.microsoft.com/office/drawing/2014/main" id="{1F860A6B-50B0-40BE-8645-E7ED75C14980}"/>
+              </a:ext>
+            </a:extLst>
+          </p:cNvPr>
+          <p:cNvCxnSpPr>
+            <a:cxnSpLocks/>
+          </p:cNvCxnSpPr>
+          <p:nvPr/>
+        </p:nvCxnSpPr>
+        <p:spPr>
+          <a:xfrm flipH="1">
+            <a:off x="7587632" y="4525108"/>
+            <a:ext cx="645228" cy="356382"/>
+          </a:xfrm>
+          <a:prstGeom prst="straightConnector1">
+            <a:avLst/>
+          </a:prstGeom>
+          <a:ln w="38100">
+            <a:solidFill>
+              <a:srgbClr val="92D050"/>
+            </a:solidFill>
+            <a:headEnd w="lg" len="lg"/>
+            <a:tailEnd type="triangle" w="lg" len="lg"/>
+          </a:ln>
+        </p:spPr>
+        <p:style>
+          <a:lnRef idx="1">
+            <a:schemeClr val="accent1"/>
+          </a:lnRef>
+          <a:fillRef idx="0">
+            <a:schemeClr val="accent1"/>
+          </a:fillRef>
+          <a:effectRef idx="0">
+            <a:schemeClr val="accent1"/>
+          </a:effectRef>
+          <a:fontRef idx="minor">
+            <a:schemeClr val="tx1"/>
+          </a:fontRef>
+        </p:style>
+      </p:cxnSp>
+    </p:spTree>
+    <p:extLst>
+      <p:ext uri="{BB962C8B-B14F-4D97-AF65-F5344CB8AC3E}">
+        <p14:creationId xmlns:p14="http://schemas.microsoft.com/office/powerpoint/2010/main" val="1221855015"/>
+      </p:ext>
+    </p:extLst>
+  </p:cSld>
+  <p:clrMapOvr>
+    <a:masterClrMapping/>
+  </p:clrMapOvr>
+</p:sld>
+</file>
+
+<file path=ppt/slides/slide5.xml><?xml version="1.0" encoding="utf-8"?>
+<p:sld xmlns:a="http://schemas.openxmlformats.org/drawingml/2006/main" xmlns:r="http://schemas.openxmlformats.org/officeDocument/2006/relationships" xmlns:p="http://schemas.openxmlformats.org/presentationml/2006/main">
+  <p:cSld>
+    <p:spTree>
+      <p:nvGrpSpPr>
+        <p:cNvPr id="1" name=""/>
+        <p:cNvGrpSpPr/>
+        <p:nvPr/>
+      </p:nvGrpSpPr>
+      <p:grpSpPr>
+        <a:xfrm>
+          <a:off x="0" y="0"/>
+          <a:ext cx="0" cy="0"/>
+          <a:chOff x="0" y="0"/>
+          <a:chExt cx="0" cy="0"/>
+        </a:xfrm>
+      </p:grpSpPr>
+      <p:pic>
+        <p:nvPicPr>
+          <p:cNvPr id="2" name="Picture 1">
+            <a:extLst>
+              <a:ext uri="{FF2B5EF4-FFF2-40B4-BE49-F238E27FC236}">
+                <a16:creationId xmlns:a16="http://schemas.microsoft.com/office/drawing/2014/main" id="{B4202AD3-0E9E-45C8-B8F6-555AA9BDB367}"/>
+              </a:ext>
+            </a:extLst>
+          </p:cNvPr>
+          <p:cNvPicPr>
+            <a:picLocks noChangeAspect="1"/>
+          </p:cNvPicPr>
+          <p:nvPr/>
+        </p:nvPicPr>
+        <p:blipFill>
+          <a:blip r:embed="rId2"/>
+          <a:stretch>
+            <a:fillRect/>
+          </a:stretch>
+        </p:blipFill>
+        <p:spPr>
+          <a:xfrm>
+            <a:off x="139593" y="910442"/>
+            <a:ext cx="5858693" cy="2667372"/>
+          </a:xfrm>
+          <a:prstGeom prst="rect">
+            <a:avLst/>
+          </a:prstGeom>
+        </p:spPr>
+      </p:pic>
+      <p:pic>
+        <p:nvPicPr>
+          <p:cNvPr id="3" name="Picture 2">
+            <a:extLst>
+              <a:ext uri="{FF2B5EF4-FFF2-40B4-BE49-F238E27FC236}">
+                <a16:creationId xmlns:a16="http://schemas.microsoft.com/office/drawing/2014/main" id="{63157E24-FF68-4875-90EF-F03C477820BD}"/>
+              </a:ext>
+            </a:extLst>
+          </p:cNvPr>
+          <p:cNvPicPr>
+            <a:picLocks noChangeAspect="1"/>
+          </p:cNvPicPr>
+          <p:nvPr/>
+        </p:nvPicPr>
+        <p:blipFill>
+          <a:blip r:embed="rId3"/>
+          <a:stretch>
+            <a:fillRect/>
+          </a:stretch>
+        </p:blipFill>
+        <p:spPr>
+          <a:xfrm>
+            <a:off x="6193716" y="924510"/>
+            <a:ext cx="5849166" cy="2638793"/>
+          </a:xfrm>
+          <a:prstGeom prst="rect">
+            <a:avLst/>
+          </a:prstGeom>
+        </p:spPr>
+      </p:pic>
+      <p:pic>
+        <p:nvPicPr>
+          <p:cNvPr id="4" name="Picture 3">
+            <a:extLst>
+              <a:ext uri="{FF2B5EF4-FFF2-40B4-BE49-F238E27FC236}">
+                <a16:creationId xmlns:a16="http://schemas.microsoft.com/office/drawing/2014/main" id="{EDA1EBFB-9DF2-48B9-A129-183FECE6389C}"/>
+              </a:ext>
+            </a:extLst>
+          </p:cNvPr>
+          <p:cNvPicPr>
+            <a:picLocks noChangeAspect="1"/>
+          </p:cNvPicPr>
+          <p:nvPr/>
+        </p:nvPicPr>
+        <p:blipFill>
+          <a:blip r:embed="rId4"/>
+          <a:stretch>
+            <a:fillRect/>
+          </a:stretch>
+        </p:blipFill>
+        <p:spPr>
+          <a:xfrm>
+            <a:off x="139593" y="4152386"/>
+            <a:ext cx="5896798" cy="2638793"/>
+          </a:xfrm>
+          <a:prstGeom prst="rect">
+            <a:avLst/>
+          </a:prstGeom>
+        </p:spPr>
+      </p:pic>
+      <p:pic>
+        <p:nvPicPr>
+          <p:cNvPr id="5" name="Picture 4">
+            <a:extLst>
+              <a:ext uri="{FF2B5EF4-FFF2-40B4-BE49-F238E27FC236}">
+                <a16:creationId xmlns:a16="http://schemas.microsoft.com/office/drawing/2014/main" id="{DDCD7756-7E4E-491D-87EE-4BDA6C90C3CD}"/>
+              </a:ext>
+            </a:extLst>
+          </p:cNvPr>
+          <p:cNvPicPr>
+            <a:picLocks noChangeAspect="1"/>
+          </p:cNvPicPr>
+          <p:nvPr/>
+        </p:nvPicPr>
+        <p:blipFill>
+          <a:blip r:embed="rId5"/>
+          <a:stretch>
+            <a:fillRect/>
+          </a:stretch>
+        </p:blipFill>
+        <p:spPr>
+          <a:xfrm>
+            <a:off x="6193716" y="4156927"/>
+            <a:ext cx="5877745" cy="2648320"/>
+          </a:xfrm>
+          <a:prstGeom prst="rect">
+            <a:avLst/>
+          </a:prstGeom>
+        </p:spPr>
+      </p:pic>
+      <p:sp>
+        <p:nvSpPr>
+          <p:cNvPr id="9" name="TextBox 8">
+            <a:extLst>
+              <a:ext uri="{FF2B5EF4-FFF2-40B4-BE49-F238E27FC236}">
+                <a16:creationId xmlns:a16="http://schemas.microsoft.com/office/drawing/2014/main" id="{9B08AD41-EEB3-4264-8F4F-98DAE9019A92}"/>
+              </a:ext>
+            </a:extLst>
+          </p:cNvPr>
+          <p:cNvSpPr txBox="1"/>
+          <p:nvPr/>
+        </p:nvSpPr>
+        <p:spPr>
+          <a:xfrm rot="20086271">
+            <a:off x="1352351" y="1985654"/>
+            <a:ext cx="1423851" cy="369332"/>
+          </a:xfrm>
+          <a:prstGeom prst="rect">
+            <a:avLst/>
+          </a:prstGeom>
+          <a:solidFill>
+            <a:srgbClr val="FFC000"/>
+          </a:solidFill>
+        </p:spPr>
+        <p:txBody>
+          <a:bodyPr wrap="square" rtlCol="0">
+            <a:spAutoFit/>
+          </a:bodyPr>
+          <a:lstStyle/>
+          <a:p>
+            <a:r>
+              <a:rPr lang="en-US" dirty="0"/>
+              <a:t>Ships, Planes</a:t>
+            </a:r>
+          </a:p>
+        </p:txBody>
+      </p:sp>
+      <p:sp>
+        <p:nvSpPr>
+          <p:cNvPr id="10" name="TextBox 9">
+            <a:extLst>
+              <a:ext uri="{FF2B5EF4-FFF2-40B4-BE49-F238E27FC236}">
+                <a16:creationId xmlns:a16="http://schemas.microsoft.com/office/drawing/2014/main" id="{3D3E530F-A60E-4387-B87F-C07475C3F034}"/>
+              </a:ext>
+            </a:extLst>
+          </p:cNvPr>
+          <p:cNvSpPr txBox="1"/>
+          <p:nvPr/>
+        </p:nvSpPr>
+        <p:spPr>
+          <a:xfrm rot="20086271">
+            <a:off x="7046538" y="1968558"/>
+            <a:ext cx="1570083" cy="369332"/>
+          </a:xfrm>
+          <a:prstGeom prst="rect">
+            <a:avLst/>
+          </a:prstGeom>
+          <a:solidFill>
+            <a:srgbClr val="FFC000"/>
+          </a:solidFill>
+        </p:spPr>
+        <p:txBody>
+          <a:bodyPr wrap="square" rtlCol="0">
+            <a:spAutoFit/>
+          </a:bodyPr>
+          <a:lstStyle/>
+          <a:p>
+            <a:r>
+              <a:rPr lang="en-US" dirty="0"/>
+              <a:t>Group Health</a:t>
+            </a:r>
+          </a:p>
+        </p:txBody>
+      </p:sp>
+      <p:sp>
+        <p:nvSpPr>
+          <p:cNvPr id="11" name="TextBox 10">
+            <a:extLst>
+              <a:ext uri="{FF2B5EF4-FFF2-40B4-BE49-F238E27FC236}">
+                <a16:creationId xmlns:a16="http://schemas.microsoft.com/office/drawing/2014/main" id="{53909CBF-3F7E-4050-ADE0-A2CBB88AAFEB}"/>
+              </a:ext>
+            </a:extLst>
+          </p:cNvPr>
+          <p:cNvSpPr txBox="1"/>
+          <p:nvPr/>
+        </p:nvSpPr>
+        <p:spPr>
+          <a:xfrm rot="20086271">
+            <a:off x="6987504" y="4985373"/>
+            <a:ext cx="1570083" cy="646331"/>
+          </a:xfrm>
+          <a:prstGeom prst="rect">
+            <a:avLst/>
+          </a:prstGeom>
+          <a:solidFill>
+            <a:srgbClr val="FFC000"/>
+          </a:solidFill>
+        </p:spPr>
+        <p:txBody>
+          <a:bodyPr wrap="square" rtlCol="0">
+            <a:spAutoFit/>
+          </a:bodyPr>
+          <a:lstStyle/>
+          <a:p>
+            <a:r>
+              <a:rPr lang="en-US" dirty="0"/>
+              <a:t>Negligence by professionals</a:t>
+            </a:r>
+          </a:p>
+        </p:txBody>
+      </p:sp>
+      <p:sp>
+        <p:nvSpPr>
+          <p:cNvPr id="13" name="TextBox 12">
+            <a:extLst>
+              <a:ext uri="{FF2B5EF4-FFF2-40B4-BE49-F238E27FC236}">
+                <a16:creationId xmlns:a16="http://schemas.microsoft.com/office/drawing/2014/main" id="{5A32B4B7-AC11-495E-A0B6-1DB1DCA4B2B1}"/>
+              </a:ext>
+            </a:extLst>
+          </p:cNvPr>
+          <p:cNvSpPr txBox="1"/>
+          <p:nvPr/>
+        </p:nvSpPr>
+        <p:spPr>
+          <a:xfrm rot="20086271">
+            <a:off x="1142570" y="5608991"/>
+            <a:ext cx="1570083" cy="369332"/>
+          </a:xfrm>
+          <a:prstGeom prst="rect">
+            <a:avLst/>
+          </a:prstGeom>
+          <a:solidFill>
+            <a:srgbClr val="FFC000"/>
+          </a:solidFill>
+        </p:spPr>
+        <p:txBody>
+          <a:bodyPr wrap="square" rtlCol="0">
+            <a:spAutoFit/>
+          </a:bodyPr>
+          <a:lstStyle/>
+          <a:p>
+            <a:pPr algn="ctr"/>
+            <a:r>
+              <a:rPr lang="en-US" dirty="0"/>
+              <a:t>Motor</a:t>
+            </a:r>
+          </a:p>
+        </p:txBody>
+      </p:sp>
+      <p:cxnSp>
+        <p:nvCxnSpPr>
+          <p:cNvPr id="16" name="Straight Connector 15">
+            <a:extLst>
+              <a:ext uri="{FF2B5EF4-FFF2-40B4-BE49-F238E27FC236}">
+                <a16:creationId xmlns:a16="http://schemas.microsoft.com/office/drawing/2014/main" id="{68441CB8-0CCC-4256-A884-406F04D3A459}"/>
+              </a:ext>
+            </a:extLst>
+          </p:cNvPr>
+          <p:cNvCxnSpPr>
+            <a:cxnSpLocks/>
+            <a:stCxn id="17" idx="0"/>
+          </p:cNvCxnSpPr>
+          <p:nvPr/>
+        </p:nvCxnSpPr>
+        <p:spPr>
+          <a:xfrm flipH="1" flipV="1">
+            <a:off x="5767755" y="1223889"/>
+            <a:ext cx="2" cy="1983542"/>
+          </a:xfrm>
+          <a:prstGeom prst="line">
+            <a:avLst/>
+          </a:prstGeom>
+          <a:ln>
+            <a:solidFill>
+              <a:srgbClr val="FF0000"/>
+            </a:solidFill>
+          </a:ln>
+        </p:spPr>
+        <p:style>
+          <a:lnRef idx="1">
+            <a:schemeClr val="accent1"/>
+          </a:lnRef>
+          <a:fillRef idx="0">
+            <a:schemeClr val="accent1"/>
+          </a:fillRef>
+          <a:effectRef idx="0">
+            <a:schemeClr val="accent1"/>
+          </a:effectRef>
+          <a:fontRef idx="minor">
+            <a:schemeClr val="tx1"/>
+          </a:fontRef>
+        </p:style>
+      </p:cxnSp>
+      <p:sp>
+        <p:nvSpPr>
+          <p:cNvPr id="17" name="Oval 16">
+            <a:extLst>
+              <a:ext uri="{FF2B5EF4-FFF2-40B4-BE49-F238E27FC236}">
+                <a16:creationId xmlns:a16="http://schemas.microsoft.com/office/drawing/2014/main" id="{9BE4A2A5-DF4F-48D5-8F11-379F47A2AE92}"/>
+              </a:ext>
+            </a:extLst>
+          </p:cNvPr>
+          <p:cNvSpPr/>
+          <p:nvPr/>
+        </p:nvSpPr>
+        <p:spPr>
+          <a:xfrm>
+            <a:off x="5598944" y="3207431"/>
+            <a:ext cx="337625" cy="365760"/>
+          </a:xfrm>
+          <a:prstGeom prst="ellipse">
+            <a:avLst/>
+          </a:prstGeom>
+          <a:noFill/>
+          <a:ln>
+            <a:solidFill>
+              <a:srgbClr val="FF0000"/>
+            </a:solidFill>
+          </a:ln>
+        </p:spPr>
+        <p:style>
+          <a:lnRef idx="2">
+            <a:schemeClr val="accent1">
+              <a:shade val="50000"/>
+            </a:schemeClr>
+          </a:lnRef>
+          <a:fillRef idx="1">
+            <a:schemeClr val="accent1"/>
+          </a:fillRef>
+          <a:effectRef idx="0">
+            <a:schemeClr val="accent1"/>
+          </a:effectRef>
+          <a:fontRef idx="minor">
+            <a:schemeClr val="lt1"/>
+          </a:fontRef>
+        </p:style>
+        <p:txBody>
+          <a:bodyPr rtlCol="0" anchor="ctr"/>
+          <a:lstStyle/>
+          <a:p>
+            <a:pPr algn="ctr"/>
+            <a:endParaRPr lang="en-US"/>
+          </a:p>
+        </p:txBody>
+      </p:sp>
+      <p:cxnSp>
+        <p:nvCxnSpPr>
+          <p:cNvPr id="19" name="Straight Connector 18">
+            <a:extLst>
+              <a:ext uri="{FF2B5EF4-FFF2-40B4-BE49-F238E27FC236}">
+                <a16:creationId xmlns:a16="http://schemas.microsoft.com/office/drawing/2014/main" id="{31643B8F-A71B-4641-859A-582E68F4ACAD}"/>
+              </a:ext>
+            </a:extLst>
+          </p:cNvPr>
+          <p:cNvCxnSpPr>
+            <a:cxnSpLocks/>
+            <a:stCxn id="20" idx="0"/>
+          </p:cNvCxnSpPr>
+          <p:nvPr/>
+        </p:nvCxnSpPr>
+        <p:spPr>
+          <a:xfrm flipH="1" flipV="1">
+            <a:off x="11842663" y="1221541"/>
+            <a:ext cx="2" cy="1983542"/>
+          </a:xfrm>
+          <a:prstGeom prst="line">
+            <a:avLst/>
+          </a:prstGeom>
+          <a:ln>
+            <a:solidFill>
+              <a:srgbClr val="FF0000"/>
+            </a:solidFill>
+          </a:ln>
+        </p:spPr>
+        <p:style>
+          <a:lnRef idx="1">
+            <a:schemeClr val="accent1"/>
+          </a:lnRef>
+          <a:fillRef idx="0">
+            <a:schemeClr val="accent1"/>
+          </a:fillRef>
+          <a:effectRef idx="0">
+            <a:schemeClr val="accent1"/>
+          </a:effectRef>
+          <a:fontRef idx="minor">
+            <a:schemeClr val="tx1"/>
+          </a:fontRef>
+        </p:style>
+      </p:cxnSp>
+      <p:sp>
+        <p:nvSpPr>
+          <p:cNvPr id="20" name="Oval 19">
+            <a:extLst>
+              <a:ext uri="{FF2B5EF4-FFF2-40B4-BE49-F238E27FC236}">
+                <a16:creationId xmlns:a16="http://schemas.microsoft.com/office/drawing/2014/main" id="{77A0ECEC-6903-4705-A536-A329F599E41D}"/>
+              </a:ext>
+            </a:extLst>
+          </p:cNvPr>
+          <p:cNvSpPr/>
+          <p:nvPr/>
+        </p:nvSpPr>
+        <p:spPr>
+          <a:xfrm>
+            <a:off x="11673852" y="3205083"/>
+            <a:ext cx="337625" cy="365760"/>
+          </a:xfrm>
+          <a:prstGeom prst="ellipse">
+            <a:avLst/>
+          </a:prstGeom>
+          <a:noFill/>
+          <a:ln>
+            <a:solidFill>
+              <a:srgbClr val="FF0000"/>
+            </a:solidFill>
+          </a:ln>
+        </p:spPr>
+        <p:style>
+          <a:lnRef idx="2">
+            <a:schemeClr val="accent1">
+              <a:shade val="50000"/>
+            </a:schemeClr>
+          </a:lnRef>
+          <a:fillRef idx="1">
+            <a:schemeClr val="accent1"/>
+          </a:fillRef>
+          <a:effectRef idx="0">
+            <a:schemeClr val="accent1"/>
+          </a:effectRef>
+          <a:fontRef idx="minor">
+            <a:schemeClr val="lt1"/>
+          </a:fontRef>
+        </p:style>
+        <p:txBody>
+          <a:bodyPr rtlCol="0" anchor="ctr"/>
+          <a:lstStyle/>
+          <a:p>
+            <a:pPr algn="ctr"/>
+            <a:endParaRPr lang="en-US"/>
+          </a:p>
+        </p:txBody>
+      </p:sp>
+      <p:cxnSp>
+        <p:nvCxnSpPr>
+          <p:cNvPr id="21" name="Straight Connector 20">
+            <a:extLst>
+              <a:ext uri="{FF2B5EF4-FFF2-40B4-BE49-F238E27FC236}">
+                <a16:creationId xmlns:a16="http://schemas.microsoft.com/office/drawing/2014/main" id="{F61125D5-F8FE-4809-BF28-FDC277A3E041}"/>
+              </a:ext>
+            </a:extLst>
+          </p:cNvPr>
+          <p:cNvCxnSpPr>
+            <a:cxnSpLocks/>
+            <a:stCxn id="22" idx="0"/>
+          </p:cNvCxnSpPr>
+          <p:nvPr/>
+        </p:nvCxnSpPr>
+        <p:spPr>
+          <a:xfrm flipH="1" flipV="1">
+            <a:off x="4429669" y="4394976"/>
+            <a:ext cx="2" cy="1983542"/>
+          </a:xfrm>
+          <a:prstGeom prst="line">
+            <a:avLst/>
+          </a:prstGeom>
+          <a:ln>
+            <a:solidFill>
+              <a:srgbClr val="00B050"/>
+            </a:solidFill>
+          </a:ln>
+        </p:spPr>
+        <p:style>
+          <a:lnRef idx="1">
+            <a:schemeClr val="accent1"/>
+          </a:lnRef>
+          <a:fillRef idx="0">
+            <a:schemeClr val="accent1"/>
+          </a:fillRef>
+          <a:effectRef idx="0">
+            <a:schemeClr val="accent1"/>
+          </a:effectRef>
+          <a:fontRef idx="minor">
+            <a:schemeClr val="tx1"/>
+          </a:fontRef>
+        </p:style>
+      </p:cxnSp>
+      <p:sp>
+        <p:nvSpPr>
+          <p:cNvPr id="22" name="Oval 21">
+            <a:extLst>
+              <a:ext uri="{FF2B5EF4-FFF2-40B4-BE49-F238E27FC236}">
+                <a16:creationId xmlns:a16="http://schemas.microsoft.com/office/drawing/2014/main" id="{A7F2FFC9-725C-439B-84B8-0E806B0FDCF1}"/>
+              </a:ext>
+            </a:extLst>
+          </p:cNvPr>
+          <p:cNvSpPr/>
+          <p:nvPr/>
+        </p:nvSpPr>
+        <p:spPr>
+          <a:xfrm>
+            <a:off x="4260858" y="6378518"/>
+            <a:ext cx="337625" cy="365760"/>
+          </a:xfrm>
+          <a:prstGeom prst="ellipse">
+            <a:avLst/>
+          </a:prstGeom>
+          <a:noFill/>
+          <a:ln>
+            <a:solidFill>
+              <a:srgbClr val="00B050"/>
+            </a:solidFill>
+          </a:ln>
+        </p:spPr>
+        <p:style>
+          <a:lnRef idx="2">
+            <a:schemeClr val="accent1">
+              <a:shade val="50000"/>
+            </a:schemeClr>
+          </a:lnRef>
+          <a:fillRef idx="1">
+            <a:schemeClr val="accent1"/>
+          </a:fillRef>
+          <a:effectRef idx="0">
+            <a:schemeClr val="accent1"/>
+          </a:effectRef>
+          <a:fontRef idx="minor">
+            <a:schemeClr val="lt1"/>
+          </a:fontRef>
+        </p:style>
+        <p:txBody>
+          <a:bodyPr rtlCol="0" anchor="ctr"/>
+          <a:lstStyle/>
+          <a:p>
+            <a:pPr algn="ctr"/>
+            <a:endParaRPr lang="en-US"/>
+          </a:p>
+        </p:txBody>
+      </p:sp>
+      <p:cxnSp>
+        <p:nvCxnSpPr>
+          <p:cNvPr id="23" name="Straight Connector 22">
+            <a:extLst>
+              <a:ext uri="{FF2B5EF4-FFF2-40B4-BE49-F238E27FC236}">
+                <a16:creationId xmlns:a16="http://schemas.microsoft.com/office/drawing/2014/main" id="{F823244A-DA2B-4DA5-B954-70812113B2AA}"/>
+              </a:ext>
+            </a:extLst>
+          </p:cNvPr>
+          <p:cNvCxnSpPr>
+            <a:cxnSpLocks/>
+            <a:stCxn id="24" idx="0"/>
+          </p:cNvCxnSpPr>
+          <p:nvPr/>
+        </p:nvCxnSpPr>
+        <p:spPr>
+          <a:xfrm flipH="1" flipV="1">
+            <a:off x="11867190" y="4409044"/>
+            <a:ext cx="2" cy="1983542"/>
+          </a:xfrm>
+          <a:prstGeom prst="line">
+            <a:avLst/>
+          </a:prstGeom>
+          <a:ln>
+            <a:solidFill>
+              <a:srgbClr val="00B050"/>
+            </a:solidFill>
+          </a:ln>
+        </p:spPr>
+        <p:style>
+          <a:lnRef idx="1">
+            <a:schemeClr val="accent1"/>
+          </a:lnRef>
+          <a:fillRef idx="0">
+            <a:schemeClr val="accent1"/>
+          </a:fillRef>
+          <a:effectRef idx="0">
+            <a:schemeClr val="accent1"/>
+          </a:effectRef>
+          <a:fontRef idx="minor">
+            <a:schemeClr val="tx1"/>
+          </a:fontRef>
+        </p:style>
+      </p:cxnSp>
+      <p:sp>
+        <p:nvSpPr>
+          <p:cNvPr id="24" name="Oval 23">
+            <a:extLst>
+              <a:ext uri="{FF2B5EF4-FFF2-40B4-BE49-F238E27FC236}">
+                <a16:creationId xmlns:a16="http://schemas.microsoft.com/office/drawing/2014/main" id="{82D4A508-0923-42DE-9CDD-896F0B95BB21}"/>
+              </a:ext>
+            </a:extLst>
+          </p:cNvPr>
+          <p:cNvSpPr/>
+          <p:nvPr/>
+        </p:nvSpPr>
+        <p:spPr>
+          <a:xfrm>
+            <a:off x="11698379" y="6392586"/>
+            <a:ext cx="337625" cy="365760"/>
+          </a:xfrm>
+          <a:prstGeom prst="ellipse">
+            <a:avLst/>
+          </a:prstGeom>
+          <a:noFill/>
+          <a:ln>
+            <a:solidFill>
+              <a:srgbClr val="00B050"/>
+            </a:solidFill>
+          </a:ln>
+        </p:spPr>
+        <p:style>
+          <a:lnRef idx="2">
+            <a:schemeClr val="accent1">
+              <a:shade val="50000"/>
+            </a:schemeClr>
+          </a:lnRef>
+          <a:fillRef idx="1">
+            <a:schemeClr val="accent1"/>
+          </a:fillRef>
+          <a:effectRef idx="0">
+            <a:schemeClr val="accent1"/>
+          </a:effectRef>
+          <a:fontRef idx="minor">
+            <a:schemeClr val="lt1"/>
+          </a:fontRef>
+        </p:style>
+        <p:txBody>
+          <a:bodyPr rtlCol="0" anchor="ctr"/>
+          <a:lstStyle/>
+          <a:p>
+            <a:pPr algn="ctr"/>
+            <a:endParaRPr lang="en-US"/>
+          </a:p>
+        </p:txBody>
+      </p:sp>
+      <p:pic>
+        <p:nvPicPr>
+          <p:cNvPr id="25" name="Picture 2" descr="Image result for reinsurance">
+            <a:extLst>
+              <a:ext uri="{FF2B5EF4-FFF2-40B4-BE49-F238E27FC236}">
+                <a16:creationId xmlns:a16="http://schemas.microsoft.com/office/drawing/2014/main" id="{63BD9C2B-68F4-4688-B2F9-5C16483C5A70}"/>
+              </a:ext>
+            </a:extLst>
+          </p:cNvPr>
+          <p:cNvPicPr>
+            <a:picLocks noChangeAspect="1" noChangeArrowheads="1"/>
+          </p:cNvPicPr>
+          <p:nvPr/>
+        </p:nvPicPr>
+        <p:blipFill rotWithShape="1">
+          <a:blip r:embed="rId6">
+            <a:extLst>
+              <a:ext uri="{28A0092B-C50C-407E-A947-70E740481C1C}">
+                <a14:useLocalDpi xmlns:a14="http://schemas.microsoft.com/office/drawing/2010/main" val="0"/>
+              </a:ext>
+            </a:extLst>
+          </a:blip>
+          <a:srcRect l="20174" r="21466"/>
+          <a:stretch/>
+        </p:blipFill>
+        <p:spPr bwMode="auto">
+          <a:xfrm rot="10800000">
+            <a:off x="-24910" y="-9590"/>
+            <a:ext cx="981513" cy="947361"/>
+          </a:xfrm>
+          <a:prstGeom prst="rect">
+            <a:avLst/>
+          </a:prstGeom>
+          <a:noFill/>
+          <a:extLst>
+            <a:ext uri="{909E8E84-426E-40DD-AFC4-6F175D3DCCD1}">
+              <a14:hiddenFill xmlns:a14="http://schemas.microsoft.com/office/drawing/2010/main">
+                <a:solidFill>
+                  <a:srgbClr val="FFFFFF"/>
+                </a:solidFill>
+              </a14:hiddenFill>
+            </a:ext>
+          </a:extLst>
+        </p:spPr>
+      </p:pic>
+      <p:sp>
+        <p:nvSpPr>
+          <p:cNvPr id="26" name="TextBox 25">
+            <a:extLst>
+              <a:ext uri="{FF2B5EF4-FFF2-40B4-BE49-F238E27FC236}">
+                <a16:creationId xmlns:a16="http://schemas.microsoft.com/office/drawing/2014/main" id="{BE7C9460-846E-45C9-8829-3091024ECD05}"/>
+              </a:ext>
+            </a:extLst>
+          </p:cNvPr>
+          <p:cNvSpPr txBox="1"/>
+          <p:nvPr/>
+        </p:nvSpPr>
+        <p:spPr>
+          <a:xfrm>
+            <a:off x="2994074" y="15528"/>
+            <a:ext cx="6203852" cy="523220"/>
+          </a:xfrm>
+          <a:prstGeom prst="rect">
+            <a:avLst/>
+          </a:prstGeom>
+          <a:noFill/>
+        </p:spPr>
+        <p:txBody>
+          <a:bodyPr wrap="square" rtlCol="0">
+            <a:spAutoFit/>
+          </a:bodyPr>
+          <a:lstStyle/>
+          <a:p>
+            <a:pPr algn="ctr"/>
+            <a:r>
+              <a:rPr lang="en-US" sz="2800" b="1" dirty="0"/>
+              <a:t>Losers …</a:t>
+            </a:r>
+          </a:p>
+        </p:txBody>
+      </p:sp>
+    </p:spTree>
+    <p:extLst>
+      <p:ext uri="{BB962C8B-B14F-4D97-AF65-F5344CB8AC3E}">
+        <p14:creationId xmlns:p14="http://schemas.microsoft.com/office/powerpoint/2010/main" val="2726202524"/>
+      </p:ext>
+    </p:extLst>
+  </p:cSld>
+  <p:clrMapOvr>
+    <a:masterClrMapping/>
+  </p:clrMapOvr>
+</p:sld>
+</file>
+
+<file path=ppt/slides/slide6.xml><?xml version="1.0" encoding="utf-8"?>
+<p:sld xmlns:a="http://schemas.openxmlformats.org/drawingml/2006/main" xmlns:r="http://schemas.openxmlformats.org/officeDocument/2006/relationships" xmlns:p="http://schemas.openxmlformats.org/presentationml/2006/main">
+  <p:cSld>
+    <p:spTree>
+      <p:nvGrpSpPr>
+        <p:cNvPr id="1" name=""/>
+        <p:cNvGrpSpPr/>
+        <p:nvPr/>
+      </p:nvGrpSpPr>
+      <p:grpSpPr>
+        <a:xfrm>
+          <a:off x="0" y="0"/>
+          <a:ext cx="0" cy="0"/>
+          <a:chOff x="0" y="0"/>
+          <a:chExt cx="0" cy="0"/>
+        </a:xfrm>
+      </p:grpSpPr>
+      <p:pic>
+        <p:nvPicPr>
+          <p:cNvPr id="9" name="Picture 8">
+            <a:extLst>
+              <a:ext uri="{FF2B5EF4-FFF2-40B4-BE49-F238E27FC236}">
+                <a16:creationId xmlns:a16="http://schemas.microsoft.com/office/drawing/2014/main" id="{5BAA92FB-2834-4BE7-8192-9A1779FD0934}"/>
+              </a:ext>
+            </a:extLst>
+          </p:cNvPr>
+          <p:cNvPicPr>
+            <a:picLocks noChangeAspect="1"/>
+          </p:cNvPicPr>
+          <p:nvPr/>
+        </p:nvPicPr>
+        <p:blipFill>
+          <a:blip r:embed="rId2"/>
+          <a:stretch>
+            <a:fillRect/>
+          </a:stretch>
+        </p:blipFill>
+        <p:spPr>
+          <a:xfrm>
+            <a:off x="1720046" y="1060754"/>
+            <a:ext cx="8751908" cy="4736492"/>
+          </a:xfrm>
+          <a:prstGeom prst="rect">
+            <a:avLst/>
+          </a:prstGeom>
+        </p:spPr>
+      </p:pic>
+      <p:pic>
+        <p:nvPicPr>
+          <p:cNvPr id="11" name="Picture 2" descr="Image result for reinsurance">
+            <a:extLst>
+              <a:ext uri="{FF2B5EF4-FFF2-40B4-BE49-F238E27FC236}">
+                <a16:creationId xmlns:a16="http://schemas.microsoft.com/office/drawing/2014/main" id="{47DA77DD-0A6A-4399-90CE-B9C3509F6B21}"/>
+              </a:ext>
+            </a:extLst>
+          </p:cNvPr>
+          <p:cNvPicPr>
+            <a:picLocks noChangeAspect="1" noChangeArrowheads="1"/>
+          </p:cNvPicPr>
+          <p:nvPr/>
+        </p:nvPicPr>
+        <p:blipFill rotWithShape="1">
+          <a:blip r:embed="rId3">
+            <a:extLst>
+              <a:ext uri="{28A0092B-C50C-407E-A947-70E740481C1C}">
+                <a14:useLocalDpi xmlns:a14="http://schemas.microsoft.com/office/drawing/2010/main" val="0"/>
+              </a:ext>
+            </a:extLst>
+          </a:blip>
+          <a:srcRect l="20174" r="21466"/>
+          <a:stretch/>
+        </p:blipFill>
+        <p:spPr bwMode="auto">
+          <a:xfrm>
+            <a:off x="2341" y="5566735"/>
+            <a:ext cx="1352390" cy="1305333"/>
+          </a:xfrm>
+          <a:prstGeom prst="rect">
+            <a:avLst/>
+          </a:prstGeom>
+          <a:noFill/>
+          <a:extLst>
+            <a:ext uri="{909E8E84-426E-40DD-AFC4-6F175D3DCCD1}">
+              <a14:hiddenFill xmlns:a14="http://schemas.microsoft.com/office/drawing/2010/main">
+                <a:solidFill>
+                  <a:srgbClr val="FFFFFF"/>
+                </a:solidFill>
+              </a14:hiddenFill>
+            </a:ext>
+          </a:extLst>
+        </p:spPr>
+      </p:pic>
+      <p:sp>
+        <p:nvSpPr>
+          <p:cNvPr id="12" name="TextBox 11">
+            <a:extLst>
+              <a:ext uri="{FF2B5EF4-FFF2-40B4-BE49-F238E27FC236}">
+                <a16:creationId xmlns:a16="http://schemas.microsoft.com/office/drawing/2014/main" id="{64B217E8-3B93-4794-9BE6-A81487FE3005}"/>
+              </a:ext>
+            </a:extLst>
+          </p:cNvPr>
+          <p:cNvSpPr txBox="1"/>
+          <p:nvPr/>
+        </p:nvSpPr>
+        <p:spPr>
+          <a:xfrm>
+            <a:off x="14068" y="14068"/>
+            <a:ext cx="5219115" cy="523220"/>
+          </a:xfrm>
+          <a:prstGeom prst="rect">
+            <a:avLst/>
+          </a:prstGeom>
+          <a:noFill/>
+        </p:spPr>
+        <p:txBody>
+          <a:bodyPr wrap="square" rtlCol="0">
+            <a:spAutoFit/>
+          </a:bodyPr>
+          <a:lstStyle/>
+          <a:p>
+            <a:r>
+              <a:rPr lang="en-US" sz="2800" b="1" dirty="0"/>
+              <a:t>… and yet! More Insurers!</a:t>
+            </a:r>
+          </a:p>
+        </p:txBody>
+      </p:sp>
+      <p:cxnSp>
+        <p:nvCxnSpPr>
+          <p:cNvPr id="13" name="Straight Arrow Connector 12">
+            <a:extLst>
+              <a:ext uri="{FF2B5EF4-FFF2-40B4-BE49-F238E27FC236}">
+                <a16:creationId xmlns:a16="http://schemas.microsoft.com/office/drawing/2014/main" id="{16B36290-6827-43B4-B97F-E06D29741632}"/>
+              </a:ext>
+            </a:extLst>
+          </p:cNvPr>
+          <p:cNvCxnSpPr>
+            <a:cxnSpLocks/>
+          </p:cNvCxnSpPr>
+          <p:nvPr/>
+        </p:nvCxnSpPr>
+        <p:spPr>
+          <a:xfrm flipV="1">
+            <a:off x="7934178" y="1533378"/>
+            <a:ext cx="2537776" cy="3530992"/>
+          </a:xfrm>
+          <a:prstGeom prst="straightConnector1">
+            <a:avLst/>
+          </a:prstGeom>
+          <a:ln w="38100">
+            <a:solidFill>
+              <a:srgbClr val="92D050"/>
+            </a:solidFill>
+            <a:headEnd w="lg" len="lg"/>
+            <a:tailEnd type="triangle" w="lg" len="lg"/>
+          </a:ln>
+        </p:spPr>
+        <p:style>
+          <a:lnRef idx="1">
+            <a:schemeClr val="accent1"/>
+          </a:lnRef>
+          <a:fillRef idx="0">
+            <a:schemeClr val="accent1"/>
+          </a:fillRef>
+          <a:effectRef idx="0">
+            <a:schemeClr val="accent1"/>
+          </a:effectRef>
+          <a:fontRef idx="minor">
+            <a:schemeClr val="tx1"/>
+          </a:fontRef>
+        </p:style>
+      </p:cxnSp>
+    </p:spTree>
+    <p:extLst>
+      <p:ext uri="{BB962C8B-B14F-4D97-AF65-F5344CB8AC3E}">
+        <p14:creationId xmlns:p14="http://schemas.microsoft.com/office/powerpoint/2010/main" val="3830371893"/>
+      </p:ext>
+    </p:extLst>
+  </p:cSld>
+  <p:clrMapOvr>
+    <a:masterClrMapping/>
+  </p:clrMapOvr>
+</p:sld>
+</file>
+
+<file path=ppt/slides/slide7.xml><?xml version="1.0" encoding="utf-8"?>
+<p:sld xmlns:a="http://schemas.openxmlformats.org/drawingml/2006/main" xmlns:r="http://schemas.openxmlformats.org/officeDocument/2006/relationships" xmlns:p="http://schemas.openxmlformats.org/presentationml/2006/main">
+  <p:cSld>
+    <p:spTree>
+      <p:nvGrpSpPr>
+        <p:cNvPr id="1" name=""/>
+        <p:cNvGrpSpPr/>
+        <p:nvPr/>
+      </p:nvGrpSpPr>
+      <p:grpSpPr>
+        <a:xfrm>
+          <a:off x="0" y="0"/>
+          <a:ext cx="0" cy="0"/>
+          <a:chOff x="0" y="0"/>
+          <a:chExt cx="0" cy="0"/>
+        </a:xfrm>
+      </p:grpSpPr>
+      <p:pic>
+        <p:nvPicPr>
+          <p:cNvPr id="11" name="Picture 2" descr="Image result for reinsurance">
+            <a:extLst>
+              <a:ext uri="{FF2B5EF4-FFF2-40B4-BE49-F238E27FC236}">
+                <a16:creationId xmlns:a16="http://schemas.microsoft.com/office/drawing/2014/main" id="{47DA77DD-0A6A-4399-90CE-B9C3509F6B21}"/>
+              </a:ext>
+            </a:extLst>
+          </p:cNvPr>
+          <p:cNvPicPr>
+            <a:picLocks noChangeAspect="1" noChangeArrowheads="1"/>
+          </p:cNvPicPr>
+          <p:nvPr/>
+        </p:nvPicPr>
+        <p:blipFill rotWithShape="1">
+          <a:blip r:embed="rId2">
+            <a:extLst>
+              <a:ext uri="{28A0092B-C50C-407E-A947-70E740481C1C}">
+                <a14:useLocalDpi xmlns:a14="http://schemas.microsoft.com/office/drawing/2010/main" val="0"/>
+              </a:ext>
+            </a:extLst>
+          </a:blip>
+          <a:srcRect l="20174" r="21466"/>
+          <a:stretch/>
+        </p:blipFill>
+        <p:spPr bwMode="auto">
+          <a:xfrm>
+            <a:off x="5193320" y="5552667"/>
+            <a:ext cx="1352390" cy="1305333"/>
+          </a:xfrm>
+          <a:prstGeom prst="rect">
+            <a:avLst/>
+          </a:prstGeom>
+          <a:noFill/>
+          <a:extLst>
+            <a:ext uri="{909E8E84-426E-40DD-AFC4-6F175D3DCCD1}">
+              <a14:hiddenFill xmlns:a14="http://schemas.microsoft.com/office/drawing/2010/main">
+                <a:solidFill>
+                  <a:srgbClr val="FFFFFF"/>
+                </a:solidFill>
+              </a14:hiddenFill>
+            </a:ext>
+          </a:extLst>
+        </p:spPr>
+      </p:pic>
+    </p:spTree>
+    <p:extLst>
+      <p:ext uri="{BB962C8B-B14F-4D97-AF65-F5344CB8AC3E}">
+        <p14:creationId xmlns:p14="http://schemas.microsoft.com/office/powerpoint/2010/main" val="1460807757"/>
+      </p:ext>
+    </p:extLst>
+  </p:cSld>
+  <p:clrMapOvr>
+    <a:masterClrMapping/>
+  </p:clrMapOvr>
+</p:sld>
+</file>
+
+<file path=ppt/slides/slide8.xml><?xml version="1.0" encoding="utf-8"?>
+<p:sld xmlns:a="http://schemas.openxmlformats.org/drawingml/2006/main" xmlns:r="http://schemas.openxmlformats.org/officeDocument/2006/relationships" xmlns:p="http://schemas.openxmlformats.org/presentationml/2006/main">
+  <p:cSld>
+    <p:spTree>
+      <p:nvGrpSpPr>
+        <p:cNvPr id="1" name=""/>
+        <p:cNvGrpSpPr/>
+        <p:nvPr/>
+      </p:nvGrpSpPr>
+      <p:grpSpPr>
+        <a:xfrm>
+          <a:off x="0" y="0"/>
+          <a:ext cx="0" cy="0"/>
+          <a:chOff x="0" y="0"/>
+          <a:chExt cx="0" cy="0"/>
+        </a:xfrm>
+      </p:grpSpPr>
+      <p:sp>
+        <p:nvSpPr>
+          <p:cNvPr id="7" name="TextBox 6">
+            <a:extLst>
+              <a:ext uri="{FF2B5EF4-FFF2-40B4-BE49-F238E27FC236}">
+                <a16:creationId xmlns:a16="http://schemas.microsoft.com/office/drawing/2014/main" id="{6D3BD903-2C3D-4717-BEC7-BF6C6975CD08}"/>
+              </a:ext>
+            </a:extLst>
+          </p:cNvPr>
+          <p:cNvSpPr txBox="1"/>
+          <p:nvPr/>
+        </p:nvSpPr>
+        <p:spPr>
+          <a:xfrm>
+            <a:off x="464231" y="275950"/>
+            <a:ext cx="5219115" cy="523220"/>
+          </a:xfrm>
+          <a:prstGeom prst="rect">
+            <a:avLst/>
+          </a:prstGeom>
+          <a:noFill/>
+        </p:spPr>
+        <p:txBody>
+          <a:bodyPr wrap="square" rtlCol="0">
+            <a:spAutoFit/>
+          </a:bodyPr>
+          <a:lstStyle/>
+          <a:p>
+            <a:r>
+              <a:rPr lang="en-US" sz="2800" b="1" dirty="0"/>
+              <a:t>Problem Statement</a:t>
+            </a:r>
+          </a:p>
+        </p:txBody>
+      </p:sp>
+      <p:pic>
+        <p:nvPicPr>
+          <p:cNvPr id="2052" name="Picture 4" descr="Image result for fortune teller crystal ball">
+            <a:extLst>
+              <a:ext uri="{FF2B5EF4-FFF2-40B4-BE49-F238E27FC236}">
+                <a16:creationId xmlns:a16="http://schemas.microsoft.com/office/drawing/2014/main" id="{240B4AF0-FE01-44A0-9CC3-E5C6F3824F4C}"/>
+              </a:ext>
+            </a:extLst>
+          </p:cNvPr>
+          <p:cNvPicPr>
+            <a:picLocks noChangeAspect="1" noChangeArrowheads="1"/>
+          </p:cNvPicPr>
+          <p:nvPr/>
+        </p:nvPicPr>
+        <p:blipFill rotWithShape="1">
+          <a:blip r:embed="rId2">
+            <a:extLst>
+              <a:ext uri="{28A0092B-C50C-407E-A947-70E740481C1C}">
+                <a14:useLocalDpi xmlns:a14="http://schemas.microsoft.com/office/drawing/2010/main" val="0"/>
+              </a:ext>
+            </a:extLst>
+          </a:blip>
+          <a:srcRect r="337" b="4925"/>
+          <a:stretch/>
+        </p:blipFill>
+        <p:spPr bwMode="auto">
+          <a:xfrm>
+            <a:off x="9556405" y="0"/>
+            <a:ext cx="2635595" cy="3154006"/>
+          </a:xfrm>
+          <a:prstGeom prst="rect">
+            <a:avLst/>
+          </a:prstGeom>
+          <a:noFill/>
+          <a:extLst>
+            <a:ext uri="{909E8E84-426E-40DD-AFC4-6F175D3DCCD1}">
+              <a14:hiddenFill xmlns:a14="http://schemas.microsoft.com/office/drawing/2010/main">
+                <a:solidFill>
+                  <a:srgbClr val="FFFFFF"/>
+                </a:solidFill>
+              </a14:hiddenFill>
+            </a:ext>
+          </a:extLst>
+        </p:spPr>
+      </p:pic>
+      <p:sp>
+        <p:nvSpPr>
+          <p:cNvPr id="10" name="TextBox 9">
+            <a:extLst>
+              <a:ext uri="{FF2B5EF4-FFF2-40B4-BE49-F238E27FC236}">
+                <a16:creationId xmlns:a16="http://schemas.microsoft.com/office/drawing/2014/main" id="{7BD92205-7D48-488E-AF62-DC9312E85609}"/>
+              </a:ext>
+            </a:extLst>
+          </p:cNvPr>
+          <p:cNvSpPr txBox="1"/>
+          <p:nvPr/>
+        </p:nvSpPr>
+        <p:spPr>
+          <a:xfrm>
+            <a:off x="464231" y="3802469"/>
+            <a:ext cx="6257704" cy="523220"/>
+          </a:xfrm>
+          <a:prstGeom prst="rect">
+            <a:avLst/>
+          </a:prstGeom>
+          <a:noFill/>
+        </p:spPr>
+        <p:txBody>
+          <a:bodyPr wrap="square" rtlCol="0">
+            <a:spAutoFit/>
+          </a:bodyPr>
+          <a:lstStyle/>
+          <a:p>
+            <a:r>
+              <a:rPr lang="en-US" sz="2800" b="1" dirty="0">
+                <a:solidFill>
+                  <a:srgbClr val="002060"/>
+                </a:solidFill>
+              </a:rPr>
+              <a:t>Value Proposition</a:t>
+            </a:r>
+          </a:p>
+        </p:txBody>
+      </p:sp>
+      <p:pic>
+        <p:nvPicPr>
+          <p:cNvPr id="6" name="Picture 2" descr="Image result for reinsurance">
+            <a:extLst>
+              <a:ext uri="{FF2B5EF4-FFF2-40B4-BE49-F238E27FC236}">
+                <a16:creationId xmlns:a16="http://schemas.microsoft.com/office/drawing/2014/main" id="{3C937D0E-708A-4313-995E-EB9F032FFAAA}"/>
+              </a:ext>
+            </a:extLst>
+          </p:cNvPr>
+          <p:cNvPicPr>
+            <a:picLocks noChangeAspect="1" noChangeArrowheads="1"/>
+          </p:cNvPicPr>
+          <p:nvPr/>
+        </p:nvPicPr>
+        <p:blipFill rotWithShape="1">
+          <a:blip r:embed="rId3">
+            <a:extLst>
+              <a:ext uri="{28A0092B-C50C-407E-A947-70E740481C1C}">
+                <a14:useLocalDpi xmlns:a14="http://schemas.microsoft.com/office/drawing/2010/main" val="0"/>
+              </a:ext>
+            </a:extLst>
+          </a:blip>
+          <a:srcRect l="20174" r="21466"/>
+          <a:stretch/>
+        </p:blipFill>
+        <p:spPr bwMode="auto">
+          <a:xfrm>
+            <a:off x="10839610" y="5566735"/>
+            <a:ext cx="1352390" cy="1305333"/>
+          </a:xfrm>
+          <a:prstGeom prst="rect">
+            <a:avLst/>
+          </a:prstGeom>
+          <a:noFill/>
+          <a:extLst>
+            <a:ext uri="{909E8E84-426E-40DD-AFC4-6F175D3DCCD1}">
+              <a14:hiddenFill xmlns:a14="http://schemas.microsoft.com/office/drawing/2010/main">
+                <a:solidFill>
+                  <a:srgbClr val="FFFFFF"/>
+                </a:solidFill>
+              </a14:hiddenFill>
+            </a:ext>
+          </a:extLst>
+        </p:spPr>
+      </p:pic>
+      <p:sp>
+        <p:nvSpPr>
+          <p:cNvPr id="11" name="TextBox 10">
+            <a:extLst>
+              <a:ext uri="{FF2B5EF4-FFF2-40B4-BE49-F238E27FC236}">
+                <a16:creationId xmlns:a16="http://schemas.microsoft.com/office/drawing/2014/main" id="{9F5174A6-3FDD-47CC-8C62-073848E07487}"/>
+              </a:ext>
+            </a:extLst>
+          </p:cNvPr>
+          <p:cNvSpPr txBox="1"/>
+          <p:nvPr/>
+        </p:nvSpPr>
+        <p:spPr>
+          <a:xfrm>
+            <a:off x="464232" y="907237"/>
+            <a:ext cx="8412478" cy="2246769"/>
+          </a:xfrm>
+          <a:prstGeom prst="rect">
+            <a:avLst/>
+          </a:prstGeom>
+          <a:noFill/>
+        </p:spPr>
+        <p:txBody>
+          <a:bodyPr wrap="square" rtlCol="0">
+            <a:spAutoFit/>
+          </a:bodyPr>
+          <a:lstStyle/>
+          <a:p>
+            <a:pPr algn="just"/>
+            <a:r>
+              <a:rPr lang="en-US" sz="2800" i="1" dirty="0"/>
+              <a:t>To establish a proof-of-concept, based only on publicly available data, for predicting whether the underwriting performance of any given insurance class is likely to result in an underwriting loss at the end of the current 12-month reporting period.</a:t>
+            </a:r>
+          </a:p>
+        </p:txBody>
+      </p:sp>
+      <p:sp>
+        <p:nvSpPr>
+          <p:cNvPr id="12" name="TextBox 11">
+            <a:extLst>
+              <a:ext uri="{FF2B5EF4-FFF2-40B4-BE49-F238E27FC236}">
+                <a16:creationId xmlns:a16="http://schemas.microsoft.com/office/drawing/2014/main" id="{6BE817ED-D6F4-4123-BEF6-3DD9EF571D84}"/>
+              </a:ext>
+            </a:extLst>
+          </p:cNvPr>
+          <p:cNvSpPr txBox="1"/>
+          <p:nvPr/>
+        </p:nvSpPr>
+        <p:spPr>
+          <a:xfrm>
+            <a:off x="464231" y="4443350"/>
+            <a:ext cx="10086537" cy="1815882"/>
+          </a:xfrm>
+          <a:prstGeom prst="rect">
+            <a:avLst/>
+          </a:prstGeom>
+          <a:noFill/>
+        </p:spPr>
+        <p:txBody>
+          <a:bodyPr wrap="square" rtlCol="0">
+            <a:spAutoFit/>
+          </a:bodyPr>
+          <a:lstStyle/>
+          <a:p>
+            <a:pPr algn="just"/>
+            <a:r>
+              <a:rPr lang="en-US" sz="2800" i="1" dirty="0">
+                <a:solidFill>
+                  <a:srgbClr val="002060"/>
+                </a:solidFill>
+              </a:rPr>
+              <a:t>With such predictions, underwriters can focus on at-risk insurance classes and review their underwriting approach, and/or take necessary risk management measures such as reinsuring more of the risk.</a:t>
+            </a:r>
+          </a:p>
+        </p:txBody>
+      </p:sp>
+    </p:spTree>
+    <p:extLst>
+      <p:ext uri="{BB962C8B-B14F-4D97-AF65-F5344CB8AC3E}">
+        <p14:creationId xmlns:p14="http://schemas.microsoft.com/office/powerpoint/2010/main" val="3886375477"/>
+      </p:ext>
+    </p:extLst>
+  </p:cSld>
+  <p:clrMapOvr>
+    <a:masterClrMapping/>
+  </p:clrMapOvr>
+</p:sld>
+</file>
+
+<file path=ppt/slides/slide9.xml><?xml version="1.0" encoding="utf-8"?>
+<p:sld xmlns:a="http://schemas.openxmlformats.org/drawingml/2006/main" xmlns:r="http://schemas.openxmlformats.org/officeDocument/2006/relationships" xmlns:p="http://schemas.openxmlformats.org/presentationml/2006/main">
+  <p:cSld>
+    <p:spTree>
+      <p:nvGrpSpPr>
+        <p:cNvPr id="1" name=""/>
+        <p:cNvGrpSpPr/>
+        <p:nvPr/>
+      </p:nvGrpSpPr>
+      <p:grpSpPr>
+        <a:xfrm>
+          <a:off x="0" y="0"/>
+          <a:ext cx="0" cy="0"/>
+          <a:chOff x="0" y="0"/>
+          <a:chExt cx="0" cy="0"/>
+        </a:xfrm>
+      </p:grpSpPr>
+      <p:pic>
+        <p:nvPicPr>
+          <p:cNvPr id="2052" name="Picture 4" descr="Image result for fortune teller crystal ball">
+            <a:extLst>
+              <a:ext uri="{FF2B5EF4-FFF2-40B4-BE49-F238E27FC236}">
+                <a16:creationId xmlns:a16="http://schemas.microsoft.com/office/drawing/2014/main" id="{240B4AF0-FE01-44A0-9CC3-E5C6F3824F4C}"/>
+              </a:ext>
+            </a:extLst>
+          </p:cNvPr>
+          <p:cNvPicPr>
+            <a:picLocks noChangeAspect="1" noChangeArrowheads="1"/>
+          </p:cNvPicPr>
+          <p:nvPr/>
+        </p:nvPicPr>
+        <p:blipFill rotWithShape="1">
+          <a:blip r:embed="rId2">
+            <a:extLst>
+              <a:ext uri="{28A0092B-C50C-407E-A947-70E740481C1C}">
+                <a14:useLocalDpi xmlns:a14="http://schemas.microsoft.com/office/drawing/2010/main" val="0"/>
+              </a:ext>
+            </a:extLst>
+          </a:blip>
+          <a:srcRect r="337" b="4925"/>
+          <a:stretch/>
+        </p:blipFill>
+        <p:spPr bwMode="auto">
+          <a:xfrm>
+            <a:off x="9556405" y="0"/>
+            <a:ext cx="2635595" cy="3154006"/>
+          </a:xfrm>
+          <a:prstGeom prst="rect">
+            <a:avLst/>
+          </a:prstGeom>
+          <a:noFill/>
+          <a:extLst>
+            <a:ext uri="{909E8E84-426E-40DD-AFC4-6F175D3DCCD1}">
+              <a14:hiddenFill xmlns:a14="http://schemas.microsoft.com/office/drawing/2010/main">
+                <a:solidFill>
+                  <a:srgbClr val="FFFFFF"/>
+                </a:solidFill>
+              </a14:hiddenFill>
+            </a:ext>
+          </a:extLst>
+        </p:spPr>
+      </p:pic>
+      <p:sp>
+        <p:nvSpPr>
+          <p:cNvPr id="10" name="TextBox 9">
+            <a:extLst>
+              <a:ext uri="{FF2B5EF4-FFF2-40B4-BE49-F238E27FC236}">
+                <a16:creationId xmlns:a16="http://schemas.microsoft.com/office/drawing/2014/main" id="{7BD92205-7D48-488E-AF62-DC9312E85609}"/>
+              </a:ext>
+            </a:extLst>
+          </p:cNvPr>
+          <p:cNvSpPr txBox="1"/>
+          <p:nvPr/>
+        </p:nvSpPr>
+        <p:spPr>
+          <a:xfrm>
+            <a:off x="426475" y="1936349"/>
+            <a:ext cx="5219115" cy="523220"/>
+          </a:xfrm>
+          <a:prstGeom prst="rect">
+            <a:avLst/>
+          </a:prstGeom>
+          <a:noFill/>
+        </p:spPr>
+        <p:txBody>
+          <a:bodyPr wrap="square" rtlCol="0">
+            <a:spAutoFit/>
+          </a:bodyPr>
+          <a:lstStyle/>
+          <a:p>
+            <a:r>
+              <a:rPr lang="en-US" sz="2800" b="1" dirty="0"/>
+              <a:t>Caveat</a:t>
+            </a:r>
+          </a:p>
+        </p:txBody>
+      </p:sp>
+      <p:pic>
+        <p:nvPicPr>
+          <p:cNvPr id="6" name="Picture 2" descr="Image result for reinsurance">
+            <a:extLst>
+              <a:ext uri="{FF2B5EF4-FFF2-40B4-BE49-F238E27FC236}">
+                <a16:creationId xmlns:a16="http://schemas.microsoft.com/office/drawing/2014/main" id="{3C937D0E-708A-4313-995E-EB9F032FFAAA}"/>
+              </a:ext>
+            </a:extLst>
+          </p:cNvPr>
+          <p:cNvPicPr>
+            <a:picLocks noChangeAspect="1" noChangeArrowheads="1"/>
+          </p:cNvPicPr>
+          <p:nvPr/>
+        </p:nvPicPr>
+        <p:blipFill rotWithShape="1">
+          <a:blip r:embed="rId3">
+            <a:extLst>
+              <a:ext uri="{28A0092B-C50C-407E-A947-70E740481C1C}">
+                <a14:useLocalDpi xmlns:a14="http://schemas.microsoft.com/office/drawing/2010/main" val="0"/>
+              </a:ext>
+            </a:extLst>
+          </a:blip>
+          <a:srcRect l="20174" r="21466"/>
+          <a:stretch/>
+        </p:blipFill>
+        <p:spPr bwMode="auto">
+          <a:xfrm>
+            <a:off x="10839610" y="5566735"/>
+            <a:ext cx="1352390" cy="1305333"/>
+          </a:xfrm>
+          <a:prstGeom prst="rect">
+            <a:avLst/>
+          </a:prstGeom>
+          <a:noFill/>
+          <a:extLst>
+            <a:ext uri="{909E8E84-426E-40DD-AFC4-6F175D3DCCD1}">
+              <a14:hiddenFill xmlns:a14="http://schemas.microsoft.com/office/drawing/2010/main">
+                <a:solidFill>
+                  <a:srgbClr val="FFFFFF"/>
+                </a:solidFill>
+              </a14:hiddenFill>
+            </a:ext>
+          </a:extLst>
+        </p:spPr>
+      </p:pic>
+      <p:sp>
+        <p:nvSpPr>
+          <p:cNvPr id="12" name="TextBox 11">
+            <a:extLst>
+              <a:ext uri="{FF2B5EF4-FFF2-40B4-BE49-F238E27FC236}">
+                <a16:creationId xmlns:a16="http://schemas.microsoft.com/office/drawing/2014/main" id="{6BE817ED-D6F4-4123-BEF6-3DD9EF571D84}"/>
+              </a:ext>
+            </a:extLst>
+          </p:cNvPr>
+          <p:cNvSpPr txBox="1"/>
+          <p:nvPr/>
+        </p:nvSpPr>
+        <p:spPr>
+          <a:xfrm>
+            <a:off x="426475" y="2675704"/>
+            <a:ext cx="8412478" cy="2246769"/>
+          </a:xfrm>
+          <a:prstGeom prst="rect">
+            <a:avLst/>
+          </a:prstGeom>
+          <a:noFill/>
+        </p:spPr>
+        <p:txBody>
+          <a:bodyPr wrap="square" rtlCol="0">
+            <a:spAutoFit/>
+          </a:bodyPr>
+          <a:lstStyle/>
+          <a:p>
+            <a:pPr algn="just"/>
+            <a:r>
+              <a:rPr lang="en-US" sz="2800" i="1" dirty="0"/>
+              <a:t>Publicly available data is very coarse. Only shows the start/end state of a 12-month period.</a:t>
+            </a:r>
+          </a:p>
+          <a:p>
+            <a:pPr algn="just"/>
+            <a:endParaRPr lang="en-US" sz="2800" i="1" dirty="0"/>
+          </a:p>
+          <a:p>
+            <a:pPr algn="just"/>
+            <a:r>
+              <a:rPr lang="en-US" sz="2800" i="1" dirty="0"/>
+              <a:t>Insurers have much higher quality, high-resolution data concerning underwriting and claims details.</a:t>
+            </a:r>
+          </a:p>
+        </p:txBody>
+      </p:sp>
+    </p:spTree>
+    <p:extLst>
+      <p:ext uri="{BB962C8B-B14F-4D97-AF65-F5344CB8AC3E}">
+        <p14:creationId xmlns:p14="http://schemas.microsoft.com/office/powerpoint/2010/main" val="1039517849"/>
       </p:ext>
     </p:extLst>
   </p:cSld>

--- a/Capstone_Final_Presentation.pptx
+++ b/Capstone_Final_Presentation.pptx
@@ -22,8 +22,9 @@
     <p:sldId id="280" r:id="rId16"/>
     <p:sldId id="265" r:id="rId17"/>
     <p:sldId id="267" r:id="rId18"/>
-    <p:sldId id="268" r:id="rId19"/>
-    <p:sldId id="256" r:id="rId20"/>
+    <p:sldId id="281" r:id="rId19"/>
+    <p:sldId id="268" r:id="rId20"/>
+    <p:sldId id="256" r:id="rId21"/>
   </p:sldIdLst>
   <p:sldSz cx="12192000" cy="6858000"/>
   <p:notesSz cx="6858000" cy="9144000"/>
@@ -3662,7 +3663,7 @@
         </p:blipFill>
         <p:spPr>
           <a:xfrm>
-            <a:off x="350193" y="376817"/>
+            <a:off x="350193" y="651140"/>
             <a:ext cx="2706516" cy="3612325"/>
           </a:xfrm>
           <a:prstGeom prst="rect">
@@ -3998,6 +3999,41 @@
           </a:extLst>
         </p:spPr>
       </p:pic>
+      <p:sp>
+        <p:nvSpPr>
+          <p:cNvPr id="14" name="TextBox 13">
+            <a:extLst>
+              <a:ext uri="{FF2B5EF4-FFF2-40B4-BE49-F238E27FC236}">
+                <a16:creationId xmlns:a16="http://schemas.microsoft.com/office/drawing/2014/main" id="{D1AE0C1F-FEE2-4E09-BD1D-9C1C34E19584}"/>
+              </a:ext>
+            </a:extLst>
+          </p:cNvPr>
+          <p:cNvSpPr txBox="1"/>
+          <p:nvPr/>
+        </p:nvSpPr>
+        <p:spPr>
+          <a:xfrm>
+            <a:off x="27131" y="27131"/>
+            <a:ext cx="5219115" cy="523220"/>
+          </a:xfrm>
+          <a:prstGeom prst="rect">
+            <a:avLst/>
+          </a:prstGeom>
+          <a:noFill/>
+        </p:spPr>
+        <p:txBody>
+          <a:bodyPr wrap="square" rtlCol="0">
+            <a:spAutoFit/>
+          </a:bodyPr>
+          <a:lstStyle/>
+          <a:p>
+            <a:r>
+              <a:rPr lang="en-US" sz="2800" b="1" dirty="0"/>
+              <a:t>Get the data … </a:t>
+            </a:r>
+          </a:p>
+        </p:txBody>
+      </p:sp>
     </p:spTree>
     <p:extLst>
       <p:ext uri="{BB962C8B-B14F-4D97-AF65-F5344CB8AC3E}">
@@ -4608,7 +4644,7 @@
           <a:p>
             <a:r>
               <a:rPr lang="en-US" sz="2800" b="1" dirty="0"/>
-              <a:t>After trimming away the Extreme Outliers</a:t>
+              <a:t>After trimming away Extreme Outliers</a:t>
             </a:r>
           </a:p>
           <a:p>
@@ -4755,7 +4791,7 @@
         </p:nvSpPr>
         <p:spPr>
           <a:xfrm>
-            <a:off x="0" y="0"/>
+            <a:off x="26126" y="0"/>
             <a:ext cx="3699803" cy="523220"/>
           </a:xfrm>
           <a:prstGeom prst="rect">
@@ -4895,7 +4931,7 @@
           <a:p>
             <a:pPr algn="just"/>
             <a:r>
-              <a:rPr lang="en-US" sz="2800" i="1" dirty="0"/>
+              <a:rPr lang="en-US" sz="2800" i="1" u="sng" dirty="0"/>
               <a:t>Best R2 Score =&gt; 0.53</a:t>
             </a:r>
           </a:p>
@@ -4915,7 +4951,7 @@
         </p:nvSpPr>
         <p:spPr>
           <a:xfrm>
-            <a:off x="7540283" y="0"/>
+            <a:off x="7501094" y="0"/>
             <a:ext cx="4651717" cy="523220"/>
           </a:xfrm>
           <a:prstGeom prst="rect">
@@ -5026,7 +5062,7 @@
           <a:p>
             <a:r>
               <a:rPr lang="en-US" sz="2800" i="1" dirty="0"/>
-              <a:t>No meaningful, interpretable clusters…</a:t>
+              <a:t>No meaningful or interpretable clusters…</a:t>
             </a:r>
           </a:p>
         </p:txBody>
@@ -5197,27 +5233,27 @@
               <a:gd name="connsiteY1" fmla="*/ 0 h 755584"/>
               <a:gd name="connsiteX2" fmla="*/ 936721 w 3193366"/>
               <a:gd name="connsiteY2" fmla="*/ 0 h 755584"/>
-              <a:gd name="connsiteX3" fmla="*/ 1405081 w 3193366"/>
+              <a:gd name="connsiteX3" fmla="*/ 1532816 w 3193366"/>
               <a:gd name="connsiteY3" fmla="*/ 0 h 755584"/>
-              <a:gd name="connsiteX4" fmla="*/ 1969242 w 3193366"/>
+              <a:gd name="connsiteX4" fmla="*/ 2033110 w 3193366"/>
               <a:gd name="connsiteY4" fmla="*/ 0 h 755584"/>
-              <a:gd name="connsiteX5" fmla="*/ 2469536 w 3193366"/>
+              <a:gd name="connsiteX5" fmla="*/ 2533404 w 3193366"/>
               <a:gd name="connsiteY5" fmla="*/ 0 h 755584"/>
               <a:gd name="connsiteX6" fmla="*/ 3193366 w 3193366"/>
               <a:gd name="connsiteY6" fmla="*/ 0 h 755584"/>
               <a:gd name="connsiteX7" fmla="*/ 3193366 w 3193366"/>
-              <a:gd name="connsiteY7" fmla="*/ 385348 h 755584"/>
+              <a:gd name="connsiteY7" fmla="*/ 362680 h 755584"/>
               <a:gd name="connsiteX8" fmla="*/ 3193366 w 3193366"/>
               <a:gd name="connsiteY8" fmla="*/ 755584 h 755584"/>
-              <a:gd name="connsiteX9" fmla="*/ 2661138 w 3193366"/>
+              <a:gd name="connsiteX9" fmla="*/ 2725006 w 3193366"/>
               <a:gd name="connsiteY9" fmla="*/ 755584 h 755584"/>
               <a:gd name="connsiteX10" fmla="*/ 2192778 w 3193366"/>
               <a:gd name="connsiteY10" fmla="*/ 755584 h 755584"/>
-              <a:gd name="connsiteX11" fmla="*/ 1596683 w 3193366"/>
+              <a:gd name="connsiteX11" fmla="*/ 1660550 w 3193366"/>
               <a:gd name="connsiteY11" fmla="*/ 755584 h 755584"/>
-              <a:gd name="connsiteX12" fmla="*/ 1096389 w 3193366"/>
+              <a:gd name="connsiteX12" fmla="*/ 1160256 w 3193366"/>
               <a:gd name="connsiteY12" fmla="*/ 755584 h 755584"/>
-              <a:gd name="connsiteX13" fmla="*/ 659962 w 3193366"/>
+              <a:gd name="connsiteX13" fmla="*/ 564161 w 3193366"/>
               <a:gd name="connsiteY13" fmla="*/ 755584 h 755584"/>
               <a:gd name="connsiteX14" fmla="*/ 0 w 3193366"/>
               <a:gd name="connsiteY14" fmla="*/ 755584 h 755584"/>
@@ -5282,93 +5318,7 @@
             </a:cxnLst>
             <a:rect l="l" t="t" r="r" b="b"/>
             <a:pathLst>
-              <a:path w="3193366" h="755584" fill="none" extrusionOk="0">
-                <a:moveTo>
-                  <a:pt x="0" y="0"/>
-                </a:moveTo>
-                <a:cubicBezTo>
-                  <a:pt x="189446" y="-28831"/>
-                  <a:pt x="366965" y="20945"/>
-                  <a:pt x="500294" y="0"/>
-                </a:cubicBezTo>
-                <a:cubicBezTo>
-                  <a:pt x="633623" y="-20945"/>
-                  <a:pt x="733400" y="35198"/>
-                  <a:pt x="936721" y="0"/>
-                </a:cubicBezTo>
-                <a:cubicBezTo>
-                  <a:pt x="1140042" y="-35198"/>
-                  <a:pt x="1282914" y="37791"/>
-                  <a:pt x="1405081" y="0"/>
-                </a:cubicBezTo>
-                <a:cubicBezTo>
-                  <a:pt x="1527248" y="-37791"/>
-                  <a:pt x="1708139" y="6345"/>
-                  <a:pt x="1969242" y="0"/>
-                </a:cubicBezTo>
-                <a:cubicBezTo>
-                  <a:pt x="2230345" y="-6345"/>
-                  <a:pt x="2251286" y="3703"/>
-                  <a:pt x="2469536" y="0"/>
-                </a:cubicBezTo>
-                <a:cubicBezTo>
-                  <a:pt x="2687786" y="-3703"/>
-                  <a:pt x="2948444" y="5914"/>
-                  <a:pt x="3193366" y="0"/>
-                </a:cubicBezTo>
-                <a:cubicBezTo>
-                  <a:pt x="3213522" y="123585"/>
-                  <a:pt x="3163386" y="208592"/>
-                  <a:pt x="3193366" y="385348"/>
-                </a:cubicBezTo>
-                <a:cubicBezTo>
-                  <a:pt x="3223346" y="562104"/>
-                  <a:pt x="3172916" y="681473"/>
-                  <a:pt x="3193366" y="755584"/>
-                </a:cubicBezTo>
-                <a:cubicBezTo>
-                  <a:pt x="3013644" y="777024"/>
-                  <a:pt x="2809260" y="737840"/>
-                  <a:pt x="2661138" y="755584"/>
-                </a:cubicBezTo>
-                <a:cubicBezTo>
-                  <a:pt x="2513016" y="773328"/>
-                  <a:pt x="2373481" y="714335"/>
-                  <a:pt x="2192778" y="755584"/>
-                </a:cubicBezTo>
-                <a:cubicBezTo>
-                  <a:pt x="2012075" y="796833"/>
-                  <a:pt x="1758005" y="749322"/>
-                  <a:pt x="1596683" y="755584"/>
-                </a:cubicBezTo>
-                <a:cubicBezTo>
-                  <a:pt x="1435361" y="761846"/>
-                  <a:pt x="1224137" y="740793"/>
-                  <a:pt x="1096389" y="755584"/>
-                </a:cubicBezTo>
-                <a:cubicBezTo>
-                  <a:pt x="968641" y="770375"/>
-                  <a:pt x="815085" y="740947"/>
-                  <a:pt x="659962" y="755584"/>
-                </a:cubicBezTo>
-                <a:cubicBezTo>
-                  <a:pt x="504839" y="770221"/>
-                  <a:pt x="240810" y="722783"/>
-                  <a:pt x="0" y="755584"/>
-                </a:cubicBezTo>
-                <a:cubicBezTo>
-                  <a:pt x="-28398" y="645857"/>
-                  <a:pt x="19243" y="525551"/>
-                  <a:pt x="0" y="392904"/>
-                </a:cubicBezTo>
-                <a:cubicBezTo>
-                  <a:pt x="-19243" y="260257"/>
-                  <a:pt x="22975" y="104042"/>
-                  <a:pt x="0" y="0"/>
-                </a:cubicBezTo>
-                <a:close/>
-              </a:path>
-              <a:path w="3193366" h="755584" stroke="0" extrusionOk="0">
+              <a:path w="3193366" h="755584" extrusionOk="0">
                 <a:moveTo>
                   <a:pt x="0" y="0"/>
                 </a:moveTo>
@@ -6819,7 +6769,7 @@
         </p:nvSpPr>
         <p:spPr>
           <a:xfrm>
-            <a:off x="56272" y="56272"/>
+            <a:off x="108524" y="134649"/>
             <a:ext cx="5219115" cy="523220"/>
           </a:xfrm>
           <a:prstGeom prst="rect">
@@ -6835,17 +6785,519 @@
           <a:p>
             <a:r>
               <a:rPr lang="en-US" sz="2800" b="1" dirty="0"/>
-              <a:t>Concluding Points</a:t>
-            </a:r>
-          </a:p>
-        </p:txBody>
-      </p:sp>
-      <p:sp>
-        <p:nvSpPr>
-          <p:cNvPr id="4" name="TextBox 3">
-            <a:extLst>
-              <a:ext uri="{FF2B5EF4-FFF2-40B4-BE49-F238E27FC236}">
-                <a16:creationId xmlns:a16="http://schemas.microsoft.com/office/drawing/2014/main" id="{9C200CBD-2303-48A7-A392-DB0A2C4A0AA5}"/>
+              <a:t>Comparison</a:t>
+            </a:r>
+          </a:p>
+        </p:txBody>
+      </p:sp>
+      <p:grpSp>
+        <p:nvGrpSpPr>
+          <p:cNvPr id="17" name="Group 16">
+            <a:extLst>
+              <a:ext uri="{FF2B5EF4-FFF2-40B4-BE49-F238E27FC236}">
+                <a16:creationId xmlns:a16="http://schemas.microsoft.com/office/drawing/2014/main" id="{61F5B0BC-10C8-4446-A419-3071901893C2}"/>
+              </a:ext>
+            </a:extLst>
+          </p:cNvPr>
+          <p:cNvGrpSpPr/>
+          <p:nvPr/>
+        </p:nvGrpSpPr>
+        <p:grpSpPr>
+          <a:xfrm>
+            <a:off x="2582480" y="3716386"/>
+            <a:ext cx="7027040" cy="2909500"/>
+            <a:chOff x="4807024" y="3619283"/>
+            <a:chExt cx="7212037" cy="2943337"/>
+          </a:xfrm>
+        </p:grpSpPr>
+        <p:pic>
+          <p:nvPicPr>
+            <p:cNvPr id="12" name="Picture 11">
+              <a:extLst>
+                <a:ext uri="{FF2B5EF4-FFF2-40B4-BE49-F238E27FC236}">
+                  <a16:creationId xmlns:a16="http://schemas.microsoft.com/office/drawing/2014/main" id="{64DDAB54-BA93-4722-9739-47518E1E1FE8}"/>
+                </a:ext>
+              </a:extLst>
+            </p:cNvPr>
+            <p:cNvPicPr>
+              <a:picLocks noChangeAspect="1"/>
+            </p:cNvPicPr>
+            <p:nvPr/>
+          </p:nvPicPr>
+          <p:blipFill>
+            <a:blip r:embed="rId3"/>
+            <a:stretch>
+              <a:fillRect/>
+            </a:stretch>
+          </p:blipFill>
+          <p:spPr>
+            <a:xfrm>
+              <a:off x="4807024" y="3619283"/>
+              <a:ext cx="7212037" cy="2943337"/>
+            </a:xfrm>
+            <a:prstGeom prst="rect">
+              <a:avLst/>
+            </a:prstGeom>
+            <a:ln>
+              <a:solidFill>
+                <a:schemeClr val="tx1"/>
+              </a:solidFill>
+            </a:ln>
+          </p:spPr>
+        </p:pic>
+        <p:sp>
+          <p:nvSpPr>
+            <p:cNvPr id="13" name="Rectangle 12">
+              <a:extLst>
+                <a:ext uri="{FF2B5EF4-FFF2-40B4-BE49-F238E27FC236}">
+                  <a16:creationId xmlns:a16="http://schemas.microsoft.com/office/drawing/2014/main" id="{9671E5B1-A5BF-492A-B37D-7B2315B0C1E6}"/>
+                </a:ext>
+              </a:extLst>
+            </p:cNvPr>
+            <p:cNvSpPr/>
+            <p:nvPr/>
+          </p:nvSpPr>
+          <p:spPr>
+            <a:xfrm>
+              <a:off x="9955800" y="5565781"/>
+              <a:ext cx="787791" cy="393895"/>
+            </a:xfrm>
+            <a:prstGeom prst="rect">
+              <a:avLst/>
+            </a:prstGeom>
+            <a:noFill/>
+            <a:ln>
+              <a:solidFill>
+                <a:srgbClr val="0070C0"/>
+              </a:solidFill>
+            </a:ln>
+          </p:spPr>
+          <p:style>
+            <a:lnRef idx="2">
+              <a:schemeClr val="accent1">
+                <a:shade val="50000"/>
+              </a:schemeClr>
+            </a:lnRef>
+            <a:fillRef idx="1">
+              <a:schemeClr val="accent1"/>
+            </a:fillRef>
+            <a:effectRef idx="0">
+              <a:schemeClr val="accent1"/>
+            </a:effectRef>
+            <a:fontRef idx="minor">
+              <a:schemeClr val="lt1"/>
+            </a:fontRef>
+          </p:style>
+          <p:txBody>
+            <a:bodyPr rtlCol="0" anchor="ctr"/>
+            <a:lstStyle/>
+            <a:p>
+              <a:pPr algn="ctr"/>
+              <a:endParaRPr lang="en-US"/>
+            </a:p>
+          </p:txBody>
+        </p:sp>
+        <p:sp>
+          <p:nvSpPr>
+            <p:cNvPr id="14" name="Rectangle 13">
+              <a:extLst>
+                <a:ext uri="{FF2B5EF4-FFF2-40B4-BE49-F238E27FC236}">
+                  <a16:creationId xmlns:a16="http://schemas.microsoft.com/office/drawing/2014/main" id="{0DE6DB3A-1F21-4071-B92B-719E35C36FAC}"/>
+                </a:ext>
+              </a:extLst>
+            </p:cNvPr>
+            <p:cNvSpPr/>
+            <p:nvPr/>
+          </p:nvSpPr>
+          <p:spPr>
+            <a:xfrm>
+              <a:off x="8750668" y="5171886"/>
+              <a:ext cx="787791" cy="393895"/>
+            </a:xfrm>
+            <a:prstGeom prst="rect">
+              <a:avLst/>
+            </a:prstGeom>
+            <a:noFill/>
+            <a:ln>
+              <a:solidFill>
+                <a:srgbClr val="FF0000"/>
+              </a:solidFill>
+            </a:ln>
+          </p:spPr>
+          <p:style>
+            <a:lnRef idx="2">
+              <a:schemeClr val="accent1">
+                <a:shade val="50000"/>
+              </a:schemeClr>
+            </a:lnRef>
+            <a:fillRef idx="1">
+              <a:schemeClr val="accent1"/>
+            </a:fillRef>
+            <a:effectRef idx="0">
+              <a:schemeClr val="accent1"/>
+            </a:effectRef>
+            <a:fontRef idx="minor">
+              <a:schemeClr val="lt1"/>
+            </a:fontRef>
+          </p:style>
+          <p:txBody>
+            <a:bodyPr rtlCol="0" anchor="ctr"/>
+            <a:lstStyle/>
+            <a:p>
+              <a:pPr algn="ctr"/>
+              <a:endParaRPr lang="en-US"/>
+            </a:p>
+          </p:txBody>
+        </p:sp>
+        <p:cxnSp>
+          <p:nvCxnSpPr>
+            <p:cNvPr id="15" name="Straight Arrow Connector 14">
+              <a:extLst>
+                <a:ext uri="{FF2B5EF4-FFF2-40B4-BE49-F238E27FC236}">
+                  <a16:creationId xmlns:a16="http://schemas.microsoft.com/office/drawing/2014/main" id="{4B9C295D-4E5B-4A9F-A31F-33B7362B4FD7}"/>
+                </a:ext>
+              </a:extLst>
+            </p:cNvPr>
+            <p:cNvCxnSpPr>
+              <a:cxnSpLocks/>
+            </p:cNvCxnSpPr>
+            <p:nvPr/>
+          </p:nvCxnSpPr>
+          <p:spPr>
+            <a:xfrm flipV="1">
+              <a:off x="8307692" y="5559752"/>
+              <a:ext cx="457272" cy="299441"/>
+            </a:xfrm>
+            <a:prstGeom prst="straightConnector1">
+              <a:avLst/>
+            </a:prstGeom>
+            <a:ln w="38100">
+              <a:solidFill>
+                <a:srgbClr val="FF0000"/>
+              </a:solidFill>
+              <a:headEnd w="lg" len="lg"/>
+              <a:tailEnd type="triangle" w="lg" len="lg"/>
+            </a:ln>
+          </p:spPr>
+          <p:style>
+            <a:lnRef idx="1">
+              <a:schemeClr val="accent1"/>
+            </a:lnRef>
+            <a:fillRef idx="0">
+              <a:schemeClr val="accent1"/>
+            </a:fillRef>
+            <a:effectRef idx="0">
+              <a:schemeClr val="accent1"/>
+            </a:effectRef>
+            <a:fontRef idx="minor">
+              <a:schemeClr val="tx1"/>
+            </a:fontRef>
+          </p:style>
+        </p:cxnSp>
+        <p:cxnSp>
+          <p:nvCxnSpPr>
+            <p:cNvPr id="16" name="Straight Arrow Connector 15">
+              <a:extLst>
+                <a:ext uri="{FF2B5EF4-FFF2-40B4-BE49-F238E27FC236}">
+                  <a16:creationId xmlns:a16="http://schemas.microsoft.com/office/drawing/2014/main" id="{187A355E-CDE8-4CE5-B8D6-36D062BF3DA2}"/>
+                </a:ext>
+              </a:extLst>
+            </p:cNvPr>
+            <p:cNvCxnSpPr>
+              <a:cxnSpLocks/>
+            </p:cNvCxnSpPr>
+            <p:nvPr/>
+          </p:nvCxnSpPr>
+          <p:spPr>
+            <a:xfrm flipV="1">
+              <a:off x="9559488" y="5959676"/>
+              <a:ext cx="396312" cy="351473"/>
+            </a:xfrm>
+            <a:prstGeom prst="straightConnector1">
+              <a:avLst/>
+            </a:prstGeom>
+            <a:ln w="38100">
+              <a:solidFill>
+                <a:srgbClr val="0070C0"/>
+              </a:solidFill>
+              <a:headEnd w="lg" len="lg"/>
+              <a:tailEnd type="triangle" w="lg" len="lg"/>
+            </a:ln>
+          </p:spPr>
+          <p:style>
+            <a:lnRef idx="1">
+              <a:schemeClr val="accent1"/>
+            </a:lnRef>
+            <a:fillRef idx="0">
+              <a:schemeClr val="accent1"/>
+            </a:fillRef>
+            <a:effectRef idx="0">
+              <a:schemeClr val="accent1"/>
+            </a:effectRef>
+            <a:fontRef idx="minor">
+              <a:schemeClr val="tx1"/>
+            </a:fontRef>
+          </p:style>
+        </p:cxnSp>
+      </p:grpSp>
+      <p:grpSp>
+        <p:nvGrpSpPr>
+          <p:cNvPr id="18" name="Group 17">
+            <a:extLst>
+              <a:ext uri="{FF2B5EF4-FFF2-40B4-BE49-F238E27FC236}">
+                <a16:creationId xmlns:a16="http://schemas.microsoft.com/office/drawing/2014/main" id="{7C7BC7B5-E615-4225-96AC-4464445BD4D6}"/>
+              </a:ext>
+            </a:extLst>
+          </p:cNvPr>
+          <p:cNvGrpSpPr/>
+          <p:nvPr/>
+        </p:nvGrpSpPr>
+        <p:grpSpPr>
+          <a:xfrm>
+            <a:off x="2582479" y="286464"/>
+            <a:ext cx="7027040" cy="2909500"/>
+            <a:chOff x="172939" y="1912919"/>
+            <a:chExt cx="7027040" cy="2909500"/>
+          </a:xfrm>
+        </p:grpSpPr>
+        <p:pic>
+          <p:nvPicPr>
+            <p:cNvPr id="5" name="Picture 4">
+              <a:extLst>
+                <a:ext uri="{FF2B5EF4-FFF2-40B4-BE49-F238E27FC236}">
+                  <a16:creationId xmlns:a16="http://schemas.microsoft.com/office/drawing/2014/main" id="{214882EB-68E3-468E-AB19-255C29395F98}"/>
+                </a:ext>
+              </a:extLst>
+            </p:cNvPr>
+            <p:cNvPicPr>
+              <a:picLocks noChangeAspect="1"/>
+            </p:cNvPicPr>
+            <p:nvPr/>
+          </p:nvPicPr>
+          <p:blipFill>
+            <a:blip r:embed="rId4"/>
+            <a:stretch>
+              <a:fillRect/>
+            </a:stretch>
+          </p:blipFill>
+          <p:spPr>
+            <a:xfrm>
+              <a:off x="172939" y="1912919"/>
+              <a:ext cx="7027040" cy="2909500"/>
+            </a:xfrm>
+            <a:prstGeom prst="rect">
+              <a:avLst/>
+            </a:prstGeom>
+            <a:ln>
+              <a:solidFill>
+                <a:schemeClr val="accent1">
+                  <a:shade val="50000"/>
+                </a:schemeClr>
+              </a:solidFill>
+            </a:ln>
+          </p:spPr>
+        </p:pic>
+        <p:sp>
+          <p:nvSpPr>
+            <p:cNvPr id="7" name="Rectangle 6">
+              <a:extLst>
+                <a:ext uri="{FF2B5EF4-FFF2-40B4-BE49-F238E27FC236}">
+                  <a16:creationId xmlns:a16="http://schemas.microsoft.com/office/drawing/2014/main" id="{6973E923-A857-4038-ADA6-5F6196C0F818}"/>
+                </a:ext>
+              </a:extLst>
+            </p:cNvPr>
+            <p:cNvSpPr/>
+            <p:nvPr/>
+          </p:nvSpPr>
+          <p:spPr>
+            <a:xfrm>
+              <a:off x="5150785" y="3893951"/>
+              <a:ext cx="787791" cy="393895"/>
+            </a:xfrm>
+            <a:prstGeom prst="rect">
+              <a:avLst/>
+            </a:prstGeom>
+            <a:noFill/>
+            <a:ln>
+              <a:solidFill>
+                <a:srgbClr val="0070C0"/>
+              </a:solidFill>
+            </a:ln>
+          </p:spPr>
+          <p:style>
+            <a:lnRef idx="2">
+              <a:schemeClr val="accent1">
+                <a:shade val="50000"/>
+              </a:schemeClr>
+            </a:lnRef>
+            <a:fillRef idx="1">
+              <a:schemeClr val="accent1"/>
+            </a:fillRef>
+            <a:effectRef idx="0">
+              <a:schemeClr val="accent1"/>
+            </a:effectRef>
+            <a:fontRef idx="minor">
+              <a:schemeClr val="lt1"/>
+            </a:fontRef>
+          </p:style>
+          <p:txBody>
+            <a:bodyPr rtlCol="0" anchor="ctr"/>
+            <a:lstStyle/>
+            <a:p>
+              <a:pPr algn="ctr"/>
+              <a:endParaRPr lang="en-US"/>
+            </a:p>
+          </p:txBody>
+        </p:sp>
+        <p:sp>
+          <p:nvSpPr>
+            <p:cNvPr id="8" name="Rectangle 7">
+              <a:extLst>
+                <a:ext uri="{FF2B5EF4-FFF2-40B4-BE49-F238E27FC236}">
+                  <a16:creationId xmlns:a16="http://schemas.microsoft.com/office/drawing/2014/main" id="{82B96F53-33B1-41EC-AC75-0B394278C26A}"/>
+                </a:ext>
+              </a:extLst>
+            </p:cNvPr>
+            <p:cNvSpPr/>
+            <p:nvPr/>
+          </p:nvSpPr>
+          <p:spPr>
+            <a:xfrm>
+              <a:off x="3945653" y="3500056"/>
+              <a:ext cx="787791" cy="393895"/>
+            </a:xfrm>
+            <a:prstGeom prst="rect">
+              <a:avLst/>
+            </a:prstGeom>
+            <a:noFill/>
+            <a:ln>
+              <a:solidFill>
+                <a:srgbClr val="FF0000"/>
+              </a:solidFill>
+            </a:ln>
+          </p:spPr>
+          <p:style>
+            <a:lnRef idx="2">
+              <a:schemeClr val="accent1">
+                <a:shade val="50000"/>
+              </a:schemeClr>
+            </a:lnRef>
+            <a:fillRef idx="1">
+              <a:schemeClr val="accent1"/>
+            </a:fillRef>
+            <a:effectRef idx="0">
+              <a:schemeClr val="accent1"/>
+            </a:effectRef>
+            <a:fontRef idx="minor">
+              <a:schemeClr val="lt1"/>
+            </a:fontRef>
+          </p:style>
+          <p:txBody>
+            <a:bodyPr rtlCol="0" anchor="ctr"/>
+            <a:lstStyle/>
+            <a:p>
+              <a:pPr algn="ctr"/>
+              <a:endParaRPr lang="en-US"/>
+            </a:p>
+          </p:txBody>
+        </p:sp>
+        <p:cxnSp>
+          <p:nvCxnSpPr>
+            <p:cNvPr id="9" name="Straight Arrow Connector 8">
+              <a:extLst>
+                <a:ext uri="{FF2B5EF4-FFF2-40B4-BE49-F238E27FC236}">
+                  <a16:creationId xmlns:a16="http://schemas.microsoft.com/office/drawing/2014/main" id="{46A514F3-C52E-4EC2-BEFB-8C639D7B9568}"/>
+                </a:ext>
+              </a:extLst>
+            </p:cNvPr>
+            <p:cNvCxnSpPr>
+              <a:cxnSpLocks/>
+            </p:cNvCxnSpPr>
+            <p:nvPr/>
+          </p:nvCxnSpPr>
+          <p:spPr>
+            <a:xfrm flipV="1">
+              <a:off x="3502677" y="3887922"/>
+              <a:ext cx="457272" cy="299441"/>
+            </a:xfrm>
+            <a:prstGeom prst="straightConnector1">
+              <a:avLst/>
+            </a:prstGeom>
+            <a:ln w="38100">
+              <a:solidFill>
+                <a:srgbClr val="FF0000"/>
+              </a:solidFill>
+              <a:headEnd w="lg" len="lg"/>
+              <a:tailEnd type="triangle" w="lg" len="lg"/>
+            </a:ln>
+          </p:spPr>
+          <p:style>
+            <a:lnRef idx="1">
+              <a:schemeClr val="accent1"/>
+            </a:lnRef>
+            <a:fillRef idx="0">
+              <a:schemeClr val="accent1"/>
+            </a:fillRef>
+            <a:effectRef idx="0">
+              <a:schemeClr val="accent1"/>
+            </a:effectRef>
+            <a:fontRef idx="minor">
+              <a:schemeClr val="tx1"/>
+            </a:fontRef>
+          </p:style>
+        </p:cxnSp>
+        <p:cxnSp>
+          <p:nvCxnSpPr>
+            <p:cNvPr id="10" name="Straight Arrow Connector 9">
+              <a:extLst>
+                <a:ext uri="{FF2B5EF4-FFF2-40B4-BE49-F238E27FC236}">
+                  <a16:creationId xmlns:a16="http://schemas.microsoft.com/office/drawing/2014/main" id="{AAD4D84D-19FF-4048-91BD-B26A96856A8D}"/>
+                </a:ext>
+              </a:extLst>
+            </p:cNvPr>
+            <p:cNvCxnSpPr>
+              <a:cxnSpLocks/>
+            </p:cNvCxnSpPr>
+            <p:nvPr/>
+          </p:nvCxnSpPr>
+          <p:spPr>
+            <a:xfrm flipV="1">
+              <a:off x="4754473" y="4287846"/>
+              <a:ext cx="396312" cy="351473"/>
+            </a:xfrm>
+            <a:prstGeom prst="straightConnector1">
+              <a:avLst/>
+            </a:prstGeom>
+            <a:ln w="38100">
+              <a:solidFill>
+                <a:srgbClr val="0070C0"/>
+              </a:solidFill>
+              <a:headEnd w="lg" len="lg"/>
+              <a:tailEnd type="triangle" w="lg" len="lg"/>
+            </a:ln>
+          </p:spPr>
+          <p:style>
+            <a:lnRef idx="1">
+              <a:schemeClr val="accent1"/>
+            </a:lnRef>
+            <a:fillRef idx="0">
+              <a:schemeClr val="accent1"/>
+            </a:fillRef>
+            <a:effectRef idx="0">
+              <a:schemeClr val="accent1"/>
+            </a:effectRef>
+            <a:fontRef idx="minor">
+              <a:schemeClr val="tx1"/>
+            </a:fontRef>
+          </p:style>
+        </p:cxnSp>
+      </p:grpSp>
+      <p:sp>
+        <p:nvSpPr>
+          <p:cNvPr id="19" name="TextBox 18">
+            <a:extLst>
+              <a:ext uri="{FF2B5EF4-FFF2-40B4-BE49-F238E27FC236}">
+                <a16:creationId xmlns:a16="http://schemas.microsoft.com/office/drawing/2014/main" id="{950B2E6E-E3A0-4CF3-8322-49CAA3FD517F}"/>
               </a:ext>
             </a:extLst>
           </p:cNvPr>
@@ -6854,8 +7306,8 @@
         </p:nvSpPr>
         <p:spPr>
           <a:xfrm>
-            <a:off x="590840" y="1659285"/>
-            <a:ext cx="11223675" cy="3539430"/>
+            <a:off x="914590" y="1307360"/>
+            <a:ext cx="5219115" cy="954107"/>
           </a:xfrm>
           <a:prstGeom prst="rect">
             <a:avLst/>
@@ -6868,60 +7320,64 @@
           </a:bodyPr>
           <a:lstStyle/>
           <a:p>
-            <a:pPr marL="457200" indent="-457200" algn="just">
-              <a:buFont typeface="Arial" panose="020B0604020202020204" pitchFamily="34" charset="0"/>
-              <a:buChar char="•"/>
-            </a:pPr>
-            <a:r>
-              <a:rPr lang="en-US" sz="2800" i="1" dirty="0"/>
-              <a:t>Whilst Extra Trees did slightly better in accuracy, Logistic Regression performed much better on Recall </a:t>
-            </a:r>
-            <a:r>
-              <a:rPr lang="en-US" sz="2800" i="1" dirty="0">
-                <a:sym typeface="Wingdings" panose="05000000000000000000" pitchFamily="2" charset="2"/>
-              </a:rPr>
-              <a:t> and that’s the most important metric for the problem statement.</a:t>
-            </a:r>
-            <a:endParaRPr lang="en-US" sz="2800" i="1" dirty="0"/>
-          </a:p>
-          <a:p>
-            <a:pPr marL="457200" indent="-457200" algn="just">
-              <a:buFont typeface="Arial" panose="020B0604020202020204" pitchFamily="34" charset="0"/>
-              <a:buChar char="•"/>
-            </a:pPr>
-            <a:endParaRPr lang="en-US" sz="2800" i="1" dirty="0"/>
-          </a:p>
-          <a:p>
-            <a:pPr marL="457200" indent="-457200" algn="just">
-              <a:buFont typeface="Arial" panose="020B0604020202020204" pitchFamily="34" charset="0"/>
-              <a:buChar char="•"/>
-            </a:pPr>
-            <a:r>
-              <a:rPr lang="en-US" sz="2800" i="1" dirty="0"/>
-              <a:t>Using coarse-grained data from the annual returns, the classification model was able to out-perform the baseline accuracy. Imagine what more a </a:t>
-            </a:r>
-            <a:r>
-              <a:rPr lang="en-US" sz="2800" b="1" i="1" u="sng" dirty="0"/>
-              <a:t>GA DSI Graduate with access to underwriting and claims data </a:t>
-            </a:r>
-            <a:r>
-              <a:rPr lang="en-US" sz="2800" i="1" dirty="0"/>
-              <a:t>can do for an insurer. </a:t>
-            </a:r>
-            <a:r>
-              <a:rPr lang="en-US" sz="2800" i="1" dirty="0">
-                <a:sym typeface="Wingdings" panose="05000000000000000000" pitchFamily="2" charset="2"/>
-              </a:rPr>
-              <a:t></a:t>
-            </a:r>
-            <a:endParaRPr lang="en-US" sz="2800" i="1" dirty="0"/>
+            <a:r>
+              <a:rPr lang="en-US" sz="2800" dirty="0"/>
+              <a:t>Logistic </a:t>
+            </a:r>
+          </a:p>
+          <a:p>
+            <a:r>
+              <a:rPr lang="en-US" sz="2800" dirty="0"/>
+              <a:t>Regressor</a:t>
+            </a:r>
+          </a:p>
+        </p:txBody>
+      </p:sp>
+      <p:sp>
+        <p:nvSpPr>
+          <p:cNvPr id="20" name="TextBox 19">
+            <a:extLst>
+              <a:ext uri="{FF2B5EF4-FFF2-40B4-BE49-F238E27FC236}">
+                <a16:creationId xmlns:a16="http://schemas.microsoft.com/office/drawing/2014/main" id="{36294F3D-7FE0-498B-9CE7-DB99A325B832}"/>
+              </a:ext>
+            </a:extLst>
+          </p:cNvPr>
+          <p:cNvSpPr txBox="1"/>
+          <p:nvPr/>
+        </p:nvSpPr>
+        <p:spPr>
+          <a:xfrm>
+            <a:off x="1529973" y="4210990"/>
+            <a:ext cx="5219115" cy="954107"/>
+          </a:xfrm>
+          <a:prstGeom prst="rect">
+            <a:avLst/>
+          </a:prstGeom>
+          <a:noFill/>
+        </p:spPr>
+        <p:txBody>
+          <a:bodyPr wrap="square" rtlCol="0">
+            <a:spAutoFit/>
+          </a:bodyPr>
+          <a:lstStyle/>
+          <a:p>
+            <a:r>
+              <a:rPr lang="en-US" sz="2800" dirty="0"/>
+              <a:t>Extra</a:t>
+            </a:r>
+          </a:p>
+          <a:p>
+            <a:r>
+              <a:rPr lang="en-US" sz="2800" dirty="0"/>
+              <a:t>Trees</a:t>
+            </a:r>
           </a:p>
         </p:txBody>
       </p:sp>
     </p:spTree>
     <p:extLst>
       <p:ext uri="{BB962C8B-B14F-4D97-AF65-F5344CB8AC3E}">
-        <p14:creationId xmlns:p14="http://schemas.microsoft.com/office/powerpoint/2010/main" val="1055779350"/>
+        <p14:creationId xmlns:p14="http://schemas.microsoft.com/office/powerpoint/2010/main" val="1217344239"/>
       </p:ext>
     </p:extLst>
   </p:cSld>
@@ -6934,17 +7390,6 @@
 <file path=ppt/slides/slide19.xml><?xml version="1.0" encoding="utf-8"?>
 <p:sld xmlns:a="http://schemas.openxmlformats.org/drawingml/2006/main" xmlns:r="http://schemas.openxmlformats.org/officeDocument/2006/relationships" xmlns:p="http://schemas.openxmlformats.org/presentationml/2006/main">
   <p:cSld>
-    <p:bg>
-      <p:bgPr>
-        <a:solidFill>
-          <a:schemeClr val="bg1">
-            <a:tint val="95000"/>
-            <a:satMod val="170000"/>
-          </a:schemeClr>
-        </a:solidFill>
-        <a:effectLst/>
-      </p:bgPr>
-    </p:bg>
     <p:spTree>
       <p:nvGrpSpPr>
         <p:cNvPr id="1" name=""/>
@@ -6959,179 +7404,12 @@
           <a:chExt cx="0" cy="0"/>
         </a:xfrm>
       </p:grpSpPr>
-      <p:sp>
-        <p:nvSpPr>
-          <p:cNvPr id="71" name="Freeform: Shape 70">
-            <a:extLst>
-              <a:ext uri="{FF2B5EF4-FFF2-40B4-BE49-F238E27FC236}">
-                <a16:creationId xmlns:a16="http://schemas.microsoft.com/office/drawing/2014/main" id="{1DB7C82F-AB7E-4F0C-B829-FA1B9C415180}"/>
-              </a:ext>
-              <a:ext uri="{C183D7F6-B498-43B3-948B-1728B52AA6E4}">
-                <adec:decorative xmlns:adec="http://schemas.microsoft.com/office/drawing/2017/decorative" val="1"/>
-              </a:ext>
-            </a:extLst>
-          </p:cNvPr>
-          <p:cNvSpPr>
-            <a:spLocks noGrp="1" noRot="1" noChangeAspect="1" noMove="1" noResize="1" noEditPoints="1" noAdjustHandles="1" noChangeArrowheads="1" noChangeShapeType="1" noTextEdit="1"/>
-          </p:cNvSpPr>
-          <p:nvPr>
-            <p:extLst>
-              <p:ext uri="{386F3935-93C4-4BCD-93E2-E3B085C9AB24}">
-                <p16:designElem xmlns:p16="http://schemas.microsoft.com/office/powerpoint/2015/main" val="1"/>
-              </p:ext>
-            </p:extLst>
-          </p:nvPr>
-        </p:nvSpPr>
-        <p:spPr>
-          <a:xfrm flipH="1">
-            <a:off x="0" y="0"/>
-            <a:ext cx="6172782" cy="6858000"/>
-          </a:xfrm>
-          <a:custGeom>
-            <a:avLst/>
-            <a:gdLst>
-              <a:gd name="connsiteX0" fmla="*/ 6172782 w 6172782"/>
-              <a:gd name="connsiteY0" fmla="*/ 0 h 6858000"/>
-              <a:gd name="connsiteX1" fmla="*/ 69075 w 6172782"/>
-              <a:gd name="connsiteY1" fmla="*/ 0 h 6858000"/>
-              <a:gd name="connsiteX2" fmla="*/ 35131 w 6172782"/>
-              <a:gd name="connsiteY2" fmla="*/ 267128 h 6858000"/>
-              <a:gd name="connsiteX3" fmla="*/ 0 w 6172782"/>
-              <a:gd name="connsiteY3" fmla="*/ 962845 h 6858000"/>
-              <a:gd name="connsiteX4" fmla="*/ 3276103 w 6172782"/>
-              <a:gd name="connsiteY4" fmla="*/ 6782205 h 6858000"/>
-              <a:gd name="connsiteX5" fmla="*/ 3407923 w 6172782"/>
-              <a:gd name="connsiteY5" fmla="*/ 6858000 h 6858000"/>
-              <a:gd name="connsiteX6" fmla="*/ 6172782 w 6172782"/>
-              <a:gd name="connsiteY6" fmla="*/ 6858000 h 6858000"/>
-            </a:gdLst>
-            <a:ahLst/>
-            <a:cxnLst>
-              <a:cxn ang="0">
-                <a:pos x="connsiteX0" y="connsiteY0"/>
-              </a:cxn>
-              <a:cxn ang="0">
-                <a:pos x="connsiteX1" y="connsiteY1"/>
-              </a:cxn>
-              <a:cxn ang="0">
-                <a:pos x="connsiteX2" y="connsiteY2"/>
-              </a:cxn>
-              <a:cxn ang="0">
-                <a:pos x="connsiteX3" y="connsiteY3"/>
-              </a:cxn>
-              <a:cxn ang="0">
-                <a:pos x="connsiteX4" y="connsiteY4"/>
-              </a:cxn>
-              <a:cxn ang="0">
-                <a:pos x="connsiteX5" y="connsiteY5"/>
-              </a:cxn>
-              <a:cxn ang="0">
-                <a:pos x="connsiteX6" y="connsiteY6"/>
-              </a:cxn>
-            </a:cxnLst>
-            <a:rect l="l" t="t" r="r" b="b"/>
-            <a:pathLst>
-              <a:path w="6172782" h="6858000">
-                <a:moveTo>
-                  <a:pt x="6172782" y="0"/>
-                </a:moveTo>
-                <a:lnTo>
-                  <a:pt x="69075" y="0"/>
-                </a:lnTo>
-                <a:lnTo>
-                  <a:pt x="35131" y="267128"/>
-                </a:lnTo>
-                <a:cubicBezTo>
-                  <a:pt x="11901" y="495874"/>
-                  <a:pt x="0" y="727970"/>
-                  <a:pt x="0" y="962845"/>
-                </a:cubicBezTo>
-                <a:cubicBezTo>
-                  <a:pt x="0" y="3429034"/>
-                  <a:pt x="1312002" y="5588789"/>
-                  <a:pt x="3276103" y="6782205"/>
-                </a:cubicBezTo>
-                <a:lnTo>
-                  <a:pt x="3407923" y="6858000"/>
-                </a:lnTo>
-                <a:lnTo>
-                  <a:pt x="6172782" y="6858000"/>
-                </a:lnTo>
-                <a:close/>
-              </a:path>
-            </a:pathLst>
-          </a:custGeom>
-          <a:solidFill>
-            <a:srgbClr val="FFFFFF">
-              <a:alpha val="80000"/>
-            </a:srgbClr>
-          </a:solidFill>
-          <a:ln>
-            <a:noFill/>
-          </a:ln>
-        </p:spPr>
-        <p:style>
-          <a:lnRef idx="2">
-            <a:schemeClr val="accent1">
-              <a:shade val="50000"/>
-            </a:schemeClr>
-          </a:lnRef>
-          <a:fillRef idx="1">
-            <a:schemeClr val="accent1"/>
-          </a:fillRef>
-          <a:effectRef idx="0">
-            <a:schemeClr val="accent1"/>
-          </a:effectRef>
-          <a:fontRef idx="minor">
-            <a:schemeClr val="lt1"/>
-          </a:fontRef>
-        </p:style>
-        <p:txBody>
-          <a:bodyPr wrap="square" rtlCol="0" anchor="ctr">
-            <a:noAutofit/>
-          </a:bodyPr>
-          <a:lstStyle/>
-          <a:p>
-            <a:pPr marL="0" marR="0" lvl="0" indent="0" algn="ctr" defTabSz="914400" rtl="0" eaLnBrk="1" fontAlgn="auto" latinLnBrk="0" hangingPunct="1">
-              <a:lnSpc>
-                <a:spcPct val="100000"/>
-              </a:lnSpc>
-              <a:spcBef>
-                <a:spcPts val="0"/>
-              </a:spcBef>
-              <a:spcAft>
-                <a:spcPts val="0"/>
-              </a:spcAft>
-              <a:buClrTx/>
-              <a:buSzTx/>
-              <a:buFontTx/>
-              <a:buNone/>
-              <a:tabLst/>
-              <a:defRPr/>
-            </a:pPr>
-            <a:endParaRPr kumimoji="0" lang="en-US" sz="1800" b="0" i="0" u="none" strike="noStrike" kern="1200" cap="none" spc="0" normalizeH="0" baseline="0" noProof="0">
-              <a:ln>
-                <a:noFill/>
-              </a:ln>
-              <a:solidFill>
-                <a:prstClr val="white"/>
-              </a:solidFill>
-              <a:effectLst/>
-              <a:uLnTx/>
-              <a:uFillTx/>
-              <a:latin typeface="Calibri" panose="020F0502020204030204"/>
-              <a:ea typeface="+mn-ea"/>
-              <a:cs typeface="+mn-cs"/>
-            </a:endParaRPr>
-          </a:p>
-        </p:txBody>
-      </p:sp>
       <p:pic>
         <p:nvPicPr>
-          <p:cNvPr id="1026" name="Picture 2" descr="Man squeezing blood from stone : Stock Photo">
-            <a:extLst>
-              <a:ext uri="{FF2B5EF4-FFF2-40B4-BE49-F238E27FC236}">
-                <a16:creationId xmlns:a16="http://schemas.microsoft.com/office/drawing/2014/main" id="{603A6E5A-EA32-4DA9-8F2F-A7131D002479}"/>
+          <p:cNvPr id="2" name="Picture 2" descr="Image result for reinsurance">
+            <a:extLst>
+              <a:ext uri="{FF2B5EF4-FFF2-40B4-BE49-F238E27FC236}">
+                <a16:creationId xmlns:a16="http://schemas.microsoft.com/office/drawing/2014/main" id="{070B068F-9DF1-4994-B3D8-383BD3A776BB}"/>
               </a:ext>
             </a:extLst>
           </p:cNvPr>
@@ -7148,88 +7426,17 @@
               </a:ext>
             </a:extLst>
           </a:blip>
-          <a:srcRect l="20301" r="14478" b="1"/>
+          <a:srcRect l="20174" r="21466"/>
           <a:stretch/>
         </p:blipFill>
         <p:spPr bwMode="auto">
           <a:xfrm>
-            <a:off x="20" y="10"/>
-            <a:ext cx="6024134" cy="6857990"/>
-          </a:xfrm>
-          <a:custGeom>
-            <a:avLst/>
-            <a:gdLst>
-              <a:gd name="connsiteX0" fmla="*/ 0 w 6024154"/>
-              <a:gd name="connsiteY0" fmla="*/ 0 h 6858000"/>
-              <a:gd name="connsiteX1" fmla="*/ 5953780 w 6024154"/>
-              <a:gd name="connsiteY1" fmla="*/ 0 h 6858000"/>
-              <a:gd name="connsiteX2" fmla="*/ 5989880 w 6024154"/>
-              <a:gd name="connsiteY2" fmla="*/ 284091 h 6858000"/>
-              <a:gd name="connsiteX3" fmla="*/ 6024154 w 6024154"/>
-              <a:gd name="connsiteY3" fmla="*/ 962844 h 6858000"/>
-              <a:gd name="connsiteX4" fmla="*/ 2549934 w 6024154"/>
-              <a:gd name="connsiteY4" fmla="*/ 6800152 h 6858000"/>
-              <a:gd name="connsiteX5" fmla="*/ 2436987 w 6024154"/>
-              <a:gd name="connsiteY5" fmla="*/ 6858000 h 6858000"/>
-              <a:gd name="connsiteX6" fmla="*/ 0 w 6024154"/>
-              <a:gd name="connsiteY6" fmla="*/ 6858000 h 6858000"/>
-            </a:gdLst>
-            <a:ahLst/>
-            <a:cxnLst>
-              <a:cxn ang="0">
-                <a:pos x="connsiteX0" y="connsiteY0"/>
-              </a:cxn>
-              <a:cxn ang="0">
-                <a:pos x="connsiteX1" y="connsiteY1"/>
-              </a:cxn>
-              <a:cxn ang="0">
-                <a:pos x="connsiteX2" y="connsiteY2"/>
-              </a:cxn>
-              <a:cxn ang="0">
-                <a:pos x="connsiteX3" y="connsiteY3"/>
-              </a:cxn>
-              <a:cxn ang="0">
-                <a:pos x="connsiteX4" y="connsiteY4"/>
-              </a:cxn>
-              <a:cxn ang="0">
-                <a:pos x="connsiteX5" y="connsiteY5"/>
-              </a:cxn>
-              <a:cxn ang="0">
-                <a:pos x="connsiteX6" y="connsiteY6"/>
-              </a:cxn>
-            </a:cxnLst>
-            <a:rect l="l" t="t" r="r" b="b"/>
-            <a:pathLst>
-              <a:path w="6024154" h="6858000">
-                <a:moveTo>
-                  <a:pt x="0" y="0"/>
-                </a:moveTo>
-                <a:lnTo>
-                  <a:pt x="5953780" y="0"/>
-                </a:lnTo>
-                <a:lnTo>
-                  <a:pt x="5989880" y="284091"/>
-                </a:lnTo>
-                <a:cubicBezTo>
-                  <a:pt x="6012544" y="507260"/>
-                  <a:pt x="6024154" y="733696"/>
-                  <a:pt x="6024154" y="962844"/>
-                </a:cubicBezTo>
-                <a:cubicBezTo>
-                  <a:pt x="6024154" y="3483472"/>
-                  <a:pt x="4619336" y="5675986"/>
-                  <a:pt x="2549934" y="6800152"/>
-                </a:cubicBezTo>
-                <a:lnTo>
-                  <a:pt x="2436987" y="6858000"/>
-                </a:lnTo>
-                <a:lnTo>
-                  <a:pt x="0" y="6858000"/>
-                </a:lnTo>
-                <a:close/>
-              </a:path>
-            </a:pathLst>
-          </a:custGeom>
+            <a:off x="2341" y="5552667"/>
+            <a:ext cx="1352390" cy="1305333"/>
+          </a:xfrm>
+          <a:prstGeom prst="rect">
+            <a:avLst/>
+          </a:prstGeom>
           <a:noFill/>
           <a:extLst>
             <a:ext uri="{909E8E84-426E-40DD-AFC4-6F175D3DCCD1}">
@@ -7244,315 +7451,106 @@
       </p:pic>
       <p:sp>
         <p:nvSpPr>
-          <p:cNvPr id="2" name="Title 1">
-            <a:extLst>
-              <a:ext uri="{FF2B5EF4-FFF2-40B4-BE49-F238E27FC236}">
-                <a16:creationId xmlns:a16="http://schemas.microsoft.com/office/drawing/2014/main" id="{D37F33C9-F433-4FEB-B353-F078A74E69C3}"/>
-              </a:ext>
-            </a:extLst>
-          </p:cNvPr>
-          <p:cNvSpPr>
-            <a:spLocks noGrp="1"/>
-          </p:cNvSpPr>
-          <p:nvPr>
-            <p:ph type="ctrTitle"/>
-          </p:nvPr>
-        </p:nvSpPr>
-        <p:spPr>
-          <a:xfrm>
-            <a:off x="3669893" y="4071468"/>
-            <a:ext cx="6172781" cy="780672"/>
-          </a:xfrm>
-          <a:solidFill>
-            <a:schemeClr val="bg1">
-              <a:tint val="95000"/>
-              <a:satMod val="170000"/>
-            </a:schemeClr>
-          </a:solidFill>
-        </p:spPr>
-        <p:txBody>
-          <a:bodyPr anchor="b">
-            <a:normAutofit/>
+          <p:cNvPr id="3" name="TextBox 2">
+            <a:extLst>
+              <a:ext uri="{FF2B5EF4-FFF2-40B4-BE49-F238E27FC236}">
+                <a16:creationId xmlns:a16="http://schemas.microsoft.com/office/drawing/2014/main" id="{FA3CE48E-1C65-4AF0-9746-7B90E5646535}"/>
+              </a:ext>
+            </a:extLst>
+          </p:cNvPr>
+          <p:cNvSpPr txBox="1"/>
+          <p:nvPr/>
+        </p:nvSpPr>
+        <p:spPr>
+          <a:xfrm>
+            <a:off x="56272" y="56272"/>
+            <a:ext cx="5219115" cy="523220"/>
+          </a:xfrm>
+          <a:prstGeom prst="rect">
+            <a:avLst/>
+          </a:prstGeom>
+          <a:noFill/>
+        </p:spPr>
+        <p:txBody>
+          <a:bodyPr wrap="square" rtlCol="0">
+            <a:spAutoFit/>
           </a:bodyPr>
           <a:lstStyle/>
           <a:p>
-            <a:pPr algn="l"/>
-            <a:r>
-              <a:rPr lang="en-US" sz="4600" i="1" dirty="0"/>
-              <a:t>blood from a stone</a:t>
-            </a:r>
-          </a:p>
-        </p:txBody>
-      </p:sp>
-      <p:cxnSp>
-        <p:nvCxnSpPr>
-          <p:cNvPr id="6" name="Straight Arrow Connector 5">
-            <a:extLst>
-              <a:ext uri="{FF2B5EF4-FFF2-40B4-BE49-F238E27FC236}">
-                <a16:creationId xmlns:a16="http://schemas.microsoft.com/office/drawing/2014/main" id="{FA41F27D-76C4-4F53-BCED-03ABD79F7CE5}"/>
-              </a:ext>
-            </a:extLst>
-          </p:cNvPr>
-          <p:cNvCxnSpPr>
-            <a:cxnSpLocks/>
-          </p:cNvCxnSpPr>
-          <p:nvPr/>
-        </p:nvCxnSpPr>
-        <p:spPr>
-          <a:xfrm flipH="1">
-            <a:off x="4615102" y="822960"/>
-            <a:ext cx="1918617" cy="604024"/>
-          </a:xfrm>
-          <a:prstGeom prst="straightConnector1">
-            <a:avLst/>
-          </a:prstGeom>
-          <a:ln w="38100">
-            <a:solidFill>
-              <a:srgbClr val="FF0000"/>
-            </a:solidFill>
-            <a:headEnd w="lg" len="lg"/>
-            <a:tailEnd type="triangle" w="lg" len="lg"/>
-          </a:ln>
-        </p:spPr>
-        <p:style>
-          <a:lnRef idx="1">
-            <a:schemeClr val="accent1"/>
-          </a:lnRef>
-          <a:fillRef idx="0">
-            <a:schemeClr val="accent1"/>
-          </a:fillRef>
-          <a:effectRef idx="0">
-            <a:schemeClr val="accent1"/>
-          </a:effectRef>
-          <a:fontRef idx="minor">
-            <a:schemeClr val="tx1"/>
-          </a:fontRef>
-        </p:style>
-      </p:cxnSp>
-      <p:cxnSp>
-        <p:nvCxnSpPr>
-          <p:cNvPr id="16" name="Straight Arrow Connector 15">
-            <a:extLst>
-              <a:ext uri="{FF2B5EF4-FFF2-40B4-BE49-F238E27FC236}">
-                <a16:creationId xmlns:a16="http://schemas.microsoft.com/office/drawing/2014/main" id="{0D725E34-7C9B-4995-8DBE-83FD345D59B0}"/>
-              </a:ext>
-            </a:extLst>
-          </p:cNvPr>
-          <p:cNvCxnSpPr>
-            <a:cxnSpLocks/>
-          </p:cNvCxnSpPr>
-          <p:nvPr/>
-        </p:nvCxnSpPr>
-        <p:spPr>
-          <a:xfrm flipH="1" flipV="1">
-            <a:off x="3599554" y="5565082"/>
-            <a:ext cx="3086389" cy="469958"/>
-          </a:xfrm>
-          <a:prstGeom prst="straightConnector1">
-            <a:avLst/>
-          </a:prstGeom>
-          <a:ln w="38100">
-            <a:solidFill>
-              <a:srgbClr val="FF0000"/>
-            </a:solidFill>
-            <a:headEnd w="lg" len="lg"/>
-            <a:tailEnd type="triangle" w="lg" len="lg"/>
-          </a:ln>
-        </p:spPr>
-        <p:style>
-          <a:lnRef idx="1">
-            <a:schemeClr val="accent1"/>
-          </a:lnRef>
-          <a:fillRef idx="0">
-            <a:schemeClr val="accent1"/>
-          </a:fillRef>
-          <a:effectRef idx="0">
-            <a:schemeClr val="accent1"/>
-          </a:effectRef>
-          <a:fontRef idx="minor">
-            <a:schemeClr val="tx1"/>
-          </a:fontRef>
-        </p:style>
-      </p:cxnSp>
-      <p:sp>
-        <p:nvSpPr>
-          <p:cNvPr id="19" name="Title 1">
-            <a:extLst>
-              <a:ext uri="{FF2B5EF4-FFF2-40B4-BE49-F238E27FC236}">
-                <a16:creationId xmlns:a16="http://schemas.microsoft.com/office/drawing/2014/main" id="{91401DDE-33E0-45FA-8D90-DBEFF2B5560F}"/>
-              </a:ext>
-            </a:extLst>
-          </p:cNvPr>
-          <p:cNvSpPr txBox="1">
-            <a:spLocks/>
-          </p:cNvSpPr>
-          <p:nvPr/>
-        </p:nvSpPr>
-        <p:spPr>
-          <a:xfrm>
-            <a:off x="6533719" y="451819"/>
-            <a:ext cx="2877677" cy="560609"/>
+            <a:r>
+              <a:rPr lang="en-US" sz="2800" b="1" dirty="0"/>
+              <a:t>Concluding Points</a:t>
+            </a:r>
+          </a:p>
+        </p:txBody>
+      </p:sp>
+      <p:sp>
+        <p:nvSpPr>
+          <p:cNvPr id="4" name="TextBox 3">
+            <a:extLst>
+              <a:ext uri="{FF2B5EF4-FFF2-40B4-BE49-F238E27FC236}">
+                <a16:creationId xmlns:a16="http://schemas.microsoft.com/office/drawing/2014/main" id="{9C200CBD-2303-48A7-A392-DB0A2C4A0AA5}"/>
+              </a:ext>
+            </a:extLst>
+          </p:cNvPr>
+          <p:cNvSpPr txBox="1"/>
+          <p:nvPr/>
+        </p:nvSpPr>
+        <p:spPr>
+          <a:xfrm>
+            <a:off x="590840" y="1659285"/>
+            <a:ext cx="11223675" cy="3539430"/>
           </a:xfrm>
           <a:prstGeom prst="rect">
             <a:avLst/>
           </a:prstGeom>
-          <a:solidFill>
-            <a:schemeClr val="bg1">
-              <a:tint val="95000"/>
-              <a:satMod val="170000"/>
-            </a:schemeClr>
-          </a:solidFill>
-        </p:spPr>
-        <p:txBody>
-          <a:bodyPr vert="horz" lIns="91440" tIns="45720" rIns="91440" bIns="45720" rtlCol="0" anchor="b">
-            <a:normAutofit fontScale="97500" lnSpcReduction="10000"/>
+          <a:noFill/>
+        </p:spPr>
+        <p:txBody>
+          <a:bodyPr wrap="square" rtlCol="0">
+            <a:spAutoFit/>
           </a:bodyPr>
-          <a:lstStyle>
-            <a:lvl1pPr algn="ctr" defTabSz="914400" rtl="0" eaLnBrk="1" latinLnBrk="0" hangingPunct="1">
-              <a:lnSpc>
-                <a:spcPct val="90000"/>
-              </a:lnSpc>
-              <a:spcBef>
-                <a:spcPct val="0"/>
-              </a:spcBef>
-              <a:buNone/>
-              <a:defRPr sz="6000" kern="1200">
-                <a:solidFill>
-                  <a:schemeClr val="tx1"/>
-                </a:solidFill>
-                <a:latin typeface="+mj-lt"/>
-                <a:ea typeface="+mj-ea"/>
-                <a:cs typeface="+mj-cs"/>
-              </a:defRPr>
-            </a:lvl1pPr>
-          </a:lstStyle>
-          <a:p>
-            <a:pPr algn="l"/>
-            <a:r>
-              <a:rPr lang="en-US" sz="3600" i="1" dirty="0"/>
-              <a:t>Us</a:t>
-            </a:r>
-          </a:p>
-        </p:txBody>
-      </p:sp>
-      <p:sp>
-        <p:nvSpPr>
-          <p:cNvPr id="20" name="Title 1">
-            <a:extLst>
-              <a:ext uri="{FF2B5EF4-FFF2-40B4-BE49-F238E27FC236}">
-                <a16:creationId xmlns:a16="http://schemas.microsoft.com/office/drawing/2014/main" id="{4F0A6568-111B-4152-B2A1-95EEDCFF5558}"/>
-              </a:ext>
-            </a:extLst>
-          </p:cNvPr>
-          <p:cNvSpPr txBox="1">
-            <a:spLocks/>
-          </p:cNvSpPr>
-          <p:nvPr/>
-        </p:nvSpPr>
-        <p:spPr>
-          <a:xfrm>
-            <a:off x="2820857" y="3185229"/>
-            <a:ext cx="1698072" cy="560609"/>
-          </a:xfrm>
-          <a:prstGeom prst="rect">
-            <a:avLst/>
-          </a:prstGeom>
-          <a:noFill/>
-        </p:spPr>
-        <p:txBody>
-          <a:bodyPr vert="horz" lIns="91440" tIns="45720" rIns="91440" bIns="45720" rtlCol="0" anchor="b">
-            <a:noAutofit/>
-          </a:bodyPr>
-          <a:lstStyle>
-            <a:lvl1pPr algn="ctr" defTabSz="914400" rtl="0" eaLnBrk="1" latinLnBrk="0" hangingPunct="1">
-              <a:lnSpc>
-                <a:spcPct val="90000"/>
-              </a:lnSpc>
-              <a:spcBef>
-                <a:spcPct val="0"/>
-              </a:spcBef>
-              <a:buNone/>
-              <a:defRPr sz="6000" kern="1200">
-                <a:solidFill>
-                  <a:schemeClr val="tx1"/>
-                </a:solidFill>
-                <a:latin typeface="+mj-lt"/>
-                <a:ea typeface="+mj-ea"/>
-                <a:cs typeface="+mj-cs"/>
-              </a:defRPr>
-            </a:lvl1pPr>
-          </a:lstStyle>
-          <a:p>
-            <a:pPr algn="l"/>
-            <a:r>
-              <a:rPr lang="en-US" b="1" dirty="0">
-                <a:solidFill>
-                  <a:schemeClr val="bg1"/>
-                </a:solidFill>
-                <a:latin typeface="Abadi" panose="020B0604020202020204" pitchFamily="34" charset="0"/>
+          <a:lstStyle/>
+          <a:p>
+            <a:pPr marL="457200" indent="-457200" algn="just">
+              <a:buFont typeface="Arial" panose="020B0604020202020204" pitchFamily="34" charset="0"/>
+              <a:buChar char="•"/>
+            </a:pPr>
+            <a:r>
+              <a:rPr lang="en-US" sz="2800" i="1" dirty="0"/>
+              <a:t>Whilst Extra Trees did slightly better in accuracy, Logistic Regression performed much better on Recall </a:t>
+            </a:r>
+            <a:r>
+              <a:rPr lang="en-US" sz="2800" i="1" dirty="0">
+                <a:sym typeface="Wingdings" panose="05000000000000000000" pitchFamily="2" charset="2"/>
               </a:rPr>
-              <a:t>Data</a:t>
-            </a:r>
-          </a:p>
-        </p:txBody>
-      </p:sp>
-      <p:sp>
-        <p:nvSpPr>
-          <p:cNvPr id="21" name="Title 1">
-            <a:extLst>
-              <a:ext uri="{FF2B5EF4-FFF2-40B4-BE49-F238E27FC236}">
-                <a16:creationId xmlns:a16="http://schemas.microsoft.com/office/drawing/2014/main" id="{CD1BEC7A-4424-4AC1-A32F-4481EB59DDB1}"/>
-              </a:ext>
-            </a:extLst>
-          </p:cNvPr>
-          <p:cNvSpPr txBox="1">
-            <a:spLocks/>
-          </p:cNvSpPr>
-          <p:nvPr/>
-        </p:nvSpPr>
-        <p:spPr>
-          <a:xfrm>
-            <a:off x="6685943" y="5800061"/>
-            <a:ext cx="2877677" cy="560609"/>
-          </a:xfrm>
-          <a:prstGeom prst="rect">
-            <a:avLst/>
-          </a:prstGeom>
-          <a:solidFill>
-            <a:schemeClr val="bg1">
-              <a:tint val="95000"/>
-              <a:satMod val="170000"/>
-            </a:schemeClr>
-          </a:solidFill>
-        </p:spPr>
-        <p:txBody>
-          <a:bodyPr vert="horz" lIns="91440" tIns="45720" rIns="91440" bIns="45720" rtlCol="0" anchor="b">
-            <a:normAutofit fontScale="97500" lnSpcReduction="10000"/>
-          </a:bodyPr>
-          <a:lstStyle>
-            <a:lvl1pPr algn="ctr" defTabSz="914400" rtl="0" eaLnBrk="1" latinLnBrk="0" hangingPunct="1">
-              <a:lnSpc>
-                <a:spcPct val="90000"/>
-              </a:lnSpc>
-              <a:spcBef>
-                <a:spcPct val="0"/>
-              </a:spcBef>
-              <a:buNone/>
-              <a:defRPr sz="6000" kern="1200">
-                <a:solidFill>
-                  <a:schemeClr val="tx1"/>
-                </a:solidFill>
-                <a:latin typeface="+mj-lt"/>
-                <a:ea typeface="+mj-ea"/>
-                <a:cs typeface="+mj-cs"/>
-              </a:defRPr>
-            </a:lvl1pPr>
-          </a:lstStyle>
-          <a:p>
-            <a:pPr algn="l"/>
-            <a:r>
-              <a:rPr lang="en-US" sz="3600" b="1" i="1" dirty="0"/>
-              <a:t>Value</a:t>
+              <a:t> and that’s the most important metric for the problem statement.</a:t>
+            </a:r>
+            <a:endParaRPr lang="en-US" sz="2800" i="1" dirty="0"/>
+          </a:p>
+          <a:p>
+            <a:pPr marL="457200" indent="-457200" algn="just">
+              <a:buFont typeface="Arial" panose="020B0604020202020204" pitchFamily="34" charset="0"/>
+              <a:buChar char="•"/>
+            </a:pPr>
+            <a:endParaRPr lang="en-US" sz="2800" i="1" dirty="0"/>
+          </a:p>
+          <a:p>
+            <a:pPr marL="457200" indent="-457200" algn="just">
+              <a:buFont typeface="Arial" panose="020B0604020202020204" pitchFamily="34" charset="0"/>
+              <a:buChar char="•"/>
+            </a:pPr>
+            <a:r>
+              <a:rPr lang="en-US" sz="2800" i="1" dirty="0"/>
+              <a:t>Using coarse-grained data from the annual returns, the classification model was able to out-perform the baseline accuracy. Imagine what more a </a:t>
+            </a:r>
+            <a:r>
+              <a:rPr lang="en-US" sz="2800" b="1" i="1" u="sng" dirty="0"/>
+              <a:t>GA DSI Graduate with access to underwriting and claims data </a:t>
+            </a:r>
+            <a:r>
+              <a:rPr lang="en-US" sz="2800" i="1" dirty="0"/>
+              <a:t>can do for an insurer.</a:t>
             </a:r>
           </a:p>
         </p:txBody>
@@ -7560,12 +7558,12 @@
     </p:spTree>
     <p:extLst>
       <p:ext uri="{BB962C8B-B14F-4D97-AF65-F5344CB8AC3E}">
-        <p14:creationId xmlns:p14="http://schemas.microsoft.com/office/powerpoint/2010/main" val="1860572651"/>
+        <p14:creationId xmlns:p14="http://schemas.microsoft.com/office/powerpoint/2010/main" val="1055779350"/>
       </p:ext>
     </p:extLst>
   </p:cSld>
   <p:clrMapOvr>
-    <a:overrideClrMapping bg1="dk1" tx1="lt1" bg2="dk2" tx2="lt2" accent1="accent1" accent2="accent2" accent3="accent3" accent4="accent4" accent5="accent5" accent6="accent6" hlink="hlink" folHlink="folHlink"/>
+    <a:masterClrMapping/>
   </p:clrMapOvr>
 </p:sld>
 </file>
@@ -7802,7 +7800,7 @@
           <a:lstStyle/>
           <a:p>
             <a:r>
-              <a:rPr lang="en-US" sz="2800" dirty="0"/>
+              <a:rPr lang="en-US" sz="2800" b="1" dirty="0"/>
               <a:t>Claims Paid</a:t>
             </a:r>
           </a:p>
@@ -8072,7 +8070,7 @@
         </p:nvSpPr>
         <p:spPr>
           <a:xfrm>
-            <a:off x="1091674" y="2859330"/>
+            <a:off x="1156989" y="2859330"/>
             <a:ext cx="9670111" cy="606746"/>
           </a:xfrm>
           <a:custGeom>
@@ -8704,6 +8702,21 @@
                   <a:pt x="1916607" y="0"/>
                 </a:moveTo>
                 <a:cubicBezTo>
+                  <a:pt x="2423445" y="-69871"/>
+                  <a:pt x="2879202" y="209512"/>
+                  <a:pt x="3283731" y="411086"/>
+                </a:cubicBezTo>
+                <a:cubicBezTo>
+                  <a:pt x="3886735" y="846069"/>
+                  <a:pt x="4018988" y="1467862"/>
+                  <a:pt x="3631826" y="1987392"/>
+                </a:cubicBezTo>
+              </a:path>
+              <a:path w="3833215" h="2748400" fill="none" stroke="0" extrusionOk="0">
+                <a:moveTo>
+                  <a:pt x="1916607" y="0"/>
+                </a:moveTo>
+                <a:cubicBezTo>
                   <a:pt x="2515439" y="10044"/>
                   <a:pt x="2959247" y="74300"/>
                   <a:pt x="3283731" y="411086"/>
@@ -8777,7 +8790,7 @@
         <p:spPr>
           <a:xfrm>
             <a:off x="5219115" y="2627585"/>
-            <a:ext cx="1732670" cy="1107996"/>
+            <a:ext cx="1732670" cy="1169551"/>
           </a:xfrm>
           <a:prstGeom prst="rect">
             <a:avLst/>
@@ -8792,7 +8805,7 @@
           <a:p>
             <a:pPr algn="ctr"/>
             <a:r>
-              <a:rPr lang="en-US" sz="3300" b="1" dirty="0"/>
+              <a:rPr lang="en-US" sz="3500" b="1" dirty="0"/>
               <a:t>General Insurer</a:t>
             </a:r>
           </a:p>
@@ -8807,6 +8820,645 @@
   </p:cSld>
   <p:clrMapOvr>
     <a:masterClrMapping/>
+  </p:clrMapOvr>
+</p:sld>
+</file>
+
+<file path=ppt/slides/slide20.xml><?xml version="1.0" encoding="utf-8"?>
+<p:sld xmlns:a="http://schemas.openxmlformats.org/drawingml/2006/main" xmlns:r="http://schemas.openxmlformats.org/officeDocument/2006/relationships" xmlns:p="http://schemas.openxmlformats.org/presentationml/2006/main">
+  <p:cSld>
+    <p:bg>
+      <p:bgPr>
+        <a:solidFill>
+          <a:schemeClr val="bg1">
+            <a:tint val="95000"/>
+            <a:satMod val="170000"/>
+          </a:schemeClr>
+        </a:solidFill>
+        <a:effectLst/>
+      </p:bgPr>
+    </p:bg>
+    <p:spTree>
+      <p:nvGrpSpPr>
+        <p:cNvPr id="1" name=""/>
+        <p:cNvGrpSpPr/>
+        <p:nvPr/>
+      </p:nvGrpSpPr>
+      <p:grpSpPr>
+        <a:xfrm>
+          <a:off x="0" y="0"/>
+          <a:ext cx="0" cy="0"/>
+          <a:chOff x="0" y="0"/>
+          <a:chExt cx="0" cy="0"/>
+        </a:xfrm>
+      </p:grpSpPr>
+      <p:sp>
+        <p:nvSpPr>
+          <p:cNvPr id="71" name="Freeform: Shape 70">
+            <a:extLst>
+              <a:ext uri="{FF2B5EF4-FFF2-40B4-BE49-F238E27FC236}">
+                <a16:creationId xmlns:a16="http://schemas.microsoft.com/office/drawing/2014/main" id="{1DB7C82F-AB7E-4F0C-B829-FA1B9C415180}"/>
+              </a:ext>
+              <a:ext uri="{C183D7F6-B498-43B3-948B-1728B52AA6E4}">
+                <adec:decorative xmlns:adec="http://schemas.microsoft.com/office/drawing/2017/decorative" val="1"/>
+              </a:ext>
+            </a:extLst>
+          </p:cNvPr>
+          <p:cNvSpPr>
+            <a:spLocks noGrp="1" noRot="1" noChangeAspect="1" noMove="1" noResize="1" noEditPoints="1" noAdjustHandles="1" noChangeArrowheads="1" noChangeShapeType="1" noTextEdit="1"/>
+          </p:cNvSpPr>
+          <p:nvPr>
+            <p:extLst>
+              <p:ext uri="{386F3935-93C4-4BCD-93E2-E3B085C9AB24}">
+                <p16:designElem xmlns:p16="http://schemas.microsoft.com/office/powerpoint/2015/main" val="1"/>
+              </p:ext>
+            </p:extLst>
+          </p:nvPr>
+        </p:nvSpPr>
+        <p:spPr>
+          <a:xfrm flipH="1">
+            <a:off x="0" y="0"/>
+            <a:ext cx="6172782" cy="6858000"/>
+          </a:xfrm>
+          <a:custGeom>
+            <a:avLst/>
+            <a:gdLst>
+              <a:gd name="connsiteX0" fmla="*/ 6172782 w 6172782"/>
+              <a:gd name="connsiteY0" fmla="*/ 0 h 6858000"/>
+              <a:gd name="connsiteX1" fmla="*/ 69075 w 6172782"/>
+              <a:gd name="connsiteY1" fmla="*/ 0 h 6858000"/>
+              <a:gd name="connsiteX2" fmla="*/ 35131 w 6172782"/>
+              <a:gd name="connsiteY2" fmla="*/ 267128 h 6858000"/>
+              <a:gd name="connsiteX3" fmla="*/ 0 w 6172782"/>
+              <a:gd name="connsiteY3" fmla="*/ 962845 h 6858000"/>
+              <a:gd name="connsiteX4" fmla="*/ 3276103 w 6172782"/>
+              <a:gd name="connsiteY4" fmla="*/ 6782205 h 6858000"/>
+              <a:gd name="connsiteX5" fmla="*/ 3407923 w 6172782"/>
+              <a:gd name="connsiteY5" fmla="*/ 6858000 h 6858000"/>
+              <a:gd name="connsiteX6" fmla="*/ 6172782 w 6172782"/>
+              <a:gd name="connsiteY6" fmla="*/ 6858000 h 6858000"/>
+            </a:gdLst>
+            <a:ahLst/>
+            <a:cxnLst>
+              <a:cxn ang="0">
+                <a:pos x="connsiteX0" y="connsiteY0"/>
+              </a:cxn>
+              <a:cxn ang="0">
+                <a:pos x="connsiteX1" y="connsiteY1"/>
+              </a:cxn>
+              <a:cxn ang="0">
+                <a:pos x="connsiteX2" y="connsiteY2"/>
+              </a:cxn>
+              <a:cxn ang="0">
+                <a:pos x="connsiteX3" y="connsiteY3"/>
+              </a:cxn>
+              <a:cxn ang="0">
+                <a:pos x="connsiteX4" y="connsiteY4"/>
+              </a:cxn>
+              <a:cxn ang="0">
+                <a:pos x="connsiteX5" y="connsiteY5"/>
+              </a:cxn>
+              <a:cxn ang="0">
+                <a:pos x="connsiteX6" y="connsiteY6"/>
+              </a:cxn>
+            </a:cxnLst>
+            <a:rect l="l" t="t" r="r" b="b"/>
+            <a:pathLst>
+              <a:path w="6172782" h="6858000">
+                <a:moveTo>
+                  <a:pt x="6172782" y="0"/>
+                </a:moveTo>
+                <a:lnTo>
+                  <a:pt x="69075" y="0"/>
+                </a:lnTo>
+                <a:lnTo>
+                  <a:pt x="35131" y="267128"/>
+                </a:lnTo>
+                <a:cubicBezTo>
+                  <a:pt x="11901" y="495874"/>
+                  <a:pt x="0" y="727970"/>
+                  <a:pt x="0" y="962845"/>
+                </a:cubicBezTo>
+                <a:cubicBezTo>
+                  <a:pt x="0" y="3429034"/>
+                  <a:pt x="1312002" y="5588789"/>
+                  <a:pt x="3276103" y="6782205"/>
+                </a:cubicBezTo>
+                <a:lnTo>
+                  <a:pt x="3407923" y="6858000"/>
+                </a:lnTo>
+                <a:lnTo>
+                  <a:pt x="6172782" y="6858000"/>
+                </a:lnTo>
+                <a:close/>
+              </a:path>
+            </a:pathLst>
+          </a:custGeom>
+          <a:solidFill>
+            <a:srgbClr val="FFFFFF">
+              <a:alpha val="80000"/>
+            </a:srgbClr>
+          </a:solidFill>
+          <a:ln>
+            <a:noFill/>
+          </a:ln>
+        </p:spPr>
+        <p:style>
+          <a:lnRef idx="2">
+            <a:schemeClr val="accent1">
+              <a:shade val="50000"/>
+            </a:schemeClr>
+          </a:lnRef>
+          <a:fillRef idx="1">
+            <a:schemeClr val="accent1"/>
+          </a:fillRef>
+          <a:effectRef idx="0">
+            <a:schemeClr val="accent1"/>
+          </a:effectRef>
+          <a:fontRef idx="minor">
+            <a:schemeClr val="lt1"/>
+          </a:fontRef>
+        </p:style>
+        <p:txBody>
+          <a:bodyPr wrap="square" rtlCol="0" anchor="ctr">
+            <a:noAutofit/>
+          </a:bodyPr>
+          <a:lstStyle/>
+          <a:p>
+            <a:pPr marL="0" marR="0" lvl="0" indent="0" algn="ctr" defTabSz="914400" rtl="0" eaLnBrk="1" fontAlgn="auto" latinLnBrk="0" hangingPunct="1">
+              <a:lnSpc>
+                <a:spcPct val="100000"/>
+              </a:lnSpc>
+              <a:spcBef>
+                <a:spcPts val="0"/>
+              </a:spcBef>
+              <a:spcAft>
+                <a:spcPts val="0"/>
+              </a:spcAft>
+              <a:buClrTx/>
+              <a:buSzTx/>
+              <a:buFontTx/>
+              <a:buNone/>
+              <a:tabLst/>
+              <a:defRPr/>
+            </a:pPr>
+            <a:endParaRPr kumimoji="0" lang="en-US" sz="1800" b="0" i="0" u="none" strike="noStrike" kern="1200" cap="none" spc="0" normalizeH="0" baseline="0" noProof="0">
+              <a:ln>
+                <a:noFill/>
+              </a:ln>
+              <a:solidFill>
+                <a:prstClr val="white"/>
+              </a:solidFill>
+              <a:effectLst/>
+              <a:uLnTx/>
+              <a:uFillTx/>
+              <a:latin typeface="Calibri" panose="020F0502020204030204"/>
+              <a:ea typeface="+mn-ea"/>
+              <a:cs typeface="+mn-cs"/>
+            </a:endParaRPr>
+          </a:p>
+        </p:txBody>
+      </p:sp>
+      <p:pic>
+        <p:nvPicPr>
+          <p:cNvPr id="1026" name="Picture 2" descr="Man squeezing blood from stone : Stock Photo">
+            <a:extLst>
+              <a:ext uri="{FF2B5EF4-FFF2-40B4-BE49-F238E27FC236}">
+                <a16:creationId xmlns:a16="http://schemas.microsoft.com/office/drawing/2014/main" id="{603A6E5A-EA32-4DA9-8F2F-A7131D002479}"/>
+              </a:ext>
+            </a:extLst>
+          </p:cNvPr>
+          <p:cNvPicPr>
+            <a:picLocks noChangeAspect="1" noChangeArrowheads="1"/>
+          </p:cNvPicPr>
+          <p:nvPr/>
+        </p:nvPicPr>
+        <p:blipFill rotWithShape="1">
+          <a:blip r:embed="rId2">
+            <a:extLst>
+              <a:ext uri="{28A0092B-C50C-407E-A947-70E740481C1C}">
+                <a14:useLocalDpi xmlns:a14="http://schemas.microsoft.com/office/drawing/2010/main" val="0"/>
+              </a:ext>
+            </a:extLst>
+          </a:blip>
+          <a:srcRect l="20301" r="14478" b="1"/>
+          <a:stretch/>
+        </p:blipFill>
+        <p:spPr bwMode="auto">
+          <a:xfrm>
+            <a:off x="20" y="10"/>
+            <a:ext cx="6024134" cy="6857990"/>
+          </a:xfrm>
+          <a:custGeom>
+            <a:avLst/>
+            <a:gdLst>
+              <a:gd name="connsiteX0" fmla="*/ 0 w 6024154"/>
+              <a:gd name="connsiteY0" fmla="*/ 0 h 6858000"/>
+              <a:gd name="connsiteX1" fmla="*/ 5953780 w 6024154"/>
+              <a:gd name="connsiteY1" fmla="*/ 0 h 6858000"/>
+              <a:gd name="connsiteX2" fmla="*/ 5989880 w 6024154"/>
+              <a:gd name="connsiteY2" fmla="*/ 284091 h 6858000"/>
+              <a:gd name="connsiteX3" fmla="*/ 6024154 w 6024154"/>
+              <a:gd name="connsiteY3" fmla="*/ 962844 h 6858000"/>
+              <a:gd name="connsiteX4" fmla="*/ 2549934 w 6024154"/>
+              <a:gd name="connsiteY4" fmla="*/ 6800152 h 6858000"/>
+              <a:gd name="connsiteX5" fmla="*/ 2436987 w 6024154"/>
+              <a:gd name="connsiteY5" fmla="*/ 6858000 h 6858000"/>
+              <a:gd name="connsiteX6" fmla="*/ 0 w 6024154"/>
+              <a:gd name="connsiteY6" fmla="*/ 6858000 h 6858000"/>
+            </a:gdLst>
+            <a:ahLst/>
+            <a:cxnLst>
+              <a:cxn ang="0">
+                <a:pos x="connsiteX0" y="connsiteY0"/>
+              </a:cxn>
+              <a:cxn ang="0">
+                <a:pos x="connsiteX1" y="connsiteY1"/>
+              </a:cxn>
+              <a:cxn ang="0">
+                <a:pos x="connsiteX2" y="connsiteY2"/>
+              </a:cxn>
+              <a:cxn ang="0">
+                <a:pos x="connsiteX3" y="connsiteY3"/>
+              </a:cxn>
+              <a:cxn ang="0">
+                <a:pos x="connsiteX4" y="connsiteY4"/>
+              </a:cxn>
+              <a:cxn ang="0">
+                <a:pos x="connsiteX5" y="connsiteY5"/>
+              </a:cxn>
+              <a:cxn ang="0">
+                <a:pos x="connsiteX6" y="connsiteY6"/>
+              </a:cxn>
+            </a:cxnLst>
+            <a:rect l="l" t="t" r="r" b="b"/>
+            <a:pathLst>
+              <a:path w="6024154" h="6858000">
+                <a:moveTo>
+                  <a:pt x="0" y="0"/>
+                </a:moveTo>
+                <a:lnTo>
+                  <a:pt x="5953780" y="0"/>
+                </a:lnTo>
+                <a:lnTo>
+                  <a:pt x="5989880" y="284091"/>
+                </a:lnTo>
+                <a:cubicBezTo>
+                  <a:pt x="6012544" y="507260"/>
+                  <a:pt x="6024154" y="733696"/>
+                  <a:pt x="6024154" y="962844"/>
+                </a:cubicBezTo>
+                <a:cubicBezTo>
+                  <a:pt x="6024154" y="3483472"/>
+                  <a:pt x="4619336" y="5675986"/>
+                  <a:pt x="2549934" y="6800152"/>
+                </a:cubicBezTo>
+                <a:lnTo>
+                  <a:pt x="2436987" y="6858000"/>
+                </a:lnTo>
+                <a:lnTo>
+                  <a:pt x="0" y="6858000"/>
+                </a:lnTo>
+                <a:close/>
+              </a:path>
+            </a:pathLst>
+          </a:custGeom>
+          <a:noFill/>
+          <a:extLst>
+            <a:ext uri="{909E8E84-426E-40DD-AFC4-6F175D3DCCD1}">
+              <a14:hiddenFill xmlns:a14="http://schemas.microsoft.com/office/drawing/2010/main">
+                <a:solidFill>
+                  <a:srgbClr val="FFFFFF"/>
+                </a:solidFill>
+              </a14:hiddenFill>
+            </a:ext>
+          </a:extLst>
+        </p:spPr>
+      </p:pic>
+      <p:sp>
+        <p:nvSpPr>
+          <p:cNvPr id="2" name="Title 1">
+            <a:extLst>
+              <a:ext uri="{FF2B5EF4-FFF2-40B4-BE49-F238E27FC236}">
+                <a16:creationId xmlns:a16="http://schemas.microsoft.com/office/drawing/2014/main" id="{D37F33C9-F433-4FEB-B353-F078A74E69C3}"/>
+              </a:ext>
+            </a:extLst>
+          </p:cNvPr>
+          <p:cNvSpPr>
+            <a:spLocks noGrp="1"/>
+          </p:cNvSpPr>
+          <p:nvPr>
+            <p:ph type="ctrTitle"/>
+          </p:nvPr>
+        </p:nvSpPr>
+        <p:spPr>
+          <a:xfrm>
+            <a:off x="3669893" y="4071468"/>
+            <a:ext cx="6172781" cy="780672"/>
+          </a:xfrm>
+          <a:solidFill>
+            <a:schemeClr val="bg1">
+              <a:tint val="95000"/>
+              <a:satMod val="170000"/>
+            </a:schemeClr>
+          </a:solidFill>
+        </p:spPr>
+        <p:txBody>
+          <a:bodyPr anchor="b">
+            <a:normAutofit/>
+          </a:bodyPr>
+          <a:lstStyle/>
+          <a:p>
+            <a:pPr algn="l"/>
+            <a:r>
+              <a:rPr lang="en-US" sz="4600" i="1" dirty="0"/>
+              <a:t>… blood from stone</a:t>
+            </a:r>
+          </a:p>
+        </p:txBody>
+      </p:sp>
+      <p:cxnSp>
+        <p:nvCxnSpPr>
+          <p:cNvPr id="6" name="Straight Arrow Connector 5">
+            <a:extLst>
+              <a:ext uri="{FF2B5EF4-FFF2-40B4-BE49-F238E27FC236}">
+                <a16:creationId xmlns:a16="http://schemas.microsoft.com/office/drawing/2014/main" id="{FA41F27D-76C4-4F53-BCED-03ABD79F7CE5}"/>
+              </a:ext>
+            </a:extLst>
+          </p:cNvPr>
+          <p:cNvCxnSpPr>
+            <a:cxnSpLocks/>
+          </p:cNvCxnSpPr>
+          <p:nvPr/>
+        </p:nvCxnSpPr>
+        <p:spPr>
+          <a:xfrm flipH="1">
+            <a:off x="4615102" y="822960"/>
+            <a:ext cx="1918617" cy="604024"/>
+          </a:xfrm>
+          <a:prstGeom prst="straightConnector1">
+            <a:avLst/>
+          </a:prstGeom>
+          <a:ln w="38100">
+            <a:solidFill>
+              <a:srgbClr val="FF0000"/>
+            </a:solidFill>
+            <a:headEnd w="lg" len="lg"/>
+            <a:tailEnd type="triangle" w="lg" len="lg"/>
+          </a:ln>
+        </p:spPr>
+        <p:style>
+          <a:lnRef idx="1">
+            <a:schemeClr val="accent1"/>
+          </a:lnRef>
+          <a:fillRef idx="0">
+            <a:schemeClr val="accent1"/>
+          </a:fillRef>
+          <a:effectRef idx="0">
+            <a:schemeClr val="accent1"/>
+          </a:effectRef>
+          <a:fontRef idx="minor">
+            <a:schemeClr val="tx1"/>
+          </a:fontRef>
+        </p:style>
+      </p:cxnSp>
+      <p:cxnSp>
+        <p:nvCxnSpPr>
+          <p:cNvPr id="16" name="Straight Arrow Connector 15">
+            <a:extLst>
+              <a:ext uri="{FF2B5EF4-FFF2-40B4-BE49-F238E27FC236}">
+                <a16:creationId xmlns:a16="http://schemas.microsoft.com/office/drawing/2014/main" id="{0D725E34-7C9B-4995-8DBE-83FD345D59B0}"/>
+              </a:ext>
+            </a:extLst>
+          </p:cNvPr>
+          <p:cNvCxnSpPr>
+            <a:cxnSpLocks/>
+          </p:cNvCxnSpPr>
+          <p:nvPr/>
+        </p:nvCxnSpPr>
+        <p:spPr>
+          <a:xfrm flipH="1" flipV="1">
+            <a:off x="3599554" y="5565082"/>
+            <a:ext cx="3086389" cy="469958"/>
+          </a:xfrm>
+          <a:prstGeom prst="straightConnector1">
+            <a:avLst/>
+          </a:prstGeom>
+          <a:ln w="38100">
+            <a:solidFill>
+              <a:srgbClr val="FF0000"/>
+            </a:solidFill>
+            <a:headEnd w="lg" len="lg"/>
+            <a:tailEnd type="triangle" w="lg" len="lg"/>
+          </a:ln>
+        </p:spPr>
+        <p:style>
+          <a:lnRef idx="1">
+            <a:schemeClr val="accent1"/>
+          </a:lnRef>
+          <a:fillRef idx="0">
+            <a:schemeClr val="accent1"/>
+          </a:fillRef>
+          <a:effectRef idx="0">
+            <a:schemeClr val="accent1"/>
+          </a:effectRef>
+          <a:fontRef idx="minor">
+            <a:schemeClr val="tx1"/>
+          </a:fontRef>
+        </p:style>
+      </p:cxnSp>
+      <p:sp>
+        <p:nvSpPr>
+          <p:cNvPr id="19" name="Title 1">
+            <a:extLst>
+              <a:ext uri="{FF2B5EF4-FFF2-40B4-BE49-F238E27FC236}">
+                <a16:creationId xmlns:a16="http://schemas.microsoft.com/office/drawing/2014/main" id="{91401DDE-33E0-45FA-8D90-DBEFF2B5560F}"/>
+              </a:ext>
+            </a:extLst>
+          </p:cNvPr>
+          <p:cNvSpPr txBox="1">
+            <a:spLocks/>
+          </p:cNvSpPr>
+          <p:nvPr/>
+        </p:nvSpPr>
+        <p:spPr>
+          <a:xfrm>
+            <a:off x="6568889" y="564363"/>
+            <a:ext cx="2877677" cy="560609"/>
+          </a:xfrm>
+          <a:prstGeom prst="rect">
+            <a:avLst/>
+          </a:prstGeom>
+          <a:solidFill>
+            <a:schemeClr val="bg1">
+              <a:tint val="95000"/>
+              <a:satMod val="170000"/>
+            </a:schemeClr>
+          </a:solidFill>
+        </p:spPr>
+        <p:txBody>
+          <a:bodyPr vert="horz" lIns="91440" tIns="45720" rIns="91440" bIns="45720" rtlCol="0" anchor="b">
+            <a:normAutofit fontScale="97500" lnSpcReduction="10000"/>
+          </a:bodyPr>
+          <a:lstStyle>
+            <a:lvl1pPr algn="ctr" defTabSz="914400" rtl="0" eaLnBrk="1" latinLnBrk="0" hangingPunct="1">
+              <a:lnSpc>
+                <a:spcPct val="90000"/>
+              </a:lnSpc>
+              <a:spcBef>
+                <a:spcPct val="0"/>
+              </a:spcBef>
+              <a:buNone/>
+              <a:defRPr sz="6000" kern="1200">
+                <a:solidFill>
+                  <a:schemeClr val="tx1"/>
+                </a:solidFill>
+                <a:latin typeface="+mj-lt"/>
+                <a:ea typeface="+mj-ea"/>
+                <a:cs typeface="+mj-cs"/>
+              </a:defRPr>
+            </a:lvl1pPr>
+          </a:lstStyle>
+          <a:p>
+            <a:pPr algn="l"/>
+            <a:r>
+              <a:rPr lang="en-US" sz="3600" i="1" dirty="0"/>
+              <a:t>Us</a:t>
+            </a:r>
+          </a:p>
+        </p:txBody>
+      </p:sp>
+      <p:sp>
+        <p:nvSpPr>
+          <p:cNvPr id="20" name="Title 1">
+            <a:extLst>
+              <a:ext uri="{FF2B5EF4-FFF2-40B4-BE49-F238E27FC236}">
+                <a16:creationId xmlns:a16="http://schemas.microsoft.com/office/drawing/2014/main" id="{4F0A6568-111B-4152-B2A1-95EEDCFF5558}"/>
+              </a:ext>
+            </a:extLst>
+          </p:cNvPr>
+          <p:cNvSpPr txBox="1">
+            <a:spLocks/>
+          </p:cNvSpPr>
+          <p:nvPr/>
+        </p:nvSpPr>
+        <p:spPr>
+          <a:xfrm>
+            <a:off x="2820857" y="3185229"/>
+            <a:ext cx="1698072" cy="560609"/>
+          </a:xfrm>
+          <a:prstGeom prst="rect">
+            <a:avLst/>
+          </a:prstGeom>
+          <a:noFill/>
+        </p:spPr>
+        <p:txBody>
+          <a:bodyPr vert="horz" lIns="91440" tIns="45720" rIns="91440" bIns="45720" rtlCol="0" anchor="b">
+            <a:noAutofit/>
+          </a:bodyPr>
+          <a:lstStyle>
+            <a:lvl1pPr algn="ctr" defTabSz="914400" rtl="0" eaLnBrk="1" latinLnBrk="0" hangingPunct="1">
+              <a:lnSpc>
+                <a:spcPct val="90000"/>
+              </a:lnSpc>
+              <a:spcBef>
+                <a:spcPct val="0"/>
+              </a:spcBef>
+              <a:buNone/>
+              <a:defRPr sz="6000" kern="1200">
+                <a:solidFill>
+                  <a:schemeClr val="tx1"/>
+                </a:solidFill>
+                <a:latin typeface="+mj-lt"/>
+                <a:ea typeface="+mj-ea"/>
+                <a:cs typeface="+mj-cs"/>
+              </a:defRPr>
+            </a:lvl1pPr>
+          </a:lstStyle>
+          <a:p>
+            <a:pPr algn="l"/>
+            <a:r>
+              <a:rPr lang="en-US" b="1" dirty="0">
+                <a:solidFill>
+                  <a:schemeClr val="bg1"/>
+                </a:solidFill>
+                <a:latin typeface="Abadi" panose="020B0604020202020204" pitchFamily="34" charset="0"/>
+              </a:rPr>
+              <a:t>Data</a:t>
+            </a:r>
+          </a:p>
+        </p:txBody>
+      </p:sp>
+      <p:sp>
+        <p:nvSpPr>
+          <p:cNvPr id="21" name="Title 1">
+            <a:extLst>
+              <a:ext uri="{FF2B5EF4-FFF2-40B4-BE49-F238E27FC236}">
+                <a16:creationId xmlns:a16="http://schemas.microsoft.com/office/drawing/2014/main" id="{CD1BEC7A-4424-4AC1-A32F-4481EB59DDB1}"/>
+              </a:ext>
+            </a:extLst>
+          </p:cNvPr>
+          <p:cNvSpPr txBox="1">
+            <a:spLocks/>
+          </p:cNvSpPr>
+          <p:nvPr/>
+        </p:nvSpPr>
+        <p:spPr>
+          <a:xfrm>
+            <a:off x="6685943" y="5800061"/>
+            <a:ext cx="2877677" cy="560609"/>
+          </a:xfrm>
+          <a:prstGeom prst="rect">
+            <a:avLst/>
+          </a:prstGeom>
+          <a:solidFill>
+            <a:schemeClr val="bg1">
+              <a:tint val="95000"/>
+              <a:satMod val="170000"/>
+            </a:schemeClr>
+          </a:solidFill>
+        </p:spPr>
+        <p:txBody>
+          <a:bodyPr vert="horz" lIns="91440" tIns="45720" rIns="91440" bIns="45720" rtlCol="0" anchor="b">
+            <a:normAutofit fontScale="97500" lnSpcReduction="10000"/>
+          </a:bodyPr>
+          <a:lstStyle>
+            <a:lvl1pPr algn="ctr" defTabSz="914400" rtl="0" eaLnBrk="1" latinLnBrk="0" hangingPunct="1">
+              <a:lnSpc>
+                <a:spcPct val="90000"/>
+              </a:lnSpc>
+              <a:spcBef>
+                <a:spcPct val="0"/>
+              </a:spcBef>
+              <a:buNone/>
+              <a:defRPr sz="6000" kern="1200">
+                <a:solidFill>
+                  <a:schemeClr val="tx1"/>
+                </a:solidFill>
+                <a:latin typeface="+mj-lt"/>
+                <a:ea typeface="+mj-ea"/>
+                <a:cs typeface="+mj-cs"/>
+              </a:defRPr>
+            </a:lvl1pPr>
+          </a:lstStyle>
+          <a:p>
+            <a:pPr algn="l"/>
+            <a:r>
+              <a:rPr lang="en-US" sz="3600" b="1" i="1" dirty="0"/>
+              <a:t>Value</a:t>
+            </a:r>
+          </a:p>
+        </p:txBody>
+      </p:sp>
+    </p:spTree>
+    <p:extLst>
+      <p:ext uri="{BB962C8B-B14F-4D97-AF65-F5344CB8AC3E}">
+        <p14:creationId xmlns:p14="http://schemas.microsoft.com/office/powerpoint/2010/main" val="1860572651"/>
+      </p:ext>
+    </p:extLst>
+  </p:cSld>
+  <p:clrMapOvr>
+    <a:overrideClrMapping bg1="dk1" tx1="lt1" bg2="dk2" tx2="lt2" accent1="accent1" accent2="accent2" accent3="accent3" accent4="accent4" accent5="accent5" accent6="accent6" hlink="hlink" folHlink="folHlink"/>
   </p:clrMapOvr>
 </p:sld>
 </file>
@@ -9043,7 +9695,7 @@
           <a:lstStyle/>
           <a:p>
             <a:r>
-              <a:rPr lang="en-US" sz="2800" dirty="0"/>
+              <a:rPr lang="en-US" sz="2800" b="1" dirty="0"/>
               <a:t>Claims Paid</a:t>
             </a:r>
           </a:p>
@@ -9313,7 +9965,7 @@
         </p:nvSpPr>
         <p:spPr>
           <a:xfrm>
-            <a:off x="1091674" y="2859330"/>
+            <a:off x="1156989" y="2859330"/>
             <a:ext cx="9656043" cy="606746"/>
           </a:xfrm>
           <a:custGeom>
@@ -9949,6 +10601,21 @@
                   <a:pt x="1916607" y="0"/>
                 </a:moveTo>
                 <a:cubicBezTo>
+                  <a:pt x="2423445" y="-69871"/>
+                  <a:pt x="2879202" y="209512"/>
+                  <a:pt x="3283731" y="411086"/>
+                </a:cubicBezTo>
+                <a:cubicBezTo>
+                  <a:pt x="3886735" y="846069"/>
+                  <a:pt x="4018988" y="1467862"/>
+                  <a:pt x="3631826" y="1987392"/>
+                </a:cubicBezTo>
+              </a:path>
+              <a:path w="3833215" h="2748400" fill="none" stroke="0" extrusionOk="0">
+                <a:moveTo>
+                  <a:pt x="1916607" y="0"/>
+                </a:moveTo>
+                <a:cubicBezTo>
                   <a:pt x="2515439" y="10044"/>
                   <a:pt x="2959247" y="74300"/>
                   <a:pt x="3283731" y="411086"/>
@@ -10004,42 +10671,6 @@
           <a:p>
             <a:pPr algn="ctr"/>
             <a:endParaRPr lang="en-US"/>
-          </a:p>
-        </p:txBody>
-      </p:sp>
-      <p:sp>
-        <p:nvSpPr>
-          <p:cNvPr id="14" name="TextBox 13">
-            <a:extLst>
-              <a:ext uri="{FF2B5EF4-FFF2-40B4-BE49-F238E27FC236}">
-                <a16:creationId xmlns:a16="http://schemas.microsoft.com/office/drawing/2014/main" id="{C7AD347B-8150-4671-ACD7-F8B263F6F7EE}"/>
-              </a:ext>
-            </a:extLst>
-          </p:cNvPr>
-          <p:cNvSpPr txBox="1"/>
-          <p:nvPr/>
-        </p:nvSpPr>
-        <p:spPr>
-          <a:xfrm>
-            <a:off x="5219115" y="2627585"/>
-            <a:ext cx="1732670" cy="1107996"/>
-          </a:xfrm>
-          <a:prstGeom prst="rect">
-            <a:avLst/>
-          </a:prstGeom>
-          <a:noFill/>
-        </p:spPr>
-        <p:txBody>
-          <a:bodyPr wrap="square" rtlCol="0">
-            <a:spAutoFit/>
-          </a:bodyPr>
-          <a:lstStyle/>
-          <a:p>
-            <a:pPr algn="ctr"/>
-            <a:r>
-              <a:rPr lang="en-US" sz="3300" b="1" dirty="0"/>
-              <a:t>General Insurer</a:t>
-            </a:r>
           </a:p>
         </p:txBody>
       </p:sp>
@@ -10202,6 +10833,12 @@
           </a:custGeom>
           <a:noFill/>
           <a:ln w="50800">
+            <a:solidFill>
+              <a:schemeClr val="accent1">
+                <a:shade val="50000"/>
+                <a:alpha val="66000"/>
+              </a:schemeClr>
+            </a:solidFill>
             <a:prstDash val="lgDash"/>
             <a:extLst>
               <a:ext uri="{C807C97D-BFC1-408E-A445-0C87EB9F89A2}">
@@ -10280,6 +10917,42 @@
                 </a:highlight>
               </a:rPr>
               <a:t>Operating Result</a:t>
+            </a:r>
+          </a:p>
+        </p:txBody>
+      </p:sp>
+      <p:sp>
+        <p:nvSpPr>
+          <p:cNvPr id="14" name="TextBox 13">
+            <a:extLst>
+              <a:ext uri="{FF2B5EF4-FFF2-40B4-BE49-F238E27FC236}">
+                <a16:creationId xmlns:a16="http://schemas.microsoft.com/office/drawing/2014/main" id="{C7AD347B-8150-4671-ACD7-F8B263F6F7EE}"/>
+              </a:ext>
+            </a:extLst>
+          </p:cNvPr>
+          <p:cNvSpPr txBox="1"/>
+          <p:nvPr/>
+        </p:nvSpPr>
+        <p:spPr>
+          <a:xfrm>
+            <a:off x="5219115" y="2627585"/>
+            <a:ext cx="1732670" cy="1169551"/>
+          </a:xfrm>
+          <a:prstGeom prst="rect">
+            <a:avLst/>
+          </a:prstGeom>
+          <a:noFill/>
+        </p:spPr>
+        <p:txBody>
+          <a:bodyPr wrap="square" rtlCol="0">
+            <a:spAutoFit/>
+          </a:bodyPr>
+          <a:lstStyle/>
+          <a:p>
+            <a:pPr algn="ctr"/>
+            <a:r>
+              <a:rPr lang="en-US" sz="3500" b="1" dirty="0"/>
+              <a:t>General Insurer</a:t>
             </a:r>
           </a:p>
         </p:txBody>
@@ -11853,7 +12526,7 @@
             <a:pPr algn="just"/>
             <a:r>
               <a:rPr lang="en-US" sz="2800" i="1" dirty="0"/>
-              <a:t>To establish a proof-of-concept, based only on publicly available data, for predicting whether the underwriting performance of any given insurance class is likely to result in an underwriting loss at the end of the current 12-month reporting period.</a:t>
+              <a:t>To implement a proof-of-concept, employing only publicly available data, to predict whether the underwriting performance of any given insurance class is likely to result in an underwriting loss at the end of the current 12-month reporting period.</a:t>
             </a:r>
           </a:p>
         </p:txBody>
@@ -11873,7 +12546,7 @@
         <p:spPr>
           <a:xfrm>
             <a:off x="464231" y="4443350"/>
-            <a:ext cx="10086537" cy="1815882"/>
+            <a:ext cx="10086537" cy="1384995"/>
           </a:xfrm>
           <a:prstGeom prst="rect">
             <a:avLst/>
@@ -11893,7 +12566,7 @@
                   <a:srgbClr val="002060"/>
                 </a:solidFill>
               </a:rPr>
-              <a:t>With such predictions, underwriters can focus on at-risk insurance classes and review their underwriting approach, and/or take necessary risk management measures such as reinsuring more of the risk.</a:t>
+              <a:t>With such predictions, underwriters can place more focus on certain insurance classes and review their underwriting approach, and/or take necessary risk management measures such as re-insuring more.</a:t>
             </a:r>
           </a:p>
         </p:txBody>

--- a/Capstone_Final_Presentation.pptx
+++ b/Capstone_Final_Presentation.pptx
@@ -5956,7 +5956,7 @@
         </p:blipFill>
         <p:spPr>
           <a:xfrm>
-            <a:off x="6392888" y="3838471"/>
+            <a:off x="5177216" y="3655371"/>
             <a:ext cx="4670434" cy="3019529"/>
           </a:xfrm>
           <a:prstGeom prst="rect">
@@ -6263,6 +6263,100 @@
           </a:prstGeom>
         </p:spPr>
       </p:pic>
+      <p:sp>
+        <p:nvSpPr>
+          <p:cNvPr id="12" name="Rectangle 11">
+            <a:extLst>
+              <a:ext uri="{FF2B5EF4-FFF2-40B4-BE49-F238E27FC236}">
+                <a16:creationId xmlns:a16="http://schemas.microsoft.com/office/drawing/2014/main" id="{21D6F115-1C68-4D83-A62F-C8CA6C750D6A}"/>
+              </a:ext>
+            </a:extLst>
+          </p:cNvPr>
+          <p:cNvSpPr/>
+          <p:nvPr/>
+        </p:nvSpPr>
+        <p:spPr>
+          <a:xfrm>
+            <a:off x="9818169" y="4245490"/>
+            <a:ext cx="2283668" cy="1477328"/>
+          </a:xfrm>
+          <a:prstGeom prst="rect">
+            <a:avLst/>
+          </a:prstGeom>
+        </p:spPr>
+        <p:txBody>
+          <a:bodyPr wrap="square">
+            <a:spAutoFit/>
+          </a:bodyPr>
+          <a:lstStyle/>
+          <a:p>
+            <a:r>
+              <a:rPr lang="en-US" i="1" dirty="0">
+                <a:solidFill>
+                  <a:srgbClr val="000000"/>
+                </a:solidFill>
+                <a:latin typeface="Helvetica Neue"/>
+              </a:rPr>
+              <a:t>{'C': 1.0, '</a:t>
+            </a:r>
+            <a:r>
+              <a:rPr lang="en-US" i="1" dirty="0" err="1">
+                <a:solidFill>
+                  <a:srgbClr val="000000"/>
+                </a:solidFill>
+                <a:latin typeface="Helvetica Neue"/>
+              </a:rPr>
+              <a:t>fit_intercept</a:t>
+            </a:r>
+            <a:r>
+              <a:rPr lang="en-US" i="1" dirty="0">
+                <a:solidFill>
+                  <a:srgbClr val="000000"/>
+                </a:solidFill>
+                <a:latin typeface="Helvetica Neue"/>
+              </a:rPr>
+              <a:t>': True, '</a:t>
+            </a:r>
+            <a:r>
+              <a:rPr lang="en-US" i="1" dirty="0" err="1">
+                <a:solidFill>
+                  <a:srgbClr val="000000"/>
+                </a:solidFill>
+                <a:latin typeface="Helvetica Neue"/>
+              </a:rPr>
+              <a:t>max_iter</a:t>
+            </a:r>
+            <a:r>
+              <a:rPr lang="en-US" i="1" dirty="0">
+                <a:solidFill>
+                  <a:srgbClr val="000000"/>
+                </a:solidFill>
+                <a:latin typeface="Helvetica Neue"/>
+              </a:rPr>
+              <a:t>': 5000, 'penalty': 'l2', 'solver': 'sag', '</a:t>
+            </a:r>
+            <a:r>
+              <a:rPr lang="en-US" i="1" dirty="0" err="1">
+                <a:solidFill>
+                  <a:srgbClr val="000000"/>
+                </a:solidFill>
+                <a:latin typeface="Helvetica Neue"/>
+              </a:rPr>
+              <a:t>tol</a:t>
+            </a:r>
+            <a:r>
+              <a:rPr lang="en-US" i="1" dirty="0">
+                <a:solidFill>
+                  <a:srgbClr val="000000"/>
+                </a:solidFill>
+                <a:latin typeface="Helvetica Neue"/>
+              </a:rPr>
+              <a:t>': 0.1}</a:t>
+            </a:r>
+            <a:endParaRPr lang="en-US" dirty="0"/>
+          </a:p>
+        </p:txBody>
+      </p:sp>
     </p:spTree>
     <p:extLst>
       <p:ext uri="{BB962C8B-B14F-4D97-AF65-F5344CB8AC3E}">
@@ -6380,7 +6474,7 @@
         </p:blipFill>
         <p:spPr>
           <a:xfrm>
-            <a:off x="371059" y="3784248"/>
+            <a:off x="171271" y="3771030"/>
             <a:ext cx="4708368" cy="2988494"/>
           </a:xfrm>
           <a:prstGeom prst="rect">
@@ -6410,7 +6504,7 @@
         </p:blipFill>
         <p:spPr>
           <a:xfrm>
-            <a:off x="6096000" y="3754520"/>
+            <a:off x="4831270" y="3754520"/>
             <a:ext cx="4887089" cy="3103480"/>
           </a:xfrm>
           <a:prstGeom prst="rect">
@@ -6680,6 +6774,118 @@
           </a:fontRef>
         </p:style>
       </p:cxnSp>
+      <p:sp>
+        <p:nvSpPr>
+          <p:cNvPr id="14" name="Rectangle 13">
+            <a:extLst>
+              <a:ext uri="{FF2B5EF4-FFF2-40B4-BE49-F238E27FC236}">
+                <a16:creationId xmlns:a16="http://schemas.microsoft.com/office/drawing/2014/main" id="{D9BAB821-4659-44D0-A99A-5BA19E7E4AF1}"/>
+              </a:ext>
+            </a:extLst>
+          </p:cNvPr>
+          <p:cNvSpPr/>
+          <p:nvPr/>
+        </p:nvSpPr>
+        <p:spPr>
+          <a:xfrm>
+            <a:off x="9609519" y="4312142"/>
+            <a:ext cx="2516777" cy="1477328"/>
+          </a:xfrm>
+          <a:prstGeom prst="rect">
+            <a:avLst/>
+          </a:prstGeom>
+        </p:spPr>
+        <p:txBody>
+          <a:bodyPr wrap="square">
+            <a:spAutoFit/>
+          </a:bodyPr>
+          <a:lstStyle/>
+          <a:p>
+            <a:r>
+              <a:rPr lang="en-US" i="1" dirty="0">
+                <a:solidFill>
+                  <a:srgbClr val="000000"/>
+                </a:solidFill>
+                <a:latin typeface="Helvetica Neue"/>
+              </a:rPr>
+              <a:t>{'bootstrap': True, '</a:t>
+            </a:r>
+            <a:r>
+              <a:rPr lang="en-US" i="1" dirty="0" err="1">
+                <a:solidFill>
+                  <a:srgbClr val="000000"/>
+                </a:solidFill>
+                <a:latin typeface="Helvetica Neue"/>
+              </a:rPr>
+              <a:t>max_depth</a:t>
+            </a:r>
+            <a:r>
+              <a:rPr lang="en-US" i="1" dirty="0">
+                <a:solidFill>
+                  <a:srgbClr val="000000"/>
+                </a:solidFill>
+                <a:latin typeface="Helvetica Neue"/>
+              </a:rPr>
+              <a:t>': 31, '</a:t>
+            </a:r>
+            <a:r>
+              <a:rPr lang="en-US" i="1" dirty="0" err="1">
+                <a:solidFill>
+                  <a:srgbClr val="000000"/>
+                </a:solidFill>
+                <a:latin typeface="Helvetica Neue"/>
+              </a:rPr>
+              <a:t>min_samples_split</a:t>
+            </a:r>
+            <a:r>
+              <a:rPr lang="en-US" i="1" dirty="0">
+                <a:solidFill>
+                  <a:srgbClr val="000000"/>
+                </a:solidFill>
+                <a:latin typeface="Helvetica Neue"/>
+              </a:rPr>
+              <a:t>': 27, '</a:t>
+            </a:r>
+            <a:r>
+              <a:rPr lang="en-US" i="1" dirty="0" err="1">
+                <a:solidFill>
+                  <a:srgbClr val="000000"/>
+                </a:solidFill>
+                <a:latin typeface="Helvetica Neue"/>
+              </a:rPr>
+              <a:t>n_estimators</a:t>
+            </a:r>
+            <a:r>
+              <a:rPr lang="en-US" i="1" dirty="0">
+                <a:solidFill>
+                  <a:srgbClr val="000000"/>
+                </a:solidFill>
+                <a:latin typeface="Helvetica Neue"/>
+              </a:rPr>
+              <a:t>': 150, '</a:t>
+            </a:r>
+            <a:r>
+              <a:rPr lang="en-US" i="1" dirty="0" err="1">
+                <a:solidFill>
+                  <a:srgbClr val="000000"/>
+                </a:solidFill>
+                <a:latin typeface="Helvetica Neue"/>
+              </a:rPr>
+              <a:t>oob_score</a:t>
+            </a:r>
+            <a:r>
+              <a:rPr lang="en-US" i="1" dirty="0">
+                <a:solidFill>
+                  <a:srgbClr val="000000"/>
+                </a:solidFill>
+                <a:latin typeface="Helvetica Neue"/>
+              </a:rPr>
+              <a:t>': True}</a:t>
+            </a:r>
+            <a:endParaRPr lang="en-US" dirty="0"/>
+          </a:p>
+        </p:txBody>
+      </p:sp>
     </p:spTree>
     <p:extLst>
       <p:ext uri="{BB962C8B-B14F-4D97-AF65-F5344CB8AC3E}">

--- a/Capstone_Final_Presentation.pptx
+++ b/Capstone_Final_Presentation.pptx
@@ -14,17 +14,22 @@
     <p:sldId id="277" r:id="rId8"/>
     <p:sldId id="276" r:id="rId9"/>
     <p:sldId id="272" r:id="rId10"/>
-    <p:sldId id="263" r:id="rId11"/>
-    <p:sldId id="261" r:id="rId12"/>
-    <p:sldId id="262" r:id="rId13"/>
-    <p:sldId id="278" r:id="rId14"/>
-    <p:sldId id="264" r:id="rId15"/>
-    <p:sldId id="280" r:id="rId16"/>
-    <p:sldId id="265" r:id="rId17"/>
-    <p:sldId id="267" r:id="rId18"/>
-    <p:sldId id="281" r:id="rId19"/>
-    <p:sldId id="268" r:id="rId20"/>
-    <p:sldId id="256" r:id="rId21"/>
+    <p:sldId id="284" r:id="rId11"/>
+    <p:sldId id="263" r:id="rId12"/>
+    <p:sldId id="261" r:id="rId13"/>
+    <p:sldId id="285" r:id="rId14"/>
+    <p:sldId id="262" r:id="rId15"/>
+    <p:sldId id="278" r:id="rId16"/>
+    <p:sldId id="282" r:id="rId17"/>
+    <p:sldId id="264" r:id="rId18"/>
+    <p:sldId id="280" r:id="rId19"/>
+    <p:sldId id="283" r:id="rId20"/>
+    <p:sldId id="265" r:id="rId21"/>
+    <p:sldId id="267" r:id="rId22"/>
+    <p:sldId id="281" r:id="rId23"/>
+    <p:sldId id="268" r:id="rId24"/>
+    <p:sldId id="286" r:id="rId25"/>
+    <p:sldId id="256" r:id="rId26"/>
   </p:sldIdLst>
   <p:sldSz cx="12192000" cy="6858000"/>
   <p:notesSz cx="6858000" cy="9144000"/>
@@ -3457,7 +3462,7 @@
             <a:pPr algn="ctr"/>
             <a:r>
               <a:rPr lang="en-US" sz="2000" b="1" dirty="0"/>
-              <a:t>By Irwin Wei</a:t>
+              <a:t>Irwin Wei</a:t>
             </a:r>
           </a:p>
           <a:p>
@@ -3483,7 +3488,7 @@
         </p:nvSpPr>
         <p:spPr>
           <a:xfrm>
-            <a:off x="6020974" y="2575904"/>
+            <a:off x="6096000" y="2477688"/>
             <a:ext cx="5376201" cy="1631216"/>
           </a:xfrm>
           <a:prstGeom prst="rect">
@@ -3532,6 +3537,14 @@
 <file path=ppt/slides/slide10.xml><?xml version="1.0" encoding="utf-8"?>
 <p:sld xmlns:a="http://schemas.openxmlformats.org/drawingml/2006/main" xmlns:r="http://schemas.openxmlformats.org/officeDocument/2006/relationships" xmlns:p="http://schemas.openxmlformats.org/presentationml/2006/main">
   <p:cSld>
+    <p:bg>
+      <p:bgPr>
+        <a:solidFill>
+          <a:schemeClr val="bg1"/>
+        </a:solidFill>
+        <a:effectLst/>
+      </p:bgPr>
+    </p:bg>
     <p:spTree>
       <p:nvGrpSpPr>
         <p:cNvPr id="1" name=""/>
@@ -3548,10 +3561,10 @@
       </p:grpSpPr>
       <p:pic>
         <p:nvPicPr>
-          <p:cNvPr id="16" name="Picture 15">
-            <a:extLst>
-              <a:ext uri="{FF2B5EF4-FFF2-40B4-BE49-F238E27FC236}">
-                <a16:creationId xmlns:a16="http://schemas.microsoft.com/office/drawing/2014/main" id="{E90D7F43-3542-4E3C-8E1E-D0A0C016FD67}"/>
+          <p:cNvPr id="2" name="Picture 1" descr="A screenshot of a cell phone&#10;&#10;Description automatically generated">
+            <a:extLst>
+              <a:ext uri="{FF2B5EF4-FFF2-40B4-BE49-F238E27FC236}">
+                <a16:creationId xmlns:a16="http://schemas.microsoft.com/office/drawing/2014/main" id="{C412B6C3-B256-469D-815F-40193E6DE416}"/>
               </a:ext>
             </a:extLst>
           </p:cNvPr>
@@ -3560,268 +3573,274 @@
           </p:cNvPicPr>
           <p:nvPr/>
         </p:nvPicPr>
-        <p:blipFill>
+        <p:blipFill rotWithShape="1">
           <a:blip r:embed="rId2"/>
-          <a:stretch>
-            <a:fillRect/>
-          </a:stretch>
+          <a:srcRect t="10984" b="3138"/>
+          <a:stretch/>
         </p:blipFill>
         <p:spPr>
           <a:xfrm>
-            <a:off x="2719086" y="3204620"/>
-            <a:ext cx="8602275" cy="866896"/>
+            <a:off x="20" y="10"/>
+            <a:ext cx="12191980" cy="6857990"/>
           </a:xfrm>
           <a:prstGeom prst="rect">
             <a:avLst/>
           </a:prstGeom>
         </p:spPr>
       </p:pic>
-      <p:pic>
-        <p:nvPicPr>
-          <p:cNvPr id="17" name="Picture 16">
-            <a:extLst>
-              <a:ext uri="{FF2B5EF4-FFF2-40B4-BE49-F238E27FC236}">
-                <a16:creationId xmlns:a16="http://schemas.microsoft.com/office/drawing/2014/main" id="{A4316B42-18E0-4704-B2B3-F44D3A37D5A3}"/>
-              </a:ext>
-            </a:extLst>
-          </p:cNvPr>
-          <p:cNvPicPr>
-            <a:picLocks noChangeAspect="1"/>
-          </p:cNvPicPr>
-          <p:nvPr/>
-        </p:nvPicPr>
-        <p:blipFill>
-          <a:blip r:embed="rId3"/>
-          <a:stretch>
-            <a:fillRect/>
-          </a:stretch>
-        </p:blipFill>
-        <p:spPr>
-          <a:xfrm>
-            <a:off x="2747664" y="4062244"/>
-            <a:ext cx="8602275" cy="2781688"/>
-          </a:xfrm>
-          <a:prstGeom prst="rect">
-            <a:avLst/>
-          </a:prstGeom>
-        </p:spPr>
-      </p:pic>
-      <p:pic>
-        <p:nvPicPr>
-          <p:cNvPr id="2" name="Picture 1">
-            <a:extLst>
-              <a:ext uri="{FF2B5EF4-FFF2-40B4-BE49-F238E27FC236}">
-                <a16:creationId xmlns:a16="http://schemas.microsoft.com/office/drawing/2014/main" id="{48CDCE2E-D142-4228-8719-F924767C4CC1}"/>
-              </a:ext>
-            </a:extLst>
-          </p:cNvPr>
-          <p:cNvPicPr>
-            <a:picLocks noChangeAspect="1"/>
-          </p:cNvPicPr>
-          <p:nvPr/>
-        </p:nvPicPr>
-        <p:blipFill>
-          <a:blip r:embed="rId4"/>
-          <a:stretch>
-            <a:fillRect/>
-          </a:stretch>
-        </p:blipFill>
-        <p:spPr>
-          <a:xfrm>
-            <a:off x="3573191" y="350691"/>
-            <a:ext cx="2706515" cy="4441228"/>
-          </a:xfrm>
-          <a:prstGeom prst="rect">
-            <a:avLst/>
-          </a:prstGeom>
-          <a:ln>
+      <p:sp>
+        <p:nvSpPr>
+          <p:cNvPr id="16" name="Freeform 5">
+            <a:extLst>
+              <a:ext uri="{FF2B5EF4-FFF2-40B4-BE49-F238E27FC236}">
+                <a16:creationId xmlns:a16="http://schemas.microsoft.com/office/drawing/2014/main" id="{87CC2527-562A-4F69-B487-4371E5B243E7}"/>
+              </a:ext>
+              <a:ext uri="{C183D7F6-B498-43B3-948B-1728B52AA6E4}">
+                <adec:decorative xmlns:adec="http://schemas.microsoft.com/office/drawing/2017/decorative" val="1"/>
+              </a:ext>
+            </a:extLst>
+          </p:cNvPr>
+          <p:cNvSpPr>
+            <a:spLocks noGrp="1" noRot="1" noChangeAspect="1" noMove="1" noResize="1" noEditPoints="1" noAdjustHandles="1" noChangeArrowheads="1" noChangeShapeType="1" noTextEdit="1"/>
+          </p:cNvSpPr>
+          <p:nvPr>
+            <p:extLst>
+              <p:ext uri="{386F3935-93C4-4BCD-93E2-E3B085C9AB24}">
+                <p16:designElem xmlns:p16="http://schemas.microsoft.com/office/powerpoint/2015/main" val="1"/>
+              </p:ext>
+            </p:extLst>
+          </p:nvPr>
+        </p:nvSpPr>
+        <p:spPr bwMode="grayWhite">
+          <a:xfrm>
+            <a:off x="7488621" y="2277613"/>
+            <a:ext cx="4703379" cy="4580387"/>
+          </a:xfrm>
+          <a:custGeom>
+            <a:avLst/>
+            <a:gdLst>
+              <a:gd name="T0" fmla="*/ 1333 w 1333"/>
+              <a:gd name="T1" fmla="*/ 1031 h 1298"/>
+              <a:gd name="T2" fmla="*/ 1333 w 1333"/>
+              <a:gd name="T3" fmla="*/ 380 h 1298"/>
+              <a:gd name="T4" fmla="*/ 706 w 1333"/>
+              <a:gd name="T5" fmla="*/ 0 h 1298"/>
+              <a:gd name="T6" fmla="*/ 0 w 1333"/>
+              <a:gd name="T7" fmla="*/ 706 h 1298"/>
+              <a:gd name="T8" fmla="*/ 323 w 1333"/>
+              <a:gd name="T9" fmla="*/ 1298 h 1298"/>
+              <a:gd name="T10" fmla="*/ 1090 w 1333"/>
+              <a:gd name="T11" fmla="*/ 1298 h 1298"/>
+              <a:gd name="T12" fmla="*/ 1333 w 1333"/>
+              <a:gd name="T13" fmla="*/ 1031 h 1298"/>
+            </a:gdLst>
+            <a:ahLst/>
+            <a:cxnLst>
+              <a:cxn ang="0">
+                <a:pos x="T0" y="T1"/>
+              </a:cxn>
+              <a:cxn ang="0">
+                <a:pos x="T2" y="T3"/>
+              </a:cxn>
+              <a:cxn ang="0">
+                <a:pos x="T4" y="T5"/>
+              </a:cxn>
+              <a:cxn ang="0">
+                <a:pos x="T6" y="T7"/>
+              </a:cxn>
+              <a:cxn ang="0">
+                <a:pos x="T8" y="T9"/>
+              </a:cxn>
+              <a:cxn ang="0">
+                <a:pos x="T10" y="T11"/>
+              </a:cxn>
+              <a:cxn ang="0">
+                <a:pos x="T12" y="T13"/>
+              </a:cxn>
+            </a:cxnLst>
+            <a:rect l="0" t="0" r="r" b="b"/>
+            <a:pathLst>
+              <a:path w="1333" h="1298">
+                <a:moveTo>
+                  <a:pt x="1333" y="1031"/>
+                </a:moveTo>
+                <a:cubicBezTo>
+                  <a:pt x="1333" y="380"/>
+                  <a:pt x="1333" y="380"/>
+                  <a:pt x="1333" y="380"/>
+                </a:cubicBezTo>
+                <a:cubicBezTo>
+                  <a:pt x="1215" y="154"/>
+                  <a:pt x="979" y="0"/>
+                  <a:pt x="706" y="0"/>
+                </a:cubicBezTo>
+                <a:cubicBezTo>
+                  <a:pt x="317" y="0"/>
+                  <a:pt x="0" y="316"/>
+                  <a:pt x="0" y="706"/>
+                </a:cubicBezTo>
+                <a:cubicBezTo>
+                  <a:pt x="0" y="954"/>
+                  <a:pt x="129" y="1172"/>
+                  <a:pt x="323" y="1298"/>
+                </a:cubicBezTo>
+                <a:cubicBezTo>
+                  <a:pt x="1090" y="1298"/>
+                  <a:pt x="1090" y="1298"/>
+                  <a:pt x="1090" y="1298"/>
+                </a:cubicBezTo>
+                <a:cubicBezTo>
+                  <a:pt x="1193" y="1232"/>
+                  <a:pt x="1276" y="1140"/>
+                  <a:pt x="1333" y="1031"/>
+                </a:cubicBezTo>
+                <a:close/>
+              </a:path>
+            </a:pathLst>
+          </a:custGeom>
+          <a:solidFill>
+            <a:schemeClr val="bg1">
+              <a:alpha val="70000"/>
+            </a:schemeClr>
+          </a:solidFill>
+          <a:ln w="50800" cap="sq" cmpd="dbl">
+            <a:noFill/>
+            <a:miter lim="800000"/>
+          </a:ln>
+          <a:effectLst/>
+        </p:spPr>
+        <p:txBody>
+          <a:bodyPr vert="horz" lIns="91440" tIns="45720" rIns="91440" bIns="45720" rtlCol="0" anchor="t">
+            <a:normAutofit/>
+          </a:bodyPr>
+          <a:lstStyle/>
+          <a:p>
+            <a:pPr algn="ctr">
+              <a:spcAft>
+                <a:spcPts val="1000"/>
+              </a:spcAft>
+              <a:buClr>
+                <a:schemeClr val="tx1"/>
+              </a:buClr>
+              <a:buSzPct val="100000"/>
+              <a:buFont typeface="Arial"/>
+              <a:buNone/>
+            </a:pPr>
+            <a:endParaRPr lang="en-US" sz="1600" cap="all"/>
+          </a:p>
+        </p:txBody>
+      </p:sp>
+      <p:sp>
+        <p:nvSpPr>
+          <p:cNvPr id="3" name="TextBox 2">
+            <a:extLst>
+              <a:ext uri="{FF2B5EF4-FFF2-40B4-BE49-F238E27FC236}">
+                <a16:creationId xmlns:a16="http://schemas.microsoft.com/office/drawing/2014/main" id="{12C94346-F3A5-4F21-A1CB-7EF48FDA4394}"/>
+              </a:ext>
+            </a:extLst>
+          </p:cNvPr>
+          <p:cNvSpPr txBox="1"/>
+          <p:nvPr/>
+        </p:nvSpPr>
+        <p:spPr>
+          <a:xfrm>
+            <a:off x="8022021" y="3231931"/>
+            <a:ext cx="3852041" cy="1834056"/>
+          </a:xfrm>
+          <a:prstGeom prst="rect">
+            <a:avLst/>
+          </a:prstGeom>
+        </p:spPr>
+        <p:txBody>
+          <a:bodyPr vert="horz" lIns="91440" tIns="45720" rIns="91440" bIns="45720" rtlCol="0" anchor="b">
+            <a:normAutofit/>
+          </a:bodyPr>
+          <a:lstStyle/>
+          <a:p>
+            <a:pPr algn="ctr">
+              <a:lnSpc>
+                <a:spcPct val="90000"/>
+              </a:lnSpc>
+              <a:spcBef>
+                <a:spcPct val="0"/>
+              </a:spcBef>
+              <a:spcAft>
+                <a:spcPts val="600"/>
+              </a:spcAft>
+            </a:pPr>
+            <a:r>
+              <a:rPr lang="en-US" sz="3400" b="1">
+                <a:latin typeface="+mj-lt"/>
+                <a:ea typeface="+mj-ea"/>
+                <a:cs typeface="+mj-cs"/>
+              </a:rPr>
+              <a:t>Annual Returns Submitted to MAS – Table “FORM 6 (SIF)”</a:t>
+            </a:r>
+          </a:p>
+        </p:txBody>
+      </p:sp>
+      <p:cxnSp>
+        <p:nvCxnSpPr>
+          <p:cNvPr id="18" name="Straight Connector 17">
+            <a:extLst>
+              <a:ext uri="{FF2B5EF4-FFF2-40B4-BE49-F238E27FC236}">
+                <a16:creationId xmlns:a16="http://schemas.microsoft.com/office/drawing/2014/main" id="{BCDAEC91-5BCE-4B55-9CC0-43EF94CB734B}"/>
+              </a:ext>
+              <a:ext uri="{C183D7F6-B498-43B3-948B-1728B52AA6E4}">
+                <adec:decorative xmlns:adec="http://schemas.microsoft.com/office/drawing/2017/decorative" val="1"/>
+              </a:ext>
+            </a:extLst>
+          </p:cNvPr>
+          <p:cNvCxnSpPr>
+            <a:cxnSpLocks noGrp="1" noRot="1" noChangeAspect="1" noMove="1" noResize="1" noEditPoints="1" noAdjustHandles="1" noChangeArrowheads="1" noChangeShapeType="1"/>
+          </p:cNvCxnSpPr>
+          <p:nvPr>
+            <p:extLst>
+              <p:ext uri="{386F3935-93C4-4BCD-93E2-E3B085C9AB24}">
+                <p16:designElem xmlns:p16="http://schemas.microsoft.com/office/powerpoint/2015/main" val="1"/>
+              </p:ext>
+            </p:extLst>
+          </p:nvPr>
+        </p:nvCxnSpPr>
+        <p:spPr>
+          <a:xfrm>
+            <a:off x="9480331" y="5123793"/>
+            <a:ext cx="935420" cy="0"/>
+          </a:xfrm>
+          <a:prstGeom prst="line">
+            <a:avLst/>
+          </a:prstGeom>
+          <a:ln w="25400" cap="sq">
             <a:solidFill>
-              <a:srgbClr val="0070C0"/>
+              <a:schemeClr val="tx1">
+                <a:lumMod val="85000"/>
+                <a:lumOff val="15000"/>
+              </a:schemeClr>
             </a:solidFill>
+            <a:bevel/>
           </a:ln>
         </p:spPr>
-      </p:pic>
-      <p:pic>
-        <p:nvPicPr>
-          <p:cNvPr id="3" name="Picture 2">
-            <a:extLst>
-              <a:ext uri="{FF2B5EF4-FFF2-40B4-BE49-F238E27FC236}">
-                <a16:creationId xmlns:a16="http://schemas.microsoft.com/office/drawing/2014/main" id="{BC6D2398-000E-4DB4-92CD-9C1CED488E49}"/>
-              </a:ext>
-            </a:extLst>
-          </p:cNvPr>
-          <p:cNvPicPr>
-            <a:picLocks noChangeAspect="1"/>
-          </p:cNvPicPr>
-          <p:nvPr/>
-        </p:nvPicPr>
-        <p:blipFill>
-          <a:blip r:embed="rId5"/>
-          <a:stretch>
-            <a:fillRect/>
-          </a:stretch>
-        </p:blipFill>
-        <p:spPr>
-          <a:xfrm>
-            <a:off x="350193" y="651140"/>
-            <a:ext cx="2706516" cy="3612325"/>
-          </a:xfrm>
-          <a:prstGeom prst="rect">
-            <a:avLst/>
-          </a:prstGeom>
-          <a:ln>
-            <a:solidFill>
-              <a:srgbClr val="C00000"/>
-            </a:solidFill>
-          </a:ln>
-        </p:spPr>
-      </p:pic>
-      <p:pic>
-        <p:nvPicPr>
-          <p:cNvPr id="4" name="Picture 3">
-            <a:extLst>
-              <a:ext uri="{FF2B5EF4-FFF2-40B4-BE49-F238E27FC236}">
-                <a16:creationId xmlns:a16="http://schemas.microsoft.com/office/drawing/2014/main" id="{E28F62FF-1A1F-412F-BE9E-09072313D552}"/>
-              </a:ext>
-            </a:extLst>
-          </p:cNvPr>
-          <p:cNvPicPr>
-            <a:picLocks noChangeAspect="1"/>
-          </p:cNvPicPr>
-          <p:nvPr/>
-        </p:nvPicPr>
-        <p:blipFill>
-          <a:blip r:embed="rId6"/>
-          <a:stretch>
-            <a:fillRect/>
-          </a:stretch>
-        </p:blipFill>
-        <p:spPr>
-          <a:xfrm>
-            <a:off x="6882113" y="375649"/>
-            <a:ext cx="3986183" cy="2632385"/>
-          </a:xfrm>
-          <a:prstGeom prst="rect">
-            <a:avLst/>
-          </a:prstGeom>
-          <a:ln>
-            <a:solidFill>
-              <a:schemeClr val="tx1"/>
-            </a:solidFill>
-          </a:ln>
-        </p:spPr>
-      </p:pic>
-      <p:pic>
-        <p:nvPicPr>
-          <p:cNvPr id="11" name="Picture 10">
-            <a:extLst>
-              <a:ext uri="{FF2B5EF4-FFF2-40B4-BE49-F238E27FC236}">
-                <a16:creationId xmlns:a16="http://schemas.microsoft.com/office/drawing/2014/main" id="{4C0C14B2-1BBC-4151-8A55-54AA9684CC96}"/>
-              </a:ext>
-            </a:extLst>
-          </p:cNvPr>
-          <p:cNvPicPr>
-            <a:picLocks noChangeAspect="1"/>
-          </p:cNvPicPr>
-          <p:nvPr/>
-        </p:nvPicPr>
-        <p:blipFill>
-          <a:blip r:embed="rId6"/>
-          <a:stretch>
-            <a:fillRect/>
-          </a:stretch>
-        </p:blipFill>
-        <p:spPr>
-          <a:xfrm>
-            <a:off x="7034513" y="528049"/>
-            <a:ext cx="3986183" cy="2632385"/>
-          </a:xfrm>
-          <a:prstGeom prst="rect">
-            <a:avLst/>
-          </a:prstGeom>
-          <a:ln>
-            <a:solidFill>
-              <a:schemeClr val="tx1"/>
-            </a:solidFill>
-          </a:ln>
-        </p:spPr>
-      </p:pic>
-      <p:pic>
-        <p:nvPicPr>
-          <p:cNvPr id="12" name="Picture 11">
-            <a:extLst>
-              <a:ext uri="{FF2B5EF4-FFF2-40B4-BE49-F238E27FC236}">
-                <a16:creationId xmlns:a16="http://schemas.microsoft.com/office/drawing/2014/main" id="{D3FC9C61-C5E7-4470-AFBE-BFDA0BF50AA6}"/>
-              </a:ext>
-            </a:extLst>
-          </p:cNvPr>
-          <p:cNvPicPr>
-            <a:picLocks noChangeAspect="1"/>
-          </p:cNvPicPr>
-          <p:nvPr/>
-        </p:nvPicPr>
-        <p:blipFill>
-          <a:blip r:embed="rId6"/>
-          <a:stretch>
-            <a:fillRect/>
-          </a:stretch>
-        </p:blipFill>
-        <p:spPr>
-          <a:xfrm>
-            <a:off x="7186913" y="680449"/>
-            <a:ext cx="3986183" cy="2632385"/>
-          </a:xfrm>
-          <a:prstGeom prst="rect">
-            <a:avLst/>
-          </a:prstGeom>
-          <a:ln>
-            <a:solidFill>
-              <a:schemeClr val="tx1"/>
-            </a:solidFill>
-          </a:ln>
-        </p:spPr>
-      </p:pic>
-      <p:pic>
-        <p:nvPicPr>
-          <p:cNvPr id="13" name="Picture 12">
-            <a:extLst>
-              <a:ext uri="{FF2B5EF4-FFF2-40B4-BE49-F238E27FC236}">
-                <a16:creationId xmlns:a16="http://schemas.microsoft.com/office/drawing/2014/main" id="{D1C64B9D-E825-4BBB-999C-B01831275E30}"/>
-              </a:ext>
-            </a:extLst>
-          </p:cNvPr>
-          <p:cNvPicPr>
-            <a:picLocks noChangeAspect="1"/>
-          </p:cNvPicPr>
-          <p:nvPr/>
-        </p:nvPicPr>
-        <p:blipFill>
-          <a:blip r:embed="rId6"/>
-          <a:stretch>
-            <a:fillRect/>
-          </a:stretch>
-        </p:blipFill>
-        <p:spPr>
-          <a:xfrm>
-            <a:off x="7339313" y="832849"/>
-            <a:ext cx="3986183" cy="2632385"/>
-          </a:xfrm>
-          <a:prstGeom prst="rect">
-            <a:avLst/>
-          </a:prstGeom>
-          <a:ln>
-            <a:solidFill>
-              <a:schemeClr val="tx1"/>
-            </a:solidFill>
-          </a:ln>
-        </p:spPr>
-      </p:pic>
-      <p:sp>
-        <p:nvSpPr>
-          <p:cNvPr id="18" name="Arrow: Right 17">
-            <a:extLst>
-              <a:ext uri="{FF2B5EF4-FFF2-40B4-BE49-F238E27FC236}">
-                <a16:creationId xmlns:a16="http://schemas.microsoft.com/office/drawing/2014/main" id="{65305080-01C6-4DF7-A649-7C0C0BED10FF}"/>
+        <p:style>
+          <a:lnRef idx="1">
+            <a:schemeClr val="accent1"/>
+          </a:lnRef>
+          <a:fillRef idx="0">
+            <a:schemeClr val="accent1"/>
+          </a:fillRef>
+          <a:effectRef idx="0">
+            <a:schemeClr val="accent1"/>
+          </a:effectRef>
+          <a:fontRef idx="minor">
+            <a:schemeClr val="tx1"/>
+          </a:fontRef>
+        </p:style>
+      </p:cxnSp>
+      <p:sp>
+        <p:nvSpPr>
+          <p:cNvPr id="4" name="Rectangle 3">
+            <a:extLst>
+              <a:ext uri="{FF2B5EF4-FFF2-40B4-BE49-F238E27FC236}">
+                <a16:creationId xmlns:a16="http://schemas.microsoft.com/office/drawing/2014/main" id="{541DE347-1B04-4EDF-B4B1-4745CBB0AD9E}"/>
               </a:ext>
             </a:extLst>
           </p:cNvPr>
@@ -3830,12 +3849,17 @@
         </p:nvSpPr>
         <p:spPr>
           <a:xfrm>
-            <a:off x="2719085" y="796833"/>
-            <a:ext cx="1387595" cy="866896"/>
-          </a:xfrm>
-          <a:prstGeom prst="rightArrow">
-            <a:avLst/>
-          </a:prstGeom>
+            <a:off x="2250831" y="0"/>
+            <a:ext cx="689317" cy="6858000"/>
+          </a:xfrm>
+          <a:prstGeom prst="rect">
+            <a:avLst/>
+          </a:prstGeom>
+          <a:solidFill>
+            <a:srgbClr val="00B0F0">
+              <a:alpha val="15000"/>
+            </a:srgbClr>
+          </a:solidFill>
         </p:spPr>
         <p:style>
           <a:lnRef idx="2">
@@ -3864,10 +3888,10 @@
       </p:sp>
       <p:sp>
         <p:nvSpPr>
-          <p:cNvPr id="19" name="Arrow: Right 18">
-            <a:extLst>
-              <a:ext uri="{FF2B5EF4-FFF2-40B4-BE49-F238E27FC236}">
-                <a16:creationId xmlns:a16="http://schemas.microsoft.com/office/drawing/2014/main" id="{5C6D8C81-DE11-42D1-AC0A-A07A9DEB5E16}"/>
+          <p:cNvPr id="8" name="Rectangle 7">
+            <a:extLst>
+              <a:ext uri="{FF2B5EF4-FFF2-40B4-BE49-F238E27FC236}">
+                <a16:creationId xmlns:a16="http://schemas.microsoft.com/office/drawing/2014/main" id="{F56DDA77-29D7-45D6-A637-BAA3A6EF866E}"/>
               </a:ext>
             </a:extLst>
           </p:cNvPr>
@@ -3876,12 +3900,17 @@
         </p:nvSpPr>
         <p:spPr>
           <a:xfrm>
-            <a:off x="5402202" y="1410793"/>
-            <a:ext cx="1387595" cy="866896"/>
-          </a:xfrm>
-          <a:prstGeom prst="rightArrow">
-            <a:avLst/>
-          </a:prstGeom>
+            <a:off x="3556778" y="11722"/>
+            <a:ext cx="689317" cy="6858000"/>
+          </a:xfrm>
+          <a:prstGeom prst="rect">
+            <a:avLst/>
+          </a:prstGeom>
+          <a:solidFill>
+            <a:srgbClr val="00B0F0">
+              <a:alpha val="15000"/>
+            </a:srgbClr>
+          </a:solidFill>
         </p:spPr>
         <p:style>
           <a:lnRef idx="2">
@@ -3910,10 +3939,10 @@
       </p:sp>
       <p:sp>
         <p:nvSpPr>
-          <p:cNvPr id="20" name="Arrow: Right 19">
-            <a:extLst>
-              <a:ext uri="{FF2B5EF4-FFF2-40B4-BE49-F238E27FC236}">
-                <a16:creationId xmlns:a16="http://schemas.microsoft.com/office/drawing/2014/main" id="{8F6C474B-7A0A-4D6B-A0D9-97E6E22CB2EA}"/>
+          <p:cNvPr id="9" name="Rectangle 8">
+            <a:extLst>
+              <a:ext uri="{FF2B5EF4-FFF2-40B4-BE49-F238E27FC236}">
+                <a16:creationId xmlns:a16="http://schemas.microsoft.com/office/drawing/2014/main" id="{5FB93E8B-E218-462A-BB08-D8AE79166D67}"/>
               </a:ext>
             </a:extLst>
           </p:cNvPr>
@@ -3921,13 +3950,18 @@
           <p:nvPr/>
         </p:nvSpPr>
         <p:spPr>
-          <a:xfrm rot="5400000">
-            <a:off x="7900358" y="3285024"/>
-            <a:ext cx="1387595" cy="866896"/>
-          </a:xfrm>
-          <a:prstGeom prst="rightArrow">
-            <a:avLst/>
-          </a:prstGeom>
+          <a:xfrm>
+            <a:off x="4862728" y="9374"/>
+            <a:ext cx="689317" cy="6858000"/>
+          </a:xfrm>
+          <a:prstGeom prst="rect">
+            <a:avLst/>
+          </a:prstGeom>
+          <a:solidFill>
+            <a:srgbClr val="00B0F0">
+              <a:alpha val="15000"/>
+            </a:srgbClr>
+          </a:solidFill>
         </p:spPr>
         <p:style>
           <a:lnRef idx="2">
@@ -3954,90 +3988,214 @@
           </a:p>
         </p:txBody>
       </p:sp>
-      <p:pic>
-        <p:nvPicPr>
-          <p:cNvPr id="21" name="Picture 2" descr="Image result for reinsurance">
-            <a:extLst>
-              <a:ext uri="{FF2B5EF4-FFF2-40B4-BE49-F238E27FC236}">
-                <a16:creationId xmlns:a16="http://schemas.microsoft.com/office/drawing/2014/main" id="{6B74E421-9ED8-4848-985C-B7877E1CAF97}"/>
-              </a:ext>
-            </a:extLst>
-          </p:cNvPr>
-          <p:cNvPicPr>
-            <a:picLocks noChangeAspect="1" noChangeArrowheads="1"/>
-          </p:cNvPicPr>
-          <p:nvPr/>
-        </p:nvPicPr>
-        <p:blipFill rotWithShape="1">
-          <a:blip r:embed="rId7">
-            <a:extLst>
-              <a:ext uri="{28A0092B-C50C-407E-A947-70E740481C1C}">
-                <a14:useLocalDpi xmlns:a14="http://schemas.microsoft.com/office/drawing/2010/main" val="0"/>
-              </a:ext>
-            </a:extLst>
-          </a:blip>
-          <a:srcRect l="20174" r="21466"/>
-          <a:stretch/>
-        </p:blipFill>
-        <p:spPr bwMode="auto">
-          <a:xfrm>
-            <a:off x="2341" y="5566735"/>
-            <a:ext cx="1352390" cy="1305333"/>
-          </a:xfrm>
-          <a:prstGeom prst="rect">
-            <a:avLst/>
-          </a:prstGeom>
-          <a:noFill/>
-          <a:extLst>
-            <a:ext uri="{909E8E84-426E-40DD-AFC4-6F175D3DCCD1}">
-              <a14:hiddenFill xmlns:a14="http://schemas.microsoft.com/office/drawing/2010/main">
-                <a:solidFill>
-                  <a:srgbClr val="FFFFFF"/>
-                </a:solidFill>
-              </a14:hiddenFill>
-            </a:ext>
-          </a:extLst>
-        </p:spPr>
-      </p:pic>
-      <p:sp>
-        <p:nvSpPr>
-          <p:cNvPr id="14" name="TextBox 13">
-            <a:extLst>
-              <a:ext uri="{FF2B5EF4-FFF2-40B4-BE49-F238E27FC236}">
-                <a16:creationId xmlns:a16="http://schemas.microsoft.com/office/drawing/2014/main" id="{D1AE0C1F-FEE2-4E09-BD1D-9C1C34E19584}"/>
-              </a:ext>
-            </a:extLst>
-          </p:cNvPr>
-          <p:cNvSpPr txBox="1"/>
-          <p:nvPr/>
-        </p:nvSpPr>
-        <p:spPr>
-          <a:xfrm>
-            <a:off x="27131" y="27131"/>
-            <a:ext cx="5219115" cy="523220"/>
-          </a:xfrm>
-          <a:prstGeom prst="rect">
-            <a:avLst/>
-          </a:prstGeom>
-          <a:noFill/>
-        </p:spPr>
-        <p:txBody>
-          <a:bodyPr wrap="square" rtlCol="0">
-            <a:spAutoFit/>
-          </a:bodyPr>
-          <a:lstStyle/>
-          <a:p>
-            <a:r>
-              <a:rPr lang="en-US" sz="2800" b="1" dirty="0"/>
-              <a:t>Get the data … </a:t>
-            </a:r>
+      <p:sp>
+        <p:nvSpPr>
+          <p:cNvPr id="10" name="Rectangle 9">
+            <a:extLst>
+              <a:ext uri="{FF2B5EF4-FFF2-40B4-BE49-F238E27FC236}">
+                <a16:creationId xmlns:a16="http://schemas.microsoft.com/office/drawing/2014/main" id="{374E11AC-6785-446F-8863-96DC5B0CF02C}"/>
+              </a:ext>
+            </a:extLst>
+          </p:cNvPr>
+          <p:cNvSpPr/>
+          <p:nvPr/>
+        </p:nvSpPr>
+        <p:spPr>
+          <a:xfrm>
+            <a:off x="6154613" y="21094"/>
+            <a:ext cx="689317" cy="6858000"/>
+          </a:xfrm>
+          <a:prstGeom prst="rect">
+            <a:avLst/>
+          </a:prstGeom>
+          <a:solidFill>
+            <a:srgbClr val="00B0F0">
+              <a:alpha val="15000"/>
+            </a:srgbClr>
+          </a:solidFill>
+        </p:spPr>
+        <p:style>
+          <a:lnRef idx="2">
+            <a:schemeClr val="accent1">
+              <a:shade val="50000"/>
+            </a:schemeClr>
+          </a:lnRef>
+          <a:fillRef idx="1">
+            <a:schemeClr val="accent1"/>
+          </a:fillRef>
+          <a:effectRef idx="0">
+            <a:schemeClr val="accent1"/>
+          </a:effectRef>
+          <a:fontRef idx="minor">
+            <a:schemeClr val="lt1"/>
+          </a:fontRef>
+        </p:style>
+        <p:txBody>
+          <a:bodyPr rtlCol="0" anchor="ctr"/>
+          <a:lstStyle/>
+          <a:p>
+            <a:pPr algn="ctr"/>
+            <a:endParaRPr lang="en-US"/>
+          </a:p>
+        </p:txBody>
+      </p:sp>
+      <p:sp>
+        <p:nvSpPr>
+          <p:cNvPr id="12" name="Rectangle 11">
+            <a:extLst>
+              <a:ext uri="{FF2B5EF4-FFF2-40B4-BE49-F238E27FC236}">
+                <a16:creationId xmlns:a16="http://schemas.microsoft.com/office/drawing/2014/main" id="{DDB77F20-0521-490A-8392-C51CCE316105}"/>
+              </a:ext>
+            </a:extLst>
+          </p:cNvPr>
+          <p:cNvSpPr/>
+          <p:nvPr/>
+        </p:nvSpPr>
+        <p:spPr>
+          <a:xfrm>
+            <a:off x="7474628" y="18748"/>
+            <a:ext cx="689317" cy="6858000"/>
+          </a:xfrm>
+          <a:prstGeom prst="rect">
+            <a:avLst/>
+          </a:prstGeom>
+          <a:solidFill>
+            <a:srgbClr val="00B0F0">
+              <a:alpha val="15000"/>
+            </a:srgbClr>
+          </a:solidFill>
+        </p:spPr>
+        <p:style>
+          <a:lnRef idx="2">
+            <a:schemeClr val="accent1">
+              <a:shade val="50000"/>
+            </a:schemeClr>
+          </a:lnRef>
+          <a:fillRef idx="1">
+            <a:schemeClr val="accent1"/>
+          </a:fillRef>
+          <a:effectRef idx="0">
+            <a:schemeClr val="accent1"/>
+          </a:effectRef>
+          <a:fontRef idx="minor">
+            <a:schemeClr val="lt1"/>
+          </a:fontRef>
+        </p:style>
+        <p:txBody>
+          <a:bodyPr rtlCol="0" anchor="ctr"/>
+          <a:lstStyle/>
+          <a:p>
+            <a:pPr algn="ctr"/>
+            <a:endParaRPr lang="en-US"/>
+          </a:p>
+        </p:txBody>
+      </p:sp>
+      <p:sp>
+        <p:nvSpPr>
+          <p:cNvPr id="13" name="Rectangle 12">
+            <a:extLst>
+              <a:ext uri="{FF2B5EF4-FFF2-40B4-BE49-F238E27FC236}">
+                <a16:creationId xmlns:a16="http://schemas.microsoft.com/office/drawing/2014/main" id="{C3FABFD9-0DB4-4699-8BB7-5CF391927E85}"/>
+              </a:ext>
+            </a:extLst>
+          </p:cNvPr>
+          <p:cNvSpPr/>
+          <p:nvPr/>
+        </p:nvSpPr>
+        <p:spPr>
+          <a:xfrm>
+            <a:off x="8780574" y="16402"/>
+            <a:ext cx="689317" cy="6858000"/>
+          </a:xfrm>
+          <a:prstGeom prst="rect">
+            <a:avLst/>
+          </a:prstGeom>
+          <a:solidFill>
+            <a:srgbClr val="00B0F0">
+              <a:alpha val="15000"/>
+            </a:srgbClr>
+          </a:solidFill>
+        </p:spPr>
+        <p:style>
+          <a:lnRef idx="2">
+            <a:schemeClr val="accent1">
+              <a:shade val="50000"/>
+            </a:schemeClr>
+          </a:lnRef>
+          <a:fillRef idx="1">
+            <a:schemeClr val="accent1"/>
+          </a:fillRef>
+          <a:effectRef idx="0">
+            <a:schemeClr val="accent1"/>
+          </a:effectRef>
+          <a:fontRef idx="minor">
+            <a:schemeClr val="lt1"/>
+          </a:fontRef>
+        </p:style>
+        <p:txBody>
+          <a:bodyPr rtlCol="0" anchor="ctr"/>
+          <a:lstStyle/>
+          <a:p>
+            <a:pPr algn="ctr"/>
+            <a:endParaRPr lang="en-US"/>
+          </a:p>
+        </p:txBody>
+      </p:sp>
+      <p:sp>
+        <p:nvSpPr>
+          <p:cNvPr id="14" name="Rectangle 13">
+            <a:extLst>
+              <a:ext uri="{FF2B5EF4-FFF2-40B4-BE49-F238E27FC236}">
+                <a16:creationId xmlns:a16="http://schemas.microsoft.com/office/drawing/2014/main" id="{772085AF-5304-4EB1-90F7-945E3D2D62F6}"/>
+              </a:ext>
+            </a:extLst>
+          </p:cNvPr>
+          <p:cNvSpPr/>
+          <p:nvPr/>
+        </p:nvSpPr>
+        <p:spPr>
+          <a:xfrm>
+            <a:off x="10072461" y="14054"/>
+            <a:ext cx="689317" cy="6858000"/>
+          </a:xfrm>
+          <a:prstGeom prst="rect">
+            <a:avLst/>
+          </a:prstGeom>
+          <a:solidFill>
+            <a:srgbClr val="00B0F0">
+              <a:alpha val="15000"/>
+            </a:srgbClr>
+          </a:solidFill>
+        </p:spPr>
+        <p:style>
+          <a:lnRef idx="2">
+            <a:schemeClr val="accent1">
+              <a:shade val="50000"/>
+            </a:schemeClr>
+          </a:lnRef>
+          <a:fillRef idx="1">
+            <a:schemeClr val="accent1"/>
+          </a:fillRef>
+          <a:effectRef idx="0">
+            <a:schemeClr val="accent1"/>
+          </a:effectRef>
+          <a:fontRef idx="minor">
+            <a:schemeClr val="lt1"/>
+          </a:fontRef>
+        </p:style>
+        <p:txBody>
+          <a:bodyPr rtlCol="0" anchor="ctr"/>
+          <a:lstStyle/>
+          <a:p>
+            <a:pPr algn="ctr"/>
+            <a:endParaRPr lang="en-US"/>
           </a:p>
         </p:txBody>
       </p:sp>
     </p:spTree>
     <p:extLst>
       <p:ext uri="{BB962C8B-B14F-4D97-AF65-F5344CB8AC3E}">
-        <p14:creationId xmlns:p14="http://schemas.microsoft.com/office/powerpoint/2010/main" val="2757337293"/>
+        <p14:creationId xmlns:p14="http://schemas.microsoft.com/office/powerpoint/2010/main" val="2600271931"/>
       </p:ext>
     </p:extLst>
   </p:cSld>
@@ -4066,44 +4224,441 @@
       </p:grpSpPr>
       <p:pic>
         <p:nvPicPr>
-          <p:cNvPr id="3074" name="Picture 2" descr="Image result for devastated look">
-            <a:extLst>
-              <a:ext uri="{FF2B5EF4-FFF2-40B4-BE49-F238E27FC236}">
-                <a16:creationId xmlns:a16="http://schemas.microsoft.com/office/drawing/2014/main" id="{BD0BC97C-B508-44DC-AD64-B7CF936F6343}"/>
+          <p:cNvPr id="16" name="Picture 15">
+            <a:extLst>
+              <a:ext uri="{FF2B5EF4-FFF2-40B4-BE49-F238E27FC236}">
+                <a16:creationId xmlns:a16="http://schemas.microsoft.com/office/drawing/2014/main" id="{E90D7F43-3542-4E3C-8E1E-D0A0C016FD67}"/>
               </a:ext>
             </a:extLst>
           </p:cNvPr>
           <p:cNvPicPr>
-            <a:picLocks noChangeAspect="1" noChangeArrowheads="1"/>
+            <a:picLocks noChangeAspect="1"/>
           </p:cNvPicPr>
           <p:nvPr/>
         </p:nvPicPr>
         <p:blipFill>
-          <a:blip r:embed="rId2">
-            <a:extLst>
-              <a:ext uri="{BEBA8EAE-BF5A-486C-A8C5-ECC9F3942E4B}">
-                <a14:imgProps xmlns:a14="http://schemas.microsoft.com/office/drawing/2010/main">
-                  <a14:imgLayer r:embed="rId3">
-                    <a14:imgEffect>
-                      <a14:artisticPhotocopy/>
-                    </a14:imgEffect>
-                  </a14:imgLayer>
-                </a14:imgProps>
-              </a:ext>
-              <a:ext uri="{28A0092B-C50C-407E-A947-70E740481C1C}">
-                <a14:useLocalDpi xmlns:a14="http://schemas.microsoft.com/office/drawing/2010/main" val="0"/>
-              </a:ext>
-            </a:extLst>
-          </a:blip>
-          <a:srcRect/>
+          <a:blip r:embed="rId2"/>
           <a:stretch>
             <a:fillRect/>
           </a:stretch>
         </p:blipFill>
+        <p:spPr>
+          <a:xfrm>
+            <a:off x="2986373" y="3134280"/>
+            <a:ext cx="8602275" cy="866896"/>
+          </a:xfrm>
+          <a:prstGeom prst="rect">
+            <a:avLst/>
+          </a:prstGeom>
+        </p:spPr>
+      </p:pic>
+      <p:pic>
+        <p:nvPicPr>
+          <p:cNvPr id="17" name="Picture 16">
+            <a:extLst>
+              <a:ext uri="{FF2B5EF4-FFF2-40B4-BE49-F238E27FC236}">
+                <a16:creationId xmlns:a16="http://schemas.microsoft.com/office/drawing/2014/main" id="{A4316B42-18E0-4704-B2B3-F44D3A37D5A3}"/>
+              </a:ext>
+            </a:extLst>
+          </p:cNvPr>
+          <p:cNvPicPr>
+            <a:picLocks noChangeAspect="1"/>
+          </p:cNvPicPr>
+          <p:nvPr/>
+        </p:nvPicPr>
+        <p:blipFill>
+          <a:blip r:embed="rId3"/>
+          <a:stretch>
+            <a:fillRect/>
+          </a:stretch>
+        </p:blipFill>
+        <p:spPr>
+          <a:xfrm>
+            <a:off x="3014951" y="3991904"/>
+            <a:ext cx="8602275" cy="2781688"/>
+          </a:xfrm>
+          <a:prstGeom prst="rect">
+            <a:avLst/>
+          </a:prstGeom>
+        </p:spPr>
+      </p:pic>
+      <p:pic>
+        <p:nvPicPr>
+          <p:cNvPr id="2" name="Picture 1">
+            <a:extLst>
+              <a:ext uri="{FF2B5EF4-FFF2-40B4-BE49-F238E27FC236}">
+                <a16:creationId xmlns:a16="http://schemas.microsoft.com/office/drawing/2014/main" id="{48CDCE2E-D142-4228-8719-F924767C4CC1}"/>
+              </a:ext>
+            </a:extLst>
+          </p:cNvPr>
+          <p:cNvPicPr>
+            <a:picLocks noChangeAspect="1"/>
+          </p:cNvPicPr>
+          <p:nvPr/>
+        </p:nvPicPr>
+        <p:blipFill>
+          <a:blip r:embed="rId4"/>
+          <a:stretch>
+            <a:fillRect/>
+          </a:stretch>
+        </p:blipFill>
+        <p:spPr>
+          <a:xfrm>
+            <a:off x="3573191" y="350691"/>
+            <a:ext cx="2706515" cy="4441228"/>
+          </a:xfrm>
+          <a:prstGeom prst="rect">
+            <a:avLst/>
+          </a:prstGeom>
+          <a:ln>
+            <a:solidFill>
+              <a:srgbClr val="0070C0"/>
+            </a:solidFill>
+          </a:ln>
+        </p:spPr>
+      </p:pic>
+      <p:pic>
+        <p:nvPicPr>
+          <p:cNvPr id="3" name="Picture 2">
+            <a:extLst>
+              <a:ext uri="{FF2B5EF4-FFF2-40B4-BE49-F238E27FC236}">
+                <a16:creationId xmlns:a16="http://schemas.microsoft.com/office/drawing/2014/main" id="{BC6D2398-000E-4DB4-92CD-9C1CED488E49}"/>
+              </a:ext>
+            </a:extLst>
+          </p:cNvPr>
+          <p:cNvPicPr>
+            <a:picLocks noChangeAspect="1"/>
+          </p:cNvPicPr>
+          <p:nvPr/>
+        </p:nvPicPr>
+        <p:blipFill>
+          <a:blip r:embed="rId5"/>
+          <a:stretch>
+            <a:fillRect/>
+          </a:stretch>
+        </p:blipFill>
+        <p:spPr>
+          <a:xfrm>
+            <a:off x="167311" y="611951"/>
+            <a:ext cx="2706516" cy="3612325"/>
+          </a:xfrm>
+          <a:prstGeom prst="rect">
+            <a:avLst/>
+          </a:prstGeom>
+          <a:ln>
+            <a:solidFill>
+              <a:srgbClr val="C00000"/>
+            </a:solidFill>
+          </a:ln>
+        </p:spPr>
+      </p:pic>
+      <p:pic>
+        <p:nvPicPr>
+          <p:cNvPr id="4" name="Picture 3">
+            <a:extLst>
+              <a:ext uri="{FF2B5EF4-FFF2-40B4-BE49-F238E27FC236}">
+                <a16:creationId xmlns:a16="http://schemas.microsoft.com/office/drawing/2014/main" id="{E28F62FF-1A1F-412F-BE9E-09072313D552}"/>
+              </a:ext>
+            </a:extLst>
+          </p:cNvPr>
+          <p:cNvPicPr>
+            <a:picLocks noChangeAspect="1"/>
+          </p:cNvPicPr>
+          <p:nvPr/>
+        </p:nvPicPr>
+        <p:blipFill>
+          <a:blip r:embed="rId6"/>
+          <a:stretch>
+            <a:fillRect/>
+          </a:stretch>
+        </p:blipFill>
+        <p:spPr>
+          <a:xfrm>
+            <a:off x="6986617" y="375649"/>
+            <a:ext cx="3986183" cy="2632385"/>
+          </a:xfrm>
+          <a:prstGeom prst="rect">
+            <a:avLst/>
+          </a:prstGeom>
+          <a:ln>
+            <a:solidFill>
+              <a:schemeClr val="tx1"/>
+            </a:solidFill>
+          </a:ln>
+        </p:spPr>
+      </p:pic>
+      <p:pic>
+        <p:nvPicPr>
+          <p:cNvPr id="11" name="Picture 10">
+            <a:extLst>
+              <a:ext uri="{FF2B5EF4-FFF2-40B4-BE49-F238E27FC236}">
+                <a16:creationId xmlns:a16="http://schemas.microsoft.com/office/drawing/2014/main" id="{4C0C14B2-1BBC-4151-8A55-54AA9684CC96}"/>
+              </a:ext>
+            </a:extLst>
+          </p:cNvPr>
+          <p:cNvPicPr>
+            <a:picLocks noChangeAspect="1"/>
+          </p:cNvPicPr>
+          <p:nvPr/>
+        </p:nvPicPr>
+        <p:blipFill>
+          <a:blip r:embed="rId6"/>
+          <a:stretch>
+            <a:fillRect/>
+          </a:stretch>
+        </p:blipFill>
+        <p:spPr>
+          <a:xfrm>
+            <a:off x="7139017" y="528049"/>
+            <a:ext cx="3986183" cy="2632385"/>
+          </a:xfrm>
+          <a:prstGeom prst="rect">
+            <a:avLst/>
+          </a:prstGeom>
+          <a:ln>
+            <a:solidFill>
+              <a:schemeClr val="tx1"/>
+            </a:solidFill>
+          </a:ln>
+        </p:spPr>
+      </p:pic>
+      <p:pic>
+        <p:nvPicPr>
+          <p:cNvPr id="12" name="Picture 11">
+            <a:extLst>
+              <a:ext uri="{FF2B5EF4-FFF2-40B4-BE49-F238E27FC236}">
+                <a16:creationId xmlns:a16="http://schemas.microsoft.com/office/drawing/2014/main" id="{D3FC9C61-C5E7-4470-AFBE-BFDA0BF50AA6}"/>
+              </a:ext>
+            </a:extLst>
+          </p:cNvPr>
+          <p:cNvPicPr>
+            <a:picLocks noChangeAspect="1"/>
+          </p:cNvPicPr>
+          <p:nvPr/>
+        </p:nvPicPr>
+        <p:blipFill>
+          <a:blip r:embed="rId6"/>
+          <a:stretch>
+            <a:fillRect/>
+          </a:stretch>
+        </p:blipFill>
+        <p:spPr>
+          <a:xfrm>
+            <a:off x="7291417" y="680449"/>
+            <a:ext cx="3986183" cy="2632385"/>
+          </a:xfrm>
+          <a:prstGeom prst="rect">
+            <a:avLst/>
+          </a:prstGeom>
+          <a:ln>
+            <a:solidFill>
+              <a:schemeClr val="tx1"/>
+            </a:solidFill>
+          </a:ln>
+        </p:spPr>
+      </p:pic>
+      <p:pic>
+        <p:nvPicPr>
+          <p:cNvPr id="13" name="Picture 12">
+            <a:extLst>
+              <a:ext uri="{FF2B5EF4-FFF2-40B4-BE49-F238E27FC236}">
+                <a16:creationId xmlns:a16="http://schemas.microsoft.com/office/drawing/2014/main" id="{D1C64B9D-E825-4BBB-999C-B01831275E30}"/>
+              </a:ext>
+            </a:extLst>
+          </p:cNvPr>
+          <p:cNvPicPr>
+            <a:picLocks noChangeAspect="1"/>
+          </p:cNvPicPr>
+          <p:nvPr/>
+        </p:nvPicPr>
+        <p:blipFill>
+          <a:blip r:embed="rId6"/>
+          <a:stretch>
+            <a:fillRect/>
+          </a:stretch>
+        </p:blipFill>
+        <p:spPr>
+          <a:xfrm>
+            <a:off x="7443817" y="832849"/>
+            <a:ext cx="3986183" cy="2632385"/>
+          </a:xfrm>
+          <a:prstGeom prst="rect">
+            <a:avLst/>
+          </a:prstGeom>
+          <a:ln>
+            <a:solidFill>
+              <a:schemeClr val="tx1"/>
+            </a:solidFill>
+          </a:ln>
+        </p:spPr>
+      </p:pic>
+      <p:sp>
+        <p:nvSpPr>
+          <p:cNvPr id="18" name="Arrow: Right 17">
+            <a:extLst>
+              <a:ext uri="{FF2B5EF4-FFF2-40B4-BE49-F238E27FC236}">
+                <a16:creationId xmlns:a16="http://schemas.microsoft.com/office/drawing/2014/main" id="{65305080-01C6-4DF7-A649-7C0C0BED10FF}"/>
+              </a:ext>
+            </a:extLst>
+          </p:cNvPr>
+          <p:cNvSpPr/>
+          <p:nvPr/>
+        </p:nvSpPr>
+        <p:spPr>
+          <a:xfrm>
+            <a:off x="2719085" y="796833"/>
+            <a:ext cx="1387595" cy="866896"/>
+          </a:xfrm>
+          <a:prstGeom prst="rightArrow">
+            <a:avLst/>
+          </a:prstGeom>
+        </p:spPr>
+        <p:style>
+          <a:lnRef idx="2">
+            <a:schemeClr val="accent1">
+              <a:shade val="50000"/>
+            </a:schemeClr>
+          </a:lnRef>
+          <a:fillRef idx="1">
+            <a:schemeClr val="accent1"/>
+          </a:fillRef>
+          <a:effectRef idx="0">
+            <a:schemeClr val="accent1"/>
+          </a:effectRef>
+          <a:fontRef idx="minor">
+            <a:schemeClr val="lt1"/>
+          </a:fontRef>
+        </p:style>
+        <p:txBody>
+          <a:bodyPr rtlCol="0" anchor="ctr"/>
+          <a:lstStyle/>
+          <a:p>
+            <a:pPr algn="ctr"/>
+            <a:endParaRPr lang="en-US"/>
+          </a:p>
+        </p:txBody>
+      </p:sp>
+      <p:sp>
+        <p:nvSpPr>
+          <p:cNvPr id="19" name="Arrow: Right 18">
+            <a:extLst>
+              <a:ext uri="{FF2B5EF4-FFF2-40B4-BE49-F238E27FC236}">
+                <a16:creationId xmlns:a16="http://schemas.microsoft.com/office/drawing/2014/main" id="{5C6D8C81-DE11-42D1-AC0A-A07A9DEB5E16}"/>
+              </a:ext>
+            </a:extLst>
+          </p:cNvPr>
+          <p:cNvSpPr/>
+          <p:nvPr/>
+        </p:nvSpPr>
+        <p:spPr>
+          <a:xfrm>
+            <a:off x="5402202" y="1410793"/>
+            <a:ext cx="1387595" cy="866896"/>
+          </a:xfrm>
+          <a:prstGeom prst="rightArrow">
+            <a:avLst/>
+          </a:prstGeom>
+        </p:spPr>
+        <p:style>
+          <a:lnRef idx="2">
+            <a:schemeClr val="accent1">
+              <a:shade val="50000"/>
+            </a:schemeClr>
+          </a:lnRef>
+          <a:fillRef idx="1">
+            <a:schemeClr val="accent1"/>
+          </a:fillRef>
+          <a:effectRef idx="0">
+            <a:schemeClr val="accent1"/>
+          </a:effectRef>
+          <a:fontRef idx="minor">
+            <a:schemeClr val="lt1"/>
+          </a:fontRef>
+        </p:style>
+        <p:txBody>
+          <a:bodyPr rtlCol="0" anchor="ctr"/>
+          <a:lstStyle/>
+          <a:p>
+            <a:pPr algn="ctr"/>
+            <a:endParaRPr lang="en-US"/>
+          </a:p>
+        </p:txBody>
+      </p:sp>
+      <p:sp>
+        <p:nvSpPr>
+          <p:cNvPr id="20" name="Arrow: Right 19">
+            <a:extLst>
+              <a:ext uri="{FF2B5EF4-FFF2-40B4-BE49-F238E27FC236}">
+                <a16:creationId xmlns:a16="http://schemas.microsoft.com/office/drawing/2014/main" id="{8F6C474B-7A0A-4D6B-A0D9-97E6E22CB2EA}"/>
+              </a:ext>
+            </a:extLst>
+          </p:cNvPr>
+          <p:cNvSpPr/>
+          <p:nvPr/>
+        </p:nvSpPr>
+        <p:spPr>
+          <a:xfrm rot="5400000">
+            <a:off x="7900358" y="3285024"/>
+            <a:ext cx="1387595" cy="866896"/>
+          </a:xfrm>
+          <a:prstGeom prst="rightArrow">
+            <a:avLst/>
+          </a:prstGeom>
+        </p:spPr>
+        <p:style>
+          <a:lnRef idx="2">
+            <a:schemeClr val="accent1">
+              <a:shade val="50000"/>
+            </a:schemeClr>
+          </a:lnRef>
+          <a:fillRef idx="1">
+            <a:schemeClr val="accent1"/>
+          </a:fillRef>
+          <a:effectRef idx="0">
+            <a:schemeClr val="accent1"/>
+          </a:effectRef>
+          <a:fontRef idx="minor">
+            <a:schemeClr val="lt1"/>
+          </a:fontRef>
+        </p:style>
+        <p:txBody>
+          <a:bodyPr rtlCol="0" anchor="ctr"/>
+          <a:lstStyle/>
+          <a:p>
+            <a:pPr algn="ctr"/>
+            <a:endParaRPr lang="en-US"/>
+          </a:p>
+        </p:txBody>
+      </p:sp>
+      <p:pic>
+        <p:nvPicPr>
+          <p:cNvPr id="21" name="Picture 2" descr="Image result for reinsurance">
+            <a:extLst>
+              <a:ext uri="{FF2B5EF4-FFF2-40B4-BE49-F238E27FC236}">
+                <a16:creationId xmlns:a16="http://schemas.microsoft.com/office/drawing/2014/main" id="{6B74E421-9ED8-4848-985C-B7877E1CAF97}"/>
+              </a:ext>
+            </a:extLst>
+          </p:cNvPr>
+          <p:cNvPicPr>
+            <a:picLocks noChangeAspect="1" noChangeArrowheads="1"/>
+          </p:cNvPicPr>
+          <p:nvPr/>
+        </p:nvPicPr>
+        <p:blipFill rotWithShape="1">
+          <a:blip r:embed="rId7">
+            <a:extLst>
+              <a:ext uri="{28A0092B-C50C-407E-A947-70E740481C1C}">
+                <a14:useLocalDpi xmlns:a14="http://schemas.microsoft.com/office/drawing/2010/main" val="0"/>
+              </a:ext>
+            </a:extLst>
+          </a:blip>
+          <a:srcRect l="20174" r="21466"/>
+          <a:stretch/>
+        </p:blipFill>
         <p:spPr bwMode="auto">
           <a:xfrm>
-            <a:off x="8280866" y="-1000"/>
-            <a:ext cx="3912394" cy="2941143"/>
+            <a:off x="2341" y="5566735"/>
+            <a:ext cx="1352390" cy="1305333"/>
           </a:xfrm>
           <a:prstGeom prst="rect">
             <a:avLst/>
@@ -4120,102 +4675,12 @@
           </a:extLst>
         </p:spPr>
       </p:pic>
-      <p:pic>
-        <p:nvPicPr>
-          <p:cNvPr id="6" name="Picture 5">
-            <a:extLst>
-              <a:ext uri="{FF2B5EF4-FFF2-40B4-BE49-F238E27FC236}">
-                <a16:creationId xmlns:a16="http://schemas.microsoft.com/office/drawing/2014/main" id="{2230116C-92D2-43CC-8EB7-FD483A52D4E0}"/>
-              </a:ext>
-            </a:extLst>
-          </p:cNvPr>
-          <p:cNvPicPr>
-            <a:picLocks noChangeAspect="1"/>
-          </p:cNvPicPr>
-          <p:nvPr/>
-        </p:nvPicPr>
-        <p:blipFill>
-          <a:blip r:embed="rId4"/>
-          <a:stretch>
-            <a:fillRect/>
-          </a:stretch>
-        </p:blipFill>
-        <p:spPr>
-          <a:xfrm>
-            <a:off x="2147336" y="9535"/>
-            <a:ext cx="7123273" cy="2414524"/>
-          </a:xfrm>
-          <a:prstGeom prst="rect">
-            <a:avLst/>
-          </a:prstGeom>
-        </p:spPr>
-      </p:pic>
-      <p:pic>
-        <p:nvPicPr>
-          <p:cNvPr id="7" name="Picture 6">
-            <a:extLst>
-              <a:ext uri="{FF2B5EF4-FFF2-40B4-BE49-F238E27FC236}">
-                <a16:creationId xmlns:a16="http://schemas.microsoft.com/office/drawing/2014/main" id="{F42BF7A5-5604-45F3-B530-54DA04C3C05D}"/>
-              </a:ext>
-            </a:extLst>
-          </p:cNvPr>
-          <p:cNvPicPr>
-            <a:picLocks noChangeAspect="1"/>
-          </p:cNvPicPr>
-          <p:nvPr/>
-        </p:nvPicPr>
-        <p:blipFill>
-          <a:blip r:embed="rId5"/>
-          <a:stretch>
-            <a:fillRect/>
-          </a:stretch>
-        </p:blipFill>
-        <p:spPr>
-          <a:xfrm>
-            <a:off x="2147338" y="2136956"/>
-            <a:ext cx="7123272" cy="2354374"/>
-          </a:xfrm>
-          <a:prstGeom prst="rect">
-            <a:avLst/>
-          </a:prstGeom>
-        </p:spPr>
-      </p:pic>
-      <p:pic>
-        <p:nvPicPr>
-          <p:cNvPr id="8" name="Picture 7">
-            <a:extLst>
-              <a:ext uri="{FF2B5EF4-FFF2-40B4-BE49-F238E27FC236}">
-                <a16:creationId xmlns:a16="http://schemas.microsoft.com/office/drawing/2014/main" id="{AD5952B3-3CAA-495E-BF47-FEBF688C3916}"/>
-              </a:ext>
-            </a:extLst>
-          </p:cNvPr>
-          <p:cNvPicPr>
-            <a:picLocks noChangeAspect="1"/>
-          </p:cNvPicPr>
-          <p:nvPr/>
-        </p:nvPicPr>
-        <p:blipFill>
-          <a:blip r:embed="rId6"/>
-          <a:stretch>
-            <a:fillRect/>
-          </a:stretch>
-        </p:blipFill>
-        <p:spPr>
-          <a:xfrm>
-            <a:off x="2137810" y="4464088"/>
-            <a:ext cx="7123272" cy="2394449"/>
-          </a:xfrm>
-          <a:prstGeom prst="rect">
-            <a:avLst/>
-          </a:prstGeom>
-        </p:spPr>
-      </p:pic>
-      <p:sp>
-        <p:nvSpPr>
-          <p:cNvPr id="9" name="TextBox 8">
-            <a:extLst>
-              <a:ext uri="{FF2B5EF4-FFF2-40B4-BE49-F238E27FC236}">
-                <a16:creationId xmlns:a16="http://schemas.microsoft.com/office/drawing/2014/main" id="{D18293C9-5C31-4549-8A65-B92849BA854C}"/>
+      <p:sp>
+        <p:nvSpPr>
+          <p:cNvPr id="14" name="TextBox 13">
+            <a:extLst>
+              <a:ext uri="{FF2B5EF4-FFF2-40B4-BE49-F238E27FC236}">
+                <a16:creationId xmlns:a16="http://schemas.microsoft.com/office/drawing/2014/main" id="{D1AE0C1F-FEE2-4E09-BD1D-9C1C34E19584}"/>
               </a:ext>
             </a:extLst>
           </p:cNvPr>
@@ -4224,8 +4689,8 @@
         </p:nvSpPr>
         <p:spPr>
           <a:xfrm>
-            <a:off x="6191795" y="561653"/>
-            <a:ext cx="666205" cy="369332"/>
+            <a:off x="27131" y="27131"/>
+            <a:ext cx="5219115" cy="523220"/>
           </a:xfrm>
           <a:prstGeom prst="rect">
             <a:avLst/>
@@ -4238,121 +4703,41 @@
           </a:bodyPr>
           <a:lstStyle/>
           <a:p>
-            <a:pPr algn="ctr"/>
-            <a:r>
-              <a:rPr lang="en-US" b="1" dirty="0"/>
-              <a:t>Box</a:t>
-            </a:r>
-          </a:p>
-        </p:txBody>
-      </p:sp>
-      <p:cxnSp>
-        <p:nvCxnSpPr>
-          <p:cNvPr id="11" name="Straight Arrow Connector 10">
-            <a:extLst>
-              <a:ext uri="{FF2B5EF4-FFF2-40B4-BE49-F238E27FC236}">
-                <a16:creationId xmlns:a16="http://schemas.microsoft.com/office/drawing/2014/main" id="{11D47DD2-2F58-477E-9092-31178D9C7FA6}"/>
-              </a:ext>
-            </a:extLst>
-          </p:cNvPr>
-          <p:cNvCxnSpPr>
-            <a:stCxn id="9" idx="2"/>
-          </p:cNvCxnSpPr>
-          <p:nvPr/>
-        </p:nvCxnSpPr>
-        <p:spPr>
-          <a:xfrm flipH="1">
-            <a:off x="5995851" y="930985"/>
-            <a:ext cx="529047" cy="284521"/>
-          </a:xfrm>
-          <a:prstGeom prst="straightConnector1">
-            <a:avLst/>
-          </a:prstGeom>
+            <a:r>
+              <a:rPr lang="en-US" sz="2800" b="1" dirty="0"/>
+              <a:t>Get data … </a:t>
+            </a:r>
+          </a:p>
+        </p:txBody>
+      </p:sp>
+      <p:sp>
+        <p:nvSpPr>
+          <p:cNvPr id="15" name="TextBox 14">
+            <a:extLst>
+              <a:ext uri="{FF2B5EF4-FFF2-40B4-BE49-F238E27FC236}">
+                <a16:creationId xmlns:a16="http://schemas.microsoft.com/office/drawing/2014/main" id="{B6DCA22A-A84B-4477-AD8E-377ADDB557BA}"/>
+              </a:ext>
+            </a:extLst>
+          </p:cNvPr>
+          <p:cNvSpPr txBox="1"/>
+          <p:nvPr/>
+        </p:nvSpPr>
+        <p:spPr>
+          <a:xfrm>
+            <a:off x="6121568" y="2690747"/>
+            <a:ext cx="1529360" cy="1200329"/>
+          </a:xfrm>
+          <a:prstGeom prst="rect">
+            <a:avLst/>
+          </a:prstGeom>
+          <a:solidFill>
+            <a:schemeClr val="bg2"/>
+          </a:solidFill>
           <a:ln>
-            <a:tailEnd type="triangle"/>
+            <a:solidFill>
+              <a:srgbClr val="0070C0"/>
+            </a:solidFill>
           </a:ln>
-        </p:spPr>
-        <p:style>
-          <a:lnRef idx="1">
-            <a:schemeClr val="accent1"/>
-          </a:lnRef>
-          <a:fillRef idx="0">
-            <a:schemeClr val="accent1"/>
-          </a:fillRef>
-          <a:effectRef idx="0">
-            <a:schemeClr val="accent1"/>
-          </a:effectRef>
-          <a:fontRef idx="minor">
-            <a:schemeClr val="tx1"/>
-          </a:fontRef>
-        </p:style>
-      </p:cxnSp>
-      <p:pic>
-        <p:nvPicPr>
-          <p:cNvPr id="13" name="Picture 2" descr="Image result for reinsurance">
-            <a:extLst>
-              <a:ext uri="{FF2B5EF4-FFF2-40B4-BE49-F238E27FC236}">
-                <a16:creationId xmlns:a16="http://schemas.microsoft.com/office/drawing/2014/main" id="{FD39C9DD-FDC2-4484-AA9D-4806679E49C4}"/>
-              </a:ext>
-            </a:extLst>
-          </p:cNvPr>
-          <p:cNvPicPr>
-            <a:picLocks noChangeAspect="1" noChangeArrowheads="1"/>
-          </p:cNvPicPr>
-          <p:nvPr/>
-        </p:nvPicPr>
-        <p:blipFill rotWithShape="1">
-          <a:blip r:embed="rId7">
-            <a:extLst>
-              <a:ext uri="{28A0092B-C50C-407E-A947-70E740481C1C}">
-                <a14:useLocalDpi xmlns:a14="http://schemas.microsoft.com/office/drawing/2010/main" val="0"/>
-              </a:ext>
-            </a:extLst>
-          </a:blip>
-          <a:srcRect l="20174" r="21466"/>
-          <a:stretch/>
-        </p:blipFill>
-        <p:spPr bwMode="auto">
-          <a:xfrm>
-            <a:off x="2341" y="5552667"/>
-            <a:ext cx="1352390" cy="1305333"/>
-          </a:xfrm>
-          <a:prstGeom prst="rect">
-            <a:avLst/>
-          </a:prstGeom>
-          <a:noFill/>
-          <a:extLst>
-            <a:ext uri="{909E8E84-426E-40DD-AFC4-6F175D3DCCD1}">
-              <a14:hiddenFill xmlns:a14="http://schemas.microsoft.com/office/drawing/2010/main">
-                <a:solidFill>
-                  <a:srgbClr val="FFFFFF"/>
-                </a:solidFill>
-              </a14:hiddenFill>
-            </a:ext>
-          </a:extLst>
-        </p:spPr>
-      </p:pic>
-      <p:sp>
-        <p:nvSpPr>
-          <p:cNvPr id="14" name="TextBox 13">
-            <a:extLst>
-              <a:ext uri="{FF2B5EF4-FFF2-40B4-BE49-F238E27FC236}">
-                <a16:creationId xmlns:a16="http://schemas.microsoft.com/office/drawing/2014/main" id="{C91F2865-37F9-4FC9-BCE5-26FF1AE64EF3}"/>
-              </a:ext>
-            </a:extLst>
-          </p:cNvPr>
-          <p:cNvSpPr txBox="1"/>
-          <p:nvPr/>
-        </p:nvSpPr>
-        <p:spPr>
-          <a:xfrm>
-            <a:off x="144623" y="84599"/>
-            <a:ext cx="1472663" cy="954107"/>
-          </a:xfrm>
-          <a:prstGeom prst="rect">
-            <a:avLst/>
-          </a:prstGeom>
-          <a:noFill/>
         </p:spPr>
         <p:txBody>
           <a:bodyPr wrap="square" rtlCol="0">
@@ -4361,43 +4746,21 @@
           <a:lstStyle/>
           <a:p>
             <a:r>
-              <a:rPr lang="en-US" sz="2800" b="1" dirty="0"/>
-              <a:t>The horror.</a:t>
-            </a:r>
-          </a:p>
-        </p:txBody>
-      </p:sp>
-      <p:sp>
-        <p:nvSpPr>
-          <p:cNvPr id="16" name="TextBox 15">
-            <a:extLst>
-              <a:ext uri="{FF2B5EF4-FFF2-40B4-BE49-F238E27FC236}">
-                <a16:creationId xmlns:a16="http://schemas.microsoft.com/office/drawing/2014/main" id="{7F6A8355-25D2-472A-9923-DB9AA93A5D7C}"/>
-              </a:ext>
-            </a:extLst>
-          </p:cNvPr>
-          <p:cNvSpPr txBox="1"/>
-          <p:nvPr/>
-        </p:nvSpPr>
-        <p:spPr>
-          <a:xfrm>
-            <a:off x="9767304" y="4360619"/>
-            <a:ext cx="2190233" cy="523220"/>
-          </a:xfrm>
-          <a:prstGeom prst="rect">
-            <a:avLst/>
-          </a:prstGeom>
-          <a:noFill/>
-        </p:spPr>
-        <p:txBody>
-          <a:bodyPr wrap="square" rtlCol="0">
-            <a:spAutoFit/>
-          </a:bodyPr>
-          <a:lstStyle/>
-          <a:p>
-            <a:r>
-              <a:rPr lang="en-US" sz="2800" b="1" dirty="0"/>
-              <a:t>~ 9,000 rows</a:t>
+              <a:rPr lang="en-US" sz="2400" b="1" dirty="0" err="1"/>
+              <a:t>pdfminer</a:t>
+            </a:r>
+            <a:endParaRPr lang="en-US" sz="2400" b="1" dirty="0"/>
+          </a:p>
+          <a:p>
+            <a:r>
+              <a:rPr lang="en-US" sz="2400" b="1" dirty="0"/>
+              <a:t>pyPDF4</a:t>
+            </a:r>
+          </a:p>
+          <a:p>
+            <a:r>
+              <a:rPr lang="en-US" sz="2400" b="1" dirty="0"/>
+              <a:t>tabula</a:t>
             </a:r>
           </a:p>
         </p:txBody>
@@ -4405,7 +4768,7 @@
     </p:spTree>
     <p:extLst>
       <p:ext uri="{BB962C8B-B14F-4D97-AF65-F5344CB8AC3E}">
-        <p14:creationId xmlns:p14="http://schemas.microsoft.com/office/powerpoint/2010/main" val="4267428848"/>
+        <p14:creationId xmlns:p14="http://schemas.microsoft.com/office/powerpoint/2010/main" val="2757337293"/>
       </p:ext>
     </p:extLst>
   </p:cSld>
@@ -4434,100 +4797,10 @@
       </p:grpSpPr>
       <p:pic>
         <p:nvPicPr>
-          <p:cNvPr id="2" name="Picture 1">
-            <a:extLst>
-              <a:ext uri="{FF2B5EF4-FFF2-40B4-BE49-F238E27FC236}">
-                <a16:creationId xmlns:a16="http://schemas.microsoft.com/office/drawing/2014/main" id="{41A242F0-ABF0-4929-870A-335933428080}"/>
-              </a:ext>
-            </a:extLst>
-          </p:cNvPr>
-          <p:cNvPicPr>
-            <a:picLocks noChangeAspect="1"/>
-          </p:cNvPicPr>
-          <p:nvPr/>
-        </p:nvPicPr>
-        <p:blipFill>
-          <a:blip r:embed="rId2"/>
-          <a:stretch>
-            <a:fillRect/>
-          </a:stretch>
-        </p:blipFill>
-        <p:spPr>
-          <a:xfrm>
-            <a:off x="2330882" y="32562"/>
-            <a:ext cx="6855321" cy="2282320"/>
-          </a:xfrm>
-          <a:prstGeom prst="rect">
-            <a:avLst/>
-          </a:prstGeom>
-        </p:spPr>
-      </p:pic>
-      <p:pic>
-        <p:nvPicPr>
-          <p:cNvPr id="3" name="Picture 2">
-            <a:extLst>
-              <a:ext uri="{FF2B5EF4-FFF2-40B4-BE49-F238E27FC236}">
-                <a16:creationId xmlns:a16="http://schemas.microsoft.com/office/drawing/2014/main" id="{27303B56-18C7-4BC4-AA4D-F65CFA5875F6}"/>
-              </a:ext>
-            </a:extLst>
-          </p:cNvPr>
-          <p:cNvPicPr>
-            <a:picLocks noChangeAspect="1"/>
-          </p:cNvPicPr>
-          <p:nvPr/>
-        </p:nvPicPr>
-        <p:blipFill>
-          <a:blip r:embed="rId3"/>
-          <a:stretch>
-            <a:fillRect/>
-          </a:stretch>
-        </p:blipFill>
-        <p:spPr>
-          <a:xfrm>
-            <a:off x="2364224" y="2292705"/>
-            <a:ext cx="6821979" cy="2299166"/>
-          </a:xfrm>
-          <a:prstGeom prst="rect">
-            <a:avLst/>
-          </a:prstGeom>
-        </p:spPr>
-      </p:pic>
-      <p:pic>
-        <p:nvPicPr>
-          <p:cNvPr id="4" name="Picture 3">
-            <a:extLst>
-              <a:ext uri="{FF2B5EF4-FFF2-40B4-BE49-F238E27FC236}">
-                <a16:creationId xmlns:a16="http://schemas.microsoft.com/office/drawing/2014/main" id="{A9DF67EF-2B49-4CF1-8D96-A1C3C5139604}"/>
-              </a:ext>
-            </a:extLst>
-          </p:cNvPr>
-          <p:cNvPicPr>
-            <a:picLocks noChangeAspect="1"/>
-          </p:cNvPicPr>
-          <p:nvPr/>
-        </p:nvPicPr>
-        <p:blipFill>
-          <a:blip r:embed="rId4"/>
-          <a:stretch>
-            <a:fillRect/>
-          </a:stretch>
-        </p:blipFill>
-        <p:spPr>
-          <a:xfrm>
-            <a:off x="2321356" y="4524701"/>
-            <a:ext cx="6864847" cy="2296634"/>
-          </a:xfrm>
-          <a:prstGeom prst="rect">
-            <a:avLst/>
-          </a:prstGeom>
-        </p:spPr>
-      </p:pic>
-      <p:pic>
-        <p:nvPicPr>
-          <p:cNvPr id="4098" name="Picture 2" descr="Image result for hands up in frustration">
-            <a:extLst>
-              <a:ext uri="{FF2B5EF4-FFF2-40B4-BE49-F238E27FC236}">
-                <a16:creationId xmlns:a16="http://schemas.microsoft.com/office/drawing/2014/main" id="{AB0D675B-E74F-4988-A8B9-7503A42E036C}"/>
+          <p:cNvPr id="3074" name="Picture 2" descr="Image result for devastated look">
+            <a:extLst>
+              <a:ext uri="{FF2B5EF4-FFF2-40B4-BE49-F238E27FC236}">
+                <a16:creationId xmlns:a16="http://schemas.microsoft.com/office/drawing/2014/main" id="{BD0BC97C-B508-44DC-AD64-B7CF936F6343}"/>
               </a:ext>
             </a:extLst>
           </p:cNvPr>
@@ -4537,8 +4810,17 @@
           <p:nvPr/>
         </p:nvPicPr>
         <p:blipFill>
-          <a:blip r:embed="rId5">
-            <a:extLst>
+          <a:blip r:embed="rId2">
+            <a:extLst>
+              <a:ext uri="{BEBA8EAE-BF5A-486C-A8C5-ECC9F3942E4B}">
+                <a14:imgProps xmlns:a14="http://schemas.microsoft.com/office/drawing/2010/main">
+                  <a14:imgLayer r:embed="rId3">
+                    <a14:imgEffect>
+                      <a14:artisticPhotocopy/>
+                    </a14:imgEffect>
+                  </a14:imgLayer>
+                </a14:imgProps>
+              </a:ext>
               <a:ext uri="{28A0092B-C50C-407E-A947-70E740481C1C}">
                 <a14:useLocalDpi xmlns:a14="http://schemas.microsoft.com/office/drawing/2010/main" val="0"/>
               </a:ext>
@@ -4551,8 +4833,8 @@
         </p:blipFill>
         <p:spPr bwMode="auto">
           <a:xfrm>
-            <a:off x="10166252" y="0"/>
-            <a:ext cx="2025748" cy="2025748"/>
+            <a:off x="8280866" y="-1000"/>
+            <a:ext cx="3912394" cy="2941143"/>
           </a:xfrm>
           <a:prstGeom prst="rect">
             <a:avLst/>
@@ -4571,10 +4853,177 @@
       </p:pic>
       <p:pic>
         <p:nvPicPr>
+          <p:cNvPr id="6" name="Picture 5">
+            <a:extLst>
+              <a:ext uri="{FF2B5EF4-FFF2-40B4-BE49-F238E27FC236}">
+                <a16:creationId xmlns:a16="http://schemas.microsoft.com/office/drawing/2014/main" id="{2230116C-92D2-43CC-8EB7-FD483A52D4E0}"/>
+              </a:ext>
+            </a:extLst>
+          </p:cNvPr>
+          <p:cNvPicPr>
+            <a:picLocks noChangeAspect="1"/>
+          </p:cNvPicPr>
+          <p:nvPr/>
+        </p:nvPicPr>
+        <p:blipFill>
+          <a:blip r:embed="rId4"/>
+          <a:stretch>
+            <a:fillRect/>
+          </a:stretch>
+        </p:blipFill>
+        <p:spPr>
+          <a:xfrm>
+            <a:off x="2147336" y="9535"/>
+            <a:ext cx="7123273" cy="2414524"/>
+          </a:xfrm>
+          <a:prstGeom prst="rect">
+            <a:avLst/>
+          </a:prstGeom>
+        </p:spPr>
+      </p:pic>
+      <p:pic>
+        <p:nvPicPr>
+          <p:cNvPr id="7" name="Picture 6">
+            <a:extLst>
+              <a:ext uri="{FF2B5EF4-FFF2-40B4-BE49-F238E27FC236}">
+                <a16:creationId xmlns:a16="http://schemas.microsoft.com/office/drawing/2014/main" id="{F42BF7A5-5604-45F3-B530-54DA04C3C05D}"/>
+              </a:ext>
+            </a:extLst>
+          </p:cNvPr>
+          <p:cNvPicPr>
+            <a:picLocks noChangeAspect="1"/>
+          </p:cNvPicPr>
+          <p:nvPr/>
+        </p:nvPicPr>
+        <p:blipFill>
+          <a:blip r:embed="rId5"/>
+          <a:stretch>
+            <a:fillRect/>
+          </a:stretch>
+        </p:blipFill>
+        <p:spPr>
+          <a:xfrm>
+            <a:off x="2147338" y="2136956"/>
+            <a:ext cx="7123272" cy="2354374"/>
+          </a:xfrm>
+          <a:prstGeom prst="rect">
+            <a:avLst/>
+          </a:prstGeom>
+        </p:spPr>
+      </p:pic>
+      <p:pic>
+        <p:nvPicPr>
+          <p:cNvPr id="8" name="Picture 7">
+            <a:extLst>
+              <a:ext uri="{FF2B5EF4-FFF2-40B4-BE49-F238E27FC236}">
+                <a16:creationId xmlns:a16="http://schemas.microsoft.com/office/drawing/2014/main" id="{AD5952B3-3CAA-495E-BF47-FEBF688C3916}"/>
+              </a:ext>
+            </a:extLst>
+          </p:cNvPr>
+          <p:cNvPicPr>
+            <a:picLocks noChangeAspect="1"/>
+          </p:cNvPicPr>
+          <p:nvPr/>
+        </p:nvPicPr>
+        <p:blipFill>
+          <a:blip r:embed="rId6"/>
+          <a:stretch>
+            <a:fillRect/>
+          </a:stretch>
+        </p:blipFill>
+        <p:spPr>
+          <a:xfrm>
+            <a:off x="2137810" y="4464088"/>
+            <a:ext cx="7123272" cy="2394449"/>
+          </a:xfrm>
+          <a:prstGeom prst="rect">
+            <a:avLst/>
+          </a:prstGeom>
+        </p:spPr>
+      </p:pic>
+      <p:sp>
+        <p:nvSpPr>
+          <p:cNvPr id="9" name="TextBox 8">
+            <a:extLst>
+              <a:ext uri="{FF2B5EF4-FFF2-40B4-BE49-F238E27FC236}">
+                <a16:creationId xmlns:a16="http://schemas.microsoft.com/office/drawing/2014/main" id="{D18293C9-5C31-4549-8A65-B92849BA854C}"/>
+              </a:ext>
+            </a:extLst>
+          </p:cNvPr>
+          <p:cNvSpPr txBox="1"/>
+          <p:nvPr/>
+        </p:nvSpPr>
+        <p:spPr>
+          <a:xfrm>
+            <a:off x="6191795" y="561653"/>
+            <a:ext cx="666205" cy="369332"/>
+          </a:xfrm>
+          <a:prstGeom prst="rect">
+            <a:avLst/>
+          </a:prstGeom>
+          <a:noFill/>
+        </p:spPr>
+        <p:txBody>
+          <a:bodyPr wrap="square" rtlCol="0">
+            <a:spAutoFit/>
+          </a:bodyPr>
+          <a:lstStyle/>
+          <a:p>
+            <a:pPr algn="ctr"/>
+            <a:r>
+              <a:rPr lang="en-US" b="1" dirty="0"/>
+              <a:t>Box</a:t>
+            </a:r>
+          </a:p>
+        </p:txBody>
+      </p:sp>
+      <p:cxnSp>
+        <p:nvCxnSpPr>
+          <p:cNvPr id="11" name="Straight Arrow Connector 10">
+            <a:extLst>
+              <a:ext uri="{FF2B5EF4-FFF2-40B4-BE49-F238E27FC236}">
+                <a16:creationId xmlns:a16="http://schemas.microsoft.com/office/drawing/2014/main" id="{11D47DD2-2F58-477E-9092-31178D9C7FA6}"/>
+              </a:ext>
+            </a:extLst>
+          </p:cNvPr>
+          <p:cNvCxnSpPr>
+            <a:stCxn id="9" idx="2"/>
+          </p:cNvCxnSpPr>
+          <p:nvPr/>
+        </p:nvCxnSpPr>
+        <p:spPr>
+          <a:xfrm flipH="1">
+            <a:off x="5995851" y="930985"/>
+            <a:ext cx="529047" cy="284521"/>
+          </a:xfrm>
+          <a:prstGeom prst="straightConnector1">
+            <a:avLst/>
+          </a:prstGeom>
+          <a:ln>
+            <a:tailEnd type="triangle"/>
+          </a:ln>
+        </p:spPr>
+        <p:style>
+          <a:lnRef idx="1">
+            <a:schemeClr val="accent1"/>
+          </a:lnRef>
+          <a:fillRef idx="0">
+            <a:schemeClr val="accent1"/>
+          </a:fillRef>
+          <a:effectRef idx="0">
+            <a:schemeClr val="accent1"/>
+          </a:effectRef>
+          <a:fontRef idx="minor">
+            <a:schemeClr val="tx1"/>
+          </a:fontRef>
+        </p:style>
+      </p:cxnSp>
+      <p:pic>
+        <p:nvPicPr>
           <p:cNvPr id="13" name="Picture 2" descr="Image result for reinsurance">
             <a:extLst>
               <a:ext uri="{FF2B5EF4-FFF2-40B4-BE49-F238E27FC236}">
-                <a16:creationId xmlns:a16="http://schemas.microsoft.com/office/drawing/2014/main" id="{259D8AD4-265C-4B42-B313-C7DB03A78AEA}"/>
+                <a16:creationId xmlns:a16="http://schemas.microsoft.com/office/drawing/2014/main" id="{FD39C9DD-FDC2-4484-AA9D-4806679E49C4}"/>
               </a:ext>
             </a:extLst>
           </p:cNvPr>
@@ -4584,7 +5033,7 @@
           <p:nvPr/>
         </p:nvPicPr>
         <p:blipFill rotWithShape="1">
-          <a:blip r:embed="rId6">
+          <a:blip r:embed="rId7">
             <a:extLst>
               <a:ext uri="{28A0092B-C50C-407E-A947-70E740481C1C}">
                 <a14:useLocalDpi xmlns:a14="http://schemas.microsoft.com/office/drawing/2010/main" val="0"/>
@@ -4596,7 +5045,7 @@
         </p:blipFill>
         <p:spPr bwMode="auto">
           <a:xfrm>
-            <a:off x="2341" y="5566735"/>
+            <a:off x="2341" y="5552667"/>
             <a:ext cx="1352390" cy="1305333"/>
           </a:xfrm>
           <a:prstGeom prst="rect">
@@ -4619,7 +5068,7 @@
           <p:cNvPr id="14" name="TextBox 13">
             <a:extLst>
               <a:ext uri="{FF2B5EF4-FFF2-40B4-BE49-F238E27FC236}">
-                <a16:creationId xmlns:a16="http://schemas.microsoft.com/office/drawing/2014/main" id="{0B2A17F9-730B-4BB7-A838-7E943DB06B44}"/>
+                <a16:creationId xmlns:a16="http://schemas.microsoft.com/office/drawing/2014/main" id="{C91F2865-37F9-4FC9-BCE5-26FF1AE64EF3}"/>
               </a:ext>
             </a:extLst>
           </p:cNvPr>
@@ -4628,8 +5077,8 @@
         </p:nvSpPr>
         <p:spPr>
           <a:xfrm>
-            <a:off x="126609" y="45936"/>
-            <a:ext cx="1997613" cy="4401205"/>
+            <a:off x="144623" y="84599"/>
+            <a:ext cx="1472663" cy="954107"/>
           </a:xfrm>
           <a:prstGeom prst="rect">
             <a:avLst/>
@@ -4644,35 +5093,17 @@
           <a:p>
             <a:r>
               <a:rPr lang="en-US" sz="2800" b="1" dirty="0"/>
-              <a:t>After trimming away Extreme Outliers</a:t>
-            </a:r>
-          </a:p>
-          <a:p>
-            <a:endParaRPr lang="en-US" sz="2800" b="1" dirty="0"/>
-          </a:p>
-          <a:p>
-            <a:r>
-              <a:rPr lang="en-US" sz="2800" b="1" dirty="0"/>
-              <a:t>&amp;</a:t>
-            </a:r>
-          </a:p>
-          <a:p>
-            <a:endParaRPr lang="en-US" sz="2800" b="1" dirty="0"/>
-          </a:p>
-          <a:p>
-            <a:r>
-              <a:rPr lang="en-US" sz="2800" b="1" dirty="0"/>
-              <a:t>Feature Engineering</a:t>
-            </a:r>
-          </a:p>
-        </p:txBody>
-      </p:sp>
-      <p:sp>
-        <p:nvSpPr>
-          <p:cNvPr id="15" name="TextBox 14">
-            <a:extLst>
-              <a:ext uri="{FF2B5EF4-FFF2-40B4-BE49-F238E27FC236}">
-                <a16:creationId xmlns:a16="http://schemas.microsoft.com/office/drawing/2014/main" id="{3A5906D8-0AAC-4363-B906-1AA568AF4F60}"/>
+              <a:t>The horror.</a:t>
+            </a:r>
+          </a:p>
+        </p:txBody>
+      </p:sp>
+      <p:sp>
+        <p:nvSpPr>
+          <p:cNvPr id="16" name="TextBox 15">
+            <a:extLst>
+              <a:ext uri="{FF2B5EF4-FFF2-40B4-BE49-F238E27FC236}">
+                <a16:creationId xmlns:a16="http://schemas.microsoft.com/office/drawing/2014/main" id="{7F6A8355-25D2-472A-9923-DB9AA93A5D7C}"/>
               </a:ext>
             </a:extLst>
           </p:cNvPr>
@@ -4681,8 +5112,8 @@
         </p:nvSpPr>
         <p:spPr>
           <a:xfrm>
-            <a:off x="9767305" y="4360619"/>
-            <a:ext cx="2176166" cy="523220"/>
+            <a:off x="9767304" y="4360619"/>
+            <a:ext cx="2190233" cy="523220"/>
           </a:xfrm>
           <a:prstGeom prst="rect">
             <a:avLst/>
@@ -4697,7 +5128,7 @@
           <a:p>
             <a:r>
               <a:rPr lang="en-US" sz="2800" b="1" dirty="0"/>
-              <a:t>~ 4,400 rows</a:t>
+              <a:t>~ 9,000 rows</a:t>
             </a:r>
           </a:p>
         </p:txBody>
@@ -4705,7 +5136,7 @@
     </p:spTree>
     <p:extLst>
       <p:ext uri="{BB962C8B-B14F-4D97-AF65-F5344CB8AC3E}">
-        <p14:creationId xmlns:p14="http://schemas.microsoft.com/office/powerpoint/2010/main" val="2581846424"/>
+        <p14:creationId xmlns:p14="http://schemas.microsoft.com/office/powerpoint/2010/main" val="4267428848"/>
       </p:ext>
     </p:extLst>
   </p:cSld>
@@ -4734,10 +5165,10 @@
       </p:grpSpPr>
       <p:pic>
         <p:nvPicPr>
-          <p:cNvPr id="5" name="Picture 2" descr="Image result for reinsurance">
-            <a:extLst>
-              <a:ext uri="{FF2B5EF4-FFF2-40B4-BE49-F238E27FC236}">
-                <a16:creationId xmlns:a16="http://schemas.microsoft.com/office/drawing/2014/main" id="{3420C83F-4F53-48BF-822D-FF60D1E36A57}"/>
+          <p:cNvPr id="11" name="Picture 2" descr="Image result for reinsurance">
+            <a:extLst>
+              <a:ext uri="{FF2B5EF4-FFF2-40B4-BE49-F238E27FC236}">
+                <a16:creationId xmlns:a16="http://schemas.microsoft.com/office/drawing/2014/main" id="{47DA77DD-0A6A-4399-90CE-B9C3509F6B21}"/>
               </a:ext>
             </a:extLst>
           </p:cNvPr>
@@ -4782,7 +5213,7 @@
           <p:cNvPr id="3" name="TextBox 2">
             <a:extLst>
               <a:ext uri="{FF2B5EF4-FFF2-40B4-BE49-F238E27FC236}">
-                <a16:creationId xmlns:a16="http://schemas.microsoft.com/office/drawing/2014/main" id="{176B6F78-9B5E-4140-9A0A-F58CEAD68C34}"/>
+                <a16:creationId xmlns:a16="http://schemas.microsoft.com/office/drawing/2014/main" id="{777AFC70-8DAA-435B-8982-9AF9ADA3DA29}"/>
               </a:ext>
             </a:extLst>
           </p:cNvPr>
@@ -4791,7 +5222,7 @@
         </p:nvSpPr>
         <p:spPr>
           <a:xfrm>
-            <a:off x="26126" y="0"/>
+            <a:off x="0" y="0"/>
             <a:ext cx="3699803" cy="523220"/>
           </a:xfrm>
           <a:prstGeom prst="rect">
@@ -4807,7 +5238,7 @@
           <a:p>
             <a:r>
               <a:rPr lang="en-US" sz="2800" b="1" dirty="0"/>
-              <a:t>REGRESSION MODELS</a:t>
+              <a:t>FEATURE ENGINEERING</a:t>
             </a:r>
           </a:p>
         </p:txBody>
@@ -4817,7 +5248,7 @@
           <p:cNvPr id="4" name="TextBox 3">
             <a:extLst>
               <a:ext uri="{FF2B5EF4-FFF2-40B4-BE49-F238E27FC236}">
-                <a16:creationId xmlns:a16="http://schemas.microsoft.com/office/drawing/2014/main" id="{2546C7F1-708A-4EC0-8BE4-92EE2A03BB95}"/>
+                <a16:creationId xmlns:a16="http://schemas.microsoft.com/office/drawing/2014/main" id="{99D183B3-4F19-4773-8295-091FD1AEFAAA}"/>
               </a:ext>
             </a:extLst>
           </p:cNvPr>
@@ -4826,8 +5257,8 @@
         </p:nvSpPr>
         <p:spPr>
           <a:xfrm>
-            <a:off x="729174" y="1036634"/>
-            <a:ext cx="4206239" cy="2677656"/>
+            <a:off x="1817662" y="1443841"/>
+            <a:ext cx="8556675" cy="3970318"/>
           </a:xfrm>
           <a:prstGeom prst="rect">
             <a:avLst/>
@@ -4846,7 +5277,14 @@
             </a:pPr>
             <a:r>
               <a:rPr lang="en-US" sz="2800" dirty="0"/>
-              <a:t>Linear Regression</a:t>
+              <a:t>Calculated ratios in order to normalize data</a:t>
+            </a:r>
+          </a:p>
+          <a:p>
+            <a:pPr algn="just"/>
+            <a:r>
+              <a:rPr lang="en-US" sz="2800" dirty="0"/>
+              <a:t> </a:t>
             </a:r>
           </a:p>
           <a:p>
@@ -4856,7 +5294,7 @@
             </a:pPr>
             <a:r>
               <a:rPr lang="en-US" sz="2800" dirty="0"/>
-              <a:t>Decision Tree</a:t>
+              <a:t>Used exponential weighted means on time-lag data (up to 5 years’ history)</a:t>
             </a:r>
           </a:p>
           <a:p>
@@ -4864,10 +5302,7 @@
               <a:buFont typeface="Arial" panose="020B0604020202020204" pitchFamily="34" charset="0"/>
               <a:buChar char="•"/>
             </a:pPr>
-            <a:r>
-              <a:rPr lang="en-US" sz="2800" dirty="0"/>
-              <a:t>Random Forest</a:t>
-            </a:r>
+            <a:endParaRPr lang="en-US" sz="2800" dirty="0"/>
           </a:p>
           <a:p>
             <a:pPr marL="457200" indent="-457200" algn="just">
@@ -4876,7 +5311,7 @@
             </a:pPr>
             <a:r>
               <a:rPr lang="en-US" sz="2800" dirty="0"/>
-              <a:t>Extra Trees</a:t>
+              <a:t>Reduced to 5 features, then built them up again</a:t>
             </a:r>
           </a:p>
           <a:p>
@@ -4884,10 +5319,7 @@
               <a:buFont typeface="Arial" panose="020B0604020202020204" pitchFamily="34" charset="0"/>
               <a:buChar char="•"/>
             </a:pPr>
-            <a:r>
-              <a:rPr lang="en-US" sz="2800" dirty="0"/>
-              <a:t>Ada Boost</a:t>
-            </a:r>
+            <a:endParaRPr lang="en-US" sz="2800" dirty="0"/>
           </a:p>
           <a:p>
             <a:pPr marL="457200" indent="-457200" algn="just">
@@ -4896,173 +5328,7 @@
             </a:pPr>
             <a:r>
               <a:rPr lang="en-US" sz="2800" dirty="0"/>
-              <a:t>Gradient Boosting</a:t>
-            </a:r>
-          </a:p>
-        </p:txBody>
-      </p:sp>
-      <p:sp>
-        <p:nvSpPr>
-          <p:cNvPr id="6" name="TextBox 5">
-            <a:extLst>
-              <a:ext uri="{FF2B5EF4-FFF2-40B4-BE49-F238E27FC236}">
-                <a16:creationId xmlns:a16="http://schemas.microsoft.com/office/drawing/2014/main" id="{B184CDD0-C72B-49B5-BA78-7DE4945AE214}"/>
-              </a:ext>
-            </a:extLst>
-          </p:cNvPr>
-          <p:cNvSpPr txBox="1"/>
-          <p:nvPr/>
-        </p:nvSpPr>
-        <p:spPr>
-          <a:xfrm>
-            <a:off x="729175" y="4516033"/>
-            <a:ext cx="4206239" cy="523220"/>
-          </a:xfrm>
-          <a:prstGeom prst="rect">
-            <a:avLst/>
-          </a:prstGeom>
-          <a:noFill/>
-        </p:spPr>
-        <p:txBody>
-          <a:bodyPr wrap="square" rtlCol="0">
-            <a:spAutoFit/>
-          </a:bodyPr>
-          <a:lstStyle/>
-          <a:p>
-            <a:pPr algn="just"/>
-            <a:r>
-              <a:rPr lang="en-US" sz="2800" i="1" u="sng" dirty="0"/>
-              <a:t>Best R2 Score =&gt; 0.53</a:t>
-            </a:r>
-          </a:p>
-        </p:txBody>
-      </p:sp>
-      <p:sp>
-        <p:nvSpPr>
-          <p:cNvPr id="7" name="TextBox 6">
-            <a:extLst>
-              <a:ext uri="{FF2B5EF4-FFF2-40B4-BE49-F238E27FC236}">
-                <a16:creationId xmlns:a16="http://schemas.microsoft.com/office/drawing/2014/main" id="{1B497FB6-A76F-4DC9-99EB-5F7E35835B0C}"/>
-              </a:ext>
-            </a:extLst>
-          </p:cNvPr>
-          <p:cNvSpPr txBox="1"/>
-          <p:nvPr/>
-        </p:nvSpPr>
-        <p:spPr>
-          <a:xfrm>
-            <a:off x="7501094" y="0"/>
-            <a:ext cx="4651717" cy="523220"/>
-          </a:xfrm>
-          <a:prstGeom prst="rect">
-            <a:avLst/>
-          </a:prstGeom>
-          <a:noFill/>
-        </p:spPr>
-        <p:txBody>
-          <a:bodyPr wrap="square" rtlCol="0">
-            <a:spAutoFit/>
-          </a:bodyPr>
-          <a:lstStyle/>
-          <a:p>
-            <a:pPr algn="r"/>
-            <a:r>
-              <a:rPr lang="en-US" sz="2800" b="1" dirty="0"/>
-              <a:t>UNSUPERVISED LEARNING</a:t>
-            </a:r>
-          </a:p>
-        </p:txBody>
-      </p:sp>
-      <p:sp>
-        <p:nvSpPr>
-          <p:cNvPr id="8" name="TextBox 7">
-            <a:extLst>
-              <a:ext uri="{FF2B5EF4-FFF2-40B4-BE49-F238E27FC236}">
-                <a16:creationId xmlns:a16="http://schemas.microsoft.com/office/drawing/2014/main" id="{690EEC0A-3C18-4B4B-B93F-16563C262D6E}"/>
-              </a:ext>
-            </a:extLst>
-          </p:cNvPr>
-          <p:cNvSpPr txBox="1"/>
-          <p:nvPr/>
-        </p:nvSpPr>
-        <p:spPr>
-          <a:xfrm>
-            <a:off x="8112368" y="952226"/>
-            <a:ext cx="3929577" cy="1384995"/>
-          </a:xfrm>
-          <a:prstGeom prst="rect">
-            <a:avLst/>
-          </a:prstGeom>
-          <a:noFill/>
-        </p:spPr>
-        <p:txBody>
-          <a:bodyPr wrap="square" rtlCol="0">
-            <a:spAutoFit/>
-          </a:bodyPr>
-          <a:lstStyle/>
-          <a:p>
-            <a:pPr marL="457200" indent="-457200" algn="just">
-              <a:buFont typeface="Arial" panose="020B0604020202020204" pitchFamily="34" charset="0"/>
-              <a:buChar char="•"/>
-            </a:pPr>
-            <a:r>
-              <a:rPr lang="en-US" sz="2800" dirty="0"/>
-              <a:t>K-Means</a:t>
-            </a:r>
-          </a:p>
-          <a:p>
-            <a:pPr marL="457200" indent="-457200" algn="just">
-              <a:buFont typeface="Arial" panose="020B0604020202020204" pitchFamily="34" charset="0"/>
-              <a:buChar char="•"/>
-            </a:pPr>
-            <a:r>
-              <a:rPr lang="en-US" sz="2800" dirty="0"/>
-              <a:t>DBSCAN</a:t>
-            </a:r>
-          </a:p>
-          <a:p>
-            <a:pPr marL="457200" indent="-457200" algn="just">
-              <a:buFont typeface="Arial" panose="020B0604020202020204" pitchFamily="34" charset="0"/>
-              <a:buChar char="•"/>
-            </a:pPr>
-            <a:r>
-              <a:rPr lang="en-US" sz="2800" dirty="0"/>
-              <a:t>Hierarchical</a:t>
-            </a:r>
-          </a:p>
-        </p:txBody>
-      </p:sp>
-      <p:sp>
-        <p:nvSpPr>
-          <p:cNvPr id="9" name="TextBox 8">
-            <a:extLst>
-              <a:ext uri="{FF2B5EF4-FFF2-40B4-BE49-F238E27FC236}">
-                <a16:creationId xmlns:a16="http://schemas.microsoft.com/office/drawing/2014/main" id="{E22BE104-C020-4D01-B154-58B2AFFF60CD}"/>
-              </a:ext>
-            </a:extLst>
-          </p:cNvPr>
-          <p:cNvSpPr txBox="1"/>
-          <p:nvPr/>
-        </p:nvSpPr>
-        <p:spPr>
-          <a:xfrm>
-            <a:off x="8112368" y="2504617"/>
-            <a:ext cx="3929577" cy="954107"/>
-          </a:xfrm>
-          <a:prstGeom prst="rect">
-            <a:avLst/>
-          </a:prstGeom>
-          <a:noFill/>
-        </p:spPr>
-        <p:txBody>
-          <a:bodyPr wrap="square" rtlCol="0">
-            <a:spAutoFit/>
-          </a:bodyPr>
-          <a:lstStyle/>
-          <a:p>
-            <a:r>
-              <a:rPr lang="en-US" sz="2800" i="1" dirty="0"/>
-              <a:t>No meaningful or interpretable clusters…</a:t>
+              <a:t>+/- polarity of features depending on whether it represented incoming/outgoing money</a:t>
             </a:r>
           </a:p>
         </p:txBody>
@@ -5070,7 +5336,7 @@
     </p:spTree>
     <p:extLst>
       <p:ext uri="{BB962C8B-B14F-4D97-AF65-F5344CB8AC3E}">
-        <p14:creationId xmlns:p14="http://schemas.microsoft.com/office/powerpoint/2010/main" val="2060522013"/>
+        <p14:creationId xmlns:p14="http://schemas.microsoft.com/office/powerpoint/2010/main" val="3568854553"/>
       </p:ext>
     </p:extLst>
   </p:cSld>
@@ -5099,10 +5365,10 @@
       </p:grpSpPr>
       <p:pic>
         <p:nvPicPr>
-          <p:cNvPr id="3" name="Picture 2">
-            <a:extLst>
-              <a:ext uri="{FF2B5EF4-FFF2-40B4-BE49-F238E27FC236}">
-                <a16:creationId xmlns:a16="http://schemas.microsoft.com/office/drawing/2014/main" id="{800A2C33-581B-46DA-9706-AFEAB880C35A}"/>
+          <p:cNvPr id="2" name="Picture 1">
+            <a:extLst>
+              <a:ext uri="{FF2B5EF4-FFF2-40B4-BE49-F238E27FC236}">
+                <a16:creationId xmlns:a16="http://schemas.microsoft.com/office/drawing/2014/main" id="{41A242F0-ABF0-4929-870A-335933428080}"/>
               </a:ext>
             </a:extLst>
           </p:cNvPr>
@@ -5119,8 +5385,8 @@
         </p:blipFill>
         <p:spPr>
           <a:xfrm>
-            <a:off x="1632382" y="3590919"/>
-            <a:ext cx="8927236" cy="2510266"/>
+            <a:off x="2330882" y="32562"/>
+            <a:ext cx="6855321" cy="2282320"/>
           </a:xfrm>
           <a:prstGeom prst="rect">
             <a:avLst/>
@@ -5129,10 +5395,70 @@
       </p:pic>
       <p:pic>
         <p:nvPicPr>
-          <p:cNvPr id="4" name="Picture 2" descr="Image result for reinsurance">
-            <a:extLst>
-              <a:ext uri="{FF2B5EF4-FFF2-40B4-BE49-F238E27FC236}">
-                <a16:creationId xmlns:a16="http://schemas.microsoft.com/office/drawing/2014/main" id="{FEC1AF0A-CDC7-4AB8-BB96-201ADA2EB4A9}"/>
+          <p:cNvPr id="3" name="Picture 2">
+            <a:extLst>
+              <a:ext uri="{FF2B5EF4-FFF2-40B4-BE49-F238E27FC236}">
+                <a16:creationId xmlns:a16="http://schemas.microsoft.com/office/drawing/2014/main" id="{27303B56-18C7-4BC4-AA4D-F65CFA5875F6}"/>
+              </a:ext>
+            </a:extLst>
+          </p:cNvPr>
+          <p:cNvPicPr>
+            <a:picLocks noChangeAspect="1"/>
+          </p:cNvPicPr>
+          <p:nvPr/>
+        </p:nvPicPr>
+        <p:blipFill>
+          <a:blip r:embed="rId3"/>
+          <a:stretch>
+            <a:fillRect/>
+          </a:stretch>
+        </p:blipFill>
+        <p:spPr>
+          <a:xfrm>
+            <a:off x="2364224" y="2292705"/>
+            <a:ext cx="6821979" cy="2299166"/>
+          </a:xfrm>
+          <a:prstGeom prst="rect">
+            <a:avLst/>
+          </a:prstGeom>
+        </p:spPr>
+      </p:pic>
+      <p:pic>
+        <p:nvPicPr>
+          <p:cNvPr id="4" name="Picture 3">
+            <a:extLst>
+              <a:ext uri="{FF2B5EF4-FFF2-40B4-BE49-F238E27FC236}">
+                <a16:creationId xmlns:a16="http://schemas.microsoft.com/office/drawing/2014/main" id="{A9DF67EF-2B49-4CF1-8D96-A1C3C5139604}"/>
+              </a:ext>
+            </a:extLst>
+          </p:cNvPr>
+          <p:cNvPicPr>
+            <a:picLocks noChangeAspect="1"/>
+          </p:cNvPicPr>
+          <p:nvPr/>
+        </p:nvPicPr>
+        <p:blipFill>
+          <a:blip r:embed="rId4"/>
+          <a:stretch>
+            <a:fillRect/>
+          </a:stretch>
+        </p:blipFill>
+        <p:spPr>
+          <a:xfrm>
+            <a:off x="2321356" y="4524701"/>
+            <a:ext cx="6864847" cy="2296634"/>
+          </a:xfrm>
+          <a:prstGeom prst="rect">
+            <a:avLst/>
+          </a:prstGeom>
+        </p:spPr>
+      </p:pic>
+      <p:pic>
+        <p:nvPicPr>
+          <p:cNvPr id="4098" name="Picture 2" descr="Image result for hands up in frustration">
+            <a:extLst>
+              <a:ext uri="{FF2B5EF4-FFF2-40B4-BE49-F238E27FC236}">
+                <a16:creationId xmlns:a16="http://schemas.microsoft.com/office/drawing/2014/main" id="{AB0D675B-E74F-4988-A8B9-7503A42E036C}"/>
               </a:ext>
             </a:extLst>
           </p:cNvPr>
@@ -5141,21 +5467,23 @@
           </p:cNvPicPr>
           <p:nvPr/>
         </p:nvPicPr>
-        <p:blipFill rotWithShape="1">
-          <a:blip r:embed="rId3">
+        <p:blipFill>
+          <a:blip r:embed="rId5">
             <a:extLst>
               <a:ext uri="{28A0092B-C50C-407E-A947-70E740481C1C}">
                 <a14:useLocalDpi xmlns:a14="http://schemas.microsoft.com/office/drawing/2010/main" val="0"/>
               </a:ext>
             </a:extLst>
           </a:blip>
-          <a:srcRect l="20174" r="21466"/>
-          <a:stretch/>
+          <a:srcRect/>
+          <a:stretch>
+            <a:fillRect/>
+          </a:stretch>
         </p:blipFill>
         <p:spPr bwMode="auto">
           <a:xfrm>
-            <a:off x="2341" y="5552667"/>
-            <a:ext cx="1352390" cy="1305333"/>
+            <a:off x="10166252" y="0"/>
+            <a:ext cx="2025748" cy="2025748"/>
           </a:xfrm>
           <a:prstGeom prst="rect">
             <a:avLst/>
@@ -5172,12 +5500,57 @@
           </a:extLst>
         </p:spPr>
       </p:pic>
-      <p:sp>
-        <p:nvSpPr>
-          <p:cNvPr id="5" name="TextBox 4">
-            <a:extLst>
-              <a:ext uri="{FF2B5EF4-FFF2-40B4-BE49-F238E27FC236}">
-                <a16:creationId xmlns:a16="http://schemas.microsoft.com/office/drawing/2014/main" id="{785E824C-492F-4D56-BF95-40F5B70E1EEF}"/>
+      <p:pic>
+        <p:nvPicPr>
+          <p:cNvPr id="13" name="Picture 2" descr="Image result for reinsurance">
+            <a:extLst>
+              <a:ext uri="{FF2B5EF4-FFF2-40B4-BE49-F238E27FC236}">
+                <a16:creationId xmlns:a16="http://schemas.microsoft.com/office/drawing/2014/main" id="{259D8AD4-265C-4B42-B313-C7DB03A78AEA}"/>
+              </a:ext>
+            </a:extLst>
+          </p:cNvPr>
+          <p:cNvPicPr>
+            <a:picLocks noChangeAspect="1" noChangeArrowheads="1"/>
+          </p:cNvPicPr>
+          <p:nvPr/>
+        </p:nvPicPr>
+        <p:blipFill rotWithShape="1">
+          <a:blip r:embed="rId6">
+            <a:extLst>
+              <a:ext uri="{28A0092B-C50C-407E-A947-70E740481C1C}">
+                <a14:useLocalDpi xmlns:a14="http://schemas.microsoft.com/office/drawing/2010/main" val="0"/>
+              </a:ext>
+            </a:extLst>
+          </a:blip>
+          <a:srcRect l="20174" r="21466"/>
+          <a:stretch/>
+        </p:blipFill>
+        <p:spPr bwMode="auto">
+          <a:xfrm>
+            <a:off x="2341" y="5566735"/>
+            <a:ext cx="1352390" cy="1305333"/>
+          </a:xfrm>
+          <a:prstGeom prst="rect">
+            <a:avLst/>
+          </a:prstGeom>
+          <a:noFill/>
+          <a:extLst>
+            <a:ext uri="{909E8E84-426E-40DD-AFC4-6F175D3DCCD1}">
+              <a14:hiddenFill xmlns:a14="http://schemas.microsoft.com/office/drawing/2010/main">
+                <a:solidFill>
+                  <a:srgbClr val="FFFFFF"/>
+                </a:solidFill>
+              </a14:hiddenFill>
+            </a:ext>
+          </a:extLst>
+        </p:spPr>
+      </p:pic>
+      <p:sp>
+        <p:nvSpPr>
+          <p:cNvPr id="14" name="TextBox 13">
+            <a:extLst>
+              <a:ext uri="{FF2B5EF4-FFF2-40B4-BE49-F238E27FC236}">
+                <a16:creationId xmlns:a16="http://schemas.microsoft.com/office/drawing/2014/main" id="{0B2A17F9-730B-4BB7-A838-7E943DB06B44}"/>
               </a:ext>
             </a:extLst>
           </p:cNvPr>
@@ -5186,8 +5559,8 @@
         </p:nvSpPr>
         <p:spPr>
           <a:xfrm>
-            <a:off x="14068" y="14068"/>
-            <a:ext cx="3699803" cy="523220"/>
+            <a:off x="126609" y="45936"/>
+            <a:ext cx="1997613" cy="4401205"/>
           </a:xfrm>
           <a:prstGeom prst="rect">
             <a:avLst/>
@@ -5202,6 +5575,1250 @@
           <a:p>
             <a:r>
               <a:rPr lang="en-US" sz="2800" b="1" dirty="0"/>
+              <a:t>After trimming away Extreme Outliers</a:t>
+            </a:r>
+          </a:p>
+          <a:p>
+            <a:endParaRPr lang="en-US" sz="2800" b="1" dirty="0"/>
+          </a:p>
+          <a:p>
+            <a:r>
+              <a:rPr lang="en-US" sz="2800" b="1" dirty="0"/>
+              <a:t>&amp;</a:t>
+            </a:r>
+          </a:p>
+          <a:p>
+            <a:endParaRPr lang="en-US" sz="2800" b="1" dirty="0"/>
+          </a:p>
+          <a:p>
+            <a:r>
+              <a:rPr lang="en-US" sz="2800" b="1" dirty="0"/>
+              <a:t>Feature Engineering</a:t>
+            </a:r>
+          </a:p>
+        </p:txBody>
+      </p:sp>
+      <p:sp>
+        <p:nvSpPr>
+          <p:cNvPr id="15" name="TextBox 14">
+            <a:extLst>
+              <a:ext uri="{FF2B5EF4-FFF2-40B4-BE49-F238E27FC236}">
+                <a16:creationId xmlns:a16="http://schemas.microsoft.com/office/drawing/2014/main" id="{3A5906D8-0AAC-4363-B906-1AA568AF4F60}"/>
+              </a:ext>
+            </a:extLst>
+          </p:cNvPr>
+          <p:cNvSpPr txBox="1"/>
+          <p:nvPr/>
+        </p:nvSpPr>
+        <p:spPr>
+          <a:xfrm>
+            <a:off x="9767305" y="4360619"/>
+            <a:ext cx="2176166" cy="523220"/>
+          </a:xfrm>
+          <a:prstGeom prst="rect">
+            <a:avLst/>
+          </a:prstGeom>
+          <a:noFill/>
+        </p:spPr>
+        <p:txBody>
+          <a:bodyPr wrap="square" rtlCol="0">
+            <a:spAutoFit/>
+          </a:bodyPr>
+          <a:lstStyle/>
+          <a:p>
+            <a:r>
+              <a:rPr lang="en-US" sz="2800" b="1" dirty="0"/>
+              <a:t>~ 4,400 rows</a:t>
+            </a:r>
+          </a:p>
+        </p:txBody>
+      </p:sp>
+    </p:spTree>
+    <p:extLst>
+      <p:ext uri="{BB962C8B-B14F-4D97-AF65-F5344CB8AC3E}">
+        <p14:creationId xmlns:p14="http://schemas.microsoft.com/office/powerpoint/2010/main" val="2581846424"/>
+      </p:ext>
+    </p:extLst>
+  </p:cSld>
+  <p:clrMapOvr>
+    <a:masterClrMapping/>
+  </p:clrMapOvr>
+</p:sld>
+</file>
+
+<file path=ppt/slides/slide15.xml><?xml version="1.0" encoding="utf-8"?>
+<p:sld xmlns:a="http://schemas.openxmlformats.org/drawingml/2006/main" xmlns:r="http://schemas.openxmlformats.org/officeDocument/2006/relationships" xmlns:p="http://schemas.openxmlformats.org/presentationml/2006/main">
+  <p:cSld>
+    <p:spTree>
+      <p:nvGrpSpPr>
+        <p:cNvPr id="1" name=""/>
+        <p:cNvGrpSpPr/>
+        <p:nvPr/>
+      </p:nvGrpSpPr>
+      <p:grpSpPr>
+        <a:xfrm>
+          <a:off x="0" y="0"/>
+          <a:ext cx="0" cy="0"/>
+          <a:chOff x="0" y="0"/>
+          <a:chExt cx="0" cy="0"/>
+        </a:xfrm>
+      </p:grpSpPr>
+      <p:pic>
+        <p:nvPicPr>
+          <p:cNvPr id="5" name="Picture 2" descr="Image result for reinsurance">
+            <a:extLst>
+              <a:ext uri="{FF2B5EF4-FFF2-40B4-BE49-F238E27FC236}">
+                <a16:creationId xmlns:a16="http://schemas.microsoft.com/office/drawing/2014/main" id="{3420C83F-4F53-48BF-822D-FF60D1E36A57}"/>
+              </a:ext>
+            </a:extLst>
+          </p:cNvPr>
+          <p:cNvPicPr>
+            <a:picLocks noChangeAspect="1" noChangeArrowheads="1"/>
+          </p:cNvPicPr>
+          <p:nvPr/>
+        </p:nvPicPr>
+        <p:blipFill rotWithShape="1">
+          <a:blip r:embed="rId2">
+            <a:extLst>
+              <a:ext uri="{28A0092B-C50C-407E-A947-70E740481C1C}">
+                <a14:useLocalDpi xmlns:a14="http://schemas.microsoft.com/office/drawing/2010/main" val="0"/>
+              </a:ext>
+            </a:extLst>
+          </a:blip>
+          <a:srcRect l="20174" r="21466"/>
+          <a:stretch/>
+        </p:blipFill>
+        <p:spPr bwMode="auto">
+          <a:xfrm>
+            <a:off x="0" y="5552667"/>
+            <a:ext cx="1352390" cy="1305333"/>
+          </a:xfrm>
+          <a:prstGeom prst="rect">
+            <a:avLst/>
+          </a:prstGeom>
+          <a:noFill/>
+          <a:extLst>
+            <a:ext uri="{909E8E84-426E-40DD-AFC4-6F175D3DCCD1}">
+              <a14:hiddenFill xmlns:a14="http://schemas.microsoft.com/office/drawing/2010/main">
+                <a:solidFill>
+                  <a:srgbClr val="FFFFFF"/>
+                </a:solidFill>
+              </a14:hiddenFill>
+            </a:ext>
+          </a:extLst>
+        </p:spPr>
+      </p:pic>
+      <p:sp>
+        <p:nvSpPr>
+          <p:cNvPr id="3" name="TextBox 2">
+            <a:extLst>
+              <a:ext uri="{FF2B5EF4-FFF2-40B4-BE49-F238E27FC236}">
+                <a16:creationId xmlns:a16="http://schemas.microsoft.com/office/drawing/2014/main" id="{176B6F78-9B5E-4140-9A0A-F58CEAD68C34}"/>
+              </a:ext>
+            </a:extLst>
+          </p:cNvPr>
+          <p:cNvSpPr txBox="1"/>
+          <p:nvPr/>
+        </p:nvSpPr>
+        <p:spPr>
+          <a:xfrm>
+            <a:off x="26126" y="0"/>
+            <a:ext cx="3699803" cy="523220"/>
+          </a:xfrm>
+          <a:prstGeom prst="rect">
+            <a:avLst/>
+          </a:prstGeom>
+          <a:noFill/>
+        </p:spPr>
+        <p:txBody>
+          <a:bodyPr wrap="square" rtlCol="0">
+            <a:spAutoFit/>
+          </a:bodyPr>
+          <a:lstStyle/>
+          <a:p>
+            <a:r>
+              <a:rPr lang="en-US" sz="2800" b="1" dirty="0"/>
+              <a:t>REGRESSION MODELS</a:t>
+            </a:r>
+          </a:p>
+        </p:txBody>
+      </p:sp>
+      <p:sp>
+        <p:nvSpPr>
+          <p:cNvPr id="4" name="TextBox 3">
+            <a:extLst>
+              <a:ext uri="{FF2B5EF4-FFF2-40B4-BE49-F238E27FC236}">
+                <a16:creationId xmlns:a16="http://schemas.microsoft.com/office/drawing/2014/main" id="{2546C7F1-708A-4EC0-8BE4-92EE2A03BB95}"/>
+              </a:ext>
+            </a:extLst>
+          </p:cNvPr>
+          <p:cNvSpPr txBox="1"/>
+          <p:nvPr/>
+        </p:nvSpPr>
+        <p:spPr>
+          <a:xfrm>
+            <a:off x="279007" y="905646"/>
+            <a:ext cx="4206239" cy="2677656"/>
+          </a:xfrm>
+          <a:prstGeom prst="rect">
+            <a:avLst/>
+          </a:prstGeom>
+          <a:noFill/>
+        </p:spPr>
+        <p:txBody>
+          <a:bodyPr wrap="square" rtlCol="0">
+            <a:spAutoFit/>
+          </a:bodyPr>
+          <a:lstStyle/>
+          <a:p>
+            <a:pPr marL="457200" indent="-457200" algn="just">
+              <a:buFont typeface="Arial" panose="020B0604020202020204" pitchFamily="34" charset="0"/>
+              <a:buChar char="•"/>
+            </a:pPr>
+            <a:r>
+              <a:rPr lang="en-US" sz="2800" dirty="0"/>
+              <a:t>Linear Regression</a:t>
+            </a:r>
+          </a:p>
+          <a:p>
+            <a:pPr marL="457200" indent="-457200" algn="just">
+              <a:buFont typeface="Arial" panose="020B0604020202020204" pitchFamily="34" charset="0"/>
+              <a:buChar char="•"/>
+            </a:pPr>
+            <a:r>
+              <a:rPr lang="en-US" sz="2800" dirty="0"/>
+              <a:t>Decision Tree</a:t>
+            </a:r>
+          </a:p>
+          <a:p>
+            <a:pPr marL="457200" indent="-457200" algn="just">
+              <a:buFont typeface="Arial" panose="020B0604020202020204" pitchFamily="34" charset="0"/>
+              <a:buChar char="•"/>
+            </a:pPr>
+            <a:r>
+              <a:rPr lang="en-US" sz="2800" dirty="0"/>
+              <a:t>Random Forest</a:t>
+            </a:r>
+          </a:p>
+          <a:p>
+            <a:pPr marL="457200" indent="-457200" algn="just">
+              <a:buFont typeface="Arial" panose="020B0604020202020204" pitchFamily="34" charset="0"/>
+              <a:buChar char="•"/>
+            </a:pPr>
+            <a:r>
+              <a:rPr lang="en-US" sz="2800" dirty="0"/>
+              <a:t>Extra Trees</a:t>
+            </a:r>
+          </a:p>
+          <a:p>
+            <a:pPr marL="457200" indent="-457200" algn="just">
+              <a:buFont typeface="Arial" panose="020B0604020202020204" pitchFamily="34" charset="0"/>
+              <a:buChar char="•"/>
+            </a:pPr>
+            <a:r>
+              <a:rPr lang="en-US" sz="2800" dirty="0"/>
+              <a:t>Ada Boost</a:t>
+            </a:r>
+          </a:p>
+          <a:p>
+            <a:pPr marL="457200" indent="-457200" algn="just">
+              <a:buFont typeface="Arial" panose="020B0604020202020204" pitchFamily="34" charset="0"/>
+              <a:buChar char="•"/>
+            </a:pPr>
+            <a:r>
+              <a:rPr lang="en-US" sz="2800" dirty="0"/>
+              <a:t>Gradient Boosting</a:t>
+            </a:r>
+          </a:p>
+        </p:txBody>
+      </p:sp>
+      <p:sp>
+        <p:nvSpPr>
+          <p:cNvPr id="7" name="TextBox 6">
+            <a:extLst>
+              <a:ext uri="{FF2B5EF4-FFF2-40B4-BE49-F238E27FC236}">
+                <a16:creationId xmlns:a16="http://schemas.microsoft.com/office/drawing/2014/main" id="{1B497FB6-A76F-4DC9-99EB-5F7E35835B0C}"/>
+              </a:ext>
+            </a:extLst>
+          </p:cNvPr>
+          <p:cNvSpPr txBox="1"/>
+          <p:nvPr/>
+        </p:nvSpPr>
+        <p:spPr>
+          <a:xfrm>
+            <a:off x="7501094" y="0"/>
+            <a:ext cx="4651717" cy="523220"/>
+          </a:xfrm>
+          <a:prstGeom prst="rect">
+            <a:avLst/>
+          </a:prstGeom>
+          <a:noFill/>
+        </p:spPr>
+        <p:txBody>
+          <a:bodyPr wrap="square" rtlCol="0">
+            <a:spAutoFit/>
+          </a:bodyPr>
+          <a:lstStyle/>
+          <a:p>
+            <a:pPr algn="r"/>
+            <a:r>
+              <a:rPr lang="en-US" sz="2800" b="1" dirty="0"/>
+              <a:t>UNSUPERVISED LEARNING</a:t>
+            </a:r>
+          </a:p>
+        </p:txBody>
+      </p:sp>
+      <p:sp>
+        <p:nvSpPr>
+          <p:cNvPr id="8" name="TextBox 7">
+            <a:extLst>
+              <a:ext uri="{FF2B5EF4-FFF2-40B4-BE49-F238E27FC236}">
+                <a16:creationId xmlns:a16="http://schemas.microsoft.com/office/drawing/2014/main" id="{690EEC0A-3C18-4B4B-B93F-16563C262D6E}"/>
+              </a:ext>
+            </a:extLst>
+          </p:cNvPr>
+          <p:cNvSpPr txBox="1"/>
+          <p:nvPr/>
+        </p:nvSpPr>
+        <p:spPr>
+          <a:xfrm>
+            <a:off x="8112368" y="952226"/>
+            <a:ext cx="3929577" cy="1384995"/>
+          </a:xfrm>
+          <a:prstGeom prst="rect">
+            <a:avLst/>
+          </a:prstGeom>
+          <a:noFill/>
+        </p:spPr>
+        <p:txBody>
+          <a:bodyPr wrap="square" rtlCol="0">
+            <a:spAutoFit/>
+          </a:bodyPr>
+          <a:lstStyle/>
+          <a:p>
+            <a:pPr marL="457200" indent="-457200" algn="just">
+              <a:buFont typeface="Arial" panose="020B0604020202020204" pitchFamily="34" charset="0"/>
+              <a:buChar char="•"/>
+            </a:pPr>
+            <a:r>
+              <a:rPr lang="en-US" sz="2800" dirty="0"/>
+              <a:t>K-Means</a:t>
+            </a:r>
+          </a:p>
+          <a:p>
+            <a:pPr marL="457200" indent="-457200" algn="just">
+              <a:buFont typeface="Arial" panose="020B0604020202020204" pitchFamily="34" charset="0"/>
+              <a:buChar char="•"/>
+            </a:pPr>
+            <a:r>
+              <a:rPr lang="en-US" sz="2800" dirty="0"/>
+              <a:t>DBSCAN</a:t>
+            </a:r>
+          </a:p>
+          <a:p>
+            <a:pPr marL="457200" indent="-457200" algn="just">
+              <a:buFont typeface="Arial" panose="020B0604020202020204" pitchFamily="34" charset="0"/>
+              <a:buChar char="•"/>
+            </a:pPr>
+            <a:r>
+              <a:rPr lang="en-US" sz="2800" dirty="0"/>
+              <a:t>Hierarchical</a:t>
+            </a:r>
+          </a:p>
+        </p:txBody>
+      </p:sp>
+      <p:sp>
+        <p:nvSpPr>
+          <p:cNvPr id="9" name="TextBox 8">
+            <a:extLst>
+              <a:ext uri="{FF2B5EF4-FFF2-40B4-BE49-F238E27FC236}">
+                <a16:creationId xmlns:a16="http://schemas.microsoft.com/office/drawing/2014/main" id="{E22BE104-C020-4D01-B154-58B2AFFF60CD}"/>
+              </a:ext>
+            </a:extLst>
+          </p:cNvPr>
+          <p:cNvSpPr txBox="1"/>
+          <p:nvPr/>
+        </p:nvSpPr>
+        <p:spPr>
+          <a:xfrm>
+            <a:off x="8112368" y="2504617"/>
+            <a:ext cx="3929577" cy="954107"/>
+          </a:xfrm>
+          <a:prstGeom prst="rect">
+            <a:avLst/>
+          </a:prstGeom>
+          <a:noFill/>
+        </p:spPr>
+        <p:txBody>
+          <a:bodyPr wrap="square" rtlCol="0">
+            <a:spAutoFit/>
+          </a:bodyPr>
+          <a:lstStyle/>
+          <a:p>
+            <a:r>
+              <a:rPr lang="en-US" sz="2800" i="1" dirty="0"/>
+              <a:t>No meaningful or interpretable clusters…</a:t>
+            </a:r>
+          </a:p>
+        </p:txBody>
+      </p:sp>
+      <p:sp>
+        <p:nvSpPr>
+          <p:cNvPr id="11" name="Arrow: Curved Left 10">
+            <a:extLst>
+              <a:ext uri="{FF2B5EF4-FFF2-40B4-BE49-F238E27FC236}">
+                <a16:creationId xmlns:a16="http://schemas.microsoft.com/office/drawing/2014/main" id="{E1114A79-2348-4E63-B627-C268F5667A44}"/>
+              </a:ext>
+            </a:extLst>
+          </p:cNvPr>
+          <p:cNvSpPr/>
+          <p:nvPr/>
+        </p:nvSpPr>
+        <p:spPr>
+          <a:xfrm rot="16757958">
+            <a:off x="4187408" y="268054"/>
+            <a:ext cx="618979" cy="1973346"/>
+          </a:xfrm>
+          <a:prstGeom prst="curvedLeftArrow">
+            <a:avLst/>
+          </a:prstGeom>
+        </p:spPr>
+        <p:style>
+          <a:lnRef idx="2">
+            <a:schemeClr val="accent1">
+              <a:shade val="50000"/>
+            </a:schemeClr>
+          </a:lnRef>
+          <a:fillRef idx="1">
+            <a:schemeClr val="accent1"/>
+          </a:fillRef>
+          <a:effectRef idx="0">
+            <a:schemeClr val="accent1"/>
+          </a:effectRef>
+          <a:fontRef idx="minor">
+            <a:schemeClr val="lt1"/>
+          </a:fontRef>
+        </p:style>
+        <p:txBody>
+          <a:bodyPr rtlCol="0" anchor="ctr"/>
+          <a:lstStyle/>
+          <a:p>
+            <a:pPr algn="ctr"/>
+            <a:endParaRPr lang="en-US">
+              <a:solidFill>
+                <a:schemeClr val="tx1"/>
+              </a:solidFill>
+            </a:endParaRPr>
+          </a:p>
+        </p:txBody>
+      </p:sp>
+      <p:sp>
+        <p:nvSpPr>
+          <p:cNvPr id="12" name="Arrow: Curved Left 11">
+            <a:extLst>
+              <a:ext uri="{FF2B5EF4-FFF2-40B4-BE49-F238E27FC236}">
+                <a16:creationId xmlns:a16="http://schemas.microsoft.com/office/drawing/2014/main" id="{B8BE6EEB-C33D-447B-A727-4E37A19CCA98}"/>
+              </a:ext>
+            </a:extLst>
+          </p:cNvPr>
+          <p:cNvSpPr/>
+          <p:nvPr/>
+        </p:nvSpPr>
+        <p:spPr>
+          <a:xfrm rot="5065675">
+            <a:off x="4175751" y="2712409"/>
+            <a:ext cx="618979" cy="1973346"/>
+          </a:xfrm>
+          <a:prstGeom prst="curvedLeftArrow">
+            <a:avLst/>
+          </a:prstGeom>
+        </p:spPr>
+        <p:style>
+          <a:lnRef idx="2">
+            <a:schemeClr val="accent1">
+              <a:shade val="50000"/>
+            </a:schemeClr>
+          </a:lnRef>
+          <a:fillRef idx="1">
+            <a:schemeClr val="accent1"/>
+          </a:fillRef>
+          <a:effectRef idx="0">
+            <a:schemeClr val="accent1"/>
+          </a:effectRef>
+          <a:fontRef idx="minor">
+            <a:schemeClr val="lt1"/>
+          </a:fontRef>
+        </p:style>
+        <p:txBody>
+          <a:bodyPr rtlCol="0" anchor="ctr"/>
+          <a:lstStyle/>
+          <a:p>
+            <a:pPr algn="ctr"/>
+            <a:endParaRPr lang="en-US">
+              <a:solidFill>
+                <a:schemeClr val="tx1"/>
+              </a:solidFill>
+            </a:endParaRPr>
+          </a:p>
+        </p:txBody>
+      </p:sp>
+      <p:sp>
+        <p:nvSpPr>
+          <p:cNvPr id="13" name="TextBox 12">
+            <a:extLst>
+              <a:ext uri="{FF2B5EF4-FFF2-40B4-BE49-F238E27FC236}">
+                <a16:creationId xmlns:a16="http://schemas.microsoft.com/office/drawing/2014/main" id="{63CFE95F-EADC-45ED-A775-9BCDB5F7F325}"/>
+              </a:ext>
+            </a:extLst>
+          </p:cNvPr>
+          <p:cNvSpPr txBox="1"/>
+          <p:nvPr/>
+        </p:nvSpPr>
+        <p:spPr>
+          <a:xfrm>
+            <a:off x="4221835" y="1762585"/>
+            <a:ext cx="2494674" cy="1384995"/>
+          </a:xfrm>
+          <a:prstGeom prst="rect">
+            <a:avLst/>
+          </a:prstGeom>
+          <a:noFill/>
+          <a:ln>
+            <a:solidFill>
+              <a:schemeClr val="accent1">
+                <a:shade val="50000"/>
+              </a:schemeClr>
+            </a:solidFill>
+          </a:ln>
+        </p:spPr>
+        <p:txBody>
+          <a:bodyPr wrap="square" rtlCol="0">
+            <a:spAutoFit/>
+          </a:bodyPr>
+          <a:lstStyle/>
+          <a:p>
+            <a:pPr algn="just"/>
+            <a:r>
+              <a:rPr lang="en-US" sz="2800" i="1" u="sng" dirty="0"/>
+              <a:t>Feature </a:t>
+            </a:r>
+          </a:p>
+          <a:p>
+            <a:pPr algn="just"/>
+            <a:r>
+              <a:rPr lang="en-US" sz="2800" i="1" u="sng" dirty="0"/>
+              <a:t>Re-re-</a:t>
+            </a:r>
+          </a:p>
+          <a:p>
+            <a:pPr algn="just"/>
+            <a:r>
+              <a:rPr lang="en-US" sz="2800" i="1" u="sng" dirty="0"/>
+              <a:t>Engineering</a:t>
+            </a:r>
+          </a:p>
+        </p:txBody>
+      </p:sp>
+    </p:spTree>
+    <p:extLst>
+      <p:ext uri="{BB962C8B-B14F-4D97-AF65-F5344CB8AC3E}">
+        <p14:creationId xmlns:p14="http://schemas.microsoft.com/office/powerpoint/2010/main" val="2060522013"/>
+      </p:ext>
+    </p:extLst>
+  </p:cSld>
+  <p:clrMapOvr>
+    <a:masterClrMapping/>
+  </p:clrMapOvr>
+</p:sld>
+</file>
+
+<file path=ppt/slides/slide16.xml><?xml version="1.0" encoding="utf-8"?>
+<p:sld xmlns:a="http://schemas.openxmlformats.org/drawingml/2006/main" xmlns:r="http://schemas.openxmlformats.org/officeDocument/2006/relationships" xmlns:p="http://schemas.openxmlformats.org/presentationml/2006/main">
+  <p:cSld>
+    <p:spTree>
+      <p:nvGrpSpPr>
+        <p:cNvPr id="1" name=""/>
+        <p:cNvGrpSpPr/>
+        <p:nvPr/>
+      </p:nvGrpSpPr>
+      <p:grpSpPr>
+        <a:xfrm>
+          <a:off x="0" y="0"/>
+          <a:ext cx="0" cy="0"/>
+          <a:chOff x="0" y="0"/>
+          <a:chExt cx="0" cy="0"/>
+        </a:xfrm>
+      </p:grpSpPr>
+      <p:pic>
+        <p:nvPicPr>
+          <p:cNvPr id="5" name="Picture 2" descr="Image result for reinsurance">
+            <a:extLst>
+              <a:ext uri="{FF2B5EF4-FFF2-40B4-BE49-F238E27FC236}">
+                <a16:creationId xmlns:a16="http://schemas.microsoft.com/office/drawing/2014/main" id="{3420C83F-4F53-48BF-822D-FF60D1E36A57}"/>
+              </a:ext>
+            </a:extLst>
+          </p:cNvPr>
+          <p:cNvPicPr>
+            <a:picLocks noChangeAspect="1" noChangeArrowheads="1"/>
+          </p:cNvPicPr>
+          <p:nvPr/>
+        </p:nvPicPr>
+        <p:blipFill rotWithShape="1">
+          <a:blip r:embed="rId2">
+            <a:extLst>
+              <a:ext uri="{28A0092B-C50C-407E-A947-70E740481C1C}">
+                <a14:useLocalDpi xmlns:a14="http://schemas.microsoft.com/office/drawing/2010/main" val="0"/>
+              </a:ext>
+            </a:extLst>
+          </a:blip>
+          <a:srcRect l="20174" r="21466"/>
+          <a:stretch/>
+        </p:blipFill>
+        <p:spPr bwMode="auto">
+          <a:xfrm>
+            <a:off x="0" y="5552667"/>
+            <a:ext cx="1352390" cy="1305333"/>
+          </a:xfrm>
+          <a:prstGeom prst="rect">
+            <a:avLst/>
+          </a:prstGeom>
+          <a:noFill/>
+          <a:extLst>
+            <a:ext uri="{909E8E84-426E-40DD-AFC4-6F175D3DCCD1}">
+              <a14:hiddenFill xmlns:a14="http://schemas.microsoft.com/office/drawing/2010/main">
+                <a:solidFill>
+                  <a:srgbClr val="FFFFFF"/>
+                </a:solidFill>
+              </a14:hiddenFill>
+            </a:ext>
+          </a:extLst>
+        </p:spPr>
+      </p:pic>
+      <p:sp>
+        <p:nvSpPr>
+          <p:cNvPr id="3" name="TextBox 2">
+            <a:extLst>
+              <a:ext uri="{FF2B5EF4-FFF2-40B4-BE49-F238E27FC236}">
+                <a16:creationId xmlns:a16="http://schemas.microsoft.com/office/drawing/2014/main" id="{176B6F78-9B5E-4140-9A0A-F58CEAD68C34}"/>
+              </a:ext>
+            </a:extLst>
+          </p:cNvPr>
+          <p:cNvSpPr txBox="1"/>
+          <p:nvPr/>
+        </p:nvSpPr>
+        <p:spPr>
+          <a:xfrm>
+            <a:off x="26126" y="0"/>
+            <a:ext cx="3699803" cy="523220"/>
+          </a:xfrm>
+          <a:prstGeom prst="rect">
+            <a:avLst/>
+          </a:prstGeom>
+          <a:noFill/>
+        </p:spPr>
+        <p:txBody>
+          <a:bodyPr wrap="square" rtlCol="0">
+            <a:spAutoFit/>
+          </a:bodyPr>
+          <a:lstStyle/>
+          <a:p>
+            <a:r>
+              <a:rPr lang="en-US" sz="2800" b="1" dirty="0"/>
+              <a:t>REGRESSION MODELS</a:t>
+            </a:r>
+          </a:p>
+        </p:txBody>
+      </p:sp>
+      <p:sp>
+        <p:nvSpPr>
+          <p:cNvPr id="4" name="TextBox 3">
+            <a:extLst>
+              <a:ext uri="{FF2B5EF4-FFF2-40B4-BE49-F238E27FC236}">
+                <a16:creationId xmlns:a16="http://schemas.microsoft.com/office/drawing/2014/main" id="{2546C7F1-708A-4EC0-8BE4-92EE2A03BB95}"/>
+              </a:ext>
+            </a:extLst>
+          </p:cNvPr>
+          <p:cNvSpPr txBox="1"/>
+          <p:nvPr/>
+        </p:nvSpPr>
+        <p:spPr>
+          <a:xfrm>
+            <a:off x="279007" y="905646"/>
+            <a:ext cx="4206239" cy="2677656"/>
+          </a:xfrm>
+          <a:prstGeom prst="rect">
+            <a:avLst/>
+          </a:prstGeom>
+          <a:noFill/>
+        </p:spPr>
+        <p:txBody>
+          <a:bodyPr wrap="square" rtlCol="0">
+            <a:spAutoFit/>
+          </a:bodyPr>
+          <a:lstStyle/>
+          <a:p>
+            <a:pPr marL="457200" indent="-457200" algn="just">
+              <a:buFont typeface="Arial" panose="020B0604020202020204" pitchFamily="34" charset="0"/>
+              <a:buChar char="•"/>
+            </a:pPr>
+            <a:r>
+              <a:rPr lang="en-US" sz="2800" dirty="0"/>
+              <a:t>Linear Regression</a:t>
+            </a:r>
+          </a:p>
+          <a:p>
+            <a:pPr marL="457200" indent="-457200" algn="just">
+              <a:buFont typeface="Arial" panose="020B0604020202020204" pitchFamily="34" charset="0"/>
+              <a:buChar char="•"/>
+            </a:pPr>
+            <a:r>
+              <a:rPr lang="en-US" sz="2800" dirty="0"/>
+              <a:t>Decision Tree</a:t>
+            </a:r>
+          </a:p>
+          <a:p>
+            <a:pPr marL="457200" indent="-457200" algn="just">
+              <a:buFont typeface="Arial" panose="020B0604020202020204" pitchFamily="34" charset="0"/>
+              <a:buChar char="•"/>
+            </a:pPr>
+            <a:r>
+              <a:rPr lang="en-US" sz="2800" dirty="0"/>
+              <a:t>Random Forest</a:t>
+            </a:r>
+          </a:p>
+          <a:p>
+            <a:pPr marL="457200" indent="-457200" algn="just">
+              <a:buFont typeface="Arial" panose="020B0604020202020204" pitchFamily="34" charset="0"/>
+              <a:buChar char="•"/>
+            </a:pPr>
+            <a:r>
+              <a:rPr lang="en-US" sz="2800" dirty="0"/>
+              <a:t>Extra Trees</a:t>
+            </a:r>
+          </a:p>
+          <a:p>
+            <a:pPr marL="457200" indent="-457200" algn="just">
+              <a:buFont typeface="Arial" panose="020B0604020202020204" pitchFamily="34" charset="0"/>
+              <a:buChar char="•"/>
+            </a:pPr>
+            <a:r>
+              <a:rPr lang="en-US" sz="2800" dirty="0"/>
+              <a:t>Ada Boost</a:t>
+            </a:r>
+          </a:p>
+          <a:p>
+            <a:pPr marL="457200" indent="-457200" algn="just">
+              <a:buFont typeface="Arial" panose="020B0604020202020204" pitchFamily="34" charset="0"/>
+              <a:buChar char="•"/>
+            </a:pPr>
+            <a:r>
+              <a:rPr lang="en-US" sz="2800" dirty="0"/>
+              <a:t>Gradient Boosting</a:t>
+            </a:r>
+          </a:p>
+        </p:txBody>
+      </p:sp>
+      <p:sp>
+        <p:nvSpPr>
+          <p:cNvPr id="6" name="TextBox 5">
+            <a:extLst>
+              <a:ext uri="{FF2B5EF4-FFF2-40B4-BE49-F238E27FC236}">
+                <a16:creationId xmlns:a16="http://schemas.microsoft.com/office/drawing/2014/main" id="{B184CDD0-C72B-49B5-BA78-7DE4945AE214}"/>
+              </a:ext>
+            </a:extLst>
+          </p:cNvPr>
+          <p:cNvSpPr txBox="1"/>
+          <p:nvPr/>
+        </p:nvSpPr>
+        <p:spPr>
+          <a:xfrm>
+            <a:off x="2692421" y="5291057"/>
+            <a:ext cx="4206239" cy="523220"/>
+          </a:xfrm>
+          <a:prstGeom prst="rect">
+            <a:avLst/>
+          </a:prstGeom>
+          <a:noFill/>
+        </p:spPr>
+        <p:txBody>
+          <a:bodyPr wrap="square" rtlCol="0">
+            <a:spAutoFit/>
+          </a:bodyPr>
+          <a:lstStyle/>
+          <a:p>
+            <a:pPr algn="just"/>
+            <a:r>
+              <a:rPr lang="en-US" sz="2800" i="1" u="sng" dirty="0">
+                <a:solidFill>
+                  <a:srgbClr val="FF0000"/>
+                </a:solidFill>
+              </a:rPr>
+              <a:t>Best R2 Score =&gt; 0.53 (only)</a:t>
+            </a:r>
+          </a:p>
+        </p:txBody>
+      </p:sp>
+      <p:sp>
+        <p:nvSpPr>
+          <p:cNvPr id="7" name="TextBox 6">
+            <a:extLst>
+              <a:ext uri="{FF2B5EF4-FFF2-40B4-BE49-F238E27FC236}">
+                <a16:creationId xmlns:a16="http://schemas.microsoft.com/office/drawing/2014/main" id="{1B497FB6-A76F-4DC9-99EB-5F7E35835B0C}"/>
+              </a:ext>
+            </a:extLst>
+          </p:cNvPr>
+          <p:cNvSpPr txBox="1"/>
+          <p:nvPr/>
+        </p:nvSpPr>
+        <p:spPr>
+          <a:xfrm>
+            <a:off x="7501094" y="0"/>
+            <a:ext cx="4651717" cy="523220"/>
+          </a:xfrm>
+          <a:prstGeom prst="rect">
+            <a:avLst/>
+          </a:prstGeom>
+          <a:noFill/>
+        </p:spPr>
+        <p:txBody>
+          <a:bodyPr wrap="square" rtlCol="0">
+            <a:spAutoFit/>
+          </a:bodyPr>
+          <a:lstStyle/>
+          <a:p>
+            <a:pPr algn="r"/>
+            <a:r>
+              <a:rPr lang="en-US" sz="2800" b="1" dirty="0"/>
+              <a:t>UNSUPERVISED LEARNING</a:t>
+            </a:r>
+          </a:p>
+        </p:txBody>
+      </p:sp>
+      <p:sp>
+        <p:nvSpPr>
+          <p:cNvPr id="8" name="TextBox 7">
+            <a:extLst>
+              <a:ext uri="{FF2B5EF4-FFF2-40B4-BE49-F238E27FC236}">
+                <a16:creationId xmlns:a16="http://schemas.microsoft.com/office/drawing/2014/main" id="{690EEC0A-3C18-4B4B-B93F-16563C262D6E}"/>
+              </a:ext>
+            </a:extLst>
+          </p:cNvPr>
+          <p:cNvSpPr txBox="1"/>
+          <p:nvPr/>
+        </p:nvSpPr>
+        <p:spPr>
+          <a:xfrm>
+            <a:off x="8112368" y="952226"/>
+            <a:ext cx="3929577" cy="1384995"/>
+          </a:xfrm>
+          <a:prstGeom prst="rect">
+            <a:avLst/>
+          </a:prstGeom>
+          <a:noFill/>
+        </p:spPr>
+        <p:txBody>
+          <a:bodyPr wrap="square" rtlCol="0">
+            <a:spAutoFit/>
+          </a:bodyPr>
+          <a:lstStyle/>
+          <a:p>
+            <a:pPr marL="457200" indent="-457200" algn="just">
+              <a:buFont typeface="Arial" panose="020B0604020202020204" pitchFamily="34" charset="0"/>
+              <a:buChar char="•"/>
+            </a:pPr>
+            <a:r>
+              <a:rPr lang="en-US" sz="2800" dirty="0"/>
+              <a:t>K-Means</a:t>
+            </a:r>
+          </a:p>
+          <a:p>
+            <a:pPr marL="457200" indent="-457200" algn="just">
+              <a:buFont typeface="Arial" panose="020B0604020202020204" pitchFamily="34" charset="0"/>
+              <a:buChar char="•"/>
+            </a:pPr>
+            <a:r>
+              <a:rPr lang="en-US" sz="2800" dirty="0"/>
+              <a:t>DBSCAN</a:t>
+            </a:r>
+          </a:p>
+          <a:p>
+            <a:pPr marL="457200" indent="-457200" algn="just">
+              <a:buFont typeface="Arial" panose="020B0604020202020204" pitchFamily="34" charset="0"/>
+              <a:buChar char="•"/>
+            </a:pPr>
+            <a:r>
+              <a:rPr lang="en-US" sz="2800" dirty="0"/>
+              <a:t>Hierarchical</a:t>
+            </a:r>
+          </a:p>
+        </p:txBody>
+      </p:sp>
+      <p:sp>
+        <p:nvSpPr>
+          <p:cNvPr id="9" name="TextBox 8">
+            <a:extLst>
+              <a:ext uri="{FF2B5EF4-FFF2-40B4-BE49-F238E27FC236}">
+                <a16:creationId xmlns:a16="http://schemas.microsoft.com/office/drawing/2014/main" id="{E22BE104-C020-4D01-B154-58B2AFFF60CD}"/>
+              </a:ext>
+            </a:extLst>
+          </p:cNvPr>
+          <p:cNvSpPr txBox="1"/>
+          <p:nvPr/>
+        </p:nvSpPr>
+        <p:spPr>
+          <a:xfrm>
+            <a:off x="8112368" y="2504617"/>
+            <a:ext cx="3929577" cy="954107"/>
+          </a:xfrm>
+          <a:prstGeom prst="rect">
+            <a:avLst/>
+          </a:prstGeom>
+          <a:noFill/>
+        </p:spPr>
+        <p:txBody>
+          <a:bodyPr wrap="square" rtlCol="0">
+            <a:spAutoFit/>
+          </a:bodyPr>
+          <a:lstStyle/>
+          <a:p>
+            <a:r>
+              <a:rPr lang="en-US" sz="2800" i="1" dirty="0"/>
+              <a:t>No meaningful or interpretable clusters…</a:t>
+            </a:r>
+          </a:p>
+        </p:txBody>
+      </p:sp>
+      <p:sp>
+        <p:nvSpPr>
+          <p:cNvPr id="11" name="Arrow: Curved Left 10">
+            <a:extLst>
+              <a:ext uri="{FF2B5EF4-FFF2-40B4-BE49-F238E27FC236}">
+                <a16:creationId xmlns:a16="http://schemas.microsoft.com/office/drawing/2014/main" id="{E1114A79-2348-4E63-B627-C268F5667A44}"/>
+              </a:ext>
+            </a:extLst>
+          </p:cNvPr>
+          <p:cNvSpPr/>
+          <p:nvPr/>
+        </p:nvSpPr>
+        <p:spPr>
+          <a:xfrm rot="16757958">
+            <a:off x="4187408" y="268054"/>
+            <a:ext cx="618979" cy="1973346"/>
+          </a:xfrm>
+          <a:prstGeom prst="curvedLeftArrow">
+            <a:avLst/>
+          </a:prstGeom>
+        </p:spPr>
+        <p:style>
+          <a:lnRef idx="2">
+            <a:schemeClr val="accent1">
+              <a:shade val="50000"/>
+            </a:schemeClr>
+          </a:lnRef>
+          <a:fillRef idx="1">
+            <a:schemeClr val="accent1"/>
+          </a:fillRef>
+          <a:effectRef idx="0">
+            <a:schemeClr val="accent1"/>
+          </a:effectRef>
+          <a:fontRef idx="minor">
+            <a:schemeClr val="lt1"/>
+          </a:fontRef>
+        </p:style>
+        <p:txBody>
+          <a:bodyPr rtlCol="0" anchor="ctr"/>
+          <a:lstStyle/>
+          <a:p>
+            <a:pPr algn="ctr"/>
+            <a:endParaRPr lang="en-US">
+              <a:solidFill>
+                <a:schemeClr val="tx1"/>
+              </a:solidFill>
+            </a:endParaRPr>
+          </a:p>
+        </p:txBody>
+      </p:sp>
+      <p:sp>
+        <p:nvSpPr>
+          <p:cNvPr id="12" name="Arrow: Curved Left 11">
+            <a:extLst>
+              <a:ext uri="{FF2B5EF4-FFF2-40B4-BE49-F238E27FC236}">
+                <a16:creationId xmlns:a16="http://schemas.microsoft.com/office/drawing/2014/main" id="{B8BE6EEB-C33D-447B-A727-4E37A19CCA98}"/>
+              </a:ext>
+            </a:extLst>
+          </p:cNvPr>
+          <p:cNvSpPr/>
+          <p:nvPr/>
+        </p:nvSpPr>
+        <p:spPr>
+          <a:xfrm rot="5065675">
+            <a:off x="4175751" y="2712409"/>
+            <a:ext cx="618979" cy="1973346"/>
+          </a:xfrm>
+          <a:prstGeom prst="curvedLeftArrow">
+            <a:avLst/>
+          </a:prstGeom>
+        </p:spPr>
+        <p:style>
+          <a:lnRef idx="2">
+            <a:schemeClr val="accent1">
+              <a:shade val="50000"/>
+            </a:schemeClr>
+          </a:lnRef>
+          <a:fillRef idx="1">
+            <a:schemeClr val="accent1"/>
+          </a:fillRef>
+          <a:effectRef idx="0">
+            <a:schemeClr val="accent1"/>
+          </a:effectRef>
+          <a:fontRef idx="minor">
+            <a:schemeClr val="lt1"/>
+          </a:fontRef>
+        </p:style>
+        <p:txBody>
+          <a:bodyPr rtlCol="0" anchor="ctr"/>
+          <a:lstStyle/>
+          <a:p>
+            <a:pPr algn="ctr"/>
+            <a:endParaRPr lang="en-US">
+              <a:solidFill>
+                <a:schemeClr val="tx1"/>
+              </a:solidFill>
+            </a:endParaRPr>
+          </a:p>
+        </p:txBody>
+      </p:sp>
+      <p:sp>
+        <p:nvSpPr>
+          <p:cNvPr id="13" name="TextBox 12">
+            <a:extLst>
+              <a:ext uri="{FF2B5EF4-FFF2-40B4-BE49-F238E27FC236}">
+                <a16:creationId xmlns:a16="http://schemas.microsoft.com/office/drawing/2014/main" id="{63CFE95F-EADC-45ED-A775-9BCDB5F7F325}"/>
+              </a:ext>
+            </a:extLst>
+          </p:cNvPr>
+          <p:cNvSpPr txBox="1"/>
+          <p:nvPr/>
+        </p:nvSpPr>
+        <p:spPr>
+          <a:xfrm>
+            <a:off x="4221834" y="1762586"/>
+            <a:ext cx="2494674" cy="1384995"/>
+          </a:xfrm>
+          <a:prstGeom prst="rect">
+            <a:avLst/>
+          </a:prstGeom>
+          <a:noFill/>
+          <a:ln>
+            <a:solidFill>
+              <a:schemeClr val="accent1">
+                <a:shade val="50000"/>
+              </a:schemeClr>
+            </a:solidFill>
+          </a:ln>
+        </p:spPr>
+        <p:txBody>
+          <a:bodyPr wrap="square" rtlCol="0">
+            <a:spAutoFit/>
+          </a:bodyPr>
+          <a:lstStyle/>
+          <a:p>
+            <a:pPr algn="just"/>
+            <a:r>
+              <a:rPr lang="en-US" sz="2800" i="1" u="sng" dirty="0"/>
+              <a:t>Feature </a:t>
+            </a:r>
+          </a:p>
+          <a:p>
+            <a:pPr algn="just"/>
+            <a:r>
+              <a:rPr lang="en-US" sz="2800" i="1" u="sng" dirty="0"/>
+              <a:t>Re-re- Engineering</a:t>
+            </a:r>
+          </a:p>
+        </p:txBody>
+      </p:sp>
+      <p:sp>
+        <p:nvSpPr>
+          <p:cNvPr id="14" name="Arrow: Down 13">
+            <a:extLst>
+              <a:ext uri="{FF2B5EF4-FFF2-40B4-BE49-F238E27FC236}">
+                <a16:creationId xmlns:a16="http://schemas.microsoft.com/office/drawing/2014/main" id="{10AA33B0-8FC4-4AF5-B969-E1DD7B1F6A3E}"/>
+              </a:ext>
+            </a:extLst>
+          </p:cNvPr>
+          <p:cNvSpPr/>
+          <p:nvPr/>
+        </p:nvSpPr>
+        <p:spPr>
+          <a:xfrm>
+            <a:off x="2952673" y="4142774"/>
+            <a:ext cx="520505" cy="1016190"/>
+          </a:xfrm>
+          <a:prstGeom prst="downArrow">
+            <a:avLst/>
+          </a:prstGeom>
+        </p:spPr>
+        <p:style>
+          <a:lnRef idx="2">
+            <a:schemeClr val="accent1">
+              <a:shade val="50000"/>
+            </a:schemeClr>
+          </a:lnRef>
+          <a:fillRef idx="1">
+            <a:schemeClr val="accent1"/>
+          </a:fillRef>
+          <a:effectRef idx="0">
+            <a:schemeClr val="accent1"/>
+          </a:effectRef>
+          <a:fontRef idx="minor">
+            <a:schemeClr val="lt1"/>
+          </a:fontRef>
+        </p:style>
+        <p:txBody>
+          <a:bodyPr rtlCol="0" anchor="ctr"/>
+          <a:lstStyle/>
+          <a:p>
+            <a:pPr algn="ctr"/>
+            <a:endParaRPr lang="en-US"/>
+          </a:p>
+        </p:txBody>
+      </p:sp>
+    </p:spTree>
+    <p:extLst>
+      <p:ext uri="{BB962C8B-B14F-4D97-AF65-F5344CB8AC3E}">
+        <p14:creationId xmlns:p14="http://schemas.microsoft.com/office/powerpoint/2010/main" val="703702797"/>
+      </p:ext>
+    </p:extLst>
+  </p:cSld>
+  <p:clrMapOvr>
+    <a:masterClrMapping/>
+  </p:clrMapOvr>
+</p:sld>
+</file>
+
+<file path=ppt/slides/slide17.xml><?xml version="1.0" encoding="utf-8"?>
+<p:sld xmlns:a="http://schemas.openxmlformats.org/drawingml/2006/main" xmlns:r="http://schemas.openxmlformats.org/officeDocument/2006/relationships" xmlns:p="http://schemas.openxmlformats.org/presentationml/2006/main">
+  <p:cSld>
+    <p:spTree>
+      <p:nvGrpSpPr>
+        <p:cNvPr id="1" name=""/>
+        <p:cNvGrpSpPr/>
+        <p:nvPr/>
+      </p:nvGrpSpPr>
+      <p:grpSpPr>
+        <a:xfrm>
+          <a:off x="0" y="0"/>
+          <a:ext cx="0" cy="0"/>
+          <a:chOff x="0" y="0"/>
+          <a:chExt cx="0" cy="0"/>
+        </a:xfrm>
+      </p:grpSpPr>
+      <p:pic>
+        <p:nvPicPr>
+          <p:cNvPr id="3" name="Picture 2">
+            <a:extLst>
+              <a:ext uri="{FF2B5EF4-FFF2-40B4-BE49-F238E27FC236}">
+                <a16:creationId xmlns:a16="http://schemas.microsoft.com/office/drawing/2014/main" id="{800A2C33-581B-46DA-9706-AFEAB880C35A}"/>
+              </a:ext>
+            </a:extLst>
+          </p:cNvPr>
+          <p:cNvPicPr>
+            <a:picLocks noChangeAspect="1"/>
+          </p:cNvPicPr>
+          <p:nvPr/>
+        </p:nvPicPr>
+        <p:blipFill>
+          <a:blip r:embed="rId2"/>
+          <a:stretch>
+            <a:fillRect/>
+          </a:stretch>
+        </p:blipFill>
+        <p:spPr>
+          <a:xfrm>
+            <a:off x="1955944" y="3858211"/>
+            <a:ext cx="8927236" cy="2510266"/>
+          </a:xfrm>
+          <a:prstGeom prst="rect">
+            <a:avLst/>
+          </a:prstGeom>
+        </p:spPr>
+      </p:pic>
+      <p:pic>
+        <p:nvPicPr>
+          <p:cNvPr id="4" name="Picture 2" descr="Image result for reinsurance">
+            <a:extLst>
+              <a:ext uri="{FF2B5EF4-FFF2-40B4-BE49-F238E27FC236}">
+                <a16:creationId xmlns:a16="http://schemas.microsoft.com/office/drawing/2014/main" id="{FEC1AF0A-CDC7-4AB8-BB96-201ADA2EB4A9}"/>
+              </a:ext>
+            </a:extLst>
+          </p:cNvPr>
+          <p:cNvPicPr>
+            <a:picLocks noChangeAspect="1" noChangeArrowheads="1"/>
+          </p:cNvPicPr>
+          <p:nvPr/>
+        </p:nvPicPr>
+        <p:blipFill rotWithShape="1">
+          <a:blip r:embed="rId3">
+            <a:extLst>
+              <a:ext uri="{28A0092B-C50C-407E-A947-70E740481C1C}">
+                <a14:useLocalDpi xmlns:a14="http://schemas.microsoft.com/office/drawing/2010/main" val="0"/>
+              </a:ext>
+            </a:extLst>
+          </a:blip>
+          <a:srcRect l="20174" r="21466"/>
+          <a:stretch/>
+        </p:blipFill>
+        <p:spPr bwMode="auto">
+          <a:xfrm>
+            <a:off x="2341" y="5552667"/>
+            <a:ext cx="1352390" cy="1305333"/>
+          </a:xfrm>
+          <a:prstGeom prst="rect">
+            <a:avLst/>
+          </a:prstGeom>
+          <a:noFill/>
+          <a:extLst>
+            <a:ext uri="{909E8E84-426E-40DD-AFC4-6F175D3DCCD1}">
+              <a14:hiddenFill xmlns:a14="http://schemas.microsoft.com/office/drawing/2010/main">
+                <a:solidFill>
+                  <a:srgbClr val="FFFFFF"/>
+                </a:solidFill>
+              </a14:hiddenFill>
+            </a:ext>
+          </a:extLst>
+        </p:spPr>
+      </p:pic>
+      <p:sp>
+        <p:nvSpPr>
+          <p:cNvPr id="5" name="TextBox 4">
+            <a:extLst>
+              <a:ext uri="{FF2B5EF4-FFF2-40B4-BE49-F238E27FC236}">
+                <a16:creationId xmlns:a16="http://schemas.microsoft.com/office/drawing/2014/main" id="{785E824C-492F-4D56-BF95-40F5B70E1EEF}"/>
+              </a:ext>
+            </a:extLst>
+          </p:cNvPr>
+          <p:cNvSpPr txBox="1"/>
+          <p:nvPr/>
+        </p:nvSpPr>
+        <p:spPr>
+          <a:xfrm>
+            <a:off x="14068" y="14068"/>
+            <a:ext cx="3699803" cy="523220"/>
+          </a:xfrm>
+          <a:prstGeom prst="rect">
+            <a:avLst/>
+          </a:prstGeom>
+          <a:noFill/>
+        </p:spPr>
+        <p:txBody>
+          <a:bodyPr wrap="square" rtlCol="0">
+            <a:spAutoFit/>
+          </a:bodyPr>
+          <a:lstStyle/>
+          <a:p>
+            <a:r>
+              <a:rPr lang="en-US" sz="2800" b="1" dirty="0"/>
               <a:t>CLASSIFICATION</a:t>
             </a:r>
           </a:p>
@@ -5221,7 +6838,7 @@
         </p:nvSpPr>
         <p:spPr>
           <a:xfrm>
-            <a:off x="2598820" y="5472332"/>
+            <a:off x="2922382" y="5739624"/>
             <a:ext cx="3193366" cy="755584"/>
           </a:xfrm>
           <a:custGeom>
@@ -5464,13 +7081,20 @@
         </p:nvSpPr>
         <p:spPr>
           <a:xfrm>
-            <a:off x="2629142" y="1135825"/>
-            <a:ext cx="7652825" cy="1384995"/>
+            <a:off x="2922382" y="1417178"/>
+            <a:ext cx="6866548" cy="1384995"/>
           </a:xfrm>
           <a:prstGeom prst="rect">
             <a:avLst/>
           </a:prstGeom>
           <a:noFill/>
+          <a:ln>
+            <a:solidFill>
+              <a:schemeClr val="accent1">
+                <a:shade val="50000"/>
+              </a:schemeClr>
+            </a:solidFill>
+          </a:ln>
         </p:spPr>
         <p:txBody>
           <a:bodyPr wrap="square" rtlCol="0">
@@ -5531,7 +7155,7 @@
         </p:nvCxnSpPr>
         <p:spPr>
           <a:xfrm flipH="1">
-            <a:off x="5904569" y="5454889"/>
+            <a:off x="6228131" y="5722181"/>
             <a:ext cx="1045783" cy="545251"/>
           </a:xfrm>
           <a:prstGeom prst="straightConnector1">
@@ -5564,1332 +7188,6 @@
     <p:extLst>
       <p:ext uri="{BB962C8B-B14F-4D97-AF65-F5344CB8AC3E}">
         <p14:creationId xmlns:p14="http://schemas.microsoft.com/office/powerpoint/2010/main" val="3319123738"/>
-      </p:ext>
-    </p:extLst>
-  </p:cSld>
-  <p:clrMapOvr>
-    <a:masterClrMapping/>
-  </p:clrMapOvr>
-</p:sld>
-</file>
-
-<file path=ppt/slides/slide15.xml><?xml version="1.0" encoding="utf-8"?>
-<p:sld xmlns:a="http://schemas.openxmlformats.org/drawingml/2006/main" xmlns:r="http://schemas.openxmlformats.org/officeDocument/2006/relationships" xmlns:p="http://schemas.openxmlformats.org/presentationml/2006/main">
-  <p:cSld>
-    <p:spTree>
-      <p:nvGrpSpPr>
-        <p:cNvPr id="1" name=""/>
-        <p:cNvGrpSpPr/>
-        <p:nvPr/>
-      </p:nvGrpSpPr>
-      <p:grpSpPr>
-        <a:xfrm>
-          <a:off x="0" y="0"/>
-          <a:ext cx="0" cy="0"/>
-          <a:chOff x="0" y="0"/>
-          <a:chExt cx="0" cy="0"/>
-        </a:xfrm>
-      </p:grpSpPr>
-      <p:pic>
-        <p:nvPicPr>
-          <p:cNvPr id="5" name="Picture 2" descr="Image result for reinsurance">
-            <a:extLst>
-              <a:ext uri="{FF2B5EF4-FFF2-40B4-BE49-F238E27FC236}">
-                <a16:creationId xmlns:a16="http://schemas.microsoft.com/office/drawing/2014/main" id="{3420C83F-4F53-48BF-822D-FF60D1E36A57}"/>
-              </a:ext>
-            </a:extLst>
-          </p:cNvPr>
-          <p:cNvPicPr>
-            <a:picLocks noChangeAspect="1" noChangeArrowheads="1"/>
-          </p:cNvPicPr>
-          <p:nvPr/>
-        </p:nvPicPr>
-        <p:blipFill rotWithShape="1">
-          <a:blip r:embed="rId2">
-            <a:extLst>
-              <a:ext uri="{28A0092B-C50C-407E-A947-70E740481C1C}">
-                <a14:useLocalDpi xmlns:a14="http://schemas.microsoft.com/office/drawing/2010/main" val="0"/>
-              </a:ext>
-            </a:extLst>
-          </a:blip>
-          <a:srcRect l="20174" r="21466"/>
-          <a:stretch/>
-        </p:blipFill>
-        <p:spPr bwMode="auto">
-          <a:xfrm>
-            <a:off x="0" y="5552667"/>
-            <a:ext cx="1352390" cy="1305333"/>
-          </a:xfrm>
-          <a:prstGeom prst="rect">
-            <a:avLst/>
-          </a:prstGeom>
-          <a:noFill/>
-          <a:extLst>
-            <a:ext uri="{909E8E84-426E-40DD-AFC4-6F175D3DCCD1}">
-              <a14:hiddenFill xmlns:a14="http://schemas.microsoft.com/office/drawing/2010/main">
-                <a:solidFill>
-                  <a:srgbClr val="FFFFFF"/>
-                </a:solidFill>
-              </a14:hiddenFill>
-            </a:ext>
-          </a:extLst>
-        </p:spPr>
-      </p:pic>
-      <p:sp>
-        <p:nvSpPr>
-          <p:cNvPr id="3" name="TextBox 2">
-            <a:extLst>
-              <a:ext uri="{FF2B5EF4-FFF2-40B4-BE49-F238E27FC236}">
-                <a16:creationId xmlns:a16="http://schemas.microsoft.com/office/drawing/2014/main" id="{176B6F78-9B5E-4140-9A0A-F58CEAD68C34}"/>
-              </a:ext>
-            </a:extLst>
-          </p:cNvPr>
-          <p:cNvSpPr txBox="1"/>
-          <p:nvPr/>
-        </p:nvSpPr>
-        <p:spPr>
-          <a:xfrm>
-            <a:off x="0" y="0"/>
-            <a:ext cx="4389120" cy="523220"/>
-          </a:xfrm>
-          <a:prstGeom prst="rect">
-            <a:avLst/>
-          </a:prstGeom>
-          <a:noFill/>
-        </p:spPr>
-        <p:txBody>
-          <a:bodyPr wrap="square" rtlCol="0">
-            <a:spAutoFit/>
-          </a:bodyPr>
-          <a:lstStyle/>
-          <a:p>
-            <a:r>
-              <a:rPr lang="en-US" sz="2800" b="1" dirty="0"/>
-              <a:t>CLASSIFICATION  MODELS</a:t>
-            </a:r>
-          </a:p>
-        </p:txBody>
-      </p:sp>
-      <p:sp>
-        <p:nvSpPr>
-          <p:cNvPr id="4" name="TextBox 3">
-            <a:extLst>
-              <a:ext uri="{FF2B5EF4-FFF2-40B4-BE49-F238E27FC236}">
-                <a16:creationId xmlns:a16="http://schemas.microsoft.com/office/drawing/2014/main" id="{2546C7F1-708A-4EC0-8BE4-92EE2A03BB95}"/>
-              </a:ext>
-            </a:extLst>
-          </p:cNvPr>
-          <p:cNvSpPr txBox="1"/>
-          <p:nvPr/>
-        </p:nvSpPr>
-        <p:spPr>
-          <a:xfrm>
-            <a:off x="1352390" y="1377931"/>
-            <a:ext cx="4206239" cy="3539430"/>
-          </a:xfrm>
-          <a:prstGeom prst="rect">
-            <a:avLst/>
-          </a:prstGeom>
-          <a:noFill/>
-        </p:spPr>
-        <p:txBody>
-          <a:bodyPr wrap="square" rtlCol="0">
-            <a:spAutoFit/>
-          </a:bodyPr>
-          <a:lstStyle/>
-          <a:p>
-            <a:pPr marL="457200" indent="-457200" algn="just">
-              <a:buFont typeface="Arial" panose="020B0604020202020204" pitchFamily="34" charset="0"/>
-              <a:buChar char="•"/>
-            </a:pPr>
-            <a:r>
-              <a:rPr lang="en-US" sz="2800" dirty="0">
-                <a:highlight>
-                  <a:srgbClr val="00FF00"/>
-                </a:highlight>
-              </a:rPr>
-              <a:t>Logistic Regression</a:t>
-            </a:r>
-          </a:p>
-          <a:p>
-            <a:pPr marL="457200" indent="-457200" algn="just">
-              <a:buFont typeface="Arial" panose="020B0604020202020204" pitchFamily="34" charset="0"/>
-              <a:buChar char="•"/>
-            </a:pPr>
-            <a:r>
-              <a:rPr lang="en-US" sz="2800" dirty="0"/>
-              <a:t>Decision Tree</a:t>
-            </a:r>
-          </a:p>
-          <a:p>
-            <a:pPr marL="457200" indent="-457200" algn="just">
-              <a:buFont typeface="Arial" panose="020B0604020202020204" pitchFamily="34" charset="0"/>
-              <a:buChar char="•"/>
-            </a:pPr>
-            <a:r>
-              <a:rPr lang="en-US" sz="2800" dirty="0"/>
-              <a:t>Random Forest</a:t>
-            </a:r>
-          </a:p>
-          <a:p>
-            <a:pPr marL="457200" indent="-457200" algn="just">
-              <a:buFont typeface="Arial" panose="020B0604020202020204" pitchFamily="34" charset="0"/>
-              <a:buChar char="•"/>
-            </a:pPr>
-            <a:r>
-              <a:rPr lang="en-US" sz="2800" dirty="0">
-                <a:highlight>
-                  <a:srgbClr val="00FF00"/>
-                </a:highlight>
-              </a:rPr>
-              <a:t>Extra Trees</a:t>
-            </a:r>
-          </a:p>
-          <a:p>
-            <a:pPr marL="457200" indent="-457200" algn="just">
-              <a:buFont typeface="Arial" panose="020B0604020202020204" pitchFamily="34" charset="0"/>
-              <a:buChar char="•"/>
-            </a:pPr>
-            <a:r>
-              <a:rPr lang="en-US" sz="2800" dirty="0"/>
-              <a:t>Ada Boost</a:t>
-            </a:r>
-          </a:p>
-          <a:p>
-            <a:pPr marL="457200" indent="-457200" algn="just">
-              <a:buFont typeface="Arial" panose="020B0604020202020204" pitchFamily="34" charset="0"/>
-              <a:buChar char="•"/>
-            </a:pPr>
-            <a:r>
-              <a:rPr lang="en-US" sz="2800" dirty="0"/>
-              <a:t>Gradient Boosting</a:t>
-            </a:r>
-          </a:p>
-          <a:p>
-            <a:pPr marL="457200" indent="-457200" algn="just">
-              <a:buFont typeface="Arial" panose="020B0604020202020204" pitchFamily="34" charset="0"/>
-              <a:buChar char="•"/>
-            </a:pPr>
-            <a:r>
-              <a:rPr lang="en-US" sz="2800" dirty="0"/>
-              <a:t>K Nearest Neighbors</a:t>
-            </a:r>
-          </a:p>
-          <a:p>
-            <a:pPr marL="457200" indent="-457200" algn="just">
-              <a:buFont typeface="Arial" panose="020B0604020202020204" pitchFamily="34" charset="0"/>
-              <a:buChar char="•"/>
-            </a:pPr>
-            <a:r>
-              <a:rPr lang="en-US" sz="2800" dirty="0"/>
-              <a:t>Support Vector Machine</a:t>
-            </a:r>
-          </a:p>
-        </p:txBody>
-      </p:sp>
-      <p:sp>
-        <p:nvSpPr>
-          <p:cNvPr id="10" name="TextBox 9">
-            <a:extLst>
-              <a:ext uri="{FF2B5EF4-FFF2-40B4-BE49-F238E27FC236}">
-                <a16:creationId xmlns:a16="http://schemas.microsoft.com/office/drawing/2014/main" id="{DE9D566F-7CDC-4252-A517-91BF2DCFF1D1}"/>
-              </a:ext>
-            </a:extLst>
-          </p:cNvPr>
-          <p:cNvSpPr txBox="1"/>
-          <p:nvPr/>
-        </p:nvSpPr>
-        <p:spPr>
-          <a:xfrm>
-            <a:off x="7674381" y="1182231"/>
-            <a:ext cx="1947920" cy="2246769"/>
-          </a:xfrm>
-          <a:prstGeom prst="rect">
-            <a:avLst/>
-          </a:prstGeom>
-          <a:noFill/>
-        </p:spPr>
-        <p:txBody>
-          <a:bodyPr wrap="square" rtlCol="0">
-            <a:spAutoFit/>
-          </a:bodyPr>
-          <a:lstStyle/>
-          <a:p>
-            <a:r>
-              <a:rPr lang="en-US" sz="2800" b="1" dirty="0"/>
-              <a:t>METRICS:</a:t>
-            </a:r>
-          </a:p>
-          <a:p>
-            <a:endParaRPr lang="en-US" sz="2800" b="1" dirty="0"/>
-          </a:p>
-          <a:p>
-            <a:r>
-              <a:rPr lang="en-US" sz="2800" dirty="0">
-                <a:highlight>
-                  <a:srgbClr val="00FF00"/>
-                </a:highlight>
-              </a:rPr>
-              <a:t>Recall</a:t>
-            </a:r>
-          </a:p>
-          <a:p>
-            <a:endParaRPr lang="en-US" sz="2800" dirty="0"/>
-          </a:p>
-          <a:p>
-            <a:r>
-              <a:rPr lang="en-US" sz="2800" dirty="0"/>
-              <a:t>Accuracy</a:t>
-            </a:r>
-          </a:p>
-        </p:txBody>
-      </p:sp>
-    </p:spTree>
-    <p:extLst>
-      <p:ext uri="{BB962C8B-B14F-4D97-AF65-F5344CB8AC3E}">
-        <p14:creationId xmlns:p14="http://schemas.microsoft.com/office/powerpoint/2010/main" val="880265440"/>
-      </p:ext>
-    </p:extLst>
-  </p:cSld>
-  <p:clrMapOvr>
-    <a:masterClrMapping/>
-  </p:clrMapOvr>
-</p:sld>
-</file>
-
-<file path=ppt/slides/slide16.xml><?xml version="1.0" encoding="utf-8"?>
-<p:sld xmlns:a="http://schemas.openxmlformats.org/drawingml/2006/main" xmlns:r="http://schemas.openxmlformats.org/officeDocument/2006/relationships" xmlns:p="http://schemas.openxmlformats.org/presentationml/2006/main">
-  <p:cSld>
-    <p:spTree>
-      <p:nvGrpSpPr>
-        <p:cNvPr id="1" name=""/>
-        <p:cNvGrpSpPr/>
-        <p:nvPr/>
-      </p:nvGrpSpPr>
-      <p:grpSpPr>
-        <a:xfrm>
-          <a:off x="0" y="0"/>
-          <a:ext cx="0" cy="0"/>
-          <a:chOff x="0" y="0"/>
-          <a:chExt cx="0" cy="0"/>
-        </a:xfrm>
-      </p:grpSpPr>
-      <p:pic>
-        <p:nvPicPr>
-          <p:cNvPr id="2" name="Picture 1">
-            <a:extLst>
-              <a:ext uri="{FF2B5EF4-FFF2-40B4-BE49-F238E27FC236}">
-                <a16:creationId xmlns:a16="http://schemas.microsoft.com/office/drawing/2014/main" id="{7182ACF5-9699-4097-B9F1-12DE27B3D2D5}"/>
-              </a:ext>
-            </a:extLst>
-          </p:cNvPr>
-          <p:cNvPicPr>
-            <a:picLocks noChangeAspect="1"/>
-          </p:cNvPicPr>
-          <p:nvPr/>
-        </p:nvPicPr>
-        <p:blipFill>
-          <a:blip r:embed="rId2"/>
-          <a:stretch>
-            <a:fillRect/>
-          </a:stretch>
-        </p:blipFill>
-        <p:spPr>
-          <a:xfrm>
-            <a:off x="335220" y="106701"/>
-            <a:ext cx="4582164" cy="3600953"/>
-          </a:xfrm>
-          <a:prstGeom prst="rect">
-            <a:avLst/>
-          </a:prstGeom>
-        </p:spPr>
-      </p:pic>
-      <p:pic>
-        <p:nvPicPr>
-          <p:cNvPr id="4" name="Picture 3">
-            <a:extLst>
-              <a:ext uri="{FF2B5EF4-FFF2-40B4-BE49-F238E27FC236}">
-                <a16:creationId xmlns:a16="http://schemas.microsoft.com/office/drawing/2014/main" id="{002549EA-B571-4B24-BDFF-F4213D719CCF}"/>
-              </a:ext>
-            </a:extLst>
-          </p:cNvPr>
-          <p:cNvPicPr>
-            <a:picLocks noChangeAspect="1"/>
-          </p:cNvPicPr>
-          <p:nvPr/>
-        </p:nvPicPr>
-        <p:blipFill>
-          <a:blip r:embed="rId3"/>
-          <a:stretch>
-            <a:fillRect/>
-          </a:stretch>
-        </p:blipFill>
-        <p:spPr>
-          <a:xfrm>
-            <a:off x="477327" y="3838471"/>
-            <a:ext cx="4699889" cy="3019529"/>
-          </a:xfrm>
-          <a:prstGeom prst="rect">
-            <a:avLst/>
-          </a:prstGeom>
-        </p:spPr>
-      </p:pic>
-      <p:pic>
-        <p:nvPicPr>
-          <p:cNvPr id="5" name="Picture 4">
-            <a:extLst>
-              <a:ext uri="{FF2B5EF4-FFF2-40B4-BE49-F238E27FC236}">
-                <a16:creationId xmlns:a16="http://schemas.microsoft.com/office/drawing/2014/main" id="{98998BE5-4D2F-4AF6-AE05-0F916CF0B630}"/>
-              </a:ext>
-            </a:extLst>
-          </p:cNvPr>
-          <p:cNvPicPr>
-            <a:picLocks noChangeAspect="1"/>
-          </p:cNvPicPr>
-          <p:nvPr/>
-        </p:nvPicPr>
-        <p:blipFill>
-          <a:blip r:embed="rId4"/>
-          <a:stretch>
-            <a:fillRect/>
-          </a:stretch>
-        </p:blipFill>
-        <p:spPr>
-          <a:xfrm>
-            <a:off x="5177216" y="3655371"/>
-            <a:ext cx="4670434" cy="3019529"/>
-          </a:xfrm>
-          <a:prstGeom prst="rect">
-            <a:avLst/>
-          </a:prstGeom>
-        </p:spPr>
-      </p:pic>
-      <p:pic>
-        <p:nvPicPr>
-          <p:cNvPr id="6" name="Picture 5">
-            <a:extLst>
-              <a:ext uri="{FF2B5EF4-FFF2-40B4-BE49-F238E27FC236}">
-                <a16:creationId xmlns:a16="http://schemas.microsoft.com/office/drawing/2014/main" id="{43222409-C91A-4E3C-B4DE-88AD04032808}"/>
-              </a:ext>
-            </a:extLst>
-          </p:cNvPr>
-          <p:cNvPicPr>
-            <a:picLocks noChangeAspect="1"/>
-          </p:cNvPicPr>
-          <p:nvPr/>
-        </p:nvPicPr>
-        <p:blipFill>
-          <a:blip r:embed="rId5"/>
-          <a:stretch>
-            <a:fillRect/>
-          </a:stretch>
-        </p:blipFill>
-        <p:spPr>
-          <a:xfrm>
-            <a:off x="5136825" y="621491"/>
-            <a:ext cx="7027040" cy="2909500"/>
-          </a:xfrm>
-          <a:prstGeom prst="rect">
-            <a:avLst/>
-          </a:prstGeom>
-          <a:ln>
-            <a:solidFill>
-              <a:schemeClr val="accent1">
-                <a:shade val="50000"/>
-              </a:schemeClr>
-            </a:solidFill>
-          </a:ln>
-        </p:spPr>
-      </p:pic>
-      <p:sp>
-        <p:nvSpPr>
-          <p:cNvPr id="7" name="Rectangle 6">
-            <a:extLst>
-              <a:ext uri="{FF2B5EF4-FFF2-40B4-BE49-F238E27FC236}">
-                <a16:creationId xmlns:a16="http://schemas.microsoft.com/office/drawing/2014/main" id="{53BEDC8A-78B0-435B-B2ED-658E5E9085C5}"/>
-              </a:ext>
-            </a:extLst>
-          </p:cNvPr>
-          <p:cNvSpPr/>
-          <p:nvPr/>
-        </p:nvSpPr>
-        <p:spPr>
-          <a:xfrm>
-            <a:off x="7597473" y="129901"/>
-            <a:ext cx="1766317" cy="461665"/>
-          </a:xfrm>
-          <a:prstGeom prst="rect">
-            <a:avLst/>
-          </a:prstGeom>
-        </p:spPr>
-        <p:txBody>
-          <a:bodyPr wrap="none">
-            <a:spAutoFit/>
-          </a:bodyPr>
-          <a:lstStyle/>
-          <a:p>
-            <a:r>
-              <a:rPr lang="en-US" sz="2400" b="1" i="1" dirty="0">
-                <a:highlight>
-                  <a:srgbClr val="FFFF00"/>
-                </a:highlight>
-              </a:rPr>
-              <a:t>After Tuning</a:t>
-            </a:r>
-          </a:p>
-        </p:txBody>
-      </p:sp>
-      <p:sp>
-        <p:nvSpPr>
-          <p:cNvPr id="9" name="Rectangle 8">
-            <a:extLst>
-              <a:ext uri="{FF2B5EF4-FFF2-40B4-BE49-F238E27FC236}">
-                <a16:creationId xmlns:a16="http://schemas.microsoft.com/office/drawing/2014/main" id="{17E53A96-8161-4F58-BB89-CD057A73AD9A}"/>
-              </a:ext>
-            </a:extLst>
-          </p:cNvPr>
-          <p:cNvSpPr/>
-          <p:nvPr/>
-        </p:nvSpPr>
-        <p:spPr>
-          <a:xfrm>
-            <a:off x="10114671" y="2602523"/>
-            <a:ext cx="787791" cy="393895"/>
-          </a:xfrm>
-          <a:prstGeom prst="rect">
-            <a:avLst/>
-          </a:prstGeom>
-          <a:noFill/>
-          <a:ln>
-            <a:solidFill>
-              <a:srgbClr val="0070C0"/>
-            </a:solidFill>
-          </a:ln>
-        </p:spPr>
-        <p:style>
-          <a:lnRef idx="2">
-            <a:schemeClr val="accent1">
-              <a:shade val="50000"/>
-            </a:schemeClr>
-          </a:lnRef>
-          <a:fillRef idx="1">
-            <a:schemeClr val="accent1"/>
-          </a:fillRef>
-          <a:effectRef idx="0">
-            <a:schemeClr val="accent1"/>
-          </a:effectRef>
-          <a:fontRef idx="minor">
-            <a:schemeClr val="lt1"/>
-          </a:fontRef>
-        </p:style>
-        <p:txBody>
-          <a:bodyPr rtlCol="0" anchor="ctr"/>
-          <a:lstStyle/>
-          <a:p>
-            <a:pPr algn="ctr"/>
-            <a:endParaRPr lang="en-US"/>
-          </a:p>
-        </p:txBody>
-      </p:sp>
-      <p:sp>
-        <p:nvSpPr>
-          <p:cNvPr id="10" name="Rectangle 9">
-            <a:extLst>
-              <a:ext uri="{FF2B5EF4-FFF2-40B4-BE49-F238E27FC236}">
-                <a16:creationId xmlns:a16="http://schemas.microsoft.com/office/drawing/2014/main" id="{7460CFE1-2199-4A6A-8EF5-4501FCB4684D}"/>
-              </a:ext>
-            </a:extLst>
-          </p:cNvPr>
-          <p:cNvSpPr/>
-          <p:nvPr/>
-        </p:nvSpPr>
-        <p:spPr>
-          <a:xfrm>
-            <a:off x="8909539" y="2208628"/>
-            <a:ext cx="787791" cy="393895"/>
-          </a:xfrm>
-          <a:prstGeom prst="rect">
-            <a:avLst/>
-          </a:prstGeom>
-          <a:noFill/>
-          <a:ln>
-            <a:solidFill>
-              <a:srgbClr val="FF0000"/>
-            </a:solidFill>
-          </a:ln>
-        </p:spPr>
-        <p:style>
-          <a:lnRef idx="2">
-            <a:schemeClr val="accent1">
-              <a:shade val="50000"/>
-            </a:schemeClr>
-          </a:lnRef>
-          <a:fillRef idx="1">
-            <a:schemeClr val="accent1"/>
-          </a:fillRef>
-          <a:effectRef idx="0">
-            <a:schemeClr val="accent1"/>
-          </a:effectRef>
-          <a:fontRef idx="minor">
-            <a:schemeClr val="lt1"/>
-          </a:fontRef>
-        </p:style>
-        <p:txBody>
-          <a:bodyPr rtlCol="0" anchor="ctr"/>
-          <a:lstStyle/>
-          <a:p>
-            <a:pPr algn="ctr"/>
-            <a:endParaRPr lang="en-US"/>
-          </a:p>
-        </p:txBody>
-      </p:sp>
-      <p:cxnSp>
-        <p:nvCxnSpPr>
-          <p:cNvPr id="11" name="Straight Arrow Connector 10">
-            <a:extLst>
-              <a:ext uri="{FF2B5EF4-FFF2-40B4-BE49-F238E27FC236}">
-                <a16:creationId xmlns:a16="http://schemas.microsoft.com/office/drawing/2014/main" id="{A9D5BF1C-C1BF-4018-A1BE-6310CB5FF88A}"/>
-              </a:ext>
-            </a:extLst>
-          </p:cNvPr>
-          <p:cNvCxnSpPr>
-            <a:cxnSpLocks/>
-          </p:cNvCxnSpPr>
-          <p:nvPr/>
-        </p:nvCxnSpPr>
-        <p:spPr>
-          <a:xfrm flipV="1">
-            <a:off x="8466563" y="2596494"/>
-            <a:ext cx="457272" cy="299441"/>
-          </a:xfrm>
-          <a:prstGeom prst="straightConnector1">
-            <a:avLst/>
-          </a:prstGeom>
-          <a:ln w="38100">
-            <a:solidFill>
-              <a:srgbClr val="FF0000"/>
-            </a:solidFill>
-            <a:headEnd w="lg" len="lg"/>
-            <a:tailEnd type="triangle" w="lg" len="lg"/>
-          </a:ln>
-        </p:spPr>
-        <p:style>
-          <a:lnRef idx="1">
-            <a:schemeClr val="accent1"/>
-          </a:lnRef>
-          <a:fillRef idx="0">
-            <a:schemeClr val="accent1"/>
-          </a:fillRef>
-          <a:effectRef idx="0">
-            <a:schemeClr val="accent1"/>
-          </a:effectRef>
-          <a:fontRef idx="minor">
-            <a:schemeClr val="tx1"/>
-          </a:fontRef>
-        </p:style>
-      </p:cxnSp>
-      <p:cxnSp>
-        <p:nvCxnSpPr>
-          <p:cNvPr id="15" name="Straight Arrow Connector 14">
-            <a:extLst>
-              <a:ext uri="{FF2B5EF4-FFF2-40B4-BE49-F238E27FC236}">
-                <a16:creationId xmlns:a16="http://schemas.microsoft.com/office/drawing/2014/main" id="{3609B267-3DEB-4848-8FCD-C44A7AD5BC14}"/>
-              </a:ext>
-            </a:extLst>
-          </p:cNvPr>
-          <p:cNvCxnSpPr>
-            <a:cxnSpLocks/>
-          </p:cNvCxnSpPr>
-          <p:nvPr/>
-        </p:nvCxnSpPr>
-        <p:spPr>
-          <a:xfrm flipV="1">
-            <a:off x="9718359" y="2996418"/>
-            <a:ext cx="396312" cy="351473"/>
-          </a:xfrm>
-          <a:prstGeom prst="straightConnector1">
-            <a:avLst/>
-          </a:prstGeom>
-          <a:ln w="38100">
-            <a:solidFill>
-              <a:srgbClr val="0070C0"/>
-            </a:solidFill>
-            <a:headEnd w="lg" len="lg"/>
-            <a:tailEnd type="triangle" w="lg" len="lg"/>
-          </a:ln>
-        </p:spPr>
-        <p:style>
-          <a:lnRef idx="1">
-            <a:schemeClr val="accent1"/>
-          </a:lnRef>
-          <a:fillRef idx="0">
-            <a:schemeClr val="accent1"/>
-          </a:fillRef>
-          <a:effectRef idx="0">
-            <a:schemeClr val="accent1"/>
-          </a:effectRef>
-          <a:fontRef idx="minor">
-            <a:schemeClr val="tx1"/>
-          </a:fontRef>
-        </p:style>
-      </p:cxnSp>
-      <p:pic>
-        <p:nvPicPr>
-          <p:cNvPr id="17" name="Picture 16">
-            <a:extLst>
-              <a:ext uri="{FF2B5EF4-FFF2-40B4-BE49-F238E27FC236}">
-                <a16:creationId xmlns:a16="http://schemas.microsoft.com/office/drawing/2014/main" id="{85317B16-AFDB-4D88-9EFE-FD34F5CC3B34}"/>
-              </a:ext>
-            </a:extLst>
-          </p:cNvPr>
-          <p:cNvPicPr>
-            <a:picLocks noChangeAspect="1"/>
-          </p:cNvPicPr>
-          <p:nvPr/>
-        </p:nvPicPr>
-        <p:blipFill>
-          <a:blip r:embed="rId6"/>
-          <a:stretch>
-            <a:fillRect/>
-          </a:stretch>
-        </p:blipFill>
-        <p:spPr>
-          <a:xfrm>
-            <a:off x="9858493" y="18311"/>
-            <a:ext cx="2305372" cy="581106"/>
-          </a:xfrm>
-          <a:prstGeom prst="rect">
-            <a:avLst/>
-          </a:prstGeom>
-        </p:spPr>
-      </p:pic>
-      <p:sp>
-        <p:nvSpPr>
-          <p:cNvPr id="12" name="Rectangle 11">
-            <a:extLst>
-              <a:ext uri="{FF2B5EF4-FFF2-40B4-BE49-F238E27FC236}">
-                <a16:creationId xmlns:a16="http://schemas.microsoft.com/office/drawing/2014/main" id="{21D6F115-1C68-4D83-A62F-C8CA6C750D6A}"/>
-              </a:ext>
-            </a:extLst>
-          </p:cNvPr>
-          <p:cNvSpPr/>
-          <p:nvPr/>
-        </p:nvSpPr>
-        <p:spPr>
-          <a:xfrm>
-            <a:off x="9818169" y="4245490"/>
-            <a:ext cx="2283668" cy="1477328"/>
-          </a:xfrm>
-          <a:prstGeom prst="rect">
-            <a:avLst/>
-          </a:prstGeom>
-        </p:spPr>
-        <p:txBody>
-          <a:bodyPr wrap="square">
-            <a:spAutoFit/>
-          </a:bodyPr>
-          <a:lstStyle/>
-          <a:p>
-            <a:r>
-              <a:rPr lang="en-US" i="1" dirty="0">
-                <a:solidFill>
-                  <a:srgbClr val="000000"/>
-                </a:solidFill>
-                <a:latin typeface="Helvetica Neue"/>
-              </a:rPr>
-              <a:t>{'C': 1.0, '</a:t>
-            </a:r>
-            <a:r>
-              <a:rPr lang="en-US" i="1" dirty="0" err="1">
-                <a:solidFill>
-                  <a:srgbClr val="000000"/>
-                </a:solidFill>
-                <a:latin typeface="Helvetica Neue"/>
-              </a:rPr>
-              <a:t>fit_intercept</a:t>
-            </a:r>
-            <a:r>
-              <a:rPr lang="en-US" i="1" dirty="0">
-                <a:solidFill>
-                  <a:srgbClr val="000000"/>
-                </a:solidFill>
-                <a:latin typeface="Helvetica Neue"/>
-              </a:rPr>
-              <a:t>': True, '</a:t>
-            </a:r>
-            <a:r>
-              <a:rPr lang="en-US" i="1" dirty="0" err="1">
-                <a:solidFill>
-                  <a:srgbClr val="000000"/>
-                </a:solidFill>
-                <a:latin typeface="Helvetica Neue"/>
-              </a:rPr>
-              <a:t>max_iter</a:t>
-            </a:r>
-            <a:r>
-              <a:rPr lang="en-US" i="1" dirty="0">
-                <a:solidFill>
-                  <a:srgbClr val="000000"/>
-                </a:solidFill>
-                <a:latin typeface="Helvetica Neue"/>
-              </a:rPr>
-              <a:t>': 5000, 'penalty': 'l2', 'solver': 'sag', '</a:t>
-            </a:r>
-            <a:r>
-              <a:rPr lang="en-US" i="1" dirty="0" err="1">
-                <a:solidFill>
-                  <a:srgbClr val="000000"/>
-                </a:solidFill>
-                <a:latin typeface="Helvetica Neue"/>
-              </a:rPr>
-              <a:t>tol</a:t>
-            </a:r>
-            <a:r>
-              <a:rPr lang="en-US" i="1" dirty="0">
-                <a:solidFill>
-                  <a:srgbClr val="000000"/>
-                </a:solidFill>
-                <a:latin typeface="Helvetica Neue"/>
-              </a:rPr>
-              <a:t>': 0.1}</a:t>
-            </a:r>
-            <a:endParaRPr lang="en-US" dirty="0"/>
-          </a:p>
-        </p:txBody>
-      </p:sp>
-    </p:spTree>
-    <p:extLst>
-      <p:ext uri="{BB962C8B-B14F-4D97-AF65-F5344CB8AC3E}">
-        <p14:creationId xmlns:p14="http://schemas.microsoft.com/office/powerpoint/2010/main" val="527347859"/>
-      </p:ext>
-    </p:extLst>
-  </p:cSld>
-  <p:clrMapOvr>
-    <a:masterClrMapping/>
-  </p:clrMapOvr>
-</p:sld>
-</file>
-
-<file path=ppt/slides/slide17.xml><?xml version="1.0" encoding="utf-8"?>
-<p:sld xmlns:a="http://schemas.openxmlformats.org/drawingml/2006/main" xmlns:r="http://schemas.openxmlformats.org/officeDocument/2006/relationships" xmlns:p="http://schemas.openxmlformats.org/presentationml/2006/main">
-  <p:cSld>
-    <p:spTree>
-      <p:nvGrpSpPr>
-        <p:cNvPr id="1" name=""/>
-        <p:cNvGrpSpPr/>
-        <p:nvPr/>
-      </p:nvGrpSpPr>
-      <p:grpSpPr>
-        <a:xfrm>
-          <a:off x="0" y="0"/>
-          <a:ext cx="0" cy="0"/>
-          <a:chOff x="0" y="0"/>
-          <a:chExt cx="0" cy="0"/>
-        </a:xfrm>
-      </p:grpSpPr>
-      <p:pic>
-        <p:nvPicPr>
-          <p:cNvPr id="4" name="Picture 3">
-            <a:extLst>
-              <a:ext uri="{FF2B5EF4-FFF2-40B4-BE49-F238E27FC236}">
-                <a16:creationId xmlns:a16="http://schemas.microsoft.com/office/drawing/2014/main" id="{57248140-4768-4F54-8760-92DC4CF1886C}"/>
-              </a:ext>
-            </a:extLst>
-          </p:cNvPr>
-          <p:cNvPicPr>
-            <a:picLocks noChangeAspect="1"/>
-          </p:cNvPicPr>
-          <p:nvPr/>
-        </p:nvPicPr>
-        <p:blipFill>
-          <a:blip r:embed="rId2"/>
-          <a:stretch>
-            <a:fillRect/>
-          </a:stretch>
-        </p:blipFill>
-        <p:spPr>
-          <a:xfrm>
-            <a:off x="296031" y="98476"/>
-            <a:ext cx="4458849" cy="3435662"/>
-          </a:xfrm>
-          <a:prstGeom prst="rect">
-            <a:avLst/>
-          </a:prstGeom>
-        </p:spPr>
-      </p:pic>
-      <p:pic>
-        <p:nvPicPr>
-          <p:cNvPr id="5" name="Picture 4">
-            <a:extLst>
-              <a:ext uri="{FF2B5EF4-FFF2-40B4-BE49-F238E27FC236}">
-                <a16:creationId xmlns:a16="http://schemas.microsoft.com/office/drawing/2014/main" id="{BC216D79-5530-4975-A4BB-9D73BC467147}"/>
-              </a:ext>
-            </a:extLst>
-          </p:cNvPr>
-          <p:cNvPicPr>
-            <a:picLocks noChangeAspect="1"/>
-          </p:cNvPicPr>
-          <p:nvPr/>
-        </p:nvPicPr>
-        <p:blipFill>
-          <a:blip r:embed="rId3"/>
-          <a:stretch>
-            <a:fillRect/>
-          </a:stretch>
-        </p:blipFill>
-        <p:spPr>
-          <a:xfrm>
-            <a:off x="4965895" y="627889"/>
-            <a:ext cx="7212037" cy="2943337"/>
-          </a:xfrm>
-          <a:prstGeom prst="rect">
-            <a:avLst/>
-          </a:prstGeom>
-          <a:ln>
-            <a:solidFill>
-              <a:schemeClr val="tx1"/>
-            </a:solidFill>
-          </a:ln>
-        </p:spPr>
-      </p:pic>
-      <p:pic>
-        <p:nvPicPr>
-          <p:cNvPr id="6" name="Picture 5">
-            <a:extLst>
-              <a:ext uri="{FF2B5EF4-FFF2-40B4-BE49-F238E27FC236}">
-                <a16:creationId xmlns:a16="http://schemas.microsoft.com/office/drawing/2014/main" id="{B62C23FC-635D-4DA8-867F-F86EFC2E14B1}"/>
-              </a:ext>
-            </a:extLst>
-          </p:cNvPr>
-          <p:cNvPicPr>
-            <a:picLocks noChangeAspect="1"/>
-          </p:cNvPicPr>
-          <p:nvPr/>
-        </p:nvPicPr>
-        <p:blipFill>
-          <a:blip r:embed="rId4"/>
-          <a:stretch>
-            <a:fillRect/>
-          </a:stretch>
-        </p:blipFill>
-        <p:spPr>
-          <a:xfrm>
-            <a:off x="171271" y="3771030"/>
-            <a:ext cx="4708368" cy="2988494"/>
-          </a:xfrm>
-          <a:prstGeom prst="rect">
-            <a:avLst/>
-          </a:prstGeom>
-        </p:spPr>
-      </p:pic>
-      <p:pic>
-        <p:nvPicPr>
-          <p:cNvPr id="7" name="Picture 6">
-            <a:extLst>
-              <a:ext uri="{FF2B5EF4-FFF2-40B4-BE49-F238E27FC236}">
-                <a16:creationId xmlns:a16="http://schemas.microsoft.com/office/drawing/2014/main" id="{E14F7A8F-814D-4CD4-BA49-F4488F0C603B}"/>
-              </a:ext>
-            </a:extLst>
-          </p:cNvPr>
-          <p:cNvPicPr>
-            <a:picLocks noChangeAspect="1"/>
-          </p:cNvPicPr>
-          <p:nvPr/>
-        </p:nvPicPr>
-        <p:blipFill>
-          <a:blip r:embed="rId5"/>
-          <a:stretch>
-            <a:fillRect/>
-          </a:stretch>
-        </p:blipFill>
-        <p:spPr>
-          <a:xfrm>
-            <a:off x="4831270" y="3754520"/>
-            <a:ext cx="4887089" cy="3103480"/>
-          </a:xfrm>
-          <a:prstGeom prst="rect">
-            <a:avLst/>
-          </a:prstGeom>
-        </p:spPr>
-      </p:pic>
-      <p:pic>
-        <p:nvPicPr>
-          <p:cNvPr id="8" name="Picture 7">
-            <a:extLst>
-              <a:ext uri="{FF2B5EF4-FFF2-40B4-BE49-F238E27FC236}">
-                <a16:creationId xmlns:a16="http://schemas.microsoft.com/office/drawing/2014/main" id="{1FF3F2F3-977C-4797-9E2F-1B1EB7230E94}"/>
-              </a:ext>
-            </a:extLst>
-          </p:cNvPr>
-          <p:cNvPicPr>
-            <a:picLocks noChangeAspect="1"/>
-          </p:cNvPicPr>
-          <p:nvPr/>
-        </p:nvPicPr>
-        <p:blipFill>
-          <a:blip r:embed="rId6"/>
-          <a:stretch>
-            <a:fillRect/>
-          </a:stretch>
-        </p:blipFill>
-        <p:spPr>
-          <a:xfrm>
-            <a:off x="9886628" y="0"/>
-            <a:ext cx="2305372" cy="581106"/>
-          </a:xfrm>
-          <a:prstGeom prst="rect">
-            <a:avLst/>
-          </a:prstGeom>
-        </p:spPr>
-      </p:pic>
-      <p:sp>
-        <p:nvSpPr>
-          <p:cNvPr id="9" name="Rectangle 8">
-            <a:extLst>
-              <a:ext uri="{FF2B5EF4-FFF2-40B4-BE49-F238E27FC236}">
-                <a16:creationId xmlns:a16="http://schemas.microsoft.com/office/drawing/2014/main" id="{CE0BABE8-ABDA-4582-AC15-D41BC55EF77F}"/>
-              </a:ext>
-            </a:extLst>
-          </p:cNvPr>
-          <p:cNvSpPr/>
-          <p:nvPr/>
-        </p:nvSpPr>
-        <p:spPr>
-          <a:xfrm>
-            <a:off x="7597473" y="129901"/>
-            <a:ext cx="1766317" cy="461665"/>
-          </a:xfrm>
-          <a:prstGeom prst="rect">
-            <a:avLst/>
-          </a:prstGeom>
-        </p:spPr>
-        <p:txBody>
-          <a:bodyPr wrap="none">
-            <a:spAutoFit/>
-          </a:bodyPr>
-          <a:lstStyle/>
-          <a:p>
-            <a:r>
-              <a:rPr lang="en-US" sz="2400" b="1" i="1" dirty="0">
-                <a:highlight>
-                  <a:srgbClr val="FFFF00"/>
-                </a:highlight>
-              </a:rPr>
-              <a:t>After Tuning</a:t>
-            </a:r>
-          </a:p>
-        </p:txBody>
-      </p:sp>
-      <p:sp>
-        <p:nvSpPr>
-          <p:cNvPr id="10" name="Rectangle 9">
-            <a:extLst>
-              <a:ext uri="{FF2B5EF4-FFF2-40B4-BE49-F238E27FC236}">
-                <a16:creationId xmlns:a16="http://schemas.microsoft.com/office/drawing/2014/main" id="{00FA82A4-7050-4C21-B72C-5A15C225F1D0}"/>
-              </a:ext>
-            </a:extLst>
-          </p:cNvPr>
-          <p:cNvSpPr/>
-          <p:nvPr/>
-        </p:nvSpPr>
-        <p:spPr>
-          <a:xfrm>
-            <a:off x="10114671" y="2574387"/>
-            <a:ext cx="787791" cy="393895"/>
-          </a:xfrm>
-          <a:prstGeom prst="rect">
-            <a:avLst/>
-          </a:prstGeom>
-          <a:noFill/>
-          <a:ln>
-            <a:solidFill>
-              <a:srgbClr val="0070C0"/>
-            </a:solidFill>
-          </a:ln>
-        </p:spPr>
-        <p:style>
-          <a:lnRef idx="2">
-            <a:schemeClr val="accent1">
-              <a:shade val="50000"/>
-            </a:schemeClr>
-          </a:lnRef>
-          <a:fillRef idx="1">
-            <a:schemeClr val="accent1"/>
-          </a:fillRef>
-          <a:effectRef idx="0">
-            <a:schemeClr val="accent1"/>
-          </a:effectRef>
-          <a:fontRef idx="minor">
-            <a:schemeClr val="lt1"/>
-          </a:fontRef>
-        </p:style>
-        <p:txBody>
-          <a:bodyPr rtlCol="0" anchor="ctr"/>
-          <a:lstStyle/>
-          <a:p>
-            <a:pPr algn="ctr"/>
-            <a:endParaRPr lang="en-US"/>
-          </a:p>
-        </p:txBody>
-      </p:sp>
-      <p:sp>
-        <p:nvSpPr>
-          <p:cNvPr id="11" name="Rectangle 10">
-            <a:extLst>
-              <a:ext uri="{FF2B5EF4-FFF2-40B4-BE49-F238E27FC236}">
-                <a16:creationId xmlns:a16="http://schemas.microsoft.com/office/drawing/2014/main" id="{91CE2E16-B8C4-40DB-A4DF-1FE0FF7225F3}"/>
-              </a:ext>
-            </a:extLst>
-          </p:cNvPr>
-          <p:cNvSpPr/>
-          <p:nvPr/>
-        </p:nvSpPr>
-        <p:spPr>
-          <a:xfrm>
-            <a:off x="8909539" y="2180492"/>
-            <a:ext cx="787791" cy="393895"/>
-          </a:xfrm>
-          <a:prstGeom prst="rect">
-            <a:avLst/>
-          </a:prstGeom>
-          <a:noFill/>
-          <a:ln>
-            <a:solidFill>
-              <a:srgbClr val="FF0000"/>
-            </a:solidFill>
-          </a:ln>
-        </p:spPr>
-        <p:style>
-          <a:lnRef idx="2">
-            <a:schemeClr val="accent1">
-              <a:shade val="50000"/>
-            </a:schemeClr>
-          </a:lnRef>
-          <a:fillRef idx="1">
-            <a:schemeClr val="accent1"/>
-          </a:fillRef>
-          <a:effectRef idx="0">
-            <a:schemeClr val="accent1"/>
-          </a:effectRef>
-          <a:fontRef idx="minor">
-            <a:schemeClr val="lt1"/>
-          </a:fontRef>
-        </p:style>
-        <p:txBody>
-          <a:bodyPr rtlCol="0" anchor="ctr"/>
-          <a:lstStyle/>
-          <a:p>
-            <a:pPr algn="ctr"/>
-            <a:endParaRPr lang="en-US"/>
-          </a:p>
-        </p:txBody>
-      </p:sp>
-      <p:cxnSp>
-        <p:nvCxnSpPr>
-          <p:cNvPr id="12" name="Straight Arrow Connector 11">
-            <a:extLst>
-              <a:ext uri="{FF2B5EF4-FFF2-40B4-BE49-F238E27FC236}">
-                <a16:creationId xmlns:a16="http://schemas.microsoft.com/office/drawing/2014/main" id="{75BC9A5D-3FCE-4DDD-8B29-B1F43DA0F610}"/>
-              </a:ext>
-            </a:extLst>
-          </p:cNvPr>
-          <p:cNvCxnSpPr>
-            <a:cxnSpLocks/>
-          </p:cNvCxnSpPr>
-          <p:nvPr/>
-        </p:nvCxnSpPr>
-        <p:spPr>
-          <a:xfrm flipV="1">
-            <a:off x="8466563" y="2568358"/>
-            <a:ext cx="457272" cy="299441"/>
-          </a:xfrm>
-          <a:prstGeom prst="straightConnector1">
-            <a:avLst/>
-          </a:prstGeom>
-          <a:ln w="38100">
-            <a:solidFill>
-              <a:srgbClr val="FF0000"/>
-            </a:solidFill>
-            <a:headEnd w="lg" len="lg"/>
-            <a:tailEnd type="triangle" w="lg" len="lg"/>
-          </a:ln>
-        </p:spPr>
-        <p:style>
-          <a:lnRef idx="1">
-            <a:schemeClr val="accent1"/>
-          </a:lnRef>
-          <a:fillRef idx="0">
-            <a:schemeClr val="accent1"/>
-          </a:fillRef>
-          <a:effectRef idx="0">
-            <a:schemeClr val="accent1"/>
-          </a:effectRef>
-          <a:fontRef idx="minor">
-            <a:schemeClr val="tx1"/>
-          </a:fontRef>
-        </p:style>
-      </p:cxnSp>
-      <p:cxnSp>
-        <p:nvCxnSpPr>
-          <p:cNvPr id="13" name="Straight Arrow Connector 12">
-            <a:extLst>
-              <a:ext uri="{FF2B5EF4-FFF2-40B4-BE49-F238E27FC236}">
-                <a16:creationId xmlns:a16="http://schemas.microsoft.com/office/drawing/2014/main" id="{EC3B3EC0-A01A-4D43-8653-64E4359A9BCC}"/>
-              </a:ext>
-            </a:extLst>
-          </p:cNvPr>
-          <p:cNvCxnSpPr>
-            <a:cxnSpLocks/>
-          </p:cNvCxnSpPr>
-          <p:nvPr/>
-        </p:nvCxnSpPr>
-        <p:spPr>
-          <a:xfrm flipV="1">
-            <a:off x="9718359" y="2968282"/>
-            <a:ext cx="396312" cy="351473"/>
-          </a:xfrm>
-          <a:prstGeom prst="straightConnector1">
-            <a:avLst/>
-          </a:prstGeom>
-          <a:ln w="38100">
-            <a:solidFill>
-              <a:srgbClr val="0070C0"/>
-            </a:solidFill>
-            <a:headEnd w="lg" len="lg"/>
-            <a:tailEnd type="triangle" w="lg" len="lg"/>
-          </a:ln>
-        </p:spPr>
-        <p:style>
-          <a:lnRef idx="1">
-            <a:schemeClr val="accent1"/>
-          </a:lnRef>
-          <a:fillRef idx="0">
-            <a:schemeClr val="accent1"/>
-          </a:fillRef>
-          <a:effectRef idx="0">
-            <a:schemeClr val="accent1"/>
-          </a:effectRef>
-          <a:fontRef idx="minor">
-            <a:schemeClr val="tx1"/>
-          </a:fontRef>
-        </p:style>
-      </p:cxnSp>
-      <p:sp>
-        <p:nvSpPr>
-          <p:cNvPr id="14" name="Rectangle 13">
-            <a:extLst>
-              <a:ext uri="{FF2B5EF4-FFF2-40B4-BE49-F238E27FC236}">
-                <a16:creationId xmlns:a16="http://schemas.microsoft.com/office/drawing/2014/main" id="{D9BAB821-4659-44D0-A99A-5BA19E7E4AF1}"/>
-              </a:ext>
-            </a:extLst>
-          </p:cNvPr>
-          <p:cNvSpPr/>
-          <p:nvPr/>
-        </p:nvSpPr>
-        <p:spPr>
-          <a:xfrm>
-            <a:off x="9609519" y="4312142"/>
-            <a:ext cx="2516777" cy="1477328"/>
-          </a:xfrm>
-          <a:prstGeom prst="rect">
-            <a:avLst/>
-          </a:prstGeom>
-        </p:spPr>
-        <p:txBody>
-          <a:bodyPr wrap="square">
-            <a:spAutoFit/>
-          </a:bodyPr>
-          <a:lstStyle/>
-          <a:p>
-            <a:r>
-              <a:rPr lang="en-US" i="1" dirty="0">
-                <a:solidFill>
-                  <a:srgbClr val="000000"/>
-                </a:solidFill>
-                <a:latin typeface="Helvetica Neue"/>
-              </a:rPr>
-              <a:t>{'bootstrap': True, '</a:t>
-            </a:r>
-            <a:r>
-              <a:rPr lang="en-US" i="1" dirty="0" err="1">
-                <a:solidFill>
-                  <a:srgbClr val="000000"/>
-                </a:solidFill>
-                <a:latin typeface="Helvetica Neue"/>
-              </a:rPr>
-              <a:t>max_depth</a:t>
-            </a:r>
-            <a:r>
-              <a:rPr lang="en-US" i="1" dirty="0">
-                <a:solidFill>
-                  <a:srgbClr val="000000"/>
-                </a:solidFill>
-                <a:latin typeface="Helvetica Neue"/>
-              </a:rPr>
-              <a:t>': 31, '</a:t>
-            </a:r>
-            <a:r>
-              <a:rPr lang="en-US" i="1" dirty="0" err="1">
-                <a:solidFill>
-                  <a:srgbClr val="000000"/>
-                </a:solidFill>
-                <a:latin typeface="Helvetica Neue"/>
-              </a:rPr>
-              <a:t>min_samples_split</a:t>
-            </a:r>
-            <a:r>
-              <a:rPr lang="en-US" i="1" dirty="0">
-                <a:solidFill>
-                  <a:srgbClr val="000000"/>
-                </a:solidFill>
-                <a:latin typeface="Helvetica Neue"/>
-              </a:rPr>
-              <a:t>': 27, '</a:t>
-            </a:r>
-            <a:r>
-              <a:rPr lang="en-US" i="1" dirty="0" err="1">
-                <a:solidFill>
-                  <a:srgbClr val="000000"/>
-                </a:solidFill>
-                <a:latin typeface="Helvetica Neue"/>
-              </a:rPr>
-              <a:t>n_estimators</a:t>
-            </a:r>
-            <a:r>
-              <a:rPr lang="en-US" i="1" dirty="0">
-                <a:solidFill>
-                  <a:srgbClr val="000000"/>
-                </a:solidFill>
-                <a:latin typeface="Helvetica Neue"/>
-              </a:rPr>
-              <a:t>': 150, '</a:t>
-            </a:r>
-            <a:r>
-              <a:rPr lang="en-US" i="1" dirty="0" err="1">
-                <a:solidFill>
-                  <a:srgbClr val="000000"/>
-                </a:solidFill>
-                <a:latin typeface="Helvetica Neue"/>
-              </a:rPr>
-              <a:t>oob_score</a:t>
-            </a:r>
-            <a:r>
-              <a:rPr lang="en-US" i="1" dirty="0">
-                <a:solidFill>
-                  <a:srgbClr val="000000"/>
-                </a:solidFill>
-                <a:latin typeface="Helvetica Neue"/>
-              </a:rPr>
-              <a:t>': True}</a:t>
-            </a:r>
-            <a:endParaRPr lang="en-US" dirty="0"/>
-          </a:p>
-        </p:txBody>
-      </p:sp>
-    </p:spTree>
-    <p:extLst>
-      <p:ext uri="{BB962C8B-B14F-4D97-AF65-F5344CB8AC3E}">
-        <p14:creationId xmlns:p14="http://schemas.microsoft.com/office/powerpoint/2010/main" val="2956144397"/>
       </p:ext>
     </p:extLst>
   </p:cSld>
@@ -6918,10 +7216,10 @@
       </p:grpSpPr>
       <p:pic>
         <p:nvPicPr>
-          <p:cNvPr id="2" name="Picture 2" descr="Image result for reinsurance">
-            <a:extLst>
-              <a:ext uri="{FF2B5EF4-FFF2-40B4-BE49-F238E27FC236}">
-                <a16:creationId xmlns:a16="http://schemas.microsoft.com/office/drawing/2014/main" id="{070B068F-9DF1-4994-B3D8-383BD3A776BB}"/>
+          <p:cNvPr id="5" name="Picture 2" descr="Image result for reinsurance">
+            <a:extLst>
+              <a:ext uri="{FF2B5EF4-FFF2-40B4-BE49-F238E27FC236}">
+                <a16:creationId xmlns:a16="http://schemas.microsoft.com/office/drawing/2014/main" id="{3420C83F-4F53-48BF-822D-FF60D1E36A57}"/>
               </a:ext>
             </a:extLst>
           </p:cNvPr>
@@ -6943,7 +7241,7 @@
         </p:blipFill>
         <p:spPr bwMode="auto">
           <a:xfrm>
-            <a:off x="2341" y="5552667"/>
+            <a:off x="0" y="5552667"/>
             <a:ext cx="1352390" cy="1305333"/>
           </a:xfrm>
           <a:prstGeom prst="rect">
@@ -6966,7 +7264,7 @@
           <p:cNvPr id="3" name="TextBox 2">
             <a:extLst>
               <a:ext uri="{FF2B5EF4-FFF2-40B4-BE49-F238E27FC236}">
-                <a16:creationId xmlns:a16="http://schemas.microsoft.com/office/drawing/2014/main" id="{FA3CE48E-1C65-4AF0-9746-7B90E5646535}"/>
+                <a16:creationId xmlns:a16="http://schemas.microsoft.com/office/drawing/2014/main" id="{176B6F78-9B5E-4140-9A0A-F58CEAD68C34}"/>
               </a:ext>
             </a:extLst>
           </p:cNvPr>
@@ -6975,8 +7273,8 @@
         </p:nvSpPr>
         <p:spPr>
           <a:xfrm>
-            <a:off x="108524" y="134649"/>
-            <a:ext cx="5219115" cy="523220"/>
+            <a:off x="0" y="0"/>
+            <a:ext cx="4389120" cy="523220"/>
           </a:xfrm>
           <a:prstGeom prst="rect">
             <a:avLst/>
@@ -6991,519 +7289,17 @@
           <a:p>
             <a:r>
               <a:rPr lang="en-US" sz="2800" b="1" dirty="0"/>
-              <a:t>Comparison</a:t>
-            </a:r>
-          </a:p>
-        </p:txBody>
-      </p:sp>
-      <p:grpSp>
-        <p:nvGrpSpPr>
-          <p:cNvPr id="17" name="Group 16">
-            <a:extLst>
-              <a:ext uri="{FF2B5EF4-FFF2-40B4-BE49-F238E27FC236}">
-                <a16:creationId xmlns:a16="http://schemas.microsoft.com/office/drawing/2014/main" id="{61F5B0BC-10C8-4446-A419-3071901893C2}"/>
-              </a:ext>
-            </a:extLst>
-          </p:cNvPr>
-          <p:cNvGrpSpPr/>
-          <p:nvPr/>
-        </p:nvGrpSpPr>
-        <p:grpSpPr>
-          <a:xfrm>
-            <a:off x="2582480" y="3716386"/>
-            <a:ext cx="7027040" cy="2909500"/>
-            <a:chOff x="4807024" y="3619283"/>
-            <a:chExt cx="7212037" cy="2943337"/>
-          </a:xfrm>
-        </p:grpSpPr>
-        <p:pic>
-          <p:nvPicPr>
-            <p:cNvPr id="12" name="Picture 11">
-              <a:extLst>
-                <a:ext uri="{FF2B5EF4-FFF2-40B4-BE49-F238E27FC236}">
-                  <a16:creationId xmlns:a16="http://schemas.microsoft.com/office/drawing/2014/main" id="{64DDAB54-BA93-4722-9739-47518E1E1FE8}"/>
-                </a:ext>
-              </a:extLst>
-            </p:cNvPr>
-            <p:cNvPicPr>
-              <a:picLocks noChangeAspect="1"/>
-            </p:cNvPicPr>
-            <p:nvPr/>
-          </p:nvPicPr>
-          <p:blipFill>
-            <a:blip r:embed="rId3"/>
-            <a:stretch>
-              <a:fillRect/>
-            </a:stretch>
-          </p:blipFill>
-          <p:spPr>
-            <a:xfrm>
-              <a:off x="4807024" y="3619283"/>
-              <a:ext cx="7212037" cy="2943337"/>
-            </a:xfrm>
-            <a:prstGeom prst="rect">
-              <a:avLst/>
-            </a:prstGeom>
-            <a:ln>
-              <a:solidFill>
-                <a:schemeClr val="tx1"/>
-              </a:solidFill>
-            </a:ln>
-          </p:spPr>
-        </p:pic>
-        <p:sp>
-          <p:nvSpPr>
-            <p:cNvPr id="13" name="Rectangle 12">
-              <a:extLst>
-                <a:ext uri="{FF2B5EF4-FFF2-40B4-BE49-F238E27FC236}">
-                  <a16:creationId xmlns:a16="http://schemas.microsoft.com/office/drawing/2014/main" id="{9671E5B1-A5BF-492A-B37D-7B2315B0C1E6}"/>
-                </a:ext>
-              </a:extLst>
-            </p:cNvPr>
-            <p:cNvSpPr/>
-            <p:nvPr/>
-          </p:nvSpPr>
-          <p:spPr>
-            <a:xfrm>
-              <a:off x="9955800" y="5565781"/>
-              <a:ext cx="787791" cy="393895"/>
-            </a:xfrm>
-            <a:prstGeom prst="rect">
-              <a:avLst/>
-            </a:prstGeom>
-            <a:noFill/>
-            <a:ln>
-              <a:solidFill>
-                <a:srgbClr val="0070C0"/>
-              </a:solidFill>
-            </a:ln>
-          </p:spPr>
-          <p:style>
-            <a:lnRef idx="2">
-              <a:schemeClr val="accent1">
-                <a:shade val="50000"/>
-              </a:schemeClr>
-            </a:lnRef>
-            <a:fillRef idx="1">
-              <a:schemeClr val="accent1"/>
-            </a:fillRef>
-            <a:effectRef idx="0">
-              <a:schemeClr val="accent1"/>
-            </a:effectRef>
-            <a:fontRef idx="minor">
-              <a:schemeClr val="lt1"/>
-            </a:fontRef>
-          </p:style>
-          <p:txBody>
-            <a:bodyPr rtlCol="0" anchor="ctr"/>
-            <a:lstStyle/>
-            <a:p>
-              <a:pPr algn="ctr"/>
-              <a:endParaRPr lang="en-US"/>
-            </a:p>
-          </p:txBody>
-        </p:sp>
-        <p:sp>
-          <p:nvSpPr>
-            <p:cNvPr id="14" name="Rectangle 13">
-              <a:extLst>
-                <a:ext uri="{FF2B5EF4-FFF2-40B4-BE49-F238E27FC236}">
-                  <a16:creationId xmlns:a16="http://schemas.microsoft.com/office/drawing/2014/main" id="{0DE6DB3A-1F21-4071-B92B-719E35C36FAC}"/>
-                </a:ext>
-              </a:extLst>
-            </p:cNvPr>
-            <p:cNvSpPr/>
-            <p:nvPr/>
-          </p:nvSpPr>
-          <p:spPr>
-            <a:xfrm>
-              <a:off x="8750668" y="5171886"/>
-              <a:ext cx="787791" cy="393895"/>
-            </a:xfrm>
-            <a:prstGeom prst="rect">
-              <a:avLst/>
-            </a:prstGeom>
-            <a:noFill/>
-            <a:ln>
-              <a:solidFill>
-                <a:srgbClr val="FF0000"/>
-              </a:solidFill>
-            </a:ln>
-          </p:spPr>
-          <p:style>
-            <a:lnRef idx="2">
-              <a:schemeClr val="accent1">
-                <a:shade val="50000"/>
-              </a:schemeClr>
-            </a:lnRef>
-            <a:fillRef idx="1">
-              <a:schemeClr val="accent1"/>
-            </a:fillRef>
-            <a:effectRef idx="0">
-              <a:schemeClr val="accent1"/>
-            </a:effectRef>
-            <a:fontRef idx="minor">
-              <a:schemeClr val="lt1"/>
-            </a:fontRef>
-          </p:style>
-          <p:txBody>
-            <a:bodyPr rtlCol="0" anchor="ctr"/>
-            <a:lstStyle/>
-            <a:p>
-              <a:pPr algn="ctr"/>
-              <a:endParaRPr lang="en-US"/>
-            </a:p>
-          </p:txBody>
-        </p:sp>
-        <p:cxnSp>
-          <p:nvCxnSpPr>
-            <p:cNvPr id="15" name="Straight Arrow Connector 14">
-              <a:extLst>
-                <a:ext uri="{FF2B5EF4-FFF2-40B4-BE49-F238E27FC236}">
-                  <a16:creationId xmlns:a16="http://schemas.microsoft.com/office/drawing/2014/main" id="{4B9C295D-4E5B-4A9F-A31F-33B7362B4FD7}"/>
-                </a:ext>
-              </a:extLst>
-            </p:cNvPr>
-            <p:cNvCxnSpPr>
-              <a:cxnSpLocks/>
-            </p:cNvCxnSpPr>
-            <p:nvPr/>
-          </p:nvCxnSpPr>
-          <p:spPr>
-            <a:xfrm flipV="1">
-              <a:off x="8307692" y="5559752"/>
-              <a:ext cx="457272" cy="299441"/>
-            </a:xfrm>
-            <a:prstGeom prst="straightConnector1">
-              <a:avLst/>
-            </a:prstGeom>
-            <a:ln w="38100">
-              <a:solidFill>
-                <a:srgbClr val="FF0000"/>
-              </a:solidFill>
-              <a:headEnd w="lg" len="lg"/>
-              <a:tailEnd type="triangle" w="lg" len="lg"/>
-            </a:ln>
-          </p:spPr>
-          <p:style>
-            <a:lnRef idx="1">
-              <a:schemeClr val="accent1"/>
-            </a:lnRef>
-            <a:fillRef idx="0">
-              <a:schemeClr val="accent1"/>
-            </a:fillRef>
-            <a:effectRef idx="0">
-              <a:schemeClr val="accent1"/>
-            </a:effectRef>
-            <a:fontRef idx="minor">
-              <a:schemeClr val="tx1"/>
-            </a:fontRef>
-          </p:style>
-        </p:cxnSp>
-        <p:cxnSp>
-          <p:nvCxnSpPr>
-            <p:cNvPr id="16" name="Straight Arrow Connector 15">
-              <a:extLst>
-                <a:ext uri="{FF2B5EF4-FFF2-40B4-BE49-F238E27FC236}">
-                  <a16:creationId xmlns:a16="http://schemas.microsoft.com/office/drawing/2014/main" id="{187A355E-CDE8-4CE5-B8D6-36D062BF3DA2}"/>
-                </a:ext>
-              </a:extLst>
-            </p:cNvPr>
-            <p:cNvCxnSpPr>
-              <a:cxnSpLocks/>
-            </p:cNvCxnSpPr>
-            <p:nvPr/>
-          </p:nvCxnSpPr>
-          <p:spPr>
-            <a:xfrm flipV="1">
-              <a:off x="9559488" y="5959676"/>
-              <a:ext cx="396312" cy="351473"/>
-            </a:xfrm>
-            <a:prstGeom prst="straightConnector1">
-              <a:avLst/>
-            </a:prstGeom>
-            <a:ln w="38100">
-              <a:solidFill>
-                <a:srgbClr val="0070C0"/>
-              </a:solidFill>
-              <a:headEnd w="lg" len="lg"/>
-              <a:tailEnd type="triangle" w="lg" len="lg"/>
-            </a:ln>
-          </p:spPr>
-          <p:style>
-            <a:lnRef idx="1">
-              <a:schemeClr val="accent1"/>
-            </a:lnRef>
-            <a:fillRef idx="0">
-              <a:schemeClr val="accent1"/>
-            </a:fillRef>
-            <a:effectRef idx="0">
-              <a:schemeClr val="accent1"/>
-            </a:effectRef>
-            <a:fontRef idx="minor">
-              <a:schemeClr val="tx1"/>
-            </a:fontRef>
-          </p:style>
-        </p:cxnSp>
-      </p:grpSp>
-      <p:grpSp>
-        <p:nvGrpSpPr>
-          <p:cNvPr id="18" name="Group 17">
-            <a:extLst>
-              <a:ext uri="{FF2B5EF4-FFF2-40B4-BE49-F238E27FC236}">
-                <a16:creationId xmlns:a16="http://schemas.microsoft.com/office/drawing/2014/main" id="{7C7BC7B5-E615-4225-96AC-4464445BD4D6}"/>
-              </a:ext>
-            </a:extLst>
-          </p:cNvPr>
-          <p:cNvGrpSpPr/>
-          <p:nvPr/>
-        </p:nvGrpSpPr>
-        <p:grpSpPr>
-          <a:xfrm>
-            <a:off x="2582479" y="286464"/>
-            <a:ext cx="7027040" cy="2909500"/>
-            <a:chOff x="172939" y="1912919"/>
-            <a:chExt cx="7027040" cy="2909500"/>
-          </a:xfrm>
-        </p:grpSpPr>
-        <p:pic>
-          <p:nvPicPr>
-            <p:cNvPr id="5" name="Picture 4">
-              <a:extLst>
-                <a:ext uri="{FF2B5EF4-FFF2-40B4-BE49-F238E27FC236}">
-                  <a16:creationId xmlns:a16="http://schemas.microsoft.com/office/drawing/2014/main" id="{214882EB-68E3-468E-AB19-255C29395F98}"/>
-                </a:ext>
-              </a:extLst>
-            </p:cNvPr>
-            <p:cNvPicPr>
-              <a:picLocks noChangeAspect="1"/>
-            </p:cNvPicPr>
-            <p:nvPr/>
-          </p:nvPicPr>
-          <p:blipFill>
-            <a:blip r:embed="rId4"/>
-            <a:stretch>
-              <a:fillRect/>
-            </a:stretch>
-          </p:blipFill>
-          <p:spPr>
-            <a:xfrm>
-              <a:off x="172939" y="1912919"/>
-              <a:ext cx="7027040" cy="2909500"/>
-            </a:xfrm>
-            <a:prstGeom prst="rect">
-              <a:avLst/>
-            </a:prstGeom>
-            <a:ln>
-              <a:solidFill>
-                <a:schemeClr val="accent1">
-                  <a:shade val="50000"/>
-                </a:schemeClr>
-              </a:solidFill>
-            </a:ln>
-          </p:spPr>
-        </p:pic>
-        <p:sp>
-          <p:nvSpPr>
-            <p:cNvPr id="7" name="Rectangle 6">
-              <a:extLst>
-                <a:ext uri="{FF2B5EF4-FFF2-40B4-BE49-F238E27FC236}">
-                  <a16:creationId xmlns:a16="http://schemas.microsoft.com/office/drawing/2014/main" id="{6973E923-A857-4038-ADA6-5F6196C0F818}"/>
-                </a:ext>
-              </a:extLst>
-            </p:cNvPr>
-            <p:cNvSpPr/>
-            <p:nvPr/>
-          </p:nvSpPr>
-          <p:spPr>
-            <a:xfrm>
-              <a:off x="5150785" y="3893951"/>
-              <a:ext cx="787791" cy="393895"/>
-            </a:xfrm>
-            <a:prstGeom prst="rect">
-              <a:avLst/>
-            </a:prstGeom>
-            <a:noFill/>
-            <a:ln>
-              <a:solidFill>
-                <a:srgbClr val="0070C0"/>
-              </a:solidFill>
-            </a:ln>
-          </p:spPr>
-          <p:style>
-            <a:lnRef idx="2">
-              <a:schemeClr val="accent1">
-                <a:shade val="50000"/>
-              </a:schemeClr>
-            </a:lnRef>
-            <a:fillRef idx="1">
-              <a:schemeClr val="accent1"/>
-            </a:fillRef>
-            <a:effectRef idx="0">
-              <a:schemeClr val="accent1"/>
-            </a:effectRef>
-            <a:fontRef idx="minor">
-              <a:schemeClr val="lt1"/>
-            </a:fontRef>
-          </p:style>
-          <p:txBody>
-            <a:bodyPr rtlCol="0" anchor="ctr"/>
-            <a:lstStyle/>
-            <a:p>
-              <a:pPr algn="ctr"/>
-              <a:endParaRPr lang="en-US"/>
-            </a:p>
-          </p:txBody>
-        </p:sp>
-        <p:sp>
-          <p:nvSpPr>
-            <p:cNvPr id="8" name="Rectangle 7">
-              <a:extLst>
-                <a:ext uri="{FF2B5EF4-FFF2-40B4-BE49-F238E27FC236}">
-                  <a16:creationId xmlns:a16="http://schemas.microsoft.com/office/drawing/2014/main" id="{82B96F53-33B1-41EC-AC75-0B394278C26A}"/>
-                </a:ext>
-              </a:extLst>
-            </p:cNvPr>
-            <p:cNvSpPr/>
-            <p:nvPr/>
-          </p:nvSpPr>
-          <p:spPr>
-            <a:xfrm>
-              <a:off x="3945653" y="3500056"/>
-              <a:ext cx="787791" cy="393895"/>
-            </a:xfrm>
-            <a:prstGeom prst="rect">
-              <a:avLst/>
-            </a:prstGeom>
-            <a:noFill/>
-            <a:ln>
-              <a:solidFill>
-                <a:srgbClr val="FF0000"/>
-              </a:solidFill>
-            </a:ln>
-          </p:spPr>
-          <p:style>
-            <a:lnRef idx="2">
-              <a:schemeClr val="accent1">
-                <a:shade val="50000"/>
-              </a:schemeClr>
-            </a:lnRef>
-            <a:fillRef idx="1">
-              <a:schemeClr val="accent1"/>
-            </a:fillRef>
-            <a:effectRef idx="0">
-              <a:schemeClr val="accent1"/>
-            </a:effectRef>
-            <a:fontRef idx="minor">
-              <a:schemeClr val="lt1"/>
-            </a:fontRef>
-          </p:style>
-          <p:txBody>
-            <a:bodyPr rtlCol="0" anchor="ctr"/>
-            <a:lstStyle/>
-            <a:p>
-              <a:pPr algn="ctr"/>
-              <a:endParaRPr lang="en-US"/>
-            </a:p>
-          </p:txBody>
-        </p:sp>
-        <p:cxnSp>
-          <p:nvCxnSpPr>
-            <p:cNvPr id="9" name="Straight Arrow Connector 8">
-              <a:extLst>
-                <a:ext uri="{FF2B5EF4-FFF2-40B4-BE49-F238E27FC236}">
-                  <a16:creationId xmlns:a16="http://schemas.microsoft.com/office/drawing/2014/main" id="{46A514F3-C52E-4EC2-BEFB-8C639D7B9568}"/>
-                </a:ext>
-              </a:extLst>
-            </p:cNvPr>
-            <p:cNvCxnSpPr>
-              <a:cxnSpLocks/>
-            </p:cNvCxnSpPr>
-            <p:nvPr/>
-          </p:nvCxnSpPr>
-          <p:spPr>
-            <a:xfrm flipV="1">
-              <a:off x="3502677" y="3887922"/>
-              <a:ext cx="457272" cy="299441"/>
-            </a:xfrm>
-            <a:prstGeom prst="straightConnector1">
-              <a:avLst/>
-            </a:prstGeom>
-            <a:ln w="38100">
-              <a:solidFill>
-                <a:srgbClr val="FF0000"/>
-              </a:solidFill>
-              <a:headEnd w="lg" len="lg"/>
-              <a:tailEnd type="triangle" w="lg" len="lg"/>
-            </a:ln>
-          </p:spPr>
-          <p:style>
-            <a:lnRef idx="1">
-              <a:schemeClr val="accent1"/>
-            </a:lnRef>
-            <a:fillRef idx="0">
-              <a:schemeClr val="accent1"/>
-            </a:fillRef>
-            <a:effectRef idx="0">
-              <a:schemeClr val="accent1"/>
-            </a:effectRef>
-            <a:fontRef idx="minor">
-              <a:schemeClr val="tx1"/>
-            </a:fontRef>
-          </p:style>
-        </p:cxnSp>
-        <p:cxnSp>
-          <p:nvCxnSpPr>
-            <p:cNvPr id="10" name="Straight Arrow Connector 9">
-              <a:extLst>
-                <a:ext uri="{FF2B5EF4-FFF2-40B4-BE49-F238E27FC236}">
-                  <a16:creationId xmlns:a16="http://schemas.microsoft.com/office/drawing/2014/main" id="{AAD4D84D-19FF-4048-91BD-B26A96856A8D}"/>
-                </a:ext>
-              </a:extLst>
-            </p:cNvPr>
-            <p:cNvCxnSpPr>
-              <a:cxnSpLocks/>
-            </p:cNvCxnSpPr>
-            <p:nvPr/>
-          </p:nvCxnSpPr>
-          <p:spPr>
-            <a:xfrm flipV="1">
-              <a:off x="4754473" y="4287846"/>
-              <a:ext cx="396312" cy="351473"/>
-            </a:xfrm>
-            <a:prstGeom prst="straightConnector1">
-              <a:avLst/>
-            </a:prstGeom>
-            <a:ln w="38100">
-              <a:solidFill>
-                <a:srgbClr val="0070C0"/>
-              </a:solidFill>
-              <a:headEnd w="lg" len="lg"/>
-              <a:tailEnd type="triangle" w="lg" len="lg"/>
-            </a:ln>
-          </p:spPr>
-          <p:style>
-            <a:lnRef idx="1">
-              <a:schemeClr val="accent1"/>
-            </a:lnRef>
-            <a:fillRef idx="0">
-              <a:schemeClr val="accent1"/>
-            </a:fillRef>
-            <a:effectRef idx="0">
-              <a:schemeClr val="accent1"/>
-            </a:effectRef>
-            <a:fontRef idx="minor">
-              <a:schemeClr val="tx1"/>
-            </a:fontRef>
-          </p:style>
-        </p:cxnSp>
-      </p:grpSp>
-      <p:sp>
-        <p:nvSpPr>
-          <p:cNvPr id="19" name="TextBox 18">
-            <a:extLst>
-              <a:ext uri="{FF2B5EF4-FFF2-40B4-BE49-F238E27FC236}">
-                <a16:creationId xmlns:a16="http://schemas.microsoft.com/office/drawing/2014/main" id="{950B2E6E-E3A0-4CF3-8322-49CAA3FD517F}"/>
+              <a:t>CLASSIFICATION  MODELS</a:t>
+            </a:r>
+          </a:p>
+        </p:txBody>
+      </p:sp>
+      <p:sp>
+        <p:nvSpPr>
+          <p:cNvPr id="4" name="TextBox 3">
+            <a:extLst>
+              <a:ext uri="{FF2B5EF4-FFF2-40B4-BE49-F238E27FC236}">
+                <a16:creationId xmlns:a16="http://schemas.microsoft.com/office/drawing/2014/main" id="{2546C7F1-708A-4EC0-8BE4-92EE2A03BB95}"/>
               </a:ext>
             </a:extLst>
           </p:cNvPr>
@@ -7512,8 +7308,8 @@
         </p:nvSpPr>
         <p:spPr>
           <a:xfrm>
-            <a:off x="914590" y="1307360"/>
-            <a:ext cx="5219115" cy="954107"/>
+            <a:off x="1352390" y="1377931"/>
+            <a:ext cx="4206239" cy="3539430"/>
           </a:xfrm>
           <a:prstGeom prst="rect">
             <a:avLst/>
@@ -7526,25 +7322,93 @@
           </a:bodyPr>
           <a:lstStyle/>
           <a:p>
+            <a:pPr marL="457200" indent="-457200" algn="just">
+              <a:buFont typeface="Arial" panose="020B0604020202020204" pitchFamily="34" charset="0"/>
+              <a:buChar char="•"/>
+            </a:pPr>
             <a:r>
               <a:rPr lang="en-US" sz="2800" dirty="0"/>
-              <a:t>Logistic </a:t>
-            </a:r>
-          </a:p>
-          <a:p>
+              <a:t>Logistic Regression</a:t>
+            </a:r>
+          </a:p>
+          <a:p>
+            <a:pPr marL="457200" indent="-457200" algn="just">
+              <a:buFont typeface="Arial" panose="020B0604020202020204" pitchFamily="34" charset="0"/>
+              <a:buChar char="•"/>
+            </a:pPr>
             <a:r>
               <a:rPr lang="en-US" sz="2800" dirty="0"/>
-              <a:t>Regressor</a:t>
-            </a:r>
-          </a:p>
-        </p:txBody>
-      </p:sp>
-      <p:sp>
-        <p:nvSpPr>
-          <p:cNvPr id="20" name="TextBox 19">
-            <a:extLst>
-              <a:ext uri="{FF2B5EF4-FFF2-40B4-BE49-F238E27FC236}">
-                <a16:creationId xmlns:a16="http://schemas.microsoft.com/office/drawing/2014/main" id="{36294F3D-7FE0-498B-9CE7-DB99A325B832}"/>
+              <a:t>Decision Tree</a:t>
+            </a:r>
+          </a:p>
+          <a:p>
+            <a:pPr marL="457200" indent="-457200" algn="just">
+              <a:buFont typeface="Arial" panose="020B0604020202020204" pitchFamily="34" charset="0"/>
+              <a:buChar char="•"/>
+            </a:pPr>
+            <a:r>
+              <a:rPr lang="en-US" sz="2800" dirty="0"/>
+              <a:t>Random Forest</a:t>
+            </a:r>
+          </a:p>
+          <a:p>
+            <a:pPr marL="457200" indent="-457200" algn="just">
+              <a:buFont typeface="Arial" panose="020B0604020202020204" pitchFamily="34" charset="0"/>
+              <a:buChar char="•"/>
+            </a:pPr>
+            <a:r>
+              <a:rPr lang="en-US" sz="2800" dirty="0"/>
+              <a:t>Extra Trees</a:t>
+            </a:r>
+          </a:p>
+          <a:p>
+            <a:pPr marL="457200" indent="-457200" algn="just">
+              <a:buFont typeface="Arial" panose="020B0604020202020204" pitchFamily="34" charset="0"/>
+              <a:buChar char="•"/>
+            </a:pPr>
+            <a:r>
+              <a:rPr lang="en-US" sz="2800" dirty="0"/>
+              <a:t>Ada Boost</a:t>
+            </a:r>
+          </a:p>
+          <a:p>
+            <a:pPr marL="457200" indent="-457200" algn="just">
+              <a:buFont typeface="Arial" panose="020B0604020202020204" pitchFamily="34" charset="0"/>
+              <a:buChar char="•"/>
+            </a:pPr>
+            <a:r>
+              <a:rPr lang="en-US" sz="2800" dirty="0"/>
+              <a:t>Gradient Boosting</a:t>
+            </a:r>
+          </a:p>
+          <a:p>
+            <a:pPr marL="457200" indent="-457200" algn="just">
+              <a:buFont typeface="Arial" panose="020B0604020202020204" pitchFamily="34" charset="0"/>
+              <a:buChar char="•"/>
+            </a:pPr>
+            <a:r>
+              <a:rPr lang="en-US" sz="2800" dirty="0"/>
+              <a:t>K Nearest Neighbors</a:t>
+            </a:r>
+          </a:p>
+          <a:p>
+            <a:pPr marL="457200" indent="-457200" algn="just">
+              <a:buFont typeface="Arial" panose="020B0604020202020204" pitchFamily="34" charset="0"/>
+              <a:buChar char="•"/>
+            </a:pPr>
+            <a:r>
+              <a:rPr lang="en-US" sz="2800" dirty="0"/>
+              <a:t>Support Vector Machine</a:t>
+            </a:r>
+          </a:p>
+        </p:txBody>
+      </p:sp>
+      <p:sp>
+        <p:nvSpPr>
+          <p:cNvPr id="10" name="TextBox 9">
+            <a:extLst>
+              <a:ext uri="{FF2B5EF4-FFF2-40B4-BE49-F238E27FC236}">
+                <a16:creationId xmlns:a16="http://schemas.microsoft.com/office/drawing/2014/main" id="{DE9D566F-7CDC-4252-A517-91BF2DCFF1D1}"/>
               </a:ext>
             </a:extLst>
           </p:cNvPr>
@@ -7553,8 +7417,8 @@
         </p:nvSpPr>
         <p:spPr>
           <a:xfrm>
-            <a:off x="1529973" y="4210990"/>
-            <a:ext cx="5219115" cy="954107"/>
+            <a:off x="7674381" y="1182231"/>
+            <a:ext cx="1947920" cy="2246769"/>
           </a:xfrm>
           <a:prstGeom prst="rect">
             <a:avLst/>
@@ -7568,14 +7432,26 @@
           <a:lstStyle/>
           <a:p>
             <a:r>
+              <a:rPr lang="en-US" sz="2800" b="1" dirty="0"/>
+              <a:t>METRICS:</a:t>
+            </a:r>
+          </a:p>
+          <a:p>
+            <a:endParaRPr lang="en-US" sz="2800" b="1" dirty="0"/>
+          </a:p>
+          <a:p>
+            <a:r>
               <a:rPr lang="en-US" sz="2800" dirty="0"/>
-              <a:t>Extra</a:t>
-            </a:r>
+              <a:t>Recall</a:t>
+            </a:r>
+          </a:p>
+          <a:p>
+            <a:endParaRPr lang="en-US" sz="2800" dirty="0"/>
           </a:p>
           <a:p>
             <a:r>
               <a:rPr lang="en-US" sz="2800" dirty="0"/>
-              <a:t>Trees</a:t>
+              <a:t>Accuracy</a:t>
             </a:r>
           </a:p>
         </p:txBody>
@@ -7583,7 +7459,7 @@
     </p:spTree>
     <p:extLst>
       <p:ext uri="{BB962C8B-B14F-4D97-AF65-F5344CB8AC3E}">
-        <p14:creationId xmlns:p14="http://schemas.microsoft.com/office/powerpoint/2010/main" val="1217344239"/>
+        <p14:creationId xmlns:p14="http://schemas.microsoft.com/office/powerpoint/2010/main" val="880265440"/>
       </p:ext>
     </p:extLst>
   </p:cSld>
@@ -7612,10 +7488,10 @@
       </p:grpSpPr>
       <p:pic>
         <p:nvPicPr>
-          <p:cNvPr id="2" name="Picture 2" descr="Image result for reinsurance">
-            <a:extLst>
-              <a:ext uri="{FF2B5EF4-FFF2-40B4-BE49-F238E27FC236}">
-                <a16:creationId xmlns:a16="http://schemas.microsoft.com/office/drawing/2014/main" id="{070B068F-9DF1-4994-B3D8-383BD3A776BB}"/>
+          <p:cNvPr id="5" name="Picture 2" descr="Image result for reinsurance">
+            <a:extLst>
+              <a:ext uri="{FF2B5EF4-FFF2-40B4-BE49-F238E27FC236}">
+                <a16:creationId xmlns:a16="http://schemas.microsoft.com/office/drawing/2014/main" id="{3420C83F-4F53-48BF-822D-FF60D1E36A57}"/>
               </a:ext>
             </a:extLst>
           </p:cNvPr>
@@ -7637,7 +7513,7 @@
         </p:blipFill>
         <p:spPr bwMode="auto">
           <a:xfrm>
-            <a:off x="2341" y="5552667"/>
+            <a:off x="0" y="5552667"/>
             <a:ext cx="1352390" cy="1305333"/>
           </a:xfrm>
           <a:prstGeom prst="rect">
@@ -7660,7 +7536,7 @@
           <p:cNvPr id="3" name="TextBox 2">
             <a:extLst>
               <a:ext uri="{FF2B5EF4-FFF2-40B4-BE49-F238E27FC236}">
-                <a16:creationId xmlns:a16="http://schemas.microsoft.com/office/drawing/2014/main" id="{FA3CE48E-1C65-4AF0-9746-7B90E5646535}"/>
+                <a16:creationId xmlns:a16="http://schemas.microsoft.com/office/drawing/2014/main" id="{176B6F78-9B5E-4140-9A0A-F58CEAD68C34}"/>
               </a:ext>
             </a:extLst>
           </p:cNvPr>
@@ -7669,8 +7545,8 @@
         </p:nvSpPr>
         <p:spPr>
           <a:xfrm>
-            <a:off x="56272" y="56272"/>
-            <a:ext cx="5219115" cy="523220"/>
+            <a:off x="0" y="0"/>
+            <a:ext cx="4389120" cy="523220"/>
           </a:xfrm>
           <a:prstGeom prst="rect">
             <a:avLst/>
@@ -7685,7 +7561,7 @@
           <a:p>
             <a:r>
               <a:rPr lang="en-US" sz="2800" b="1" dirty="0"/>
-              <a:t>Concluding Points</a:t>
+              <a:t>CLASSIFICATION  MODELS</a:t>
             </a:r>
           </a:p>
         </p:txBody>
@@ -7695,7 +7571,7 @@
           <p:cNvPr id="4" name="TextBox 3">
             <a:extLst>
               <a:ext uri="{FF2B5EF4-FFF2-40B4-BE49-F238E27FC236}">
-                <a16:creationId xmlns:a16="http://schemas.microsoft.com/office/drawing/2014/main" id="{9C200CBD-2303-48A7-A392-DB0A2C4A0AA5}"/>
+                <a16:creationId xmlns:a16="http://schemas.microsoft.com/office/drawing/2014/main" id="{2546C7F1-708A-4EC0-8BE4-92EE2A03BB95}"/>
               </a:ext>
             </a:extLst>
           </p:cNvPr>
@@ -7704,8 +7580,8 @@
         </p:nvSpPr>
         <p:spPr>
           <a:xfrm>
-            <a:off x="590840" y="1659285"/>
-            <a:ext cx="11223675" cy="3539430"/>
+            <a:off x="1352390" y="1377931"/>
+            <a:ext cx="4206239" cy="3539430"/>
           </a:xfrm>
           <a:prstGeom prst="rect">
             <a:avLst/>
@@ -7723,23 +7599,23 @@
               <a:buChar char="•"/>
             </a:pPr>
             <a:r>
-              <a:rPr lang="en-US" sz="2800" i="1" dirty="0"/>
-              <a:t>Whilst Extra Trees did slightly better in accuracy, Logistic Regression performed much better on Recall </a:t>
-            </a:r>
-            <a:r>
-              <a:rPr lang="en-US" sz="2800" i="1" dirty="0">
-                <a:sym typeface="Wingdings" panose="05000000000000000000" pitchFamily="2" charset="2"/>
+              <a:rPr lang="en-US" sz="2800" dirty="0">
+                <a:highlight>
+                  <a:srgbClr val="00FF00"/>
+                </a:highlight>
               </a:rPr>
-              <a:t> and that’s the most important metric for the problem statement.</a:t>
-            </a:r>
-            <a:endParaRPr lang="en-US" sz="2800" i="1" dirty="0"/>
+              <a:t>Logistic Regression</a:t>
+            </a:r>
           </a:p>
           <a:p>
             <a:pPr marL="457200" indent="-457200" algn="just">
               <a:buFont typeface="Arial" panose="020B0604020202020204" pitchFamily="34" charset="0"/>
               <a:buChar char="•"/>
             </a:pPr>
-            <a:endParaRPr lang="en-US" sz="2800" i="1" dirty="0"/>
+            <a:r>
+              <a:rPr lang="en-US" sz="2800" dirty="0"/>
+              <a:t>Decision Tree</a:t>
+            </a:r>
           </a:p>
           <a:p>
             <a:pPr marL="457200" indent="-457200" algn="just">
@@ -7747,16 +7623,119 @@
               <a:buChar char="•"/>
             </a:pPr>
             <a:r>
-              <a:rPr lang="en-US" sz="2800" i="1" dirty="0"/>
-              <a:t>Using coarse-grained data from the annual returns, the classification model was able to out-perform the baseline accuracy. Imagine what more a </a:t>
-            </a:r>
-            <a:r>
-              <a:rPr lang="en-US" sz="2800" b="1" i="1" u="sng" dirty="0"/>
-              <a:t>GA DSI Graduate with access to underwriting and claims data </a:t>
-            </a:r>
-            <a:r>
-              <a:rPr lang="en-US" sz="2800" i="1" dirty="0"/>
-              <a:t>can do for an insurer.</a:t>
+              <a:rPr lang="en-US" sz="2800" dirty="0"/>
+              <a:t>Random Forest</a:t>
+            </a:r>
+          </a:p>
+          <a:p>
+            <a:pPr marL="457200" indent="-457200" algn="just">
+              <a:buFont typeface="Arial" panose="020B0604020202020204" pitchFamily="34" charset="0"/>
+              <a:buChar char="•"/>
+            </a:pPr>
+            <a:r>
+              <a:rPr lang="en-US" sz="2800" dirty="0">
+                <a:highlight>
+                  <a:srgbClr val="00FF00"/>
+                </a:highlight>
+              </a:rPr>
+              <a:t>Extra Trees</a:t>
+            </a:r>
+          </a:p>
+          <a:p>
+            <a:pPr marL="457200" indent="-457200" algn="just">
+              <a:buFont typeface="Arial" panose="020B0604020202020204" pitchFamily="34" charset="0"/>
+              <a:buChar char="•"/>
+            </a:pPr>
+            <a:r>
+              <a:rPr lang="en-US" sz="2800" dirty="0"/>
+              <a:t>Ada Boost</a:t>
+            </a:r>
+          </a:p>
+          <a:p>
+            <a:pPr marL="457200" indent="-457200" algn="just">
+              <a:buFont typeface="Arial" panose="020B0604020202020204" pitchFamily="34" charset="0"/>
+              <a:buChar char="•"/>
+            </a:pPr>
+            <a:r>
+              <a:rPr lang="en-US" sz="2800" dirty="0"/>
+              <a:t>Gradient Boosting</a:t>
+            </a:r>
+          </a:p>
+          <a:p>
+            <a:pPr marL="457200" indent="-457200" algn="just">
+              <a:buFont typeface="Arial" panose="020B0604020202020204" pitchFamily="34" charset="0"/>
+              <a:buChar char="•"/>
+            </a:pPr>
+            <a:r>
+              <a:rPr lang="en-US" sz="2800" dirty="0"/>
+              <a:t>K Nearest Neighbors</a:t>
+            </a:r>
+          </a:p>
+          <a:p>
+            <a:pPr marL="457200" indent="-457200" algn="just">
+              <a:buFont typeface="Arial" panose="020B0604020202020204" pitchFamily="34" charset="0"/>
+              <a:buChar char="•"/>
+            </a:pPr>
+            <a:r>
+              <a:rPr lang="en-US" sz="2800" dirty="0"/>
+              <a:t>Support Vector Machine</a:t>
+            </a:r>
+          </a:p>
+        </p:txBody>
+      </p:sp>
+      <p:sp>
+        <p:nvSpPr>
+          <p:cNvPr id="10" name="TextBox 9">
+            <a:extLst>
+              <a:ext uri="{FF2B5EF4-FFF2-40B4-BE49-F238E27FC236}">
+                <a16:creationId xmlns:a16="http://schemas.microsoft.com/office/drawing/2014/main" id="{DE9D566F-7CDC-4252-A517-91BF2DCFF1D1}"/>
+              </a:ext>
+            </a:extLst>
+          </p:cNvPr>
+          <p:cNvSpPr txBox="1"/>
+          <p:nvPr/>
+        </p:nvSpPr>
+        <p:spPr>
+          <a:xfrm>
+            <a:off x="7674381" y="1182231"/>
+            <a:ext cx="1947920" cy="2246769"/>
+          </a:xfrm>
+          <a:prstGeom prst="rect">
+            <a:avLst/>
+          </a:prstGeom>
+          <a:noFill/>
+        </p:spPr>
+        <p:txBody>
+          <a:bodyPr wrap="square" rtlCol="0">
+            <a:spAutoFit/>
+          </a:bodyPr>
+          <a:lstStyle/>
+          <a:p>
+            <a:r>
+              <a:rPr lang="en-US" sz="2800" b="1" dirty="0"/>
+              <a:t>METRICS:</a:t>
+            </a:r>
+          </a:p>
+          <a:p>
+            <a:endParaRPr lang="en-US" sz="2800" b="1" dirty="0"/>
+          </a:p>
+          <a:p>
+            <a:r>
+              <a:rPr lang="en-US" sz="2800" dirty="0">
+                <a:highlight>
+                  <a:srgbClr val="00FF00"/>
+                </a:highlight>
+              </a:rPr>
+              <a:t>Recall</a:t>
+            </a:r>
+          </a:p>
+          <a:p>
+            <a:endParaRPr lang="en-US" sz="2800" dirty="0"/>
+          </a:p>
+          <a:p>
+            <a:r>
+              <a:rPr lang="en-US" sz="2800" dirty="0"/>
+              <a:t>Accuracy</a:t>
             </a:r>
           </a:p>
         </p:txBody>
@@ -7764,7 +7743,7 @@
     </p:spTree>
     <p:extLst>
       <p:ext uri="{BB962C8B-B14F-4D97-AF65-F5344CB8AC3E}">
-        <p14:creationId xmlns:p14="http://schemas.microsoft.com/office/powerpoint/2010/main" val="1055779350"/>
+        <p14:creationId xmlns:p14="http://schemas.microsoft.com/office/powerpoint/2010/main" val="1668191625"/>
       </p:ext>
     </p:extLst>
   </p:cSld>
@@ -9033,6 +9012,2033 @@
 <file path=ppt/slides/slide20.xml><?xml version="1.0" encoding="utf-8"?>
 <p:sld xmlns:a="http://schemas.openxmlformats.org/drawingml/2006/main" xmlns:r="http://schemas.openxmlformats.org/officeDocument/2006/relationships" xmlns:p="http://schemas.openxmlformats.org/presentationml/2006/main">
   <p:cSld>
+    <p:spTree>
+      <p:nvGrpSpPr>
+        <p:cNvPr id="1" name=""/>
+        <p:cNvGrpSpPr/>
+        <p:nvPr/>
+      </p:nvGrpSpPr>
+      <p:grpSpPr>
+        <a:xfrm>
+          <a:off x="0" y="0"/>
+          <a:ext cx="0" cy="0"/>
+          <a:chOff x="0" y="0"/>
+          <a:chExt cx="0" cy="0"/>
+        </a:xfrm>
+      </p:grpSpPr>
+      <p:pic>
+        <p:nvPicPr>
+          <p:cNvPr id="2" name="Picture 1">
+            <a:extLst>
+              <a:ext uri="{FF2B5EF4-FFF2-40B4-BE49-F238E27FC236}">
+                <a16:creationId xmlns:a16="http://schemas.microsoft.com/office/drawing/2014/main" id="{7182ACF5-9699-4097-B9F1-12DE27B3D2D5}"/>
+              </a:ext>
+            </a:extLst>
+          </p:cNvPr>
+          <p:cNvPicPr>
+            <a:picLocks noChangeAspect="1"/>
+          </p:cNvPicPr>
+          <p:nvPr/>
+        </p:nvPicPr>
+        <p:blipFill>
+          <a:blip r:embed="rId2"/>
+          <a:stretch>
+            <a:fillRect/>
+          </a:stretch>
+        </p:blipFill>
+        <p:spPr>
+          <a:xfrm>
+            <a:off x="335220" y="106701"/>
+            <a:ext cx="4582164" cy="3600953"/>
+          </a:xfrm>
+          <a:prstGeom prst="rect">
+            <a:avLst/>
+          </a:prstGeom>
+        </p:spPr>
+      </p:pic>
+      <p:pic>
+        <p:nvPicPr>
+          <p:cNvPr id="4" name="Picture 3">
+            <a:extLst>
+              <a:ext uri="{FF2B5EF4-FFF2-40B4-BE49-F238E27FC236}">
+                <a16:creationId xmlns:a16="http://schemas.microsoft.com/office/drawing/2014/main" id="{002549EA-B571-4B24-BDFF-F4213D719CCF}"/>
+              </a:ext>
+            </a:extLst>
+          </p:cNvPr>
+          <p:cNvPicPr>
+            <a:picLocks noChangeAspect="1"/>
+          </p:cNvPicPr>
+          <p:nvPr/>
+        </p:nvPicPr>
+        <p:blipFill>
+          <a:blip r:embed="rId3"/>
+          <a:stretch>
+            <a:fillRect/>
+          </a:stretch>
+        </p:blipFill>
+        <p:spPr>
+          <a:xfrm>
+            <a:off x="477327" y="3838471"/>
+            <a:ext cx="4699889" cy="3019529"/>
+          </a:xfrm>
+          <a:prstGeom prst="rect">
+            <a:avLst/>
+          </a:prstGeom>
+        </p:spPr>
+      </p:pic>
+      <p:pic>
+        <p:nvPicPr>
+          <p:cNvPr id="5" name="Picture 4">
+            <a:extLst>
+              <a:ext uri="{FF2B5EF4-FFF2-40B4-BE49-F238E27FC236}">
+                <a16:creationId xmlns:a16="http://schemas.microsoft.com/office/drawing/2014/main" id="{98998BE5-4D2F-4AF6-AE05-0F916CF0B630}"/>
+              </a:ext>
+            </a:extLst>
+          </p:cNvPr>
+          <p:cNvPicPr>
+            <a:picLocks noChangeAspect="1"/>
+          </p:cNvPicPr>
+          <p:nvPr/>
+        </p:nvPicPr>
+        <p:blipFill>
+          <a:blip r:embed="rId4"/>
+          <a:stretch>
+            <a:fillRect/>
+          </a:stretch>
+        </p:blipFill>
+        <p:spPr>
+          <a:xfrm>
+            <a:off x="5177216" y="3655371"/>
+            <a:ext cx="4670434" cy="3019529"/>
+          </a:xfrm>
+          <a:prstGeom prst="rect">
+            <a:avLst/>
+          </a:prstGeom>
+        </p:spPr>
+      </p:pic>
+      <p:pic>
+        <p:nvPicPr>
+          <p:cNvPr id="6" name="Picture 5">
+            <a:extLst>
+              <a:ext uri="{FF2B5EF4-FFF2-40B4-BE49-F238E27FC236}">
+                <a16:creationId xmlns:a16="http://schemas.microsoft.com/office/drawing/2014/main" id="{43222409-C91A-4E3C-B4DE-88AD04032808}"/>
+              </a:ext>
+            </a:extLst>
+          </p:cNvPr>
+          <p:cNvPicPr>
+            <a:picLocks noChangeAspect="1"/>
+          </p:cNvPicPr>
+          <p:nvPr/>
+        </p:nvPicPr>
+        <p:blipFill>
+          <a:blip r:embed="rId5"/>
+          <a:stretch>
+            <a:fillRect/>
+          </a:stretch>
+        </p:blipFill>
+        <p:spPr>
+          <a:xfrm>
+            <a:off x="5136825" y="621491"/>
+            <a:ext cx="7027040" cy="2909500"/>
+          </a:xfrm>
+          <a:prstGeom prst="rect">
+            <a:avLst/>
+          </a:prstGeom>
+          <a:ln>
+            <a:solidFill>
+              <a:schemeClr val="accent1">
+                <a:shade val="50000"/>
+              </a:schemeClr>
+            </a:solidFill>
+          </a:ln>
+        </p:spPr>
+      </p:pic>
+      <p:sp>
+        <p:nvSpPr>
+          <p:cNvPr id="7" name="Rectangle 6">
+            <a:extLst>
+              <a:ext uri="{FF2B5EF4-FFF2-40B4-BE49-F238E27FC236}">
+                <a16:creationId xmlns:a16="http://schemas.microsoft.com/office/drawing/2014/main" id="{53BEDC8A-78B0-435B-B2ED-658E5E9085C5}"/>
+              </a:ext>
+            </a:extLst>
+          </p:cNvPr>
+          <p:cNvSpPr/>
+          <p:nvPr/>
+        </p:nvSpPr>
+        <p:spPr>
+          <a:xfrm>
+            <a:off x="7597473" y="129901"/>
+            <a:ext cx="1766317" cy="461665"/>
+          </a:xfrm>
+          <a:prstGeom prst="rect">
+            <a:avLst/>
+          </a:prstGeom>
+        </p:spPr>
+        <p:txBody>
+          <a:bodyPr wrap="none">
+            <a:spAutoFit/>
+          </a:bodyPr>
+          <a:lstStyle/>
+          <a:p>
+            <a:r>
+              <a:rPr lang="en-US" sz="2400" b="1" i="1" dirty="0">
+                <a:highlight>
+                  <a:srgbClr val="FFFF00"/>
+                </a:highlight>
+              </a:rPr>
+              <a:t>After Tuning</a:t>
+            </a:r>
+          </a:p>
+        </p:txBody>
+      </p:sp>
+      <p:sp>
+        <p:nvSpPr>
+          <p:cNvPr id="9" name="Rectangle 8">
+            <a:extLst>
+              <a:ext uri="{FF2B5EF4-FFF2-40B4-BE49-F238E27FC236}">
+                <a16:creationId xmlns:a16="http://schemas.microsoft.com/office/drawing/2014/main" id="{17E53A96-8161-4F58-BB89-CD057A73AD9A}"/>
+              </a:ext>
+            </a:extLst>
+          </p:cNvPr>
+          <p:cNvSpPr/>
+          <p:nvPr/>
+        </p:nvSpPr>
+        <p:spPr>
+          <a:xfrm>
+            <a:off x="10114671" y="2602523"/>
+            <a:ext cx="787791" cy="393895"/>
+          </a:xfrm>
+          <a:prstGeom prst="rect">
+            <a:avLst/>
+          </a:prstGeom>
+          <a:noFill/>
+          <a:ln>
+            <a:solidFill>
+              <a:srgbClr val="0070C0"/>
+            </a:solidFill>
+          </a:ln>
+        </p:spPr>
+        <p:style>
+          <a:lnRef idx="2">
+            <a:schemeClr val="accent1">
+              <a:shade val="50000"/>
+            </a:schemeClr>
+          </a:lnRef>
+          <a:fillRef idx="1">
+            <a:schemeClr val="accent1"/>
+          </a:fillRef>
+          <a:effectRef idx="0">
+            <a:schemeClr val="accent1"/>
+          </a:effectRef>
+          <a:fontRef idx="minor">
+            <a:schemeClr val="lt1"/>
+          </a:fontRef>
+        </p:style>
+        <p:txBody>
+          <a:bodyPr rtlCol="0" anchor="ctr"/>
+          <a:lstStyle/>
+          <a:p>
+            <a:pPr algn="ctr"/>
+            <a:endParaRPr lang="en-US"/>
+          </a:p>
+        </p:txBody>
+      </p:sp>
+      <p:sp>
+        <p:nvSpPr>
+          <p:cNvPr id="10" name="Rectangle 9">
+            <a:extLst>
+              <a:ext uri="{FF2B5EF4-FFF2-40B4-BE49-F238E27FC236}">
+                <a16:creationId xmlns:a16="http://schemas.microsoft.com/office/drawing/2014/main" id="{7460CFE1-2199-4A6A-8EF5-4501FCB4684D}"/>
+              </a:ext>
+            </a:extLst>
+          </p:cNvPr>
+          <p:cNvSpPr/>
+          <p:nvPr/>
+        </p:nvSpPr>
+        <p:spPr>
+          <a:xfrm>
+            <a:off x="8909539" y="2208628"/>
+            <a:ext cx="787791" cy="393895"/>
+          </a:xfrm>
+          <a:prstGeom prst="rect">
+            <a:avLst/>
+          </a:prstGeom>
+          <a:noFill/>
+          <a:ln>
+            <a:solidFill>
+              <a:srgbClr val="FF0000"/>
+            </a:solidFill>
+          </a:ln>
+        </p:spPr>
+        <p:style>
+          <a:lnRef idx="2">
+            <a:schemeClr val="accent1">
+              <a:shade val="50000"/>
+            </a:schemeClr>
+          </a:lnRef>
+          <a:fillRef idx="1">
+            <a:schemeClr val="accent1"/>
+          </a:fillRef>
+          <a:effectRef idx="0">
+            <a:schemeClr val="accent1"/>
+          </a:effectRef>
+          <a:fontRef idx="minor">
+            <a:schemeClr val="lt1"/>
+          </a:fontRef>
+        </p:style>
+        <p:txBody>
+          <a:bodyPr rtlCol="0" anchor="ctr"/>
+          <a:lstStyle/>
+          <a:p>
+            <a:pPr algn="ctr"/>
+            <a:endParaRPr lang="en-US"/>
+          </a:p>
+        </p:txBody>
+      </p:sp>
+      <p:cxnSp>
+        <p:nvCxnSpPr>
+          <p:cNvPr id="11" name="Straight Arrow Connector 10">
+            <a:extLst>
+              <a:ext uri="{FF2B5EF4-FFF2-40B4-BE49-F238E27FC236}">
+                <a16:creationId xmlns:a16="http://schemas.microsoft.com/office/drawing/2014/main" id="{A9D5BF1C-C1BF-4018-A1BE-6310CB5FF88A}"/>
+              </a:ext>
+            </a:extLst>
+          </p:cNvPr>
+          <p:cNvCxnSpPr>
+            <a:cxnSpLocks/>
+          </p:cNvCxnSpPr>
+          <p:nvPr/>
+        </p:nvCxnSpPr>
+        <p:spPr>
+          <a:xfrm flipV="1">
+            <a:off x="8466563" y="2596494"/>
+            <a:ext cx="457272" cy="299441"/>
+          </a:xfrm>
+          <a:prstGeom prst="straightConnector1">
+            <a:avLst/>
+          </a:prstGeom>
+          <a:ln w="38100">
+            <a:solidFill>
+              <a:srgbClr val="FF0000"/>
+            </a:solidFill>
+            <a:headEnd w="lg" len="lg"/>
+            <a:tailEnd type="triangle" w="lg" len="lg"/>
+          </a:ln>
+        </p:spPr>
+        <p:style>
+          <a:lnRef idx="1">
+            <a:schemeClr val="accent1"/>
+          </a:lnRef>
+          <a:fillRef idx="0">
+            <a:schemeClr val="accent1"/>
+          </a:fillRef>
+          <a:effectRef idx="0">
+            <a:schemeClr val="accent1"/>
+          </a:effectRef>
+          <a:fontRef idx="minor">
+            <a:schemeClr val="tx1"/>
+          </a:fontRef>
+        </p:style>
+      </p:cxnSp>
+      <p:cxnSp>
+        <p:nvCxnSpPr>
+          <p:cNvPr id="15" name="Straight Arrow Connector 14">
+            <a:extLst>
+              <a:ext uri="{FF2B5EF4-FFF2-40B4-BE49-F238E27FC236}">
+                <a16:creationId xmlns:a16="http://schemas.microsoft.com/office/drawing/2014/main" id="{3609B267-3DEB-4848-8FCD-C44A7AD5BC14}"/>
+              </a:ext>
+            </a:extLst>
+          </p:cNvPr>
+          <p:cNvCxnSpPr>
+            <a:cxnSpLocks/>
+          </p:cNvCxnSpPr>
+          <p:nvPr/>
+        </p:nvCxnSpPr>
+        <p:spPr>
+          <a:xfrm flipV="1">
+            <a:off x="9718359" y="2996418"/>
+            <a:ext cx="396312" cy="351473"/>
+          </a:xfrm>
+          <a:prstGeom prst="straightConnector1">
+            <a:avLst/>
+          </a:prstGeom>
+          <a:ln w="38100">
+            <a:solidFill>
+              <a:srgbClr val="0070C0"/>
+            </a:solidFill>
+            <a:headEnd w="lg" len="lg"/>
+            <a:tailEnd type="triangle" w="lg" len="lg"/>
+          </a:ln>
+        </p:spPr>
+        <p:style>
+          <a:lnRef idx="1">
+            <a:schemeClr val="accent1"/>
+          </a:lnRef>
+          <a:fillRef idx="0">
+            <a:schemeClr val="accent1"/>
+          </a:fillRef>
+          <a:effectRef idx="0">
+            <a:schemeClr val="accent1"/>
+          </a:effectRef>
+          <a:fontRef idx="minor">
+            <a:schemeClr val="tx1"/>
+          </a:fontRef>
+        </p:style>
+      </p:cxnSp>
+      <p:pic>
+        <p:nvPicPr>
+          <p:cNvPr id="17" name="Picture 16">
+            <a:extLst>
+              <a:ext uri="{FF2B5EF4-FFF2-40B4-BE49-F238E27FC236}">
+                <a16:creationId xmlns:a16="http://schemas.microsoft.com/office/drawing/2014/main" id="{85317B16-AFDB-4D88-9EFE-FD34F5CC3B34}"/>
+              </a:ext>
+            </a:extLst>
+          </p:cNvPr>
+          <p:cNvPicPr>
+            <a:picLocks noChangeAspect="1"/>
+          </p:cNvPicPr>
+          <p:nvPr/>
+        </p:nvPicPr>
+        <p:blipFill>
+          <a:blip r:embed="rId6"/>
+          <a:stretch>
+            <a:fillRect/>
+          </a:stretch>
+        </p:blipFill>
+        <p:spPr>
+          <a:xfrm>
+            <a:off x="9858493" y="18311"/>
+            <a:ext cx="2305372" cy="581106"/>
+          </a:xfrm>
+          <a:prstGeom prst="rect">
+            <a:avLst/>
+          </a:prstGeom>
+        </p:spPr>
+      </p:pic>
+      <p:sp>
+        <p:nvSpPr>
+          <p:cNvPr id="12" name="Rectangle 11">
+            <a:extLst>
+              <a:ext uri="{FF2B5EF4-FFF2-40B4-BE49-F238E27FC236}">
+                <a16:creationId xmlns:a16="http://schemas.microsoft.com/office/drawing/2014/main" id="{21D6F115-1C68-4D83-A62F-C8CA6C750D6A}"/>
+              </a:ext>
+            </a:extLst>
+          </p:cNvPr>
+          <p:cNvSpPr/>
+          <p:nvPr/>
+        </p:nvSpPr>
+        <p:spPr>
+          <a:xfrm>
+            <a:off x="9818169" y="4245490"/>
+            <a:ext cx="2283668" cy="1477328"/>
+          </a:xfrm>
+          <a:prstGeom prst="rect">
+            <a:avLst/>
+          </a:prstGeom>
+        </p:spPr>
+        <p:txBody>
+          <a:bodyPr wrap="square">
+            <a:spAutoFit/>
+          </a:bodyPr>
+          <a:lstStyle/>
+          <a:p>
+            <a:r>
+              <a:rPr lang="en-US" i="1" dirty="0">
+                <a:solidFill>
+                  <a:srgbClr val="000000"/>
+                </a:solidFill>
+                <a:latin typeface="Helvetica Neue"/>
+              </a:rPr>
+              <a:t>{'C': 1.0, '</a:t>
+            </a:r>
+            <a:r>
+              <a:rPr lang="en-US" i="1" dirty="0" err="1">
+                <a:solidFill>
+                  <a:srgbClr val="000000"/>
+                </a:solidFill>
+                <a:latin typeface="Helvetica Neue"/>
+              </a:rPr>
+              <a:t>fit_intercept</a:t>
+            </a:r>
+            <a:r>
+              <a:rPr lang="en-US" i="1" dirty="0">
+                <a:solidFill>
+                  <a:srgbClr val="000000"/>
+                </a:solidFill>
+                <a:latin typeface="Helvetica Neue"/>
+              </a:rPr>
+              <a:t>': True, '</a:t>
+            </a:r>
+            <a:r>
+              <a:rPr lang="en-US" i="1" dirty="0" err="1">
+                <a:solidFill>
+                  <a:srgbClr val="000000"/>
+                </a:solidFill>
+                <a:latin typeface="Helvetica Neue"/>
+              </a:rPr>
+              <a:t>max_iter</a:t>
+            </a:r>
+            <a:r>
+              <a:rPr lang="en-US" i="1" dirty="0">
+                <a:solidFill>
+                  <a:srgbClr val="000000"/>
+                </a:solidFill>
+                <a:latin typeface="Helvetica Neue"/>
+              </a:rPr>
+              <a:t>': 5000, 'penalty': 'l2', 'solver': 'sag', '</a:t>
+            </a:r>
+            <a:r>
+              <a:rPr lang="en-US" i="1" dirty="0" err="1">
+                <a:solidFill>
+                  <a:srgbClr val="000000"/>
+                </a:solidFill>
+                <a:latin typeface="Helvetica Neue"/>
+              </a:rPr>
+              <a:t>tol</a:t>
+            </a:r>
+            <a:r>
+              <a:rPr lang="en-US" i="1" dirty="0">
+                <a:solidFill>
+                  <a:srgbClr val="000000"/>
+                </a:solidFill>
+                <a:latin typeface="Helvetica Neue"/>
+              </a:rPr>
+              <a:t>': 0.1}</a:t>
+            </a:r>
+            <a:endParaRPr lang="en-US" dirty="0"/>
+          </a:p>
+        </p:txBody>
+      </p:sp>
+    </p:spTree>
+    <p:extLst>
+      <p:ext uri="{BB962C8B-B14F-4D97-AF65-F5344CB8AC3E}">
+        <p14:creationId xmlns:p14="http://schemas.microsoft.com/office/powerpoint/2010/main" val="527347859"/>
+      </p:ext>
+    </p:extLst>
+  </p:cSld>
+  <p:clrMapOvr>
+    <a:masterClrMapping/>
+  </p:clrMapOvr>
+</p:sld>
+</file>
+
+<file path=ppt/slides/slide21.xml><?xml version="1.0" encoding="utf-8"?>
+<p:sld xmlns:a="http://schemas.openxmlformats.org/drawingml/2006/main" xmlns:r="http://schemas.openxmlformats.org/officeDocument/2006/relationships" xmlns:p="http://schemas.openxmlformats.org/presentationml/2006/main">
+  <p:cSld>
+    <p:spTree>
+      <p:nvGrpSpPr>
+        <p:cNvPr id="1" name=""/>
+        <p:cNvGrpSpPr/>
+        <p:nvPr/>
+      </p:nvGrpSpPr>
+      <p:grpSpPr>
+        <a:xfrm>
+          <a:off x="0" y="0"/>
+          <a:ext cx="0" cy="0"/>
+          <a:chOff x="0" y="0"/>
+          <a:chExt cx="0" cy="0"/>
+        </a:xfrm>
+      </p:grpSpPr>
+      <p:pic>
+        <p:nvPicPr>
+          <p:cNvPr id="4" name="Picture 3">
+            <a:extLst>
+              <a:ext uri="{FF2B5EF4-FFF2-40B4-BE49-F238E27FC236}">
+                <a16:creationId xmlns:a16="http://schemas.microsoft.com/office/drawing/2014/main" id="{57248140-4768-4F54-8760-92DC4CF1886C}"/>
+              </a:ext>
+            </a:extLst>
+          </p:cNvPr>
+          <p:cNvPicPr>
+            <a:picLocks noChangeAspect="1"/>
+          </p:cNvPicPr>
+          <p:nvPr/>
+        </p:nvPicPr>
+        <p:blipFill>
+          <a:blip r:embed="rId2"/>
+          <a:stretch>
+            <a:fillRect/>
+          </a:stretch>
+        </p:blipFill>
+        <p:spPr>
+          <a:xfrm>
+            <a:off x="296031" y="98476"/>
+            <a:ext cx="4458849" cy="3435662"/>
+          </a:xfrm>
+          <a:prstGeom prst="rect">
+            <a:avLst/>
+          </a:prstGeom>
+        </p:spPr>
+      </p:pic>
+      <p:pic>
+        <p:nvPicPr>
+          <p:cNvPr id="5" name="Picture 4">
+            <a:extLst>
+              <a:ext uri="{FF2B5EF4-FFF2-40B4-BE49-F238E27FC236}">
+                <a16:creationId xmlns:a16="http://schemas.microsoft.com/office/drawing/2014/main" id="{BC216D79-5530-4975-A4BB-9D73BC467147}"/>
+              </a:ext>
+            </a:extLst>
+          </p:cNvPr>
+          <p:cNvPicPr>
+            <a:picLocks noChangeAspect="1"/>
+          </p:cNvPicPr>
+          <p:nvPr/>
+        </p:nvPicPr>
+        <p:blipFill>
+          <a:blip r:embed="rId3"/>
+          <a:stretch>
+            <a:fillRect/>
+          </a:stretch>
+        </p:blipFill>
+        <p:spPr>
+          <a:xfrm>
+            <a:off x="4965895" y="627889"/>
+            <a:ext cx="7212037" cy="2943337"/>
+          </a:xfrm>
+          <a:prstGeom prst="rect">
+            <a:avLst/>
+          </a:prstGeom>
+          <a:ln>
+            <a:solidFill>
+              <a:schemeClr val="tx1"/>
+            </a:solidFill>
+          </a:ln>
+        </p:spPr>
+      </p:pic>
+      <p:pic>
+        <p:nvPicPr>
+          <p:cNvPr id="6" name="Picture 5">
+            <a:extLst>
+              <a:ext uri="{FF2B5EF4-FFF2-40B4-BE49-F238E27FC236}">
+                <a16:creationId xmlns:a16="http://schemas.microsoft.com/office/drawing/2014/main" id="{B62C23FC-635D-4DA8-867F-F86EFC2E14B1}"/>
+              </a:ext>
+            </a:extLst>
+          </p:cNvPr>
+          <p:cNvPicPr>
+            <a:picLocks noChangeAspect="1"/>
+          </p:cNvPicPr>
+          <p:nvPr/>
+        </p:nvPicPr>
+        <p:blipFill>
+          <a:blip r:embed="rId4"/>
+          <a:stretch>
+            <a:fillRect/>
+          </a:stretch>
+        </p:blipFill>
+        <p:spPr>
+          <a:xfrm>
+            <a:off x="171271" y="3771030"/>
+            <a:ext cx="4708368" cy="2988494"/>
+          </a:xfrm>
+          <a:prstGeom prst="rect">
+            <a:avLst/>
+          </a:prstGeom>
+        </p:spPr>
+      </p:pic>
+      <p:pic>
+        <p:nvPicPr>
+          <p:cNvPr id="7" name="Picture 6">
+            <a:extLst>
+              <a:ext uri="{FF2B5EF4-FFF2-40B4-BE49-F238E27FC236}">
+                <a16:creationId xmlns:a16="http://schemas.microsoft.com/office/drawing/2014/main" id="{E14F7A8F-814D-4CD4-BA49-F4488F0C603B}"/>
+              </a:ext>
+            </a:extLst>
+          </p:cNvPr>
+          <p:cNvPicPr>
+            <a:picLocks noChangeAspect="1"/>
+          </p:cNvPicPr>
+          <p:nvPr/>
+        </p:nvPicPr>
+        <p:blipFill>
+          <a:blip r:embed="rId5"/>
+          <a:stretch>
+            <a:fillRect/>
+          </a:stretch>
+        </p:blipFill>
+        <p:spPr>
+          <a:xfrm>
+            <a:off x="4831270" y="3754520"/>
+            <a:ext cx="4887089" cy="3103480"/>
+          </a:xfrm>
+          <a:prstGeom prst="rect">
+            <a:avLst/>
+          </a:prstGeom>
+        </p:spPr>
+      </p:pic>
+      <p:pic>
+        <p:nvPicPr>
+          <p:cNvPr id="8" name="Picture 7">
+            <a:extLst>
+              <a:ext uri="{FF2B5EF4-FFF2-40B4-BE49-F238E27FC236}">
+                <a16:creationId xmlns:a16="http://schemas.microsoft.com/office/drawing/2014/main" id="{1FF3F2F3-977C-4797-9E2F-1B1EB7230E94}"/>
+              </a:ext>
+            </a:extLst>
+          </p:cNvPr>
+          <p:cNvPicPr>
+            <a:picLocks noChangeAspect="1"/>
+          </p:cNvPicPr>
+          <p:nvPr/>
+        </p:nvPicPr>
+        <p:blipFill>
+          <a:blip r:embed="rId6"/>
+          <a:stretch>
+            <a:fillRect/>
+          </a:stretch>
+        </p:blipFill>
+        <p:spPr>
+          <a:xfrm>
+            <a:off x="9886628" y="0"/>
+            <a:ext cx="2305372" cy="581106"/>
+          </a:xfrm>
+          <a:prstGeom prst="rect">
+            <a:avLst/>
+          </a:prstGeom>
+        </p:spPr>
+      </p:pic>
+      <p:sp>
+        <p:nvSpPr>
+          <p:cNvPr id="9" name="Rectangle 8">
+            <a:extLst>
+              <a:ext uri="{FF2B5EF4-FFF2-40B4-BE49-F238E27FC236}">
+                <a16:creationId xmlns:a16="http://schemas.microsoft.com/office/drawing/2014/main" id="{CE0BABE8-ABDA-4582-AC15-D41BC55EF77F}"/>
+              </a:ext>
+            </a:extLst>
+          </p:cNvPr>
+          <p:cNvSpPr/>
+          <p:nvPr/>
+        </p:nvSpPr>
+        <p:spPr>
+          <a:xfrm>
+            <a:off x="7597473" y="129901"/>
+            <a:ext cx="1766317" cy="461665"/>
+          </a:xfrm>
+          <a:prstGeom prst="rect">
+            <a:avLst/>
+          </a:prstGeom>
+        </p:spPr>
+        <p:txBody>
+          <a:bodyPr wrap="none">
+            <a:spAutoFit/>
+          </a:bodyPr>
+          <a:lstStyle/>
+          <a:p>
+            <a:r>
+              <a:rPr lang="en-US" sz="2400" b="1" i="1" dirty="0">
+                <a:highlight>
+                  <a:srgbClr val="FFFF00"/>
+                </a:highlight>
+              </a:rPr>
+              <a:t>After Tuning</a:t>
+            </a:r>
+          </a:p>
+        </p:txBody>
+      </p:sp>
+      <p:sp>
+        <p:nvSpPr>
+          <p:cNvPr id="10" name="Rectangle 9">
+            <a:extLst>
+              <a:ext uri="{FF2B5EF4-FFF2-40B4-BE49-F238E27FC236}">
+                <a16:creationId xmlns:a16="http://schemas.microsoft.com/office/drawing/2014/main" id="{00FA82A4-7050-4C21-B72C-5A15C225F1D0}"/>
+              </a:ext>
+            </a:extLst>
+          </p:cNvPr>
+          <p:cNvSpPr/>
+          <p:nvPr/>
+        </p:nvSpPr>
+        <p:spPr>
+          <a:xfrm>
+            <a:off x="10114671" y="2574387"/>
+            <a:ext cx="787791" cy="393895"/>
+          </a:xfrm>
+          <a:prstGeom prst="rect">
+            <a:avLst/>
+          </a:prstGeom>
+          <a:noFill/>
+          <a:ln>
+            <a:solidFill>
+              <a:srgbClr val="0070C0"/>
+            </a:solidFill>
+          </a:ln>
+        </p:spPr>
+        <p:style>
+          <a:lnRef idx="2">
+            <a:schemeClr val="accent1">
+              <a:shade val="50000"/>
+            </a:schemeClr>
+          </a:lnRef>
+          <a:fillRef idx="1">
+            <a:schemeClr val="accent1"/>
+          </a:fillRef>
+          <a:effectRef idx="0">
+            <a:schemeClr val="accent1"/>
+          </a:effectRef>
+          <a:fontRef idx="minor">
+            <a:schemeClr val="lt1"/>
+          </a:fontRef>
+        </p:style>
+        <p:txBody>
+          <a:bodyPr rtlCol="0" anchor="ctr"/>
+          <a:lstStyle/>
+          <a:p>
+            <a:pPr algn="ctr"/>
+            <a:endParaRPr lang="en-US"/>
+          </a:p>
+        </p:txBody>
+      </p:sp>
+      <p:sp>
+        <p:nvSpPr>
+          <p:cNvPr id="11" name="Rectangle 10">
+            <a:extLst>
+              <a:ext uri="{FF2B5EF4-FFF2-40B4-BE49-F238E27FC236}">
+                <a16:creationId xmlns:a16="http://schemas.microsoft.com/office/drawing/2014/main" id="{91CE2E16-B8C4-40DB-A4DF-1FE0FF7225F3}"/>
+              </a:ext>
+            </a:extLst>
+          </p:cNvPr>
+          <p:cNvSpPr/>
+          <p:nvPr/>
+        </p:nvSpPr>
+        <p:spPr>
+          <a:xfrm>
+            <a:off x="8909539" y="2180492"/>
+            <a:ext cx="787791" cy="393895"/>
+          </a:xfrm>
+          <a:prstGeom prst="rect">
+            <a:avLst/>
+          </a:prstGeom>
+          <a:noFill/>
+          <a:ln>
+            <a:solidFill>
+              <a:srgbClr val="FF0000"/>
+            </a:solidFill>
+          </a:ln>
+        </p:spPr>
+        <p:style>
+          <a:lnRef idx="2">
+            <a:schemeClr val="accent1">
+              <a:shade val="50000"/>
+            </a:schemeClr>
+          </a:lnRef>
+          <a:fillRef idx="1">
+            <a:schemeClr val="accent1"/>
+          </a:fillRef>
+          <a:effectRef idx="0">
+            <a:schemeClr val="accent1"/>
+          </a:effectRef>
+          <a:fontRef idx="minor">
+            <a:schemeClr val="lt1"/>
+          </a:fontRef>
+        </p:style>
+        <p:txBody>
+          <a:bodyPr rtlCol="0" anchor="ctr"/>
+          <a:lstStyle/>
+          <a:p>
+            <a:pPr algn="ctr"/>
+            <a:endParaRPr lang="en-US"/>
+          </a:p>
+        </p:txBody>
+      </p:sp>
+      <p:cxnSp>
+        <p:nvCxnSpPr>
+          <p:cNvPr id="12" name="Straight Arrow Connector 11">
+            <a:extLst>
+              <a:ext uri="{FF2B5EF4-FFF2-40B4-BE49-F238E27FC236}">
+                <a16:creationId xmlns:a16="http://schemas.microsoft.com/office/drawing/2014/main" id="{75BC9A5D-3FCE-4DDD-8B29-B1F43DA0F610}"/>
+              </a:ext>
+            </a:extLst>
+          </p:cNvPr>
+          <p:cNvCxnSpPr>
+            <a:cxnSpLocks/>
+          </p:cNvCxnSpPr>
+          <p:nvPr/>
+        </p:nvCxnSpPr>
+        <p:spPr>
+          <a:xfrm flipV="1">
+            <a:off x="8466563" y="2568358"/>
+            <a:ext cx="457272" cy="299441"/>
+          </a:xfrm>
+          <a:prstGeom prst="straightConnector1">
+            <a:avLst/>
+          </a:prstGeom>
+          <a:ln w="38100">
+            <a:solidFill>
+              <a:srgbClr val="FF0000"/>
+            </a:solidFill>
+            <a:headEnd w="lg" len="lg"/>
+            <a:tailEnd type="triangle" w="lg" len="lg"/>
+          </a:ln>
+        </p:spPr>
+        <p:style>
+          <a:lnRef idx="1">
+            <a:schemeClr val="accent1"/>
+          </a:lnRef>
+          <a:fillRef idx="0">
+            <a:schemeClr val="accent1"/>
+          </a:fillRef>
+          <a:effectRef idx="0">
+            <a:schemeClr val="accent1"/>
+          </a:effectRef>
+          <a:fontRef idx="minor">
+            <a:schemeClr val="tx1"/>
+          </a:fontRef>
+        </p:style>
+      </p:cxnSp>
+      <p:cxnSp>
+        <p:nvCxnSpPr>
+          <p:cNvPr id="13" name="Straight Arrow Connector 12">
+            <a:extLst>
+              <a:ext uri="{FF2B5EF4-FFF2-40B4-BE49-F238E27FC236}">
+                <a16:creationId xmlns:a16="http://schemas.microsoft.com/office/drawing/2014/main" id="{EC3B3EC0-A01A-4D43-8653-64E4359A9BCC}"/>
+              </a:ext>
+            </a:extLst>
+          </p:cNvPr>
+          <p:cNvCxnSpPr>
+            <a:cxnSpLocks/>
+          </p:cNvCxnSpPr>
+          <p:nvPr/>
+        </p:nvCxnSpPr>
+        <p:spPr>
+          <a:xfrm flipV="1">
+            <a:off x="9718359" y="2968282"/>
+            <a:ext cx="396312" cy="351473"/>
+          </a:xfrm>
+          <a:prstGeom prst="straightConnector1">
+            <a:avLst/>
+          </a:prstGeom>
+          <a:ln w="38100">
+            <a:solidFill>
+              <a:srgbClr val="0070C0"/>
+            </a:solidFill>
+            <a:headEnd w="lg" len="lg"/>
+            <a:tailEnd type="triangle" w="lg" len="lg"/>
+          </a:ln>
+        </p:spPr>
+        <p:style>
+          <a:lnRef idx="1">
+            <a:schemeClr val="accent1"/>
+          </a:lnRef>
+          <a:fillRef idx="0">
+            <a:schemeClr val="accent1"/>
+          </a:fillRef>
+          <a:effectRef idx="0">
+            <a:schemeClr val="accent1"/>
+          </a:effectRef>
+          <a:fontRef idx="minor">
+            <a:schemeClr val="tx1"/>
+          </a:fontRef>
+        </p:style>
+      </p:cxnSp>
+      <p:sp>
+        <p:nvSpPr>
+          <p:cNvPr id="14" name="Rectangle 13">
+            <a:extLst>
+              <a:ext uri="{FF2B5EF4-FFF2-40B4-BE49-F238E27FC236}">
+                <a16:creationId xmlns:a16="http://schemas.microsoft.com/office/drawing/2014/main" id="{D9BAB821-4659-44D0-A99A-5BA19E7E4AF1}"/>
+              </a:ext>
+            </a:extLst>
+          </p:cNvPr>
+          <p:cNvSpPr/>
+          <p:nvPr/>
+        </p:nvSpPr>
+        <p:spPr>
+          <a:xfrm>
+            <a:off x="9609519" y="4312142"/>
+            <a:ext cx="2516777" cy="1477328"/>
+          </a:xfrm>
+          <a:prstGeom prst="rect">
+            <a:avLst/>
+          </a:prstGeom>
+        </p:spPr>
+        <p:txBody>
+          <a:bodyPr wrap="square">
+            <a:spAutoFit/>
+          </a:bodyPr>
+          <a:lstStyle/>
+          <a:p>
+            <a:r>
+              <a:rPr lang="en-US" i="1" dirty="0">
+                <a:solidFill>
+                  <a:srgbClr val="000000"/>
+                </a:solidFill>
+                <a:latin typeface="Helvetica Neue"/>
+              </a:rPr>
+              <a:t>{'bootstrap': True, '</a:t>
+            </a:r>
+            <a:r>
+              <a:rPr lang="en-US" i="1" dirty="0" err="1">
+                <a:solidFill>
+                  <a:srgbClr val="000000"/>
+                </a:solidFill>
+                <a:latin typeface="Helvetica Neue"/>
+              </a:rPr>
+              <a:t>max_depth</a:t>
+            </a:r>
+            <a:r>
+              <a:rPr lang="en-US" i="1" dirty="0">
+                <a:solidFill>
+                  <a:srgbClr val="000000"/>
+                </a:solidFill>
+                <a:latin typeface="Helvetica Neue"/>
+              </a:rPr>
+              <a:t>': 31, '</a:t>
+            </a:r>
+            <a:r>
+              <a:rPr lang="en-US" i="1" dirty="0" err="1">
+                <a:solidFill>
+                  <a:srgbClr val="000000"/>
+                </a:solidFill>
+                <a:latin typeface="Helvetica Neue"/>
+              </a:rPr>
+              <a:t>min_samples_split</a:t>
+            </a:r>
+            <a:r>
+              <a:rPr lang="en-US" i="1" dirty="0">
+                <a:solidFill>
+                  <a:srgbClr val="000000"/>
+                </a:solidFill>
+                <a:latin typeface="Helvetica Neue"/>
+              </a:rPr>
+              <a:t>': 27, '</a:t>
+            </a:r>
+            <a:r>
+              <a:rPr lang="en-US" i="1" dirty="0" err="1">
+                <a:solidFill>
+                  <a:srgbClr val="000000"/>
+                </a:solidFill>
+                <a:latin typeface="Helvetica Neue"/>
+              </a:rPr>
+              <a:t>n_estimators</a:t>
+            </a:r>
+            <a:r>
+              <a:rPr lang="en-US" i="1" dirty="0">
+                <a:solidFill>
+                  <a:srgbClr val="000000"/>
+                </a:solidFill>
+                <a:latin typeface="Helvetica Neue"/>
+              </a:rPr>
+              <a:t>': 150, '</a:t>
+            </a:r>
+            <a:r>
+              <a:rPr lang="en-US" i="1" dirty="0" err="1">
+                <a:solidFill>
+                  <a:srgbClr val="000000"/>
+                </a:solidFill>
+                <a:latin typeface="Helvetica Neue"/>
+              </a:rPr>
+              <a:t>oob_score</a:t>
+            </a:r>
+            <a:r>
+              <a:rPr lang="en-US" i="1" dirty="0">
+                <a:solidFill>
+                  <a:srgbClr val="000000"/>
+                </a:solidFill>
+                <a:latin typeface="Helvetica Neue"/>
+              </a:rPr>
+              <a:t>': True}</a:t>
+            </a:r>
+            <a:endParaRPr lang="en-US" dirty="0"/>
+          </a:p>
+        </p:txBody>
+      </p:sp>
+    </p:spTree>
+    <p:extLst>
+      <p:ext uri="{BB962C8B-B14F-4D97-AF65-F5344CB8AC3E}">
+        <p14:creationId xmlns:p14="http://schemas.microsoft.com/office/powerpoint/2010/main" val="2956144397"/>
+      </p:ext>
+    </p:extLst>
+  </p:cSld>
+  <p:clrMapOvr>
+    <a:masterClrMapping/>
+  </p:clrMapOvr>
+</p:sld>
+</file>
+
+<file path=ppt/slides/slide22.xml><?xml version="1.0" encoding="utf-8"?>
+<p:sld xmlns:a="http://schemas.openxmlformats.org/drawingml/2006/main" xmlns:r="http://schemas.openxmlformats.org/officeDocument/2006/relationships" xmlns:p="http://schemas.openxmlformats.org/presentationml/2006/main">
+  <p:cSld>
+    <p:spTree>
+      <p:nvGrpSpPr>
+        <p:cNvPr id="1" name=""/>
+        <p:cNvGrpSpPr/>
+        <p:nvPr/>
+      </p:nvGrpSpPr>
+      <p:grpSpPr>
+        <a:xfrm>
+          <a:off x="0" y="0"/>
+          <a:ext cx="0" cy="0"/>
+          <a:chOff x="0" y="0"/>
+          <a:chExt cx="0" cy="0"/>
+        </a:xfrm>
+      </p:grpSpPr>
+      <p:pic>
+        <p:nvPicPr>
+          <p:cNvPr id="2" name="Picture 2" descr="Image result for reinsurance">
+            <a:extLst>
+              <a:ext uri="{FF2B5EF4-FFF2-40B4-BE49-F238E27FC236}">
+                <a16:creationId xmlns:a16="http://schemas.microsoft.com/office/drawing/2014/main" id="{070B068F-9DF1-4994-B3D8-383BD3A776BB}"/>
+              </a:ext>
+            </a:extLst>
+          </p:cNvPr>
+          <p:cNvPicPr>
+            <a:picLocks noChangeAspect="1" noChangeArrowheads="1"/>
+          </p:cNvPicPr>
+          <p:nvPr/>
+        </p:nvPicPr>
+        <p:blipFill rotWithShape="1">
+          <a:blip r:embed="rId2">
+            <a:extLst>
+              <a:ext uri="{28A0092B-C50C-407E-A947-70E740481C1C}">
+                <a14:useLocalDpi xmlns:a14="http://schemas.microsoft.com/office/drawing/2010/main" val="0"/>
+              </a:ext>
+            </a:extLst>
+          </a:blip>
+          <a:srcRect l="20174" r="21466"/>
+          <a:stretch/>
+        </p:blipFill>
+        <p:spPr bwMode="auto">
+          <a:xfrm>
+            <a:off x="2341" y="5552667"/>
+            <a:ext cx="1352390" cy="1305333"/>
+          </a:xfrm>
+          <a:prstGeom prst="rect">
+            <a:avLst/>
+          </a:prstGeom>
+          <a:noFill/>
+          <a:extLst>
+            <a:ext uri="{909E8E84-426E-40DD-AFC4-6F175D3DCCD1}">
+              <a14:hiddenFill xmlns:a14="http://schemas.microsoft.com/office/drawing/2010/main">
+                <a:solidFill>
+                  <a:srgbClr val="FFFFFF"/>
+                </a:solidFill>
+              </a14:hiddenFill>
+            </a:ext>
+          </a:extLst>
+        </p:spPr>
+      </p:pic>
+      <p:sp>
+        <p:nvSpPr>
+          <p:cNvPr id="3" name="TextBox 2">
+            <a:extLst>
+              <a:ext uri="{FF2B5EF4-FFF2-40B4-BE49-F238E27FC236}">
+                <a16:creationId xmlns:a16="http://schemas.microsoft.com/office/drawing/2014/main" id="{FA3CE48E-1C65-4AF0-9746-7B90E5646535}"/>
+              </a:ext>
+            </a:extLst>
+          </p:cNvPr>
+          <p:cNvSpPr txBox="1"/>
+          <p:nvPr/>
+        </p:nvSpPr>
+        <p:spPr>
+          <a:xfrm>
+            <a:off x="108524" y="134649"/>
+            <a:ext cx="5219115" cy="523220"/>
+          </a:xfrm>
+          <a:prstGeom prst="rect">
+            <a:avLst/>
+          </a:prstGeom>
+          <a:noFill/>
+        </p:spPr>
+        <p:txBody>
+          <a:bodyPr wrap="square" rtlCol="0">
+            <a:spAutoFit/>
+          </a:bodyPr>
+          <a:lstStyle/>
+          <a:p>
+            <a:r>
+              <a:rPr lang="en-US" sz="2800" b="1" dirty="0"/>
+              <a:t>Comparison</a:t>
+            </a:r>
+          </a:p>
+        </p:txBody>
+      </p:sp>
+      <p:grpSp>
+        <p:nvGrpSpPr>
+          <p:cNvPr id="17" name="Group 16">
+            <a:extLst>
+              <a:ext uri="{FF2B5EF4-FFF2-40B4-BE49-F238E27FC236}">
+                <a16:creationId xmlns:a16="http://schemas.microsoft.com/office/drawing/2014/main" id="{61F5B0BC-10C8-4446-A419-3071901893C2}"/>
+              </a:ext>
+            </a:extLst>
+          </p:cNvPr>
+          <p:cNvGrpSpPr/>
+          <p:nvPr/>
+        </p:nvGrpSpPr>
+        <p:grpSpPr>
+          <a:xfrm>
+            <a:off x="2582480" y="3716386"/>
+            <a:ext cx="7027040" cy="2909500"/>
+            <a:chOff x="4807024" y="3619283"/>
+            <a:chExt cx="7212037" cy="2943337"/>
+          </a:xfrm>
+        </p:grpSpPr>
+        <p:pic>
+          <p:nvPicPr>
+            <p:cNvPr id="12" name="Picture 11">
+              <a:extLst>
+                <a:ext uri="{FF2B5EF4-FFF2-40B4-BE49-F238E27FC236}">
+                  <a16:creationId xmlns:a16="http://schemas.microsoft.com/office/drawing/2014/main" id="{64DDAB54-BA93-4722-9739-47518E1E1FE8}"/>
+                </a:ext>
+              </a:extLst>
+            </p:cNvPr>
+            <p:cNvPicPr>
+              <a:picLocks noChangeAspect="1"/>
+            </p:cNvPicPr>
+            <p:nvPr/>
+          </p:nvPicPr>
+          <p:blipFill>
+            <a:blip r:embed="rId3"/>
+            <a:stretch>
+              <a:fillRect/>
+            </a:stretch>
+          </p:blipFill>
+          <p:spPr>
+            <a:xfrm>
+              <a:off x="4807024" y="3619283"/>
+              <a:ext cx="7212037" cy="2943337"/>
+            </a:xfrm>
+            <a:prstGeom prst="rect">
+              <a:avLst/>
+            </a:prstGeom>
+            <a:ln>
+              <a:solidFill>
+                <a:schemeClr val="tx1"/>
+              </a:solidFill>
+            </a:ln>
+          </p:spPr>
+        </p:pic>
+        <p:sp>
+          <p:nvSpPr>
+            <p:cNvPr id="13" name="Rectangle 12">
+              <a:extLst>
+                <a:ext uri="{FF2B5EF4-FFF2-40B4-BE49-F238E27FC236}">
+                  <a16:creationId xmlns:a16="http://schemas.microsoft.com/office/drawing/2014/main" id="{9671E5B1-A5BF-492A-B37D-7B2315B0C1E6}"/>
+                </a:ext>
+              </a:extLst>
+            </p:cNvPr>
+            <p:cNvSpPr/>
+            <p:nvPr/>
+          </p:nvSpPr>
+          <p:spPr>
+            <a:xfrm>
+              <a:off x="9955800" y="5565781"/>
+              <a:ext cx="787791" cy="393895"/>
+            </a:xfrm>
+            <a:prstGeom prst="rect">
+              <a:avLst/>
+            </a:prstGeom>
+            <a:noFill/>
+            <a:ln>
+              <a:solidFill>
+                <a:srgbClr val="0070C0"/>
+              </a:solidFill>
+            </a:ln>
+          </p:spPr>
+          <p:style>
+            <a:lnRef idx="2">
+              <a:schemeClr val="accent1">
+                <a:shade val="50000"/>
+              </a:schemeClr>
+            </a:lnRef>
+            <a:fillRef idx="1">
+              <a:schemeClr val="accent1"/>
+            </a:fillRef>
+            <a:effectRef idx="0">
+              <a:schemeClr val="accent1"/>
+            </a:effectRef>
+            <a:fontRef idx="minor">
+              <a:schemeClr val="lt1"/>
+            </a:fontRef>
+          </p:style>
+          <p:txBody>
+            <a:bodyPr rtlCol="0" anchor="ctr"/>
+            <a:lstStyle/>
+            <a:p>
+              <a:pPr algn="ctr"/>
+              <a:endParaRPr lang="en-US"/>
+            </a:p>
+          </p:txBody>
+        </p:sp>
+        <p:sp>
+          <p:nvSpPr>
+            <p:cNvPr id="14" name="Rectangle 13">
+              <a:extLst>
+                <a:ext uri="{FF2B5EF4-FFF2-40B4-BE49-F238E27FC236}">
+                  <a16:creationId xmlns:a16="http://schemas.microsoft.com/office/drawing/2014/main" id="{0DE6DB3A-1F21-4071-B92B-719E35C36FAC}"/>
+                </a:ext>
+              </a:extLst>
+            </p:cNvPr>
+            <p:cNvSpPr/>
+            <p:nvPr/>
+          </p:nvSpPr>
+          <p:spPr>
+            <a:xfrm>
+              <a:off x="8750668" y="5171886"/>
+              <a:ext cx="787791" cy="393895"/>
+            </a:xfrm>
+            <a:prstGeom prst="rect">
+              <a:avLst/>
+            </a:prstGeom>
+            <a:noFill/>
+            <a:ln>
+              <a:solidFill>
+                <a:srgbClr val="FF0000"/>
+              </a:solidFill>
+            </a:ln>
+          </p:spPr>
+          <p:style>
+            <a:lnRef idx="2">
+              <a:schemeClr val="accent1">
+                <a:shade val="50000"/>
+              </a:schemeClr>
+            </a:lnRef>
+            <a:fillRef idx="1">
+              <a:schemeClr val="accent1"/>
+            </a:fillRef>
+            <a:effectRef idx="0">
+              <a:schemeClr val="accent1"/>
+            </a:effectRef>
+            <a:fontRef idx="minor">
+              <a:schemeClr val="lt1"/>
+            </a:fontRef>
+          </p:style>
+          <p:txBody>
+            <a:bodyPr rtlCol="0" anchor="ctr"/>
+            <a:lstStyle/>
+            <a:p>
+              <a:pPr algn="ctr"/>
+              <a:endParaRPr lang="en-US"/>
+            </a:p>
+          </p:txBody>
+        </p:sp>
+        <p:cxnSp>
+          <p:nvCxnSpPr>
+            <p:cNvPr id="15" name="Straight Arrow Connector 14">
+              <a:extLst>
+                <a:ext uri="{FF2B5EF4-FFF2-40B4-BE49-F238E27FC236}">
+                  <a16:creationId xmlns:a16="http://schemas.microsoft.com/office/drawing/2014/main" id="{4B9C295D-4E5B-4A9F-A31F-33B7362B4FD7}"/>
+                </a:ext>
+              </a:extLst>
+            </p:cNvPr>
+            <p:cNvCxnSpPr>
+              <a:cxnSpLocks/>
+            </p:cNvCxnSpPr>
+            <p:nvPr/>
+          </p:nvCxnSpPr>
+          <p:spPr>
+            <a:xfrm flipV="1">
+              <a:off x="8307692" y="5559752"/>
+              <a:ext cx="457272" cy="299441"/>
+            </a:xfrm>
+            <a:prstGeom prst="straightConnector1">
+              <a:avLst/>
+            </a:prstGeom>
+            <a:ln w="38100">
+              <a:solidFill>
+                <a:srgbClr val="FF0000"/>
+              </a:solidFill>
+              <a:headEnd w="lg" len="lg"/>
+              <a:tailEnd type="triangle" w="lg" len="lg"/>
+            </a:ln>
+          </p:spPr>
+          <p:style>
+            <a:lnRef idx="1">
+              <a:schemeClr val="accent1"/>
+            </a:lnRef>
+            <a:fillRef idx="0">
+              <a:schemeClr val="accent1"/>
+            </a:fillRef>
+            <a:effectRef idx="0">
+              <a:schemeClr val="accent1"/>
+            </a:effectRef>
+            <a:fontRef idx="minor">
+              <a:schemeClr val="tx1"/>
+            </a:fontRef>
+          </p:style>
+        </p:cxnSp>
+        <p:cxnSp>
+          <p:nvCxnSpPr>
+            <p:cNvPr id="16" name="Straight Arrow Connector 15">
+              <a:extLst>
+                <a:ext uri="{FF2B5EF4-FFF2-40B4-BE49-F238E27FC236}">
+                  <a16:creationId xmlns:a16="http://schemas.microsoft.com/office/drawing/2014/main" id="{187A355E-CDE8-4CE5-B8D6-36D062BF3DA2}"/>
+                </a:ext>
+              </a:extLst>
+            </p:cNvPr>
+            <p:cNvCxnSpPr>
+              <a:cxnSpLocks/>
+            </p:cNvCxnSpPr>
+            <p:nvPr/>
+          </p:nvCxnSpPr>
+          <p:spPr>
+            <a:xfrm flipV="1">
+              <a:off x="9559488" y="5959676"/>
+              <a:ext cx="396312" cy="351473"/>
+            </a:xfrm>
+            <a:prstGeom prst="straightConnector1">
+              <a:avLst/>
+            </a:prstGeom>
+            <a:ln w="38100">
+              <a:solidFill>
+                <a:srgbClr val="0070C0"/>
+              </a:solidFill>
+              <a:headEnd w="lg" len="lg"/>
+              <a:tailEnd type="triangle" w="lg" len="lg"/>
+            </a:ln>
+          </p:spPr>
+          <p:style>
+            <a:lnRef idx="1">
+              <a:schemeClr val="accent1"/>
+            </a:lnRef>
+            <a:fillRef idx="0">
+              <a:schemeClr val="accent1"/>
+            </a:fillRef>
+            <a:effectRef idx="0">
+              <a:schemeClr val="accent1"/>
+            </a:effectRef>
+            <a:fontRef idx="minor">
+              <a:schemeClr val="tx1"/>
+            </a:fontRef>
+          </p:style>
+        </p:cxnSp>
+      </p:grpSp>
+      <p:grpSp>
+        <p:nvGrpSpPr>
+          <p:cNvPr id="18" name="Group 17">
+            <a:extLst>
+              <a:ext uri="{FF2B5EF4-FFF2-40B4-BE49-F238E27FC236}">
+                <a16:creationId xmlns:a16="http://schemas.microsoft.com/office/drawing/2014/main" id="{7C7BC7B5-E615-4225-96AC-4464445BD4D6}"/>
+              </a:ext>
+            </a:extLst>
+          </p:cNvPr>
+          <p:cNvGrpSpPr/>
+          <p:nvPr/>
+        </p:nvGrpSpPr>
+        <p:grpSpPr>
+          <a:xfrm>
+            <a:off x="2582479" y="286464"/>
+            <a:ext cx="7027040" cy="2909500"/>
+            <a:chOff x="172939" y="1912919"/>
+            <a:chExt cx="7027040" cy="2909500"/>
+          </a:xfrm>
+        </p:grpSpPr>
+        <p:pic>
+          <p:nvPicPr>
+            <p:cNvPr id="5" name="Picture 4">
+              <a:extLst>
+                <a:ext uri="{FF2B5EF4-FFF2-40B4-BE49-F238E27FC236}">
+                  <a16:creationId xmlns:a16="http://schemas.microsoft.com/office/drawing/2014/main" id="{214882EB-68E3-468E-AB19-255C29395F98}"/>
+                </a:ext>
+              </a:extLst>
+            </p:cNvPr>
+            <p:cNvPicPr>
+              <a:picLocks noChangeAspect="1"/>
+            </p:cNvPicPr>
+            <p:nvPr/>
+          </p:nvPicPr>
+          <p:blipFill>
+            <a:blip r:embed="rId4"/>
+            <a:stretch>
+              <a:fillRect/>
+            </a:stretch>
+          </p:blipFill>
+          <p:spPr>
+            <a:xfrm>
+              <a:off x="172939" y="1912919"/>
+              <a:ext cx="7027040" cy="2909500"/>
+            </a:xfrm>
+            <a:prstGeom prst="rect">
+              <a:avLst/>
+            </a:prstGeom>
+            <a:ln>
+              <a:solidFill>
+                <a:schemeClr val="accent1">
+                  <a:shade val="50000"/>
+                </a:schemeClr>
+              </a:solidFill>
+            </a:ln>
+          </p:spPr>
+        </p:pic>
+        <p:sp>
+          <p:nvSpPr>
+            <p:cNvPr id="7" name="Rectangle 6">
+              <a:extLst>
+                <a:ext uri="{FF2B5EF4-FFF2-40B4-BE49-F238E27FC236}">
+                  <a16:creationId xmlns:a16="http://schemas.microsoft.com/office/drawing/2014/main" id="{6973E923-A857-4038-ADA6-5F6196C0F818}"/>
+                </a:ext>
+              </a:extLst>
+            </p:cNvPr>
+            <p:cNvSpPr/>
+            <p:nvPr/>
+          </p:nvSpPr>
+          <p:spPr>
+            <a:xfrm>
+              <a:off x="5150785" y="3893951"/>
+              <a:ext cx="787791" cy="393895"/>
+            </a:xfrm>
+            <a:prstGeom prst="rect">
+              <a:avLst/>
+            </a:prstGeom>
+            <a:noFill/>
+            <a:ln>
+              <a:solidFill>
+                <a:srgbClr val="0070C0"/>
+              </a:solidFill>
+            </a:ln>
+          </p:spPr>
+          <p:style>
+            <a:lnRef idx="2">
+              <a:schemeClr val="accent1">
+                <a:shade val="50000"/>
+              </a:schemeClr>
+            </a:lnRef>
+            <a:fillRef idx="1">
+              <a:schemeClr val="accent1"/>
+            </a:fillRef>
+            <a:effectRef idx="0">
+              <a:schemeClr val="accent1"/>
+            </a:effectRef>
+            <a:fontRef idx="minor">
+              <a:schemeClr val="lt1"/>
+            </a:fontRef>
+          </p:style>
+          <p:txBody>
+            <a:bodyPr rtlCol="0" anchor="ctr"/>
+            <a:lstStyle/>
+            <a:p>
+              <a:pPr algn="ctr"/>
+              <a:endParaRPr lang="en-US"/>
+            </a:p>
+          </p:txBody>
+        </p:sp>
+        <p:sp>
+          <p:nvSpPr>
+            <p:cNvPr id="8" name="Rectangle 7">
+              <a:extLst>
+                <a:ext uri="{FF2B5EF4-FFF2-40B4-BE49-F238E27FC236}">
+                  <a16:creationId xmlns:a16="http://schemas.microsoft.com/office/drawing/2014/main" id="{82B96F53-33B1-41EC-AC75-0B394278C26A}"/>
+                </a:ext>
+              </a:extLst>
+            </p:cNvPr>
+            <p:cNvSpPr/>
+            <p:nvPr/>
+          </p:nvSpPr>
+          <p:spPr>
+            <a:xfrm>
+              <a:off x="3945653" y="3500056"/>
+              <a:ext cx="787791" cy="393895"/>
+            </a:xfrm>
+            <a:prstGeom prst="rect">
+              <a:avLst/>
+            </a:prstGeom>
+            <a:noFill/>
+            <a:ln>
+              <a:solidFill>
+                <a:srgbClr val="FF0000"/>
+              </a:solidFill>
+            </a:ln>
+          </p:spPr>
+          <p:style>
+            <a:lnRef idx="2">
+              <a:schemeClr val="accent1">
+                <a:shade val="50000"/>
+              </a:schemeClr>
+            </a:lnRef>
+            <a:fillRef idx="1">
+              <a:schemeClr val="accent1"/>
+            </a:fillRef>
+            <a:effectRef idx="0">
+              <a:schemeClr val="accent1"/>
+            </a:effectRef>
+            <a:fontRef idx="minor">
+              <a:schemeClr val="lt1"/>
+            </a:fontRef>
+          </p:style>
+          <p:txBody>
+            <a:bodyPr rtlCol="0" anchor="ctr"/>
+            <a:lstStyle/>
+            <a:p>
+              <a:pPr algn="ctr"/>
+              <a:endParaRPr lang="en-US"/>
+            </a:p>
+          </p:txBody>
+        </p:sp>
+        <p:cxnSp>
+          <p:nvCxnSpPr>
+            <p:cNvPr id="9" name="Straight Arrow Connector 8">
+              <a:extLst>
+                <a:ext uri="{FF2B5EF4-FFF2-40B4-BE49-F238E27FC236}">
+                  <a16:creationId xmlns:a16="http://schemas.microsoft.com/office/drawing/2014/main" id="{46A514F3-C52E-4EC2-BEFB-8C639D7B9568}"/>
+                </a:ext>
+              </a:extLst>
+            </p:cNvPr>
+            <p:cNvCxnSpPr>
+              <a:cxnSpLocks/>
+            </p:cNvCxnSpPr>
+            <p:nvPr/>
+          </p:nvCxnSpPr>
+          <p:spPr>
+            <a:xfrm flipV="1">
+              <a:off x="3502677" y="3887922"/>
+              <a:ext cx="457272" cy="299441"/>
+            </a:xfrm>
+            <a:prstGeom prst="straightConnector1">
+              <a:avLst/>
+            </a:prstGeom>
+            <a:ln w="38100">
+              <a:solidFill>
+                <a:srgbClr val="FF0000"/>
+              </a:solidFill>
+              <a:headEnd w="lg" len="lg"/>
+              <a:tailEnd type="triangle" w="lg" len="lg"/>
+            </a:ln>
+          </p:spPr>
+          <p:style>
+            <a:lnRef idx="1">
+              <a:schemeClr val="accent1"/>
+            </a:lnRef>
+            <a:fillRef idx="0">
+              <a:schemeClr val="accent1"/>
+            </a:fillRef>
+            <a:effectRef idx="0">
+              <a:schemeClr val="accent1"/>
+            </a:effectRef>
+            <a:fontRef idx="minor">
+              <a:schemeClr val="tx1"/>
+            </a:fontRef>
+          </p:style>
+        </p:cxnSp>
+        <p:cxnSp>
+          <p:nvCxnSpPr>
+            <p:cNvPr id="10" name="Straight Arrow Connector 9">
+              <a:extLst>
+                <a:ext uri="{FF2B5EF4-FFF2-40B4-BE49-F238E27FC236}">
+                  <a16:creationId xmlns:a16="http://schemas.microsoft.com/office/drawing/2014/main" id="{AAD4D84D-19FF-4048-91BD-B26A96856A8D}"/>
+                </a:ext>
+              </a:extLst>
+            </p:cNvPr>
+            <p:cNvCxnSpPr>
+              <a:cxnSpLocks/>
+            </p:cNvCxnSpPr>
+            <p:nvPr/>
+          </p:nvCxnSpPr>
+          <p:spPr>
+            <a:xfrm flipV="1">
+              <a:off x="4754473" y="4287846"/>
+              <a:ext cx="396312" cy="351473"/>
+            </a:xfrm>
+            <a:prstGeom prst="straightConnector1">
+              <a:avLst/>
+            </a:prstGeom>
+            <a:ln w="38100">
+              <a:solidFill>
+                <a:srgbClr val="0070C0"/>
+              </a:solidFill>
+              <a:headEnd w="lg" len="lg"/>
+              <a:tailEnd type="triangle" w="lg" len="lg"/>
+            </a:ln>
+          </p:spPr>
+          <p:style>
+            <a:lnRef idx="1">
+              <a:schemeClr val="accent1"/>
+            </a:lnRef>
+            <a:fillRef idx="0">
+              <a:schemeClr val="accent1"/>
+            </a:fillRef>
+            <a:effectRef idx="0">
+              <a:schemeClr val="accent1"/>
+            </a:effectRef>
+            <a:fontRef idx="minor">
+              <a:schemeClr val="tx1"/>
+            </a:fontRef>
+          </p:style>
+        </p:cxnSp>
+      </p:grpSp>
+      <p:sp>
+        <p:nvSpPr>
+          <p:cNvPr id="19" name="TextBox 18">
+            <a:extLst>
+              <a:ext uri="{FF2B5EF4-FFF2-40B4-BE49-F238E27FC236}">
+                <a16:creationId xmlns:a16="http://schemas.microsoft.com/office/drawing/2014/main" id="{950B2E6E-E3A0-4CF3-8322-49CAA3FD517F}"/>
+              </a:ext>
+            </a:extLst>
+          </p:cNvPr>
+          <p:cNvSpPr txBox="1"/>
+          <p:nvPr/>
+        </p:nvSpPr>
+        <p:spPr>
+          <a:xfrm>
+            <a:off x="914590" y="1307360"/>
+            <a:ext cx="5219115" cy="954107"/>
+          </a:xfrm>
+          <a:prstGeom prst="rect">
+            <a:avLst/>
+          </a:prstGeom>
+          <a:noFill/>
+        </p:spPr>
+        <p:txBody>
+          <a:bodyPr wrap="square" rtlCol="0">
+            <a:spAutoFit/>
+          </a:bodyPr>
+          <a:lstStyle/>
+          <a:p>
+            <a:r>
+              <a:rPr lang="en-US" sz="2800" dirty="0"/>
+              <a:t>Logistic </a:t>
+            </a:r>
+          </a:p>
+          <a:p>
+            <a:r>
+              <a:rPr lang="en-US" sz="2800" dirty="0"/>
+              <a:t>Regressor</a:t>
+            </a:r>
+          </a:p>
+        </p:txBody>
+      </p:sp>
+      <p:sp>
+        <p:nvSpPr>
+          <p:cNvPr id="20" name="TextBox 19">
+            <a:extLst>
+              <a:ext uri="{FF2B5EF4-FFF2-40B4-BE49-F238E27FC236}">
+                <a16:creationId xmlns:a16="http://schemas.microsoft.com/office/drawing/2014/main" id="{36294F3D-7FE0-498B-9CE7-DB99A325B832}"/>
+              </a:ext>
+            </a:extLst>
+          </p:cNvPr>
+          <p:cNvSpPr txBox="1"/>
+          <p:nvPr/>
+        </p:nvSpPr>
+        <p:spPr>
+          <a:xfrm>
+            <a:off x="1529973" y="4210990"/>
+            <a:ext cx="5219115" cy="954107"/>
+          </a:xfrm>
+          <a:prstGeom prst="rect">
+            <a:avLst/>
+          </a:prstGeom>
+          <a:noFill/>
+        </p:spPr>
+        <p:txBody>
+          <a:bodyPr wrap="square" rtlCol="0">
+            <a:spAutoFit/>
+          </a:bodyPr>
+          <a:lstStyle/>
+          <a:p>
+            <a:r>
+              <a:rPr lang="en-US" sz="2800" dirty="0"/>
+              <a:t>Extra</a:t>
+            </a:r>
+          </a:p>
+          <a:p>
+            <a:r>
+              <a:rPr lang="en-US" sz="2800" dirty="0"/>
+              <a:t>Trees</a:t>
+            </a:r>
+          </a:p>
+        </p:txBody>
+      </p:sp>
+    </p:spTree>
+    <p:extLst>
+      <p:ext uri="{BB962C8B-B14F-4D97-AF65-F5344CB8AC3E}">
+        <p14:creationId xmlns:p14="http://schemas.microsoft.com/office/powerpoint/2010/main" val="1217344239"/>
+      </p:ext>
+    </p:extLst>
+  </p:cSld>
+  <p:clrMapOvr>
+    <a:masterClrMapping/>
+  </p:clrMapOvr>
+</p:sld>
+</file>
+
+<file path=ppt/slides/slide23.xml><?xml version="1.0" encoding="utf-8"?>
+<p:sld xmlns:a="http://schemas.openxmlformats.org/drawingml/2006/main" xmlns:r="http://schemas.openxmlformats.org/officeDocument/2006/relationships" xmlns:p="http://schemas.openxmlformats.org/presentationml/2006/main">
+  <p:cSld>
+    <p:spTree>
+      <p:nvGrpSpPr>
+        <p:cNvPr id="1" name=""/>
+        <p:cNvGrpSpPr/>
+        <p:nvPr/>
+      </p:nvGrpSpPr>
+      <p:grpSpPr>
+        <a:xfrm>
+          <a:off x="0" y="0"/>
+          <a:ext cx="0" cy="0"/>
+          <a:chOff x="0" y="0"/>
+          <a:chExt cx="0" cy="0"/>
+        </a:xfrm>
+      </p:grpSpPr>
+      <p:pic>
+        <p:nvPicPr>
+          <p:cNvPr id="2" name="Picture 2" descr="Image result for reinsurance">
+            <a:extLst>
+              <a:ext uri="{FF2B5EF4-FFF2-40B4-BE49-F238E27FC236}">
+                <a16:creationId xmlns:a16="http://schemas.microsoft.com/office/drawing/2014/main" id="{070B068F-9DF1-4994-B3D8-383BD3A776BB}"/>
+              </a:ext>
+            </a:extLst>
+          </p:cNvPr>
+          <p:cNvPicPr>
+            <a:picLocks noChangeAspect="1" noChangeArrowheads="1"/>
+          </p:cNvPicPr>
+          <p:nvPr/>
+        </p:nvPicPr>
+        <p:blipFill rotWithShape="1">
+          <a:blip r:embed="rId2">
+            <a:extLst>
+              <a:ext uri="{28A0092B-C50C-407E-A947-70E740481C1C}">
+                <a14:useLocalDpi xmlns:a14="http://schemas.microsoft.com/office/drawing/2010/main" val="0"/>
+              </a:ext>
+            </a:extLst>
+          </a:blip>
+          <a:srcRect l="20174" r="21466"/>
+          <a:stretch/>
+        </p:blipFill>
+        <p:spPr bwMode="auto">
+          <a:xfrm>
+            <a:off x="2341" y="5552667"/>
+            <a:ext cx="1352390" cy="1305333"/>
+          </a:xfrm>
+          <a:prstGeom prst="rect">
+            <a:avLst/>
+          </a:prstGeom>
+          <a:noFill/>
+          <a:extLst>
+            <a:ext uri="{909E8E84-426E-40DD-AFC4-6F175D3DCCD1}">
+              <a14:hiddenFill xmlns:a14="http://schemas.microsoft.com/office/drawing/2010/main">
+                <a:solidFill>
+                  <a:srgbClr val="FFFFFF"/>
+                </a:solidFill>
+              </a14:hiddenFill>
+            </a:ext>
+          </a:extLst>
+        </p:spPr>
+      </p:pic>
+      <p:sp>
+        <p:nvSpPr>
+          <p:cNvPr id="3" name="TextBox 2">
+            <a:extLst>
+              <a:ext uri="{FF2B5EF4-FFF2-40B4-BE49-F238E27FC236}">
+                <a16:creationId xmlns:a16="http://schemas.microsoft.com/office/drawing/2014/main" id="{FA3CE48E-1C65-4AF0-9746-7B90E5646535}"/>
+              </a:ext>
+            </a:extLst>
+          </p:cNvPr>
+          <p:cNvSpPr txBox="1"/>
+          <p:nvPr/>
+        </p:nvSpPr>
+        <p:spPr>
+          <a:xfrm>
+            <a:off x="56272" y="56272"/>
+            <a:ext cx="5219115" cy="523220"/>
+          </a:xfrm>
+          <a:prstGeom prst="rect">
+            <a:avLst/>
+          </a:prstGeom>
+          <a:noFill/>
+        </p:spPr>
+        <p:txBody>
+          <a:bodyPr wrap="square" rtlCol="0">
+            <a:spAutoFit/>
+          </a:bodyPr>
+          <a:lstStyle/>
+          <a:p>
+            <a:r>
+              <a:rPr lang="en-US" sz="2800" b="1" dirty="0"/>
+              <a:t>Conclusion</a:t>
+            </a:r>
+          </a:p>
+        </p:txBody>
+      </p:sp>
+      <p:sp>
+        <p:nvSpPr>
+          <p:cNvPr id="4" name="TextBox 3">
+            <a:extLst>
+              <a:ext uri="{FF2B5EF4-FFF2-40B4-BE49-F238E27FC236}">
+                <a16:creationId xmlns:a16="http://schemas.microsoft.com/office/drawing/2014/main" id="{9C200CBD-2303-48A7-A392-DB0A2C4A0AA5}"/>
+              </a:ext>
+            </a:extLst>
+          </p:cNvPr>
+          <p:cNvSpPr txBox="1"/>
+          <p:nvPr/>
+        </p:nvSpPr>
+        <p:spPr>
+          <a:xfrm>
+            <a:off x="590840" y="1659285"/>
+            <a:ext cx="11223675" cy="3539430"/>
+          </a:xfrm>
+          <a:prstGeom prst="rect">
+            <a:avLst/>
+          </a:prstGeom>
+          <a:noFill/>
+        </p:spPr>
+        <p:txBody>
+          <a:bodyPr wrap="square" rtlCol="0">
+            <a:spAutoFit/>
+          </a:bodyPr>
+          <a:lstStyle/>
+          <a:p>
+            <a:pPr marL="457200" indent="-457200" algn="just">
+              <a:buFont typeface="Arial" panose="020B0604020202020204" pitchFamily="34" charset="0"/>
+              <a:buChar char="•"/>
+            </a:pPr>
+            <a:r>
+              <a:rPr lang="en-US" sz="2800" i="1" dirty="0"/>
+              <a:t>Whilst Extra Trees did slightly better in accuracy, Logistic Regression performed much better on Recall </a:t>
+            </a:r>
+            <a:r>
+              <a:rPr lang="en-US" sz="2800" i="1" dirty="0">
+                <a:sym typeface="Wingdings" panose="05000000000000000000" pitchFamily="2" charset="2"/>
+              </a:rPr>
+              <a:t> and that’s the most important metric for the problem statement.</a:t>
+            </a:r>
+            <a:endParaRPr lang="en-US" sz="2800" i="1" dirty="0"/>
+          </a:p>
+          <a:p>
+            <a:pPr marL="457200" indent="-457200" algn="just">
+              <a:buFont typeface="Arial" panose="020B0604020202020204" pitchFamily="34" charset="0"/>
+              <a:buChar char="•"/>
+            </a:pPr>
+            <a:endParaRPr lang="en-US" sz="2800" i="1" dirty="0"/>
+          </a:p>
+          <a:p>
+            <a:pPr marL="457200" indent="-457200" algn="just">
+              <a:buFont typeface="Arial" panose="020B0604020202020204" pitchFamily="34" charset="0"/>
+              <a:buChar char="•"/>
+            </a:pPr>
+            <a:r>
+              <a:rPr lang="en-US" sz="2800" i="1" dirty="0"/>
+              <a:t>Using coarse-grained data from the annual returns, the classification model was able to out-perform the baseline accuracy. Imagine what more a </a:t>
+            </a:r>
+            <a:r>
+              <a:rPr lang="en-US" sz="2800" b="1" i="1" u="sng" dirty="0"/>
+              <a:t>GA DSI Graduate with access to underwriting and claims data </a:t>
+            </a:r>
+            <a:r>
+              <a:rPr lang="en-US" sz="2800" i="1" dirty="0"/>
+              <a:t>can do for an insurer.</a:t>
+            </a:r>
+          </a:p>
+        </p:txBody>
+      </p:sp>
+    </p:spTree>
+    <p:extLst>
+      <p:ext uri="{BB962C8B-B14F-4D97-AF65-F5344CB8AC3E}">
+        <p14:creationId xmlns:p14="http://schemas.microsoft.com/office/powerpoint/2010/main" val="1055779350"/>
+      </p:ext>
+    </p:extLst>
+  </p:cSld>
+  <p:clrMapOvr>
+    <a:masterClrMapping/>
+  </p:clrMapOvr>
+</p:sld>
+</file>
+
+<file path=ppt/slides/slide24.xml><?xml version="1.0" encoding="utf-8"?>
+<p:sld xmlns:a="http://schemas.openxmlformats.org/drawingml/2006/main" xmlns:r="http://schemas.openxmlformats.org/officeDocument/2006/relationships" xmlns:p="http://schemas.openxmlformats.org/presentationml/2006/main">
+  <p:cSld>
+    <p:spTree>
+      <p:nvGrpSpPr>
+        <p:cNvPr id="1" name=""/>
+        <p:cNvGrpSpPr/>
+        <p:nvPr/>
+      </p:nvGrpSpPr>
+      <p:grpSpPr>
+        <a:xfrm>
+          <a:off x="0" y="0"/>
+          <a:ext cx="0" cy="0"/>
+          <a:chOff x="0" y="0"/>
+          <a:chExt cx="0" cy="0"/>
+        </a:xfrm>
+      </p:grpSpPr>
+      <p:pic>
+        <p:nvPicPr>
+          <p:cNvPr id="2" name="Picture 2" descr="Image result for reinsurance">
+            <a:extLst>
+              <a:ext uri="{FF2B5EF4-FFF2-40B4-BE49-F238E27FC236}">
+                <a16:creationId xmlns:a16="http://schemas.microsoft.com/office/drawing/2014/main" id="{070B068F-9DF1-4994-B3D8-383BD3A776BB}"/>
+              </a:ext>
+            </a:extLst>
+          </p:cNvPr>
+          <p:cNvPicPr>
+            <a:picLocks noChangeAspect="1" noChangeArrowheads="1"/>
+          </p:cNvPicPr>
+          <p:nvPr/>
+        </p:nvPicPr>
+        <p:blipFill rotWithShape="1">
+          <a:blip r:embed="rId2">
+            <a:extLst>
+              <a:ext uri="{28A0092B-C50C-407E-A947-70E740481C1C}">
+                <a14:useLocalDpi xmlns:a14="http://schemas.microsoft.com/office/drawing/2010/main" val="0"/>
+              </a:ext>
+            </a:extLst>
+          </a:blip>
+          <a:srcRect l="20174" r="21466"/>
+          <a:stretch/>
+        </p:blipFill>
+        <p:spPr bwMode="auto">
+          <a:xfrm>
+            <a:off x="2341" y="5552667"/>
+            <a:ext cx="1352390" cy="1305333"/>
+          </a:xfrm>
+          <a:prstGeom prst="rect">
+            <a:avLst/>
+          </a:prstGeom>
+          <a:noFill/>
+          <a:extLst>
+            <a:ext uri="{909E8E84-426E-40DD-AFC4-6F175D3DCCD1}">
+              <a14:hiddenFill xmlns:a14="http://schemas.microsoft.com/office/drawing/2010/main">
+                <a:solidFill>
+                  <a:srgbClr val="FFFFFF"/>
+                </a:solidFill>
+              </a14:hiddenFill>
+            </a:ext>
+          </a:extLst>
+        </p:spPr>
+      </p:pic>
+      <p:sp>
+        <p:nvSpPr>
+          <p:cNvPr id="3" name="TextBox 2">
+            <a:extLst>
+              <a:ext uri="{FF2B5EF4-FFF2-40B4-BE49-F238E27FC236}">
+                <a16:creationId xmlns:a16="http://schemas.microsoft.com/office/drawing/2014/main" id="{FA3CE48E-1C65-4AF0-9746-7B90E5646535}"/>
+              </a:ext>
+            </a:extLst>
+          </p:cNvPr>
+          <p:cNvSpPr txBox="1"/>
+          <p:nvPr/>
+        </p:nvSpPr>
+        <p:spPr>
+          <a:xfrm>
+            <a:off x="3486442" y="2905780"/>
+            <a:ext cx="5219115" cy="523220"/>
+          </a:xfrm>
+          <a:prstGeom prst="rect">
+            <a:avLst/>
+          </a:prstGeom>
+          <a:noFill/>
+        </p:spPr>
+        <p:txBody>
+          <a:bodyPr wrap="square" rtlCol="0">
+            <a:spAutoFit/>
+          </a:bodyPr>
+          <a:lstStyle/>
+          <a:p>
+            <a:r>
+              <a:rPr lang="en-US" sz="2800" b="1" dirty="0"/>
+              <a:t>What the moral of the story?</a:t>
+            </a:r>
+          </a:p>
+        </p:txBody>
+      </p:sp>
+    </p:spTree>
+    <p:extLst>
+      <p:ext uri="{BB962C8B-B14F-4D97-AF65-F5344CB8AC3E}">
+        <p14:creationId xmlns:p14="http://schemas.microsoft.com/office/powerpoint/2010/main" val="541848034"/>
+      </p:ext>
+    </p:extLst>
+  </p:cSld>
+  <p:clrMapOvr>
+    <a:masterClrMapping/>
+  </p:clrMapOvr>
+</p:sld>
+</file>
+
+<file path=ppt/slides/slide25.xml><?xml version="1.0" encoding="utf-8"?>
+<p:sld xmlns:a="http://schemas.openxmlformats.org/drawingml/2006/main" xmlns:r="http://schemas.openxmlformats.org/officeDocument/2006/relationships" xmlns:p="http://schemas.openxmlformats.org/presentationml/2006/main">
+  <p:cSld>
     <p:bg>
       <p:bgPr>
         <a:solidFill>
@@ -12382,7 +14388,7 @@
           <a:p>
             <a:r>
               <a:rPr lang="en-US" sz="2800" b="1" dirty="0"/>
-              <a:t>… and yet! More Insurers!</a:t>
+              <a:t>… and yet… More Insurers!</a:t>
             </a:r>
           </a:p>
         </p:txBody>
@@ -12403,8 +14409,8 @@
         </p:nvCxnSpPr>
         <p:spPr>
           <a:xfrm flipV="1">
-            <a:off x="7934178" y="1533378"/>
-            <a:ext cx="2537776" cy="3530992"/>
+            <a:off x="7455877" y="1167618"/>
+            <a:ext cx="3044213" cy="3840482"/>
           </a:xfrm>
           <a:prstGeom prst="straightConnector1">
             <a:avLst/>

--- a/Capstone_Final_Presentation.pptx
+++ b/Capstone_Final_Presentation.pptx
@@ -11018,7 +11018,7 @@
           <a:p>
             <a:r>
               <a:rPr lang="en-US" sz="2800" b="1" dirty="0"/>
-              <a:t>What the moral of the story?</a:t>
+              <a:t>What is the moral of the story?</a:t>
             </a:r>
           </a:p>
         </p:txBody>
